--- a/聯合崇拜流程.pptx
+++ b/聯合崇拜流程.pptx
@@ -138,13 +138,18 @@
   </p:defaultTextStyle>
   <p:extLst>
     <p:ext uri="{EFAFB233-063F-42B5-8137-9DF3F51BA10A}">
-      <p15:sldGuideLst xmlns="" xmlns:p15="http://schemas.microsoft.com/office/powerpoint/2012/main">
+      <p15:sldGuideLst xmlns:p15="http://schemas.microsoft.com/office/powerpoint/2012/main">
         <p15:guide id="1" orient="horz" pos="2160">
           <p15:clr>
             <a:srgbClr val="A4A3A4"/>
           </p15:clr>
         </p15:guide>
         <p15:guide id="2" pos="2880">
+          <p15:clr>
+            <a:srgbClr val="A4A3A4"/>
+          </p15:clr>
+        </p15:guide>
+        <p15:guide id="3" orient="horz" pos="1620">
           <p15:clr>
             <a:srgbClr val="A4A3A4"/>
           </p15:clr>
@@ -238,7 +243,7 @@
             <a:fld id="{2F30D4D0-EAC7-4980-A92D-C26C9148BA0F}" type="datetimeFigureOut">
               <a:rPr lang="zh-TW" altLang="en-US" smtClean="0"/>
               <a:pPr/>
-              <a:t>2019/9/20</a:t>
+              <a:t>2019/11/16</a:t>
             </a:fld>
             <a:endParaRPr lang="zh-TW" altLang="en-US"/>
           </a:p>
@@ -1479,7 +1484,7 @@
             <a:fld id="{5BBEAD13-0566-4C6C-97E7-55F17F24B09F}" type="datetimeFigureOut">
               <a:rPr lang="zh-TW" altLang="en-US" smtClean="0"/>
               <a:pPr/>
-              <a:t>2019/9/20</a:t>
+              <a:t>2019/11/16</a:t>
             </a:fld>
             <a:endParaRPr lang="zh-TW" altLang="en-US"/>
           </a:p>
@@ -1646,7 +1651,7 @@
             <a:fld id="{5BBEAD13-0566-4C6C-97E7-55F17F24B09F}" type="datetimeFigureOut">
               <a:rPr lang="zh-TW" altLang="en-US" smtClean="0"/>
               <a:pPr/>
-              <a:t>2019/9/20</a:t>
+              <a:t>2019/11/16</a:t>
             </a:fld>
             <a:endParaRPr lang="zh-TW" altLang="en-US"/>
           </a:p>
@@ -1823,7 +1828,7 @@
             <a:fld id="{5BBEAD13-0566-4C6C-97E7-55F17F24B09F}" type="datetimeFigureOut">
               <a:rPr lang="zh-TW" altLang="en-US" smtClean="0"/>
               <a:pPr/>
-              <a:t>2019/9/20</a:t>
+              <a:t>2019/11/16</a:t>
             </a:fld>
             <a:endParaRPr lang="zh-TW" altLang="en-US"/>
           </a:p>
@@ -1990,7 +1995,7 @@
             <a:fld id="{5BBEAD13-0566-4C6C-97E7-55F17F24B09F}" type="datetimeFigureOut">
               <a:rPr lang="zh-TW" altLang="en-US" smtClean="0"/>
               <a:pPr/>
-              <a:t>2019/9/20</a:t>
+              <a:t>2019/11/16</a:t>
             </a:fld>
             <a:endParaRPr lang="zh-TW" altLang="en-US"/>
           </a:p>
@@ -2233,7 +2238,7 @@
             <a:fld id="{5BBEAD13-0566-4C6C-97E7-55F17F24B09F}" type="datetimeFigureOut">
               <a:rPr lang="zh-TW" altLang="en-US" smtClean="0"/>
               <a:pPr/>
-              <a:t>2019/9/20</a:t>
+              <a:t>2019/11/16</a:t>
             </a:fld>
             <a:endParaRPr lang="zh-TW" altLang="en-US"/>
           </a:p>
@@ -2518,7 +2523,7 @@
             <a:fld id="{5BBEAD13-0566-4C6C-97E7-55F17F24B09F}" type="datetimeFigureOut">
               <a:rPr lang="zh-TW" altLang="en-US" smtClean="0"/>
               <a:pPr/>
-              <a:t>2019/9/20</a:t>
+              <a:t>2019/11/16</a:t>
             </a:fld>
             <a:endParaRPr lang="zh-TW" altLang="en-US"/>
           </a:p>
@@ -2937,7 +2942,7 @@
             <a:fld id="{5BBEAD13-0566-4C6C-97E7-55F17F24B09F}" type="datetimeFigureOut">
               <a:rPr lang="zh-TW" altLang="en-US" smtClean="0"/>
               <a:pPr/>
-              <a:t>2019/9/20</a:t>
+              <a:t>2019/11/16</a:t>
             </a:fld>
             <a:endParaRPr lang="zh-TW" altLang="en-US"/>
           </a:p>
@@ -3052,7 +3057,7 @@
             <a:fld id="{5BBEAD13-0566-4C6C-97E7-55F17F24B09F}" type="datetimeFigureOut">
               <a:rPr lang="zh-TW" altLang="en-US" smtClean="0"/>
               <a:pPr/>
-              <a:t>2019/9/20</a:t>
+              <a:t>2019/11/16</a:t>
             </a:fld>
             <a:endParaRPr lang="zh-TW" altLang="en-US"/>
           </a:p>
@@ -3144,7 +3149,7 @@
             <a:fld id="{5BBEAD13-0566-4C6C-97E7-55F17F24B09F}" type="datetimeFigureOut">
               <a:rPr lang="zh-TW" altLang="en-US" smtClean="0"/>
               <a:pPr/>
-              <a:t>2019/9/20</a:t>
+              <a:t>2019/11/16</a:t>
             </a:fld>
             <a:endParaRPr lang="zh-TW" altLang="en-US"/>
           </a:p>
@@ -3418,7 +3423,7 @@
             <a:fld id="{5BBEAD13-0566-4C6C-97E7-55F17F24B09F}" type="datetimeFigureOut">
               <a:rPr lang="zh-TW" altLang="en-US" smtClean="0"/>
               <a:pPr/>
-              <a:t>2019/9/20</a:t>
+              <a:t>2019/11/16</a:t>
             </a:fld>
             <a:endParaRPr lang="zh-TW" altLang="en-US"/>
           </a:p>
@@ -3672,7 +3677,7 @@
             <a:fld id="{5BBEAD13-0566-4C6C-97E7-55F17F24B09F}" type="datetimeFigureOut">
               <a:rPr lang="zh-TW" altLang="en-US" smtClean="0"/>
               <a:pPr/>
-              <a:t>2019/9/20</a:t>
+              <a:t>2019/11/16</a:t>
             </a:fld>
             <a:endParaRPr lang="zh-TW" altLang="en-US"/>
           </a:p>
@@ -3887,7 +3892,7 @@
             <a:fld id="{5BBEAD13-0566-4C6C-97E7-55F17F24B09F}" type="datetimeFigureOut">
               <a:rPr lang="zh-TW" altLang="en-US" smtClean="0"/>
               <a:pPr/>
-              <a:t>2019/9/20</a:t>
+              <a:t>2019/11/16</a:t>
             </a:fld>
             <a:endParaRPr lang="zh-TW" altLang="en-US"/>
           </a:p>
@@ -4270,7 +4275,7 @@
         </p:nvSpPr>
         <p:spPr>
           <a:xfrm>
-            <a:off x="0" y="1563638"/>
+            <a:off x="0" y="1707654"/>
             <a:ext cx="9144000" cy="964406"/>
           </a:xfrm>
         </p:spPr>
@@ -4282,7 +4287,7 @@
           <a:p>
             <a:pPr algn="ctr"/>
             <a:r>
-              <a:rPr lang="zh-CN" altLang="en-US" sz="8800" b="1" dirty="0">
+              <a:rPr lang="zh-CN" altLang="en-US" sz="6000" b="1" dirty="0">
                 <a:solidFill>
                   <a:srgbClr val="000066"/>
                 </a:solidFill>
@@ -4298,7 +4303,7 @@
               </a:rPr>
               <a:t>宣召</a:t>
             </a:r>
-            <a:endParaRPr lang="zh-TW" altLang="en-US" sz="8800" b="1" dirty="0">
+            <a:endParaRPr lang="zh-TW" altLang="en-US" sz="6000" b="1" dirty="0">
               <a:solidFill>
                 <a:srgbClr val="000066"/>
               </a:solidFill>
@@ -4325,7 +4330,7 @@
         </p:nvSpPr>
         <p:spPr>
           <a:xfrm>
-            <a:off x="0" y="2643758"/>
+            <a:off x="0" y="2355726"/>
             <a:ext cx="9144000" cy="964406"/>
           </a:xfrm>
           <a:prstGeom prst="rect">
@@ -4354,9 +4359,9 @@
           </a:lstStyle>
           <a:p>
             <a:r>
-              <a:rPr lang="en-US" altLang="zh-TW" sz="5400" b="1" dirty="0" err="1" smtClean="0">
-                <a:solidFill>
-                  <a:srgbClr val="800000"/>
+              <a:rPr lang="en-US" altLang="zh-TW" sz="3600" b="1" dirty="0" err="1" smtClean="0">
+                <a:solidFill>
+                  <a:srgbClr val="660033"/>
                 </a:solidFill>
                 <a:effectLst>
                   <a:outerShdw blurRad="38100" dist="38100" dir="2700000" algn="tl">
@@ -4365,16 +4370,16 @@
                     </a:srgbClr>
                   </a:outerShdw>
                 </a:effectLst>
-                <a:latin typeface="Times New Roman" pitchFamily="18" charset="0"/>
-                <a:ea typeface="微軟正黑體" pitchFamily="34" charset="-120"/>
-                <a:cs typeface="Times New Roman" pitchFamily="18" charset="0"/>
+                <a:latin typeface="Arial" panose="020B0604020202020204" pitchFamily="34" charset="0"/>
+                <a:ea typeface="微軟正黑體" pitchFamily="34" charset="-120"/>
+                <a:cs typeface="Arial" panose="020B0604020202020204" pitchFamily="34" charset="0"/>
               </a:rPr>
               <a:t>Kêu</a:t>
             </a:r>
             <a:r>
-              <a:rPr lang="en-US" altLang="zh-TW" sz="5400" b="1" dirty="0" smtClean="0">
-                <a:solidFill>
-                  <a:srgbClr val="800000"/>
+              <a:rPr lang="en-US" altLang="zh-TW" sz="3600" b="1" dirty="0" smtClean="0">
+                <a:solidFill>
+                  <a:srgbClr val="660033"/>
                 </a:solidFill>
                 <a:effectLst>
                   <a:outerShdw blurRad="38100" dist="38100" dir="2700000" algn="tl">
@@ -4383,16 +4388,16 @@
                     </a:srgbClr>
                   </a:outerShdw>
                 </a:effectLst>
-                <a:latin typeface="Times New Roman" pitchFamily="18" charset="0"/>
-                <a:ea typeface="微軟正黑體" pitchFamily="34" charset="-120"/>
-                <a:cs typeface="Times New Roman" pitchFamily="18" charset="0"/>
+                <a:latin typeface="Arial" panose="020B0604020202020204" pitchFamily="34" charset="0"/>
+                <a:ea typeface="微軟正黑體" pitchFamily="34" charset="-120"/>
+                <a:cs typeface="Arial" panose="020B0604020202020204" pitchFamily="34" charset="0"/>
               </a:rPr>
               <a:t> </a:t>
             </a:r>
             <a:r>
-              <a:rPr lang="en-US" altLang="zh-TW" sz="5400" b="1" dirty="0" err="1" smtClean="0">
-                <a:solidFill>
-                  <a:srgbClr val="800000"/>
+              <a:rPr lang="en-US" altLang="zh-TW" sz="3600" b="1" dirty="0" err="1" smtClean="0">
+                <a:solidFill>
+                  <a:srgbClr val="660033"/>
                 </a:solidFill>
                 <a:effectLst>
                   <a:outerShdw blurRad="38100" dist="38100" dir="2700000" algn="tl">
@@ -4401,16 +4406,16 @@
                     </a:srgbClr>
                   </a:outerShdw>
                 </a:effectLst>
-                <a:latin typeface="Times New Roman" pitchFamily="18" charset="0"/>
-                <a:ea typeface="微軟正黑體" pitchFamily="34" charset="-120"/>
-                <a:cs typeface="Times New Roman" pitchFamily="18" charset="0"/>
+                <a:latin typeface="Arial" panose="020B0604020202020204" pitchFamily="34" charset="0"/>
+                <a:ea typeface="微軟正黑體" pitchFamily="34" charset="-120"/>
+                <a:cs typeface="Arial" panose="020B0604020202020204" pitchFamily="34" charset="0"/>
               </a:rPr>
               <a:t>gọi</a:t>
             </a:r>
             <a:r>
-              <a:rPr lang="en-US" altLang="zh-TW" sz="5400" b="1" dirty="0" smtClean="0">
-                <a:solidFill>
-                  <a:srgbClr val="800000"/>
+              <a:rPr lang="en-US" altLang="zh-TW" sz="3600" b="1" dirty="0" smtClean="0">
+                <a:solidFill>
+                  <a:srgbClr val="660033"/>
                 </a:solidFill>
                 <a:effectLst>
                   <a:outerShdw blurRad="38100" dist="38100" dir="2700000" algn="tl">
@@ -4419,16 +4424,16 @@
                     </a:srgbClr>
                   </a:outerShdw>
                 </a:effectLst>
-                <a:latin typeface="Times New Roman" pitchFamily="18" charset="0"/>
-                <a:ea typeface="微軟正黑體" pitchFamily="34" charset="-120"/>
-                <a:cs typeface="Times New Roman" pitchFamily="18" charset="0"/>
+                <a:latin typeface="Arial" panose="020B0604020202020204" pitchFamily="34" charset="0"/>
+                <a:ea typeface="微軟正黑體" pitchFamily="34" charset="-120"/>
+                <a:cs typeface="Arial" panose="020B0604020202020204" pitchFamily="34" charset="0"/>
               </a:rPr>
               <a:t> </a:t>
             </a:r>
             <a:r>
-              <a:rPr lang="en-US" altLang="zh-TW" sz="5400" b="1" dirty="0" err="1" smtClean="0">
-                <a:solidFill>
-                  <a:srgbClr val="800000"/>
+              <a:rPr lang="en-US" altLang="zh-TW" sz="3600" b="1" dirty="0" err="1" smtClean="0">
+                <a:solidFill>
+                  <a:srgbClr val="660033"/>
                 </a:solidFill>
                 <a:effectLst>
                   <a:outerShdw blurRad="38100" dist="38100" dir="2700000" algn="tl">
@@ -4437,16 +4442,16 @@
                     </a:srgbClr>
                   </a:outerShdw>
                 </a:effectLst>
-                <a:latin typeface="Times New Roman" pitchFamily="18" charset="0"/>
-                <a:ea typeface="微軟正黑體" pitchFamily="34" charset="-120"/>
-                <a:cs typeface="Times New Roman" pitchFamily="18" charset="0"/>
+                <a:latin typeface="Arial" panose="020B0604020202020204" pitchFamily="34" charset="0"/>
+                <a:ea typeface="微軟正黑體" pitchFamily="34" charset="-120"/>
+                <a:cs typeface="Arial" panose="020B0604020202020204" pitchFamily="34" charset="0"/>
               </a:rPr>
               <a:t>thờ</a:t>
             </a:r>
             <a:r>
-              <a:rPr lang="en-US" altLang="zh-TW" sz="5400" b="1" dirty="0" smtClean="0">
-                <a:solidFill>
-                  <a:srgbClr val="800000"/>
+              <a:rPr lang="en-US" altLang="zh-TW" sz="3600" b="1" dirty="0" smtClean="0">
+                <a:solidFill>
+                  <a:srgbClr val="660033"/>
                 </a:solidFill>
                 <a:effectLst>
                   <a:outerShdw blurRad="38100" dist="38100" dir="2700000" algn="tl">
@@ -4455,16 +4460,16 @@
                     </a:srgbClr>
                   </a:outerShdw>
                 </a:effectLst>
-                <a:latin typeface="Times New Roman" pitchFamily="18" charset="0"/>
-                <a:ea typeface="微軟正黑體" pitchFamily="34" charset="-120"/>
-                <a:cs typeface="Times New Roman" pitchFamily="18" charset="0"/>
+                <a:latin typeface="Arial" panose="020B0604020202020204" pitchFamily="34" charset="0"/>
+                <a:ea typeface="微軟正黑體" pitchFamily="34" charset="-120"/>
+                <a:cs typeface="Arial" panose="020B0604020202020204" pitchFamily="34" charset="0"/>
               </a:rPr>
               <a:t> </a:t>
             </a:r>
             <a:r>
-              <a:rPr lang="en-US" altLang="zh-TW" sz="5400" b="1" dirty="0" err="1" smtClean="0">
-                <a:solidFill>
-                  <a:srgbClr val="800000"/>
+              <a:rPr lang="en-US" altLang="zh-TW" sz="3600" b="1" dirty="0" err="1" smtClean="0">
+                <a:solidFill>
+                  <a:srgbClr val="660033"/>
                 </a:solidFill>
                 <a:effectLst>
                   <a:outerShdw blurRad="38100" dist="38100" dir="2700000" algn="tl">
@@ -4473,15 +4478,15 @@
                     </a:srgbClr>
                   </a:outerShdw>
                 </a:effectLst>
-                <a:latin typeface="Times New Roman" pitchFamily="18" charset="0"/>
-                <a:ea typeface="微軟正黑體" pitchFamily="34" charset="-120"/>
-                <a:cs typeface="Times New Roman" pitchFamily="18" charset="0"/>
+                <a:latin typeface="Arial" panose="020B0604020202020204" pitchFamily="34" charset="0"/>
+                <a:ea typeface="微軟正黑體" pitchFamily="34" charset="-120"/>
+                <a:cs typeface="Arial" panose="020B0604020202020204" pitchFamily="34" charset="0"/>
               </a:rPr>
               <a:t>phượng</a:t>
             </a:r>
-            <a:endParaRPr lang="zh-TW" altLang="en-US" sz="5400" b="1" dirty="0">
+            <a:endParaRPr lang="zh-TW" altLang="en-US" sz="3600" b="1" dirty="0">
               <a:solidFill>
-                <a:srgbClr val="800000"/>
+                <a:srgbClr val="660033"/>
               </a:solidFill>
               <a:effectLst>
                 <a:outerShdw blurRad="38100" dist="38100" dir="2700000" algn="tl">
@@ -4490,9 +4495,9 @@
                   </a:srgbClr>
                 </a:outerShdw>
               </a:effectLst>
-              <a:latin typeface="Times New Roman" pitchFamily="18" charset="0"/>
+              <a:latin typeface="Arial" panose="020B0604020202020204" pitchFamily="34" charset="0"/>
               <a:ea typeface="微軟正黑體" pitchFamily="34" charset="-120"/>
-              <a:cs typeface="Times New Roman" pitchFamily="18" charset="0"/>
+              <a:cs typeface="Arial" panose="020B0604020202020204" pitchFamily="34" charset="0"/>
             </a:endParaRPr>
           </a:p>
         </p:txBody>
@@ -4541,7 +4546,7 @@
         </p:nvSpPr>
         <p:spPr>
           <a:xfrm>
-            <a:off x="0" y="1707654"/>
+            <a:off x="0" y="1923678"/>
             <a:ext cx="9144000" cy="628650"/>
           </a:xfrm>
         </p:spPr>
@@ -4552,7 +4557,7 @@
           <a:lstStyle/>
           <a:p>
             <a:r>
-              <a:rPr lang="zh-TW" altLang="en-US" sz="8800" b="1" dirty="0">
+              <a:rPr lang="zh-TW" altLang="en-US" sz="6000" b="1" dirty="0">
                 <a:solidFill>
                   <a:srgbClr val="000066"/>
                 </a:solidFill>
@@ -4569,7 +4574,7 @@
               <a:t>雅各</a:t>
             </a:r>
             <a:r>
-              <a:rPr lang="zh-CN" altLang="en-US" sz="8800" b="1" dirty="0">
+              <a:rPr lang="zh-CN" altLang="en-US" sz="6000" b="1" dirty="0">
                 <a:solidFill>
                   <a:srgbClr val="000066"/>
                 </a:solidFill>
@@ -4585,9 +4590,9 @@
               </a:rPr>
               <a:t>詩班</a:t>
             </a:r>
-            <a:endParaRPr lang="zh-TW" altLang="en-US" sz="8800" b="1" dirty="0">
+            <a:endParaRPr lang="zh-TW" altLang="en-US" sz="6000" b="1" dirty="0">
               <a:solidFill>
-                <a:srgbClr val="660033"/>
+                <a:srgbClr val="000066"/>
               </a:solidFill>
               <a:effectLst>
                 <a:outerShdw blurRad="38100" dist="38100" dir="2700000" algn="tl">
@@ -4612,7 +4617,7 @@
         </p:nvSpPr>
         <p:spPr>
           <a:xfrm>
-            <a:off x="0" y="2920752"/>
+            <a:off x="0" y="2643758"/>
             <a:ext cx="9144000" cy="628650"/>
           </a:xfrm>
           <a:prstGeom prst="rect">
@@ -4641,7 +4646,7 @@
           </a:lstStyle>
           <a:p>
             <a:r>
-              <a:rPr lang="en-US" altLang="zh-TW" sz="6600" b="1" dirty="0" smtClean="0">
+              <a:rPr lang="en-US" altLang="zh-TW" sz="3600" b="1" dirty="0">
                 <a:solidFill>
                   <a:srgbClr val="660033"/>
                 </a:solidFill>
@@ -4652,14 +4657,14 @@
                     </a:srgbClr>
                   </a:outerShdw>
                 </a:effectLst>
-                <a:latin typeface="Times New Roman" pitchFamily="18" charset="0"/>
-                <a:ea typeface="微軟正黑體" pitchFamily="34" charset="-120"/>
-                <a:cs typeface="Times New Roman" pitchFamily="18" charset="0"/>
+                <a:latin typeface="Arial" panose="020B0604020202020204" pitchFamily="34" charset="0"/>
+                <a:ea typeface="微軟正黑體" pitchFamily="34" charset="-120"/>
+                <a:cs typeface="Arial" panose="020B0604020202020204" pitchFamily="34" charset="0"/>
               </a:rPr>
               <a:t>Ban </a:t>
             </a:r>
             <a:r>
-              <a:rPr lang="en-US" altLang="zh-TW" sz="6600" b="1" dirty="0" err="1" smtClean="0">
+              <a:rPr lang="en-US" altLang="zh-TW" sz="3600" b="1" dirty="0" err="1">
                 <a:solidFill>
                   <a:srgbClr val="660033"/>
                 </a:solidFill>
@@ -4670,14 +4675,14 @@
                     </a:srgbClr>
                   </a:outerShdw>
                 </a:effectLst>
-                <a:latin typeface="Times New Roman" pitchFamily="18" charset="0"/>
-                <a:ea typeface="微軟正黑體" pitchFamily="34" charset="-120"/>
-                <a:cs typeface="Times New Roman" pitchFamily="18" charset="0"/>
+                <a:latin typeface="Arial" panose="020B0604020202020204" pitchFamily="34" charset="0"/>
+                <a:ea typeface="微軟正黑體" pitchFamily="34" charset="-120"/>
+                <a:cs typeface="Arial" panose="020B0604020202020204" pitchFamily="34" charset="0"/>
               </a:rPr>
               <a:t>hát</a:t>
             </a:r>
             <a:r>
-              <a:rPr lang="en-US" altLang="zh-TW" sz="6600" b="1" dirty="0" smtClean="0">
+              <a:rPr lang="en-US" altLang="zh-TW" sz="3600" b="1" dirty="0">
                 <a:solidFill>
                   <a:srgbClr val="660033"/>
                 </a:solidFill>
@@ -4688,14 +4693,14 @@
                     </a:srgbClr>
                   </a:outerShdw>
                 </a:effectLst>
-                <a:latin typeface="Times New Roman" pitchFamily="18" charset="0"/>
-                <a:ea typeface="微軟正黑體" pitchFamily="34" charset="-120"/>
-                <a:cs typeface="Times New Roman" pitchFamily="18" charset="0"/>
+                <a:latin typeface="Arial" panose="020B0604020202020204" pitchFamily="34" charset="0"/>
+                <a:ea typeface="微軟正黑體" pitchFamily="34" charset="-120"/>
+                <a:cs typeface="Arial" panose="020B0604020202020204" pitchFamily="34" charset="0"/>
               </a:rPr>
               <a:t> </a:t>
             </a:r>
             <a:r>
-              <a:rPr lang="en-US" altLang="zh-TW" sz="6600" b="1" dirty="0" err="1" smtClean="0">
+              <a:rPr lang="en-US" altLang="zh-TW" sz="3600" b="1" dirty="0" err="1">
                 <a:solidFill>
                   <a:srgbClr val="660033"/>
                 </a:solidFill>
@@ -4706,13 +4711,13 @@
                     </a:srgbClr>
                   </a:outerShdw>
                 </a:effectLst>
-                <a:latin typeface="Times New Roman" pitchFamily="18" charset="0"/>
-                <a:ea typeface="微軟正黑體" pitchFamily="34" charset="-120"/>
-                <a:cs typeface="Times New Roman" pitchFamily="18" charset="0"/>
+                <a:latin typeface="Arial" panose="020B0604020202020204" pitchFamily="34" charset="0"/>
+                <a:ea typeface="微軟正黑體" pitchFamily="34" charset="-120"/>
+                <a:cs typeface="Arial" panose="020B0604020202020204" pitchFamily="34" charset="0"/>
               </a:rPr>
               <a:t>Gia-cốp</a:t>
             </a:r>
-            <a:endParaRPr lang="zh-TW" altLang="en-US" sz="6600" b="1" dirty="0">
+            <a:endParaRPr lang="zh-TW" altLang="en-US" sz="3600" b="1" dirty="0">
               <a:solidFill>
                 <a:srgbClr val="660033"/>
               </a:solidFill>
@@ -4723,9 +4728,9 @@
                   </a:srgbClr>
                 </a:outerShdw>
               </a:effectLst>
-              <a:latin typeface="Times New Roman" pitchFamily="18" charset="0"/>
+              <a:latin typeface="Arial" panose="020B0604020202020204" pitchFamily="34" charset="0"/>
               <a:ea typeface="微軟正黑體" pitchFamily="34" charset="-120"/>
-              <a:cs typeface="Times New Roman" pitchFamily="18" charset="0"/>
+              <a:cs typeface="Arial" panose="020B0604020202020204" pitchFamily="34" charset="0"/>
             </a:endParaRPr>
           </a:p>
         </p:txBody>
@@ -5380,7 +5385,7 @@
           <a:p>
             <a:pPr algn="ctr"/>
             <a:r>
-              <a:rPr lang="zh-CN" altLang="en-US" sz="7200" b="1" dirty="0" smtClean="0">
+              <a:rPr lang="zh-CN" altLang="en-US" sz="6000" b="1" dirty="0" smtClean="0">
                 <a:solidFill>
                   <a:srgbClr val="000066"/>
                 </a:solidFill>
@@ -5397,7 +5402,7 @@
               <a:t>證道 </a:t>
             </a:r>
             <a:r>
-              <a:rPr lang="en-US" altLang="zh-CN" sz="6600" b="1" dirty="0" err="1" smtClean="0">
+              <a:rPr lang="en-US" altLang="zh-CN" sz="5400" b="1" dirty="0" err="1" smtClean="0">
                 <a:solidFill>
                   <a:srgbClr val="660033"/>
                 </a:solidFill>
@@ -5415,7 +5420,7 @@
               <a:t>Giảng</a:t>
             </a:r>
             <a:r>
-              <a:rPr lang="en-US" altLang="zh-CN" sz="6600" b="1" dirty="0" smtClean="0">
+              <a:rPr lang="en-US" altLang="zh-CN" sz="5400" b="1" dirty="0" smtClean="0">
                 <a:solidFill>
                   <a:srgbClr val="660033"/>
                 </a:solidFill>
@@ -5433,7 +5438,7 @@
               <a:t> </a:t>
             </a:r>
             <a:r>
-              <a:rPr lang="en-US" altLang="zh-CN" sz="6600" b="1" dirty="0" err="1" smtClean="0">
+              <a:rPr lang="en-US" altLang="zh-CN" sz="5400" b="1" dirty="0" err="1" smtClean="0">
                 <a:solidFill>
                   <a:srgbClr val="660033"/>
                 </a:solidFill>
@@ -5450,7 +5455,7 @@
               </a:rPr>
               <a:t>luận</a:t>
             </a:r>
-            <a:endParaRPr lang="zh-TW" altLang="en-US" sz="8800" b="1" dirty="0">
+            <a:endParaRPr lang="zh-TW" altLang="en-US" sz="7200" b="1" dirty="0">
               <a:solidFill>
                 <a:srgbClr val="660033"/>
               </a:solidFill>
@@ -5497,7 +5502,7 @@
               </a:spcBef>
             </a:pPr>
             <a:r>
-              <a:rPr lang="zh-TW" altLang="en-US" sz="4800" b="1" dirty="0">
+              <a:rPr lang="zh-TW" altLang="en-US" sz="4000" b="1" dirty="0">
                 <a:solidFill>
                   <a:srgbClr val="000066"/>
                 </a:solidFill>
@@ -5515,7 +5520,7 @@
               <a:t>主任</a:t>
             </a:r>
             <a:r>
-              <a:rPr lang="zh-TW" altLang="en-US" sz="4800" b="1" dirty="0" smtClean="0">
+              <a:rPr lang="zh-TW" altLang="en-US" sz="4000" b="1" dirty="0" smtClean="0">
                 <a:solidFill>
                   <a:srgbClr val="000066"/>
                 </a:solidFill>
@@ -5530,12 +5535,12 @@
                 <a:ea typeface="微軟正黑體" pitchFamily="34" charset="-120"/>
                 <a:cs typeface="+mj-cs"/>
               </a:rPr>
-              <a:t>牧師 </a:t>
-            </a:r>
-            <a:r>
-              <a:rPr lang="vi-VN" sz="4000" b="1" dirty="0">
-                <a:solidFill>
-                  <a:srgbClr val="660033"/>
+              <a:t>牧</a:t>
+            </a:r>
+            <a:r>
+              <a:rPr lang="zh-TW" altLang="en-US" sz="4000" b="1" dirty="0" smtClean="0">
+                <a:solidFill>
+                  <a:srgbClr val="000066"/>
                 </a:solidFill>
                 <a:effectLst>
                   <a:outerShdw blurRad="38100" dist="38100" dir="2700000" algn="tl">
@@ -5544,11 +5549,29 @@
                     </a:srgbClr>
                   </a:outerShdw>
                 </a:effectLst>
+                <a:latin typeface="微軟正黑體" pitchFamily="34" charset="-120"/>
+                <a:ea typeface="微軟正黑體" pitchFamily="34" charset="-120"/>
+                <a:cs typeface="+mj-cs"/>
+              </a:rPr>
+              <a:t>師 </a:t>
+            </a:r>
+            <a:r>
+              <a:rPr lang="vi-VN" sz="3200" b="1" dirty="0">
+                <a:solidFill>
+                  <a:srgbClr val="660033"/>
+                </a:solidFill>
+                <a:effectLst>
+                  <a:outerShdw blurRad="38100" dist="38100" dir="2700000" algn="tl">
+                    <a:srgbClr val="000000">
+                      <a:alpha val="43137"/>
+                    </a:srgbClr>
+                  </a:outerShdw>
+                </a:effectLst>
                 <a:latin typeface="+mj-lt"/>
               </a:rPr>
               <a:t>MsQn. Trần Lương Đông</a:t>
             </a:r>
-            <a:endParaRPr lang="zh-TW" altLang="en-US" sz="4000" b="1" dirty="0">
+            <a:endParaRPr lang="zh-TW" altLang="en-US" sz="3200" b="1" dirty="0">
               <a:solidFill>
                 <a:srgbClr val="660033"/>
               </a:solidFill>
@@ -5777,7 +5800,7 @@
           <a:lstStyle/>
           <a:p>
             <a:r>
-              <a:rPr lang="zh-CN" altLang="en-US" sz="8800" b="1" dirty="0">
+              <a:rPr lang="zh-CN" altLang="en-US" sz="6000" b="1" dirty="0">
                 <a:solidFill>
                   <a:srgbClr val="000066"/>
                 </a:solidFill>
@@ -5793,7 +5816,7 @@
               </a:rPr>
               <a:t>回應禱告</a:t>
             </a:r>
-            <a:endParaRPr lang="zh-TW" altLang="en-US" sz="8800" b="1" dirty="0">
+            <a:endParaRPr lang="zh-TW" altLang="en-US" sz="6000" b="1" dirty="0">
               <a:solidFill>
                 <a:srgbClr val="000066"/>
               </a:solidFill>
@@ -5820,7 +5843,7 @@
         </p:nvSpPr>
         <p:spPr>
           <a:xfrm>
-            <a:off x="0" y="2643758"/>
+            <a:off x="0" y="2283718"/>
             <a:ext cx="9144000" cy="964406"/>
           </a:xfrm>
           <a:prstGeom prst="rect">
@@ -5849,9 +5872,9 @@
           </a:lstStyle>
           <a:p>
             <a:r>
-              <a:rPr lang="en-US" altLang="zh-TW" sz="5400" b="1" dirty="0" err="1" smtClean="0">
-                <a:solidFill>
-                  <a:srgbClr val="800000"/>
+              <a:rPr lang="en-US" altLang="zh-TW" sz="3600" b="1" dirty="0" err="1" smtClean="0">
+                <a:solidFill>
+                  <a:srgbClr val="660033"/>
                 </a:solidFill>
                 <a:effectLst>
                   <a:outerShdw blurRad="38100" dist="38100" dir="2700000" algn="tl">
@@ -5860,16 +5883,16 @@
                     </a:srgbClr>
                   </a:outerShdw>
                 </a:effectLst>
-                <a:latin typeface="Times New Roman" pitchFamily="18" charset="0"/>
-                <a:ea typeface="微軟正黑體" pitchFamily="34" charset="-120"/>
-                <a:cs typeface="Times New Roman" pitchFamily="18" charset="0"/>
+                <a:latin typeface="Arial" panose="020B0604020202020204" pitchFamily="34" charset="0"/>
+                <a:ea typeface="微軟正黑體" pitchFamily="34" charset="-120"/>
+                <a:cs typeface="Arial" panose="020B0604020202020204" pitchFamily="34" charset="0"/>
               </a:rPr>
               <a:t>Cầu</a:t>
             </a:r>
             <a:r>
-              <a:rPr lang="en-US" altLang="zh-TW" sz="5400" b="1" dirty="0" smtClean="0">
-                <a:solidFill>
-                  <a:srgbClr val="800000"/>
+              <a:rPr lang="en-US" altLang="zh-TW" sz="3600" b="1" dirty="0" smtClean="0">
+                <a:solidFill>
+                  <a:srgbClr val="660033"/>
                 </a:solidFill>
                 <a:effectLst>
                   <a:outerShdw blurRad="38100" dist="38100" dir="2700000" algn="tl">
@@ -5878,16 +5901,16 @@
                     </a:srgbClr>
                   </a:outerShdw>
                 </a:effectLst>
-                <a:latin typeface="Times New Roman" pitchFamily="18" charset="0"/>
-                <a:ea typeface="微軟正黑體" pitchFamily="34" charset="-120"/>
-                <a:cs typeface="Times New Roman" pitchFamily="18" charset="0"/>
+                <a:latin typeface="Arial" panose="020B0604020202020204" pitchFamily="34" charset="0"/>
+                <a:ea typeface="微軟正黑體" pitchFamily="34" charset="-120"/>
+                <a:cs typeface="Arial" panose="020B0604020202020204" pitchFamily="34" charset="0"/>
               </a:rPr>
               <a:t> </a:t>
             </a:r>
             <a:r>
-              <a:rPr lang="en-US" altLang="zh-TW" sz="5400" b="1" dirty="0" err="1" smtClean="0">
-                <a:solidFill>
-                  <a:srgbClr val="800000"/>
+              <a:rPr lang="en-US" altLang="zh-TW" sz="3600" b="1" dirty="0" err="1" smtClean="0">
+                <a:solidFill>
+                  <a:srgbClr val="660033"/>
                 </a:solidFill>
                 <a:effectLst>
                   <a:outerShdw blurRad="38100" dist="38100" dir="2700000" algn="tl">
@@ -5896,16 +5919,16 @@
                     </a:srgbClr>
                   </a:outerShdw>
                 </a:effectLst>
-                <a:latin typeface="Times New Roman" pitchFamily="18" charset="0"/>
-                <a:ea typeface="微軟正黑體" pitchFamily="34" charset="-120"/>
-                <a:cs typeface="Times New Roman" pitchFamily="18" charset="0"/>
+                <a:latin typeface="Arial" panose="020B0604020202020204" pitchFamily="34" charset="0"/>
+                <a:ea typeface="微軟正黑體" pitchFamily="34" charset="-120"/>
+                <a:cs typeface="Arial" panose="020B0604020202020204" pitchFamily="34" charset="0"/>
               </a:rPr>
               <a:t>nguyện</a:t>
             </a:r>
             <a:r>
-              <a:rPr lang="en-US" altLang="zh-TW" sz="5400" b="1" dirty="0" smtClean="0">
-                <a:solidFill>
-                  <a:srgbClr val="800000"/>
+              <a:rPr lang="en-US" altLang="zh-TW" sz="3600" b="1" dirty="0" smtClean="0">
+                <a:solidFill>
+                  <a:srgbClr val="660033"/>
                 </a:solidFill>
                 <a:effectLst>
                   <a:outerShdw blurRad="38100" dist="38100" dir="2700000" algn="tl">
@@ -5914,16 +5937,16 @@
                     </a:srgbClr>
                   </a:outerShdw>
                 </a:effectLst>
-                <a:latin typeface="Times New Roman" pitchFamily="18" charset="0"/>
-                <a:ea typeface="微軟正黑體" pitchFamily="34" charset="-120"/>
-                <a:cs typeface="Times New Roman" pitchFamily="18" charset="0"/>
+                <a:latin typeface="Arial" panose="020B0604020202020204" pitchFamily="34" charset="0"/>
+                <a:ea typeface="微軟正黑體" pitchFamily="34" charset="-120"/>
+                <a:cs typeface="Arial" panose="020B0604020202020204" pitchFamily="34" charset="0"/>
               </a:rPr>
               <a:t> </a:t>
             </a:r>
             <a:r>
-              <a:rPr lang="en-US" altLang="zh-TW" sz="5400" b="1" dirty="0" err="1" smtClean="0">
-                <a:solidFill>
-                  <a:srgbClr val="800000"/>
+              <a:rPr lang="en-US" altLang="zh-TW" sz="3600" b="1" dirty="0" err="1" smtClean="0">
+                <a:solidFill>
+                  <a:srgbClr val="660033"/>
                 </a:solidFill>
                 <a:effectLst>
                   <a:outerShdw blurRad="38100" dist="38100" dir="2700000" algn="tl">
@@ -5932,16 +5955,16 @@
                     </a:srgbClr>
                   </a:outerShdw>
                 </a:effectLst>
-                <a:latin typeface="Times New Roman" pitchFamily="18" charset="0"/>
-                <a:ea typeface="微軟正黑體" pitchFamily="34" charset="-120"/>
-                <a:cs typeface="Times New Roman" pitchFamily="18" charset="0"/>
+                <a:latin typeface="Arial" panose="020B0604020202020204" pitchFamily="34" charset="0"/>
+                <a:ea typeface="微軟正黑體" pitchFamily="34" charset="-120"/>
+                <a:cs typeface="Arial" panose="020B0604020202020204" pitchFamily="34" charset="0"/>
               </a:rPr>
               <a:t>đáp</a:t>
             </a:r>
             <a:r>
-              <a:rPr lang="en-US" altLang="zh-TW" sz="5400" b="1" dirty="0" smtClean="0">
-                <a:solidFill>
-                  <a:srgbClr val="800000"/>
+              <a:rPr lang="en-US" altLang="zh-TW" sz="3600" b="1" dirty="0" smtClean="0">
+                <a:solidFill>
+                  <a:srgbClr val="660033"/>
                 </a:solidFill>
                 <a:effectLst>
                   <a:outerShdw blurRad="38100" dist="38100" dir="2700000" algn="tl">
@@ -5950,16 +5973,16 @@
                     </a:srgbClr>
                   </a:outerShdw>
                 </a:effectLst>
-                <a:latin typeface="Times New Roman" pitchFamily="18" charset="0"/>
-                <a:ea typeface="微軟正黑體" pitchFamily="34" charset="-120"/>
-                <a:cs typeface="Times New Roman" pitchFamily="18" charset="0"/>
+                <a:latin typeface="Arial" panose="020B0604020202020204" pitchFamily="34" charset="0"/>
+                <a:ea typeface="微軟正黑體" pitchFamily="34" charset="-120"/>
+                <a:cs typeface="Arial" panose="020B0604020202020204" pitchFamily="34" charset="0"/>
               </a:rPr>
               <a:t> </a:t>
             </a:r>
             <a:r>
-              <a:rPr lang="en-US" altLang="zh-TW" sz="5400" b="1" dirty="0" err="1" smtClean="0">
-                <a:solidFill>
-                  <a:srgbClr val="800000"/>
+              <a:rPr lang="en-US" altLang="zh-TW" sz="3600" b="1" dirty="0" err="1" smtClean="0">
+                <a:solidFill>
+                  <a:srgbClr val="660033"/>
                 </a:solidFill>
                 <a:effectLst>
                   <a:outerShdw blurRad="38100" dist="38100" dir="2700000" algn="tl">
@@ -5968,15 +5991,15 @@
                     </a:srgbClr>
                   </a:outerShdw>
                 </a:effectLst>
-                <a:latin typeface="Times New Roman" pitchFamily="18" charset="0"/>
-                <a:ea typeface="微軟正黑體" pitchFamily="34" charset="-120"/>
-                <a:cs typeface="Times New Roman" pitchFamily="18" charset="0"/>
+                <a:latin typeface="Arial" panose="020B0604020202020204" pitchFamily="34" charset="0"/>
+                <a:ea typeface="微軟正黑體" pitchFamily="34" charset="-120"/>
+                <a:cs typeface="Arial" panose="020B0604020202020204" pitchFamily="34" charset="0"/>
               </a:rPr>
               <a:t>ứng</a:t>
             </a:r>
-            <a:endParaRPr lang="zh-TW" altLang="en-US" sz="5400" b="1" dirty="0">
+            <a:endParaRPr lang="zh-TW" altLang="en-US" sz="3600" b="1" dirty="0">
               <a:solidFill>
-                <a:srgbClr val="800000"/>
+                <a:srgbClr val="660033"/>
               </a:solidFill>
               <a:effectLst>
                 <a:outerShdw blurRad="38100" dist="38100" dir="2700000" algn="tl">
@@ -5985,9 +6008,9 @@
                   </a:srgbClr>
                 </a:outerShdw>
               </a:effectLst>
-              <a:latin typeface="Times New Roman" pitchFamily="18" charset="0"/>
+              <a:latin typeface="Arial" panose="020B0604020202020204" pitchFamily="34" charset="0"/>
               <a:ea typeface="微軟正黑體" pitchFamily="34" charset="-120"/>
-              <a:cs typeface="Times New Roman" pitchFamily="18" charset="0"/>
+              <a:cs typeface="Arial" panose="020B0604020202020204" pitchFamily="34" charset="0"/>
             </a:endParaRPr>
           </a:p>
         </p:txBody>
@@ -6041,7 +6064,7 @@
         </p:nvSpPr>
         <p:spPr>
           <a:xfrm>
-            <a:off x="0" y="1563638"/>
+            <a:off x="0" y="1635646"/>
             <a:ext cx="9144000" cy="964406"/>
           </a:xfrm>
         </p:spPr>
@@ -6052,7 +6075,7 @@
           <a:lstStyle/>
           <a:p>
             <a:r>
-              <a:rPr lang="zh-CN" altLang="en-US" sz="8800" b="1" dirty="0">
+              <a:rPr lang="zh-CN" altLang="en-US" sz="6000" b="1" dirty="0">
                 <a:solidFill>
                   <a:srgbClr val="000066"/>
                 </a:solidFill>
@@ -6068,7 +6091,7 @@
               </a:rPr>
               <a:t>回應詩歌</a:t>
             </a:r>
-            <a:endParaRPr lang="zh-TW" altLang="en-US" sz="8800" b="1" dirty="0">
+            <a:endParaRPr lang="zh-TW" altLang="en-US" sz="6000" b="1" dirty="0">
               <a:solidFill>
                 <a:srgbClr val="000066"/>
               </a:solidFill>
@@ -6095,7 +6118,7 @@
         </p:nvSpPr>
         <p:spPr>
           <a:xfrm>
-            <a:off x="0" y="2643758"/>
+            <a:off x="0" y="2427734"/>
             <a:ext cx="9144000" cy="964406"/>
           </a:xfrm>
           <a:prstGeom prst="rect">
@@ -6124,9 +6147,9 @@
           </a:lstStyle>
           <a:p>
             <a:r>
-              <a:rPr lang="en-US" altLang="zh-TW" sz="5400" b="1" dirty="0" err="1" smtClean="0">
-                <a:solidFill>
-                  <a:srgbClr val="800000"/>
+              <a:rPr lang="en-US" altLang="zh-TW" sz="3600" b="1" dirty="0" err="1">
+                <a:solidFill>
+                  <a:srgbClr val="660033"/>
                 </a:solidFill>
                 <a:effectLst>
                   <a:outerShdw blurRad="38100" dist="38100" dir="2700000" algn="tl">
@@ -6135,16 +6158,16 @@
                     </a:srgbClr>
                   </a:outerShdw>
                 </a:effectLst>
-                <a:latin typeface="Times New Roman" pitchFamily="18" charset="0"/>
-                <a:ea typeface="微軟正黑體" pitchFamily="34" charset="-120"/>
-                <a:cs typeface="Times New Roman" pitchFamily="18" charset="0"/>
+                <a:latin typeface="Arial" panose="020B0604020202020204" pitchFamily="34" charset="0"/>
+                <a:ea typeface="微軟正黑體" pitchFamily="34" charset="-120"/>
+                <a:cs typeface="Arial" panose="020B0604020202020204" pitchFamily="34" charset="0"/>
               </a:rPr>
               <a:t>Hát</a:t>
             </a:r>
             <a:r>
-              <a:rPr lang="en-US" altLang="zh-TW" sz="5400" b="1" dirty="0" smtClean="0">
-                <a:solidFill>
-                  <a:srgbClr val="800000"/>
+              <a:rPr lang="en-US" altLang="zh-TW" sz="3600" b="1" dirty="0">
+                <a:solidFill>
+                  <a:srgbClr val="660033"/>
                 </a:solidFill>
                 <a:effectLst>
                   <a:outerShdw blurRad="38100" dist="38100" dir="2700000" algn="tl">
@@ -6153,16 +6176,16 @@
                     </a:srgbClr>
                   </a:outerShdw>
                 </a:effectLst>
-                <a:latin typeface="Times New Roman" pitchFamily="18" charset="0"/>
-                <a:ea typeface="微軟正黑體" pitchFamily="34" charset="-120"/>
-                <a:cs typeface="Times New Roman" pitchFamily="18" charset="0"/>
+                <a:latin typeface="Arial" panose="020B0604020202020204" pitchFamily="34" charset="0"/>
+                <a:ea typeface="微軟正黑體" pitchFamily="34" charset="-120"/>
+                <a:cs typeface="Arial" panose="020B0604020202020204" pitchFamily="34" charset="0"/>
               </a:rPr>
               <a:t> </a:t>
             </a:r>
             <a:r>
-              <a:rPr lang="en-US" altLang="zh-TW" sz="5400" b="1" dirty="0" err="1" smtClean="0">
-                <a:solidFill>
-                  <a:srgbClr val="800000"/>
+              <a:rPr lang="en-US" altLang="zh-TW" sz="3600" b="1" dirty="0" err="1">
+                <a:solidFill>
+                  <a:srgbClr val="660033"/>
                 </a:solidFill>
                 <a:effectLst>
                   <a:outerShdw blurRad="38100" dist="38100" dir="2700000" algn="tl">
@@ -6171,16 +6194,16 @@
                     </a:srgbClr>
                   </a:outerShdw>
                 </a:effectLst>
-                <a:latin typeface="Times New Roman" pitchFamily="18" charset="0"/>
-                <a:ea typeface="微軟正黑體" pitchFamily="34" charset="-120"/>
-                <a:cs typeface="Times New Roman" pitchFamily="18" charset="0"/>
+                <a:latin typeface="Arial" panose="020B0604020202020204" pitchFamily="34" charset="0"/>
+                <a:ea typeface="微軟正黑體" pitchFamily="34" charset="-120"/>
+                <a:cs typeface="Arial" panose="020B0604020202020204" pitchFamily="34" charset="0"/>
               </a:rPr>
               <a:t>đáp</a:t>
             </a:r>
             <a:r>
-              <a:rPr lang="en-US" altLang="zh-TW" sz="5400" b="1" dirty="0" smtClean="0">
-                <a:solidFill>
-                  <a:srgbClr val="800000"/>
+              <a:rPr lang="en-US" altLang="zh-TW" sz="3600" b="1" dirty="0">
+                <a:solidFill>
+                  <a:srgbClr val="660033"/>
                 </a:solidFill>
                 <a:effectLst>
                   <a:outerShdw blurRad="38100" dist="38100" dir="2700000" algn="tl">
@@ -6189,16 +6212,16 @@
                     </a:srgbClr>
                   </a:outerShdw>
                 </a:effectLst>
-                <a:latin typeface="Times New Roman" pitchFamily="18" charset="0"/>
-                <a:ea typeface="微軟正黑體" pitchFamily="34" charset="-120"/>
-                <a:cs typeface="Times New Roman" pitchFamily="18" charset="0"/>
+                <a:latin typeface="Arial" panose="020B0604020202020204" pitchFamily="34" charset="0"/>
+                <a:ea typeface="微軟正黑體" pitchFamily="34" charset="-120"/>
+                <a:cs typeface="Arial" panose="020B0604020202020204" pitchFamily="34" charset="0"/>
               </a:rPr>
               <a:t> </a:t>
             </a:r>
             <a:r>
-              <a:rPr lang="en-US" altLang="zh-TW" sz="5400" b="1" dirty="0" err="1" smtClean="0">
-                <a:solidFill>
-                  <a:srgbClr val="800000"/>
+              <a:rPr lang="en-US" altLang="zh-TW" sz="3600" b="1" dirty="0" err="1">
+                <a:solidFill>
+                  <a:srgbClr val="660033"/>
                 </a:solidFill>
                 <a:effectLst>
                   <a:outerShdw blurRad="38100" dist="38100" dir="2700000" algn="tl">
@@ -6207,15 +6230,15 @@
                     </a:srgbClr>
                   </a:outerShdw>
                 </a:effectLst>
-                <a:latin typeface="Times New Roman" pitchFamily="18" charset="0"/>
-                <a:ea typeface="微軟正黑體" pitchFamily="34" charset="-120"/>
-                <a:cs typeface="Times New Roman" pitchFamily="18" charset="0"/>
+                <a:latin typeface="Arial" panose="020B0604020202020204" pitchFamily="34" charset="0"/>
+                <a:ea typeface="微軟正黑體" pitchFamily="34" charset="-120"/>
+                <a:cs typeface="Arial" panose="020B0604020202020204" pitchFamily="34" charset="0"/>
               </a:rPr>
               <a:t>ứng</a:t>
             </a:r>
-            <a:endParaRPr lang="zh-TW" altLang="en-US" sz="5400" b="1" dirty="0">
+            <a:endParaRPr lang="zh-TW" altLang="en-US" sz="3600" b="1" dirty="0">
               <a:solidFill>
-                <a:srgbClr val="800000"/>
+                <a:srgbClr val="660033"/>
               </a:solidFill>
               <a:effectLst>
                 <a:outerShdw blurRad="38100" dist="38100" dir="2700000" algn="tl">
@@ -6224,9 +6247,9 @@
                   </a:srgbClr>
                 </a:outerShdw>
               </a:effectLst>
-              <a:latin typeface="Times New Roman" pitchFamily="18" charset="0"/>
+              <a:latin typeface="Arial" panose="020B0604020202020204" pitchFamily="34" charset="0"/>
               <a:ea typeface="微軟正黑體" pitchFamily="34" charset="-120"/>
-              <a:cs typeface="Times New Roman" pitchFamily="18" charset="0"/>
+              <a:cs typeface="Arial" panose="020B0604020202020204" pitchFamily="34" charset="0"/>
             </a:endParaRPr>
           </a:p>
         </p:txBody>
@@ -6280,7 +6303,7 @@
         </p:nvSpPr>
         <p:spPr>
           <a:xfrm>
-            <a:off x="0" y="1563638"/>
+            <a:off x="0" y="1635646"/>
             <a:ext cx="9144000" cy="964406"/>
           </a:xfrm>
         </p:spPr>
@@ -6291,7 +6314,7 @@
           <a:lstStyle/>
           <a:p>
             <a:r>
-              <a:rPr lang="zh-CN" altLang="en-US" sz="8800" b="1" dirty="0">
+              <a:rPr lang="zh-CN" altLang="en-US" sz="6000" b="1" dirty="0">
                 <a:solidFill>
                   <a:srgbClr val="000066"/>
                 </a:solidFill>
@@ -6308,7 +6331,7 @@
               <a:t>家事分</a:t>
             </a:r>
             <a:r>
-              <a:rPr lang="zh-CN" altLang="en-US" sz="8800" b="1" dirty="0" smtClean="0">
+              <a:rPr lang="zh-CN" altLang="en-US" sz="6000" b="1" dirty="0">
                 <a:solidFill>
                   <a:srgbClr val="000066"/>
                 </a:solidFill>
@@ -6325,7 +6348,7 @@
               <a:t>享代</a:t>
             </a:r>
             <a:r>
-              <a:rPr lang="zh-CN" altLang="en-US" sz="8800" b="1" dirty="0">
+              <a:rPr lang="zh-CN" altLang="en-US" sz="6000" b="1" dirty="0">
                 <a:solidFill>
                   <a:srgbClr val="000066"/>
                 </a:solidFill>
@@ -6341,7 +6364,7 @@
               </a:rPr>
               <a:t>禱</a:t>
             </a:r>
-            <a:endParaRPr lang="zh-TW" altLang="en-US" sz="8800" b="1" dirty="0">
+            <a:endParaRPr lang="zh-TW" altLang="en-US" sz="6000" b="1" dirty="0">
               <a:solidFill>
                 <a:srgbClr val="000066"/>
               </a:solidFill>
@@ -6368,7 +6391,7 @@
         </p:nvSpPr>
         <p:spPr>
           <a:xfrm>
-            <a:off x="0" y="2643758"/>
+            <a:off x="0" y="2427734"/>
             <a:ext cx="9144000" cy="964406"/>
           </a:xfrm>
           <a:prstGeom prst="rect">
@@ -6397,9 +6420,9 @@
           </a:lstStyle>
           <a:p>
             <a:r>
-              <a:rPr lang="en-US" altLang="zh-TW" sz="5400" b="1" dirty="0" err="1" smtClean="0">
-                <a:solidFill>
-                  <a:srgbClr val="800000"/>
+              <a:rPr lang="en-US" altLang="zh-TW" sz="3600" b="1" dirty="0" err="1">
+                <a:solidFill>
+                  <a:srgbClr val="660033"/>
                 </a:solidFill>
                 <a:effectLst>
                   <a:outerShdw blurRad="38100" dist="38100" dir="2700000" algn="tl">
@@ -6408,16 +6431,16 @@
                     </a:srgbClr>
                   </a:outerShdw>
                 </a:effectLst>
-                <a:latin typeface="Times New Roman" pitchFamily="18" charset="0"/>
-                <a:ea typeface="微軟正黑體" pitchFamily="34" charset="-120"/>
-                <a:cs typeface="Times New Roman" pitchFamily="18" charset="0"/>
+                <a:latin typeface="Arial" panose="020B0604020202020204" pitchFamily="34" charset="0"/>
+                <a:ea typeface="微軟正黑體" pitchFamily="34" charset="-120"/>
+                <a:cs typeface="Arial" panose="020B0604020202020204" pitchFamily="34" charset="0"/>
               </a:rPr>
               <a:t>Thông</a:t>
             </a:r>
             <a:r>
-              <a:rPr lang="en-US" altLang="zh-TW" sz="5400" b="1" dirty="0" smtClean="0">
-                <a:solidFill>
-                  <a:srgbClr val="800000"/>
+              <a:rPr lang="en-US" altLang="zh-TW" sz="3600" b="1" dirty="0">
+                <a:solidFill>
+                  <a:srgbClr val="660033"/>
                 </a:solidFill>
                 <a:effectLst>
                   <a:outerShdw blurRad="38100" dist="38100" dir="2700000" algn="tl">
@@ -6426,16 +6449,16 @@
                     </a:srgbClr>
                   </a:outerShdw>
                 </a:effectLst>
-                <a:latin typeface="Times New Roman" pitchFamily="18" charset="0"/>
-                <a:ea typeface="微軟正黑體" pitchFamily="34" charset="-120"/>
-                <a:cs typeface="Times New Roman" pitchFamily="18" charset="0"/>
+                <a:latin typeface="Arial" panose="020B0604020202020204" pitchFamily="34" charset="0"/>
+                <a:ea typeface="微軟正黑體" pitchFamily="34" charset="-120"/>
+                <a:cs typeface="Arial" panose="020B0604020202020204" pitchFamily="34" charset="0"/>
               </a:rPr>
               <a:t> </a:t>
             </a:r>
             <a:r>
-              <a:rPr lang="en-US" altLang="zh-TW" sz="5400" b="1" dirty="0" err="1" smtClean="0">
-                <a:solidFill>
-                  <a:srgbClr val="800000"/>
+              <a:rPr lang="en-US" altLang="zh-TW" sz="3600" b="1" dirty="0" err="1">
+                <a:solidFill>
+                  <a:srgbClr val="660033"/>
                 </a:solidFill>
                 <a:effectLst>
                   <a:outerShdw blurRad="38100" dist="38100" dir="2700000" algn="tl">
@@ -6444,15 +6467,15 @@
                     </a:srgbClr>
                   </a:outerShdw>
                 </a:effectLst>
-                <a:latin typeface="Times New Roman" pitchFamily="18" charset="0"/>
-                <a:ea typeface="微軟正黑體" pitchFamily="34" charset="-120"/>
-                <a:cs typeface="Times New Roman" pitchFamily="18" charset="0"/>
+                <a:latin typeface="Arial" panose="020B0604020202020204" pitchFamily="34" charset="0"/>
+                <a:ea typeface="微軟正黑體" pitchFamily="34" charset="-120"/>
+                <a:cs typeface="Arial" panose="020B0604020202020204" pitchFamily="34" charset="0"/>
               </a:rPr>
               <a:t>báo</a:t>
             </a:r>
-            <a:endParaRPr lang="zh-TW" altLang="en-US" sz="5400" b="1" dirty="0">
+            <a:endParaRPr lang="zh-TW" altLang="en-US" sz="3600" b="1" dirty="0">
               <a:solidFill>
-                <a:srgbClr val="800000"/>
+                <a:srgbClr val="660033"/>
               </a:solidFill>
               <a:effectLst>
                 <a:outerShdw blurRad="38100" dist="38100" dir="2700000" algn="tl">
@@ -6461,9 +6484,9 @@
                   </a:srgbClr>
                 </a:outerShdw>
               </a:effectLst>
-              <a:latin typeface="Times New Roman" pitchFamily="18" charset="0"/>
+              <a:latin typeface="Arial" panose="020B0604020202020204" pitchFamily="34" charset="0"/>
               <a:ea typeface="微軟正黑體" pitchFamily="34" charset="-120"/>
-              <a:cs typeface="Times New Roman" pitchFamily="18" charset="0"/>
+              <a:cs typeface="Arial" panose="020B0604020202020204" pitchFamily="34" charset="0"/>
             </a:endParaRPr>
           </a:p>
         </p:txBody>
@@ -6517,7 +6540,7 @@
         </p:nvSpPr>
         <p:spPr>
           <a:xfrm>
-            <a:off x="0" y="1563638"/>
+            <a:off x="0" y="1635646"/>
             <a:ext cx="9144000" cy="964406"/>
           </a:xfrm>
         </p:spPr>
@@ -6528,7 +6551,7 @@
           <a:lstStyle/>
           <a:p>
             <a:r>
-              <a:rPr lang="zh-TW" altLang="en-US" sz="8800" b="1" dirty="0">
+              <a:rPr lang="zh-TW" altLang="en-US" sz="6000" b="1" dirty="0">
                 <a:solidFill>
                   <a:srgbClr val="000066"/>
                 </a:solidFill>
@@ -6557,7 +6580,7 @@
         </p:nvSpPr>
         <p:spPr>
           <a:xfrm>
-            <a:off x="0" y="2643758"/>
+            <a:off x="0" y="2427734"/>
             <a:ext cx="9144000" cy="964406"/>
           </a:xfrm>
           <a:prstGeom prst="rect">
@@ -6586,9 +6609,9 @@
           </a:lstStyle>
           <a:p>
             <a:r>
-              <a:rPr lang="vi-VN" sz="5400" b="1" dirty="0">
-                <a:solidFill>
-                  <a:srgbClr val="800000"/>
+              <a:rPr lang="vi-VN" sz="3600" b="1" dirty="0">
+                <a:solidFill>
+                  <a:srgbClr val="660033"/>
                 </a:solidFill>
                 <a:effectLst>
                   <a:outerShdw blurRad="38100" dist="38100" dir="2700000" algn="tl">
@@ -6597,15 +6620,15 @@
                     </a:srgbClr>
                   </a:outerShdw>
                 </a:effectLst>
-                <a:latin typeface="Times New Roman" pitchFamily="18" charset="0"/>
-                <a:ea typeface="微軟正黑體" pitchFamily="34" charset="-120"/>
-                <a:cs typeface="Times New Roman" pitchFamily="18" charset="0"/>
+                <a:latin typeface="Arial" panose="020B0604020202020204" pitchFamily="34" charset="0"/>
+                <a:ea typeface="微軟正黑體" pitchFamily="34" charset="-120"/>
+                <a:cs typeface="Arial" panose="020B0604020202020204" pitchFamily="34" charset="0"/>
               </a:rPr>
               <a:t>Lễ Báp-tem</a:t>
             </a:r>
-            <a:endParaRPr lang="zh-TW" altLang="en-US" sz="5400" b="1" dirty="0">
+            <a:endParaRPr lang="zh-TW" altLang="en-US" sz="3600" b="1" dirty="0">
               <a:solidFill>
-                <a:srgbClr val="800000"/>
+                <a:srgbClr val="660033"/>
               </a:solidFill>
               <a:effectLst>
                 <a:outerShdw blurRad="38100" dist="38100" dir="2700000" algn="tl">
@@ -6614,9 +6637,9 @@
                   </a:srgbClr>
                 </a:outerShdw>
               </a:effectLst>
-              <a:latin typeface="Times New Roman" pitchFamily="18" charset="0"/>
+              <a:latin typeface="Arial" panose="020B0604020202020204" pitchFamily="34" charset="0"/>
               <a:ea typeface="微軟正黑體" pitchFamily="34" charset="-120"/>
-              <a:cs typeface="Times New Roman" pitchFamily="18" charset="0"/>
+              <a:cs typeface="Arial" panose="020B0604020202020204" pitchFamily="34" charset="0"/>
             </a:endParaRPr>
           </a:p>
         </p:txBody>
@@ -6691,79 +6714,79 @@
               <a:t>三一頌 </a:t>
             </a:r>
             <a:r>
-              <a:rPr lang="en-US" altLang="zh-CN" sz="4000" b="1" dirty="0" err="1" smtClean="0">
-                <a:solidFill>
-                  <a:srgbClr val="660033"/>
-                </a:solidFill>
-                <a:latin typeface="Times New Roman" pitchFamily="18" charset="0"/>
-                <a:ea typeface="微軟正黑體" pitchFamily="34" charset="-120"/>
-                <a:cs typeface="Times New Roman" pitchFamily="18" charset="0"/>
+              <a:rPr lang="en-US" altLang="zh-CN" sz="3600" b="1" dirty="0" err="1" smtClean="0">
+                <a:solidFill>
+                  <a:srgbClr val="660033"/>
+                </a:solidFill>
+                <a:latin typeface="Arial" panose="020B0604020202020204" pitchFamily="34" charset="0"/>
+                <a:ea typeface="微軟正黑體" pitchFamily="34" charset="-120"/>
+                <a:cs typeface="Arial" panose="020B0604020202020204" pitchFamily="34" charset="0"/>
               </a:rPr>
               <a:t>Tôn</a:t>
             </a:r>
             <a:r>
-              <a:rPr lang="en-US" altLang="zh-CN" sz="4000" b="1" dirty="0" smtClean="0">
-                <a:solidFill>
-                  <a:srgbClr val="660033"/>
-                </a:solidFill>
-                <a:latin typeface="Times New Roman" pitchFamily="18" charset="0"/>
-                <a:ea typeface="微軟正黑體" pitchFamily="34" charset="-120"/>
-                <a:cs typeface="Times New Roman" pitchFamily="18" charset="0"/>
+              <a:rPr lang="en-US" altLang="zh-CN" sz="3600" b="1" dirty="0" smtClean="0">
+                <a:solidFill>
+                  <a:srgbClr val="660033"/>
+                </a:solidFill>
+                <a:latin typeface="Arial" panose="020B0604020202020204" pitchFamily="34" charset="0"/>
+                <a:ea typeface="微軟正黑體" pitchFamily="34" charset="-120"/>
+                <a:cs typeface="Arial" panose="020B0604020202020204" pitchFamily="34" charset="0"/>
               </a:rPr>
               <a:t> </a:t>
             </a:r>
             <a:r>
-              <a:rPr lang="en-US" altLang="zh-CN" sz="4000" b="1" dirty="0" err="1" smtClean="0">
-                <a:solidFill>
-                  <a:srgbClr val="660033"/>
-                </a:solidFill>
-                <a:latin typeface="Times New Roman" pitchFamily="18" charset="0"/>
-                <a:ea typeface="微軟正黑體" pitchFamily="34" charset="-120"/>
-                <a:cs typeface="Times New Roman" pitchFamily="18" charset="0"/>
+              <a:rPr lang="en-US" altLang="zh-CN" sz="3600" b="1" dirty="0" err="1" smtClean="0">
+                <a:solidFill>
+                  <a:srgbClr val="660033"/>
+                </a:solidFill>
+                <a:latin typeface="Arial" panose="020B0604020202020204" pitchFamily="34" charset="0"/>
+                <a:ea typeface="微軟正黑體" pitchFamily="34" charset="-120"/>
+                <a:cs typeface="Arial" panose="020B0604020202020204" pitchFamily="34" charset="0"/>
               </a:rPr>
               <a:t>vinh</a:t>
             </a:r>
             <a:r>
-              <a:rPr lang="en-US" altLang="zh-CN" sz="4000" b="1" dirty="0" smtClean="0">
-                <a:solidFill>
-                  <a:srgbClr val="660033"/>
-                </a:solidFill>
-                <a:latin typeface="Times New Roman" pitchFamily="18" charset="0"/>
-                <a:ea typeface="微軟正黑體" pitchFamily="34" charset="-120"/>
-                <a:cs typeface="Times New Roman" pitchFamily="18" charset="0"/>
+              <a:rPr lang="en-US" altLang="zh-CN" sz="3600" b="1" dirty="0" smtClean="0">
+                <a:solidFill>
+                  <a:srgbClr val="660033"/>
+                </a:solidFill>
+                <a:latin typeface="Arial" panose="020B0604020202020204" pitchFamily="34" charset="0"/>
+                <a:ea typeface="微軟正黑體" pitchFamily="34" charset="-120"/>
+                <a:cs typeface="Arial" panose="020B0604020202020204" pitchFamily="34" charset="0"/>
               </a:rPr>
               <a:t> </a:t>
             </a:r>
             <a:r>
-              <a:rPr lang="en-US" altLang="zh-CN" sz="4000" b="1" dirty="0" err="1" smtClean="0">
-                <a:solidFill>
-                  <a:srgbClr val="660033"/>
-                </a:solidFill>
-                <a:latin typeface="Times New Roman" pitchFamily="18" charset="0"/>
-                <a:ea typeface="微軟正黑體" pitchFamily="34" charset="-120"/>
-                <a:cs typeface="Times New Roman" pitchFamily="18" charset="0"/>
+              <a:rPr lang="en-US" altLang="zh-CN" sz="3600" b="1" dirty="0" err="1" smtClean="0">
+                <a:solidFill>
+                  <a:srgbClr val="660033"/>
+                </a:solidFill>
+                <a:latin typeface="Arial" panose="020B0604020202020204" pitchFamily="34" charset="0"/>
+                <a:ea typeface="微軟正黑體" pitchFamily="34" charset="-120"/>
+                <a:cs typeface="Arial" panose="020B0604020202020204" pitchFamily="34" charset="0"/>
               </a:rPr>
               <a:t>chân</a:t>
             </a:r>
             <a:r>
-              <a:rPr lang="en-US" altLang="zh-CN" sz="4000" b="1" dirty="0" smtClean="0">
-                <a:solidFill>
-                  <a:srgbClr val="660033"/>
-                </a:solidFill>
-                <a:latin typeface="Times New Roman" pitchFamily="18" charset="0"/>
-                <a:ea typeface="微軟正黑體" pitchFamily="34" charset="-120"/>
-                <a:cs typeface="Times New Roman" pitchFamily="18" charset="0"/>
+              <a:rPr lang="en-US" altLang="zh-CN" sz="3600" b="1" dirty="0" smtClean="0">
+                <a:solidFill>
+                  <a:srgbClr val="660033"/>
+                </a:solidFill>
+                <a:latin typeface="Arial" panose="020B0604020202020204" pitchFamily="34" charset="0"/>
+                <a:ea typeface="微軟正黑體" pitchFamily="34" charset="-120"/>
+                <a:cs typeface="Arial" panose="020B0604020202020204" pitchFamily="34" charset="0"/>
               </a:rPr>
               <a:t> </a:t>
             </a:r>
             <a:r>
-              <a:rPr lang="en-US" altLang="zh-CN" sz="4000" b="1" dirty="0" err="1" smtClean="0">
-                <a:solidFill>
-                  <a:srgbClr val="660033"/>
-                </a:solidFill>
-                <a:latin typeface="Times New Roman" pitchFamily="18" charset="0"/>
-                <a:ea typeface="微軟正黑體" pitchFamily="34" charset="-120"/>
-                <a:cs typeface="Times New Roman" pitchFamily="18" charset="0"/>
+              <a:rPr lang="en-US" altLang="zh-CN" sz="3600" b="1" dirty="0" err="1" smtClean="0">
+                <a:solidFill>
+                  <a:srgbClr val="660033"/>
+                </a:solidFill>
+                <a:latin typeface="Arial" panose="020B0604020202020204" pitchFamily="34" charset="0"/>
+                <a:ea typeface="微軟正黑體" pitchFamily="34" charset="-120"/>
+                <a:cs typeface="Arial" panose="020B0604020202020204" pitchFamily="34" charset="0"/>
               </a:rPr>
               <a:t>thần</a:t>
             </a:r>
@@ -6771,9 +6794,9 @@
               <a:solidFill>
                 <a:srgbClr val="660033"/>
               </a:solidFill>
-              <a:latin typeface="Times New Roman" pitchFamily="18" charset="0"/>
+              <a:latin typeface="Arial" panose="020B0604020202020204" pitchFamily="34" charset="0"/>
               <a:ea typeface="微軟正黑體" pitchFamily="34" charset="-120"/>
-              <a:cs typeface="Times New Roman" pitchFamily="18" charset="0"/>
+              <a:cs typeface="Arial" panose="020B0604020202020204" pitchFamily="34" charset="0"/>
             </a:endParaRPr>
           </a:p>
         </p:txBody>
@@ -7040,7 +7063,7 @@
               <a:buNone/>
             </a:pPr>
             <a:r>
-              <a:rPr lang="vi-VN" sz="3600" b="1" dirty="0">
+              <a:rPr lang="vi-VN" b="1" dirty="0">
                 <a:solidFill>
                   <a:srgbClr val="660033"/>
                 </a:solidFill>
@@ -7051,12 +7074,11 @@
                     </a:srgbClr>
                   </a:outerShdw>
                 </a:effectLst>
-                <a:latin typeface="+mj-lt"/>
               </a:rPr>
               <a:t>Tôn vinh Chân Thần nguồn ơn vô </a:t>
             </a:r>
             <a:r>
-              <a:rPr lang="vi-VN" sz="3600" b="1" dirty="0" smtClean="0">
+              <a:rPr lang="vi-VN" b="1" dirty="0" smtClean="0">
                 <a:solidFill>
                   <a:srgbClr val="660033"/>
                 </a:solidFill>
@@ -7067,11 +7089,10 @@
                     </a:srgbClr>
                   </a:outerShdw>
                 </a:effectLst>
-                <a:latin typeface="+mj-lt"/>
               </a:rPr>
               <a:t>đối</a:t>
             </a:r>
-            <a:endParaRPr lang="en-US" sz="3600" b="1" dirty="0" smtClean="0">
+            <a:endParaRPr lang="en-US" b="1" dirty="0" smtClean="0">
               <a:solidFill>
                 <a:srgbClr val="660033"/>
               </a:solidFill>
@@ -7082,7 +7103,6 @@
                   </a:srgbClr>
                 </a:outerShdw>
               </a:effectLst>
-              <a:latin typeface="+mj-lt"/>
             </a:endParaRPr>
           </a:p>
           <a:p>
@@ -7090,7 +7110,7 @@
               <a:buNone/>
             </a:pPr>
             <a:r>
-              <a:rPr lang="vi-VN" sz="3600" b="1" dirty="0" smtClean="0">
+              <a:rPr lang="vi-VN" b="1" dirty="0" smtClean="0">
                 <a:solidFill>
                   <a:srgbClr val="660033"/>
                 </a:solidFill>
@@ -7101,12 +7121,11 @@
                     </a:srgbClr>
                   </a:outerShdw>
                 </a:effectLst>
-                <a:latin typeface="+mj-lt"/>
               </a:rPr>
               <a:t>Dưới </a:t>
             </a:r>
             <a:r>
-              <a:rPr lang="vi-VN" sz="3600" b="1" dirty="0">
+              <a:rPr lang="vi-VN" b="1" dirty="0">
                 <a:solidFill>
                   <a:srgbClr val="660033"/>
                 </a:solidFill>
@@ -7117,11 +7136,10 @@
                     </a:srgbClr>
                   </a:outerShdw>
                 </a:effectLst>
-                <a:latin typeface="+mj-lt"/>
               </a:rPr>
               <a:t>đất chúng sinh sùng kính khắp nơi</a:t>
             </a:r>
-            <a:endParaRPr lang="zh-TW" altLang="en-US" sz="3600" b="1" dirty="0">
+            <a:endParaRPr lang="zh-TW" altLang="en-US" b="1" dirty="0">
               <a:solidFill>
                 <a:srgbClr val="660033"/>
               </a:solidFill>
@@ -7132,7 +7150,6 @@
                   </a:srgbClr>
                 </a:outerShdw>
               </a:effectLst>
-              <a:latin typeface="+mj-lt"/>
               <a:ea typeface="微軟正黑體" pitchFamily="34" charset="-120"/>
               <a:cs typeface="+mj-cs"/>
             </a:endParaRPr>
@@ -7204,89 +7221,89 @@
               <a:t>三一頌 </a:t>
             </a:r>
             <a:r>
-              <a:rPr lang="en-US" altLang="zh-CN" sz="4000" b="1" dirty="0" err="1" smtClean="0">
-                <a:solidFill>
-                  <a:srgbClr val="660033"/>
-                </a:solidFill>
-                <a:latin typeface="Times New Roman" pitchFamily="18" charset="0"/>
-                <a:ea typeface="微軟正黑體" pitchFamily="34" charset="-120"/>
-                <a:cs typeface="Times New Roman" pitchFamily="18" charset="0"/>
+              <a:rPr lang="en-US" altLang="zh-CN" sz="3600" b="1" dirty="0" err="1">
+                <a:solidFill>
+                  <a:srgbClr val="660033"/>
+                </a:solidFill>
+                <a:latin typeface="Arial" panose="020B0604020202020204" pitchFamily="34" charset="0"/>
+                <a:ea typeface="微軟正黑體" pitchFamily="34" charset="-120"/>
+                <a:cs typeface="Arial" panose="020B0604020202020204" pitchFamily="34" charset="0"/>
               </a:rPr>
               <a:t>Tôn</a:t>
             </a:r>
             <a:r>
-              <a:rPr lang="en-US" altLang="zh-CN" sz="4000" b="1" dirty="0" smtClean="0">
-                <a:solidFill>
-                  <a:srgbClr val="660033"/>
-                </a:solidFill>
-                <a:latin typeface="Times New Roman" pitchFamily="18" charset="0"/>
-                <a:ea typeface="微軟正黑體" pitchFamily="34" charset="-120"/>
-                <a:cs typeface="Times New Roman" pitchFamily="18" charset="0"/>
+              <a:rPr lang="en-US" altLang="zh-CN" sz="3600" b="1" dirty="0">
+                <a:solidFill>
+                  <a:srgbClr val="660033"/>
+                </a:solidFill>
+                <a:latin typeface="Arial" panose="020B0604020202020204" pitchFamily="34" charset="0"/>
+                <a:ea typeface="微軟正黑體" pitchFamily="34" charset="-120"/>
+                <a:cs typeface="Arial" panose="020B0604020202020204" pitchFamily="34" charset="0"/>
               </a:rPr>
               <a:t> </a:t>
             </a:r>
             <a:r>
-              <a:rPr lang="en-US" altLang="zh-CN" sz="4000" b="1" dirty="0" err="1" smtClean="0">
-                <a:solidFill>
-                  <a:srgbClr val="660033"/>
-                </a:solidFill>
-                <a:latin typeface="Times New Roman" pitchFamily="18" charset="0"/>
-                <a:ea typeface="微軟正黑體" pitchFamily="34" charset="-120"/>
-                <a:cs typeface="Times New Roman" pitchFamily="18" charset="0"/>
+              <a:rPr lang="en-US" altLang="zh-CN" sz="3600" b="1" dirty="0" err="1">
+                <a:solidFill>
+                  <a:srgbClr val="660033"/>
+                </a:solidFill>
+                <a:latin typeface="Arial" panose="020B0604020202020204" pitchFamily="34" charset="0"/>
+                <a:ea typeface="微軟正黑體" pitchFamily="34" charset="-120"/>
+                <a:cs typeface="Arial" panose="020B0604020202020204" pitchFamily="34" charset="0"/>
               </a:rPr>
               <a:t>vinh</a:t>
             </a:r>
             <a:r>
-              <a:rPr lang="en-US" altLang="zh-CN" sz="4000" b="1" dirty="0" smtClean="0">
-                <a:solidFill>
-                  <a:srgbClr val="660033"/>
-                </a:solidFill>
-                <a:latin typeface="Times New Roman" pitchFamily="18" charset="0"/>
-                <a:ea typeface="微軟正黑體" pitchFamily="34" charset="-120"/>
-                <a:cs typeface="Times New Roman" pitchFamily="18" charset="0"/>
+              <a:rPr lang="en-US" altLang="zh-CN" sz="3600" b="1" dirty="0">
+                <a:solidFill>
+                  <a:srgbClr val="660033"/>
+                </a:solidFill>
+                <a:latin typeface="Arial" panose="020B0604020202020204" pitchFamily="34" charset="0"/>
+                <a:ea typeface="微軟正黑體" pitchFamily="34" charset="-120"/>
+                <a:cs typeface="Arial" panose="020B0604020202020204" pitchFamily="34" charset="0"/>
               </a:rPr>
               <a:t> </a:t>
             </a:r>
             <a:r>
-              <a:rPr lang="en-US" altLang="zh-CN" sz="4000" b="1" dirty="0" err="1" smtClean="0">
-                <a:solidFill>
-                  <a:srgbClr val="660033"/>
-                </a:solidFill>
-                <a:latin typeface="Times New Roman" pitchFamily="18" charset="0"/>
-                <a:ea typeface="微軟正黑體" pitchFamily="34" charset="-120"/>
-                <a:cs typeface="Times New Roman" pitchFamily="18" charset="0"/>
+              <a:rPr lang="en-US" altLang="zh-CN" sz="3600" b="1" dirty="0" err="1">
+                <a:solidFill>
+                  <a:srgbClr val="660033"/>
+                </a:solidFill>
+                <a:latin typeface="Arial" panose="020B0604020202020204" pitchFamily="34" charset="0"/>
+                <a:ea typeface="微軟正黑體" pitchFamily="34" charset="-120"/>
+                <a:cs typeface="Arial" panose="020B0604020202020204" pitchFamily="34" charset="0"/>
               </a:rPr>
               <a:t>chân</a:t>
             </a:r>
             <a:r>
-              <a:rPr lang="en-US" altLang="zh-CN" sz="4000" b="1" dirty="0" smtClean="0">
-                <a:solidFill>
-                  <a:srgbClr val="660033"/>
-                </a:solidFill>
-                <a:latin typeface="Times New Roman" pitchFamily="18" charset="0"/>
-                <a:ea typeface="微軟正黑體" pitchFamily="34" charset="-120"/>
-                <a:cs typeface="Times New Roman" pitchFamily="18" charset="0"/>
+              <a:rPr lang="en-US" altLang="zh-CN" sz="3600" b="1" dirty="0">
+                <a:solidFill>
+                  <a:srgbClr val="660033"/>
+                </a:solidFill>
+                <a:latin typeface="Arial" panose="020B0604020202020204" pitchFamily="34" charset="0"/>
+                <a:ea typeface="微軟正黑體" pitchFamily="34" charset="-120"/>
+                <a:cs typeface="Arial" panose="020B0604020202020204" pitchFamily="34" charset="0"/>
               </a:rPr>
               <a:t> </a:t>
             </a:r>
             <a:r>
-              <a:rPr lang="en-US" altLang="zh-CN" sz="4000" b="1" dirty="0" err="1" smtClean="0">
-                <a:solidFill>
-                  <a:srgbClr val="660033"/>
-                </a:solidFill>
-                <a:latin typeface="Times New Roman" pitchFamily="18" charset="0"/>
-                <a:ea typeface="微軟正黑體" pitchFamily="34" charset="-120"/>
-                <a:cs typeface="Times New Roman" pitchFamily="18" charset="0"/>
+              <a:rPr lang="en-US" altLang="zh-CN" sz="3600" b="1" dirty="0" err="1">
+                <a:solidFill>
+                  <a:srgbClr val="660033"/>
+                </a:solidFill>
+                <a:latin typeface="Arial" panose="020B0604020202020204" pitchFamily="34" charset="0"/>
+                <a:ea typeface="微軟正黑體" pitchFamily="34" charset="-120"/>
+                <a:cs typeface="Arial" panose="020B0604020202020204" pitchFamily="34" charset="0"/>
               </a:rPr>
               <a:t>thần</a:t>
             </a:r>
-            <a:endParaRPr lang="zh-TW" altLang="en-US" sz="4000" b="1" dirty="0">
+            <a:endParaRPr lang="zh-TW" altLang="en-US" sz="3600" b="1" dirty="0">
               <a:solidFill>
                 <a:srgbClr val="660033"/>
               </a:solidFill>
-              <a:latin typeface="Times New Roman" pitchFamily="18" charset="0"/>
+              <a:latin typeface="Arial" panose="020B0604020202020204" pitchFamily="34" charset="0"/>
               <a:ea typeface="微軟正黑體" pitchFamily="34" charset="-120"/>
-              <a:cs typeface="Times New Roman" pitchFamily="18" charset="0"/>
+              <a:cs typeface="Arial" panose="020B0604020202020204" pitchFamily="34" charset="0"/>
             </a:endParaRPr>
           </a:p>
         </p:txBody>
@@ -7553,7 +7570,7 @@
               <a:buNone/>
             </a:pPr>
             <a:r>
-              <a:rPr lang="vi-VN" sz="3600" b="1" dirty="0">
+              <a:rPr lang="vi-VN" b="1" dirty="0">
                 <a:solidFill>
                   <a:srgbClr val="660033"/>
                 </a:solidFill>
@@ -7564,12 +7581,11 @@
                     </a:srgbClr>
                   </a:outerShdw>
                 </a:effectLst>
-                <a:latin typeface="+mj-lt"/>
               </a:rPr>
               <a:t>Trời cao cũng chung khen ngợi Ba </a:t>
             </a:r>
             <a:r>
-              <a:rPr lang="vi-VN" sz="3600" b="1" dirty="0" smtClean="0">
+              <a:rPr lang="vi-VN" b="1" dirty="0">
                 <a:solidFill>
                   <a:srgbClr val="660033"/>
                 </a:solidFill>
@@ -7580,11 +7596,10 @@
                     </a:srgbClr>
                   </a:outerShdw>
                 </a:effectLst>
-                <a:latin typeface="+mj-lt"/>
               </a:rPr>
               <a:t>Ngôi</a:t>
             </a:r>
-            <a:endParaRPr lang="en-US" sz="3600" b="1" dirty="0" smtClean="0">
+            <a:endParaRPr lang="en-US" b="1" dirty="0">
               <a:solidFill>
                 <a:srgbClr val="660033"/>
               </a:solidFill>
@@ -7595,7 +7610,6 @@
                   </a:srgbClr>
                 </a:outerShdw>
               </a:effectLst>
-              <a:latin typeface="+mj-lt"/>
             </a:endParaRPr>
           </a:p>
           <a:p>
@@ -7603,7 +7617,7 @@
               <a:buNone/>
             </a:pPr>
             <a:r>
-              <a:rPr lang="vi-VN" sz="3600" b="1" dirty="0" smtClean="0">
+              <a:rPr lang="vi-VN" b="1" dirty="0">
                 <a:solidFill>
                   <a:srgbClr val="660033"/>
                 </a:solidFill>
@@ -7614,12 +7628,11 @@
                     </a:srgbClr>
                   </a:outerShdw>
                 </a:effectLst>
-                <a:latin typeface="+mj-lt"/>
               </a:rPr>
               <a:t>Chúa </a:t>
             </a:r>
             <a:r>
-              <a:rPr lang="vi-VN" sz="3600" b="1" dirty="0">
+              <a:rPr lang="vi-VN" b="1" dirty="0">
                 <a:solidFill>
                   <a:srgbClr val="660033"/>
                 </a:solidFill>
@@ -7630,12 +7643,11 @@
                     </a:srgbClr>
                   </a:outerShdw>
                 </a:effectLst>
-                <a:latin typeface="+mj-lt"/>
               </a:rPr>
               <a:t>Cha cùng Con với Linh đời </a:t>
             </a:r>
             <a:r>
-              <a:rPr lang="vi-VN" sz="3600" b="1" dirty="0" smtClean="0">
+              <a:rPr lang="vi-VN" b="1" dirty="0">
                 <a:solidFill>
                   <a:srgbClr val="660033"/>
                 </a:solidFill>
@@ -7646,11 +7658,10 @@
                     </a:srgbClr>
                   </a:outerShdw>
                 </a:effectLst>
-                <a:latin typeface="+mj-lt"/>
               </a:rPr>
               <a:t>đời </a:t>
             </a:r>
-            <a:endParaRPr lang="en-US" sz="3600" b="1" dirty="0" smtClean="0">
+            <a:endParaRPr lang="en-US" b="1" dirty="0">
               <a:solidFill>
                 <a:srgbClr val="660033"/>
               </a:solidFill>
@@ -7661,7 +7672,6 @@
                   </a:srgbClr>
                 </a:outerShdw>
               </a:effectLst>
-              <a:latin typeface="+mj-lt"/>
             </a:endParaRPr>
           </a:p>
           <a:p>
@@ -7669,7 +7679,7 @@
               <a:buNone/>
             </a:pPr>
             <a:r>
-              <a:rPr lang="vi-VN" sz="3600" b="1" dirty="0" smtClean="0">
+              <a:rPr lang="vi-VN" b="1" dirty="0">
                 <a:solidFill>
                   <a:srgbClr val="660033"/>
                 </a:solidFill>
@@ -7680,11 +7690,10 @@
                     </a:srgbClr>
                   </a:outerShdw>
                 </a:effectLst>
-                <a:latin typeface="+mj-lt"/>
               </a:rPr>
               <a:t>A-men</a:t>
             </a:r>
-            <a:endParaRPr lang="zh-TW" altLang="en-US" sz="3600" b="1" dirty="0">
+            <a:endParaRPr lang="zh-TW" altLang="en-US" b="1" dirty="0">
               <a:solidFill>
                 <a:srgbClr val="660033"/>
               </a:solidFill>
@@ -7695,7 +7704,6 @@
                   </a:srgbClr>
                 </a:outerShdw>
               </a:effectLst>
-              <a:latin typeface="+mj-lt"/>
             </a:endParaRPr>
           </a:p>
         </p:txBody>
@@ -7749,7 +7757,7 @@
         </p:nvSpPr>
         <p:spPr>
           <a:xfrm>
-            <a:off x="0" y="1563638"/>
+            <a:off x="0" y="1707654"/>
             <a:ext cx="9144000" cy="964406"/>
           </a:xfrm>
         </p:spPr>
@@ -7760,7 +7768,7 @@
           <a:lstStyle/>
           <a:p>
             <a:r>
-              <a:rPr lang="zh-CN" altLang="en-US" sz="6600" b="1" dirty="0">
+              <a:rPr lang="zh-CN" altLang="en-US" sz="6000" b="1" dirty="0">
                 <a:solidFill>
                   <a:srgbClr val="000066"/>
                 </a:solidFill>
@@ -7776,7 +7784,7 @@
               </a:rPr>
               <a:t>本堂牧師領詩班進堂</a:t>
             </a:r>
-            <a:endParaRPr lang="zh-TW" altLang="en-US" sz="6600" b="1" dirty="0">
+            <a:endParaRPr lang="zh-TW" altLang="en-US" sz="6000" b="1" dirty="0">
               <a:solidFill>
                 <a:srgbClr val="000066"/>
               </a:solidFill>
@@ -7803,7 +7811,7 @@
         </p:nvSpPr>
         <p:spPr>
           <a:xfrm>
-            <a:off x="0" y="2643758"/>
+            <a:off x="20070" y="2427734"/>
             <a:ext cx="9144000" cy="964406"/>
           </a:xfrm>
           <a:prstGeom prst="rect">
@@ -7832,9 +7840,9 @@
           </a:lstStyle>
           <a:p>
             <a:r>
-              <a:rPr lang="vi-VN" b="1" dirty="0">
-                <a:solidFill>
-                  <a:srgbClr val="800000"/>
+              <a:rPr lang="vi-VN" sz="3600" b="1" dirty="0">
+                <a:solidFill>
+                  <a:srgbClr val="660033"/>
                 </a:solidFill>
                 <a:effectLst>
                   <a:outerShdw blurRad="38100" dist="38100" dir="2700000" algn="tl">
@@ -7843,16 +7851,16 @@
                     </a:srgbClr>
                   </a:outerShdw>
                 </a:effectLst>
-                <a:latin typeface="Times New Roman" pitchFamily="18" charset="0"/>
-                <a:ea typeface="微軟正黑體" pitchFamily="34" charset="-120"/>
-                <a:cs typeface="Times New Roman" pitchFamily="18" charset="0"/>
+                <a:latin typeface="Arial" panose="020B0604020202020204" pitchFamily="34" charset="0"/>
+                <a:ea typeface="微軟正黑體" pitchFamily="34" charset="-120"/>
+                <a:cs typeface="Arial" panose="020B0604020202020204" pitchFamily="34" charset="0"/>
               </a:rPr>
               <a:t>Mục Sư QN và </a:t>
             </a:r>
             <a:r>
-              <a:rPr lang="en-US" b="1" dirty="0">
-                <a:solidFill>
-                  <a:srgbClr val="800000"/>
+              <a:rPr lang="en-US" sz="3600" b="1" dirty="0">
+                <a:solidFill>
+                  <a:srgbClr val="660033"/>
                 </a:solidFill>
                 <a:effectLst>
                   <a:outerShdw blurRad="38100" dist="38100" dir="2700000" algn="tl">
@@ -7861,16 +7869,16 @@
                     </a:srgbClr>
                   </a:outerShdw>
                 </a:effectLst>
-                <a:latin typeface="Times New Roman" pitchFamily="18" charset="0"/>
-                <a:ea typeface="微軟正黑體" pitchFamily="34" charset="-120"/>
-                <a:cs typeface="Times New Roman" pitchFamily="18" charset="0"/>
+                <a:latin typeface="Arial" panose="020B0604020202020204" pitchFamily="34" charset="0"/>
+                <a:ea typeface="微軟正黑體" pitchFamily="34" charset="-120"/>
+                <a:cs typeface="Arial" panose="020B0604020202020204" pitchFamily="34" charset="0"/>
               </a:rPr>
               <a:t>B</a:t>
             </a:r>
             <a:r>
-              <a:rPr lang="vi-VN" b="1" dirty="0">
-                <a:solidFill>
-                  <a:srgbClr val="800000"/>
+              <a:rPr lang="vi-VN" sz="3600" b="1" dirty="0">
+                <a:solidFill>
+                  <a:srgbClr val="660033"/>
                 </a:solidFill>
                 <a:effectLst>
                   <a:outerShdw blurRad="38100" dist="38100" dir="2700000" algn="tl">
@@ -7879,15 +7887,15 @@
                     </a:srgbClr>
                   </a:outerShdw>
                 </a:effectLst>
-                <a:latin typeface="Times New Roman" pitchFamily="18" charset="0"/>
-                <a:ea typeface="微軟正黑體" pitchFamily="34" charset="-120"/>
-                <a:cs typeface="Times New Roman" pitchFamily="18" charset="0"/>
+                <a:latin typeface="Arial" panose="020B0604020202020204" pitchFamily="34" charset="0"/>
+                <a:ea typeface="微軟正黑體" pitchFamily="34" charset="-120"/>
+                <a:cs typeface="Arial" panose="020B0604020202020204" pitchFamily="34" charset="0"/>
               </a:rPr>
               <a:t>an hát tiến vào</a:t>
             </a:r>
-            <a:endParaRPr lang="zh-TW" altLang="en-US" b="1" dirty="0">
+            <a:endParaRPr lang="zh-TW" altLang="en-US" sz="3600" b="1" dirty="0">
               <a:solidFill>
-                <a:srgbClr val="800000"/>
+                <a:srgbClr val="660033"/>
               </a:solidFill>
               <a:effectLst>
                 <a:outerShdw blurRad="38100" dist="38100" dir="2700000" algn="tl">
@@ -7896,9 +7904,9 @@
                   </a:srgbClr>
                 </a:outerShdw>
               </a:effectLst>
-              <a:latin typeface="Times New Roman" pitchFamily="18" charset="0"/>
+              <a:latin typeface="Arial" panose="020B0604020202020204" pitchFamily="34" charset="0"/>
               <a:ea typeface="微軟正黑體" pitchFamily="34" charset="-120"/>
-              <a:cs typeface="Times New Roman" pitchFamily="18" charset="0"/>
+              <a:cs typeface="Arial" panose="020B0604020202020204" pitchFamily="34" charset="0"/>
             </a:endParaRPr>
           </a:p>
         </p:txBody>
@@ -7977,9 +7985,9 @@
                 <a:solidFill>
                   <a:srgbClr val="660033"/>
                 </a:solidFill>
-                <a:latin typeface="Times New Roman" pitchFamily="18" charset="0"/>
-                <a:ea typeface="微軟正黑體" pitchFamily="34" charset="-120"/>
-                <a:cs typeface="Times New Roman" pitchFamily="18" charset="0"/>
+                <a:latin typeface="Arial" panose="020B0604020202020204" pitchFamily="34" charset="0"/>
+                <a:ea typeface="微軟正黑體" pitchFamily="34" charset="-120"/>
+                <a:cs typeface="Arial" panose="020B0604020202020204" pitchFamily="34" charset="0"/>
               </a:rPr>
               <a:t>Cầu</a:t>
             </a:r>
@@ -7988,9 +7996,9 @@
                 <a:solidFill>
                   <a:srgbClr val="660033"/>
                 </a:solidFill>
-                <a:latin typeface="Times New Roman" pitchFamily="18" charset="0"/>
-                <a:ea typeface="微軟正黑體" pitchFamily="34" charset="-120"/>
-                <a:cs typeface="Times New Roman" pitchFamily="18" charset="0"/>
+                <a:latin typeface="Arial" panose="020B0604020202020204" pitchFamily="34" charset="0"/>
+                <a:ea typeface="微軟正黑體" pitchFamily="34" charset="-120"/>
+                <a:cs typeface="Arial" panose="020B0604020202020204" pitchFamily="34" charset="0"/>
               </a:rPr>
               <a:t> </a:t>
             </a:r>
@@ -7999,9 +8007,9 @@
                 <a:solidFill>
                   <a:srgbClr val="660033"/>
                 </a:solidFill>
-                <a:latin typeface="Times New Roman" pitchFamily="18" charset="0"/>
-                <a:ea typeface="微軟正黑體" pitchFamily="34" charset="-120"/>
-                <a:cs typeface="Times New Roman" pitchFamily="18" charset="0"/>
+                <a:latin typeface="Arial" panose="020B0604020202020204" pitchFamily="34" charset="0"/>
+                <a:ea typeface="微軟正黑體" pitchFamily="34" charset="-120"/>
+                <a:cs typeface="Arial" panose="020B0604020202020204" pitchFamily="34" charset="0"/>
               </a:rPr>
               <a:t>nguyện</a:t>
             </a:r>
@@ -8010,9 +8018,9 @@
                 <a:solidFill>
                   <a:srgbClr val="660033"/>
                 </a:solidFill>
-                <a:latin typeface="Times New Roman" pitchFamily="18" charset="0"/>
-                <a:ea typeface="微軟正黑體" pitchFamily="34" charset="-120"/>
-                <a:cs typeface="Times New Roman" pitchFamily="18" charset="0"/>
+                <a:latin typeface="Arial" panose="020B0604020202020204" pitchFamily="34" charset="0"/>
+                <a:ea typeface="微軟正黑體" pitchFamily="34" charset="-120"/>
+                <a:cs typeface="Arial" panose="020B0604020202020204" pitchFamily="34" charset="0"/>
               </a:rPr>
               <a:t> </a:t>
             </a:r>
@@ -8021,9 +8029,9 @@
                 <a:solidFill>
                   <a:srgbClr val="660033"/>
                 </a:solidFill>
-                <a:latin typeface="Times New Roman" pitchFamily="18" charset="0"/>
-                <a:ea typeface="微軟正黑體" pitchFamily="34" charset="-120"/>
-                <a:cs typeface="Times New Roman" pitchFamily="18" charset="0"/>
+                <a:latin typeface="Arial" panose="020B0604020202020204" pitchFamily="34" charset="0"/>
+                <a:ea typeface="微軟正黑體" pitchFamily="34" charset="-120"/>
+                <a:cs typeface="Arial" panose="020B0604020202020204" pitchFamily="34" charset="0"/>
               </a:rPr>
               <a:t>chung</a:t>
             </a:r>
@@ -8031,9 +8039,9 @@
               <a:solidFill>
                 <a:srgbClr val="660033"/>
               </a:solidFill>
-              <a:latin typeface="Times New Roman" pitchFamily="18" charset="0"/>
+              <a:latin typeface="Arial" panose="020B0604020202020204" pitchFamily="34" charset="0"/>
               <a:ea typeface="微軟正黑體" pitchFamily="34" charset="-120"/>
-              <a:cs typeface="Times New Roman" pitchFamily="18" charset="0"/>
+              <a:cs typeface="Arial" panose="020B0604020202020204" pitchFamily="34" charset="0"/>
             </a:endParaRPr>
           </a:p>
         </p:txBody>
@@ -8296,7 +8304,7 @@
               <a:buNone/>
             </a:pPr>
             <a:r>
-              <a:rPr lang="vi-VN" sz="4000" b="1" dirty="0">
+              <a:rPr lang="vi-VN" sz="3600" b="1" dirty="0">
                 <a:solidFill>
                   <a:srgbClr val="660033"/>
                 </a:solidFill>
@@ -8307,12 +8315,13 @@
                     </a:srgbClr>
                   </a:outerShdw>
                 </a:effectLst>
-                <a:latin typeface="+mj-lt"/>
+                <a:latin typeface="Arial" panose="020B0604020202020204" pitchFamily="34" charset="0"/>
+                <a:cs typeface="Arial" panose="020B0604020202020204" pitchFamily="34" charset="0"/>
               </a:rPr>
               <a:t>Lạy Cha chúng con ở trên </a:t>
             </a:r>
             <a:r>
-              <a:rPr lang="vi-VN" sz="4000" b="1" dirty="0" smtClean="0">
+              <a:rPr lang="vi-VN" sz="3600" b="1" dirty="0" smtClean="0">
                 <a:solidFill>
                   <a:srgbClr val="660033"/>
                 </a:solidFill>
@@ -8323,11 +8332,12 @@
                     </a:srgbClr>
                   </a:outerShdw>
                 </a:effectLst>
-                <a:latin typeface="+mj-lt"/>
+                <a:latin typeface="Arial" panose="020B0604020202020204" pitchFamily="34" charset="0"/>
+                <a:cs typeface="Arial" panose="020B0604020202020204" pitchFamily="34" charset="0"/>
               </a:rPr>
               <a:t>trời</a:t>
             </a:r>
-            <a:endParaRPr lang="vi-VN" sz="4000" b="1" dirty="0">
+            <a:endParaRPr lang="vi-VN" sz="3600" b="1" dirty="0">
               <a:solidFill>
                 <a:srgbClr val="660033"/>
               </a:solidFill>
@@ -8338,7 +8348,8 @@
                   </a:srgbClr>
                 </a:outerShdw>
               </a:effectLst>
-              <a:latin typeface="+mj-lt"/>
+              <a:latin typeface="Arial" panose="020B0604020202020204" pitchFamily="34" charset="0"/>
+              <a:cs typeface="Arial" panose="020B0604020202020204" pitchFamily="34" charset="0"/>
             </a:endParaRPr>
           </a:p>
           <a:p>
@@ -8346,7 +8357,7 @@
               <a:buNone/>
             </a:pPr>
             <a:r>
-              <a:rPr lang="vi-VN" sz="4000" b="1" dirty="0">
+              <a:rPr lang="vi-VN" sz="3600" b="1" dirty="0">
                 <a:solidFill>
                   <a:srgbClr val="660033"/>
                 </a:solidFill>
@@ -8357,12 +8368,13 @@
                     </a:srgbClr>
                   </a:outerShdw>
                 </a:effectLst>
-                <a:latin typeface="+mj-lt"/>
+                <a:latin typeface="Arial" panose="020B0604020202020204" pitchFamily="34" charset="0"/>
+                <a:cs typeface="Arial" panose="020B0604020202020204" pitchFamily="34" charset="0"/>
               </a:rPr>
               <a:t>Danh Cha được </a:t>
             </a:r>
             <a:r>
-              <a:rPr lang="vi-VN" sz="4000" b="1" dirty="0" smtClean="0">
+              <a:rPr lang="vi-VN" sz="3600" b="1" dirty="0" smtClean="0">
                 <a:solidFill>
                   <a:srgbClr val="660033"/>
                 </a:solidFill>
@@ -8373,11 +8385,12 @@
                     </a:srgbClr>
                   </a:outerShdw>
                 </a:effectLst>
-                <a:latin typeface="+mj-lt"/>
+                <a:latin typeface="Arial" panose="020B0604020202020204" pitchFamily="34" charset="0"/>
+                <a:cs typeface="Arial" panose="020B0604020202020204" pitchFamily="34" charset="0"/>
               </a:rPr>
               <a:t>thánh</a:t>
             </a:r>
-            <a:endParaRPr lang="vi-VN" sz="4000" b="1" dirty="0">
+            <a:endParaRPr lang="vi-VN" sz="3600" b="1" dirty="0">
               <a:solidFill>
                 <a:srgbClr val="660033"/>
               </a:solidFill>
@@ -8388,7 +8401,8 @@
                   </a:srgbClr>
                 </a:outerShdw>
               </a:effectLst>
-              <a:latin typeface="+mj-lt"/>
+              <a:latin typeface="Arial" panose="020B0604020202020204" pitchFamily="34" charset="0"/>
+              <a:cs typeface="Arial" panose="020B0604020202020204" pitchFamily="34" charset="0"/>
             </a:endParaRPr>
           </a:p>
         </p:txBody>
@@ -8463,67 +8477,67 @@
               <a:t>公禱文 </a:t>
             </a:r>
             <a:r>
-              <a:rPr lang="en-US" altLang="zh-CN" sz="3600" b="1" dirty="0" err="1" smtClean="0">
-                <a:solidFill>
-                  <a:srgbClr val="660033"/>
-                </a:solidFill>
-                <a:latin typeface="Times New Roman" pitchFamily="18" charset="0"/>
-                <a:ea typeface="微軟正黑體" pitchFamily="34" charset="-120"/>
-                <a:cs typeface="Times New Roman" pitchFamily="18" charset="0"/>
+              <a:rPr lang="en-US" altLang="zh-CN" sz="3600" b="1" dirty="0" err="1">
+                <a:solidFill>
+                  <a:srgbClr val="660033"/>
+                </a:solidFill>
+                <a:latin typeface="Arial" panose="020B0604020202020204" pitchFamily="34" charset="0"/>
+                <a:ea typeface="微軟正黑體" pitchFamily="34" charset="-120"/>
+                <a:cs typeface="Arial" panose="020B0604020202020204" pitchFamily="34" charset="0"/>
               </a:rPr>
               <a:t>Cầu</a:t>
             </a:r>
             <a:r>
-              <a:rPr lang="en-US" altLang="zh-CN" sz="3600" b="1" dirty="0" smtClean="0">
-                <a:solidFill>
-                  <a:srgbClr val="660033"/>
-                </a:solidFill>
-                <a:latin typeface="Times New Roman" pitchFamily="18" charset="0"/>
-                <a:ea typeface="微軟正黑體" pitchFamily="34" charset="-120"/>
-                <a:cs typeface="Times New Roman" pitchFamily="18" charset="0"/>
+              <a:rPr lang="en-US" altLang="zh-CN" sz="3600" b="1" dirty="0">
+                <a:solidFill>
+                  <a:srgbClr val="660033"/>
+                </a:solidFill>
+                <a:latin typeface="Arial" panose="020B0604020202020204" pitchFamily="34" charset="0"/>
+                <a:ea typeface="微軟正黑體" pitchFamily="34" charset="-120"/>
+                <a:cs typeface="Arial" panose="020B0604020202020204" pitchFamily="34" charset="0"/>
               </a:rPr>
               <a:t> </a:t>
             </a:r>
             <a:r>
-              <a:rPr lang="en-US" altLang="zh-CN" sz="3600" b="1" dirty="0" err="1" smtClean="0">
-                <a:solidFill>
-                  <a:srgbClr val="660033"/>
-                </a:solidFill>
-                <a:latin typeface="Times New Roman" pitchFamily="18" charset="0"/>
-                <a:ea typeface="微軟正黑體" pitchFamily="34" charset="-120"/>
-                <a:cs typeface="Times New Roman" pitchFamily="18" charset="0"/>
+              <a:rPr lang="en-US" altLang="zh-CN" sz="3600" b="1" dirty="0" err="1">
+                <a:solidFill>
+                  <a:srgbClr val="660033"/>
+                </a:solidFill>
+                <a:latin typeface="Arial" panose="020B0604020202020204" pitchFamily="34" charset="0"/>
+                <a:ea typeface="微軟正黑體" pitchFamily="34" charset="-120"/>
+                <a:cs typeface="Arial" panose="020B0604020202020204" pitchFamily="34" charset="0"/>
               </a:rPr>
               <a:t>nguyện</a:t>
             </a:r>
             <a:r>
-              <a:rPr lang="en-US" altLang="zh-CN" sz="3600" b="1" dirty="0" smtClean="0">
-                <a:solidFill>
-                  <a:srgbClr val="660033"/>
-                </a:solidFill>
-                <a:latin typeface="Times New Roman" pitchFamily="18" charset="0"/>
-                <a:ea typeface="微軟正黑體" pitchFamily="34" charset="-120"/>
-                <a:cs typeface="Times New Roman" pitchFamily="18" charset="0"/>
+              <a:rPr lang="en-US" altLang="zh-CN" sz="3600" b="1" dirty="0">
+                <a:solidFill>
+                  <a:srgbClr val="660033"/>
+                </a:solidFill>
+                <a:latin typeface="Arial" panose="020B0604020202020204" pitchFamily="34" charset="0"/>
+                <a:ea typeface="微軟正黑體" pitchFamily="34" charset="-120"/>
+                <a:cs typeface="Arial" panose="020B0604020202020204" pitchFamily="34" charset="0"/>
               </a:rPr>
               <a:t> </a:t>
             </a:r>
             <a:r>
-              <a:rPr lang="en-US" altLang="zh-CN" sz="3600" b="1" dirty="0" err="1" smtClean="0">
-                <a:solidFill>
-                  <a:srgbClr val="660033"/>
-                </a:solidFill>
-                <a:latin typeface="Times New Roman" pitchFamily="18" charset="0"/>
-                <a:ea typeface="微軟正黑體" pitchFamily="34" charset="-120"/>
-                <a:cs typeface="Times New Roman" pitchFamily="18" charset="0"/>
+              <a:rPr lang="en-US" altLang="zh-CN" sz="3600" b="1" dirty="0" err="1">
+                <a:solidFill>
+                  <a:srgbClr val="660033"/>
+                </a:solidFill>
+                <a:latin typeface="Arial" panose="020B0604020202020204" pitchFamily="34" charset="0"/>
+                <a:ea typeface="微軟正黑體" pitchFamily="34" charset="-120"/>
+                <a:cs typeface="Arial" panose="020B0604020202020204" pitchFamily="34" charset="0"/>
               </a:rPr>
               <a:t>chung</a:t>
             </a:r>
-            <a:endParaRPr lang="zh-TW" altLang="en-US" sz="4000" b="1" dirty="0">
+            <a:endParaRPr lang="zh-TW" altLang="en-US" sz="3600" b="1" dirty="0">
               <a:solidFill>
                 <a:srgbClr val="660033"/>
               </a:solidFill>
-              <a:latin typeface="Times New Roman" pitchFamily="18" charset="0"/>
+              <a:latin typeface="Arial" panose="020B0604020202020204" pitchFamily="34" charset="0"/>
               <a:ea typeface="微軟正黑體" pitchFamily="34" charset="-120"/>
-              <a:cs typeface="Times New Roman" pitchFamily="18" charset="0"/>
+              <a:cs typeface="Arial" panose="020B0604020202020204" pitchFamily="34" charset="0"/>
             </a:endParaRPr>
           </a:p>
         </p:txBody>
@@ -8822,7 +8836,7 @@
               <a:buNone/>
             </a:pPr>
             <a:r>
-              <a:rPr lang="vi-VN" sz="4000" b="1" dirty="0">
+              <a:rPr lang="vi-VN" sz="3600" b="1" dirty="0">
                 <a:solidFill>
                   <a:srgbClr val="660033"/>
                 </a:solidFill>
@@ -8833,12 +8847,13 @@
                     </a:srgbClr>
                   </a:outerShdw>
                 </a:effectLst>
-                <a:latin typeface="+mj-lt"/>
+                <a:latin typeface="Arial" panose="020B0604020202020204" pitchFamily="34" charset="0"/>
+                <a:cs typeface="Arial" panose="020B0604020202020204" pitchFamily="34" charset="0"/>
               </a:rPr>
               <a:t>Nước Cha được </a:t>
             </a:r>
             <a:r>
-              <a:rPr lang="vi-VN" sz="4000" b="1" dirty="0" smtClean="0">
+              <a:rPr lang="vi-VN" sz="3600" b="1" dirty="0">
                 <a:solidFill>
                   <a:srgbClr val="660033"/>
                 </a:solidFill>
@@ -8849,11 +8864,12 @@
                     </a:srgbClr>
                   </a:outerShdw>
                 </a:effectLst>
-                <a:latin typeface="+mj-lt"/>
+                <a:latin typeface="Arial" panose="020B0604020202020204" pitchFamily="34" charset="0"/>
+                <a:cs typeface="Arial" panose="020B0604020202020204" pitchFamily="34" charset="0"/>
               </a:rPr>
               <a:t>đến</a:t>
             </a:r>
-            <a:endParaRPr lang="vi-VN" sz="4000" b="1" dirty="0">
+            <a:endParaRPr lang="vi-VN" sz="3600" b="1" dirty="0">
               <a:solidFill>
                 <a:srgbClr val="660033"/>
               </a:solidFill>
@@ -8864,7 +8880,8 @@
                   </a:srgbClr>
                 </a:outerShdw>
               </a:effectLst>
-              <a:latin typeface="+mj-lt"/>
+              <a:latin typeface="Arial" panose="020B0604020202020204" pitchFamily="34" charset="0"/>
+              <a:cs typeface="Arial" panose="020B0604020202020204" pitchFamily="34" charset="0"/>
             </a:endParaRPr>
           </a:p>
           <a:p>
@@ -8872,7 +8889,7 @@
               <a:buNone/>
             </a:pPr>
             <a:r>
-              <a:rPr lang="vi-VN" sz="4000" b="1" dirty="0">
+              <a:rPr lang="vi-VN" sz="3600" b="1" dirty="0">
                 <a:solidFill>
                   <a:srgbClr val="660033"/>
                 </a:solidFill>
@@ -8883,12 +8900,13 @@
                     </a:srgbClr>
                   </a:outerShdw>
                 </a:effectLst>
-                <a:latin typeface="+mj-lt"/>
+                <a:latin typeface="Arial" panose="020B0604020202020204" pitchFamily="34" charset="0"/>
+                <a:cs typeface="Arial" panose="020B0604020202020204" pitchFamily="34" charset="0"/>
               </a:rPr>
               <a:t>Ý Cha được nên, ở đất như </a:t>
             </a:r>
             <a:r>
-              <a:rPr lang="vi-VN" sz="4000" b="1" dirty="0" smtClean="0">
+              <a:rPr lang="vi-VN" sz="3600" b="1" dirty="0">
                 <a:solidFill>
                   <a:srgbClr val="660033"/>
                 </a:solidFill>
@@ -8899,11 +8917,25 @@
                     </a:srgbClr>
                   </a:outerShdw>
                 </a:effectLst>
-                <a:latin typeface="+mj-lt"/>
+                <a:latin typeface="Arial" panose="020B0604020202020204" pitchFamily="34" charset="0"/>
+                <a:cs typeface="Arial" panose="020B0604020202020204" pitchFamily="34" charset="0"/>
               </a:rPr>
               <a:t>trời</a:t>
             </a:r>
-            <a:endParaRPr lang="vi-VN" sz="4000" dirty="0"/>
+            <a:endParaRPr lang="vi-VN" sz="3600" b="1" dirty="0">
+              <a:solidFill>
+                <a:srgbClr val="660033"/>
+              </a:solidFill>
+              <a:effectLst>
+                <a:outerShdw blurRad="38100" dist="38100" dir="2700000" algn="tl">
+                  <a:srgbClr val="000000">
+                    <a:alpha val="43137"/>
+                  </a:srgbClr>
+                </a:outerShdw>
+              </a:effectLst>
+              <a:latin typeface="Arial" panose="020B0604020202020204" pitchFamily="34" charset="0"/>
+              <a:cs typeface="Arial" panose="020B0604020202020204" pitchFamily="34" charset="0"/>
+            </a:endParaRPr>
           </a:p>
         </p:txBody>
       </p:sp>
@@ -8977,67 +9009,67 @@
               <a:t>公禱文 </a:t>
             </a:r>
             <a:r>
-              <a:rPr lang="en-US" altLang="zh-CN" sz="3600" b="1" dirty="0" err="1" smtClean="0">
-                <a:solidFill>
-                  <a:srgbClr val="660033"/>
-                </a:solidFill>
-                <a:latin typeface="Times New Roman" pitchFamily="18" charset="0"/>
-                <a:ea typeface="微軟正黑體" pitchFamily="34" charset="-120"/>
-                <a:cs typeface="Times New Roman" pitchFamily="18" charset="0"/>
+              <a:rPr lang="en-US" altLang="zh-CN" sz="3600" b="1" dirty="0" err="1">
+                <a:solidFill>
+                  <a:srgbClr val="660033"/>
+                </a:solidFill>
+                <a:latin typeface="Arial" panose="020B0604020202020204" pitchFamily="34" charset="0"/>
+                <a:ea typeface="微軟正黑體" pitchFamily="34" charset="-120"/>
+                <a:cs typeface="Arial" panose="020B0604020202020204" pitchFamily="34" charset="0"/>
               </a:rPr>
               <a:t>Cầu</a:t>
             </a:r>
             <a:r>
-              <a:rPr lang="en-US" altLang="zh-CN" sz="3600" b="1" dirty="0" smtClean="0">
-                <a:solidFill>
-                  <a:srgbClr val="660033"/>
-                </a:solidFill>
-                <a:latin typeface="Times New Roman" pitchFamily="18" charset="0"/>
-                <a:ea typeface="微軟正黑體" pitchFamily="34" charset="-120"/>
-                <a:cs typeface="Times New Roman" pitchFamily="18" charset="0"/>
+              <a:rPr lang="en-US" altLang="zh-CN" sz="3600" b="1" dirty="0">
+                <a:solidFill>
+                  <a:srgbClr val="660033"/>
+                </a:solidFill>
+                <a:latin typeface="Arial" panose="020B0604020202020204" pitchFamily="34" charset="0"/>
+                <a:ea typeface="微軟正黑體" pitchFamily="34" charset="-120"/>
+                <a:cs typeface="Arial" panose="020B0604020202020204" pitchFamily="34" charset="0"/>
               </a:rPr>
               <a:t> </a:t>
             </a:r>
             <a:r>
-              <a:rPr lang="en-US" altLang="zh-CN" sz="3600" b="1" dirty="0" err="1" smtClean="0">
-                <a:solidFill>
-                  <a:srgbClr val="660033"/>
-                </a:solidFill>
-                <a:latin typeface="Times New Roman" pitchFamily="18" charset="0"/>
-                <a:ea typeface="微軟正黑體" pitchFamily="34" charset="-120"/>
-                <a:cs typeface="Times New Roman" pitchFamily="18" charset="0"/>
+              <a:rPr lang="en-US" altLang="zh-CN" sz="3600" b="1" dirty="0" err="1">
+                <a:solidFill>
+                  <a:srgbClr val="660033"/>
+                </a:solidFill>
+                <a:latin typeface="Arial" panose="020B0604020202020204" pitchFamily="34" charset="0"/>
+                <a:ea typeface="微軟正黑體" pitchFamily="34" charset="-120"/>
+                <a:cs typeface="Arial" panose="020B0604020202020204" pitchFamily="34" charset="0"/>
               </a:rPr>
               <a:t>nguyện</a:t>
             </a:r>
             <a:r>
-              <a:rPr lang="en-US" altLang="zh-CN" sz="3600" b="1" dirty="0" smtClean="0">
-                <a:solidFill>
-                  <a:srgbClr val="660033"/>
-                </a:solidFill>
-                <a:latin typeface="Times New Roman" pitchFamily="18" charset="0"/>
-                <a:ea typeface="微軟正黑體" pitchFamily="34" charset="-120"/>
-                <a:cs typeface="Times New Roman" pitchFamily="18" charset="0"/>
+              <a:rPr lang="en-US" altLang="zh-CN" sz="3600" b="1" dirty="0">
+                <a:solidFill>
+                  <a:srgbClr val="660033"/>
+                </a:solidFill>
+                <a:latin typeface="Arial" panose="020B0604020202020204" pitchFamily="34" charset="0"/>
+                <a:ea typeface="微軟正黑體" pitchFamily="34" charset="-120"/>
+                <a:cs typeface="Arial" panose="020B0604020202020204" pitchFamily="34" charset="0"/>
               </a:rPr>
               <a:t> </a:t>
             </a:r>
             <a:r>
-              <a:rPr lang="en-US" altLang="zh-CN" sz="3600" b="1" dirty="0" err="1" smtClean="0">
-                <a:solidFill>
-                  <a:srgbClr val="660033"/>
-                </a:solidFill>
-                <a:latin typeface="Times New Roman" pitchFamily="18" charset="0"/>
-                <a:ea typeface="微軟正黑體" pitchFamily="34" charset="-120"/>
-                <a:cs typeface="Times New Roman" pitchFamily="18" charset="0"/>
+              <a:rPr lang="en-US" altLang="zh-CN" sz="3600" b="1" dirty="0" err="1">
+                <a:solidFill>
+                  <a:srgbClr val="660033"/>
+                </a:solidFill>
+                <a:latin typeface="Arial" panose="020B0604020202020204" pitchFamily="34" charset="0"/>
+                <a:ea typeface="微軟正黑體" pitchFamily="34" charset="-120"/>
+                <a:cs typeface="Arial" panose="020B0604020202020204" pitchFamily="34" charset="0"/>
               </a:rPr>
               <a:t>chung</a:t>
             </a:r>
-            <a:endParaRPr lang="zh-TW" altLang="en-US" sz="4000" b="1" dirty="0">
+            <a:endParaRPr lang="zh-TW" altLang="en-US" sz="3600" b="1" dirty="0">
               <a:solidFill>
                 <a:srgbClr val="660033"/>
               </a:solidFill>
-              <a:latin typeface="Times New Roman" pitchFamily="18" charset="0"/>
+              <a:latin typeface="Arial" panose="020B0604020202020204" pitchFamily="34" charset="0"/>
               <a:ea typeface="微軟正黑體" pitchFamily="34" charset="-120"/>
-              <a:cs typeface="Times New Roman" pitchFamily="18" charset="0"/>
+              <a:cs typeface="Arial" panose="020B0604020202020204" pitchFamily="34" charset="0"/>
             </a:endParaRPr>
           </a:p>
         </p:txBody>
@@ -9300,7 +9332,7 @@
               <a:buNone/>
             </a:pPr>
             <a:r>
-              <a:rPr lang="vi-VN" sz="4000" b="1" dirty="0">
+              <a:rPr lang="vi-VN" sz="3600" b="1" dirty="0">
                 <a:solidFill>
                   <a:srgbClr val="660033"/>
                 </a:solidFill>
@@ -9311,11 +9343,12 @@
                     </a:srgbClr>
                   </a:outerShdw>
                 </a:effectLst>
-                <a:latin typeface="+mj-lt"/>
+                <a:latin typeface="Arial" panose="020B0604020202020204" pitchFamily="34" charset="0"/>
+                <a:cs typeface="Arial" panose="020B0604020202020204" pitchFamily="34" charset="0"/>
               </a:rPr>
               <a:t>Xin cho chúng con hôm nay </a:t>
             </a:r>
-            <a:endParaRPr lang="en-US" sz="4000" b="1" dirty="0">
+            <a:endParaRPr lang="en-US" sz="3600" b="1" dirty="0">
               <a:solidFill>
                 <a:srgbClr val="660033"/>
               </a:solidFill>
@@ -9326,7 +9359,8 @@
                   </a:srgbClr>
                 </a:outerShdw>
               </a:effectLst>
-              <a:latin typeface="+mj-lt"/>
+              <a:latin typeface="Arial" panose="020B0604020202020204" pitchFamily="34" charset="0"/>
+              <a:cs typeface="Arial" panose="020B0604020202020204" pitchFamily="34" charset="0"/>
             </a:endParaRPr>
           </a:p>
           <a:p>
@@ -9334,7 +9368,7 @@
               <a:buNone/>
             </a:pPr>
             <a:r>
-              <a:rPr lang="vi-VN" sz="4000" b="1" dirty="0">
+              <a:rPr lang="vi-VN" sz="3600" b="1" dirty="0">
                 <a:solidFill>
                   <a:srgbClr val="660033"/>
                 </a:solidFill>
@@ -9345,7 +9379,8 @@
                     </a:srgbClr>
                   </a:outerShdw>
                 </a:effectLst>
-                <a:latin typeface="+mj-lt"/>
+                <a:latin typeface="Arial" panose="020B0604020202020204" pitchFamily="34" charset="0"/>
+                <a:cs typeface="Arial" panose="020B0604020202020204" pitchFamily="34" charset="0"/>
               </a:rPr>
               <a:t>đồ ăn đủ ngày</a:t>
             </a:r>
@@ -9422,67 +9457,67 @@
               <a:t>公禱文 </a:t>
             </a:r>
             <a:r>
-              <a:rPr lang="en-US" altLang="zh-CN" sz="3600" b="1" dirty="0" err="1" smtClean="0">
-                <a:solidFill>
-                  <a:srgbClr val="660033"/>
-                </a:solidFill>
-                <a:latin typeface="Times New Roman" pitchFamily="18" charset="0"/>
-                <a:ea typeface="微軟正黑體" pitchFamily="34" charset="-120"/>
-                <a:cs typeface="Times New Roman" pitchFamily="18" charset="0"/>
+              <a:rPr lang="en-US" altLang="zh-CN" sz="3600" b="1" dirty="0" err="1">
+                <a:solidFill>
+                  <a:srgbClr val="660033"/>
+                </a:solidFill>
+                <a:latin typeface="Arial" panose="020B0604020202020204" pitchFamily="34" charset="0"/>
+                <a:ea typeface="微軟正黑體" pitchFamily="34" charset="-120"/>
+                <a:cs typeface="Arial" panose="020B0604020202020204" pitchFamily="34" charset="0"/>
               </a:rPr>
               <a:t>Cầu</a:t>
             </a:r>
             <a:r>
-              <a:rPr lang="en-US" altLang="zh-CN" sz="3600" b="1" dirty="0" smtClean="0">
-                <a:solidFill>
-                  <a:srgbClr val="660033"/>
-                </a:solidFill>
-                <a:latin typeface="Times New Roman" pitchFamily="18" charset="0"/>
-                <a:ea typeface="微軟正黑體" pitchFamily="34" charset="-120"/>
-                <a:cs typeface="Times New Roman" pitchFamily="18" charset="0"/>
+              <a:rPr lang="en-US" altLang="zh-CN" sz="3600" b="1" dirty="0">
+                <a:solidFill>
+                  <a:srgbClr val="660033"/>
+                </a:solidFill>
+                <a:latin typeface="Arial" panose="020B0604020202020204" pitchFamily="34" charset="0"/>
+                <a:ea typeface="微軟正黑體" pitchFamily="34" charset="-120"/>
+                <a:cs typeface="Arial" panose="020B0604020202020204" pitchFamily="34" charset="0"/>
               </a:rPr>
               <a:t> </a:t>
             </a:r>
             <a:r>
-              <a:rPr lang="en-US" altLang="zh-CN" sz="3600" b="1" dirty="0" err="1" smtClean="0">
-                <a:solidFill>
-                  <a:srgbClr val="660033"/>
-                </a:solidFill>
-                <a:latin typeface="Times New Roman" pitchFamily="18" charset="0"/>
-                <a:ea typeface="微軟正黑體" pitchFamily="34" charset="-120"/>
-                <a:cs typeface="Times New Roman" pitchFamily="18" charset="0"/>
+              <a:rPr lang="en-US" altLang="zh-CN" sz="3600" b="1" dirty="0" err="1">
+                <a:solidFill>
+                  <a:srgbClr val="660033"/>
+                </a:solidFill>
+                <a:latin typeface="Arial" panose="020B0604020202020204" pitchFamily="34" charset="0"/>
+                <a:ea typeface="微軟正黑體" pitchFamily="34" charset="-120"/>
+                <a:cs typeface="Arial" panose="020B0604020202020204" pitchFamily="34" charset="0"/>
               </a:rPr>
               <a:t>nguyện</a:t>
             </a:r>
             <a:r>
-              <a:rPr lang="en-US" altLang="zh-CN" sz="3600" b="1" dirty="0" smtClean="0">
-                <a:solidFill>
-                  <a:srgbClr val="660033"/>
-                </a:solidFill>
-                <a:latin typeface="Times New Roman" pitchFamily="18" charset="0"/>
-                <a:ea typeface="微軟正黑體" pitchFamily="34" charset="-120"/>
-                <a:cs typeface="Times New Roman" pitchFamily="18" charset="0"/>
+              <a:rPr lang="en-US" altLang="zh-CN" sz="3600" b="1" dirty="0">
+                <a:solidFill>
+                  <a:srgbClr val="660033"/>
+                </a:solidFill>
+                <a:latin typeface="Arial" panose="020B0604020202020204" pitchFamily="34" charset="0"/>
+                <a:ea typeface="微軟正黑體" pitchFamily="34" charset="-120"/>
+                <a:cs typeface="Arial" panose="020B0604020202020204" pitchFamily="34" charset="0"/>
               </a:rPr>
               <a:t> </a:t>
             </a:r>
             <a:r>
-              <a:rPr lang="en-US" altLang="zh-CN" sz="3600" b="1" dirty="0" err="1" smtClean="0">
-                <a:solidFill>
-                  <a:srgbClr val="660033"/>
-                </a:solidFill>
-                <a:latin typeface="Times New Roman" pitchFamily="18" charset="0"/>
-                <a:ea typeface="微軟正黑體" pitchFamily="34" charset="-120"/>
-                <a:cs typeface="Times New Roman" pitchFamily="18" charset="0"/>
+              <a:rPr lang="en-US" altLang="zh-CN" sz="3600" b="1" dirty="0" err="1">
+                <a:solidFill>
+                  <a:srgbClr val="660033"/>
+                </a:solidFill>
+                <a:latin typeface="Arial" panose="020B0604020202020204" pitchFamily="34" charset="0"/>
+                <a:ea typeface="微軟正黑體" pitchFamily="34" charset="-120"/>
+                <a:cs typeface="Arial" panose="020B0604020202020204" pitchFamily="34" charset="0"/>
               </a:rPr>
               <a:t>chung</a:t>
             </a:r>
-            <a:endParaRPr lang="zh-TW" altLang="en-US" sz="4000" b="1" dirty="0">
+            <a:endParaRPr lang="zh-TW" altLang="en-US" sz="3600" b="1" dirty="0">
               <a:solidFill>
                 <a:srgbClr val="660033"/>
               </a:solidFill>
-              <a:latin typeface="Times New Roman" pitchFamily="18" charset="0"/>
+              <a:latin typeface="Arial" panose="020B0604020202020204" pitchFamily="34" charset="0"/>
               <a:ea typeface="微軟正黑體" pitchFamily="34" charset="-120"/>
-              <a:cs typeface="Times New Roman" pitchFamily="18" charset="0"/>
+              <a:cs typeface="Arial" panose="020B0604020202020204" pitchFamily="34" charset="0"/>
             </a:endParaRPr>
           </a:p>
         </p:txBody>
@@ -9745,7 +9780,7 @@
               <a:buNone/>
             </a:pPr>
             <a:r>
-              <a:rPr lang="vi-VN" sz="4000" b="1" dirty="0">
+              <a:rPr lang="vi-VN" sz="3600" b="1" dirty="0">
                 <a:solidFill>
                   <a:srgbClr val="660033"/>
                 </a:solidFill>
@@ -9756,7 +9791,8 @@
                     </a:srgbClr>
                   </a:outerShdw>
                 </a:effectLst>
-                <a:latin typeface="+mj-lt"/>
+                <a:latin typeface="Arial" panose="020B0604020202020204" pitchFamily="34" charset="0"/>
+                <a:cs typeface="Arial" panose="020B0604020202020204" pitchFamily="34" charset="0"/>
               </a:rPr>
               <a:t>Xin tha tội lỗi cho chúng con như chúng con cũng tha kẻ phạm tội nghịch cùng chúng con</a:t>
             </a:r>
@@ -9833,67 +9869,67 @@
               <a:t>公禱文 </a:t>
             </a:r>
             <a:r>
-              <a:rPr lang="en-US" altLang="zh-CN" sz="3600" b="1" dirty="0" err="1" smtClean="0">
-                <a:solidFill>
-                  <a:srgbClr val="660033"/>
-                </a:solidFill>
-                <a:latin typeface="Times New Roman" pitchFamily="18" charset="0"/>
-                <a:ea typeface="微軟正黑體" pitchFamily="34" charset="-120"/>
-                <a:cs typeface="Times New Roman" pitchFamily="18" charset="0"/>
+              <a:rPr lang="en-US" altLang="zh-CN" sz="3600" b="1" dirty="0" err="1">
+                <a:solidFill>
+                  <a:srgbClr val="660033"/>
+                </a:solidFill>
+                <a:latin typeface="Arial" panose="020B0604020202020204" pitchFamily="34" charset="0"/>
+                <a:ea typeface="微軟正黑體" pitchFamily="34" charset="-120"/>
+                <a:cs typeface="Arial" panose="020B0604020202020204" pitchFamily="34" charset="0"/>
               </a:rPr>
               <a:t>Cầu</a:t>
             </a:r>
             <a:r>
-              <a:rPr lang="en-US" altLang="zh-CN" sz="3600" b="1" dirty="0" smtClean="0">
-                <a:solidFill>
-                  <a:srgbClr val="660033"/>
-                </a:solidFill>
-                <a:latin typeface="Times New Roman" pitchFamily="18" charset="0"/>
-                <a:ea typeface="微軟正黑體" pitchFamily="34" charset="-120"/>
-                <a:cs typeface="Times New Roman" pitchFamily="18" charset="0"/>
+              <a:rPr lang="en-US" altLang="zh-CN" sz="3600" b="1" dirty="0">
+                <a:solidFill>
+                  <a:srgbClr val="660033"/>
+                </a:solidFill>
+                <a:latin typeface="Arial" panose="020B0604020202020204" pitchFamily="34" charset="0"/>
+                <a:ea typeface="微軟正黑體" pitchFamily="34" charset="-120"/>
+                <a:cs typeface="Arial" panose="020B0604020202020204" pitchFamily="34" charset="0"/>
               </a:rPr>
               <a:t> </a:t>
             </a:r>
             <a:r>
-              <a:rPr lang="en-US" altLang="zh-CN" sz="3600" b="1" dirty="0" err="1" smtClean="0">
-                <a:solidFill>
-                  <a:srgbClr val="660033"/>
-                </a:solidFill>
-                <a:latin typeface="Times New Roman" pitchFamily="18" charset="0"/>
-                <a:ea typeface="微軟正黑體" pitchFamily="34" charset="-120"/>
-                <a:cs typeface="Times New Roman" pitchFamily="18" charset="0"/>
+              <a:rPr lang="en-US" altLang="zh-CN" sz="3600" b="1" dirty="0" err="1">
+                <a:solidFill>
+                  <a:srgbClr val="660033"/>
+                </a:solidFill>
+                <a:latin typeface="Arial" panose="020B0604020202020204" pitchFamily="34" charset="0"/>
+                <a:ea typeface="微軟正黑體" pitchFamily="34" charset="-120"/>
+                <a:cs typeface="Arial" panose="020B0604020202020204" pitchFamily="34" charset="0"/>
               </a:rPr>
               <a:t>nguyện</a:t>
             </a:r>
             <a:r>
-              <a:rPr lang="en-US" altLang="zh-CN" sz="3600" b="1" dirty="0" smtClean="0">
-                <a:solidFill>
-                  <a:srgbClr val="660033"/>
-                </a:solidFill>
-                <a:latin typeface="Times New Roman" pitchFamily="18" charset="0"/>
-                <a:ea typeface="微軟正黑體" pitchFamily="34" charset="-120"/>
-                <a:cs typeface="Times New Roman" pitchFamily="18" charset="0"/>
+              <a:rPr lang="en-US" altLang="zh-CN" sz="3600" b="1" dirty="0">
+                <a:solidFill>
+                  <a:srgbClr val="660033"/>
+                </a:solidFill>
+                <a:latin typeface="Arial" panose="020B0604020202020204" pitchFamily="34" charset="0"/>
+                <a:ea typeface="微軟正黑體" pitchFamily="34" charset="-120"/>
+                <a:cs typeface="Arial" panose="020B0604020202020204" pitchFamily="34" charset="0"/>
               </a:rPr>
               <a:t> </a:t>
             </a:r>
             <a:r>
-              <a:rPr lang="en-US" altLang="zh-CN" sz="3600" b="1" dirty="0" err="1" smtClean="0">
-                <a:solidFill>
-                  <a:srgbClr val="660033"/>
-                </a:solidFill>
-                <a:latin typeface="Times New Roman" pitchFamily="18" charset="0"/>
-                <a:ea typeface="微軟正黑體" pitchFamily="34" charset="-120"/>
-                <a:cs typeface="Times New Roman" pitchFamily="18" charset="0"/>
+              <a:rPr lang="en-US" altLang="zh-CN" sz="3600" b="1" dirty="0" err="1">
+                <a:solidFill>
+                  <a:srgbClr val="660033"/>
+                </a:solidFill>
+                <a:latin typeface="Arial" panose="020B0604020202020204" pitchFamily="34" charset="0"/>
+                <a:ea typeface="微軟正黑體" pitchFamily="34" charset="-120"/>
+                <a:cs typeface="Arial" panose="020B0604020202020204" pitchFamily="34" charset="0"/>
               </a:rPr>
               <a:t>chung</a:t>
             </a:r>
-            <a:endParaRPr lang="zh-TW" altLang="en-US" sz="4000" b="1" dirty="0">
+            <a:endParaRPr lang="zh-TW" altLang="en-US" sz="3600" b="1" dirty="0">
               <a:solidFill>
                 <a:srgbClr val="660033"/>
               </a:solidFill>
-              <a:latin typeface="Times New Roman" pitchFamily="18" charset="0"/>
+              <a:latin typeface="Arial" panose="020B0604020202020204" pitchFamily="34" charset="0"/>
               <a:ea typeface="微軟正黑體" pitchFamily="34" charset="-120"/>
-              <a:cs typeface="Times New Roman" pitchFamily="18" charset="0"/>
+              <a:cs typeface="Arial" panose="020B0604020202020204" pitchFamily="34" charset="0"/>
             </a:endParaRPr>
           </a:p>
         </p:txBody>
@@ -10156,7 +10192,7 @@
               <a:buNone/>
             </a:pPr>
             <a:r>
-              <a:rPr lang="vi-VN" sz="4000" b="1" dirty="0">
+              <a:rPr lang="vi-VN" sz="3600" b="1" dirty="0">
                 <a:solidFill>
                   <a:srgbClr val="660033"/>
                 </a:solidFill>
@@ -10167,11 +10203,12 @@
                     </a:srgbClr>
                   </a:outerShdw>
                 </a:effectLst>
-                <a:latin typeface="+mj-lt"/>
+                <a:latin typeface="Arial" panose="020B0604020202020204" pitchFamily="34" charset="0"/>
+                <a:cs typeface="Arial" panose="020B0604020202020204" pitchFamily="34" charset="0"/>
               </a:rPr>
               <a:t>Xin chớ để chúng con bị cám dỗ </a:t>
             </a:r>
-            <a:endParaRPr lang="en-US" sz="4000" b="1" dirty="0">
+            <a:endParaRPr lang="en-US" sz="3600" b="1" dirty="0">
               <a:solidFill>
                 <a:srgbClr val="660033"/>
               </a:solidFill>
@@ -10182,7 +10219,8 @@
                   </a:srgbClr>
                 </a:outerShdw>
               </a:effectLst>
-              <a:latin typeface="+mj-lt"/>
+              <a:latin typeface="Arial" panose="020B0604020202020204" pitchFamily="34" charset="0"/>
+              <a:cs typeface="Arial" panose="020B0604020202020204" pitchFamily="34" charset="0"/>
             </a:endParaRPr>
           </a:p>
           <a:p>
@@ -10190,7 +10228,7 @@
               <a:buNone/>
             </a:pPr>
             <a:r>
-              <a:rPr lang="vi-VN" sz="4000" b="1" dirty="0">
+              <a:rPr lang="vi-VN" sz="3600" b="1" dirty="0">
                 <a:solidFill>
                   <a:srgbClr val="660033"/>
                 </a:solidFill>
@@ -10201,7 +10239,8 @@
                     </a:srgbClr>
                   </a:outerShdw>
                 </a:effectLst>
-                <a:latin typeface="+mj-lt"/>
+                <a:latin typeface="Arial" panose="020B0604020202020204" pitchFamily="34" charset="0"/>
+                <a:cs typeface="Arial" panose="020B0604020202020204" pitchFamily="34" charset="0"/>
               </a:rPr>
               <a:t>mà cứu chúng con khỏi điều ác</a:t>
             </a:r>
@@ -10278,67 +10317,67 @@
               <a:t>公禱文 </a:t>
             </a:r>
             <a:r>
-              <a:rPr lang="en-US" altLang="zh-CN" sz="3600" b="1" dirty="0" err="1" smtClean="0">
-                <a:solidFill>
-                  <a:srgbClr val="660033"/>
-                </a:solidFill>
-                <a:latin typeface="Times New Roman" pitchFamily="18" charset="0"/>
-                <a:ea typeface="微軟正黑體" pitchFamily="34" charset="-120"/>
-                <a:cs typeface="Times New Roman" pitchFamily="18" charset="0"/>
+              <a:rPr lang="en-US" altLang="zh-CN" sz="3600" b="1" dirty="0" err="1">
+                <a:solidFill>
+                  <a:srgbClr val="660033"/>
+                </a:solidFill>
+                <a:latin typeface="Arial" panose="020B0604020202020204" pitchFamily="34" charset="0"/>
+                <a:ea typeface="微軟正黑體" pitchFamily="34" charset="-120"/>
+                <a:cs typeface="Arial" panose="020B0604020202020204" pitchFamily="34" charset="0"/>
               </a:rPr>
               <a:t>Cầu</a:t>
             </a:r>
             <a:r>
-              <a:rPr lang="en-US" altLang="zh-CN" sz="3600" b="1" dirty="0" smtClean="0">
-                <a:solidFill>
-                  <a:srgbClr val="660033"/>
-                </a:solidFill>
-                <a:latin typeface="Times New Roman" pitchFamily="18" charset="0"/>
-                <a:ea typeface="微軟正黑體" pitchFamily="34" charset="-120"/>
-                <a:cs typeface="Times New Roman" pitchFamily="18" charset="0"/>
+              <a:rPr lang="en-US" altLang="zh-CN" sz="3600" b="1" dirty="0">
+                <a:solidFill>
+                  <a:srgbClr val="660033"/>
+                </a:solidFill>
+                <a:latin typeface="Arial" panose="020B0604020202020204" pitchFamily="34" charset="0"/>
+                <a:ea typeface="微軟正黑體" pitchFamily="34" charset="-120"/>
+                <a:cs typeface="Arial" panose="020B0604020202020204" pitchFamily="34" charset="0"/>
               </a:rPr>
               <a:t> </a:t>
             </a:r>
             <a:r>
-              <a:rPr lang="en-US" altLang="zh-CN" sz="3600" b="1" dirty="0" err="1" smtClean="0">
-                <a:solidFill>
-                  <a:srgbClr val="660033"/>
-                </a:solidFill>
-                <a:latin typeface="Times New Roman" pitchFamily="18" charset="0"/>
-                <a:ea typeface="微軟正黑體" pitchFamily="34" charset="-120"/>
-                <a:cs typeface="Times New Roman" pitchFamily="18" charset="0"/>
+              <a:rPr lang="en-US" altLang="zh-CN" sz="3600" b="1" dirty="0" err="1">
+                <a:solidFill>
+                  <a:srgbClr val="660033"/>
+                </a:solidFill>
+                <a:latin typeface="Arial" panose="020B0604020202020204" pitchFamily="34" charset="0"/>
+                <a:ea typeface="微軟正黑體" pitchFamily="34" charset="-120"/>
+                <a:cs typeface="Arial" panose="020B0604020202020204" pitchFamily="34" charset="0"/>
               </a:rPr>
               <a:t>nguyện</a:t>
             </a:r>
             <a:r>
-              <a:rPr lang="en-US" altLang="zh-CN" sz="3600" b="1" dirty="0" smtClean="0">
-                <a:solidFill>
-                  <a:srgbClr val="660033"/>
-                </a:solidFill>
-                <a:latin typeface="Times New Roman" pitchFamily="18" charset="0"/>
-                <a:ea typeface="微軟正黑體" pitchFamily="34" charset="-120"/>
-                <a:cs typeface="Times New Roman" pitchFamily="18" charset="0"/>
+              <a:rPr lang="en-US" altLang="zh-CN" sz="3600" b="1" dirty="0">
+                <a:solidFill>
+                  <a:srgbClr val="660033"/>
+                </a:solidFill>
+                <a:latin typeface="Arial" panose="020B0604020202020204" pitchFamily="34" charset="0"/>
+                <a:ea typeface="微軟正黑體" pitchFamily="34" charset="-120"/>
+                <a:cs typeface="Arial" panose="020B0604020202020204" pitchFamily="34" charset="0"/>
               </a:rPr>
               <a:t> </a:t>
             </a:r>
             <a:r>
-              <a:rPr lang="en-US" altLang="zh-CN" sz="3600" b="1" dirty="0" err="1" smtClean="0">
-                <a:solidFill>
-                  <a:srgbClr val="660033"/>
-                </a:solidFill>
-                <a:latin typeface="Times New Roman" pitchFamily="18" charset="0"/>
-                <a:ea typeface="微軟正黑體" pitchFamily="34" charset="-120"/>
-                <a:cs typeface="Times New Roman" pitchFamily="18" charset="0"/>
+              <a:rPr lang="en-US" altLang="zh-CN" sz="3600" b="1" dirty="0" err="1">
+                <a:solidFill>
+                  <a:srgbClr val="660033"/>
+                </a:solidFill>
+                <a:latin typeface="Arial" panose="020B0604020202020204" pitchFamily="34" charset="0"/>
+                <a:ea typeface="微軟正黑體" pitchFamily="34" charset="-120"/>
+                <a:cs typeface="Arial" panose="020B0604020202020204" pitchFamily="34" charset="0"/>
               </a:rPr>
               <a:t>chung</a:t>
             </a:r>
-            <a:endParaRPr lang="zh-TW" altLang="en-US" sz="4000" b="1" dirty="0">
+            <a:endParaRPr lang="zh-TW" altLang="en-US" sz="3600" b="1" dirty="0">
               <a:solidFill>
                 <a:srgbClr val="660033"/>
               </a:solidFill>
-              <a:latin typeface="Times New Roman" pitchFamily="18" charset="0"/>
+              <a:latin typeface="Arial" panose="020B0604020202020204" pitchFamily="34" charset="0"/>
               <a:ea typeface="微軟正黑體" pitchFamily="34" charset="-120"/>
-              <a:cs typeface="Times New Roman" pitchFamily="18" charset="0"/>
+              <a:cs typeface="Arial" panose="020B0604020202020204" pitchFamily="34" charset="0"/>
             </a:endParaRPr>
           </a:p>
         </p:txBody>
@@ -10635,7 +10674,7 @@
               <a:buNone/>
             </a:pPr>
             <a:r>
-              <a:rPr lang="vi-VN" sz="4000" b="1" dirty="0">
+              <a:rPr lang="vi-VN" sz="3600" b="1" dirty="0">
                 <a:solidFill>
                   <a:srgbClr val="660033"/>
                 </a:solidFill>
@@ -10646,11 +10685,12 @@
                     </a:srgbClr>
                   </a:outerShdw>
                 </a:effectLst>
-                <a:latin typeface="+mj-lt"/>
+                <a:latin typeface="Arial" panose="020B0604020202020204" pitchFamily="34" charset="0"/>
+                <a:cs typeface="Arial" panose="020B0604020202020204" pitchFamily="34" charset="0"/>
               </a:rPr>
               <a:t>Vì nước, quyền, vinh hiển </a:t>
             </a:r>
-            <a:endParaRPr lang="en-US" sz="4000" b="1" dirty="0">
+            <a:endParaRPr lang="en-US" sz="3600" b="1" dirty="0">
               <a:solidFill>
                 <a:srgbClr val="660033"/>
               </a:solidFill>
@@ -10661,7 +10701,8 @@
                   </a:srgbClr>
                 </a:outerShdw>
               </a:effectLst>
-              <a:latin typeface="+mj-lt"/>
+              <a:latin typeface="Arial" panose="020B0604020202020204" pitchFamily="34" charset="0"/>
+              <a:cs typeface="Arial" panose="020B0604020202020204" pitchFamily="34" charset="0"/>
             </a:endParaRPr>
           </a:p>
           <a:p>
@@ -10669,7 +10710,7 @@
               <a:buNone/>
             </a:pPr>
             <a:r>
-              <a:rPr lang="vi-VN" sz="4000" b="1" dirty="0">
+              <a:rPr lang="vi-VN" sz="3600" b="1" dirty="0">
                 <a:solidFill>
                   <a:srgbClr val="660033"/>
                 </a:solidFill>
@@ -10680,11 +10721,12 @@
                     </a:srgbClr>
                   </a:outerShdw>
                 </a:effectLst>
-                <a:latin typeface="+mj-lt"/>
+                <a:latin typeface="Arial" panose="020B0604020202020204" pitchFamily="34" charset="0"/>
+                <a:cs typeface="Arial" panose="020B0604020202020204" pitchFamily="34" charset="0"/>
               </a:rPr>
               <a:t>đều thuộc về Cha đời đời</a:t>
             </a:r>
-            <a:endParaRPr lang="en-US" sz="4000" b="1" dirty="0">
+            <a:endParaRPr lang="en-US" sz="3600" b="1" dirty="0">
               <a:solidFill>
                 <a:srgbClr val="660033"/>
               </a:solidFill>
@@ -10695,7 +10737,8 @@
                   </a:srgbClr>
                 </a:outerShdw>
               </a:effectLst>
-              <a:latin typeface="+mj-lt"/>
+              <a:latin typeface="Arial" panose="020B0604020202020204" pitchFamily="34" charset="0"/>
+              <a:cs typeface="Arial" panose="020B0604020202020204" pitchFamily="34" charset="0"/>
             </a:endParaRPr>
           </a:p>
           <a:p>
@@ -10703,7 +10746,7 @@
               <a:buNone/>
             </a:pPr>
             <a:r>
-              <a:rPr lang="vi-VN" sz="4000" b="1" dirty="0">
+              <a:rPr lang="vi-VN" sz="3600" b="1" dirty="0">
                 <a:solidFill>
                   <a:srgbClr val="660033"/>
                 </a:solidFill>
@@ -10714,7 +10757,8 @@
                     </a:srgbClr>
                   </a:outerShdw>
                 </a:effectLst>
-                <a:latin typeface="+mj-lt"/>
+                <a:latin typeface="Arial" panose="020B0604020202020204" pitchFamily="34" charset="0"/>
+                <a:cs typeface="Arial" panose="020B0604020202020204" pitchFamily="34" charset="0"/>
               </a:rPr>
               <a:t>A-men</a:t>
             </a:r>
@@ -10770,7 +10814,7 @@
         </p:nvSpPr>
         <p:spPr>
           <a:xfrm>
-            <a:off x="0" y="1446610"/>
+            <a:off x="0" y="1779662"/>
             <a:ext cx="9144000" cy="628650"/>
           </a:xfrm>
         </p:spPr>
@@ -10782,7 +10826,7 @@
           <a:p>
             <a:pPr algn="ctr"/>
             <a:r>
-              <a:rPr lang="zh-CN" altLang="en-US" sz="8800" b="1" dirty="0" smtClean="0">
+              <a:rPr lang="zh-CN" altLang="en-US" sz="6000" b="1" dirty="0" smtClean="0">
                 <a:solidFill>
                   <a:srgbClr val="000066"/>
                 </a:solidFill>
@@ -10798,7 +10842,7 @@
               </a:rPr>
               <a:t>祝福</a:t>
             </a:r>
-            <a:endParaRPr lang="zh-TW" altLang="en-US" sz="8800" b="1" dirty="0">
+            <a:endParaRPr lang="zh-TW" altLang="en-US" sz="6000" b="1" dirty="0">
               <a:solidFill>
                 <a:srgbClr val="000066"/>
               </a:solidFill>
@@ -10823,8 +10867,8 @@
         </p:nvSpPr>
         <p:spPr>
           <a:xfrm>
-            <a:off x="0" y="2514429"/>
-            <a:ext cx="9144000" cy="1107996"/>
+            <a:off x="0" y="2408312"/>
+            <a:ext cx="9144000" cy="646331"/>
           </a:xfrm>
           <a:prstGeom prst="rect">
             <a:avLst/>
@@ -10838,7 +10882,7 @@
           <a:p>
             <a:pPr algn="ctr"/>
             <a:r>
-              <a:rPr lang="en-US" altLang="zh-CN" sz="6600" b="1" dirty="0" err="1" smtClean="0">
+              <a:rPr lang="en-US" altLang="zh-CN" sz="3600" b="1" dirty="0" err="1" smtClean="0">
                 <a:solidFill>
                   <a:srgbClr val="660033"/>
                 </a:solidFill>
@@ -10849,14 +10893,14 @@
                     </a:srgbClr>
                   </a:outerShdw>
                 </a:effectLst>
-                <a:latin typeface="Times New Roman" pitchFamily="18" charset="0"/>
-                <a:ea typeface="微軟正黑體" pitchFamily="34" charset="-120"/>
-                <a:cs typeface="Times New Roman" pitchFamily="18" charset="0"/>
+                <a:latin typeface="Arial" panose="020B0604020202020204" pitchFamily="34" charset="0"/>
+                <a:ea typeface="微軟正黑體" pitchFamily="34" charset="-120"/>
+                <a:cs typeface="Arial" panose="020B0604020202020204" pitchFamily="34" charset="0"/>
               </a:rPr>
               <a:t>Chúc</a:t>
             </a:r>
             <a:r>
-              <a:rPr lang="en-US" altLang="zh-CN" sz="6600" b="1" dirty="0" smtClean="0">
+              <a:rPr lang="en-US" altLang="zh-CN" sz="3600" b="1" dirty="0" smtClean="0">
                 <a:solidFill>
                   <a:srgbClr val="660033"/>
                 </a:solidFill>
@@ -10867,14 +10911,14 @@
                     </a:srgbClr>
                   </a:outerShdw>
                 </a:effectLst>
-                <a:latin typeface="Times New Roman" pitchFamily="18" charset="0"/>
-                <a:ea typeface="微軟正黑體" pitchFamily="34" charset="-120"/>
-                <a:cs typeface="Times New Roman" pitchFamily="18" charset="0"/>
+                <a:latin typeface="Arial" panose="020B0604020202020204" pitchFamily="34" charset="0"/>
+                <a:ea typeface="微軟正黑體" pitchFamily="34" charset="-120"/>
+                <a:cs typeface="Arial" panose="020B0604020202020204" pitchFamily="34" charset="0"/>
               </a:rPr>
               <a:t> </a:t>
             </a:r>
             <a:r>
-              <a:rPr lang="en-US" altLang="zh-CN" sz="6600" b="1" dirty="0" err="1" smtClean="0">
+              <a:rPr lang="en-US" altLang="zh-CN" sz="3600" b="1" dirty="0" err="1" smtClean="0">
                 <a:solidFill>
                   <a:srgbClr val="660033"/>
                 </a:solidFill>
@@ -10885,13 +10929,13 @@
                     </a:srgbClr>
                   </a:outerShdw>
                 </a:effectLst>
-                <a:latin typeface="Times New Roman" pitchFamily="18" charset="0"/>
-                <a:ea typeface="微軟正黑體" pitchFamily="34" charset="-120"/>
-                <a:cs typeface="Times New Roman" pitchFamily="18" charset="0"/>
+                <a:latin typeface="Arial" panose="020B0604020202020204" pitchFamily="34" charset="0"/>
+                <a:ea typeface="微軟正黑體" pitchFamily="34" charset="-120"/>
+                <a:cs typeface="Arial" panose="020B0604020202020204" pitchFamily="34" charset="0"/>
               </a:rPr>
               <a:t>phước</a:t>
             </a:r>
-            <a:endParaRPr lang="zh-TW" altLang="en-US" sz="6600" b="1" dirty="0" smtClean="0">
+            <a:endParaRPr lang="zh-TW" altLang="en-US" sz="3600" b="1" dirty="0" smtClean="0">
               <a:solidFill>
                 <a:srgbClr val="660033"/>
               </a:solidFill>
@@ -10902,9 +10946,9 @@
                   </a:srgbClr>
                 </a:outerShdw>
               </a:effectLst>
-              <a:latin typeface="Times New Roman" pitchFamily="18" charset="0"/>
+              <a:latin typeface="Arial" panose="020B0604020202020204" pitchFamily="34" charset="0"/>
               <a:ea typeface="微軟正黑體" pitchFamily="34" charset="-120"/>
-              <a:cs typeface="Times New Roman" pitchFamily="18" charset="0"/>
+              <a:cs typeface="Arial" panose="020B0604020202020204" pitchFamily="34" charset="0"/>
             </a:endParaRPr>
           </a:p>
         </p:txBody>
@@ -10949,8 +10993,8 @@
         </p:nvSpPr>
         <p:spPr>
           <a:xfrm>
-            <a:off x="-29271" y="43903"/>
-            <a:ext cx="9144000" cy="2154436"/>
+            <a:off x="0" y="627534"/>
+            <a:ext cx="9144000" cy="1569660"/>
           </a:xfrm>
           <a:prstGeom prst="rect">
             <a:avLst/>
@@ -10964,7 +11008,7 @@
           <a:p>
             <a:pPr algn="ctr"/>
             <a:r>
-              <a:rPr lang="zh-CN" altLang="en-US" sz="8000" b="1" dirty="0" smtClean="0">
+              <a:rPr lang="zh-CN" altLang="en-US" sz="6000" b="1" dirty="0" smtClean="0">
                 <a:solidFill>
                   <a:srgbClr val="000066"/>
                 </a:solidFill>
@@ -10981,7 +11025,7 @@
               </a:rPr>
               <a:t>聚會祝福歌</a:t>
             </a:r>
-            <a:endParaRPr lang="en-US" altLang="zh-CN" sz="8000" b="1" dirty="0" smtClean="0">
+            <a:endParaRPr lang="en-US" altLang="zh-CN" sz="6000" b="1" dirty="0" smtClean="0">
               <a:solidFill>
                 <a:srgbClr val="000066"/>
               </a:solidFill>
@@ -11000,7 +11044,7 @@
           <a:p>
             <a:pPr algn="ctr"/>
             <a:r>
-              <a:rPr lang="en-US" altLang="zh-TW" sz="5400" b="1" dirty="0" err="1" smtClean="0">
+              <a:rPr lang="en-US" altLang="zh-TW" sz="3600" b="1" dirty="0" err="1" smtClean="0">
                 <a:solidFill>
                   <a:srgbClr val="660033"/>
                 </a:solidFill>
@@ -11011,14 +11055,14 @@
                     </a:srgbClr>
                   </a:outerShdw>
                 </a:effectLst>
-                <a:latin typeface="Times New Roman" pitchFamily="18" charset="0"/>
-                <a:ea typeface="微軟正黑體" pitchFamily="34" charset="-120"/>
-                <a:cs typeface="Times New Roman" pitchFamily="18" charset="0"/>
+                <a:latin typeface="Arial" panose="020B0604020202020204" pitchFamily="34" charset="0"/>
+                <a:ea typeface="微軟正黑體" pitchFamily="34" charset="-120"/>
+                <a:cs typeface="Arial" panose="020B0604020202020204" pitchFamily="34" charset="0"/>
               </a:rPr>
               <a:t>Hát</a:t>
             </a:r>
             <a:r>
-              <a:rPr lang="en-US" altLang="zh-TW" sz="5400" b="1" dirty="0" smtClean="0">
+              <a:rPr lang="en-US" altLang="zh-TW" sz="3600" b="1" dirty="0" smtClean="0">
                 <a:solidFill>
                   <a:srgbClr val="660033"/>
                 </a:solidFill>
@@ -11029,14 +11073,14 @@
                     </a:srgbClr>
                   </a:outerShdw>
                 </a:effectLst>
-                <a:latin typeface="Times New Roman" pitchFamily="18" charset="0"/>
-                <a:ea typeface="微軟正黑體" pitchFamily="34" charset="-120"/>
-                <a:cs typeface="Times New Roman" pitchFamily="18" charset="0"/>
+                <a:latin typeface="Arial" panose="020B0604020202020204" pitchFamily="34" charset="0"/>
+                <a:ea typeface="微軟正黑體" pitchFamily="34" charset="-120"/>
+                <a:cs typeface="Arial" panose="020B0604020202020204" pitchFamily="34" charset="0"/>
               </a:rPr>
               <a:t> </a:t>
             </a:r>
             <a:r>
-              <a:rPr lang="en-US" altLang="zh-TW" sz="5400" b="1" dirty="0" err="1" smtClean="0">
+              <a:rPr lang="en-US" altLang="zh-TW" sz="3600" b="1" dirty="0" err="1" smtClean="0">
                 <a:solidFill>
                   <a:srgbClr val="660033"/>
                 </a:solidFill>
@@ -11047,14 +11091,14 @@
                     </a:srgbClr>
                   </a:outerShdw>
                 </a:effectLst>
-                <a:latin typeface="Times New Roman" pitchFamily="18" charset="0"/>
-                <a:ea typeface="微軟正黑體" pitchFamily="34" charset="-120"/>
-                <a:cs typeface="Times New Roman" pitchFamily="18" charset="0"/>
+                <a:latin typeface="Arial" panose="020B0604020202020204" pitchFamily="34" charset="0"/>
+                <a:ea typeface="微軟正黑體" pitchFamily="34" charset="-120"/>
+                <a:cs typeface="Arial" panose="020B0604020202020204" pitchFamily="34" charset="0"/>
               </a:rPr>
               <a:t>tất</a:t>
             </a:r>
             <a:r>
-              <a:rPr lang="en-US" altLang="zh-TW" sz="5400" b="1" dirty="0" smtClean="0">
+              <a:rPr lang="en-US" altLang="zh-TW" sz="3600" b="1" dirty="0" smtClean="0">
                 <a:solidFill>
                   <a:srgbClr val="660033"/>
                 </a:solidFill>
@@ -11065,14 +11109,14 @@
                     </a:srgbClr>
                   </a:outerShdw>
                 </a:effectLst>
-                <a:latin typeface="Times New Roman" pitchFamily="18" charset="0"/>
-                <a:ea typeface="微軟正黑體" pitchFamily="34" charset="-120"/>
-                <a:cs typeface="Times New Roman" pitchFamily="18" charset="0"/>
+                <a:latin typeface="Arial" panose="020B0604020202020204" pitchFamily="34" charset="0"/>
+                <a:ea typeface="微軟正黑體" pitchFamily="34" charset="-120"/>
+                <a:cs typeface="Arial" panose="020B0604020202020204" pitchFamily="34" charset="0"/>
               </a:rPr>
               <a:t> </a:t>
             </a:r>
             <a:r>
-              <a:rPr lang="en-US" altLang="zh-TW" sz="5400" b="1" dirty="0" err="1" smtClean="0">
+              <a:rPr lang="en-US" altLang="zh-TW" sz="3600" b="1" dirty="0" err="1" smtClean="0">
                 <a:solidFill>
                   <a:srgbClr val="660033"/>
                 </a:solidFill>
@@ -11083,13 +11127,13 @@
                     </a:srgbClr>
                   </a:outerShdw>
                 </a:effectLst>
-                <a:latin typeface="Times New Roman" pitchFamily="18" charset="0"/>
-                <a:ea typeface="微軟正黑體" pitchFamily="34" charset="-120"/>
-                <a:cs typeface="Times New Roman" pitchFamily="18" charset="0"/>
+                <a:latin typeface="Arial" panose="020B0604020202020204" pitchFamily="34" charset="0"/>
+                <a:ea typeface="微軟正黑體" pitchFamily="34" charset="-120"/>
+                <a:cs typeface="Arial" panose="020B0604020202020204" pitchFamily="34" charset="0"/>
               </a:rPr>
               <a:t>lễ</a:t>
             </a:r>
-            <a:endParaRPr lang="zh-TW" altLang="en-US" sz="5400" b="1" dirty="0" smtClean="0">
+            <a:endParaRPr lang="zh-TW" altLang="en-US" sz="3600" b="1" dirty="0" smtClean="0">
               <a:solidFill>
                 <a:srgbClr val="660033"/>
               </a:solidFill>
@@ -11100,9 +11144,9 @@
                   </a:srgbClr>
                 </a:outerShdw>
               </a:effectLst>
-              <a:latin typeface="Times New Roman" pitchFamily="18" charset="0"/>
+              <a:latin typeface="Arial" panose="020B0604020202020204" pitchFamily="34" charset="0"/>
               <a:ea typeface="微軟正黑體" pitchFamily="34" charset="-120"/>
-              <a:cs typeface="Times New Roman" pitchFamily="18" charset="0"/>
+              <a:cs typeface="Arial" panose="020B0604020202020204" pitchFamily="34" charset="0"/>
             </a:endParaRPr>
           </a:p>
         </p:txBody>
@@ -11117,7 +11161,7 @@
         </p:nvSpPr>
         <p:spPr>
           <a:xfrm>
-            <a:off x="-29271" y="2722366"/>
+            <a:off x="0" y="3017965"/>
             <a:ext cx="9144000" cy="964405"/>
           </a:xfrm>
           <a:prstGeom prst="rect">
@@ -11148,7 +11192,7 @@
               <a:defRPr/>
             </a:pPr>
             <a:r>
-              <a:rPr kumimoji="0" lang="zh-CN" altLang="en-US" sz="7200" b="1" i="0" u="none" strike="noStrike" kern="1200" cap="none" spc="0" normalizeH="0" baseline="0" noProof="0" dirty="0" smtClean="0">
+              <a:rPr kumimoji="0" lang="zh-CN" altLang="en-US" sz="6000" b="1" i="0" u="none" strike="noStrike" kern="1200" cap="none" spc="0" normalizeH="0" baseline="0" noProof="0" dirty="0" smtClean="0">
                 <a:ln>
                   <a:noFill/>
                 </a:ln>
@@ -11170,7 +11214,7 @@
               </a:rPr>
               <a:t>本堂牧師領詩班退堂</a:t>
             </a:r>
-            <a:endParaRPr kumimoji="0" lang="en-US" altLang="zh-CN" sz="7200" b="1" i="0" u="none" strike="noStrike" kern="1200" cap="none" spc="0" normalizeH="0" baseline="0" noProof="0" dirty="0" smtClean="0">
+            <a:endParaRPr kumimoji="0" lang="en-US" altLang="zh-CN" sz="6000" b="1" i="0" u="none" strike="noStrike" kern="1200" cap="none" spc="0" normalizeH="0" baseline="0" noProof="0" dirty="0" smtClean="0">
               <a:ln>
                 <a:noFill/>
               </a:ln>
@@ -11199,40 +11243,37 @@
               <a:defRPr/>
             </a:pPr>
             <a:r>
-              <a:rPr lang="vi-VN" sz="4400" b="1" dirty="0">
-                <a:solidFill>
-                  <a:srgbClr val="660033"/>
-                </a:solidFill>
-                <a:effectLst>
-                  <a:outerShdw blurRad="38100" dist="38100" dir="2700000" algn="tl">
-                    <a:srgbClr val="000000">
-                      <a:alpha val="43137"/>
-                    </a:srgbClr>
-                  </a:outerShdw>
-                </a:effectLst>
-                <a:latin typeface="+mj-lt"/>
+              <a:rPr lang="vi-VN" sz="3600" b="1" dirty="0">
+                <a:solidFill>
+                  <a:srgbClr val="660033"/>
+                </a:solidFill>
+                <a:effectLst>
+                  <a:outerShdw blurRad="50000" dist="30000" dir="5400000" algn="tl" rotWithShape="0">
+                    <a:srgbClr val="000000">
+                      <a:alpha val="30000"/>
+                    </a:srgbClr>
+                  </a:outerShdw>
+                </a:effectLst>
+                <a:latin typeface="Arial" panose="020B0604020202020204" pitchFamily="34" charset="0"/>
+                <a:ea typeface="微軟正黑體" pitchFamily="34" charset="-120"/>
+                <a:cs typeface="Arial" panose="020B0604020202020204" pitchFamily="34" charset="0"/>
               </a:rPr>
               <a:t>Mục Sư chủ lễ dẫn ban hát bước ra</a:t>
             </a:r>
-            <a:endParaRPr kumimoji="0" lang="zh-TW" altLang="en-US" sz="4400" b="1" i="0" u="none" strike="noStrike" kern="1200" cap="none" spc="0" normalizeH="0" baseline="0" noProof="0" dirty="0">
-              <a:ln>
-                <a:noFill/>
-              </a:ln>
+            <a:endParaRPr lang="zh-TW" altLang="en-US" sz="3600" b="1" dirty="0">
               <a:solidFill>
                 <a:srgbClr val="660033"/>
               </a:solidFill>
               <a:effectLst>
-                <a:outerShdw blurRad="38100" dist="38100" dir="2700000" algn="tl">
+                <a:outerShdw blurRad="50000" dist="30000" dir="5400000" algn="tl" rotWithShape="0">
                   <a:srgbClr val="000000">
-                    <a:alpha val="43137"/>
+                    <a:alpha val="30000"/>
                   </a:srgbClr>
                 </a:outerShdw>
               </a:effectLst>
-              <a:uLnTx/>
-              <a:uFillTx/>
-              <a:latin typeface="+mj-lt"/>
+              <a:latin typeface="Arial" panose="020B0604020202020204" pitchFamily="34" charset="0"/>
               <a:ea typeface="微軟正黑體" pitchFamily="34" charset="-120"/>
-              <a:cs typeface="+mj-cs"/>
+              <a:cs typeface="Arial" panose="020B0604020202020204" pitchFamily="34" charset="0"/>
             </a:endParaRPr>
           </a:p>
         </p:txBody>
@@ -11663,7 +11704,7 @@
         </p:nvSpPr>
         <p:spPr>
           <a:xfrm>
-            <a:off x="0" y="1563638"/>
+            <a:off x="11247" y="1669563"/>
             <a:ext cx="9144000" cy="964406"/>
           </a:xfrm>
         </p:spPr>
@@ -11674,7 +11715,7 @@
           <a:lstStyle/>
           <a:p>
             <a:r>
-              <a:rPr lang="zh-CN" altLang="en-US" sz="8800" b="1" dirty="0">
+              <a:rPr lang="zh-CN" altLang="en-US" sz="6000" b="1" dirty="0">
                 <a:solidFill>
                   <a:srgbClr val="000066"/>
                 </a:solidFill>
@@ -11690,7 +11731,7 @@
               </a:rPr>
               <a:t>敬拜讚美神</a:t>
             </a:r>
-            <a:endParaRPr lang="zh-TW" altLang="en-US" sz="8800" b="1" dirty="0">
+            <a:endParaRPr lang="zh-TW" altLang="en-US" sz="6000" b="1" dirty="0">
               <a:solidFill>
                 <a:srgbClr val="000066"/>
               </a:solidFill>
@@ -11717,7 +11758,7 @@
         </p:nvSpPr>
         <p:spPr>
           <a:xfrm>
-            <a:off x="0" y="2643758"/>
+            <a:off x="11247" y="2355726"/>
             <a:ext cx="9144000" cy="964406"/>
           </a:xfrm>
           <a:prstGeom prst="rect">
@@ -11746,9 +11787,9 @@
           </a:lstStyle>
           <a:p>
             <a:r>
-              <a:rPr lang="en-US" altLang="zh-TW" sz="5400" b="1" dirty="0" err="1" smtClean="0">
-                <a:solidFill>
-                  <a:srgbClr val="800000"/>
+              <a:rPr lang="en-US" altLang="zh-TW" sz="3600" b="1" dirty="0" err="1">
+                <a:solidFill>
+                  <a:srgbClr val="660033"/>
                 </a:solidFill>
                 <a:effectLst>
                   <a:outerShdw blurRad="38100" dist="38100" dir="2700000" algn="tl">
@@ -11757,16 +11798,16 @@
                     </a:srgbClr>
                   </a:outerShdw>
                 </a:effectLst>
-                <a:latin typeface="Times New Roman" pitchFamily="18" charset="0"/>
-                <a:ea typeface="微軟正黑體" pitchFamily="34" charset="-120"/>
-                <a:cs typeface="Times New Roman" pitchFamily="18" charset="0"/>
+                <a:latin typeface="Arial" panose="020B0604020202020204" pitchFamily="34" charset="0"/>
+                <a:ea typeface="微軟正黑體" pitchFamily="34" charset="-120"/>
+                <a:cs typeface="Arial" panose="020B0604020202020204" pitchFamily="34" charset="0"/>
               </a:rPr>
               <a:t>Hát</a:t>
             </a:r>
             <a:r>
-              <a:rPr lang="en-US" altLang="zh-TW" sz="5400" b="1" dirty="0" smtClean="0">
-                <a:solidFill>
-                  <a:srgbClr val="800000"/>
+              <a:rPr lang="en-US" altLang="zh-TW" sz="3600" b="1" dirty="0">
+                <a:solidFill>
+                  <a:srgbClr val="660033"/>
                 </a:solidFill>
                 <a:effectLst>
                   <a:outerShdw blurRad="38100" dist="38100" dir="2700000" algn="tl">
@@ -11775,16 +11816,16 @@
                     </a:srgbClr>
                   </a:outerShdw>
                 </a:effectLst>
-                <a:latin typeface="Times New Roman" pitchFamily="18" charset="0"/>
-                <a:ea typeface="微軟正黑體" pitchFamily="34" charset="-120"/>
-                <a:cs typeface="Times New Roman" pitchFamily="18" charset="0"/>
+                <a:latin typeface="Arial" panose="020B0604020202020204" pitchFamily="34" charset="0"/>
+                <a:ea typeface="微軟正黑體" pitchFamily="34" charset="-120"/>
+                <a:cs typeface="Arial" panose="020B0604020202020204" pitchFamily="34" charset="0"/>
               </a:rPr>
               <a:t> </a:t>
             </a:r>
             <a:r>
-              <a:rPr lang="en-US" altLang="zh-TW" sz="5400" b="1" dirty="0" err="1" smtClean="0">
-                <a:solidFill>
-                  <a:srgbClr val="800000"/>
+              <a:rPr lang="en-US" altLang="zh-TW" sz="3600" b="1" dirty="0" err="1">
+                <a:solidFill>
+                  <a:srgbClr val="660033"/>
                 </a:solidFill>
                 <a:effectLst>
                   <a:outerShdw blurRad="38100" dist="38100" dir="2700000" algn="tl">
@@ -11793,15 +11834,15 @@
                     </a:srgbClr>
                   </a:outerShdw>
                 </a:effectLst>
-                <a:latin typeface="Times New Roman" pitchFamily="18" charset="0"/>
-                <a:ea typeface="微軟正黑體" pitchFamily="34" charset="-120"/>
-                <a:cs typeface="Times New Roman" pitchFamily="18" charset="0"/>
+                <a:latin typeface="Arial" panose="020B0604020202020204" pitchFamily="34" charset="0"/>
+                <a:ea typeface="微軟正黑體" pitchFamily="34" charset="-120"/>
+                <a:cs typeface="Arial" panose="020B0604020202020204" pitchFamily="34" charset="0"/>
               </a:rPr>
               <a:t>dẫn</a:t>
             </a:r>
-            <a:endParaRPr lang="zh-TW" altLang="en-US" sz="5400" b="1" dirty="0">
+            <a:endParaRPr lang="zh-TW" altLang="en-US" sz="3600" b="1" dirty="0">
               <a:solidFill>
-                <a:srgbClr val="800000"/>
+                <a:srgbClr val="660033"/>
               </a:solidFill>
               <a:effectLst>
                 <a:outerShdw blurRad="38100" dist="38100" dir="2700000" algn="tl">
@@ -11810,9 +11851,9 @@
                   </a:srgbClr>
                 </a:outerShdw>
               </a:effectLst>
-              <a:latin typeface="Times New Roman" pitchFamily="18" charset="0"/>
+              <a:latin typeface="Arial" panose="020B0604020202020204" pitchFamily="34" charset="0"/>
               <a:ea typeface="微軟正黑體" pitchFamily="34" charset="-120"/>
-              <a:cs typeface="Times New Roman" pitchFamily="18" charset="0"/>
+              <a:cs typeface="Arial" panose="020B0604020202020204" pitchFamily="34" charset="0"/>
             </a:endParaRPr>
           </a:p>
         </p:txBody>
@@ -12057,7 +12098,7 @@
         </p:nvSpPr>
         <p:spPr>
           <a:xfrm>
-            <a:off x="-6485" y="1634974"/>
+            <a:off x="0" y="1851670"/>
             <a:ext cx="9144000" cy="628650"/>
           </a:xfrm>
         </p:spPr>
@@ -12068,7 +12109,7 @@
           <a:lstStyle/>
           <a:p>
             <a:r>
-              <a:rPr lang="zh-CN" altLang="en-US" sz="8800" b="1" dirty="0">
+              <a:rPr lang="zh-CN" altLang="en-US" sz="6000" b="1" dirty="0">
                 <a:solidFill>
                   <a:srgbClr val="000066"/>
                 </a:solidFill>
@@ -12084,7 +12125,7 @@
               </a:rPr>
               <a:t>始禮禱告</a:t>
             </a:r>
-            <a:endParaRPr lang="zh-TW" altLang="en-US" sz="8800" b="1" dirty="0">
+            <a:endParaRPr lang="zh-TW" altLang="en-US" sz="6000" b="1" dirty="0">
               <a:solidFill>
                 <a:srgbClr val="000066"/>
               </a:solidFill>
@@ -12109,8 +12150,8 @@
         </p:nvSpPr>
         <p:spPr>
           <a:xfrm>
-            <a:off x="0" y="2599084"/>
-            <a:ext cx="9144000" cy="923330"/>
+            <a:off x="4557" y="2512683"/>
+            <a:ext cx="9144000" cy="646331"/>
           </a:xfrm>
           <a:prstGeom prst="rect">
             <a:avLst/>
@@ -12122,147 +12163,151 @@
           </a:bodyPr>
           <a:lstStyle/>
           <a:p>
-            <a:pPr algn="ctr"/>
-            <a:r>
-              <a:rPr lang="en-US" altLang="zh-TW" sz="5400" b="1" dirty="0" err="1" smtClean="0">
-                <a:solidFill>
-                  <a:srgbClr val="660033"/>
-                </a:solidFill>
-                <a:effectLst>
-                  <a:outerShdw blurRad="50000" dist="30000" dir="5400000" algn="tl" rotWithShape="0">
-                    <a:srgbClr val="000000">
-                      <a:alpha val="30000"/>
-                    </a:srgbClr>
-                  </a:outerShdw>
-                </a:effectLst>
-                <a:latin typeface="Times New Roman" pitchFamily="18" charset="0"/>
-                <a:ea typeface="微軟正黑體" pitchFamily="34" charset="-120"/>
-                <a:cs typeface="Times New Roman" pitchFamily="18" charset="0"/>
+            <a:pPr algn="ctr">
+              <a:spcBef>
+                <a:spcPct val="0"/>
+              </a:spcBef>
+            </a:pPr>
+            <a:r>
+              <a:rPr lang="en-US" altLang="zh-TW" sz="3600" b="1" dirty="0" err="1">
+                <a:solidFill>
+                  <a:srgbClr val="660033"/>
+                </a:solidFill>
+                <a:effectLst>
+                  <a:outerShdw blurRad="38100" dist="38100" dir="2700000" algn="tl">
+                    <a:srgbClr val="000000">
+                      <a:alpha val="43137"/>
+                    </a:srgbClr>
+                  </a:outerShdw>
+                </a:effectLst>
+                <a:latin typeface="Arial" panose="020B0604020202020204" pitchFamily="34" charset="0"/>
+                <a:ea typeface="微軟正黑體" pitchFamily="34" charset="-120"/>
+                <a:cs typeface="Arial" panose="020B0604020202020204" pitchFamily="34" charset="0"/>
               </a:rPr>
               <a:t>Cầu</a:t>
             </a:r>
             <a:r>
-              <a:rPr lang="en-US" altLang="zh-TW" sz="5400" b="1" dirty="0" smtClean="0">
-                <a:solidFill>
-                  <a:srgbClr val="660033"/>
-                </a:solidFill>
-                <a:effectLst>
-                  <a:outerShdw blurRad="50000" dist="30000" dir="5400000" algn="tl" rotWithShape="0">
-                    <a:srgbClr val="000000">
-                      <a:alpha val="30000"/>
-                    </a:srgbClr>
-                  </a:outerShdw>
-                </a:effectLst>
-                <a:latin typeface="Times New Roman" pitchFamily="18" charset="0"/>
-                <a:ea typeface="微軟正黑體" pitchFamily="34" charset="-120"/>
-                <a:cs typeface="Times New Roman" pitchFamily="18" charset="0"/>
+              <a:rPr lang="en-US" altLang="zh-TW" sz="3600" b="1" dirty="0">
+                <a:solidFill>
+                  <a:srgbClr val="660033"/>
+                </a:solidFill>
+                <a:effectLst>
+                  <a:outerShdw blurRad="38100" dist="38100" dir="2700000" algn="tl">
+                    <a:srgbClr val="000000">
+                      <a:alpha val="43137"/>
+                    </a:srgbClr>
+                  </a:outerShdw>
+                </a:effectLst>
+                <a:latin typeface="Arial" panose="020B0604020202020204" pitchFamily="34" charset="0"/>
+                <a:ea typeface="微軟正黑體" pitchFamily="34" charset="-120"/>
+                <a:cs typeface="Arial" panose="020B0604020202020204" pitchFamily="34" charset="0"/>
               </a:rPr>
               <a:t> </a:t>
             </a:r>
             <a:r>
-              <a:rPr lang="en-US" altLang="zh-TW" sz="5400" b="1" dirty="0" err="1" smtClean="0">
-                <a:solidFill>
-                  <a:srgbClr val="660033"/>
-                </a:solidFill>
-                <a:effectLst>
-                  <a:outerShdw blurRad="50000" dist="30000" dir="5400000" algn="tl" rotWithShape="0">
-                    <a:srgbClr val="000000">
-                      <a:alpha val="30000"/>
-                    </a:srgbClr>
-                  </a:outerShdw>
-                </a:effectLst>
-                <a:latin typeface="Times New Roman" pitchFamily="18" charset="0"/>
-                <a:ea typeface="微軟正黑體" pitchFamily="34" charset="-120"/>
-                <a:cs typeface="Times New Roman" pitchFamily="18" charset="0"/>
+              <a:rPr lang="en-US" altLang="zh-TW" sz="3600" b="1" dirty="0" err="1">
+                <a:solidFill>
+                  <a:srgbClr val="660033"/>
+                </a:solidFill>
+                <a:effectLst>
+                  <a:outerShdw blurRad="38100" dist="38100" dir="2700000" algn="tl">
+                    <a:srgbClr val="000000">
+                      <a:alpha val="43137"/>
+                    </a:srgbClr>
+                  </a:outerShdw>
+                </a:effectLst>
+                <a:latin typeface="Arial" panose="020B0604020202020204" pitchFamily="34" charset="0"/>
+                <a:ea typeface="微軟正黑體" pitchFamily="34" charset="-120"/>
+                <a:cs typeface="Arial" panose="020B0604020202020204" pitchFamily="34" charset="0"/>
               </a:rPr>
               <a:t>nguyện</a:t>
             </a:r>
             <a:r>
-              <a:rPr lang="en-US" altLang="zh-TW" sz="5400" b="1" dirty="0" smtClean="0">
-                <a:solidFill>
-                  <a:srgbClr val="660033"/>
-                </a:solidFill>
-                <a:effectLst>
-                  <a:outerShdw blurRad="50000" dist="30000" dir="5400000" algn="tl" rotWithShape="0">
-                    <a:srgbClr val="000000">
-                      <a:alpha val="30000"/>
-                    </a:srgbClr>
-                  </a:outerShdw>
-                </a:effectLst>
-                <a:latin typeface="Times New Roman" pitchFamily="18" charset="0"/>
-                <a:ea typeface="微軟正黑體" pitchFamily="34" charset="-120"/>
-                <a:cs typeface="Times New Roman" pitchFamily="18" charset="0"/>
+              <a:rPr lang="en-US" altLang="zh-TW" sz="3600" b="1" dirty="0">
+                <a:solidFill>
+                  <a:srgbClr val="660033"/>
+                </a:solidFill>
+                <a:effectLst>
+                  <a:outerShdw blurRad="38100" dist="38100" dir="2700000" algn="tl">
+                    <a:srgbClr val="000000">
+                      <a:alpha val="43137"/>
+                    </a:srgbClr>
+                  </a:outerShdw>
+                </a:effectLst>
+                <a:latin typeface="Arial" panose="020B0604020202020204" pitchFamily="34" charset="0"/>
+                <a:ea typeface="微軟正黑體" pitchFamily="34" charset="-120"/>
+                <a:cs typeface="Arial" panose="020B0604020202020204" pitchFamily="34" charset="0"/>
               </a:rPr>
               <a:t> </a:t>
             </a:r>
             <a:r>
-              <a:rPr lang="en-US" altLang="zh-TW" sz="5400" b="1" dirty="0" err="1" smtClean="0">
-                <a:solidFill>
-                  <a:srgbClr val="660033"/>
-                </a:solidFill>
-                <a:effectLst>
-                  <a:outerShdw blurRad="50000" dist="30000" dir="5400000" algn="tl" rotWithShape="0">
-                    <a:srgbClr val="000000">
-                      <a:alpha val="30000"/>
-                    </a:srgbClr>
-                  </a:outerShdw>
-                </a:effectLst>
-                <a:latin typeface="Times New Roman" pitchFamily="18" charset="0"/>
-                <a:ea typeface="微軟正黑體" pitchFamily="34" charset="-120"/>
-                <a:cs typeface="Times New Roman" pitchFamily="18" charset="0"/>
+              <a:rPr lang="en-US" altLang="zh-TW" sz="3600" b="1" dirty="0" err="1">
+                <a:solidFill>
+                  <a:srgbClr val="660033"/>
+                </a:solidFill>
+                <a:effectLst>
+                  <a:outerShdw blurRad="38100" dist="38100" dir="2700000" algn="tl">
+                    <a:srgbClr val="000000">
+                      <a:alpha val="43137"/>
+                    </a:srgbClr>
+                  </a:outerShdw>
+                </a:effectLst>
+                <a:latin typeface="Arial" panose="020B0604020202020204" pitchFamily="34" charset="0"/>
+                <a:ea typeface="微軟正黑體" pitchFamily="34" charset="-120"/>
+                <a:cs typeface="Arial" panose="020B0604020202020204" pitchFamily="34" charset="0"/>
               </a:rPr>
               <a:t>khai</a:t>
             </a:r>
             <a:r>
-              <a:rPr lang="en-US" altLang="zh-TW" sz="5400" b="1" dirty="0" smtClean="0">
-                <a:solidFill>
-                  <a:srgbClr val="660033"/>
-                </a:solidFill>
-                <a:effectLst>
-                  <a:outerShdw blurRad="50000" dist="30000" dir="5400000" algn="tl" rotWithShape="0">
-                    <a:srgbClr val="000000">
-                      <a:alpha val="30000"/>
-                    </a:srgbClr>
-                  </a:outerShdw>
-                </a:effectLst>
-                <a:latin typeface="Times New Roman" pitchFamily="18" charset="0"/>
-                <a:ea typeface="微軟正黑體" pitchFamily="34" charset="-120"/>
-                <a:cs typeface="Times New Roman" pitchFamily="18" charset="0"/>
+              <a:rPr lang="en-US" altLang="zh-TW" sz="3600" b="1" dirty="0">
+                <a:solidFill>
+                  <a:srgbClr val="660033"/>
+                </a:solidFill>
+                <a:effectLst>
+                  <a:outerShdw blurRad="38100" dist="38100" dir="2700000" algn="tl">
+                    <a:srgbClr val="000000">
+                      <a:alpha val="43137"/>
+                    </a:srgbClr>
+                  </a:outerShdw>
+                </a:effectLst>
+                <a:latin typeface="Arial" panose="020B0604020202020204" pitchFamily="34" charset="0"/>
+                <a:ea typeface="微軟正黑體" pitchFamily="34" charset="-120"/>
+                <a:cs typeface="Arial" panose="020B0604020202020204" pitchFamily="34" charset="0"/>
               </a:rPr>
               <a:t> </a:t>
             </a:r>
             <a:r>
-              <a:rPr lang="en-US" altLang="zh-TW" sz="5400" b="1" dirty="0" err="1" smtClean="0">
-                <a:solidFill>
-                  <a:srgbClr val="660033"/>
-                </a:solidFill>
-                <a:effectLst>
-                  <a:outerShdw blurRad="50000" dist="30000" dir="5400000" algn="tl" rotWithShape="0">
-                    <a:srgbClr val="000000">
-                      <a:alpha val="30000"/>
-                    </a:srgbClr>
-                  </a:outerShdw>
-                </a:effectLst>
-                <a:latin typeface="Times New Roman" pitchFamily="18" charset="0"/>
-                <a:ea typeface="微軟正黑體" pitchFamily="34" charset="-120"/>
-                <a:cs typeface="Times New Roman" pitchFamily="18" charset="0"/>
+              <a:rPr lang="en-US" altLang="zh-TW" sz="3600" b="1" dirty="0" err="1">
+                <a:solidFill>
+                  <a:srgbClr val="660033"/>
+                </a:solidFill>
+                <a:effectLst>
+                  <a:outerShdw blurRad="38100" dist="38100" dir="2700000" algn="tl">
+                    <a:srgbClr val="000000">
+                      <a:alpha val="43137"/>
+                    </a:srgbClr>
+                  </a:outerShdw>
+                </a:effectLst>
+                <a:latin typeface="Arial" panose="020B0604020202020204" pitchFamily="34" charset="0"/>
+                <a:ea typeface="微軟正黑體" pitchFamily="34" charset="-120"/>
+                <a:cs typeface="Arial" panose="020B0604020202020204" pitchFamily="34" charset="0"/>
               </a:rPr>
               <a:t>lễ</a:t>
             </a:r>
-            <a:endParaRPr lang="zh-TW" altLang="en-US" sz="5400" b="1" dirty="0" smtClean="0">
+            <a:endParaRPr lang="zh-TW" altLang="en-US" sz="3600" b="1" dirty="0">
               <a:solidFill>
                 <a:srgbClr val="660033"/>
               </a:solidFill>
               <a:effectLst>
-                <a:outerShdw blurRad="50000" dist="30000" dir="5400000" algn="tl" rotWithShape="0">
+                <a:outerShdw blurRad="38100" dist="38100" dir="2700000" algn="tl">
                   <a:srgbClr val="000000">
-                    <a:alpha val="30000"/>
+                    <a:alpha val="43137"/>
                   </a:srgbClr>
                 </a:outerShdw>
               </a:effectLst>
-              <a:latin typeface="Times New Roman" pitchFamily="18" charset="0"/>
+              <a:latin typeface="Arial" panose="020B0604020202020204" pitchFamily="34" charset="0"/>
               <a:ea typeface="微軟正黑體" pitchFamily="34" charset="-120"/>
-              <a:cs typeface="Times New Roman" pitchFamily="18" charset="0"/>
+              <a:cs typeface="Arial" panose="020B0604020202020204" pitchFamily="34" charset="0"/>
             </a:endParaRPr>
           </a:p>
         </p:txBody>
@@ -12322,7 +12367,7 @@
           <a:lstStyle/>
           <a:p>
             <a:r>
-              <a:rPr lang="zh-CN" altLang="en-US" sz="8800" b="1" dirty="0" smtClean="0">
+              <a:rPr lang="zh-CN" altLang="en-US" sz="6000" b="1" dirty="0" smtClean="0">
                 <a:solidFill>
                   <a:srgbClr val="660033"/>
                 </a:solidFill>
@@ -12338,7 +12383,7 @@
               </a:rPr>
               <a:t>提摩太詩班</a:t>
             </a:r>
-            <a:endParaRPr lang="zh-TW" altLang="en-US" sz="8800" b="1" dirty="0">
+            <a:endParaRPr lang="zh-TW" altLang="en-US" sz="6000" b="1" dirty="0">
               <a:solidFill>
                 <a:srgbClr val="660033"/>
               </a:solidFill>
@@ -12365,7 +12410,7 @@
         </p:nvSpPr>
         <p:spPr>
           <a:xfrm>
-            <a:off x="0" y="2920752"/>
+            <a:off x="0" y="2427734"/>
             <a:ext cx="9144000" cy="628650"/>
           </a:xfrm>
           <a:prstGeom prst="rect">
@@ -12394,7 +12439,7 @@
           </a:lstStyle>
           <a:p>
             <a:r>
-              <a:rPr lang="en-US" altLang="zh-TW" sz="6600" b="1" dirty="0" smtClean="0">
+              <a:rPr lang="en-US" altLang="zh-TW" sz="3600" b="1" dirty="0">
                 <a:solidFill>
                   <a:srgbClr val="000066"/>
                 </a:solidFill>
@@ -12405,14 +12450,14 @@
                     </a:srgbClr>
                   </a:outerShdw>
                 </a:effectLst>
-                <a:latin typeface="Times New Roman" pitchFamily="18" charset="0"/>
-                <a:ea typeface="微軟正黑體" pitchFamily="34" charset="-120"/>
-                <a:cs typeface="Times New Roman" pitchFamily="18" charset="0"/>
+                <a:latin typeface="Arial" panose="020B0604020202020204" pitchFamily="34" charset="0"/>
+                <a:ea typeface="微軟正黑體" pitchFamily="34" charset="-120"/>
+                <a:cs typeface="Arial" panose="020B0604020202020204" pitchFamily="34" charset="0"/>
               </a:rPr>
               <a:t>Ban </a:t>
             </a:r>
             <a:r>
-              <a:rPr lang="en-US" altLang="zh-TW" sz="6600" b="1" dirty="0" err="1" smtClean="0">
+              <a:rPr lang="en-US" altLang="zh-TW" sz="3600" b="1" dirty="0" err="1">
                 <a:solidFill>
                   <a:srgbClr val="000066"/>
                 </a:solidFill>
@@ -12423,14 +12468,14 @@
                     </a:srgbClr>
                   </a:outerShdw>
                 </a:effectLst>
-                <a:latin typeface="Times New Roman" pitchFamily="18" charset="0"/>
-                <a:ea typeface="微軟正黑體" pitchFamily="34" charset="-120"/>
-                <a:cs typeface="Times New Roman" pitchFamily="18" charset="0"/>
+                <a:latin typeface="Arial" panose="020B0604020202020204" pitchFamily="34" charset="0"/>
+                <a:ea typeface="微軟正黑體" pitchFamily="34" charset="-120"/>
+                <a:cs typeface="Arial" panose="020B0604020202020204" pitchFamily="34" charset="0"/>
               </a:rPr>
               <a:t>hát</a:t>
             </a:r>
             <a:r>
-              <a:rPr lang="en-US" altLang="zh-TW" sz="6600" b="1" dirty="0" smtClean="0">
+              <a:rPr lang="en-US" altLang="zh-TW" sz="3600" b="1" dirty="0">
                 <a:solidFill>
                   <a:srgbClr val="000066"/>
                 </a:solidFill>
@@ -12441,14 +12486,14 @@
                     </a:srgbClr>
                   </a:outerShdw>
                 </a:effectLst>
-                <a:latin typeface="Times New Roman" pitchFamily="18" charset="0"/>
-                <a:ea typeface="微軟正黑體" pitchFamily="34" charset="-120"/>
-                <a:cs typeface="Times New Roman" pitchFamily="18" charset="0"/>
+                <a:latin typeface="Arial" panose="020B0604020202020204" pitchFamily="34" charset="0"/>
+                <a:ea typeface="微軟正黑體" pitchFamily="34" charset="-120"/>
+                <a:cs typeface="Arial" panose="020B0604020202020204" pitchFamily="34" charset="0"/>
               </a:rPr>
               <a:t> </a:t>
             </a:r>
             <a:r>
-              <a:rPr lang="en-US" altLang="zh-TW" sz="6600" b="1" dirty="0" err="1" smtClean="0">
+              <a:rPr lang="en-US" altLang="zh-TW" sz="3600" b="1" dirty="0" err="1">
                 <a:solidFill>
                   <a:srgbClr val="000066"/>
                 </a:solidFill>
@@ -12459,13 +12504,13 @@
                     </a:srgbClr>
                   </a:outerShdw>
                 </a:effectLst>
-                <a:latin typeface="Times New Roman" pitchFamily="18" charset="0"/>
-                <a:ea typeface="微軟正黑體" pitchFamily="34" charset="-120"/>
-                <a:cs typeface="Times New Roman" pitchFamily="18" charset="0"/>
+                <a:latin typeface="Arial" panose="020B0604020202020204" pitchFamily="34" charset="0"/>
+                <a:ea typeface="微軟正黑體" pitchFamily="34" charset="-120"/>
+                <a:cs typeface="Arial" panose="020B0604020202020204" pitchFamily="34" charset="0"/>
               </a:rPr>
               <a:t>Giô-sép</a:t>
             </a:r>
-            <a:endParaRPr lang="zh-TW" altLang="en-US" sz="6600" b="1" dirty="0">
+            <a:endParaRPr lang="zh-TW" altLang="en-US" sz="3600" b="1" dirty="0">
               <a:solidFill>
                 <a:srgbClr val="000066"/>
               </a:solidFill>
@@ -12476,9 +12521,9 @@
                   </a:srgbClr>
                 </a:outerShdw>
               </a:effectLst>
-              <a:latin typeface="Times New Roman" pitchFamily="18" charset="0"/>
+              <a:latin typeface="Arial" panose="020B0604020202020204" pitchFamily="34" charset="0"/>
               <a:ea typeface="微軟正黑體" pitchFamily="34" charset="-120"/>
-              <a:cs typeface="Times New Roman" pitchFamily="18" charset="0"/>
+              <a:cs typeface="Arial" panose="020B0604020202020204" pitchFamily="34" charset="0"/>
             </a:endParaRPr>
           </a:p>
         </p:txBody>
@@ -12544,7 +12589,7 @@
           <a:p>
             <a:pPr algn="ctr"/>
             <a:r>
-              <a:rPr lang="zh-CN" altLang="en-US" sz="8800" b="1" dirty="0" smtClean="0">
+              <a:rPr lang="zh-CN" altLang="en-US" sz="7200" b="1" dirty="0" smtClean="0">
                 <a:solidFill>
                   <a:srgbClr val="000066"/>
                 </a:solidFill>
@@ -12561,7 +12606,7 @@
               <a:t>啟應經文</a:t>
             </a:r>
             <a:r>
-              <a:rPr lang="en-US" altLang="zh-CN" sz="8800" b="1" dirty="0" smtClean="0">
+              <a:rPr lang="en-US" altLang="zh-CN" sz="7200" b="1" dirty="0" smtClean="0">
                 <a:solidFill>
                   <a:srgbClr val="000066"/>
                 </a:solidFill>
@@ -12578,7 +12623,7 @@
               <a:t/>
             </a:r>
             <a:br>
-              <a:rPr lang="en-US" altLang="zh-CN" sz="8800" b="1" dirty="0" smtClean="0">
+              <a:rPr lang="en-US" altLang="zh-CN" sz="7200" b="1" dirty="0" smtClean="0">
                 <a:solidFill>
                   <a:srgbClr val="000066"/>
                 </a:solidFill>
@@ -12594,7 +12639,7 @@
               </a:rPr>
             </a:br>
             <a:r>
-              <a:rPr lang="en-US" altLang="zh-CN" sz="6000" b="1" dirty="0" err="1" smtClean="0">
+              <a:rPr lang="en-US" altLang="zh-CN" sz="4800" b="1" dirty="0" err="1" smtClean="0">
                 <a:solidFill>
                   <a:srgbClr val="660033"/>
                 </a:solidFill>
@@ -12612,7 +12657,7 @@
               <a:t>Kinh</a:t>
             </a:r>
             <a:r>
-              <a:rPr lang="en-US" altLang="zh-CN" sz="6000" b="1" dirty="0" smtClean="0">
+              <a:rPr lang="en-US" altLang="zh-CN" sz="4800" b="1" dirty="0" smtClean="0">
                 <a:solidFill>
                   <a:srgbClr val="660033"/>
                 </a:solidFill>
@@ -12630,7 +12675,7 @@
               <a:t> </a:t>
             </a:r>
             <a:r>
-              <a:rPr lang="en-US" altLang="zh-CN" sz="6000" b="1" dirty="0" err="1" smtClean="0">
+              <a:rPr lang="en-US" altLang="zh-CN" sz="4800" b="1" dirty="0" err="1" smtClean="0">
                 <a:solidFill>
                   <a:srgbClr val="660033"/>
                 </a:solidFill>
@@ -12648,7 +12693,7 @@
               <a:t>thánh</a:t>
             </a:r>
             <a:r>
-              <a:rPr lang="en-US" altLang="zh-CN" sz="6000" b="1" dirty="0" smtClean="0">
+              <a:rPr lang="en-US" altLang="zh-CN" sz="4800" b="1" dirty="0" smtClean="0">
                 <a:solidFill>
                   <a:srgbClr val="660033"/>
                 </a:solidFill>
@@ -12666,7 +12711,7 @@
               <a:t> </a:t>
             </a:r>
             <a:r>
-              <a:rPr lang="en-US" altLang="zh-CN" sz="6000" b="1" dirty="0" err="1" smtClean="0">
+              <a:rPr lang="en-US" altLang="zh-CN" sz="4800" b="1" dirty="0" err="1" smtClean="0">
                 <a:solidFill>
                   <a:srgbClr val="660033"/>
                 </a:solidFill>
@@ -12684,7 +12729,7 @@
               <a:t>đối</a:t>
             </a:r>
             <a:r>
-              <a:rPr lang="en-US" altLang="zh-CN" sz="6000" b="1" dirty="0" smtClean="0">
+              <a:rPr lang="en-US" altLang="zh-CN" sz="4800" b="1" dirty="0" smtClean="0">
                 <a:solidFill>
                   <a:srgbClr val="660033"/>
                 </a:solidFill>
@@ -12702,7 +12747,7 @@
               <a:t> </a:t>
             </a:r>
             <a:r>
-              <a:rPr lang="en-US" altLang="zh-CN" sz="6000" b="1" dirty="0" err="1" smtClean="0">
+              <a:rPr lang="en-US" altLang="zh-CN" sz="4800" b="1" dirty="0" err="1" smtClean="0">
                 <a:solidFill>
                   <a:srgbClr val="660033"/>
                 </a:solidFill>
@@ -12719,7 +12764,7 @@
               </a:rPr>
               <a:t>đáp</a:t>
             </a:r>
-            <a:endParaRPr lang="zh-TW" altLang="en-US" sz="8800" b="1" dirty="0">
+            <a:endParaRPr lang="zh-TW" altLang="en-US" sz="7200" b="1" dirty="0">
               <a:solidFill>
                 <a:srgbClr val="660033"/>
               </a:solidFill>
@@ -12766,7 +12811,7 @@
               </a:spcBef>
             </a:pPr>
             <a:r>
-              <a:rPr lang="en-US" altLang="zh-TW" sz="4400" b="1" dirty="0" smtClean="0">
+              <a:rPr lang="en-US" altLang="zh-TW" sz="3600" b="1" dirty="0" smtClean="0">
                 <a:solidFill>
                   <a:srgbClr val="660033"/>
                 </a:solidFill>
@@ -12784,7 +12829,7 @@
               <a:t>96 “</a:t>
             </a:r>
             <a:r>
-              <a:rPr lang="zh-TW" altLang="en-US" sz="4400" b="1" dirty="0">
+              <a:rPr lang="zh-TW" altLang="en-US" sz="3600" b="1" dirty="0">
                 <a:solidFill>
                   <a:srgbClr val="660033"/>
                 </a:solidFill>
@@ -12802,7 +12847,7 @@
               <a:t>水禮</a:t>
             </a:r>
             <a:r>
-              <a:rPr lang="en-US" altLang="zh-TW" sz="4400" b="1" dirty="0" smtClean="0">
+              <a:rPr lang="en-US" altLang="zh-TW" sz="3600" b="1" dirty="0" smtClean="0">
                 <a:solidFill>
                   <a:srgbClr val="660033"/>
                 </a:solidFill>
@@ -12819,7 +12864,7 @@
               </a:rPr>
               <a:t>”</a:t>
             </a:r>
-            <a:endParaRPr lang="zh-TW" altLang="en-US" sz="4400" b="1" dirty="0">
+            <a:endParaRPr lang="zh-TW" altLang="en-US" sz="3600" b="1" dirty="0">
               <a:solidFill>
                 <a:srgbClr val="660033"/>
               </a:solidFill>
@@ -13399,7 +13444,7 @@
         </p:nvSpPr>
         <p:spPr>
           <a:xfrm>
-            <a:off x="0" y="1707654"/>
+            <a:off x="0" y="1851670"/>
             <a:ext cx="9144000" cy="628650"/>
           </a:xfrm>
         </p:spPr>
@@ -13410,7 +13455,7 @@
           <a:lstStyle/>
           <a:p>
             <a:r>
-              <a:rPr lang="zh-TW" altLang="en-US" sz="8800" b="1" dirty="0">
+              <a:rPr lang="zh-TW" altLang="en-US" sz="6000" b="1" dirty="0">
                 <a:solidFill>
                   <a:srgbClr val="660033"/>
                 </a:solidFill>
@@ -13427,7 +13472,7 @@
               <a:t>以撒</a:t>
             </a:r>
             <a:r>
-              <a:rPr lang="zh-CN" altLang="en-US" sz="8800" b="1" dirty="0">
+              <a:rPr lang="zh-CN" altLang="en-US" sz="6000" b="1" dirty="0">
                 <a:solidFill>
                   <a:srgbClr val="660033"/>
                 </a:solidFill>
@@ -13443,7 +13488,7 @@
               </a:rPr>
               <a:t>詩班</a:t>
             </a:r>
-            <a:endParaRPr lang="zh-TW" altLang="en-US" sz="8800" b="1" dirty="0">
+            <a:endParaRPr lang="zh-TW" altLang="en-US" sz="6000" b="1" dirty="0">
               <a:solidFill>
                 <a:srgbClr val="660033"/>
               </a:solidFill>
@@ -13470,7 +13515,7 @@
         </p:nvSpPr>
         <p:spPr>
           <a:xfrm>
-            <a:off x="0" y="2920752"/>
+            <a:off x="585" y="2571750"/>
             <a:ext cx="9144000" cy="628650"/>
           </a:xfrm>
           <a:prstGeom prst="rect">
@@ -13499,7 +13544,7 @@
           </a:lstStyle>
           <a:p>
             <a:r>
-              <a:rPr lang="en-US" altLang="zh-TW" sz="6600" b="1" dirty="0" smtClean="0">
+              <a:rPr lang="en-US" altLang="zh-TW" sz="3600" b="1" dirty="0">
                 <a:solidFill>
                   <a:srgbClr val="000066"/>
                 </a:solidFill>
@@ -13510,14 +13555,14 @@
                     </a:srgbClr>
                   </a:outerShdw>
                 </a:effectLst>
-                <a:latin typeface="Times New Roman" pitchFamily="18" charset="0"/>
-                <a:ea typeface="微軟正黑體" pitchFamily="34" charset="-120"/>
-                <a:cs typeface="Times New Roman" pitchFamily="18" charset="0"/>
+                <a:latin typeface="Arial" panose="020B0604020202020204" pitchFamily="34" charset="0"/>
+                <a:ea typeface="微軟正黑體" pitchFamily="34" charset="-120"/>
+                <a:cs typeface="Arial" panose="020B0604020202020204" pitchFamily="34" charset="0"/>
               </a:rPr>
               <a:t>Ban </a:t>
             </a:r>
             <a:r>
-              <a:rPr lang="en-US" altLang="zh-TW" sz="6600" b="1" dirty="0" err="1" smtClean="0">
+              <a:rPr lang="en-US" altLang="zh-TW" sz="3600" b="1" dirty="0" err="1">
                 <a:solidFill>
                   <a:srgbClr val="000066"/>
                 </a:solidFill>
@@ -13528,14 +13573,14 @@
                     </a:srgbClr>
                   </a:outerShdw>
                 </a:effectLst>
-                <a:latin typeface="Times New Roman" pitchFamily="18" charset="0"/>
-                <a:ea typeface="微軟正黑體" pitchFamily="34" charset="-120"/>
-                <a:cs typeface="Times New Roman" pitchFamily="18" charset="0"/>
+                <a:latin typeface="Arial" panose="020B0604020202020204" pitchFamily="34" charset="0"/>
+                <a:ea typeface="微軟正黑體" pitchFamily="34" charset="-120"/>
+                <a:cs typeface="Arial" panose="020B0604020202020204" pitchFamily="34" charset="0"/>
               </a:rPr>
               <a:t>hát</a:t>
             </a:r>
             <a:r>
-              <a:rPr lang="en-US" altLang="zh-TW" sz="6600" b="1" dirty="0" smtClean="0">
+              <a:rPr lang="en-US" altLang="zh-TW" sz="3600" b="1" dirty="0">
                 <a:solidFill>
                   <a:srgbClr val="000066"/>
                 </a:solidFill>
@@ -13546,14 +13591,14 @@
                     </a:srgbClr>
                   </a:outerShdw>
                 </a:effectLst>
-                <a:latin typeface="Times New Roman" pitchFamily="18" charset="0"/>
-                <a:ea typeface="微軟正黑體" pitchFamily="34" charset="-120"/>
-                <a:cs typeface="Times New Roman" pitchFamily="18" charset="0"/>
+                <a:latin typeface="Arial" panose="020B0604020202020204" pitchFamily="34" charset="0"/>
+                <a:ea typeface="微軟正黑體" pitchFamily="34" charset="-120"/>
+                <a:cs typeface="Arial" panose="020B0604020202020204" pitchFamily="34" charset="0"/>
               </a:rPr>
               <a:t> Y-</a:t>
             </a:r>
             <a:r>
-              <a:rPr lang="en-US" altLang="zh-TW" sz="6600" b="1" dirty="0" err="1" smtClean="0">
+              <a:rPr lang="en-US" altLang="zh-TW" sz="3600" b="1" dirty="0" err="1">
                 <a:solidFill>
                   <a:srgbClr val="000066"/>
                 </a:solidFill>
@@ -13564,13 +13609,13 @@
                     </a:srgbClr>
                   </a:outerShdw>
                 </a:effectLst>
-                <a:latin typeface="Times New Roman" pitchFamily="18" charset="0"/>
-                <a:ea typeface="微軟正黑體" pitchFamily="34" charset="-120"/>
-                <a:cs typeface="Times New Roman" pitchFamily="18" charset="0"/>
+                <a:latin typeface="Arial" panose="020B0604020202020204" pitchFamily="34" charset="0"/>
+                <a:ea typeface="微軟正黑體" pitchFamily="34" charset="-120"/>
+                <a:cs typeface="Arial" panose="020B0604020202020204" pitchFamily="34" charset="0"/>
               </a:rPr>
               <a:t>sác</a:t>
             </a:r>
-            <a:endParaRPr lang="zh-TW" altLang="en-US" sz="6600" b="1" dirty="0">
+            <a:endParaRPr lang="zh-TW" altLang="en-US" sz="3600" b="1" dirty="0">
               <a:solidFill>
                 <a:srgbClr val="000066"/>
               </a:solidFill>
@@ -13581,9 +13626,9 @@
                   </a:srgbClr>
                 </a:outerShdw>
               </a:effectLst>
-              <a:latin typeface="Times New Roman" pitchFamily="18" charset="0"/>
+              <a:latin typeface="Arial" panose="020B0604020202020204" pitchFamily="34" charset="0"/>
               <a:ea typeface="微軟正黑體" pitchFamily="34" charset="-120"/>
-              <a:cs typeface="Times New Roman" pitchFamily="18" charset="0"/>
+              <a:cs typeface="Arial" panose="020B0604020202020204" pitchFamily="34" charset="0"/>
             </a:endParaRPr>
           </a:p>
         </p:txBody>

--- a/聯合崇拜流程.pptx
+++ b/聯合崇拜流程.pptx
@@ -243,7 +243,7 @@
             <a:fld id="{2F30D4D0-EAC7-4980-A92D-C26C9148BA0F}" type="datetimeFigureOut">
               <a:rPr lang="zh-TW" altLang="en-US" smtClean="0"/>
               <a:pPr/>
-              <a:t>2019/11/16</a:t>
+              <a:t>2019/12/20</a:t>
             </a:fld>
             <a:endParaRPr lang="zh-TW" altLang="en-US"/>
           </a:p>
@@ -1484,7 +1484,7 @@
             <a:fld id="{5BBEAD13-0566-4C6C-97E7-55F17F24B09F}" type="datetimeFigureOut">
               <a:rPr lang="zh-TW" altLang="en-US" smtClean="0"/>
               <a:pPr/>
-              <a:t>2019/11/16</a:t>
+              <a:t>2019/12/20</a:t>
             </a:fld>
             <a:endParaRPr lang="zh-TW" altLang="en-US"/>
           </a:p>
@@ -1651,7 +1651,7 @@
             <a:fld id="{5BBEAD13-0566-4C6C-97E7-55F17F24B09F}" type="datetimeFigureOut">
               <a:rPr lang="zh-TW" altLang="en-US" smtClean="0"/>
               <a:pPr/>
-              <a:t>2019/11/16</a:t>
+              <a:t>2019/12/20</a:t>
             </a:fld>
             <a:endParaRPr lang="zh-TW" altLang="en-US"/>
           </a:p>
@@ -1828,7 +1828,7 @@
             <a:fld id="{5BBEAD13-0566-4C6C-97E7-55F17F24B09F}" type="datetimeFigureOut">
               <a:rPr lang="zh-TW" altLang="en-US" smtClean="0"/>
               <a:pPr/>
-              <a:t>2019/11/16</a:t>
+              <a:t>2019/12/20</a:t>
             </a:fld>
             <a:endParaRPr lang="zh-TW" altLang="en-US"/>
           </a:p>
@@ -1995,7 +1995,7 @@
             <a:fld id="{5BBEAD13-0566-4C6C-97E7-55F17F24B09F}" type="datetimeFigureOut">
               <a:rPr lang="zh-TW" altLang="en-US" smtClean="0"/>
               <a:pPr/>
-              <a:t>2019/11/16</a:t>
+              <a:t>2019/12/20</a:t>
             </a:fld>
             <a:endParaRPr lang="zh-TW" altLang="en-US"/>
           </a:p>
@@ -2238,7 +2238,7 @@
             <a:fld id="{5BBEAD13-0566-4C6C-97E7-55F17F24B09F}" type="datetimeFigureOut">
               <a:rPr lang="zh-TW" altLang="en-US" smtClean="0"/>
               <a:pPr/>
-              <a:t>2019/11/16</a:t>
+              <a:t>2019/12/20</a:t>
             </a:fld>
             <a:endParaRPr lang="zh-TW" altLang="en-US"/>
           </a:p>
@@ -2523,7 +2523,7 @@
             <a:fld id="{5BBEAD13-0566-4C6C-97E7-55F17F24B09F}" type="datetimeFigureOut">
               <a:rPr lang="zh-TW" altLang="en-US" smtClean="0"/>
               <a:pPr/>
-              <a:t>2019/11/16</a:t>
+              <a:t>2019/12/20</a:t>
             </a:fld>
             <a:endParaRPr lang="zh-TW" altLang="en-US"/>
           </a:p>
@@ -2942,7 +2942,7 @@
             <a:fld id="{5BBEAD13-0566-4C6C-97E7-55F17F24B09F}" type="datetimeFigureOut">
               <a:rPr lang="zh-TW" altLang="en-US" smtClean="0"/>
               <a:pPr/>
-              <a:t>2019/11/16</a:t>
+              <a:t>2019/12/20</a:t>
             </a:fld>
             <a:endParaRPr lang="zh-TW" altLang="en-US"/>
           </a:p>
@@ -3057,7 +3057,7 @@
             <a:fld id="{5BBEAD13-0566-4C6C-97E7-55F17F24B09F}" type="datetimeFigureOut">
               <a:rPr lang="zh-TW" altLang="en-US" smtClean="0"/>
               <a:pPr/>
-              <a:t>2019/11/16</a:t>
+              <a:t>2019/12/20</a:t>
             </a:fld>
             <a:endParaRPr lang="zh-TW" altLang="en-US"/>
           </a:p>
@@ -3149,7 +3149,7 @@
             <a:fld id="{5BBEAD13-0566-4C6C-97E7-55F17F24B09F}" type="datetimeFigureOut">
               <a:rPr lang="zh-TW" altLang="en-US" smtClean="0"/>
               <a:pPr/>
-              <a:t>2019/11/16</a:t>
+              <a:t>2019/12/20</a:t>
             </a:fld>
             <a:endParaRPr lang="zh-TW" altLang="en-US"/>
           </a:p>
@@ -3423,7 +3423,7 @@
             <a:fld id="{5BBEAD13-0566-4C6C-97E7-55F17F24B09F}" type="datetimeFigureOut">
               <a:rPr lang="zh-TW" altLang="en-US" smtClean="0"/>
               <a:pPr/>
-              <a:t>2019/11/16</a:t>
+              <a:t>2019/12/20</a:t>
             </a:fld>
             <a:endParaRPr lang="zh-TW" altLang="en-US"/>
           </a:p>
@@ -3677,7 +3677,7 @@
             <a:fld id="{5BBEAD13-0566-4C6C-97E7-55F17F24B09F}" type="datetimeFigureOut">
               <a:rPr lang="zh-TW" altLang="en-US" smtClean="0"/>
               <a:pPr/>
-              <a:t>2019/11/16</a:t>
+              <a:t>2019/12/20</a:t>
             </a:fld>
             <a:endParaRPr lang="zh-TW" altLang="en-US"/>
           </a:p>
@@ -3892,7 +3892,7 @@
             <a:fld id="{5BBEAD13-0566-4C6C-97E7-55F17F24B09F}" type="datetimeFigureOut">
               <a:rPr lang="zh-TW" altLang="en-US" smtClean="0"/>
               <a:pPr/>
-              <a:t>2019/11/16</a:t>
+              <a:t>2019/12/20</a:t>
             </a:fld>
             <a:endParaRPr lang="zh-TW" altLang="en-US"/>
           </a:p>
@@ -5535,25 +5535,7 @@
                 <a:ea typeface="微軟正黑體" pitchFamily="34" charset="-120"/>
                 <a:cs typeface="+mj-cs"/>
               </a:rPr>
-              <a:t>牧</a:t>
-            </a:r>
-            <a:r>
-              <a:rPr lang="zh-TW" altLang="en-US" sz="4000" b="1" dirty="0" smtClean="0">
-                <a:solidFill>
-                  <a:srgbClr val="000066"/>
-                </a:solidFill>
-                <a:effectLst>
-                  <a:outerShdw blurRad="38100" dist="38100" dir="2700000" algn="tl">
-                    <a:srgbClr val="000000">
-                      <a:alpha val="43137"/>
-                    </a:srgbClr>
-                  </a:outerShdw>
-                </a:effectLst>
-                <a:latin typeface="微軟正黑體" pitchFamily="34" charset="-120"/>
-                <a:ea typeface="微軟正黑體" pitchFamily="34" charset="-120"/>
-                <a:cs typeface="+mj-cs"/>
-              </a:rPr>
-              <a:t>師 </a:t>
+              <a:t>牧師 </a:t>
             </a:r>
             <a:r>
               <a:rPr lang="vi-VN" sz="3200" b="1" dirty="0">
@@ -6328,41 +6310,7 @@
                 <a:latin typeface="微軟正黑體" pitchFamily="34" charset="-120"/>
                 <a:ea typeface="微軟正黑體" pitchFamily="34" charset="-120"/>
               </a:rPr>
-              <a:t>家事分</a:t>
-            </a:r>
-            <a:r>
-              <a:rPr lang="zh-CN" altLang="en-US" sz="6000" b="1" dirty="0">
-                <a:solidFill>
-                  <a:srgbClr val="000066"/>
-                </a:solidFill>
-                <a:effectLst>
-                  <a:outerShdw blurRad="38100" dist="38100" dir="2700000" algn="tl">
-                    <a:srgbClr val="000000">
-                      <a:alpha val="43137"/>
-                    </a:srgbClr>
-                  </a:outerShdw>
-                </a:effectLst>
-                <a:latin typeface="微軟正黑體" pitchFamily="34" charset="-120"/>
-                <a:ea typeface="微軟正黑體" pitchFamily="34" charset="-120"/>
-              </a:rPr>
-              <a:t>享代</a:t>
-            </a:r>
-            <a:r>
-              <a:rPr lang="zh-CN" altLang="en-US" sz="6000" b="1" dirty="0">
-                <a:solidFill>
-                  <a:srgbClr val="000066"/>
-                </a:solidFill>
-                <a:effectLst>
-                  <a:outerShdw blurRad="38100" dist="38100" dir="2700000" algn="tl">
-                    <a:srgbClr val="000000">
-                      <a:alpha val="43137"/>
-                    </a:srgbClr>
-                  </a:outerShdw>
-                </a:effectLst>
-                <a:latin typeface="微軟正黑體" pitchFamily="34" charset="-120"/>
-                <a:ea typeface="微軟正黑體" pitchFamily="34" charset="-120"/>
-              </a:rPr>
-              <a:t>禱</a:t>
+              <a:t>家事分享代禱</a:t>
             </a:r>
             <a:endParaRPr lang="zh-TW" altLang="en-US" sz="6000" b="1" dirty="0">
               <a:solidFill>
@@ -6704,7 +6652,7 @@
           <a:lstStyle/>
           <a:p>
             <a:r>
-              <a:rPr lang="zh-CN" altLang="en-US" sz="4000" b="1" dirty="0" smtClean="0">
+              <a:rPr lang="zh-CN" altLang="en-US" sz="3600" b="1" dirty="0" smtClean="0">
                 <a:solidFill>
                   <a:srgbClr val="000066"/>
                 </a:solidFill>
@@ -6714,7 +6662,7 @@
               <a:t>三一頌 </a:t>
             </a:r>
             <a:r>
-              <a:rPr lang="en-US" altLang="zh-CN" sz="3600" b="1" dirty="0" err="1" smtClean="0">
+              <a:rPr lang="en-US" altLang="zh-CN" sz="3200" b="1" dirty="0" err="1" smtClean="0">
                 <a:solidFill>
                   <a:srgbClr val="660033"/>
                 </a:solidFill>
@@ -6725,7 +6673,7 @@
               <a:t>Tôn</a:t>
             </a:r>
             <a:r>
-              <a:rPr lang="en-US" altLang="zh-CN" sz="3600" b="1" dirty="0" smtClean="0">
+              <a:rPr lang="en-US" altLang="zh-CN" sz="3200" b="1" dirty="0" smtClean="0">
                 <a:solidFill>
                   <a:srgbClr val="660033"/>
                 </a:solidFill>
@@ -6736,7 +6684,7 @@
               <a:t> </a:t>
             </a:r>
             <a:r>
-              <a:rPr lang="en-US" altLang="zh-CN" sz="3600" b="1" dirty="0" err="1" smtClean="0">
+              <a:rPr lang="en-US" altLang="zh-CN" sz="3200" b="1" dirty="0" err="1" smtClean="0">
                 <a:solidFill>
                   <a:srgbClr val="660033"/>
                 </a:solidFill>
@@ -6747,7 +6695,7 @@
               <a:t>vinh</a:t>
             </a:r>
             <a:r>
-              <a:rPr lang="en-US" altLang="zh-CN" sz="3600" b="1" dirty="0" smtClean="0">
+              <a:rPr lang="en-US" altLang="zh-CN" sz="3200" b="1" dirty="0" smtClean="0">
                 <a:solidFill>
                   <a:srgbClr val="660033"/>
                 </a:solidFill>
@@ -6758,7 +6706,7 @@
               <a:t> </a:t>
             </a:r>
             <a:r>
-              <a:rPr lang="en-US" altLang="zh-CN" sz="3600" b="1" dirty="0" err="1" smtClean="0">
+              <a:rPr lang="en-US" altLang="zh-CN" sz="3200" b="1" dirty="0" err="1" smtClean="0">
                 <a:solidFill>
                   <a:srgbClr val="660033"/>
                 </a:solidFill>
@@ -6769,7 +6717,7 @@
               <a:t>chân</a:t>
             </a:r>
             <a:r>
-              <a:rPr lang="en-US" altLang="zh-CN" sz="3600" b="1" dirty="0" smtClean="0">
+              <a:rPr lang="en-US" altLang="zh-CN" sz="3200" b="1" dirty="0" smtClean="0">
                 <a:solidFill>
                   <a:srgbClr val="660033"/>
                 </a:solidFill>
@@ -6780,7 +6728,7 @@
               <a:t> </a:t>
             </a:r>
             <a:r>
-              <a:rPr lang="en-US" altLang="zh-CN" sz="3600" b="1" dirty="0" err="1" smtClean="0">
+              <a:rPr lang="en-US" altLang="zh-CN" sz="3200" b="1" dirty="0" err="1" smtClean="0">
                 <a:solidFill>
                   <a:srgbClr val="660033"/>
                 </a:solidFill>
@@ -6790,7 +6738,7 @@
               </a:rPr>
               <a:t>thần</a:t>
             </a:r>
-            <a:endParaRPr lang="zh-TW" altLang="en-US" sz="4000" b="1" dirty="0">
+            <a:endParaRPr lang="zh-TW" altLang="en-US" sz="3600" b="1" dirty="0">
               <a:solidFill>
                 <a:srgbClr val="660033"/>
               </a:solidFill>
@@ -6827,7 +6775,7 @@
               <a:buNone/>
             </a:pPr>
             <a:r>
-              <a:rPr lang="zh-CN" altLang="en-US" sz="4800" b="1" dirty="0" smtClean="0">
+              <a:rPr lang="zh-CN" altLang="en-US" sz="4400" b="1" dirty="0" smtClean="0">
                 <a:solidFill>
                   <a:srgbClr val="000066"/>
                 </a:solidFill>
@@ -6844,7 +6792,7 @@
               </a:rPr>
               <a:t>讚美天父愛世慈仁</a:t>
             </a:r>
-            <a:endParaRPr lang="en-US" altLang="zh-CN" sz="4800" b="1" dirty="0" smtClean="0">
+            <a:endParaRPr lang="en-US" altLang="zh-CN" sz="4400" b="1" dirty="0" smtClean="0">
               <a:solidFill>
                 <a:srgbClr val="000066"/>
               </a:solidFill>
@@ -6865,7 +6813,7 @@
               <a:buNone/>
             </a:pPr>
             <a:r>
-              <a:rPr lang="zh-CN" altLang="en-US" sz="4800" b="1" dirty="0" smtClean="0">
+              <a:rPr lang="zh-CN" altLang="en-US" sz="4400" b="1" dirty="0" smtClean="0">
                 <a:solidFill>
                   <a:srgbClr val="000066"/>
                 </a:solidFill>
@@ -6882,7 +6830,7 @@
               </a:rPr>
               <a:t>讚美耶穌代贖洪恩</a:t>
             </a:r>
-            <a:endParaRPr lang="en-US" altLang="zh-CN" sz="4800" b="1" dirty="0" smtClean="0">
+            <a:endParaRPr lang="en-US" altLang="zh-CN" sz="4400" b="1" dirty="0" smtClean="0">
               <a:solidFill>
                 <a:srgbClr val="000066"/>
               </a:solidFill>
@@ -7063,7 +7011,7 @@
               <a:buNone/>
             </a:pPr>
             <a:r>
-              <a:rPr lang="vi-VN" b="1" dirty="0">
+              <a:rPr lang="vi-VN" sz="2800" b="1" dirty="0">
                 <a:solidFill>
                   <a:srgbClr val="660033"/>
                 </a:solidFill>
@@ -7078,7 +7026,7 @@
               <a:t>Tôn vinh Chân Thần nguồn ơn vô </a:t>
             </a:r>
             <a:r>
-              <a:rPr lang="vi-VN" b="1" dirty="0" smtClean="0">
+              <a:rPr lang="vi-VN" sz="2800" b="1" dirty="0" smtClean="0">
                 <a:solidFill>
                   <a:srgbClr val="660033"/>
                 </a:solidFill>
@@ -7092,7 +7040,7 @@
               </a:rPr>
               <a:t>đối</a:t>
             </a:r>
-            <a:endParaRPr lang="en-US" b="1" dirty="0" smtClean="0">
+            <a:endParaRPr lang="en-US" sz="2800" b="1" dirty="0" smtClean="0">
               <a:solidFill>
                 <a:srgbClr val="660033"/>
               </a:solidFill>
@@ -7110,7 +7058,7 @@
               <a:buNone/>
             </a:pPr>
             <a:r>
-              <a:rPr lang="vi-VN" b="1" dirty="0" smtClean="0">
+              <a:rPr lang="vi-VN" sz="2800" b="1" dirty="0" smtClean="0">
                 <a:solidFill>
                   <a:srgbClr val="660033"/>
                 </a:solidFill>
@@ -7125,7 +7073,7 @@
               <a:t>Dưới </a:t>
             </a:r>
             <a:r>
-              <a:rPr lang="vi-VN" b="1" dirty="0">
+              <a:rPr lang="vi-VN" sz="2800" b="1" dirty="0">
                 <a:solidFill>
                   <a:srgbClr val="660033"/>
                 </a:solidFill>
@@ -7139,7 +7087,7 @@
               </a:rPr>
               <a:t>đất chúng sinh sùng kính khắp nơi</a:t>
             </a:r>
-            <a:endParaRPr lang="zh-TW" altLang="en-US" b="1" dirty="0">
+            <a:endParaRPr lang="zh-TW" altLang="en-US" sz="2800" b="1" dirty="0">
               <a:solidFill>
                 <a:srgbClr val="660033"/>
               </a:solidFill>
@@ -7211,7 +7159,7 @@
           <a:lstStyle/>
           <a:p>
             <a:r>
-              <a:rPr lang="zh-CN" altLang="en-US" sz="4000" b="1" dirty="0" smtClean="0">
+              <a:rPr lang="zh-CN" altLang="en-US" sz="3600" b="1" dirty="0" smtClean="0">
                 <a:solidFill>
                   <a:srgbClr val="000066"/>
                 </a:solidFill>
@@ -7221,7 +7169,7 @@
               <a:t>三一頌 </a:t>
             </a:r>
             <a:r>
-              <a:rPr lang="en-US" altLang="zh-CN" sz="3600" b="1" dirty="0" err="1">
+              <a:rPr lang="en-US" altLang="zh-CN" sz="3200" b="1" dirty="0" err="1">
                 <a:solidFill>
                   <a:srgbClr val="660033"/>
                 </a:solidFill>
@@ -7232,7 +7180,7 @@
               <a:t>Tôn</a:t>
             </a:r>
             <a:r>
-              <a:rPr lang="en-US" altLang="zh-CN" sz="3600" b="1" dirty="0">
+              <a:rPr lang="en-US" altLang="zh-CN" sz="3200" b="1" dirty="0">
                 <a:solidFill>
                   <a:srgbClr val="660033"/>
                 </a:solidFill>
@@ -7243,7 +7191,7 @@
               <a:t> </a:t>
             </a:r>
             <a:r>
-              <a:rPr lang="en-US" altLang="zh-CN" sz="3600" b="1" dirty="0" err="1">
+              <a:rPr lang="en-US" altLang="zh-CN" sz="3200" b="1" dirty="0" err="1">
                 <a:solidFill>
                   <a:srgbClr val="660033"/>
                 </a:solidFill>
@@ -7254,7 +7202,7 @@
               <a:t>vinh</a:t>
             </a:r>
             <a:r>
-              <a:rPr lang="en-US" altLang="zh-CN" sz="3600" b="1" dirty="0">
+              <a:rPr lang="en-US" altLang="zh-CN" sz="3200" b="1" dirty="0">
                 <a:solidFill>
                   <a:srgbClr val="660033"/>
                 </a:solidFill>
@@ -7265,7 +7213,7 @@
               <a:t> </a:t>
             </a:r>
             <a:r>
-              <a:rPr lang="en-US" altLang="zh-CN" sz="3600" b="1" dirty="0" err="1">
+              <a:rPr lang="en-US" altLang="zh-CN" sz="3200" b="1" dirty="0" err="1">
                 <a:solidFill>
                   <a:srgbClr val="660033"/>
                 </a:solidFill>
@@ -7276,7 +7224,7 @@
               <a:t>chân</a:t>
             </a:r>
             <a:r>
-              <a:rPr lang="en-US" altLang="zh-CN" sz="3600" b="1" dirty="0">
+              <a:rPr lang="en-US" altLang="zh-CN" sz="3200" b="1" dirty="0">
                 <a:solidFill>
                   <a:srgbClr val="660033"/>
                 </a:solidFill>
@@ -7287,7 +7235,7 @@
               <a:t> </a:t>
             </a:r>
             <a:r>
-              <a:rPr lang="en-US" altLang="zh-CN" sz="3600" b="1" dirty="0" err="1">
+              <a:rPr lang="en-US" altLang="zh-CN" sz="3200" b="1" dirty="0" err="1">
                 <a:solidFill>
                   <a:srgbClr val="660033"/>
                 </a:solidFill>
@@ -7297,7 +7245,7 @@
               </a:rPr>
               <a:t>thần</a:t>
             </a:r>
-            <a:endParaRPr lang="zh-TW" altLang="en-US" sz="3600" b="1" dirty="0">
+            <a:endParaRPr lang="zh-TW" altLang="en-US" sz="3200" b="1" dirty="0">
               <a:solidFill>
                 <a:srgbClr val="660033"/>
               </a:solidFill>
@@ -7334,7 +7282,7 @@
               <a:buNone/>
             </a:pPr>
             <a:r>
-              <a:rPr lang="zh-CN" altLang="en-US" sz="4800" b="1" dirty="0" smtClean="0">
+              <a:rPr lang="zh-CN" altLang="en-US" sz="4400" b="1" dirty="0" smtClean="0">
                 <a:solidFill>
                   <a:srgbClr val="000066"/>
                 </a:solidFill>
@@ -7351,7 +7299,7 @@
               </a:rPr>
               <a:t>讚美聖靈開我茅塞</a:t>
             </a:r>
-            <a:endParaRPr lang="en-US" altLang="zh-CN" sz="4800" b="1" dirty="0" smtClean="0">
+            <a:endParaRPr lang="en-US" altLang="zh-CN" sz="4400" b="1" dirty="0" smtClean="0">
               <a:solidFill>
                 <a:srgbClr val="000066"/>
               </a:solidFill>
@@ -7372,7 +7320,7 @@
               <a:buNone/>
             </a:pPr>
             <a:r>
-              <a:rPr lang="zh-CN" altLang="en-US" sz="4800" b="1" dirty="0" smtClean="0">
+              <a:rPr lang="zh-CN" altLang="en-US" sz="4400" b="1" dirty="0" smtClean="0">
                 <a:solidFill>
                   <a:srgbClr val="000066"/>
                 </a:solidFill>
@@ -7389,7 +7337,7 @@
               </a:rPr>
               <a:t>讚美三位合一真神</a:t>
             </a:r>
-            <a:endParaRPr lang="zh-TW" altLang="en-US" sz="4800" b="1" dirty="0">
+            <a:endParaRPr lang="zh-TW" altLang="en-US" sz="4400" b="1" dirty="0">
               <a:solidFill>
                 <a:srgbClr val="000066"/>
               </a:solidFill>
@@ -7570,7 +7518,7 @@
               <a:buNone/>
             </a:pPr>
             <a:r>
-              <a:rPr lang="vi-VN" b="1" dirty="0">
+              <a:rPr lang="vi-VN" sz="2800" b="1" dirty="0">
                 <a:solidFill>
                   <a:srgbClr val="660033"/>
                 </a:solidFill>
@@ -7582,24 +7530,9 @@
                   </a:outerShdw>
                 </a:effectLst>
               </a:rPr>
-              <a:t>Trời cao cũng chung khen ngợi Ba </a:t>
-            </a:r>
-            <a:r>
-              <a:rPr lang="vi-VN" b="1" dirty="0">
-                <a:solidFill>
-                  <a:srgbClr val="660033"/>
-                </a:solidFill>
-                <a:effectLst>
-                  <a:outerShdw blurRad="38100" dist="38100" dir="2700000" algn="tl">
-                    <a:srgbClr val="000000">
-                      <a:alpha val="43137"/>
-                    </a:srgbClr>
-                  </a:outerShdw>
-                </a:effectLst>
-              </a:rPr>
-              <a:t>Ngôi</a:t>
-            </a:r>
-            <a:endParaRPr lang="en-US" b="1" dirty="0">
+              <a:t>Trời cao cũng chung khen ngợi Ba Ngôi</a:t>
+            </a:r>
+            <a:endParaRPr lang="en-US" sz="2800" b="1" dirty="0">
               <a:solidFill>
                 <a:srgbClr val="660033"/>
               </a:solidFill>
@@ -7617,7 +7550,7 @@
               <a:buNone/>
             </a:pPr>
             <a:r>
-              <a:rPr lang="vi-VN" b="1" dirty="0">
+              <a:rPr lang="vi-VN" sz="2800" b="1" dirty="0">
                 <a:solidFill>
                   <a:srgbClr val="660033"/>
                 </a:solidFill>
@@ -7629,39 +7562,9 @@
                   </a:outerShdw>
                 </a:effectLst>
               </a:rPr>
-              <a:t>Chúa </a:t>
-            </a:r>
-            <a:r>
-              <a:rPr lang="vi-VN" b="1" dirty="0">
-                <a:solidFill>
-                  <a:srgbClr val="660033"/>
-                </a:solidFill>
-                <a:effectLst>
-                  <a:outerShdw blurRad="38100" dist="38100" dir="2700000" algn="tl">
-                    <a:srgbClr val="000000">
-                      <a:alpha val="43137"/>
-                    </a:srgbClr>
-                  </a:outerShdw>
-                </a:effectLst>
-              </a:rPr>
-              <a:t>Cha cùng Con với Linh đời </a:t>
-            </a:r>
-            <a:r>
-              <a:rPr lang="vi-VN" b="1" dirty="0">
-                <a:solidFill>
-                  <a:srgbClr val="660033"/>
-                </a:solidFill>
-                <a:effectLst>
-                  <a:outerShdw blurRad="38100" dist="38100" dir="2700000" algn="tl">
-                    <a:srgbClr val="000000">
-                      <a:alpha val="43137"/>
-                    </a:srgbClr>
-                  </a:outerShdw>
-                </a:effectLst>
-              </a:rPr>
-              <a:t>đời </a:t>
-            </a:r>
-            <a:endParaRPr lang="en-US" b="1" dirty="0">
+              <a:t>Chúa Cha cùng Con với Linh đời đời </a:t>
+            </a:r>
+            <a:endParaRPr lang="en-US" sz="2800" b="1" dirty="0">
               <a:solidFill>
                 <a:srgbClr val="660033"/>
               </a:solidFill>
@@ -7679,7 +7582,7 @@
               <a:buNone/>
             </a:pPr>
             <a:r>
-              <a:rPr lang="vi-VN" b="1" dirty="0">
+              <a:rPr lang="vi-VN" sz="2800" b="1" dirty="0">
                 <a:solidFill>
                   <a:srgbClr val="660033"/>
                 </a:solidFill>
@@ -7693,7 +7596,7 @@
               </a:rPr>
               <a:t>A-men</a:t>
             </a:r>
-            <a:endParaRPr lang="zh-TW" altLang="en-US" b="1" dirty="0">
+            <a:endParaRPr lang="zh-TW" altLang="en-US" sz="2800" b="1" dirty="0">
               <a:solidFill>
                 <a:srgbClr val="660033"/>
               </a:solidFill>
@@ -7971,7 +7874,7 @@
           <a:lstStyle/>
           <a:p>
             <a:r>
-              <a:rPr lang="zh-CN" altLang="en-US" sz="4000" b="1" dirty="0" smtClean="0">
+              <a:rPr lang="zh-CN" altLang="en-US" sz="3600" b="1" dirty="0" smtClean="0">
                 <a:solidFill>
                   <a:srgbClr val="000066"/>
                 </a:solidFill>
@@ -7981,7 +7884,7 @@
               <a:t>公禱文 </a:t>
             </a:r>
             <a:r>
-              <a:rPr lang="en-US" altLang="zh-CN" sz="3600" b="1" dirty="0" err="1" smtClean="0">
+              <a:rPr lang="en-US" altLang="zh-CN" sz="3200" b="1" dirty="0" err="1" smtClean="0">
                 <a:solidFill>
                   <a:srgbClr val="660033"/>
                 </a:solidFill>
@@ -7992,7 +7895,7 @@
               <a:t>Cầu</a:t>
             </a:r>
             <a:r>
-              <a:rPr lang="en-US" altLang="zh-CN" sz="3600" b="1" dirty="0" smtClean="0">
+              <a:rPr lang="en-US" altLang="zh-CN" sz="3200" b="1" dirty="0" smtClean="0">
                 <a:solidFill>
                   <a:srgbClr val="660033"/>
                 </a:solidFill>
@@ -8003,7 +7906,7 @@
               <a:t> </a:t>
             </a:r>
             <a:r>
-              <a:rPr lang="en-US" altLang="zh-CN" sz="3600" b="1" dirty="0" err="1" smtClean="0">
+              <a:rPr lang="en-US" altLang="zh-CN" sz="3200" b="1" dirty="0" err="1" smtClean="0">
                 <a:solidFill>
                   <a:srgbClr val="660033"/>
                 </a:solidFill>
@@ -8014,7 +7917,7 @@
               <a:t>nguyện</a:t>
             </a:r>
             <a:r>
-              <a:rPr lang="en-US" altLang="zh-CN" sz="3600" b="1" dirty="0" smtClean="0">
+              <a:rPr lang="en-US" altLang="zh-CN" sz="3200" b="1" dirty="0" smtClean="0">
                 <a:solidFill>
                   <a:srgbClr val="660033"/>
                 </a:solidFill>
@@ -8025,7 +7928,7 @@
               <a:t> </a:t>
             </a:r>
             <a:r>
-              <a:rPr lang="en-US" altLang="zh-CN" sz="3600" b="1" dirty="0" err="1" smtClean="0">
+              <a:rPr lang="en-US" altLang="zh-CN" sz="3200" b="1" dirty="0" err="1" smtClean="0">
                 <a:solidFill>
                   <a:srgbClr val="660033"/>
                 </a:solidFill>
@@ -8035,7 +7938,7 @@
               </a:rPr>
               <a:t>chung</a:t>
             </a:r>
-            <a:endParaRPr lang="zh-TW" altLang="en-US" sz="4000" b="1" dirty="0">
+            <a:endParaRPr lang="zh-TW" altLang="en-US" sz="3600" b="1" dirty="0">
               <a:solidFill>
                 <a:srgbClr val="660033"/>
               </a:solidFill>
@@ -8072,7 +7975,7 @@
               <a:buNone/>
             </a:pPr>
             <a:r>
-              <a:rPr lang="zh-CN" altLang="en-US" sz="4800" b="1" dirty="0" smtClean="0">
+              <a:rPr lang="zh-CN" altLang="en-US" sz="4400" b="1" dirty="0" smtClean="0">
                 <a:solidFill>
                   <a:srgbClr val="000066"/>
                 </a:solidFill>
@@ -8088,7 +7991,7 @@
               </a:rPr>
               <a:t>我們在天上的父</a:t>
             </a:r>
-            <a:endParaRPr lang="en-US" altLang="zh-CN" sz="4800" b="1" dirty="0" smtClean="0">
+            <a:endParaRPr lang="en-US" altLang="zh-CN" sz="4400" b="1" dirty="0" smtClean="0">
               <a:solidFill>
                 <a:srgbClr val="000066"/>
               </a:solidFill>
@@ -8108,7 +8011,7 @@
               <a:buNone/>
             </a:pPr>
             <a:r>
-              <a:rPr lang="zh-CN" altLang="en-US" sz="4800" b="1" dirty="0" smtClean="0">
+              <a:rPr lang="zh-CN" altLang="en-US" sz="4400" b="1" dirty="0" smtClean="0">
                 <a:solidFill>
                   <a:srgbClr val="000066"/>
                 </a:solidFill>
@@ -8124,7 +8027,7 @@
               </a:rPr>
               <a:t>願人都尊袮的名為聖</a:t>
             </a:r>
-            <a:endParaRPr lang="en-US" altLang="zh-CN" sz="4800" b="1" dirty="0" smtClean="0">
+            <a:endParaRPr lang="en-US" altLang="zh-CN" sz="4400" b="1" dirty="0" smtClean="0">
               <a:solidFill>
                 <a:srgbClr val="000066"/>
               </a:solidFill>
@@ -8304,7 +8207,7 @@
               <a:buNone/>
             </a:pPr>
             <a:r>
-              <a:rPr lang="vi-VN" sz="3600" b="1" dirty="0">
+              <a:rPr lang="vi-VN" b="1" dirty="0">
                 <a:solidFill>
                   <a:srgbClr val="660033"/>
                 </a:solidFill>
@@ -8321,7 +8224,7 @@
               <a:t>Lạy Cha chúng con ở trên </a:t>
             </a:r>
             <a:r>
-              <a:rPr lang="vi-VN" sz="3600" b="1" dirty="0" smtClean="0">
+              <a:rPr lang="vi-VN" b="1" dirty="0" smtClean="0">
                 <a:solidFill>
                   <a:srgbClr val="660033"/>
                 </a:solidFill>
@@ -8337,7 +8240,7 @@
               </a:rPr>
               <a:t>trời</a:t>
             </a:r>
-            <a:endParaRPr lang="vi-VN" sz="3600" b="1" dirty="0">
+            <a:endParaRPr lang="vi-VN" b="1" dirty="0">
               <a:solidFill>
                 <a:srgbClr val="660033"/>
               </a:solidFill>
@@ -8357,7 +8260,7 @@
               <a:buNone/>
             </a:pPr>
             <a:r>
-              <a:rPr lang="vi-VN" sz="3600" b="1" dirty="0">
+              <a:rPr lang="vi-VN" b="1" dirty="0">
                 <a:solidFill>
                   <a:srgbClr val="660033"/>
                 </a:solidFill>
@@ -8374,7 +8277,7 @@
               <a:t>Danh Cha được </a:t>
             </a:r>
             <a:r>
-              <a:rPr lang="vi-VN" sz="3600" b="1" dirty="0" smtClean="0">
+              <a:rPr lang="vi-VN" b="1" dirty="0" smtClean="0">
                 <a:solidFill>
                   <a:srgbClr val="660033"/>
                 </a:solidFill>
@@ -8390,7 +8293,7 @@
               </a:rPr>
               <a:t>thánh</a:t>
             </a:r>
-            <a:endParaRPr lang="vi-VN" sz="3600" b="1" dirty="0">
+            <a:endParaRPr lang="vi-VN" b="1" dirty="0">
               <a:solidFill>
                 <a:srgbClr val="660033"/>
               </a:solidFill>
@@ -8467,7 +8370,7 @@
           <a:lstStyle/>
           <a:p>
             <a:r>
-              <a:rPr lang="zh-CN" altLang="en-US" sz="4000" b="1" dirty="0" smtClean="0">
+              <a:rPr lang="zh-CN" altLang="en-US" sz="3600" b="1" dirty="0" smtClean="0">
                 <a:solidFill>
                   <a:srgbClr val="000066"/>
                 </a:solidFill>
@@ -8477,7 +8380,7 @@
               <a:t>公禱文 </a:t>
             </a:r>
             <a:r>
-              <a:rPr lang="en-US" altLang="zh-CN" sz="3600" b="1" dirty="0" err="1">
+              <a:rPr lang="en-US" altLang="zh-CN" sz="3200" b="1" dirty="0" err="1">
                 <a:solidFill>
                   <a:srgbClr val="660033"/>
                 </a:solidFill>
@@ -8488,7 +8391,7 @@
               <a:t>Cầu</a:t>
             </a:r>
             <a:r>
-              <a:rPr lang="en-US" altLang="zh-CN" sz="3600" b="1" dirty="0">
+              <a:rPr lang="en-US" altLang="zh-CN" sz="3200" b="1" dirty="0">
                 <a:solidFill>
                   <a:srgbClr val="660033"/>
                 </a:solidFill>
@@ -8499,7 +8402,7 @@
               <a:t> </a:t>
             </a:r>
             <a:r>
-              <a:rPr lang="en-US" altLang="zh-CN" sz="3600" b="1" dirty="0" err="1">
+              <a:rPr lang="en-US" altLang="zh-CN" sz="3200" b="1" dirty="0" err="1">
                 <a:solidFill>
                   <a:srgbClr val="660033"/>
                 </a:solidFill>
@@ -8510,7 +8413,7 @@
               <a:t>nguyện</a:t>
             </a:r>
             <a:r>
-              <a:rPr lang="en-US" altLang="zh-CN" sz="3600" b="1" dirty="0">
+              <a:rPr lang="en-US" altLang="zh-CN" sz="3200" b="1" dirty="0">
                 <a:solidFill>
                   <a:srgbClr val="660033"/>
                 </a:solidFill>
@@ -8521,7 +8424,7 @@
               <a:t> </a:t>
             </a:r>
             <a:r>
-              <a:rPr lang="en-US" altLang="zh-CN" sz="3600" b="1" dirty="0" err="1">
+              <a:rPr lang="en-US" altLang="zh-CN" sz="3200" b="1" dirty="0" err="1">
                 <a:solidFill>
                   <a:srgbClr val="660033"/>
                 </a:solidFill>
@@ -8531,7 +8434,7 @@
               </a:rPr>
               <a:t>chung</a:t>
             </a:r>
-            <a:endParaRPr lang="zh-TW" altLang="en-US" sz="3600" b="1" dirty="0">
+            <a:endParaRPr lang="zh-TW" altLang="en-US" sz="3200" b="1" dirty="0">
               <a:solidFill>
                 <a:srgbClr val="660033"/>
               </a:solidFill>
@@ -8568,7 +8471,7 @@
               <a:buNone/>
             </a:pPr>
             <a:r>
-              <a:rPr lang="zh-CN" altLang="en-US" sz="4800" b="1" dirty="0">
+              <a:rPr lang="zh-CN" altLang="en-US" sz="4400" b="1" dirty="0">
                 <a:solidFill>
                   <a:srgbClr val="000066"/>
                 </a:solidFill>
@@ -8584,7 +8487,7 @@
               </a:rPr>
               <a:t>願父的國降臨</a:t>
             </a:r>
-            <a:endParaRPr lang="en-US" altLang="zh-CN" sz="4800" b="1" dirty="0">
+            <a:endParaRPr lang="en-US" altLang="zh-CN" sz="4400" b="1" dirty="0">
               <a:solidFill>
                 <a:srgbClr val="000066"/>
               </a:solidFill>
@@ -8604,7 +8507,7 @@
               <a:buNone/>
             </a:pPr>
             <a:r>
-              <a:rPr lang="zh-CN" altLang="en-US" sz="4800" b="1" dirty="0">
+              <a:rPr lang="zh-CN" altLang="en-US" sz="4400" b="1" dirty="0">
                 <a:solidFill>
                   <a:srgbClr val="000066"/>
                 </a:solidFill>
@@ -8620,7 +8523,7 @@
               </a:rPr>
               <a:t>願父的旨意行在地上</a:t>
             </a:r>
-            <a:endParaRPr lang="en-US" altLang="zh-CN" sz="4800" b="1" dirty="0">
+            <a:endParaRPr lang="en-US" altLang="zh-CN" sz="4400" b="1" dirty="0">
               <a:solidFill>
                 <a:srgbClr val="000066"/>
               </a:solidFill>
@@ -8640,7 +8543,7 @@
               <a:buNone/>
             </a:pPr>
             <a:r>
-              <a:rPr lang="zh-CN" altLang="en-US" sz="4800" b="1" dirty="0">
+              <a:rPr lang="zh-CN" altLang="en-US" sz="4400" b="1" dirty="0">
                 <a:solidFill>
                   <a:srgbClr val="000066"/>
                 </a:solidFill>
@@ -8656,7 +8559,7 @@
               </a:rPr>
               <a:t>如同行在天上</a:t>
             </a:r>
-            <a:endParaRPr lang="zh-TW" altLang="en-US" sz="4800" b="1" dirty="0">
+            <a:endParaRPr lang="zh-TW" altLang="en-US" sz="4400" b="1" dirty="0">
               <a:solidFill>
                 <a:srgbClr val="000066"/>
               </a:solidFill>
@@ -8836,7 +8739,7 @@
               <a:buNone/>
             </a:pPr>
             <a:r>
-              <a:rPr lang="vi-VN" sz="3600" b="1" dirty="0">
+              <a:rPr lang="vi-VN" b="1" dirty="0">
                 <a:solidFill>
                   <a:srgbClr val="660033"/>
                 </a:solidFill>
@@ -8850,46 +8753,15 @@
                 <a:latin typeface="Arial" panose="020B0604020202020204" pitchFamily="34" charset="0"/>
                 <a:cs typeface="Arial" panose="020B0604020202020204" pitchFamily="34" charset="0"/>
               </a:rPr>
-              <a:t>Nước Cha được </a:t>
-            </a:r>
-            <a:r>
-              <a:rPr lang="vi-VN" sz="3600" b="1" dirty="0">
-                <a:solidFill>
-                  <a:srgbClr val="660033"/>
-                </a:solidFill>
-                <a:effectLst>
-                  <a:outerShdw blurRad="38100" dist="38100" dir="2700000" algn="tl">
-                    <a:srgbClr val="000000">
-                      <a:alpha val="43137"/>
-                    </a:srgbClr>
-                  </a:outerShdw>
-                </a:effectLst>
-                <a:latin typeface="Arial" panose="020B0604020202020204" pitchFamily="34" charset="0"/>
-                <a:cs typeface="Arial" panose="020B0604020202020204" pitchFamily="34" charset="0"/>
-              </a:rPr>
-              <a:t>đến</a:t>
-            </a:r>
-            <a:endParaRPr lang="vi-VN" sz="3600" b="1" dirty="0">
-              <a:solidFill>
-                <a:srgbClr val="660033"/>
-              </a:solidFill>
-              <a:effectLst>
-                <a:outerShdw blurRad="38100" dist="38100" dir="2700000" algn="tl">
-                  <a:srgbClr val="000000">
-                    <a:alpha val="43137"/>
-                  </a:srgbClr>
-                </a:outerShdw>
-              </a:effectLst>
-              <a:latin typeface="Arial" panose="020B0604020202020204" pitchFamily="34" charset="0"/>
-              <a:cs typeface="Arial" panose="020B0604020202020204" pitchFamily="34" charset="0"/>
-            </a:endParaRPr>
+              <a:t>Nước Cha được đến</a:t>
+            </a:r>
           </a:p>
           <a:p>
             <a:pPr marL="0" indent="0" algn="ctr">
               <a:buNone/>
             </a:pPr>
             <a:r>
-              <a:rPr lang="vi-VN" sz="3600" b="1" dirty="0">
+              <a:rPr lang="vi-VN" b="1" dirty="0">
                 <a:solidFill>
                   <a:srgbClr val="660033"/>
                 </a:solidFill>
@@ -8903,39 +8775,8 @@
                 <a:latin typeface="Arial" panose="020B0604020202020204" pitchFamily="34" charset="0"/>
                 <a:cs typeface="Arial" panose="020B0604020202020204" pitchFamily="34" charset="0"/>
               </a:rPr>
-              <a:t>Ý Cha được nên, ở đất như </a:t>
-            </a:r>
-            <a:r>
-              <a:rPr lang="vi-VN" sz="3600" b="1" dirty="0">
-                <a:solidFill>
-                  <a:srgbClr val="660033"/>
-                </a:solidFill>
-                <a:effectLst>
-                  <a:outerShdw blurRad="38100" dist="38100" dir="2700000" algn="tl">
-                    <a:srgbClr val="000000">
-                      <a:alpha val="43137"/>
-                    </a:srgbClr>
-                  </a:outerShdw>
-                </a:effectLst>
-                <a:latin typeface="Arial" panose="020B0604020202020204" pitchFamily="34" charset="0"/>
-                <a:cs typeface="Arial" panose="020B0604020202020204" pitchFamily="34" charset="0"/>
-              </a:rPr>
-              <a:t>trời</a:t>
-            </a:r>
-            <a:endParaRPr lang="vi-VN" sz="3600" b="1" dirty="0">
-              <a:solidFill>
-                <a:srgbClr val="660033"/>
-              </a:solidFill>
-              <a:effectLst>
-                <a:outerShdw blurRad="38100" dist="38100" dir="2700000" algn="tl">
-                  <a:srgbClr val="000000">
-                    <a:alpha val="43137"/>
-                  </a:srgbClr>
-                </a:outerShdw>
-              </a:effectLst>
-              <a:latin typeface="Arial" panose="020B0604020202020204" pitchFamily="34" charset="0"/>
-              <a:cs typeface="Arial" panose="020B0604020202020204" pitchFamily="34" charset="0"/>
-            </a:endParaRPr>
+              <a:t>Ý Cha được nên, ở đất như trời</a:t>
+            </a:r>
           </a:p>
         </p:txBody>
       </p:sp>
@@ -8999,7 +8840,7 @@
           <a:lstStyle/>
           <a:p>
             <a:r>
-              <a:rPr lang="zh-CN" altLang="en-US" sz="4000" b="1" dirty="0" smtClean="0">
+              <a:rPr lang="zh-CN" altLang="en-US" sz="3600" b="1" dirty="0" smtClean="0">
                 <a:solidFill>
                   <a:srgbClr val="000066"/>
                 </a:solidFill>
@@ -9009,7 +8850,7 @@
               <a:t>公禱文 </a:t>
             </a:r>
             <a:r>
-              <a:rPr lang="en-US" altLang="zh-CN" sz="3600" b="1" dirty="0" err="1">
+              <a:rPr lang="en-US" altLang="zh-CN" sz="3200" b="1" dirty="0" err="1">
                 <a:solidFill>
                   <a:srgbClr val="660033"/>
                 </a:solidFill>
@@ -9020,7 +8861,7 @@
               <a:t>Cầu</a:t>
             </a:r>
             <a:r>
-              <a:rPr lang="en-US" altLang="zh-CN" sz="3600" b="1" dirty="0">
+              <a:rPr lang="en-US" altLang="zh-CN" sz="3200" b="1" dirty="0">
                 <a:solidFill>
                   <a:srgbClr val="660033"/>
                 </a:solidFill>
@@ -9031,7 +8872,7 @@
               <a:t> </a:t>
             </a:r>
             <a:r>
-              <a:rPr lang="en-US" altLang="zh-CN" sz="3600" b="1" dirty="0" err="1">
+              <a:rPr lang="en-US" altLang="zh-CN" sz="3200" b="1" dirty="0" err="1">
                 <a:solidFill>
                   <a:srgbClr val="660033"/>
                 </a:solidFill>
@@ -9042,7 +8883,7 @@
               <a:t>nguyện</a:t>
             </a:r>
             <a:r>
-              <a:rPr lang="en-US" altLang="zh-CN" sz="3600" b="1" dirty="0">
+              <a:rPr lang="en-US" altLang="zh-CN" sz="3200" b="1" dirty="0">
                 <a:solidFill>
                   <a:srgbClr val="660033"/>
                 </a:solidFill>
@@ -9053,7 +8894,7 @@
               <a:t> </a:t>
             </a:r>
             <a:r>
-              <a:rPr lang="en-US" altLang="zh-CN" sz="3600" b="1" dirty="0" err="1">
+              <a:rPr lang="en-US" altLang="zh-CN" sz="3200" b="1" dirty="0" err="1">
                 <a:solidFill>
                   <a:srgbClr val="660033"/>
                 </a:solidFill>
@@ -9063,7 +8904,7 @@
               </a:rPr>
               <a:t>chung</a:t>
             </a:r>
-            <a:endParaRPr lang="zh-TW" altLang="en-US" sz="3600" b="1" dirty="0">
+            <a:endParaRPr lang="zh-TW" altLang="en-US" sz="3200" b="1" dirty="0">
               <a:solidFill>
                 <a:srgbClr val="660033"/>
               </a:solidFill>
@@ -9100,7 +8941,7 @@
               <a:buNone/>
             </a:pPr>
             <a:r>
-              <a:rPr lang="zh-CN" altLang="en-US" sz="4800" b="1" dirty="0">
+              <a:rPr lang="zh-CN" altLang="en-US" sz="4400" b="1" dirty="0">
                 <a:solidFill>
                   <a:srgbClr val="000066"/>
                 </a:solidFill>
@@ -9116,7 +8957,7 @@
               </a:rPr>
               <a:t>我們日用的飲食</a:t>
             </a:r>
-            <a:endParaRPr lang="en-US" altLang="zh-CN" sz="4800" b="1" dirty="0">
+            <a:endParaRPr lang="en-US" altLang="zh-CN" sz="4400" b="1" dirty="0">
               <a:solidFill>
                 <a:srgbClr val="000066"/>
               </a:solidFill>
@@ -9136,7 +8977,7 @@
               <a:buNone/>
             </a:pPr>
             <a:r>
-              <a:rPr lang="zh-CN" altLang="en-US" sz="4800" b="1" dirty="0">
+              <a:rPr lang="zh-CN" altLang="en-US" sz="4400" b="1" dirty="0">
                 <a:solidFill>
                   <a:srgbClr val="000066"/>
                 </a:solidFill>
@@ -9152,7 +8993,7 @@
               </a:rPr>
               <a:t>今日賜給我們</a:t>
             </a:r>
-            <a:endParaRPr lang="en-US" altLang="zh-CN" sz="4800" b="1" dirty="0">
+            <a:endParaRPr lang="en-US" altLang="zh-CN" sz="4400" b="1" dirty="0">
               <a:solidFill>
                 <a:srgbClr val="000066"/>
               </a:solidFill>
@@ -9332,7 +9173,7 @@
               <a:buNone/>
             </a:pPr>
             <a:r>
-              <a:rPr lang="vi-VN" sz="3600" b="1" dirty="0">
+              <a:rPr lang="vi-VN" b="1" dirty="0">
                 <a:solidFill>
                   <a:srgbClr val="660033"/>
                 </a:solidFill>
@@ -9348,7 +9189,7 @@
               </a:rPr>
               <a:t>Xin cho chúng con hôm nay </a:t>
             </a:r>
-            <a:endParaRPr lang="en-US" sz="3600" b="1" dirty="0">
+            <a:endParaRPr lang="en-US" b="1" dirty="0">
               <a:solidFill>
                 <a:srgbClr val="660033"/>
               </a:solidFill>
@@ -9368,7 +9209,7 @@
               <a:buNone/>
             </a:pPr>
             <a:r>
-              <a:rPr lang="vi-VN" sz="3600" b="1" dirty="0">
+              <a:rPr lang="vi-VN" b="1" dirty="0">
                 <a:solidFill>
                   <a:srgbClr val="660033"/>
                 </a:solidFill>
@@ -9447,7 +9288,7 @@
           <a:lstStyle/>
           <a:p>
             <a:r>
-              <a:rPr lang="zh-CN" altLang="en-US" sz="4000" b="1" dirty="0" smtClean="0">
+              <a:rPr lang="zh-CN" altLang="en-US" sz="3600" b="1" dirty="0" smtClean="0">
                 <a:solidFill>
                   <a:srgbClr val="000066"/>
                 </a:solidFill>
@@ -9457,7 +9298,7 @@
               <a:t>公禱文 </a:t>
             </a:r>
             <a:r>
-              <a:rPr lang="en-US" altLang="zh-CN" sz="3600" b="1" dirty="0" err="1">
+              <a:rPr lang="en-US" altLang="zh-CN" sz="3200" b="1" dirty="0" err="1">
                 <a:solidFill>
                   <a:srgbClr val="660033"/>
                 </a:solidFill>
@@ -9468,7 +9309,7 @@
               <a:t>Cầu</a:t>
             </a:r>
             <a:r>
-              <a:rPr lang="en-US" altLang="zh-CN" sz="3600" b="1" dirty="0">
+              <a:rPr lang="en-US" altLang="zh-CN" sz="3200" b="1" dirty="0">
                 <a:solidFill>
                   <a:srgbClr val="660033"/>
                 </a:solidFill>
@@ -9479,7 +9320,7 @@
               <a:t> </a:t>
             </a:r>
             <a:r>
-              <a:rPr lang="en-US" altLang="zh-CN" sz="3600" b="1" dirty="0" err="1">
+              <a:rPr lang="en-US" altLang="zh-CN" sz="3200" b="1" dirty="0" err="1">
                 <a:solidFill>
                   <a:srgbClr val="660033"/>
                 </a:solidFill>
@@ -9490,7 +9331,7 @@
               <a:t>nguyện</a:t>
             </a:r>
             <a:r>
-              <a:rPr lang="en-US" altLang="zh-CN" sz="3600" b="1" dirty="0">
+              <a:rPr lang="en-US" altLang="zh-CN" sz="3200" b="1" dirty="0">
                 <a:solidFill>
                   <a:srgbClr val="660033"/>
                 </a:solidFill>
@@ -9501,7 +9342,7 @@
               <a:t> </a:t>
             </a:r>
             <a:r>
-              <a:rPr lang="en-US" altLang="zh-CN" sz="3600" b="1" dirty="0" err="1">
+              <a:rPr lang="en-US" altLang="zh-CN" sz="3200" b="1" dirty="0" err="1">
                 <a:solidFill>
                   <a:srgbClr val="660033"/>
                 </a:solidFill>
@@ -9511,7 +9352,7 @@
               </a:rPr>
               <a:t>chung</a:t>
             </a:r>
-            <a:endParaRPr lang="zh-TW" altLang="en-US" sz="3600" b="1" dirty="0">
+            <a:endParaRPr lang="zh-TW" altLang="en-US" sz="3200" b="1" dirty="0">
               <a:solidFill>
                 <a:srgbClr val="660033"/>
               </a:solidFill>
@@ -9548,7 +9389,7 @@
               <a:buNone/>
             </a:pPr>
             <a:r>
-              <a:rPr lang="zh-CN" altLang="en-US" sz="4800" b="1" dirty="0">
+              <a:rPr lang="zh-CN" altLang="en-US" sz="4400" b="1" dirty="0">
                 <a:solidFill>
                   <a:srgbClr val="000066"/>
                 </a:solidFill>
@@ -9564,7 +9405,7 @@
               </a:rPr>
               <a:t>免我們的債</a:t>
             </a:r>
-            <a:endParaRPr lang="en-US" altLang="zh-CN" sz="4800" b="1" dirty="0">
+            <a:endParaRPr lang="en-US" altLang="zh-CN" sz="4400" b="1" dirty="0">
               <a:solidFill>
                 <a:srgbClr val="000066"/>
               </a:solidFill>
@@ -9584,7 +9425,7 @@
               <a:buNone/>
             </a:pPr>
             <a:r>
-              <a:rPr lang="zh-CN" altLang="en-US" sz="4800" b="1" dirty="0">
+              <a:rPr lang="zh-CN" altLang="en-US" sz="4400" b="1" dirty="0">
                 <a:solidFill>
                   <a:srgbClr val="000066"/>
                 </a:solidFill>
@@ -9600,7 +9441,7 @@
               </a:rPr>
               <a:t>如同我們免了人的債</a:t>
             </a:r>
-            <a:endParaRPr lang="zh-TW" altLang="en-US" sz="4800" b="1" dirty="0">
+            <a:endParaRPr lang="zh-TW" altLang="en-US" sz="4400" b="1" dirty="0">
               <a:solidFill>
                 <a:srgbClr val="000066"/>
               </a:solidFill>
@@ -9780,7 +9621,7 @@
               <a:buNone/>
             </a:pPr>
             <a:r>
-              <a:rPr lang="vi-VN" sz="3600" b="1" dirty="0">
+              <a:rPr lang="vi-VN" b="1" dirty="0">
                 <a:solidFill>
                   <a:srgbClr val="660033"/>
                 </a:solidFill>
@@ -9859,7 +9700,7 @@
           <a:lstStyle/>
           <a:p>
             <a:r>
-              <a:rPr lang="zh-CN" altLang="en-US" sz="4000" b="1" dirty="0" smtClean="0">
+              <a:rPr lang="zh-CN" altLang="en-US" sz="3600" b="1" dirty="0" smtClean="0">
                 <a:solidFill>
                   <a:srgbClr val="000066"/>
                 </a:solidFill>
@@ -9869,7 +9710,7 @@
               <a:t>公禱文 </a:t>
             </a:r>
             <a:r>
-              <a:rPr lang="en-US" altLang="zh-CN" sz="3600" b="1" dirty="0" err="1">
+              <a:rPr lang="en-US" altLang="zh-CN" sz="3200" b="1" dirty="0" err="1">
                 <a:solidFill>
                   <a:srgbClr val="660033"/>
                 </a:solidFill>
@@ -9880,7 +9721,7 @@
               <a:t>Cầu</a:t>
             </a:r>
             <a:r>
-              <a:rPr lang="en-US" altLang="zh-CN" sz="3600" b="1" dirty="0">
+              <a:rPr lang="en-US" altLang="zh-CN" sz="3200" b="1" dirty="0">
                 <a:solidFill>
                   <a:srgbClr val="660033"/>
                 </a:solidFill>
@@ -9891,7 +9732,7 @@
               <a:t> </a:t>
             </a:r>
             <a:r>
-              <a:rPr lang="en-US" altLang="zh-CN" sz="3600" b="1" dirty="0" err="1">
+              <a:rPr lang="en-US" altLang="zh-CN" sz="3200" b="1" dirty="0" err="1">
                 <a:solidFill>
                   <a:srgbClr val="660033"/>
                 </a:solidFill>
@@ -9902,7 +9743,7 @@
               <a:t>nguyện</a:t>
             </a:r>
             <a:r>
-              <a:rPr lang="en-US" altLang="zh-CN" sz="3600" b="1" dirty="0">
+              <a:rPr lang="en-US" altLang="zh-CN" sz="3200" b="1" dirty="0">
                 <a:solidFill>
                   <a:srgbClr val="660033"/>
                 </a:solidFill>
@@ -9913,7 +9754,7 @@
               <a:t> </a:t>
             </a:r>
             <a:r>
-              <a:rPr lang="en-US" altLang="zh-CN" sz="3600" b="1" dirty="0" err="1">
+              <a:rPr lang="en-US" altLang="zh-CN" sz="3200" b="1" dirty="0" err="1">
                 <a:solidFill>
                   <a:srgbClr val="660033"/>
                 </a:solidFill>
@@ -9923,7 +9764,7 @@
               </a:rPr>
               <a:t>chung</a:t>
             </a:r>
-            <a:endParaRPr lang="zh-TW" altLang="en-US" sz="3600" b="1" dirty="0">
+            <a:endParaRPr lang="zh-TW" altLang="en-US" sz="3200" b="1" dirty="0">
               <a:solidFill>
                 <a:srgbClr val="660033"/>
               </a:solidFill>
@@ -9960,7 +9801,7 @@
               <a:buNone/>
             </a:pPr>
             <a:r>
-              <a:rPr lang="zh-CN" altLang="en-US" sz="4800" b="1" dirty="0">
+              <a:rPr lang="zh-CN" altLang="en-US" sz="4400" b="1" dirty="0">
                 <a:solidFill>
                   <a:srgbClr val="000066"/>
                 </a:solidFill>
@@ -9976,7 +9817,7 @@
               </a:rPr>
               <a:t>不叫我們遇見試探</a:t>
             </a:r>
-            <a:endParaRPr lang="en-US" altLang="zh-CN" sz="4800" b="1" dirty="0">
+            <a:endParaRPr lang="en-US" altLang="zh-CN" sz="4400" b="1" dirty="0">
               <a:solidFill>
                 <a:srgbClr val="000066"/>
               </a:solidFill>
@@ -9996,7 +9837,7 @@
               <a:buNone/>
             </a:pPr>
             <a:r>
-              <a:rPr lang="zh-CN" altLang="en-US" sz="4800" b="1" dirty="0">
+              <a:rPr lang="zh-CN" altLang="en-US" sz="4400" b="1" dirty="0">
                 <a:solidFill>
                   <a:srgbClr val="000066"/>
                 </a:solidFill>
@@ -10012,7 +9853,7 @@
               </a:rPr>
               <a:t>救我們脫離兇惡</a:t>
             </a:r>
-            <a:endParaRPr lang="en-US" altLang="zh-CN" sz="4800" b="1" dirty="0">
+            <a:endParaRPr lang="en-US" altLang="zh-CN" sz="4400" b="1" dirty="0">
               <a:solidFill>
                 <a:srgbClr val="000066"/>
               </a:solidFill>
@@ -10192,7 +10033,7 @@
               <a:buNone/>
             </a:pPr>
             <a:r>
-              <a:rPr lang="vi-VN" sz="3600" b="1" dirty="0">
+              <a:rPr lang="vi-VN" b="1" dirty="0">
                 <a:solidFill>
                   <a:srgbClr val="660033"/>
                 </a:solidFill>
@@ -10208,7 +10049,7 @@
               </a:rPr>
               <a:t>Xin chớ để chúng con bị cám dỗ </a:t>
             </a:r>
-            <a:endParaRPr lang="en-US" sz="3600" b="1" dirty="0">
+            <a:endParaRPr lang="en-US" b="1" dirty="0">
               <a:solidFill>
                 <a:srgbClr val="660033"/>
               </a:solidFill>
@@ -10228,7 +10069,7 @@
               <a:buNone/>
             </a:pPr>
             <a:r>
-              <a:rPr lang="vi-VN" sz="3600" b="1" dirty="0">
+              <a:rPr lang="vi-VN" b="1" dirty="0">
                 <a:solidFill>
                   <a:srgbClr val="660033"/>
                 </a:solidFill>
@@ -10307,7 +10148,7 @@
           <a:lstStyle/>
           <a:p>
             <a:r>
-              <a:rPr lang="zh-CN" altLang="en-US" sz="4000" b="1" dirty="0" smtClean="0">
+              <a:rPr lang="zh-CN" altLang="en-US" sz="3600" b="1" dirty="0" smtClean="0">
                 <a:solidFill>
                   <a:srgbClr val="000066"/>
                 </a:solidFill>
@@ -10317,7 +10158,7 @@
               <a:t>公禱文 </a:t>
             </a:r>
             <a:r>
-              <a:rPr lang="en-US" altLang="zh-CN" sz="3600" b="1" dirty="0" err="1">
+              <a:rPr lang="en-US" altLang="zh-CN" sz="3200" b="1" dirty="0" err="1">
                 <a:solidFill>
                   <a:srgbClr val="660033"/>
                 </a:solidFill>
@@ -10328,7 +10169,7 @@
               <a:t>Cầu</a:t>
             </a:r>
             <a:r>
-              <a:rPr lang="en-US" altLang="zh-CN" sz="3600" b="1" dirty="0">
+              <a:rPr lang="en-US" altLang="zh-CN" sz="3200" b="1" dirty="0">
                 <a:solidFill>
                   <a:srgbClr val="660033"/>
                 </a:solidFill>
@@ -10339,7 +10180,7 @@
               <a:t> </a:t>
             </a:r>
             <a:r>
-              <a:rPr lang="en-US" altLang="zh-CN" sz="3600" b="1" dirty="0" err="1">
+              <a:rPr lang="en-US" altLang="zh-CN" sz="3200" b="1" dirty="0" err="1">
                 <a:solidFill>
                   <a:srgbClr val="660033"/>
                 </a:solidFill>
@@ -10350,7 +10191,7 @@
               <a:t>nguyện</a:t>
             </a:r>
             <a:r>
-              <a:rPr lang="en-US" altLang="zh-CN" sz="3600" b="1" dirty="0">
+              <a:rPr lang="en-US" altLang="zh-CN" sz="3200" b="1" dirty="0">
                 <a:solidFill>
                   <a:srgbClr val="660033"/>
                 </a:solidFill>
@@ -10361,7 +10202,7 @@
               <a:t> </a:t>
             </a:r>
             <a:r>
-              <a:rPr lang="en-US" altLang="zh-CN" sz="3600" b="1" dirty="0" err="1">
+              <a:rPr lang="en-US" altLang="zh-CN" sz="3200" b="1" dirty="0" err="1">
                 <a:solidFill>
                   <a:srgbClr val="660033"/>
                 </a:solidFill>
@@ -10371,7 +10212,7 @@
               </a:rPr>
               <a:t>chung</a:t>
             </a:r>
-            <a:endParaRPr lang="zh-TW" altLang="en-US" sz="3600" b="1" dirty="0">
+            <a:endParaRPr lang="zh-TW" altLang="en-US" sz="3200" b="1" dirty="0">
               <a:solidFill>
                 <a:srgbClr val="660033"/>
               </a:solidFill>
@@ -10408,7 +10249,7 @@
               <a:buNone/>
             </a:pPr>
             <a:r>
-              <a:rPr lang="zh-CN" altLang="en-US" sz="4800" b="1" dirty="0">
+              <a:rPr lang="zh-CN" altLang="en-US" sz="4400" b="1" dirty="0">
                 <a:solidFill>
                   <a:srgbClr val="000066"/>
                 </a:solidFill>
@@ -10424,7 +10265,7 @@
               </a:rPr>
               <a:t>因為國度 權柄 榮耀</a:t>
             </a:r>
-            <a:endParaRPr lang="en-US" altLang="zh-CN" sz="4800" b="1" dirty="0">
+            <a:endParaRPr lang="en-US" altLang="zh-CN" sz="4400" b="1" dirty="0">
               <a:solidFill>
                 <a:srgbClr val="000066"/>
               </a:solidFill>
@@ -10444,7 +10285,7 @@
               <a:buNone/>
             </a:pPr>
             <a:r>
-              <a:rPr lang="zh-CN" altLang="en-US" sz="4800" b="1" dirty="0">
+              <a:rPr lang="zh-CN" altLang="en-US" sz="4400" b="1" dirty="0">
                 <a:solidFill>
                   <a:srgbClr val="000066"/>
                 </a:solidFill>
@@ -10461,7 +10302,7 @@
               <a:t>全是父的 直到永遠</a:t>
             </a:r>
             <a:r>
-              <a:rPr lang="en-US" altLang="zh-CN" sz="4800" b="1" dirty="0">
+              <a:rPr lang="en-US" altLang="zh-CN" sz="4400" b="1" dirty="0">
                 <a:solidFill>
                   <a:srgbClr val="000066"/>
                 </a:solidFill>
@@ -10478,7 +10319,7 @@
               <a:t>  </a:t>
             </a:r>
             <a:r>
-              <a:rPr lang="zh-CN" altLang="en-US" sz="4800" b="1" dirty="0">
+              <a:rPr lang="zh-CN" altLang="en-US" sz="4400" b="1" dirty="0">
                 <a:solidFill>
                   <a:srgbClr val="000066"/>
                 </a:solidFill>
@@ -10494,7 +10335,7 @@
               </a:rPr>
               <a:t>阿門</a:t>
             </a:r>
-            <a:endParaRPr lang="zh-TW" altLang="en-US" sz="4800" b="1" dirty="0">
+            <a:endParaRPr lang="zh-TW" altLang="en-US" sz="4400" b="1" dirty="0">
               <a:solidFill>
                 <a:srgbClr val="000066"/>
               </a:solidFill>
@@ -10674,7 +10515,7 @@
               <a:buNone/>
             </a:pPr>
             <a:r>
-              <a:rPr lang="vi-VN" sz="3600" b="1" dirty="0">
+              <a:rPr lang="vi-VN" b="1" dirty="0">
                 <a:solidFill>
                   <a:srgbClr val="660033"/>
                 </a:solidFill>
@@ -10690,7 +10531,7 @@
               </a:rPr>
               <a:t>Vì nước, quyền, vinh hiển </a:t>
             </a:r>
-            <a:endParaRPr lang="en-US" sz="3600" b="1" dirty="0">
+            <a:endParaRPr lang="en-US" b="1" dirty="0">
               <a:solidFill>
                 <a:srgbClr val="660033"/>
               </a:solidFill>
@@ -10710,7 +10551,7 @@
               <a:buNone/>
             </a:pPr>
             <a:r>
-              <a:rPr lang="vi-VN" sz="3600" b="1" dirty="0">
+              <a:rPr lang="vi-VN" b="1" dirty="0">
                 <a:solidFill>
                   <a:srgbClr val="660033"/>
                 </a:solidFill>
@@ -10726,7 +10567,7 @@
               </a:rPr>
               <a:t>đều thuộc về Cha đời đời</a:t>
             </a:r>
-            <a:endParaRPr lang="en-US" sz="3600" b="1" dirty="0">
+            <a:endParaRPr lang="en-US" b="1" dirty="0">
               <a:solidFill>
                 <a:srgbClr val="660033"/>
               </a:solidFill>
@@ -10746,7 +10587,7 @@
               <a:buNone/>
             </a:pPr>
             <a:r>
-              <a:rPr lang="vi-VN" sz="3600" b="1" dirty="0">
+              <a:rPr lang="vi-VN" b="1" dirty="0">
                 <a:solidFill>
                   <a:srgbClr val="660033"/>
                 </a:solidFill>
@@ -12934,7 +12775,7 @@
             <a:r>
               <a:rPr lang="zh-CN" altLang="en-US" sz="8000" b="1" dirty="0" smtClean="0">
                 <a:solidFill>
-                  <a:srgbClr val="800000"/>
+                  <a:srgbClr val="660033"/>
                 </a:solidFill>
                 <a:effectLst>
                   <a:outerShdw blurRad="38100" dist="38100" dir="2700000" algn="tl">
@@ -12950,7 +12791,7 @@
             </a:r>
             <a:endParaRPr lang="en-US" sz="8000" b="1" dirty="0">
               <a:solidFill>
-                <a:srgbClr val="800000"/>
+                <a:srgbClr val="660033"/>
               </a:solidFill>
               <a:effectLst>
                 <a:outerShdw blurRad="38100" dist="38100" dir="2700000" algn="tl">
@@ -13199,7 +13040,7 @@
             <a:r>
               <a:rPr lang="zh-TW" altLang="en-US" sz="4000" dirty="0" smtClean="0">
                 <a:solidFill>
-                  <a:srgbClr val="800000"/>
+                  <a:srgbClr val="660033"/>
                 </a:solidFill>
                 <a:latin typeface="微軟正黑體" pitchFamily="34" charset="-120"/>
                 <a:ea typeface="微軟正黑體" pitchFamily="34" charset="-120"/>
@@ -13208,7 +13049,7 @@
             </a:r>
             <a:endParaRPr lang="en-US" altLang="zh-TW" sz="4000" dirty="0" smtClean="0">
               <a:solidFill>
-                <a:srgbClr val="800000"/>
+                <a:srgbClr val="660033"/>
               </a:solidFill>
               <a:latin typeface="微軟正黑體" pitchFamily="34" charset="-120"/>
               <a:ea typeface="微軟正黑體" pitchFamily="34" charset="-120"/>

--- a/聯合崇拜流程.pptx
+++ b/聯合崇拜流程.pptx
@@ -5,39 +5,40 @@
     <p:sldMasterId id="2147483749" r:id="rId1"/>
   </p:sldMasterIdLst>
   <p:notesMasterIdLst>
-    <p:notesMasterId r:id="rId32"/>
+    <p:notesMasterId r:id="rId33"/>
   </p:notesMasterIdLst>
   <p:sldIdLst>
     <p:sldId id="322" r:id="rId2"/>
     <p:sldId id="509" r:id="rId3"/>
     <p:sldId id="510" r:id="rId4"/>
-    <p:sldId id="259" r:id="rId5"/>
-    <p:sldId id="508" r:id="rId6"/>
-    <p:sldId id="260" r:id="rId7"/>
-    <p:sldId id="538" r:id="rId8"/>
-    <p:sldId id="545" r:id="rId9"/>
-    <p:sldId id="555" r:id="rId10"/>
-    <p:sldId id="556" r:id="rId11"/>
-    <p:sldId id="281" r:id="rId12"/>
-    <p:sldId id="563" r:id="rId13"/>
-    <p:sldId id="282" r:id="rId14"/>
-    <p:sldId id="564" r:id="rId15"/>
-    <p:sldId id="565" r:id="rId16"/>
-    <p:sldId id="566" r:id="rId17"/>
-    <p:sldId id="567" r:id="rId18"/>
-    <p:sldId id="272" r:id="rId19"/>
-    <p:sldId id="568" r:id="rId20"/>
-    <p:sldId id="569" r:id="rId21"/>
-    <p:sldId id="570" r:id="rId22"/>
-    <p:sldId id="571" r:id="rId23"/>
-    <p:sldId id="572" r:id="rId24"/>
-    <p:sldId id="573" r:id="rId25"/>
-    <p:sldId id="574" r:id="rId26"/>
-    <p:sldId id="270" r:id="rId27"/>
-    <p:sldId id="291" r:id="rId28"/>
-    <p:sldId id="286" r:id="rId29"/>
-    <p:sldId id="287" r:id="rId30"/>
-    <p:sldId id="288" r:id="rId31"/>
+    <p:sldId id="576" r:id="rId5"/>
+    <p:sldId id="259" r:id="rId6"/>
+    <p:sldId id="508" r:id="rId7"/>
+    <p:sldId id="260" r:id="rId8"/>
+    <p:sldId id="538" r:id="rId9"/>
+    <p:sldId id="545" r:id="rId10"/>
+    <p:sldId id="555" r:id="rId11"/>
+    <p:sldId id="556" r:id="rId12"/>
+    <p:sldId id="281" r:id="rId13"/>
+    <p:sldId id="563" r:id="rId14"/>
+    <p:sldId id="282" r:id="rId15"/>
+    <p:sldId id="564" r:id="rId16"/>
+    <p:sldId id="565" r:id="rId17"/>
+    <p:sldId id="566" r:id="rId18"/>
+    <p:sldId id="567" r:id="rId19"/>
+    <p:sldId id="272" r:id="rId20"/>
+    <p:sldId id="568" r:id="rId21"/>
+    <p:sldId id="569" r:id="rId22"/>
+    <p:sldId id="570" r:id="rId23"/>
+    <p:sldId id="571" r:id="rId24"/>
+    <p:sldId id="572" r:id="rId25"/>
+    <p:sldId id="573" r:id="rId26"/>
+    <p:sldId id="574" r:id="rId27"/>
+    <p:sldId id="270" r:id="rId28"/>
+    <p:sldId id="291" r:id="rId29"/>
+    <p:sldId id="286" r:id="rId30"/>
+    <p:sldId id="287" r:id="rId31"/>
+    <p:sldId id="288" r:id="rId32"/>
   </p:sldIdLst>
   <p:sldSz cx="9144000" cy="5143500" type="screen16x9"/>
   <p:notesSz cx="6858000" cy="9144000"/>
@@ -848,7 +849,7 @@
             <a:fld id="{B580EBF6-10F3-448A-BB9E-552AD095990F}" type="slidenum">
               <a:rPr lang="zh-TW" altLang="en-US" smtClean="0"/>
               <a:pPr/>
-              <a:t>4</a:t>
+              <a:t>5</a:t>
             </a:fld>
             <a:endParaRPr lang="zh-TW" altLang="en-US"/>
           </a:p>
@@ -935,7 +936,7 @@
             <a:fld id="{B580EBF6-10F3-448A-BB9E-552AD095990F}" type="slidenum">
               <a:rPr lang="zh-TW" altLang="en-US" smtClean="0"/>
               <a:pPr/>
-              <a:t>13</a:t>
+              <a:t>14</a:t>
             </a:fld>
             <a:endParaRPr lang="zh-TW" altLang="en-US"/>
           </a:p>
@@ -1027,7 +1028,7 @@
             <a:fld id="{B580EBF6-10F3-448A-BB9E-552AD095990F}" type="slidenum">
               <a:rPr lang="zh-TW" altLang="en-US" smtClean="0"/>
               <a:pPr/>
-              <a:t>14</a:t>
+              <a:t>15</a:t>
             </a:fld>
             <a:endParaRPr lang="zh-TW" altLang="en-US"/>
           </a:p>
@@ -1114,7 +1115,7 @@
             <a:fld id="{B580EBF6-10F3-448A-BB9E-552AD095990F}" type="slidenum">
               <a:rPr lang="zh-TW" altLang="en-US" smtClean="0"/>
               <a:pPr/>
-              <a:t>15</a:t>
+              <a:t>16</a:t>
             </a:fld>
             <a:endParaRPr lang="zh-TW" altLang="en-US"/>
           </a:p>
@@ -1201,7 +1202,7 @@
             <a:fld id="{B580EBF6-10F3-448A-BB9E-552AD095990F}" type="slidenum">
               <a:rPr lang="zh-TW" altLang="en-US" smtClean="0"/>
               <a:pPr/>
-              <a:t>16</a:t>
+              <a:t>17</a:t>
             </a:fld>
             <a:endParaRPr lang="zh-TW" altLang="en-US"/>
           </a:p>
@@ -1288,7 +1289,7 @@
             <a:fld id="{B580EBF6-10F3-448A-BB9E-552AD095990F}" type="slidenum">
               <a:rPr lang="zh-TW" altLang="en-US" smtClean="0"/>
               <a:pPr/>
-              <a:t>17</a:t>
+              <a:t>18</a:t>
             </a:fld>
             <a:endParaRPr lang="zh-TW" altLang="en-US"/>
           </a:p>
@@ -4546,7 +4547,7 @@
         </p:nvSpPr>
         <p:spPr>
           <a:xfrm>
-            <a:off x="0" y="1923678"/>
+            <a:off x="0" y="1851670"/>
             <a:ext cx="9144000" cy="628650"/>
           </a:xfrm>
         </p:spPr>
@@ -4559,7 +4560,7 @@
             <a:r>
               <a:rPr lang="zh-TW" altLang="en-US" sz="6000" b="1" dirty="0">
                 <a:solidFill>
-                  <a:srgbClr val="000066"/>
+                  <a:srgbClr val="660033"/>
                 </a:solidFill>
                 <a:effectLst>
                   <a:outerShdw blurRad="38100" dist="38100" dir="2700000" algn="tl">
@@ -4571,12 +4572,12 @@
                 <a:latin typeface="微軟正黑體" pitchFamily="34" charset="-120"/>
                 <a:ea typeface="微軟正黑體" pitchFamily="34" charset="-120"/>
               </a:rPr>
-              <a:t>雅各</a:t>
+              <a:t>以撒</a:t>
             </a:r>
             <a:r>
               <a:rPr lang="zh-CN" altLang="en-US" sz="6000" b="1" dirty="0">
                 <a:solidFill>
-                  <a:srgbClr val="000066"/>
+                  <a:srgbClr val="660033"/>
                 </a:solidFill>
                 <a:effectLst>
                   <a:outerShdw blurRad="38100" dist="38100" dir="2700000" algn="tl">
@@ -4592,7 +4593,7 @@
             </a:r>
             <a:endParaRPr lang="zh-TW" altLang="en-US" sz="6000" b="1" dirty="0">
               <a:solidFill>
-                <a:srgbClr val="000066"/>
+                <a:srgbClr val="660033"/>
               </a:solidFill>
               <a:effectLst>
                 <a:outerShdw blurRad="38100" dist="38100" dir="2700000" algn="tl">
@@ -4617,7 +4618,7 @@
         </p:nvSpPr>
         <p:spPr>
           <a:xfrm>
-            <a:off x="0" y="2643758"/>
+            <a:off x="585" y="2571750"/>
             <a:ext cx="9144000" cy="628650"/>
           </a:xfrm>
           <a:prstGeom prst="rect">
@@ -4648,7 +4649,7 @@
             <a:r>
               <a:rPr lang="en-US" altLang="zh-TW" sz="3600" b="1" dirty="0">
                 <a:solidFill>
-                  <a:srgbClr val="660033"/>
+                  <a:srgbClr val="000066"/>
                 </a:solidFill>
                 <a:effectLst>
                   <a:outerShdw blurRad="38100" dist="38100" dir="2700000" algn="tl">
@@ -4666,7 +4667,7 @@
             <a:r>
               <a:rPr lang="en-US" altLang="zh-TW" sz="3600" b="1" dirty="0" err="1">
                 <a:solidFill>
-                  <a:srgbClr val="660033"/>
+                  <a:srgbClr val="000066"/>
                 </a:solidFill>
                 <a:effectLst>
                   <a:outerShdw blurRad="38100" dist="38100" dir="2700000" algn="tl">
@@ -4684,7 +4685,7 @@
             <a:r>
               <a:rPr lang="en-US" altLang="zh-TW" sz="3600" b="1" dirty="0">
                 <a:solidFill>
-                  <a:srgbClr val="660033"/>
+                  <a:srgbClr val="000066"/>
                 </a:solidFill>
                 <a:effectLst>
                   <a:outerShdw blurRad="38100" dist="38100" dir="2700000" algn="tl">
@@ -4697,12 +4698,12 @@
                 <a:ea typeface="微軟正黑體" pitchFamily="34" charset="-120"/>
                 <a:cs typeface="Arial" panose="020B0604020202020204" pitchFamily="34" charset="0"/>
               </a:rPr>
-              <a:t> </a:t>
+              <a:t> Y-</a:t>
             </a:r>
             <a:r>
               <a:rPr lang="en-US" altLang="zh-TW" sz="3600" b="1" dirty="0" err="1">
                 <a:solidFill>
-                  <a:srgbClr val="660033"/>
+                  <a:srgbClr val="000066"/>
                 </a:solidFill>
                 <a:effectLst>
                   <a:outerShdw blurRad="38100" dist="38100" dir="2700000" algn="tl">
@@ -4715,11 +4716,11 @@
                 <a:ea typeface="微軟正黑體" pitchFamily="34" charset="-120"/>
                 <a:cs typeface="Arial" panose="020B0604020202020204" pitchFamily="34" charset="0"/>
               </a:rPr>
-              <a:t>Gia-cốp</a:t>
+              <a:t>sác</a:t>
             </a:r>
             <a:endParaRPr lang="zh-TW" altLang="en-US" sz="3600" b="1" dirty="0">
               <a:solidFill>
-                <a:srgbClr val="660033"/>
+                <a:srgbClr val="000066"/>
               </a:solidFill>
               <a:effectLst>
                 <a:outerShdw blurRad="38100" dist="38100" dir="2700000" algn="tl">
@@ -4738,7 +4739,7 @@
     </p:spTree>
     <p:extLst>
       <p:ext uri="{BB962C8B-B14F-4D97-AF65-F5344CB8AC3E}">
-        <p14:creationId xmlns:p14="http://schemas.microsoft.com/office/powerpoint/2010/main" val="2608263739"/>
+        <p14:creationId xmlns:p14="http://schemas.microsoft.com/office/powerpoint/2010/main" val="2843004150"/>
       </p:ext>
     </p:extLst>
   </p:cSld>
@@ -4784,7 +4785,7 @@
         </p:nvSpPr>
         <p:spPr>
           <a:xfrm>
-            <a:off x="0" y="1563638"/>
+            <a:off x="0" y="1923678"/>
             <a:ext cx="9144000" cy="628650"/>
           </a:xfrm>
         </p:spPr>
@@ -4795,7 +4796,7 @@
           <a:lstStyle/>
           <a:p>
             <a:r>
-              <a:rPr lang="zh-CN" altLang="en-US" sz="8000" b="1" dirty="0" smtClean="0">
+              <a:rPr lang="zh-TW" altLang="en-US" sz="6000" b="1" dirty="0">
                 <a:solidFill>
                   <a:srgbClr val="000066"/>
                 </a:solidFill>
@@ -4809,10 +4810,10 @@
                 <a:latin typeface="微軟正黑體" pitchFamily="34" charset="-120"/>
                 <a:ea typeface="微軟正黑體" pitchFamily="34" charset="-120"/>
               </a:rPr>
-              <a:t>恭讀經訓</a:t>
-            </a:r>
-            <a:r>
-              <a:rPr lang="en-US" altLang="zh-CN" sz="8000" b="1" dirty="0" smtClean="0">
+              <a:t>雅各</a:t>
+            </a:r>
+            <a:r>
+              <a:rPr lang="zh-CN" altLang="en-US" sz="6000" b="1" dirty="0">
                 <a:solidFill>
                   <a:srgbClr val="000066"/>
                 </a:solidFill>
@@ -4826,42 +4827,11 @@
                 <a:latin typeface="微軟正黑體" pitchFamily="34" charset="-120"/>
                 <a:ea typeface="微軟正黑體" pitchFamily="34" charset="-120"/>
               </a:rPr>
-              <a:t/>
-            </a:r>
-            <a:br>
-              <a:rPr lang="en-US" altLang="zh-CN" sz="8000" b="1" dirty="0" smtClean="0">
-                <a:solidFill>
-                  <a:srgbClr val="000066"/>
-                </a:solidFill>
-                <a:effectLst>
-                  <a:outerShdw blurRad="38100" dist="38100" dir="2700000" algn="tl">
-                    <a:srgbClr val="000000">
-                      <a:alpha val="43137"/>
-                    </a:srgbClr>
-                  </a:outerShdw>
-                </a:effectLst>
-                <a:latin typeface="微軟正黑體" pitchFamily="34" charset="-120"/>
-                <a:ea typeface="微軟正黑體" pitchFamily="34" charset="-120"/>
-              </a:rPr>
-            </a:br>
-            <a:r>
-              <a:rPr lang="vi-VN" sz="6000" b="1" dirty="0">
-                <a:solidFill>
-                  <a:srgbClr val="660033"/>
-                </a:solidFill>
-                <a:effectLst>
-                  <a:outerShdw blurRad="38100" dist="38100" dir="2700000" algn="tl">
-                    <a:srgbClr val="000000">
-                      <a:alpha val="43137"/>
-                    </a:srgbClr>
-                  </a:outerShdw>
-                </a:effectLst>
-              </a:rPr>
-              <a:t>Đọc lời Chúa</a:t>
-            </a:r>
-            <a:endParaRPr lang="zh-TW" altLang="en-US" sz="8000" b="1" dirty="0">
+              <a:t>詩班</a:t>
+            </a:r>
+            <a:endParaRPr lang="zh-TW" altLang="en-US" sz="6000" b="1" dirty="0">
               <a:solidFill>
-                <a:srgbClr val="660033"/>
+                <a:srgbClr val="000066"/>
               </a:solidFill>
               <a:effectLst>
                 <a:outerShdw blurRad="38100" dist="38100" dir="2700000" algn="tl">
@@ -4878,7 +4848,7 @@
       </p:sp>
       <p:sp>
         <p:nvSpPr>
-          <p:cNvPr id="4" name="標題 1"/>
+          <p:cNvPr id="3" name="標題 1"/>
           <p:cNvSpPr txBox="1">
             <a:spLocks/>
           </p:cNvSpPr>
@@ -4886,7 +4856,7 @@
         </p:nvSpPr>
         <p:spPr>
           <a:xfrm>
-            <a:off x="-30161" y="3180785"/>
+            <a:off x="0" y="2643758"/>
             <a:ext cx="9144000" cy="628650"/>
           </a:xfrm>
           <a:prstGeom prst="rect">
@@ -4894,125 +4864,99 @@
           </a:prstGeom>
         </p:spPr>
         <p:txBody>
-          <a:bodyPr anchor="ctr">
+          <a:bodyPr vert="horz" lIns="91440" tIns="45720" rIns="91440" bIns="45720" rtlCol="0" anchor="ctr">
             <a:noAutofit/>
           </a:bodyPr>
-          <a:lstStyle/>
-          <a:p>
-            <a:pPr lvl="0" algn="ctr">
+          <a:lstStyle>
+            <a:lvl1pPr algn="ctr" defTabSz="914400" rtl="0" eaLnBrk="1" latinLnBrk="0" hangingPunct="1">
               <a:spcBef>
                 <a:spcPct val="0"/>
               </a:spcBef>
-            </a:pPr>
-            <a:r>
-              <a:rPr lang="zh-TW" altLang="en-US" sz="4800" b="1" dirty="0" smtClean="0">
-                <a:solidFill>
-                  <a:srgbClr val="660033"/>
-                </a:solidFill>
-                <a:effectLst>
-                  <a:outerShdw blurRad="38100" dist="38100" dir="2700000" algn="tl">
-                    <a:srgbClr val="000000">
-                      <a:alpha val="43137"/>
-                    </a:srgbClr>
-                  </a:outerShdw>
-                </a:effectLst>
-                <a:latin typeface="微軟正黑體" pitchFamily="34" charset="-120"/>
-                <a:ea typeface="微軟正黑體" pitchFamily="34" charset="-120"/>
+              <a:buNone/>
+              <a:defRPr sz="4400" kern="1200">
+                <a:solidFill>
+                  <a:schemeClr val="tx1"/>
+                </a:solidFill>
+                <a:latin typeface="+mj-lt"/>
+                <a:ea typeface="+mj-ea"/>
                 <a:cs typeface="+mj-cs"/>
-              </a:rPr>
-              <a:t>加 </a:t>
-            </a:r>
-            <a:r>
-              <a:rPr lang="en-US" altLang="zh-TW" sz="4400" b="1" dirty="0" err="1" smtClean="0">
-                <a:solidFill>
-                  <a:srgbClr val="660033"/>
-                </a:solidFill>
-                <a:effectLst>
-                  <a:outerShdw blurRad="38100" dist="38100" dir="2700000" algn="tl">
-                    <a:srgbClr val="000000">
-                      <a:alpha val="43137"/>
-                    </a:srgbClr>
-                  </a:outerShdw>
-                </a:effectLst>
-                <a:latin typeface="微軟正黑體" pitchFamily="34" charset="-120"/>
-                <a:ea typeface="微軟正黑體" pitchFamily="34" charset="-120"/>
-                <a:cs typeface="+mj-cs"/>
-              </a:rPr>
-              <a:t>Ga</a:t>
-            </a:r>
-            <a:r>
-              <a:rPr lang="en-US" altLang="zh-TW" sz="4400" b="1" dirty="0" smtClean="0">
-                <a:solidFill>
-                  <a:srgbClr val="660033"/>
-                </a:solidFill>
-                <a:effectLst>
-                  <a:outerShdw blurRad="38100" dist="38100" dir="2700000" algn="tl">
-                    <a:srgbClr val="000000">
-                      <a:alpha val="43137"/>
-                    </a:srgbClr>
-                  </a:outerShdw>
-                </a:effectLst>
-                <a:latin typeface="微軟正黑體" pitchFamily="34" charset="-120"/>
-                <a:ea typeface="微軟正黑體" pitchFamily="34" charset="-120"/>
-                <a:cs typeface="+mj-cs"/>
-              </a:rPr>
-              <a:t>-la-</a:t>
-            </a:r>
-            <a:r>
-              <a:rPr lang="en-US" altLang="zh-TW" sz="4400" b="1" dirty="0" err="1" smtClean="0">
-                <a:solidFill>
-                  <a:srgbClr val="660033"/>
-                </a:solidFill>
-                <a:effectLst>
-                  <a:outerShdw blurRad="38100" dist="38100" dir="2700000" algn="tl">
-                    <a:srgbClr val="000000">
-                      <a:alpha val="43137"/>
-                    </a:srgbClr>
-                  </a:outerShdw>
-                </a:effectLst>
-                <a:latin typeface="微軟正黑體" pitchFamily="34" charset="-120"/>
-                <a:ea typeface="微軟正黑體" pitchFamily="34" charset="-120"/>
-                <a:cs typeface="+mj-cs"/>
-              </a:rPr>
-              <a:t>ti</a:t>
-            </a:r>
-            <a:r>
-              <a:rPr lang="zh-TW" altLang="en-US" sz="4800" b="1" dirty="0" smtClean="0">
-                <a:solidFill>
-                  <a:srgbClr val="660033"/>
-                </a:solidFill>
-                <a:effectLst>
-                  <a:outerShdw blurRad="38100" dist="38100" dir="2700000" algn="tl">
-                    <a:srgbClr val="000000">
-                      <a:alpha val="43137"/>
-                    </a:srgbClr>
-                  </a:outerShdw>
-                </a:effectLst>
-                <a:latin typeface="微軟正黑體" pitchFamily="34" charset="-120"/>
-                <a:ea typeface="微軟正黑體" pitchFamily="34" charset="-120"/>
-                <a:cs typeface="+mj-cs"/>
-              </a:rPr>
-              <a:t>  </a:t>
-            </a:r>
-            <a:r>
-              <a:rPr lang="en-US" sz="4800" b="1" dirty="0" smtClean="0">
-                <a:solidFill>
-                  <a:srgbClr val="660033"/>
-                </a:solidFill>
-                <a:effectLst>
-                  <a:outerShdw blurRad="38100" dist="38100" dir="2700000" algn="tl">
-                    <a:srgbClr val="000000">
-                      <a:alpha val="43137"/>
-                    </a:srgbClr>
-                  </a:outerShdw>
-                </a:effectLst>
-                <a:latin typeface="微軟正黑體" pitchFamily="34" charset="-120"/>
-                <a:ea typeface="微軟正黑體" pitchFamily="34" charset="-120"/>
-                <a:cs typeface="+mj-cs"/>
-              </a:rPr>
-              <a:t>3 : 26 ~ 27</a:t>
-            </a:r>
-            <a:endParaRPr lang="zh-TW" altLang="en-US" sz="4800" b="1" dirty="0">
+              </a:defRPr>
+            </a:lvl1pPr>
+          </a:lstStyle>
+          <a:p>
+            <a:r>
+              <a:rPr lang="en-US" altLang="zh-TW" sz="3600" b="1" dirty="0">
+                <a:solidFill>
+                  <a:srgbClr val="660033"/>
+                </a:solidFill>
+                <a:effectLst>
+                  <a:outerShdw blurRad="38100" dist="38100" dir="2700000" algn="tl">
+                    <a:srgbClr val="000000">
+                      <a:alpha val="43137"/>
+                    </a:srgbClr>
+                  </a:outerShdw>
+                </a:effectLst>
+                <a:latin typeface="Arial" panose="020B0604020202020204" pitchFamily="34" charset="0"/>
+                <a:ea typeface="微軟正黑體" pitchFamily="34" charset="-120"/>
+                <a:cs typeface="Arial" panose="020B0604020202020204" pitchFamily="34" charset="0"/>
+              </a:rPr>
+              <a:t>Ban </a:t>
+            </a:r>
+            <a:r>
+              <a:rPr lang="en-US" altLang="zh-TW" sz="3600" b="1" dirty="0" err="1">
+                <a:solidFill>
+                  <a:srgbClr val="660033"/>
+                </a:solidFill>
+                <a:effectLst>
+                  <a:outerShdw blurRad="38100" dist="38100" dir="2700000" algn="tl">
+                    <a:srgbClr val="000000">
+                      <a:alpha val="43137"/>
+                    </a:srgbClr>
+                  </a:outerShdw>
+                </a:effectLst>
+                <a:latin typeface="Arial" panose="020B0604020202020204" pitchFamily="34" charset="0"/>
+                <a:ea typeface="微軟正黑體" pitchFamily="34" charset="-120"/>
+                <a:cs typeface="Arial" panose="020B0604020202020204" pitchFamily="34" charset="0"/>
+              </a:rPr>
+              <a:t>hát</a:t>
+            </a:r>
+            <a:r>
+              <a:rPr lang="en-US" altLang="zh-TW" sz="3600" b="1" dirty="0">
+                <a:solidFill>
+                  <a:srgbClr val="660033"/>
+                </a:solidFill>
+                <a:effectLst>
+                  <a:outerShdw blurRad="38100" dist="38100" dir="2700000" algn="tl">
+                    <a:srgbClr val="000000">
+                      <a:alpha val="43137"/>
+                    </a:srgbClr>
+                  </a:outerShdw>
+                </a:effectLst>
+                <a:latin typeface="Arial" panose="020B0604020202020204" pitchFamily="34" charset="0"/>
+                <a:ea typeface="微軟正黑體" pitchFamily="34" charset="-120"/>
+                <a:cs typeface="Arial" panose="020B0604020202020204" pitchFamily="34" charset="0"/>
+              </a:rPr>
+              <a:t> </a:t>
+            </a:r>
+            <a:r>
+              <a:rPr lang="en-US" altLang="zh-TW" sz="3600" b="1" dirty="0" err="1">
+                <a:solidFill>
+                  <a:srgbClr val="660033"/>
+                </a:solidFill>
+                <a:effectLst>
+                  <a:outerShdw blurRad="38100" dist="38100" dir="2700000" algn="tl">
+                    <a:srgbClr val="000000">
+                      <a:alpha val="43137"/>
+                    </a:srgbClr>
+                  </a:outerShdw>
+                </a:effectLst>
+                <a:latin typeface="Arial" panose="020B0604020202020204" pitchFamily="34" charset="0"/>
+                <a:ea typeface="微軟正黑體" pitchFamily="34" charset="-120"/>
+                <a:cs typeface="Arial" panose="020B0604020202020204" pitchFamily="34" charset="0"/>
+              </a:rPr>
+              <a:t>Gia-cốp</a:t>
+            </a:r>
+            <a:endParaRPr lang="zh-TW" altLang="en-US" sz="3600" b="1" dirty="0">
               <a:solidFill>
                 <a:srgbClr val="660033"/>
               </a:solidFill>
@@ -5023,14 +4967,19 @@
                   </a:srgbClr>
                 </a:outerShdw>
               </a:effectLst>
-              <a:latin typeface="微軟正黑體" pitchFamily="34" charset="-120"/>
+              <a:latin typeface="Arial" panose="020B0604020202020204" pitchFamily="34" charset="0"/>
               <a:ea typeface="微軟正黑體" pitchFamily="34" charset="-120"/>
-              <a:cs typeface="+mj-cs"/>
+              <a:cs typeface="Arial" panose="020B0604020202020204" pitchFamily="34" charset="0"/>
             </a:endParaRPr>
           </a:p>
         </p:txBody>
       </p:sp>
     </p:spTree>
+    <p:extLst>
+      <p:ext uri="{BB962C8B-B14F-4D97-AF65-F5344CB8AC3E}">
+        <p14:creationId xmlns:p14="http://schemas.microsoft.com/office/powerpoint/2010/main" val="2608263739"/>
+      </p:ext>
+    </p:extLst>
   </p:cSld>
   <p:clrMapOvr>
     <a:masterClrMapping/>
@@ -5064,18 +5013,18 @@
       </p:grpSpPr>
       <p:sp>
         <p:nvSpPr>
-          <p:cNvPr id="3" name="Content Placeholder 2"/>
+          <p:cNvPr id="2" name="標題 1"/>
           <p:cNvSpPr>
             <a:spLocks noGrp="1"/>
           </p:cNvSpPr>
           <p:nvPr>
-            <p:ph idx="1"/>
+            <p:ph type="title" idx="4294967295"/>
           </p:nvPr>
         </p:nvSpPr>
         <p:spPr>
           <a:xfrm>
-            <a:off x="0" y="0"/>
-            <a:ext cx="8839200" cy="2427734"/>
+            <a:off x="0" y="1563638"/>
+            <a:ext cx="9144000" cy="628650"/>
           </a:xfrm>
         </p:spPr>
         <p:txBody>
@@ -5085,60 +5034,90 @@
           <a:lstStyle/>
           <a:p>
             <a:r>
-              <a:rPr lang="en-US" altLang="zh-TW" sz="4000" b="1" dirty="0">
+              <a:rPr lang="zh-CN" altLang="en-US" sz="8000" b="1" dirty="0" smtClean="0">
                 <a:solidFill>
                   <a:srgbClr val="000066"/>
                 </a:solidFill>
-                <a:latin typeface="Microsoft JhengHei" pitchFamily="34" charset="-120"/>
-                <a:ea typeface="Microsoft JhengHei" pitchFamily="34" charset="-120"/>
-              </a:rPr>
-              <a:t>Gal 3:26</a:t>
-            </a:r>
-            <a:r>
-              <a:rPr lang="zh-TW" altLang="en-US" sz="4000" b="1" dirty="0">
+                <a:effectLst>
+                  <a:outerShdw blurRad="38100" dist="38100" dir="2700000" algn="tl">
+                    <a:srgbClr val="000000">
+                      <a:alpha val="43137"/>
+                    </a:srgbClr>
+                  </a:outerShdw>
+                </a:effectLst>
+                <a:latin typeface="微軟正黑體" pitchFamily="34" charset="-120"/>
+                <a:ea typeface="微軟正黑體" pitchFamily="34" charset="-120"/>
+              </a:rPr>
+              <a:t>恭讀經訓</a:t>
+            </a:r>
+            <a:r>
+              <a:rPr lang="en-US" altLang="zh-CN" sz="8000" b="1" dirty="0" smtClean="0">
                 <a:solidFill>
                   <a:srgbClr val="000066"/>
                 </a:solidFill>
-                <a:latin typeface="Microsoft JhengHei" pitchFamily="34" charset="-120"/>
-                <a:ea typeface="Microsoft JhengHei" pitchFamily="34" charset="-120"/>
-              </a:rPr>
-              <a:t>  所以，你們因信基督耶穌都是神的兒子。 </a:t>
-            </a:r>
-          </a:p>
-          <a:p>
-            <a:r>
-              <a:rPr lang="en-US" altLang="zh-TW" sz="4000" b="1" dirty="0">
+                <a:effectLst>
+                  <a:outerShdw blurRad="38100" dist="38100" dir="2700000" algn="tl">
+                    <a:srgbClr val="000000">
+                      <a:alpha val="43137"/>
+                    </a:srgbClr>
+                  </a:outerShdw>
+                </a:effectLst>
+                <a:latin typeface="微軟正黑體" pitchFamily="34" charset="-120"/>
+                <a:ea typeface="微軟正黑體" pitchFamily="34" charset="-120"/>
+              </a:rPr>
+              <a:t/>
+            </a:r>
+            <a:br>
+              <a:rPr lang="en-US" altLang="zh-CN" sz="8000" b="1" dirty="0" smtClean="0">
                 <a:solidFill>
                   <a:srgbClr val="000066"/>
                 </a:solidFill>
-                <a:latin typeface="Microsoft JhengHei" pitchFamily="34" charset="-120"/>
-                <a:ea typeface="Microsoft JhengHei" pitchFamily="34" charset="-120"/>
-              </a:rPr>
-              <a:t>Gal 3:27</a:t>
-            </a:r>
-            <a:r>
-              <a:rPr lang="zh-TW" altLang="en-US" sz="4000" b="1" dirty="0">
-                <a:solidFill>
-                  <a:srgbClr val="000066"/>
-                </a:solidFill>
-                <a:latin typeface="Microsoft JhengHei" pitchFamily="34" charset="-120"/>
-                <a:ea typeface="Microsoft JhengHei" pitchFamily="34" charset="-120"/>
-              </a:rPr>
-              <a:t>  你們受洗歸入基督的都是披戴基督了。 </a:t>
-            </a:r>
-            <a:endParaRPr lang="en-US" altLang="zh-TW" sz="4000" b="1" dirty="0">
+                <a:effectLst>
+                  <a:outerShdw blurRad="38100" dist="38100" dir="2700000" algn="tl">
+                    <a:srgbClr val="000000">
+                      <a:alpha val="43137"/>
+                    </a:srgbClr>
+                  </a:outerShdw>
+                </a:effectLst>
+                <a:latin typeface="微軟正黑體" pitchFamily="34" charset="-120"/>
+                <a:ea typeface="微軟正黑體" pitchFamily="34" charset="-120"/>
+              </a:rPr>
+            </a:br>
+            <a:r>
+              <a:rPr lang="vi-VN" sz="6000" b="1" dirty="0">
+                <a:solidFill>
+                  <a:srgbClr val="660033"/>
+                </a:solidFill>
+                <a:effectLst>
+                  <a:outerShdw blurRad="38100" dist="38100" dir="2700000" algn="tl">
+                    <a:srgbClr val="000000">
+                      <a:alpha val="43137"/>
+                    </a:srgbClr>
+                  </a:outerShdw>
+                </a:effectLst>
+              </a:rPr>
+              <a:t>Đọc lời Chúa</a:t>
+            </a:r>
+            <a:endParaRPr lang="zh-TW" altLang="en-US" sz="8000" b="1" dirty="0">
               <a:solidFill>
-                <a:srgbClr val="000066"/>
+                <a:srgbClr val="660033"/>
               </a:solidFill>
-              <a:latin typeface="Microsoft JhengHei" pitchFamily="34" charset="-120"/>
-              <a:ea typeface="Microsoft JhengHei" pitchFamily="34" charset="-120"/>
+              <a:effectLst>
+                <a:outerShdw blurRad="38100" dist="38100" dir="2700000" algn="tl">
+                  <a:srgbClr val="000000">
+                    <a:alpha val="43137"/>
+                  </a:srgbClr>
+                </a:outerShdw>
+              </a:effectLst>
+              <a:latin typeface="微軟正黑體" pitchFamily="34" charset="-120"/>
+              <a:ea typeface="微軟正黑體" pitchFamily="34" charset="-120"/>
             </a:endParaRPr>
           </a:p>
         </p:txBody>
       </p:sp>
       <p:sp>
         <p:nvSpPr>
-          <p:cNvPr id="4" name="Content Placeholder 2"/>
+          <p:cNvPr id="4" name="標題 1"/>
           <p:cNvSpPr txBox="1">
             <a:spLocks/>
           </p:cNvSpPr>
@@ -5146,190 +5125,151 @@
         </p:nvSpPr>
         <p:spPr>
           <a:xfrm>
-            <a:off x="-6678" y="2643758"/>
-            <a:ext cx="8839200" cy="2472308"/>
+            <a:off x="-30161" y="3180785"/>
+            <a:ext cx="9144000" cy="628650"/>
           </a:xfrm>
           <a:prstGeom prst="rect">
             <a:avLst/>
           </a:prstGeom>
         </p:spPr>
         <p:txBody>
-          <a:bodyPr vert="horz" lIns="91440" tIns="45720" rIns="91440" bIns="45720" rtlCol="0">
+          <a:bodyPr anchor="ctr">
             <a:noAutofit/>
           </a:bodyPr>
-          <a:lstStyle>
-            <a:lvl1pPr marL="342900" indent="-342900" algn="l" defTabSz="914400" rtl="0" eaLnBrk="1" latinLnBrk="0" hangingPunct="1">
+          <a:lstStyle/>
+          <a:p>
+            <a:pPr lvl="0" algn="ctr">
               <a:spcBef>
-                <a:spcPct val="20000"/>
+                <a:spcPct val="0"/>
               </a:spcBef>
-              <a:buFont typeface="Arial" pitchFamily="34" charset="0"/>
-              <a:buChar char="•"/>
-              <a:defRPr sz="3200" kern="1200">
-                <a:solidFill>
-                  <a:schemeClr val="tx1"/>
-                </a:solidFill>
-                <a:latin typeface="+mn-lt"/>
-                <a:ea typeface="+mn-ea"/>
-                <a:cs typeface="+mn-cs"/>
-              </a:defRPr>
-            </a:lvl1pPr>
-            <a:lvl2pPr marL="742950" indent="-285750" algn="l" defTabSz="914400" rtl="0" eaLnBrk="1" latinLnBrk="0" hangingPunct="1">
-              <a:spcBef>
-                <a:spcPct val="20000"/>
-              </a:spcBef>
-              <a:buFont typeface="Arial" pitchFamily="34" charset="0"/>
-              <a:buChar char="–"/>
-              <a:defRPr sz="2800" kern="1200">
-                <a:solidFill>
-                  <a:schemeClr val="tx1"/>
-                </a:solidFill>
-                <a:latin typeface="+mn-lt"/>
-                <a:ea typeface="+mn-ea"/>
-                <a:cs typeface="+mn-cs"/>
-              </a:defRPr>
-            </a:lvl2pPr>
-            <a:lvl3pPr marL="1143000" indent="-228600" algn="l" defTabSz="914400" rtl="0" eaLnBrk="1" latinLnBrk="0" hangingPunct="1">
-              <a:spcBef>
-                <a:spcPct val="20000"/>
-              </a:spcBef>
-              <a:buFont typeface="Arial" pitchFamily="34" charset="0"/>
-              <a:buChar char="•"/>
-              <a:defRPr sz="2400" kern="1200">
-                <a:solidFill>
-                  <a:schemeClr val="tx1"/>
-                </a:solidFill>
-                <a:latin typeface="+mn-lt"/>
-                <a:ea typeface="+mn-ea"/>
-                <a:cs typeface="+mn-cs"/>
-              </a:defRPr>
-            </a:lvl3pPr>
-            <a:lvl4pPr marL="1600200" indent="-228600" algn="l" defTabSz="914400" rtl="0" eaLnBrk="1" latinLnBrk="0" hangingPunct="1">
-              <a:spcBef>
-                <a:spcPct val="20000"/>
-              </a:spcBef>
-              <a:buFont typeface="Arial" pitchFamily="34" charset="0"/>
-              <a:buChar char="–"/>
-              <a:defRPr sz="2000" kern="1200">
-                <a:solidFill>
-                  <a:schemeClr val="tx1"/>
-                </a:solidFill>
-                <a:latin typeface="+mn-lt"/>
-                <a:ea typeface="+mn-ea"/>
-                <a:cs typeface="+mn-cs"/>
-              </a:defRPr>
-            </a:lvl4pPr>
-            <a:lvl5pPr marL="2057400" indent="-228600" algn="l" defTabSz="914400" rtl="0" eaLnBrk="1" latinLnBrk="0" hangingPunct="1">
-              <a:spcBef>
-                <a:spcPct val="20000"/>
-              </a:spcBef>
-              <a:buFont typeface="Arial" pitchFamily="34" charset="0"/>
-              <a:buChar char="»"/>
-              <a:defRPr sz="2000" kern="1200">
-                <a:solidFill>
-                  <a:schemeClr val="tx1"/>
-                </a:solidFill>
-                <a:latin typeface="+mn-lt"/>
-                <a:ea typeface="+mn-ea"/>
-                <a:cs typeface="+mn-cs"/>
-              </a:defRPr>
-            </a:lvl5pPr>
-            <a:lvl6pPr marL="2514600" indent="-228600" algn="l" defTabSz="914400" rtl="0" eaLnBrk="1" latinLnBrk="0" hangingPunct="1">
-              <a:spcBef>
-                <a:spcPct val="20000"/>
-              </a:spcBef>
-              <a:buFont typeface="Arial" pitchFamily="34" charset="0"/>
-              <a:buChar char="•"/>
-              <a:defRPr sz="2000" kern="1200">
-                <a:solidFill>
-                  <a:schemeClr val="tx1"/>
-                </a:solidFill>
-                <a:latin typeface="+mn-lt"/>
-                <a:ea typeface="+mn-ea"/>
-                <a:cs typeface="+mn-cs"/>
-              </a:defRPr>
-            </a:lvl6pPr>
-            <a:lvl7pPr marL="2971800" indent="-228600" algn="l" defTabSz="914400" rtl="0" eaLnBrk="1" latinLnBrk="0" hangingPunct="1">
-              <a:spcBef>
-                <a:spcPct val="20000"/>
-              </a:spcBef>
-              <a:buFont typeface="Arial" pitchFamily="34" charset="0"/>
-              <a:buChar char="•"/>
-              <a:defRPr sz="2000" kern="1200">
-                <a:solidFill>
-                  <a:schemeClr val="tx1"/>
-                </a:solidFill>
-                <a:latin typeface="+mn-lt"/>
-                <a:ea typeface="+mn-ea"/>
-                <a:cs typeface="+mn-cs"/>
-              </a:defRPr>
-            </a:lvl7pPr>
-            <a:lvl8pPr marL="3429000" indent="-228600" algn="l" defTabSz="914400" rtl="0" eaLnBrk="1" latinLnBrk="0" hangingPunct="1">
-              <a:spcBef>
-                <a:spcPct val="20000"/>
-              </a:spcBef>
-              <a:buFont typeface="Arial" pitchFamily="34" charset="0"/>
-              <a:buChar char="•"/>
-              <a:defRPr sz="2000" kern="1200">
-                <a:solidFill>
-                  <a:schemeClr val="tx1"/>
-                </a:solidFill>
-                <a:latin typeface="+mn-lt"/>
-                <a:ea typeface="+mn-ea"/>
-                <a:cs typeface="+mn-cs"/>
-              </a:defRPr>
-            </a:lvl8pPr>
-            <a:lvl9pPr marL="3886200" indent="-228600" algn="l" defTabSz="914400" rtl="0" eaLnBrk="1" latinLnBrk="0" hangingPunct="1">
-              <a:spcBef>
-                <a:spcPct val="20000"/>
-              </a:spcBef>
-              <a:buFont typeface="Arial" pitchFamily="34" charset="0"/>
-              <a:buChar char="•"/>
-              <a:defRPr sz="2000" kern="1200">
-                <a:solidFill>
-                  <a:schemeClr val="tx1"/>
-                </a:solidFill>
-                <a:latin typeface="+mn-lt"/>
-                <a:ea typeface="+mn-ea"/>
-                <a:cs typeface="+mn-cs"/>
-              </a:defRPr>
-            </a:lvl9pPr>
-          </a:lstStyle>
-          <a:p>
-            <a:pPr algn="just"/>
-            <a:r>
-              <a:rPr lang="vi-VN" sz="2800" b="1" dirty="0">
-                <a:solidFill>
-                  <a:srgbClr val="660033"/>
-                </a:solidFill>
-              </a:rPr>
-              <a:t>Gal 3:26  Vì chưng anh em bởi tin Ðức Chúa Jêsus Christ, nên hết thảy đều là con trai của Ðức Chúa Trời. </a:t>
-            </a:r>
-          </a:p>
-          <a:p>
-            <a:pPr algn="just"/>
-            <a:r>
-              <a:rPr lang="vi-VN" sz="2800" b="1" dirty="0">
-                <a:solidFill>
-                  <a:srgbClr val="660033"/>
-                </a:solidFill>
-              </a:rPr>
-              <a:t>Gal 3:27  Vả, anh em thảy đều chịu phép báp tem trong Ðấng Christ, đều mặc lấy Ðấng Christ vậy. </a:t>
-            </a:r>
-            <a:endParaRPr lang="en-US" altLang="zh-TW" sz="2800" b="1" dirty="0">
+            </a:pPr>
+            <a:r>
+              <a:rPr lang="zh-TW" altLang="en-US" sz="4800" b="1" dirty="0" smtClean="0">
+                <a:solidFill>
+                  <a:srgbClr val="660033"/>
+                </a:solidFill>
+                <a:effectLst>
+                  <a:outerShdw blurRad="38100" dist="38100" dir="2700000" algn="tl">
+                    <a:srgbClr val="000000">
+                      <a:alpha val="43137"/>
+                    </a:srgbClr>
+                  </a:outerShdw>
+                </a:effectLst>
+                <a:latin typeface="微軟正黑體" pitchFamily="34" charset="-120"/>
+                <a:ea typeface="微軟正黑體" pitchFamily="34" charset="-120"/>
+                <a:cs typeface="+mj-cs"/>
+              </a:rPr>
+              <a:t>加 </a:t>
+            </a:r>
+            <a:r>
+              <a:rPr lang="en-US" altLang="zh-TW" sz="4400" b="1" dirty="0" err="1" smtClean="0">
+                <a:solidFill>
+                  <a:srgbClr val="660033"/>
+                </a:solidFill>
+                <a:effectLst>
+                  <a:outerShdw blurRad="38100" dist="38100" dir="2700000" algn="tl">
+                    <a:srgbClr val="000000">
+                      <a:alpha val="43137"/>
+                    </a:srgbClr>
+                  </a:outerShdw>
+                </a:effectLst>
+                <a:latin typeface="微軟正黑體" pitchFamily="34" charset="-120"/>
+                <a:ea typeface="微軟正黑體" pitchFamily="34" charset="-120"/>
+                <a:cs typeface="+mj-cs"/>
+              </a:rPr>
+              <a:t>Ga</a:t>
+            </a:r>
+            <a:r>
+              <a:rPr lang="en-US" altLang="zh-TW" sz="4400" b="1" dirty="0" smtClean="0">
+                <a:solidFill>
+                  <a:srgbClr val="660033"/>
+                </a:solidFill>
+                <a:effectLst>
+                  <a:outerShdw blurRad="38100" dist="38100" dir="2700000" algn="tl">
+                    <a:srgbClr val="000000">
+                      <a:alpha val="43137"/>
+                    </a:srgbClr>
+                  </a:outerShdw>
+                </a:effectLst>
+                <a:latin typeface="微軟正黑體" pitchFamily="34" charset="-120"/>
+                <a:ea typeface="微軟正黑體" pitchFamily="34" charset="-120"/>
+                <a:cs typeface="+mj-cs"/>
+              </a:rPr>
+              <a:t>-la-</a:t>
+            </a:r>
+            <a:r>
+              <a:rPr lang="en-US" altLang="zh-TW" sz="4400" b="1" dirty="0" err="1" smtClean="0">
+                <a:solidFill>
+                  <a:srgbClr val="660033"/>
+                </a:solidFill>
+                <a:effectLst>
+                  <a:outerShdw blurRad="38100" dist="38100" dir="2700000" algn="tl">
+                    <a:srgbClr val="000000">
+                      <a:alpha val="43137"/>
+                    </a:srgbClr>
+                  </a:outerShdw>
+                </a:effectLst>
+                <a:latin typeface="微軟正黑體" pitchFamily="34" charset="-120"/>
+                <a:ea typeface="微軟正黑體" pitchFamily="34" charset="-120"/>
+                <a:cs typeface="+mj-cs"/>
+              </a:rPr>
+              <a:t>ti</a:t>
+            </a:r>
+            <a:r>
+              <a:rPr lang="zh-TW" altLang="en-US" sz="4800" b="1" dirty="0" smtClean="0">
+                <a:solidFill>
+                  <a:srgbClr val="660033"/>
+                </a:solidFill>
+                <a:effectLst>
+                  <a:outerShdw blurRad="38100" dist="38100" dir="2700000" algn="tl">
+                    <a:srgbClr val="000000">
+                      <a:alpha val="43137"/>
+                    </a:srgbClr>
+                  </a:outerShdw>
+                </a:effectLst>
+                <a:latin typeface="微軟正黑體" pitchFamily="34" charset="-120"/>
+                <a:ea typeface="微軟正黑體" pitchFamily="34" charset="-120"/>
+                <a:cs typeface="+mj-cs"/>
+              </a:rPr>
+              <a:t>  </a:t>
+            </a:r>
+            <a:r>
+              <a:rPr lang="en-US" sz="4800" b="1" dirty="0" smtClean="0">
+                <a:solidFill>
+                  <a:srgbClr val="660033"/>
+                </a:solidFill>
+                <a:effectLst>
+                  <a:outerShdw blurRad="38100" dist="38100" dir="2700000" algn="tl">
+                    <a:srgbClr val="000000">
+                      <a:alpha val="43137"/>
+                    </a:srgbClr>
+                  </a:outerShdw>
+                </a:effectLst>
+                <a:latin typeface="微軟正黑體" pitchFamily="34" charset="-120"/>
+                <a:ea typeface="微軟正黑體" pitchFamily="34" charset="-120"/>
+                <a:cs typeface="+mj-cs"/>
+              </a:rPr>
+              <a:t>3 : 26 ~ 27</a:t>
+            </a:r>
+            <a:endParaRPr lang="zh-TW" altLang="en-US" sz="4800" b="1" dirty="0">
               <a:solidFill>
                 <a:srgbClr val="660033"/>
               </a:solidFill>
-              <a:latin typeface="+mj-lt"/>
+              <a:effectLst>
+                <a:outerShdw blurRad="38100" dist="38100" dir="2700000" algn="tl">
+                  <a:srgbClr val="000000">
+                    <a:alpha val="43137"/>
+                  </a:srgbClr>
+                </a:outerShdw>
+              </a:effectLst>
+              <a:latin typeface="微軟正黑體" pitchFamily="34" charset="-120"/>
+              <a:ea typeface="微軟正黑體" pitchFamily="34" charset="-120"/>
+              <a:cs typeface="+mj-cs"/>
             </a:endParaRPr>
           </a:p>
         </p:txBody>
       </p:sp>
     </p:spTree>
-    <p:extLst>
-      <p:ext uri="{BB962C8B-B14F-4D97-AF65-F5344CB8AC3E}">
-        <p14:creationId xmlns:p14="http://schemas.microsoft.com/office/powerpoint/2010/main" val="3368173698"/>
-      </p:ext>
-    </p:extLst>
   </p:cSld>
   <p:clrMapOvr>
     <a:masterClrMapping/>
@@ -5363,18 +5303,18 @@
       </p:grpSpPr>
       <p:sp>
         <p:nvSpPr>
-          <p:cNvPr id="2" name="標題 1"/>
+          <p:cNvPr id="3" name="Content Placeholder 2"/>
           <p:cNvSpPr>
             <a:spLocks noGrp="1"/>
           </p:cNvSpPr>
           <p:nvPr>
-            <p:ph type="title" idx="4294967295"/>
+            <p:ph idx="1"/>
           </p:nvPr>
         </p:nvSpPr>
         <p:spPr>
           <a:xfrm>
-            <a:off x="0" y="550069"/>
-            <a:ext cx="9144000" cy="628650"/>
+            <a:off x="0" y="0"/>
+            <a:ext cx="8839200" cy="2427734"/>
           </a:xfrm>
         </p:spPr>
         <p:txBody>
@@ -5383,99 +5323,61 @@
           </a:bodyPr>
           <a:lstStyle/>
           <a:p>
-            <a:pPr algn="ctr"/>
-            <a:r>
-              <a:rPr lang="zh-CN" altLang="en-US" sz="6000" b="1" dirty="0" smtClean="0">
+            <a:r>
+              <a:rPr lang="en-US" altLang="zh-TW" sz="4000" b="1" dirty="0">
                 <a:solidFill>
                   <a:srgbClr val="000066"/>
                 </a:solidFill>
-                <a:effectLst>
-                  <a:outerShdw blurRad="38100" dist="38100" dir="2700000" algn="tl">
-                    <a:srgbClr val="000000">
-                      <a:alpha val="43137"/>
-                    </a:srgbClr>
-                  </a:outerShdw>
-                </a:effectLst>
-                <a:latin typeface="微軟正黑體" pitchFamily="34" charset="-120"/>
-                <a:ea typeface="微軟正黑體" pitchFamily="34" charset="-120"/>
-              </a:rPr>
-              <a:t>證道 </a:t>
-            </a:r>
-            <a:r>
-              <a:rPr lang="en-US" altLang="zh-CN" sz="5400" b="1" dirty="0" err="1" smtClean="0">
-                <a:solidFill>
-                  <a:srgbClr val="660033"/>
-                </a:solidFill>
-                <a:effectLst>
-                  <a:outerShdw blurRad="38100" dist="38100" dir="2700000" algn="tl">
-                    <a:srgbClr val="000000">
-                      <a:alpha val="43137"/>
-                    </a:srgbClr>
-                  </a:outerShdw>
-                </a:effectLst>
-                <a:latin typeface="Times New Roman" pitchFamily="18" charset="0"/>
-                <a:ea typeface="微軟正黑體" pitchFamily="34" charset="-120"/>
-                <a:cs typeface="Times New Roman" pitchFamily="18" charset="0"/>
-              </a:rPr>
-              <a:t>Giảng</a:t>
-            </a:r>
-            <a:r>
-              <a:rPr lang="en-US" altLang="zh-CN" sz="5400" b="1" dirty="0" smtClean="0">
-                <a:solidFill>
-                  <a:srgbClr val="660033"/>
-                </a:solidFill>
-                <a:effectLst>
-                  <a:outerShdw blurRad="38100" dist="38100" dir="2700000" algn="tl">
-                    <a:srgbClr val="000000">
-                      <a:alpha val="43137"/>
-                    </a:srgbClr>
-                  </a:outerShdw>
-                </a:effectLst>
-                <a:latin typeface="Times New Roman" pitchFamily="18" charset="0"/>
-                <a:ea typeface="微軟正黑體" pitchFamily="34" charset="-120"/>
-                <a:cs typeface="Times New Roman" pitchFamily="18" charset="0"/>
-              </a:rPr>
-              <a:t> </a:t>
-            </a:r>
-            <a:r>
-              <a:rPr lang="en-US" altLang="zh-CN" sz="5400" b="1" dirty="0" err="1" smtClean="0">
-                <a:solidFill>
-                  <a:srgbClr val="660033"/>
-                </a:solidFill>
-                <a:effectLst>
-                  <a:outerShdw blurRad="38100" dist="38100" dir="2700000" algn="tl">
-                    <a:srgbClr val="000000">
-                      <a:alpha val="43137"/>
-                    </a:srgbClr>
-                  </a:outerShdw>
-                </a:effectLst>
-                <a:latin typeface="Times New Roman" pitchFamily="18" charset="0"/>
-                <a:ea typeface="微軟正黑體" pitchFamily="34" charset="-120"/>
-                <a:cs typeface="Times New Roman" pitchFamily="18" charset="0"/>
-              </a:rPr>
-              <a:t>luận</a:t>
-            </a:r>
-            <a:endParaRPr lang="zh-TW" altLang="en-US" sz="7200" b="1" dirty="0">
+                <a:latin typeface="Microsoft JhengHei" pitchFamily="34" charset="-120"/>
+                <a:ea typeface="Microsoft JhengHei" pitchFamily="34" charset="-120"/>
+              </a:rPr>
+              <a:t>Gal 3:26</a:t>
+            </a:r>
+            <a:r>
+              <a:rPr lang="zh-TW" altLang="en-US" sz="4000" b="1" dirty="0">
+                <a:solidFill>
+                  <a:srgbClr val="000066"/>
+                </a:solidFill>
+                <a:latin typeface="Microsoft JhengHei" pitchFamily="34" charset="-120"/>
+                <a:ea typeface="Microsoft JhengHei" pitchFamily="34" charset="-120"/>
+              </a:rPr>
+              <a:t>  所以，你們因信基督耶穌都是神的兒子。 </a:t>
+            </a:r>
+          </a:p>
+          <a:p>
+            <a:r>
+              <a:rPr lang="en-US" altLang="zh-TW" sz="4000" b="1" dirty="0">
+                <a:solidFill>
+                  <a:srgbClr val="000066"/>
+                </a:solidFill>
+                <a:latin typeface="Microsoft JhengHei" pitchFamily="34" charset="-120"/>
+                <a:ea typeface="Microsoft JhengHei" pitchFamily="34" charset="-120"/>
+              </a:rPr>
+              <a:t>Gal 3:27</a:t>
+            </a:r>
+            <a:r>
+              <a:rPr lang="zh-TW" altLang="en-US" sz="4000" b="1" dirty="0">
+                <a:solidFill>
+                  <a:srgbClr val="000066"/>
+                </a:solidFill>
+                <a:latin typeface="Microsoft JhengHei" pitchFamily="34" charset="-120"/>
+                <a:ea typeface="Microsoft JhengHei" pitchFamily="34" charset="-120"/>
+              </a:rPr>
+              <a:t>  你們受洗歸入基督的都是披戴基督了。 </a:t>
+            </a:r>
+            <a:endParaRPr lang="en-US" altLang="zh-TW" sz="4000" b="1" dirty="0">
               <a:solidFill>
-                <a:srgbClr val="660033"/>
+                <a:srgbClr val="000066"/>
               </a:solidFill>
-              <a:effectLst>
-                <a:outerShdw blurRad="38100" dist="38100" dir="2700000" algn="tl">
-                  <a:srgbClr val="000000">
-                    <a:alpha val="43137"/>
-                  </a:srgbClr>
-                </a:outerShdw>
-              </a:effectLst>
-              <a:latin typeface="Times New Roman" pitchFamily="18" charset="0"/>
-              <a:ea typeface="微軟正黑體" pitchFamily="34" charset="-120"/>
-              <a:cs typeface="Times New Roman" pitchFamily="18" charset="0"/>
+              <a:latin typeface="Microsoft JhengHei" pitchFamily="34" charset="-120"/>
+              <a:ea typeface="Microsoft JhengHei" pitchFamily="34" charset="-120"/>
             </a:endParaRPr>
           </a:p>
         </p:txBody>
       </p:sp>
       <p:sp>
         <p:nvSpPr>
-          <p:cNvPr id="4" name="標題 1"/>
+          <p:cNvPr id="4" name="Content Placeholder 2"/>
           <p:cNvSpPr txBox="1">
             <a:spLocks/>
           </p:cNvSpPr>
@@ -5483,251 +5385,190 @@
         </p:nvSpPr>
         <p:spPr>
           <a:xfrm>
-            <a:off x="-4345" y="4160574"/>
-            <a:ext cx="9144000" cy="628650"/>
+            <a:off x="-6678" y="2643758"/>
+            <a:ext cx="8839200" cy="2472308"/>
           </a:xfrm>
           <a:prstGeom prst="rect">
             <a:avLst/>
           </a:prstGeom>
         </p:spPr>
         <p:txBody>
-          <a:bodyPr anchor="ctr">
+          <a:bodyPr vert="horz" lIns="91440" tIns="45720" rIns="91440" bIns="45720" rtlCol="0">
             <a:noAutofit/>
           </a:bodyPr>
-          <a:lstStyle/>
-          <a:p>
-            <a:pPr lvl="0" algn="ctr">
+          <a:lstStyle>
+            <a:lvl1pPr marL="342900" indent="-342900" algn="l" defTabSz="914400" rtl="0" eaLnBrk="1" latinLnBrk="0" hangingPunct="1">
               <a:spcBef>
-                <a:spcPct val="0"/>
+                <a:spcPct val="20000"/>
               </a:spcBef>
-            </a:pPr>
-            <a:r>
-              <a:rPr lang="zh-TW" altLang="en-US" sz="4000" b="1" dirty="0">
-                <a:solidFill>
-                  <a:srgbClr val="000066"/>
-                </a:solidFill>
-                <a:effectLst>
-                  <a:outerShdw blurRad="38100" dist="38100" dir="2700000" algn="tl">
-                    <a:srgbClr val="000000">
-                      <a:alpha val="43137"/>
-                    </a:srgbClr>
-                  </a:outerShdw>
-                </a:effectLst>
-                <a:latin typeface="微軟正黑體" pitchFamily="34" charset="-120"/>
-                <a:ea typeface="微軟正黑體" pitchFamily="34" charset="-120"/>
-                <a:cs typeface="+mj-cs"/>
-              </a:rPr>
-              <a:t>主任</a:t>
-            </a:r>
-            <a:r>
-              <a:rPr lang="zh-TW" altLang="en-US" sz="4000" b="1" dirty="0" smtClean="0">
-                <a:solidFill>
-                  <a:srgbClr val="000066"/>
-                </a:solidFill>
-                <a:effectLst>
-                  <a:outerShdw blurRad="38100" dist="38100" dir="2700000" algn="tl">
-                    <a:srgbClr val="000000">
-                      <a:alpha val="43137"/>
-                    </a:srgbClr>
-                  </a:outerShdw>
-                </a:effectLst>
-                <a:latin typeface="微軟正黑體" pitchFamily="34" charset="-120"/>
-                <a:ea typeface="微軟正黑體" pitchFamily="34" charset="-120"/>
-                <a:cs typeface="+mj-cs"/>
-              </a:rPr>
-              <a:t>牧師 </a:t>
-            </a:r>
-            <a:r>
-              <a:rPr lang="vi-VN" sz="3200" b="1" dirty="0">
-                <a:solidFill>
-                  <a:srgbClr val="660033"/>
-                </a:solidFill>
-                <a:effectLst>
-                  <a:outerShdw blurRad="38100" dist="38100" dir="2700000" algn="tl">
-                    <a:srgbClr val="000000">
-                      <a:alpha val="43137"/>
-                    </a:srgbClr>
-                  </a:outerShdw>
-                </a:effectLst>
-                <a:latin typeface="+mj-lt"/>
-              </a:rPr>
-              <a:t>MsQn. Trần Lương Đông</a:t>
-            </a:r>
-            <a:endParaRPr lang="zh-TW" altLang="en-US" sz="3200" b="1" dirty="0">
+              <a:buFont typeface="Arial" pitchFamily="34" charset="0"/>
+              <a:buChar char="•"/>
+              <a:defRPr sz="3200" kern="1200">
+                <a:solidFill>
+                  <a:schemeClr val="tx1"/>
+                </a:solidFill>
+                <a:latin typeface="+mn-lt"/>
+                <a:ea typeface="+mn-ea"/>
+                <a:cs typeface="+mn-cs"/>
+              </a:defRPr>
+            </a:lvl1pPr>
+            <a:lvl2pPr marL="742950" indent="-285750" algn="l" defTabSz="914400" rtl="0" eaLnBrk="1" latinLnBrk="0" hangingPunct="1">
+              <a:spcBef>
+                <a:spcPct val="20000"/>
+              </a:spcBef>
+              <a:buFont typeface="Arial" pitchFamily="34" charset="0"/>
+              <a:buChar char="–"/>
+              <a:defRPr sz="2800" kern="1200">
+                <a:solidFill>
+                  <a:schemeClr val="tx1"/>
+                </a:solidFill>
+                <a:latin typeface="+mn-lt"/>
+                <a:ea typeface="+mn-ea"/>
+                <a:cs typeface="+mn-cs"/>
+              </a:defRPr>
+            </a:lvl2pPr>
+            <a:lvl3pPr marL="1143000" indent="-228600" algn="l" defTabSz="914400" rtl="0" eaLnBrk="1" latinLnBrk="0" hangingPunct="1">
+              <a:spcBef>
+                <a:spcPct val="20000"/>
+              </a:spcBef>
+              <a:buFont typeface="Arial" pitchFamily="34" charset="0"/>
+              <a:buChar char="•"/>
+              <a:defRPr sz="2400" kern="1200">
+                <a:solidFill>
+                  <a:schemeClr val="tx1"/>
+                </a:solidFill>
+                <a:latin typeface="+mn-lt"/>
+                <a:ea typeface="+mn-ea"/>
+                <a:cs typeface="+mn-cs"/>
+              </a:defRPr>
+            </a:lvl3pPr>
+            <a:lvl4pPr marL="1600200" indent="-228600" algn="l" defTabSz="914400" rtl="0" eaLnBrk="1" latinLnBrk="0" hangingPunct="1">
+              <a:spcBef>
+                <a:spcPct val="20000"/>
+              </a:spcBef>
+              <a:buFont typeface="Arial" pitchFamily="34" charset="0"/>
+              <a:buChar char="–"/>
+              <a:defRPr sz="2000" kern="1200">
+                <a:solidFill>
+                  <a:schemeClr val="tx1"/>
+                </a:solidFill>
+                <a:latin typeface="+mn-lt"/>
+                <a:ea typeface="+mn-ea"/>
+                <a:cs typeface="+mn-cs"/>
+              </a:defRPr>
+            </a:lvl4pPr>
+            <a:lvl5pPr marL="2057400" indent="-228600" algn="l" defTabSz="914400" rtl="0" eaLnBrk="1" latinLnBrk="0" hangingPunct="1">
+              <a:spcBef>
+                <a:spcPct val="20000"/>
+              </a:spcBef>
+              <a:buFont typeface="Arial" pitchFamily="34" charset="0"/>
+              <a:buChar char="»"/>
+              <a:defRPr sz="2000" kern="1200">
+                <a:solidFill>
+                  <a:schemeClr val="tx1"/>
+                </a:solidFill>
+                <a:latin typeface="+mn-lt"/>
+                <a:ea typeface="+mn-ea"/>
+                <a:cs typeface="+mn-cs"/>
+              </a:defRPr>
+            </a:lvl5pPr>
+            <a:lvl6pPr marL="2514600" indent="-228600" algn="l" defTabSz="914400" rtl="0" eaLnBrk="1" latinLnBrk="0" hangingPunct="1">
+              <a:spcBef>
+                <a:spcPct val="20000"/>
+              </a:spcBef>
+              <a:buFont typeface="Arial" pitchFamily="34" charset="0"/>
+              <a:buChar char="•"/>
+              <a:defRPr sz="2000" kern="1200">
+                <a:solidFill>
+                  <a:schemeClr val="tx1"/>
+                </a:solidFill>
+                <a:latin typeface="+mn-lt"/>
+                <a:ea typeface="+mn-ea"/>
+                <a:cs typeface="+mn-cs"/>
+              </a:defRPr>
+            </a:lvl6pPr>
+            <a:lvl7pPr marL="2971800" indent="-228600" algn="l" defTabSz="914400" rtl="0" eaLnBrk="1" latinLnBrk="0" hangingPunct="1">
+              <a:spcBef>
+                <a:spcPct val="20000"/>
+              </a:spcBef>
+              <a:buFont typeface="Arial" pitchFamily="34" charset="0"/>
+              <a:buChar char="•"/>
+              <a:defRPr sz="2000" kern="1200">
+                <a:solidFill>
+                  <a:schemeClr val="tx1"/>
+                </a:solidFill>
+                <a:latin typeface="+mn-lt"/>
+                <a:ea typeface="+mn-ea"/>
+                <a:cs typeface="+mn-cs"/>
+              </a:defRPr>
+            </a:lvl7pPr>
+            <a:lvl8pPr marL="3429000" indent="-228600" algn="l" defTabSz="914400" rtl="0" eaLnBrk="1" latinLnBrk="0" hangingPunct="1">
+              <a:spcBef>
+                <a:spcPct val="20000"/>
+              </a:spcBef>
+              <a:buFont typeface="Arial" pitchFamily="34" charset="0"/>
+              <a:buChar char="•"/>
+              <a:defRPr sz="2000" kern="1200">
+                <a:solidFill>
+                  <a:schemeClr val="tx1"/>
+                </a:solidFill>
+                <a:latin typeface="+mn-lt"/>
+                <a:ea typeface="+mn-ea"/>
+                <a:cs typeface="+mn-cs"/>
+              </a:defRPr>
+            </a:lvl8pPr>
+            <a:lvl9pPr marL="3886200" indent="-228600" algn="l" defTabSz="914400" rtl="0" eaLnBrk="1" latinLnBrk="0" hangingPunct="1">
+              <a:spcBef>
+                <a:spcPct val="20000"/>
+              </a:spcBef>
+              <a:buFont typeface="Arial" pitchFamily="34" charset="0"/>
+              <a:buChar char="•"/>
+              <a:defRPr sz="2000" kern="1200">
+                <a:solidFill>
+                  <a:schemeClr val="tx1"/>
+                </a:solidFill>
+                <a:latin typeface="+mn-lt"/>
+                <a:ea typeface="+mn-ea"/>
+                <a:cs typeface="+mn-cs"/>
+              </a:defRPr>
+            </a:lvl9pPr>
+          </a:lstStyle>
+          <a:p>
+            <a:pPr algn="just"/>
+            <a:r>
+              <a:rPr lang="vi-VN" sz="2800" b="1" dirty="0">
+                <a:solidFill>
+                  <a:srgbClr val="660033"/>
+                </a:solidFill>
+              </a:rPr>
+              <a:t>Gal 3:26  Vì chưng anh em bởi tin Ðức Chúa Jêsus Christ, nên hết thảy đều là con trai của Ðức Chúa Trời. </a:t>
+            </a:r>
+          </a:p>
+          <a:p>
+            <a:pPr algn="just"/>
+            <a:r>
+              <a:rPr lang="vi-VN" sz="2800" b="1" dirty="0">
+                <a:solidFill>
+                  <a:srgbClr val="660033"/>
+                </a:solidFill>
+              </a:rPr>
+              <a:t>Gal 3:27  Vả, anh em thảy đều chịu phép báp tem trong Ðấng Christ, đều mặc lấy Ðấng Christ vậy. </a:t>
+            </a:r>
+            <a:endParaRPr lang="en-US" altLang="zh-TW" sz="2800" b="1" dirty="0">
               <a:solidFill>
                 <a:srgbClr val="660033"/>
               </a:solidFill>
-              <a:effectLst>
-                <a:outerShdw blurRad="38100" dist="38100" dir="2700000" algn="tl">
-                  <a:srgbClr val="000000">
-                    <a:alpha val="43137"/>
-                  </a:srgbClr>
-                </a:outerShdw>
-              </a:effectLst>
               <a:latin typeface="+mj-lt"/>
-              <a:ea typeface="微軟正黑體" pitchFamily="34" charset="-120"/>
-              <a:cs typeface="+mj-cs"/>
             </a:endParaRPr>
           </a:p>
         </p:txBody>
       </p:sp>
-      <p:sp>
-        <p:nvSpPr>
-          <p:cNvPr id="5" name="標題 1"/>
-          <p:cNvSpPr txBox="1">
-            <a:spLocks/>
-          </p:cNvSpPr>
-          <p:nvPr/>
-        </p:nvSpPr>
-        <p:spPr>
-          <a:xfrm>
-            <a:off x="-4345" y="2355726"/>
-            <a:ext cx="9144000" cy="628650"/>
-          </a:xfrm>
-          <a:prstGeom prst="rect">
-            <a:avLst/>
-          </a:prstGeom>
-        </p:spPr>
-        <p:txBody>
-          <a:bodyPr anchor="ctr">
-            <a:noAutofit/>
-          </a:bodyPr>
-          <a:lstStyle/>
-          <a:p>
-            <a:pPr lvl="0" algn="ctr">
-              <a:spcBef>
-                <a:spcPct val="0"/>
-              </a:spcBef>
-            </a:pPr>
-            <a:r>
-              <a:rPr lang="zh-CN" altLang="en-US" sz="4800" b="1" dirty="0" smtClean="0">
-                <a:solidFill>
-                  <a:srgbClr val="000066"/>
-                </a:solidFill>
-                <a:effectLst>
-                  <a:outerShdw blurRad="38100" dist="38100" dir="2700000" algn="tl">
-                    <a:srgbClr val="000000">
-                      <a:alpha val="43137"/>
-                    </a:srgbClr>
-                  </a:outerShdw>
-                </a:effectLst>
-                <a:latin typeface="微軟正黑體" pitchFamily="34" charset="-120"/>
-                <a:ea typeface="微軟正黑體" pitchFamily="34" charset="-120"/>
-                <a:cs typeface="+mj-cs"/>
-              </a:rPr>
-              <a:t>主題</a:t>
-            </a:r>
-            <a:r>
-              <a:rPr lang="en-US" altLang="zh-CN" sz="4800" b="1" dirty="0" smtClean="0">
-                <a:solidFill>
-                  <a:srgbClr val="000066"/>
-                </a:solidFill>
-                <a:effectLst>
-                  <a:outerShdw blurRad="38100" dist="38100" dir="2700000" algn="tl">
-                    <a:srgbClr val="000000">
-                      <a:alpha val="43137"/>
-                    </a:srgbClr>
-                  </a:outerShdw>
-                </a:effectLst>
-                <a:latin typeface="微軟正黑體" pitchFamily="34" charset="-120"/>
-                <a:ea typeface="微軟正黑體" pitchFamily="34" charset="-120"/>
-                <a:cs typeface="+mj-cs"/>
-              </a:rPr>
-              <a:t>:  </a:t>
-            </a:r>
-            <a:r>
-              <a:rPr lang="zh-TW" altLang="en-US" sz="4800" b="1" dirty="0" smtClean="0">
-                <a:solidFill>
-                  <a:srgbClr val="000066"/>
-                </a:solidFill>
-                <a:effectLst>
-                  <a:outerShdw blurRad="38100" dist="38100" dir="2700000" algn="tl">
-                    <a:srgbClr val="000000">
-                      <a:alpha val="43137"/>
-                    </a:srgbClr>
-                  </a:outerShdw>
-                </a:effectLst>
-                <a:latin typeface="微軟正黑體" pitchFamily="34" charset="-120"/>
-                <a:ea typeface="微軟正黑體" pitchFamily="34" charset="-120"/>
-                <a:cs typeface="+mj-cs"/>
-              </a:rPr>
-              <a:t>信</a:t>
-            </a:r>
-            <a:r>
-              <a:rPr lang="zh-TW" altLang="en-US" sz="4800" b="1" dirty="0">
-                <a:solidFill>
-                  <a:srgbClr val="000066"/>
-                </a:solidFill>
-                <a:effectLst>
-                  <a:outerShdw blurRad="38100" dist="38100" dir="2700000" algn="tl">
-                    <a:srgbClr val="000000">
-                      <a:alpha val="43137"/>
-                    </a:srgbClr>
-                  </a:outerShdw>
-                </a:effectLst>
-                <a:latin typeface="微軟正黑體" pitchFamily="34" charset="-120"/>
-                <a:ea typeface="微軟正黑體" pitchFamily="34" charset="-120"/>
-                <a:cs typeface="+mj-cs"/>
-              </a:rPr>
-              <a:t>主和受洗的意義</a:t>
-            </a:r>
-            <a:endParaRPr lang="en-US" altLang="zh-CN" sz="6000" b="1" dirty="0">
-              <a:solidFill>
-                <a:srgbClr val="000066"/>
-              </a:solidFill>
-              <a:effectLst>
-                <a:outerShdw blurRad="38100" dist="38100" dir="2700000" algn="tl">
-                  <a:srgbClr val="000000">
-                    <a:alpha val="43137"/>
-                  </a:srgbClr>
-                </a:outerShdw>
-              </a:effectLst>
-              <a:latin typeface="微軟正黑體" pitchFamily="34" charset="-120"/>
-              <a:ea typeface="微軟正黑體" pitchFamily="34" charset="-120"/>
-              <a:cs typeface="+mj-cs"/>
-            </a:endParaRPr>
-          </a:p>
-          <a:p>
-            <a:pPr lvl="0" algn="ctr">
-              <a:spcBef>
-                <a:spcPct val="0"/>
-              </a:spcBef>
-            </a:pPr>
-            <a:r>
-              <a:rPr lang="vi-VN" sz="3600" b="1" dirty="0">
-                <a:solidFill>
-                  <a:srgbClr val="660033"/>
-                </a:solidFill>
-                <a:effectLst>
-                  <a:outerShdw blurRad="38100" dist="38100" dir="2700000" algn="tl">
-                    <a:srgbClr val="000000">
-                      <a:alpha val="43137"/>
-                    </a:srgbClr>
-                  </a:outerShdw>
-                </a:effectLst>
-                <a:latin typeface="+mj-lt"/>
-              </a:rPr>
-              <a:t>Chủ đề: Ý nghĩa của sự tin Chúa và chịu Báp-tem</a:t>
-            </a:r>
-            <a:endParaRPr lang="zh-TW" altLang="en-US" sz="6000" b="1" dirty="0">
-              <a:solidFill>
-                <a:srgbClr val="660033"/>
-              </a:solidFill>
-              <a:effectLst>
-                <a:outerShdw blurRad="38100" dist="38100" dir="2700000" algn="tl">
-                  <a:srgbClr val="000000">
-                    <a:alpha val="43137"/>
-                  </a:srgbClr>
-                </a:outerShdw>
-              </a:effectLst>
-              <a:latin typeface="+mj-lt"/>
-              <a:ea typeface="微軟正黑體" pitchFamily="34" charset="-120"/>
-              <a:cs typeface="+mj-cs"/>
-            </a:endParaRPr>
-          </a:p>
-        </p:txBody>
-      </p:sp>
     </p:spTree>
+    <p:extLst>
+      <p:ext uri="{BB962C8B-B14F-4D97-AF65-F5344CB8AC3E}">
+        <p14:creationId xmlns:p14="http://schemas.microsoft.com/office/powerpoint/2010/main" val="3368173698"/>
+      </p:ext>
+    </p:extLst>
   </p:cSld>
   <p:clrMapOvr>
     <a:masterClrMapping/>
@@ -5771,8 +5612,8 @@
         </p:nvSpPr>
         <p:spPr>
           <a:xfrm>
-            <a:off x="0" y="1563638"/>
-            <a:ext cx="9144000" cy="964406"/>
+            <a:off x="0" y="550069"/>
+            <a:ext cx="9144000" cy="628650"/>
           </a:xfrm>
         </p:spPr>
         <p:txBody>
@@ -5781,8 +5622,9 @@
           </a:bodyPr>
           <a:lstStyle/>
           <a:p>
-            <a:r>
-              <a:rPr lang="zh-CN" altLang="en-US" sz="6000" b="1" dirty="0">
+            <a:pPr algn="ctr"/>
+            <a:r>
+              <a:rPr lang="zh-CN" altLang="en-US" sz="6000" b="1" dirty="0" smtClean="0">
                 <a:solidFill>
                   <a:srgbClr val="000066"/>
                 </a:solidFill>
@@ -5796,9 +5638,279 @@
                 <a:latin typeface="微軟正黑體" pitchFamily="34" charset="-120"/>
                 <a:ea typeface="微軟正黑體" pitchFamily="34" charset="-120"/>
               </a:rPr>
-              <a:t>回應禱告</a:t>
-            </a:r>
-            <a:endParaRPr lang="zh-TW" altLang="en-US" sz="6000" b="1" dirty="0">
+              <a:t>證道 </a:t>
+            </a:r>
+            <a:r>
+              <a:rPr lang="en-US" altLang="zh-CN" sz="5400" b="1" dirty="0" err="1" smtClean="0">
+                <a:solidFill>
+                  <a:srgbClr val="660033"/>
+                </a:solidFill>
+                <a:effectLst>
+                  <a:outerShdw blurRad="38100" dist="38100" dir="2700000" algn="tl">
+                    <a:srgbClr val="000000">
+                      <a:alpha val="43137"/>
+                    </a:srgbClr>
+                  </a:outerShdw>
+                </a:effectLst>
+                <a:latin typeface="Times New Roman" pitchFamily="18" charset="0"/>
+                <a:ea typeface="微軟正黑體" pitchFamily="34" charset="-120"/>
+                <a:cs typeface="Times New Roman" pitchFamily="18" charset="0"/>
+              </a:rPr>
+              <a:t>Giảng</a:t>
+            </a:r>
+            <a:r>
+              <a:rPr lang="en-US" altLang="zh-CN" sz="5400" b="1" dirty="0" smtClean="0">
+                <a:solidFill>
+                  <a:srgbClr val="660033"/>
+                </a:solidFill>
+                <a:effectLst>
+                  <a:outerShdw blurRad="38100" dist="38100" dir="2700000" algn="tl">
+                    <a:srgbClr val="000000">
+                      <a:alpha val="43137"/>
+                    </a:srgbClr>
+                  </a:outerShdw>
+                </a:effectLst>
+                <a:latin typeface="Times New Roman" pitchFamily="18" charset="0"/>
+                <a:ea typeface="微軟正黑體" pitchFamily="34" charset="-120"/>
+                <a:cs typeface="Times New Roman" pitchFamily="18" charset="0"/>
+              </a:rPr>
+              <a:t> </a:t>
+            </a:r>
+            <a:r>
+              <a:rPr lang="en-US" altLang="zh-CN" sz="5400" b="1" dirty="0" err="1" smtClean="0">
+                <a:solidFill>
+                  <a:srgbClr val="660033"/>
+                </a:solidFill>
+                <a:effectLst>
+                  <a:outerShdw blurRad="38100" dist="38100" dir="2700000" algn="tl">
+                    <a:srgbClr val="000000">
+                      <a:alpha val="43137"/>
+                    </a:srgbClr>
+                  </a:outerShdw>
+                </a:effectLst>
+                <a:latin typeface="Times New Roman" pitchFamily="18" charset="0"/>
+                <a:ea typeface="微軟正黑體" pitchFamily="34" charset="-120"/>
+                <a:cs typeface="Times New Roman" pitchFamily="18" charset="0"/>
+              </a:rPr>
+              <a:t>luận</a:t>
+            </a:r>
+            <a:endParaRPr lang="zh-TW" altLang="en-US" sz="7200" b="1" dirty="0">
+              <a:solidFill>
+                <a:srgbClr val="660033"/>
+              </a:solidFill>
+              <a:effectLst>
+                <a:outerShdw blurRad="38100" dist="38100" dir="2700000" algn="tl">
+                  <a:srgbClr val="000000">
+                    <a:alpha val="43137"/>
+                  </a:srgbClr>
+                </a:outerShdw>
+              </a:effectLst>
+              <a:latin typeface="Times New Roman" pitchFamily="18" charset="0"/>
+              <a:ea typeface="微軟正黑體" pitchFamily="34" charset="-120"/>
+              <a:cs typeface="Times New Roman" pitchFamily="18" charset="0"/>
+            </a:endParaRPr>
+          </a:p>
+        </p:txBody>
+      </p:sp>
+      <p:sp>
+        <p:nvSpPr>
+          <p:cNvPr id="4" name="標題 1"/>
+          <p:cNvSpPr txBox="1">
+            <a:spLocks/>
+          </p:cNvSpPr>
+          <p:nvPr/>
+        </p:nvSpPr>
+        <p:spPr>
+          <a:xfrm>
+            <a:off x="-4345" y="4160574"/>
+            <a:ext cx="9144000" cy="628650"/>
+          </a:xfrm>
+          <a:prstGeom prst="rect">
+            <a:avLst/>
+          </a:prstGeom>
+        </p:spPr>
+        <p:txBody>
+          <a:bodyPr anchor="ctr">
+            <a:noAutofit/>
+          </a:bodyPr>
+          <a:lstStyle/>
+          <a:p>
+            <a:pPr lvl="0" algn="ctr">
+              <a:spcBef>
+                <a:spcPct val="0"/>
+              </a:spcBef>
+            </a:pPr>
+            <a:r>
+              <a:rPr lang="zh-TW" altLang="en-US" sz="4000" b="1" dirty="0">
+                <a:solidFill>
+                  <a:srgbClr val="000066"/>
+                </a:solidFill>
+                <a:effectLst>
+                  <a:outerShdw blurRad="38100" dist="38100" dir="2700000" algn="tl">
+                    <a:srgbClr val="000000">
+                      <a:alpha val="43137"/>
+                    </a:srgbClr>
+                  </a:outerShdw>
+                </a:effectLst>
+                <a:latin typeface="微軟正黑體" pitchFamily="34" charset="-120"/>
+                <a:ea typeface="微軟正黑體" pitchFamily="34" charset="-120"/>
+                <a:cs typeface="+mj-cs"/>
+              </a:rPr>
+              <a:t>主任</a:t>
+            </a:r>
+            <a:r>
+              <a:rPr lang="zh-TW" altLang="en-US" sz="4000" b="1" dirty="0" smtClean="0">
+                <a:solidFill>
+                  <a:srgbClr val="000066"/>
+                </a:solidFill>
+                <a:effectLst>
+                  <a:outerShdw blurRad="38100" dist="38100" dir="2700000" algn="tl">
+                    <a:srgbClr val="000000">
+                      <a:alpha val="43137"/>
+                    </a:srgbClr>
+                  </a:outerShdw>
+                </a:effectLst>
+                <a:latin typeface="微軟正黑體" pitchFamily="34" charset="-120"/>
+                <a:ea typeface="微軟正黑體" pitchFamily="34" charset="-120"/>
+                <a:cs typeface="+mj-cs"/>
+              </a:rPr>
+              <a:t>牧師 </a:t>
+            </a:r>
+            <a:r>
+              <a:rPr lang="vi-VN" sz="3200" b="1" dirty="0">
+                <a:solidFill>
+                  <a:srgbClr val="660033"/>
+                </a:solidFill>
+                <a:effectLst>
+                  <a:outerShdw blurRad="38100" dist="38100" dir="2700000" algn="tl">
+                    <a:srgbClr val="000000">
+                      <a:alpha val="43137"/>
+                    </a:srgbClr>
+                  </a:outerShdw>
+                </a:effectLst>
+                <a:latin typeface="+mj-lt"/>
+              </a:rPr>
+              <a:t>MsQn. Trần Lương Đông</a:t>
+            </a:r>
+            <a:endParaRPr lang="zh-TW" altLang="en-US" sz="3200" b="1" dirty="0">
+              <a:solidFill>
+                <a:srgbClr val="660033"/>
+              </a:solidFill>
+              <a:effectLst>
+                <a:outerShdw blurRad="38100" dist="38100" dir="2700000" algn="tl">
+                  <a:srgbClr val="000000">
+                    <a:alpha val="43137"/>
+                  </a:srgbClr>
+                </a:outerShdw>
+              </a:effectLst>
+              <a:latin typeface="+mj-lt"/>
+              <a:ea typeface="微軟正黑體" pitchFamily="34" charset="-120"/>
+              <a:cs typeface="+mj-cs"/>
+            </a:endParaRPr>
+          </a:p>
+        </p:txBody>
+      </p:sp>
+      <p:sp>
+        <p:nvSpPr>
+          <p:cNvPr id="5" name="標題 1"/>
+          <p:cNvSpPr txBox="1">
+            <a:spLocks/>
+          </p:cNvSpPr>
+          <p:nvPr/>
+        </p:nvSpPr>
+        <p:spPr>
+          <a:xfrm>
+            <a:off x="-4345" y="2355726"/>
+            <a:ext cx="9144000" cy="628650"/>
+          </a:xfrm>
+          <a:prstGeom prst="rect">
+            <a:avLst/>
+          </a:prstGeom>
+        </p:spPr>
+        <p:txBody>
+          <a:bodyPr anchor="ctr">
+            <a:noAutofit/>
+          </a:bodyPr>
+          <a:lstStyle/>
+          <a:p>
+            <a:pPr lvl="0" algn="ctr">
+              <a:spcBef>
+                <a:spcPct val="0"/>
+              </a:spcBef>
+            </a:pPr>
+            <a:r>
+              <a:rPr lang="zh-CN" altLang="en-US" sz="4800" b="1" dirty="0" smtClean="0">
+                <a:solidFill>
+                  <a:srgbClr val="000066"/>
+                </a:solidFill>
+                <a:effectLst>
+                  <a:outerShdw blurRad="38100" dist="38100" dir="2700000" algn="tl">
+                    <a:srgbClr val="000000">
+                      <a:alpha val="43137"/>
+                    </a:srgbClr>
+                  </a:outerShdw>
+                </a:effectLst>
+                <a:latin typeface="微軟正黑體" pitchFamily="34" charset="-120"/>
+                <a:ea typeface="微軟正黑體" pitchFamily="34" charset="-120"/>
+                <a:cs typeface="+mj-cs"/>
+              </a:rPr>
+              <a:t>主題</a:t>
+            </a:r>
+            <a:r>
+              <a:rPr lang="en-US" altLang="zh-CN" sz="4800" b="1" dirty="0" smtClean="0">
+                <a:solidFill>
+                  <a:srgbClr val="000066"/>
+                </a:solidFill>
+                <a:effectLst>
+                  <a:outerShdw blurRad="38100" dist="38100" dir="2700000" algn="tl">
+                    <a:srgbClr val="000000">
+                      <a:alpha val="43137"/>
+                    </a:srgbClr>
+                  </a:outerShdw>
+                </a:effectLst>
+                <a:latin typeface="微軟正黑體" pitchFamily="34" charset="-120"/>
+                <a:ea typeface="微軟正黑體" pitchFamily="34" charset="-120"/>
+                <a:cs typeface="+mj-cs"/>
+              </a:rPr>
+              <a:t>:  </a:t>
+            </a:r>
+            <a:r>
+              <a:rPr lang="zh-TW" altLang="en-US" sz="4800" b="1" dirty="0" smtClean="0">
+                <a:solidFill>
+                  <a:srgbClr val="000066"/>
+                </a:solidFill>
+                <a:effectLst>
+                  <a:outerShdw blurRad="38100" dist="38100" dir="2700000" algn="tl">
+                    <a:srgbClr val="000000">
+                      <a:alpha val="43137"/>
+                    </a:srgbClr>
+                  </a:outerShdw>
+                </a:effectLst>
+                <a:latin typeface="微軟正黑體" pitchFamily="34" charset="-120"/>
+                <a:ea typeface="微軟正黑體" pitchFamily="34" charset="-120"/>
+                <a:cs typeface="+mj-cs"/>
+              </a:rPr>
+              <a:t>信</a:t>
+            </a:r>
+            <a:r>
+              <a:rPr lang="zh-TW" altLang="en-US" sz="4800" b="1" dirty="0">
+                <a:solidFill>
+                  <a:srgbClr val="000066"/>
+                </a:solidFill>
+                <a:effectLst>
+                  <a:outerShdw blurRad="38100" dist="38100" dir="2700000" algn="tl">
+                    <a:srgbClr val="000000">
+                      <a:alpha val="43137"/>
+                    </a:srgbClr>
+                  </a:outerShdw>
+                </a:effectLst>
+                <a:latin typeface="微軟正黑體" pitchFamily="34" charset="-120"/>
+                <a:ea typeface="微軟正黑體" pitchFamily="34" charset="-120"/>
+                <a:cs typeface="+mj-cs"/>
+              </a:rPr>
+              <a:t>主和受洗的意義</a:t>
+            </a:r>
+            <a:endParaRPr lang="en-US" altLang="zh-CN" sz="6000" b="1" dirty="0">
               <a:solidFill>
                 <a:srgbClr val="000066"/>
               </a:solidFill>
@@ -5811,175 +5923,32 @@
               </a:effectLst>
               <a:latin typeface="微軟正黑體" pitchFamily="34" charset="-120"/>
               <a:ea typeface="微軟正黑體" pitchFamily="34" charset="-120"/>
+              <a:cs typeface="+mj-cs"/>
             </a:endParaRPr>
           </a:p>
-        </p:txBody>
-      </p:sp>
-      <p:sp>
-        <p:nvSpPr>
-          <p:cNvPr id="3" name="標題 1"/>
-          <p:cNvSpPr txBox="1">
-            <a:spLocks/>
-          </p:cNvSpPr>
-          <p:nvPr/>
-        </p:nvSpPr>
-        <p:spPr>
-          <a:xfrm>
-            <a:off x="0" y="2283718"/>
-            <a:ext cx="9144000" cy="964406"/>
-          </a:xfrm>
-          <a:prstGeom prst="rect">
-            <a:avLst/>
-          </a:prstGeom>
-        </p:spPr>
-        <p:txBody>
-          <a:bodyPr vert="horz" lIns="91440" tIns="45720" rIns="91440" bIns="45720" rtlCol="0" anchor="ctr">
-            <a:noAutofit/>
-          </a:bodyPr>
-          <a:lstStyle>
-            <a:lvl1pPr algn="ctr" defTabSz="914400" rtl="0" eaLnBrk="1" latinLnBrk="0" hangingPunct="1">
+          <a:p>
+            <a:pPr lvl="0" algn="ctr">
               <a:spcBef>
                 <a:spcPct val="0"/>
               </a:spcBef>
-              <a:buNone/>
-              <a:defRPr sz="4400" kern="1200">
-                <a:solidFill>
-                  <a:schemeClr val="tx1"/>
-                </a:solidFill>
+            </a:pPr>
+            <a:r>
+              <a:rPr lang="vi-VN" sz="3600" b="1" dirty="0">
+                <a:solidFill>
+                  <a:srgbClr val="660033"/>
+                </a:solidFill>
+                <a:effectLst>
+                  <a:outerShdw blurRad="38100" dist="38100" dir="2700000" algn="tl">
+                    <a:srgbClr val="000000">
+                      <a:alpha val="43137"/>
+                    </a:srgbClr>
+                  </a:outerShdw>
+                </a:effectLst>
                 <a:latin typeface="+mj-lt"/>
-                <a:ea typeface="+mj-ea"/>
-                <a:cs typeface="+mj-cs"/>
-              </a:defRPr>
-            </a:lvl1pPr>
-          </a:lstStyle>
-          <a:p>
-            <a:r>
-              <a:rPr lang="en-US" altLang="zh-TW" sz="3600" b="1" dirty="0" err="1" smtClean="0">
-                <a:solidFill>
-                  <a:srgbClr val="660033"/>
-                </a:solidFill>
-                <a:effectLst>
-                  <a:outerShdw blurRad="38100" dist="38100" dir="2700000" algn="tl">
-                    <a:srgbClr val="000000">
-                      <a:alpha val="43137"/>
-                    </a:srgbClr>
-                  </a:outerShdw>
-                </a:effectLst>
-                <a:latin typeface="Arial" panose="020B0604020202020204" pitchFamily="34" charset="0"/>
-                <a:ea typeface="微軟正黑體" pitchFamily="34" charset="-120"/>
-                <a:cs typeface="Arial" panose="020B0604020202020204" pitchFamily="34" charset="0"/>
-              </a:rPr>
-              <a:t>Cầu</a:t>
-            </a:r>
-            <a:r>
-              <a:rPr lang="en-US" altLang="zh-TW" sz="3600" b="1" dirty="0" smtClean="0">
-                <a:solidFill>
-                  <a:srgbClr val="660033"/>
-                </a:solidFill>
-                <a:effectLst>
-                  <a:outerShdw blurRad="38100" dist="38100" dir="2700000" algn="tl">
-                    <a:srgbClr val="000000">
-                      <a:alpha val="43137"/>
-                    </a:srgbClr>
-                  </a:outerShdw>
-                </a:effectLst>
-                <a:latin typeface="Arial" panose="020B0604020202020204" pitchFamily="34" charset="0"/>
-                <a:ea typeface="微軟正黑體" pitchFamily="34" charset="-120"/>
-                <a:cs typeface="Arial" panose="020B0604020202020204" pitchFamily="34" charset="0"/>
-              </a:rPr>
-              <a:t> </a:t>
-            </a:r>
-            <a:r>
-              <a:rPr lang="en-US" altLang="zh-TW" sz="3600" b="1" dirty="0" err="1" smtClean="0">
-                <a:solidFill>
-                  <a:srgbClr val="660033"/>
-                </a:solidFill>
-                <a:effectLst>
-                  <a:outerShdw blurRad="38100" dist="38100" dir="2700000" algn="tl">
-                    <a:srgbClr val="000000">
-                      <a:alpha val="43137"/>
-                    </a:srgbClr>
-                  </a:outerShdw>
-                </a:effectLst>
-                <a:latin typeface="Arial" panose="020B0604020202020204" pitchFamily="34" charset="0"/>
-                <a:ea typeface="微軟正黑體" pitchFamily="34" charset="-120"/>
-                <a:cs typeface="Arial" panose="020B0604020202020204" pitchFamily="34" charset="0"/>
-              </a:rPr>
-              <a:t>nguyện</a:t>
-            </a:r>
-            <a:r>
-              <a:rPr lang="en-US" altLang="zh-TW" sz="3600" b="1" dirty="0" smtClean="0">
-                <a:solidFill>
-                  <a:srgbClr val="660033"/>
-                </a:solidFill>
-                <a:effectLst>
-                  <a:outerShdw blurRad="38100" dist="38100" dir="2700000" algn="tl">
-                    <a:srgbClr val="000000">
-                      <a:alpha val="43137"/>
-                    </a:srgbClr>
-                  </a:outerShdw>
-                </a:effectLst>
-                <a:latin typeface="Arial" panose="020B0604020202020204" pitchFamily="34" charset="0"/>
-                <a:ea typeface="微軟正黑體" pitchFamily="34" charset="-120"/>
-                <a:cs typeface="Arial" panose="020B0604020202020204" pitchFamily="34" charset="0"/>
-              </a:rPr>
-              <a:t> </a:t>
-            </a:r>
-            <a:r>
-              <a:rPr lang="en-US" altLang="zh-TW" sz="3600" b="1" dirty="0" err="1" smtClean="0">
-                <a:solidFill>
-                  <a:srgbClr val="660033"/>
-                </a:solidFill>
-                <a:effectLst>
-                  <a:outerShdw blurRad="38100" dist="38100" dir="2700000" algn="tl">
-                    <a:srgbClr val="000000">
-                      <a:alpha val="43137"/>
-                    </a:srgbClr>
-                  </a:outerShdw>
-                </a:effectLst>
-                <a:latin typeface="Arial" panose="020B0604020202020204" pitchFamily="34" charset="0"/>
-                <a:ea typeface="微軟正黑體" pitchFamily="34" charset="-120"/>
-                <a:cs typeface="Arial" panose="020B0604020202020204" pitchFamily="34" charset="0"/>
-              </a:rPr>
-              <a:t>đáp</a:t>
-            </a:r>
-            <a:r>
-              <a:rPr lang="en-US" altLang="zh-TW" sz="3600" b="1" dirty="0" smtClean="0">
-                <a:solidFill>
-                  <a:srgbClr val="660033"/>
-                </a:solidFill>
-                <a:effectLst>
-                  <a:outerShdw blurRad="38100" dist="38100" dir="2700000" algn="tl">
-                    <a:srgbClr val="000000">
-                      <a:alpha val="43137"/>
-                    </a:srgbClr>
-                  </a:outerShdw>
-                </a:effectLst>
-                <a:latin typeface="Arial" panose="020B0604020202020204" pitchFamily="34" charset="0"/>
-                <a:ea typeface="微軟正黑體" pitchFamily="34" charset="-120"/>
-                <a:cs typeface="Arial" panose="020B0604020202020204" pitchFamily="34" charset="0"/>
-              </a:rPr>
-              <a:t> </a:t>
-            </a:r>
-            <a:r>
-              <a:rPr lang="en-US" altLang="zh-TW" sz="3600" b="1" dirty="0" err="1" smtClean="0">
-                <a:solidFill>
-                  <a:srgbClr val="660033"/>
-                </a:solidFill>
-                <a:effectLst>
-                  <a:outerShdw blurRad="38100" dist="38100" dir="2700000" algn="tl">
-                    <a:srgbClr val="000000">
-                      <a:alpha val="43137"/>
-                    </a:srgbClr>
-                  </a:outerShdw>
-                </a:effectLst>
-                <a:latin typeface="Arial" panose="020B0604020202020204" pitchFamily="34" charset="0"/>
-                <a:ea typeface="微軟正黑體" pitchFamily="34" charset="-120"/>
-                <a:cs typeface="Arial" panose="020B0604020202020204" pitchFamily="34" charset="0"/>
-              </a:rPr>
-              <a:t>ứng</a:t>
-            </a:r>
-            <a:endParaRPr lang="zh-TW" altLang="en-US" sz="3600" b="1" dirty="0">
+              </a:rPr>
+              <a:t>Chủ đề: Ý nghĩa của sự tin Chúa và chịu Báp-tem</a:t>
+            </a:r>
+            <a:endParaRPr lang="zh-TW" altLang="en-US" sz="6000" b="1" dirty="0">
               <a:solidFill>
                 <a:srgbClr val="660033"/>
               </a:solidFill>
@@ -5990,19 +5959,14 @@
                   </a:srgbClr>
                 </a:outerShdw>
               </a:effectLst>
-              <a:latin typeface="Arial" panose="020B0604020202020204" pitchFamily="34" charset="0"/>
+              <a:latin typeface="+mj-lt"/>
               <a:ea typeface="微軟正黑體" pitchFamily="34" charset="-120"/>
-              <a:cs typeface="Arial" panose="020B0604020202020204" pitchFamily="34" charset="0"/>
+              <a:cs typeface="+mj-cs"/>
             </a:endParaRPr>
           </a:p>
         </p:txBody>
       </p:sp>
     </p:spTree>
-    <p:extLst>
-      <p:ext uri="{BB962C8B-B14F-4D97-AF65-F5344CB8AC3E}">
-        <p14:creationId xmlns:p14="http://schemas.microsoft.com/office/powerpoint/2010/main" val="1976703525"/>
-      </p:ext>
-    </p:extLst>
   </p:cSld>
   <p:clrMapOvr>
     <a:masterClrMapping/>
@@ -6046,7 +6010,7 @@
         </p:nvSpPr>
         <p:spPr>
           <a:xfrm>
-            <a:off x="0" y="1635646"/>
+            <a:off x="0" y="1563638"/>
             <a:ext cx="9144000" cy="964406"/>
           </a:xfrm>
         </p:spPr>
@@ -6071,7 +6035,7 @@
                 <a:latin typeface="微軟正黑體" pitchFamily="34" charset="-120"/>
                 <a:ea typeface="微軟正黑體" pitchFamily="34" charset="-120"/>
               </a:rPr>
-              <a:t>回應詩歌</a:t>
+              <a:t>回應禱告</a:t>
             </a:r>
             <a:endParaRPr lang="zh-TW" altLang="en-US" sz="6000" b="1" dirty="0">
               <a:solidFill>
@@ -6100,7 +6064,7 @@
         </p:nvSpPr>
         <p:spPr>
           <a:xfrm>
-            <a:off x="0" y="2427734"/>
+            <a:off x="0" y="2283718"/>
             <a:ext cx="9144000" cy="964406"/>
           </a:xfrm>
           <a:prstGeom prst="rect">
@@ -6129,7 +6093,7 @@
           </a:lstStyle>
           <a:p>
             <a:r>
-              <a:rPr lang="en-US" altLang="zh-TW" sz="3600" b="1" dirty="0" err="1">
+              <a:rPr lang="en-US" altLang="zh-TW" sz="3600" b="1" dirty="0" err="1" smtClean="0">
                 <a:solidFill>
                   <a:srgbClr val="660033"/>
                 </a:solidFill>
@@ -6144,10 +6108,10 @@
                 <a:ea typeface="微軟正黑體" pitchFamily="34" charset="-120"/>
                 <a:cs typeface="Arial" panose="020B0604020202020204" pitchFamily="34" charset="0"/>
               </a:rPr>
-              <a:t>Hát</a:t>
-            </a:r>
-            <a:r>
-              <a:rPr lang="en-US" altLang="zh-TW" sz="3600" b="1" dirty="0">
+              <a:t>Cầu</a:t>
+            </a:r>
+            <a:r>
+              <a:rPr lang="en-US" altLang="zh-TW" sz="3600" b="1" dirty="0" smtClean="0">
                 <a:solidFill>
                   <a:srgbClr val="660033"/>
                 </a:solidFill>
@@ -6165,7 +6129,7 @@
               <a:t> </a:t>
             </a:r>
             <a:r>
-              <a:rPr lang="en-US" altLang="zh-TW" sz="3600" b="1" dirty="0" err="1">
+              <a:rPr lang="en-US" altLang="zh-TW" sz="3600" b="1" dirty="0" err="1" smtClean="0">
                 <a:solidFill>
                   <a:srgbClr val="660033"/>
                 </a:solidFill>
@@ -6180,10 +6144,46 @@
                 <a:ea typeface="微軟正黑體" pitchFamily="34" charset="-120"/>
                 <a:cs typeface="Arial" panose="020B0604020202020204" pitchFamily="34" charset="0"/>
               </a:rPr>
+              <a:t>nguyện</a:t>
+            </a:r>
+            <a:r>
+              <a:rPr lang="en-US" altLang="zh-TW" sz="3600" b="1" dirty="0" smtClean="0">
+                <a:solidFill>
+                  <a:srgbClr val="660033"/>
+                </a:solidFill>
+                <a:effectLst>
+                  <a:outerShdw blurRad="38100" dist="38100" dir="2700000" algn="tl">
+                    <a:srgbClr val="000000">
+                      <a:alpha val="43137"/>
+                    </a:srgbClr>
+                  </a:outerShdw>
+                </a:effectLst>
+                <a:latin typeface="Arial" panose="020B0604020202020204" pitchFamily="34" charset="0"/>
+                <a:ea typeface="微軟正黑體" pitchFamily="34" charset="-120"/>
+                <a:cs typeface="Arial" panose="020B0604020202020204" pitchFamily="34" charset="0"/>
+              </a:rPr>
+              <a:t> </a:t>
+            </a:r>
+            <a:r>
+              <a:rPr lang="en-US" altLang="zh-TW" sz="3600" b="1" dirty="0" err="1" smtClean="0">
+                <a:solidFill>
+                  <a:srgbClr val="660033"/>
+                </a:solidFill>
+                <a:effectLst>
+                  <a:outerShdw blurRad="38100" dist="38100" dir="2700000" algn="tl">
+                    <a:srgbClr val="000000">
+                      <a:alpha val="43137"/>
+                    </a:srgbClr>
+                  </a:outerShdw>
+                </a:effectLst>
+                <a:latin typeface="Arial" panose="020B0604020202020204" pitchFamily="34" charset="0"/>
+                <a:ea typeface="微軟正黑體" pitchFamily="34" charset="-120"/>
+                <a:cs typeface="Arial" panose="020B0604020202020204" pitchFamily="34" charset="0"/>
+              </a:rPr>
               <a:t>đáp</a:t>
             </a:r>
             <a:r>
-              <a:rPr lang="en-US" altLang="zh-TW" sz="3600" b="1" dirty="0">
+              <a:rPr lang="en-US" altLang="zh-TW" sz="3600" b="1" dirty="0" smtClean="0">
                 <a:solidFill>
                   <a:srgbClr val="660033"/>
                 </a:solidFill>
@@ -6201,7 +6201,7 @@
               <a:t> </a:t>
             </a:r>
             <a:r>
-              <a:rPr lang="en-US" altLang="zh-TW" sz="3600" b="1" dirty="0" err="1">
+              <a:rPr lang="en-US" altLang="zh-TW" sz="3600" b="1" dirty="0" err="1" smtClean="0">
                 <a:solidFill>
                   <a:srgbClr val="660033"/>
                 </a:solidFill>
@@ -6239,7 +6239,7 @@
     </p:spTree>
     <p:extLst>
       <p:ext uri="{BB962C8B-B14F-4D97-AF65-F5344CB8AC3E}">
-        <p14:creationId xmlns:p14="http://schemas.microsoft.com/office/powerpoint/2010/main" val="4199489251"/>
+        <p14:creationId xmlns:p14="http://schemas.microsoft.com/office/powerpoint/2010/main" val="1976703525"/>
       </p:ext>
     </p:extLst>
   </p:cSld>
@@ -6310,7 +6310,7 @@
                 <a:latin typeface="微軟正黑體" pitchFamily="34" charset="-120"/>
                 <a:ea typeface="微軟正黑體" pitchFamily="34" charset="-120"/>
               </a:rPr>
-              <a:t>家事分享代禱</a:t>
+              <a:t>回應詩歌</a:t>
             </a:r>
             <a:endParaRPr lang="zh-TW" altLang="en-US" sz="6000" b="1" dirty="0">
               <a:solidFill>
@@ -6383,7 +6383,7 @@
                 <a:ea typeface="微軟正黑體" pitchFamily="34" charset="-120"/>
                 <a:cs typeface="Arial" panose="020B0604020202020204" pitchFamily="34" charset="0"/>
               </a:rPr>
-              <a:t>Thông</a:t>
+              <a:t>Hát</a:t>
             </a:r>
             <a:r>
               <a:rPr lang="en-US" altLang="zh-TW" sz="3600" b="1" dirty="0">
@@ -6419,7 +6419,43 @@
                 <a:ea typeface="微軟正黑體" pitchFamily="34" charset="-120"/>
                 <a:cs typeface="Arial" panose="020B0604020202020204" pitchFamily="34" charset="0"/>
               </a:rPr>
-              <a:t>báo</a:t>
+              <a:t>đáp</a:t>
+            </a:r>
+            <a:r>
+              <a:rPr lang="en-US" altLang="zh-TW" sz="3600" b="1" dirty="0">
+                <a:solidFill>
+                  <a:srgbClr val="660033"/>
+                </a:solidFill>
+                <a:effectLst>
+                  <a:outerShdw blurRad="38100" dist="38100" dir="2700000" algn="tl">
+                    <a:srgbClr val="000000">
+                      <a:alpha val="43137"/>
+                    </a:srgbClr>
+                  </a:outerShdw>
+                </a:effectLst>
+                <a:latin typeface="Arial" panose="020B0604020202020204" pitchFamily="34" charset="0"/>
+                <a:ea typeface="微軟正黑體" pitchFamily="34" charset="-120"/>
+                <a:cs typeface="Arial" panose="020B0604020202020204" pitchFamily="34" charset="0"/>
+              </a:rPr>
+              <a:t> </a:t>
+            </a:r>
+            <a:r>
+              <a:rPr lang="en-US" altLang="zh-TW" sz="3600" b="1" dirty="0" err="1">
+                <a:solidFill>
+                  <a:srgbClr val="660033"/>
+                </a:solidFill>
+                <a:effectLst>
+                  <a:outerShdw blurRad="38100" dist="38100" dir="2700000" algn="tl">
+                    <a:srgbClr val="000000">
+                      <a:alpha val="43137"/>
+                    </a:srgbClr>
+                  </a:outerShdw>
+                </a:effectLst>
+                <a:latin typeface="Arial" panose="020B0604020202020204" pitchFamily="34" charset="0"/>
+                <a:ea typeface="微軟正黑體" pitchFamily="34" charset="-120"/>
+                <a:cs typeface="Arial" panose="020B0604020202020204" pitchFamily="34" charset="0"/>
+              </a:rPr>
+              <a:t>ứng</a:t>
             </a:r>
             <a:endParaRPr lang="zh-TW" altLang="en-US" sz="3600" b="1" dirty="0">
               <a:solidFill>
@@ -6442,7 +6478,7 @@
     </p:spTree>
     <p:extLst>
       <p:ext uri="{BB962C8B-B14F-4D97-AF65-F5344CB8AC3E}">
-        <p14:creationId xmlns:p14="http://schemas.microsoft.com/office/powerpoint/2010/main" val="3370077686"/>
+        <p14:creationId xmlns:p14="http://schemas.microsoft.com/office/powerpoint/2010/main" val="4199489251"/>
       </p:ext>
     </p:extLst>
   </p:cSld>
@@ -6499,7 +6535,7 @@
           <a:lstStyle/>
           <a:p>
             <a:r>
-              <a:rPr lang="zh-TW" altLang="en-US" sz="6000" b="1" dirty="0">
+              <a:rPr lang="zh-CN" altLang="en-US" sz="6000" b="1" dirty="0">
                 <a:solidFill>
                   <a:srgbClr val="000066"/>
                 </a:solidFill>
@@ -6513,8 +6549,22 @@
                 <a:latin typeface="微軟正黑體" pitchFamily="34" charset="-120"/>
                 <a:ea typeface="微軟正黑體" pitchFamily="34" charset="-120"/>
               </a:rPr>
-              <a:t>水禮</a:t>
-            </a:r>
+              <a:t>家事分享代禱</a:t>
+            </a:r>
+            <a:endParaRPr lang="zh-TW" altLang="en-US" sz="6000" b="1" dirty="0">
+              <a:solidFill>
+                <a:srgbClr val="000066"/>
+              </a:solidFill>
+              <a:effectLst>
+                <a:outerShdw blurRad="38100" dist="38100" dir="2700000" algn="tl">
+                  <a:srgbClr val="000000">
+                    <a:alpha val="43137"/>
+                  </a:srgbClr>
+                </a:outerShdw>
+              </a:effectLst>
+              <a:latin typeface="微軟正黑體" pitchFamily="34" charset="-120"/>
+              <a:ea typeface="微軟正黑體" pitchFamily="34" charset="-120"/>
+            </a:endParaRPr>
           </a:p>
         </p:txBody>
       </p:sp>
@@ -6557,7 +6607,7 @@
           </a:lstStyle>
           <a:p>
             <a:r>
-              <a:rPr lang="vi-VN" sz="3600" b="1" dirty="0">
+              <a:rPr lang="en-US" altLang="zh-TW" sz="3600" b="1" dirty="0" err="1">
                 <a:solidFill>
                   <a:srgbClr val="660033"/>
                 </a:solidFill>
@@ -6572,7 +6622,43 @@
                 <a:ea typeface="微軟正黑體" pitchFamily="34" charset="-120"/>
                 <a:cs typeface="Arial" panose="020B0604020202020204" pitchFamily="34" charset="0"/>
               </a:rPr>
-              <a:t>Lễ Báp-tem</a:t>
+              <a:t>Thông</a:t>
+            </a:r>
+            <a:r>
+              <a:rPr lang="en-US" altLang="zh-TW" sz="3600" b="1" dirty="0">
+                <a:solidFill>
+                  <a:srgbClr val="660033"/>
+                </a:solidFill>
+                <a:effectLst>
+                  <a:outerShdw blurRad="38100" dist="38100" dir="2700000" algn="tl">
+                    <a:srgbClr val="000000">
+                      <a:alpha val="43137"/>
+                    </a:srgbClr>
+                  </a:outerShdw>
+                </a:effectLst>
+                <a:latin typeface="Arial" panose="020B0604020202020204" pitchFamily="34" charset="0"/>
+                <a:ea typeface="微軟正黑體" pitchFamily="34" charset="-120"/>
+                <a:cs typeface="Arial" panose="020B0604020202020204" pitchFamily="34" charset="0"/>
+              </a:rPr>
+              <a:t> </a:t>
+            </a:r>
+            <a:r>
+              <a:rPr lang="en-US" altLang="zh-TW" sz="3600" b="1" dirty="0" err="1">
+                <a:solidFill>
+                  <a:srgbClr val="660033"/>
+                </a:solidFill>
+                <a:effectLst>
+                  <a:outerShdw blurRad="38100" dist="38100" dir="2700000" algn="tl">
+                    <a:srgbClr val="000000">
+                      <a:alpha val="43137"/>
+                    </a:srgbClr>
+                  </a:outerShdw>
+                </a:effectLst>
+                <a:latin typeface="Arial" panose="020B0604020202020204" pitchFamily="34" charset="0"/>
+                <a:ea typeface="微軟正黑體" pitchFamily="34" charset="-120"/>
+                <a:cs typeface="Arial" panose="020B0604020202020204" pitchFamily="34" charset="0"/>
+              </a:rPr>
+              <a:t>báo</a:t>
             </a:r>
             <a:endParaRPr lang="zh-TW" altLang="en-US" sz="3600" b="1" dirty="0">
               <a:solidFill>
@@ -6595,7 +6681,7 @@
     </p:spTree>
     <p:extLst>
       <p:ext uri="{BB962C8B-B14F-4D97-AF65-F5344CB8AC3E}">
-        <p14:creationId xmlns:p14="http://schemas.microsoft.com/office/powerpoint/2010/main" val="2820328056"/>
+        <p14:creationId xmlns:p14="http://schemas.microsoft.com/office/powerpoint/2010/main" val="3370077686"/>
       </p:ext>
     </p:extLst>
   </p:cSld>
@@ -6636,13 +6722,13 @@
             <a:spLocks noGrp="1"/>
           </p:cNvSpPr>
           <p:nvPr>
-            <p:ph type="title"/>
+            <p:ph type="title" idx="4294967295"/>
           </p:nvPr>
         </p:nvSpPr>
         <p:spPr>
           <a:xfrm>
-            <a:off x="0" y="300026"/>
-            <a:ext cx="8991600" cy="628650"/>
+            <a:off x="0" y="1635646"/>
+            <a:ext cx="9144000" cy="964406"/>
           </a:xfrm>
         </p:spPr>
         <p:txBody>
@@ -6652,395 +6738,82 @@
           <a:lstStyle/>
           <a:p>
             <a:r>
-              <a:rPr lang="zh-CN" altLang="en-US" sz="3600" b="1" dirty="0" smtClean="0">
+              <a:rPr lang="zh-TW" altLang="en-US" sz="6000" b="1" dirty="0">
                 <a:solidFill>
                   <a:srgbClr val="000066"/>
                 </a:solidFill>
+                <a:effectLst>
+                  <a:outerShdw blurRad="38100" dist="38100" dir="2700000" algn="tl">
+                    <a:srgbClr val="000000">
+                      <a:alpha val="43137"/>
+                    </a:srgbClr>
+                  </a:outerShdw>
+                </a:effectLst>
                 <a:latin typeface="微軟正黑體" pitchFamily="34" charset="-120"/>
                 <a:ea typeface="微軟正黑體" pitchFamily="34" charset="-120"/>
               </a:rPr>
-              <a:t>三一頌 </a:t>
-            </a:r>
-            <a:r>
-              <a:rPr lang="en-US" altLang="zh-CN" sz="3200" b="1" dirty="0" err="1" smtClean="0">
-                <a:solidFill>
-                  <a:srgbClr val="660033"/>
-                </a:solidFill>
-                <a:latin typeface="Arial" panose="020B0604020202020204" pitchFamily="34" charset="0"/>
-                <a:ea typeface="微軟正黑體" pitchFamily="34" charset="-120"/>
-                <a:cs typeface="Arial" panose="020B0604020202020204" pitchFamily="34" charset="0"/>
-              </a:rPr>
-              <a:t>Tôn</a:t>
-            </a:r>
-            <a:r>
-              <a:rPr lang="en-US" altLang="zh-CN" sz="3200" b="1" dirty="0" smtClean="0">
-                <a:solidFill>
-                  <a:srgbClr val="660033"/>
-                </a:solidFill>
-                <a:latin typeface="Arial" panose="020B0604020202020204" pitchFamily="34" charset="0"/>
-                <a:ea typeface="微軟正黑體" pitchFamily="34" charset="-120"/>
-                <a:cs typeface="Arial" panose="020B0604020202020204" pitchFamily="34" charset="0"/>
-              </a:rPr>
-              <a:t> </a:t>
-            </a:r>
-            <a:r>
-              <a:rPr lang="en-US" altLang="zh-CN" sz="3200" b="1" dirty="0" err="1" smtClean="0">
-                <a:solidFill>
-                  <a:srgbClr val="660033"/>
-                </a:solidFill>
-                <a:latin typeface="Arial" panose="020B0604020202020204" pitchFamily="34" charset="0"/>
-                <a:ea typeface="微軟正黑體" pitchFamily="34" charset="-120"/>
-                <a:cs typeface="Arial" panose="020B0604020202020204" pitchFamily="34" charset="0"/>
-              </a:rPr>
-              <a:t>vinh</a:t>
-            </a:r>
-            <a:r>
-              <a:rPr lang="en-US" altLang="zh-CN" sz="3200" b="1" dirty="0" smtClean="0">
-                <a:solidFill>
-                  <a:srgbClr val="660033"/>
-                </a:solidFill>
-                <a:latin typeface="Arial" panose="020B0604020202020204" pitchFamily="34" charset="0"/>
-                <a:ea typeface="微軟正黑體" pitchFamily="34" charset="-120"/>
-                <a:cs typeface="Arial" panose="020B0604020202020204" pitchFamily="34" charset="0"/>
-              </a:rPr>
-              <a:t> </a:t>
-            </a:r>
-            <a:r>
-              <a:rPr lang="en-US" altLang="zh-CN" sz="3200" b="1" dirty="0" err="1" smtClean="0">
-                <a:solidFill>
-                  <a:srgbClr val="660033"/>
-                </a:solidFill>
-                <a:latin typeface="Arial" panose="020B0604020202020204" pitchFamily="34" charset="0"/>
-                <a:ea typeface="微軟正黑體" pitchFamily="34" charset="-120"/>
-                <a:cs typeface="Arial" panose="020B0604020202020204" pitchFamily="34" charset="0"/>
-              </a:rPr>
-              <a:t>chân</a:t>
-            </a:r>
-            <a:r>
-              <a:rPr lang="en-US" altLang="zh-CN" sz="3200" b="1" dirty="0" smtClean="0">
-                <a:solidFill>
-                  <a:srgbClr val="660033"/>
-                </a:solidFill>
-                <a:latin typeface="Arial" panose="020B0604020202020204" pitchFamily="34" charset="0"/>
-                <a:ea typeface="微軟正黑體" pitchFamily="34" charset="-120"/>
-                <a:cs typeface="Arial" panose="020B0604020202020204" pitchFamily="34" charset="0"/>
-              </a:rPr>
-              <a:t> </a:t>
-            </a:r>
-            <a:r>
-              <a:rPr lang="en-US" altLang="zh-CN" sz="3200" b="1" dirty="0" err="1" smtClean="0">
-                <a:solidFill>
-                  <a:srgbClr val="660033"/>
-                </a:solidFill>
-                <a:latin typeface="Arial" panose="020B0604020202020204" pitchFamily="34" charset="0"/>
-                <a:ea typeface="微軟正黑體" pitchFamily="34" charset="-120"/>
-                <a:cs typeface="Arial" panose="020B0604020202020204" pitchFamily="34" charset="0"/>
-              </a:rPr>
-              <a:t>thần</a:t>
-            </a:r>
-            <a:endParaRPr lang="zh-TW" altLang="en-US" sz="3600" b="1" dirty="0">
-              <a:solidFill>
-                <a:srgbClr val="660033"/>
-              </a:solidFill>
-              <a:latin typeface="Arial" panose="020B0604020202020204" pitchFamily="34" charset="0"/>
-              <a:ea typeface="微軟正黑體" pitchFamily="34" charset="-120"/>
-              <a:cs typeface="Arial" panose="020B0604020202020204" pitchFamily="34" charset="0"/>
-            </a:endParaRPr>
-          </a:p>
-        </p:txBody>
-      </p:sp>
-      <p:sp>
-        <p:nvSpPr>
-          <p:cNvPr id="4" name="內容版面配置區 3"/>
-          <p:cNvSpPr>
-            <a:spLocks noGrp="1"/>
-          </p:cNvSpPr>
-          <p:nvPr>
-            <p:ph idx="1"/>
-          </p:nvPr>
+              <a:t>水禮</a:t>
+            </a:r>
+          </a:p>
+        </p:txBody>
+      </p:sp>
+      <p:sp>
+        <p:nvSpPr>
+          <p:cNvPr id="3" name="標題 1"/>
+          <p:cNvSpPr txBox="1">
+            <a:spLocks/>
+          </p:cNvSpPr>
+          <p:nvPr/>
         </p:nvSpPr>
         <p:spPr>
           <a:xfrm>
-            <a:off x="0" y="1285866"/>
-            <a:ext cx="9144000" cy="1861948"/>
-          </a:xfrm>
-        </p:spPr>
-        <p:txBody>
-          <a:bodyPr>
-            <a:noAutofit/>
-          </a:bodyPr>
-          <a:lstStyle/>
-          <a:p>
-            <a:pPr algn="ctr">
-              <a:buNone/>
-            </a:pPr>
-            <a:r>
-              <a:rPr lang="zh-CN" altLang="en-US" sz="4400" b="1" dirty="0" smtClean="0">
-                <a:solidFill>
-                  <a:srgbClr val="000066"/>
-                </a:solidFill>
-                <a:effectLst>
-                  <a:outerShdw blurRad="50000" dist="30000" dir="5400000" algn="tl" rotWithShape="0">
-                    <a:srgbClr val="000000">
-                      <a:alpha val="30000"/>
-                    </a:srgbClr>
-                  </a:outerShdw>
-                </a:effectLst>
-                <a:latin typeface="微軟正黑體" pitchFamily="34" charset="-120"/>
-                <a:ea typeface="微軟正黑體" pitchFamily="34" charset="-120"/>
-                <a:cs typeface="+mj-cs"/>
-              </a:rPr>
-              <a:t>讚美天父愛世慈仁</a:t>
-            </a:r>
-            <a:endParaRPr lang="en-US" altLang="zh-CN" sz="4400" b="1" dirty="0" smtClean="0">
-              <a:solidFill>
-                <a:srgbClr val="000066"/>
-              </a:solidFill>
-              <a:effectLst>
-                <a:outerShdw blurRad="50000" dist="30000" dir="5400000" algn="tl" rotWithShape="0">
-                  <a:srgbClr val="000000">
-                    <a:alpha val="30000"/>
-                  </a:srgbClr>
-                </a:outerShdw>
-              </a:effectLst>
-              <a:latin typeface="微軟正黑體" pitchFamily="34" charset="-120"/>
-              <a:ea typeface="微軟正黑體" pitchFamily="34" charset="-120"/>
-              <a:cs typeface="+mj-cs"/>
-            </a:endParaRPr>
-          </a:p>
-          <a:p>
-            <a:pPr algn="ctr">
-              <a:buNone/>
-            </a:pPr>
-            <a:r>
-              <a:rPr lang="zh-CN" altLang="en-US" sz="4400" b="1" dirty="0" smtClean="0">
-                <a:solidFill>
-                  <a:srgbClr val="000066"/>
-                </a:solidFill>
-                <a:effectLst>
-                  <a:outerShdw blurRad="50000" dist="30000" dir="5400000" algn="tl" rotWithShape="0">
-                    <a:srgbClr val="000000">
-                      <a:alpha val="30000"/>
-                    </a:srgbClr>
-                  </a:outerShdw>
-                </a:effectLst>
-                <a:latin typeface="微軟正黑體" pitchFamily="34" charset="-120"/>
-                <a:ea typeface="微軟正黑體" pitchFamily="34" charset="-120"/>
-                <a:cs typeface="+mj-cs"/>
-              </a:rPr>
-              <a:t>讚美耶穌代贖洪恩</a:t>
-            </a:r>
-            <a:endParaRPr lang="en-US" altLang="zh-CN" sz="4400" b="1" dirty="0" smtClean="0">
-              <a:solidFill>
-                <a:srgbClr val="000066"/>
-              </a:solidFill>
-              <a:effectLst>
-                <a:outerShdw blurRad="50000" dist="30000" dir="5400000" algn="tl" rotWithShape="0">
-                  <a:srgbClr val="000000">
-                    <a:alpha val="30000"/>
-                  </a:srgbClr>
-                </a:outerShdw>
-              </a:effectLst>
-              <a:latin typeface="微軟正黑體" pitchFamily="34" charset="-120"/>
-              <a:ea typeface="微軟正黑體" pitchFamily="34" charset="-120"/>
-              <a:cs typeface="+mj-cs"/>
-            </a:endParaRPr>
-          </a:p>
-        </p:txBody>
-      </p:sp>
-      <p:sp>
-        <p:nvSpPr>
-          <p:cNvPr id="5" name="內容版面配置區 3"/>
-          <p:cNvSpPr txBox="1">
-            <a:spLocks/>
-          </p:cNvSpPr>
-          <p:nvPr/>
-        </p:nvSpPr>
-        <p:spPr>
-          <a:xfrm>
-            <a:off x="0" y="3300214"/>
-            <a:ext cx="9144000" cy="1861948"/>
+            <a:off x="0" y="2427734"/>
+            <a:ext cx="9144000" cy="964406"/>
           </a:xfrm>
           <a:prstGeom prst="rect">
             <a:avLst/>
           </a:prstGeom>
         </p:spPr>
         <p:txBody>
-          <a:bodyPr vert="horz" lIns="91440" tIns="45720" rIns="91440" bIns="45720" rtlCol="0">
+          <a:bodyPr vert="horz" lIns="91440" tIns="45720" rIns="91440" bIns="45720" rtlCol="0" anchor="ctr">
             <a:noAutofit/>
           </a:bodyPr>
           <a:lstStyle>
-            <a:lvl1pPr marL="342900" indent="-342900" algn="l" defTabSz="914400" rtl="0" eaLnBrk="1" latinLnBrk="0" hangingPunct="1">
+            <a:lvl1pPr algn="ctr" defTabSz="914400" rtl="0" eaLnBrk="1" latinLnBrk="0" hangingPunct="1">
               <a:spcBef>
-                <a:spcPct val="20000"/>
+                <a:spcPct val="0"/>
               </a:spcBef>
-              <a:buFont typeface="Arial" pitchFamily="34" charset="0"/>
-              <a:buChar char="•"/>
-              <a:defRPr sz="3200" kern="1200">
+              <a:buNone/>
+              <a:defRPr sz="4400" kern="1200">
                 <a:solidFill>
                   <a:schemeClr val="tx1"/>
                 </a:solidFill>
-                <a:latin typeface="+mn-lt"/>
-                <a:ea typeface="+mn-ea"/>
-                <a:cs typeface="+mn-cs"/>
+                <a:latin typeface="+mj-lt"/>
+                <a:ea typeface="+mj-ea"/>
+                <a:cs typeface="+mj-cs"/>
               </a:defRPr>
             </a:lvl1pPr>
-            <a:lvl2pPr marL="742950" indent="-285750" algn="l" defTabSz="914400" rtl="0" eaLnBrk="1" latinLnBrk="0" hangingPunct="1">
-              <a:spcBef>
-                <a:spcPct val="20000"/>
-              </a:spcBef>
-              <a:buFont typeface="Arial" pitchFamily="34" charset="0"/>
-              <a:buChar char="–"/>
-              <a:defRPr sz="2800" kern="1200">
-                <a:solidFill>
-                  <a:schemeClr val="tx1"/>
-                </a:solidFill>
-                <a:latin typeface="+mn-lt"/>
-                <a:ea typeface="+mn-ea"/>
-                <a:cs typeface="+mn-cs"/>
-              </a:defRPr>
-            </a:lvl2pPr>
-            <a:lvl3pPr marL="1143000" indent="-228600" algn="l" defTabSz="914400" rtl="0" eaLnBrk="1" latinLnBrk="0" hangingPunct="1">
-              <a:spcBef>
-                <a:spcPct val="20000"/>
-              </a:spcBef>
-              <a:buFont typeface="Arial" pitchFamily="34" charset="0"/>
-              <a:buChar char="•"/>
-              <a:defRPr sz="2400" kern="1200">
-                <a:solidFill>
-                  <a:schemeClr val="tx1"/>
-                </a:solidFill>
-                <a:latin typeface="+mn-lt"/>
-                <a:ea typeface="+mn-ea"/>
-                <a:cs typeface="+mn-cs"/>
-              </a:defRPr>
-            </a:lvl3pPr>
-            <a:lvl4pPr marL="1600200" indent="-228600" algn="l" defTabSz="914400" rtl="0" eaLnBrk="1" latinLnBrk="0" hangingPunct="1">
-              <a:spcBef>
-                <a:spcPct val="20000"/>
-              </a:spcBef>
-              <a:buFont typeface="Arial" pitchFamily="34" charset="0"/>
-              <a:buChar char="–"/>
-              <a:defRPr sz="2000" kern="1200">
-                <a:solidFill>
-                  <a:schemeClr val="tx1"/>
-                </a:solidFill>
-                <a:latin typeface="+mn-lt"/>
-                <a:ea typeface="+mn-ea"/>
-                <a:cs typeface="+mn-cs"/>
-              </a:defRPr>
-            </a:lvl4pPr>
-            <a:lvl5pPr marL="2057400" indent="-228600" algn="l" defTabSz="914400" rtl="0" eaLnBrk="1" latinLnBrk="0" hangingPunct="1">
-              <a:spcBef>
-                <a:spcPct val="20000"/>
-              </a:spcBef>
-              <a:buFont typeface="Arial" pitchFamily="34" charset="0"/>
-              <a:buChar char="»"/>
-              <a:defRPr sz="2000" kern="1200">
-                <a:solidFill>
-                  <a:schemeClr val="tx1"/>
-                </a:solidFill>
-                <a:latin typeface="+mn-lt"/>
-                <a:ea typeface="+mn-ea"/>
-                <a:cs typeface="+mn-cs"/>
-              </a:defRPr>
-            </a:lvl5pPr>
-            <a:lvl6pPr marL="2514600" indent="-228600" algn="l" defTabSz="914400" rtl="0" eaLnBrk="1" latinLnBrk="0" hangingPunct="1">
-              <a:spcBef>
-                <a:spcPct val="20000"/>
-              </a:spcBef>
-              <a:buFont typeface="Arial" pitchFamily="34" charset="0"/>
-              <a:buChar char="•"/>
-              <a:defRPr sz="2000" kern="1200">
-                <a:solidFill>
-                  <a:schemeClr val="tx1"/>
-                </a:solidFill>
-                <a:latin typeface="+mn-lt"/>
-                <a:ea typeface="+mn-ea"/>
-                <a:cs typeface="+mn-cs"/>
-              </a:defRPr>
-            </a:lvl6pPr>
-            <a:lvl7pPr marL="2971800" indent="-228600" algn="l" defTabSz="914400" rtl="0" eaLnBrk="1" latinLnBrk="0" hangingPunct="1">
-              <a:spcBef>
-                <a:spcPct val="20000"/>
-              </a:spcBef>
-              <a:buFont typeface="Arial" pitchFamily="34" charset="0"/>
-              <a:buChar char="•"/>
-              <a:defRPr sz="2000" kern="1200">
-                <a:solidFill>
-                  <a:schemeClr val="tx1"/>
-                </a:solidFill>
-                <a:latin typeface="+mn-lt"/>
-                <a:ea typeface="+mn-ea"/>
-                <a:cs typeface="+mn-cs"/>
-              </a:defRPr>
-            </a:lvl7pPr>
-            <a:lvl8pPr marL="3429000" indent="-228600" algn="l" defTabSz="914400" rtl="0" eaLnBrk="1" latinLnBrk="0" hangingPunct="1">
-              <a:spcBef>
-                <a:spcPct val="20000"/>
-              </a:spcBef>
-              <a:buFont typeface="Arial" pitchFamily="34" charset="0"/>
-              <a:buChar char="•"/>
-              <a:defRPr sz="2000" kern="1200">
-                <a:solidFill>
-                  <a:schemeClr val="tx1"/>
-                </a:solidFill>
-                <a:latin typeface="+mn-lt"/>
-                <a:ea typeface="+mn-ea"/>
-                <a:cs typeface="+mn-cs"/>
-              </a:defRPr>
-            </a:lvl8pPr>
-            <a:lvl9pPr marL="3886200" indent="-228600" algn="l" defTabSz="914400" rtl="0" eaLnBrk="1" latinLnBrk="0" hangingPunct="1">
-              <a:spcBef>
-                <a:spcPct val="20000"/>
-              </a:spcBef>
-              <a:buFont typeface="Arial" pitchFamily="34" charset="0"/>
-              <a:buChar char="•"/>
-              <a:defRPr sz="2000" kern="1200">
-                <a:solidFill>
-                  <a:schemeClr val="tx1"/>
-                </a:solidFill>
-                <a:latin typeface="+mn-lt"/>
-                <a:ea typeface="+mn-ea"/>
-                <a:cs typeface="+mn-cs"/>
-              </a:defRPr>
-            </a:lvl9pPr>
           </a:lstStyle>
           <a:p>
-            <a:pPr algn="ctr">
-              <a:buNone/>
-            </a:pPr>
-            <a:r>
-              <a:rPr lang="vi-VN" sz="2800" b="1" dirty="0">
-                <a:solidFill>
-                  <a:srgbClr val="660033"/>
-                </a:solidFill>
-                <a:effectLst>
-                  <a:outerShdw blurRad="38100" dist="38100" dir="2700000" algn="tl">
-                    <a:srgbClr val="000000">
-                      <a:alpha val="43137"/>
-                    </a:srgbClr>
-                  </a:outerShdw>
-                </a:effectLst>
-              </a:rPr>
-              <a:t>Tôn vinh Chân Thần nguồn ơn vô </a:t>
-            </a:r>
-            <a:r>
-              <a:rPr lang="vi-VN" sz="2800" b="1" dirty="0" smtClean="0">
-                <a:solidFill>
-                  <a:srgbClr val="660033"/>
-                </a:solidFill>
-                <a:effectLst>
-                  <a:outerShdw blurRad="38100" dist="38100" dir="2700000" algn="tl">
-                    <a:srgbClr val="000000">
-                      <a:alpha val="43137"/>
-                    </a:srgbClr>
-                  </a:outerShdw>
-                </a:effectLst>
-              </a:rPr>
-              <a:t>đối</a:t>
-            </a:r>
-            <a:endParaRPr lang="en-US" sz="2800" b="1" dirty="0" smtClean="0">
+            <a:r>
+              <a:rPr lang="vi-VN" sz="3600" b="1" dirty="0">
+                <a:solidFill>
+                  <a:srgbClr val="660033"/>
+                </a:solidFill>
+                <a:effectLst>
+                  <a:outerShdw blurRad="38100" dist="38100" dir="2700000" algn="tl">
+                    <a:srgbClr val="000000">
+                      <a:alpha val="43137"/>
+                    </a:srgbClr>
+                  </a:outerShdw>
+                </a:effectLst>
+                <a:latin typeface="Arial" panose="020B0604020202020204" pitchFamily="34" charset="0"/>
+                <a:ea typeface="微軟正黑體" pitchFamily="34" charset="-120"/>
+                <a:cs typeface="Arial" panose="020B0604020202020204" pitchFamily="34" charset="0"/>
+              </a:rPr>
+              <a:t>Lễ Báp-tem</a:t>
+            </a:r>
+            <a:endParaRPr lang="zh-TW" altLang="en-US" sz="3600" b="1" dirty="0">
               <a:solidFill>
                 <a:srgbClr val="660033"/>
               </a:solidFill>
@@ -7051,60 +6824,19 @@
                   </a:srgbClr>
                 </a:outerShdw>
               </a:effectLst>
+              <a:latin typeface="Arial" panose="020B0604020202020204" pitchFamily="34" charset="0"/>
+              <a:ea typeface="微軟正黑體" pitchFamily="34" charset="-120"/>
+              <a:cs typeface="Arial" panose="020B0604020202020204" pitchFamily="34" charset="0"/>
             </a:endParaRPr>
           </a:p>
-          <a:p>
-            <a:pPr algn="ctr">
-              <a:buNone/>
-            </a:pPr>
-            <a:r>
-              <a:rPr lang="vi-VN" sz="2800" b="1" dirty="0" smtClean="0">
-                <a:solidFill>
-                  <a:srgbClr val="660033"/>
-                </a:solidFill>
-                <a:effectLst>
-                  <a:outerShdw blurRad="38100" dist="38100" dir="2700000" algn="tl">
-                    <a:srgbClr val="000000">
-                      <a:alpha val="43137"/>
-                    </a:srgbClr>
-                  </a:outerShdw>
-                </a:effectLst>
-              </a:rPr>
-              <a:t>Dưới </a:t>
-            </a:r>
-            <a:r>
-              <a:rPr lang="vi-VN" sz="2800" b="1" dirty="0">
-                <a:solidFill>
-                  <a:srgbClr val="660033"/>
-                </a:solidFill>
-                <a:effectLst>
-                  <a:outerShdw blurRad="38100" dist="38100" dir="2700000" algn="tl">
-                    <a:srgbClr val="000000">
-                      <a:alpha val="43137"/>
-                    </a:srgbClr>
-                  </a:outerShdw>
-                </a:effectLst>
-              </a:rPr>
-              <a:t>đất chúng sinh sùng kính khắp nơi</a:t>
-            </a:r>
-            <a:endParaRPr lang="zh-TW" altLang="en-US" sz="2800" b="1" dirty="0">
-              <a:solidFill>
-                <a:srgbClr val="660033"/>
-              </a:solidFill>
-              <a:effectLst>
-                <a:outerShdw blurRad="38100" dist="38100" dir="2700000" algn="tl">
-                  <a:srgbClr val="000000">
-                    <a:alpha val="43137"/>
-                  </a:srgbClr>
-                </a:outerShdw>
-              </a:effectLst>
-              <a:ea typeface="微軟正黑體" pitchFamily="34" charset="-120"/>
-              <a:cs typeface="+mj-cs"/>
-            </a:endParaRPr>
-          </a:p>
         </p:txBody>
       </p:sp>
     </p:spTree>
+    <p:extLst>
+      <p:ext uri="{BB962C8B-B14F-4D97-AF65-F5344CB8AC3E}">
+        <p14:creationId xmlns:p14="http://schemas.microsoft.com/office/powerpoint/2010/main" val="2820328056"/>
+      </p:ext>
+    </p:extLst>
   </p:cSld>
   <p:clrMapOvr>
     <a:masterClrMapping/>
@@ -7169,7 +6901,7 @@
               <a:t>三一頌 </a:t>
             </a:r>
             <a:r>
-              <a:rPr lang="en-US" altLang="zh-CN" sz="3200" b="1" dirty="0" err="1">
+              <a:rPr lang="en-US" altLang="zh-CN" sz="3200" b="1" dirty="0" err="1" smtClean="0">
                 <a:solidFill>
                   <a:srgbClr val="660033"/>
                 </a:solidFill>
@@ -7180,7 +6912,7 @@
               <a:t>Tôn</a:t>
             </a:r>
             <a:r>
-              <a:rPr lang="en-US" altLang="zh-CN" sz="3200" b="1" dirty="0">
+              <a:rPr lang="en-US" altLang="zh-CN" sz="3200" b="1" dirty="0" smtClean="0">
                 <a:solidFill>
                   <a:srgbClr val="660033"/>
                 </a:solidFill>
@@ -7191,7 +6923,7 @@
               <a:t> </a:t>
             </a:r>
             <a:r>
-              <a:rPr lang="en-US" altLang="zh-CN" sz="3200" b="1" dirty="0" err="1">
+              <a:rPr lang="en-US" altLang="zh-CN" sz="3200" b="1" dirty="0" err="1" smtClean="0">
                 <a:solidFill>
                   <a:srgbClr val="660033"/>
                 </a:solidFill>
@@ -7202,7 +6934,7 @@
               <a:t>vinh</a:t>
             </a:r>
             <a:r>
-              <a:rPr lang="en-US" altLang="zh-CN" sz="3200" b="1" dirty="0">
+              <a:rPr lang="en-US" altLang="zh-CN" sz="3200" b="1" dirty="0" smtClean="0">
                 <a:solidFill>
                   <a:srgbClr val="660033"/>
                 </a:solidFill>
@@ -7213,7 +6945,7 @@
               <a:t> </a:t>
             </a:r>
             <a:r>
-              <a:rPr lang="en-US" altLang="zh-CN" sz="3200" b="1" dirty="0" err="1">
+              <a:rPr lang="en-US" altLang="zh-CN" sz="3200" b="1" dirty="0" err="1" smtClean="0">
                 <a:solidFill>
                   <a:srgbClr val="660033"/>
                 </a:solidFill>
@@ -7224,7 +6956,7 @@
               <a:t>chân</a:t>
             </a:r>
             <a:r>
-              <a:rPr lang="en-US" altLang="zh-CN" sz="3200" b="1" dirty="0">
+              <a:rPr lang="en-US" altLang="zh-CN" sz="3200" b="1" dirty="0" smtClean="0">
                 <a:solidFill>
                   <a:srgbClr val="660033"/>
                 </a:solidFill>
@@ -7235,7 +6967,7 @@
               <a:t> </a:t>
             </a:r>
             <a:r>
-              <a:rPr lang="en-US" altLang="zh-CN" sz="3200" b="1" dirty="0" err="1">
+              <a:rPr lang="en-US" altLang="zh-CN" sz="3200" b="1" dirty="0" err="1" smtClean="0">
                 <a:solidFill>
                   <a:srgbClr val="660033"/>
                 </a:solidFill>
@@ -7245,7 +6977,7 @@
               </a:rPr>
               <a:t>thần</a:t>
             </a:r>
-            <a:endParaRPr lang="zh-TW" altLang="en-US" sz="3200" b="1" dirty="0">
+            <a:endParaRPr lang="zh-TW" altLang="en-US" sz="3600" b="1" dirty="0">
               <a:solidFill>
                 <a:srgbClr val="660033"/>
               </a:solidFill>
@@ -7297,7 +7029,7 @@
                 <a:ea typeface="微軟正黑體" pitchFamily="34" charset="-120"/>
                 <a:cs typeface="+mj-cs"/>
               </a:rPr>
-              <a:t>讚美聖靈開我茅塞</a:t>
+              <a:t>讚美天父愛世慈仁</a:t>
             </a:r>
             <a:endParaRPr lang="en-US" altLang="zh-CN" sz="4400" b="1" dirty="0" smtClean="0">
               <a:solidFill>
@@ -7335,9 +7067,9 @@
                 <a:ea typeface="微軟正黑體" pitchFamily="34" charset="-120"/>
                 <a:cs typeface="+mj-cs"/>
               </a:rPr>
-              <a:t>讚美三位合一真神</a:t>
-            </a:r>
-            <a:endParaRPr lang="zh-TW" altLang="en-US" sz="4400" b="1" dirty="0">
+              <a:t>讚美耶穌代贖洪恩</a:t>
+            </a:r>
+            <a:endParaRPr lang="en-US" altLang="zh-CN" sz="4400" b="1" dirty="0" smtClean="0">
               <a:solidFill>
                 <a:srgbClr val="000066"/>
               </a:solidFill>
@@ -7530,9 +7262,24 @@
                   </a:outerShdw>
                 </a:effectLst>
               </a:rPr>
-              <a:t>Trời cao cũng chung khen ngợi Ba Ngôi</a:t>
-            </a:r>
-            <a:endParaRPr lang="en-US" sz="2800" b="1" dirty="0">
+              <a:t>Tôn vinh Chân Thần nguồn ơn vô </a:t>
+            </a:r>
+            <a:r>
+              <a:rPr lang="vi-VN" sz="2800" b="1" dirty="0" smtClean="0">
+                <a:solidFill>
+                  <a:srgbClr val="660033"/>
+                </a:solidFill>
+                <a:effectLst>
+                  <a:outerShdw blurRad="38100" dist="38100" dir="2700000" algn="tl">
+                    <a:srgbClr val="000000">
+                      <a:alpha val="43137"/>
+                    </a:srgbClr>
+                  </a:outerShdw>
+                </a:effectLst>
+              </a:rPr>
+              <a:t>đối</a:t>
+            </a:r>
+            <a:endParaRPr lang="en-US" sz="2800" b="1" dirty="0" smtClean="0">
               <a:solidFill>
                 <a:srgbClr val="660033"/>
               </a:solidFill>
@@ -7550,6 +7297,21 @@
               <a:buNone/>
             </a:pPr>
             <a:r>
+              <a:rPr lang="vi-VN" sz="2800" b="1" dirty="0" smtClean="0">
+                <a:solidFill>
+                  <a:srgbClr val="660033"/>
+                </a:solidFill>
+                <a:effectLst>
+                  <a:outerShdw blurRad="38100" dist="38100" dir="2700000" algn="tl">
+                    <a:srgbClr val="000000">
+                      <a:alpha val="43137"/>
+                    </a:srgbClr>
+                  </a:outerShdw>
+                </a:effectLst>
+              </a:rPr>
+              <a:t>Dưới </a:t>
+            </a:r>
+            <a:r>
               <a:rPr lang="vi-VN" sz="2800" b="1" dirty="0">
                 <a:solidFill>
                   <a:srgbClr val="660033"/>
@@ -7562,39 +7324,7 @@
                   </a:outerShdw>
                 </a:effectLst>
               </a:rPr>
-              <a:t>Chúa Cha cùng Con với Linh đời đời </a:t>
-            </a:r>
-            <a:endParaRPr lang="en-US" sz="2800" b="1" dirty="0">
-              <a:solidFill>
-                <a:srgbClr val="660033"/>
-              </a:solidFill>
-              <a:effectLst>
-                <a:outerShdw blurRad="38100" dist="38100" dir="2700000" algn="tl">
-                  <a:srgbClr val="000000">
-                    <a:alpha val="43137"/>
-                  </a:srgbClr>
-                </a:outerShdw>
-              </a:effectLst>
-            </a:endParaRPr>
-          </a:p>
-          <a:p>
-            <a:pPr algn="ctr">
-              <a:buNone/>
-            </a:pPr>
-            <a:r>
-              <a:rPr lang="vi-VN" sz="2800" b="1" dirty="0">
-                <a:solidFill>
-                  <a:srgbClr val="660033"/>
-                </a:solidFill>
-                <a:effectLst>
-                  <a:outerShdw blurRad="38100" dist="38100" dir="2700000" algn="tl">
-                    <a:srgbClr val="000000">
-                      <a:alpha val="43137"/>
-                    </a:srgbClr>
-                  </a:outerShdw>
-                </a:effectLst>
-              </a:rPr>
-              <a:t>A-men</a:t>
+              <a:t>đất chúng sinh sùng kính khắp nơi</a:t>
             </a:r>
             <a:endParaRPr lang="zh-TW" altLang="en-US" sz="2800" b="1" dirty="0">
               <a:solidFill>
@@ -7607,16 +7337,13 @@
                   </a:srgbClr>
                 </a:outerShdw>
               </a:effectLst>
+              <a:ea typeface="微軟正黑體" pitchFamily="34" charset="-120"/>
+              <a:cs typeface="+mj-cs"/>
             </a:endParaRPr>
           </a:p>
         </p:txBody>
       </p:sp>
     </p:spTree>
-    <p:extLst>
-      <p:ext uri="{BB962C8B-B14F-4D97-AF65-F5344CB8AC3E}">
-        <p14:creationId xmlns:p14="http://schemas.microsoft.com/office/powerpoint/2010/main" val="3960658920"/>
-      </p:ext>
-    </p:extLst>
   </p:cSld>
   <p:clrMapOvr>
     <a:masterClrMapping/>
@@ -7863,7 +7590,7 @@
         </p:nvSpPr>
         <p:spPr>
           <a:xfrm>
-            <a:off x="0" y="85712"/>
+            <a:off x="0" y="300026"/>
             <a:ext cx="8991600" cy="628650"/>
           </a:xfrm>
         </p:spPr>
@@ -7881,10 +7608,10 @@
                 <a:latin typeface="微軟正黑體" pitchFamily="34" charset="-120"/>
                 <a:ea typeface="微軟正黑體" pitchFamily="34" charset="-120"/>
               </a:rPr>
-              <a:t>公禱文 </a:t>
-            </a:r>
-            <a:r>
-              <a:rPr lang="en-US" altLang="zh-CN" sz="3200" b="1" dirty="0" err="1" smtClean="0">
+              <a:t>三一頌 </a:t>
+            </a:r>
+            <a:r>
+              <a:rPr lang="en-US" altLang="zh-CN" sz="3200" b="1" dirty="0" err="1">
                 <a:solidFill>
                   <a:srgbClr val="660033"/>
                 </a:solidFill>
@@ -7892,10 +7619,10 @@
                 <a:ea typeface="微軟正黑體" pitchFamily="34" charset="-120"/>
                 <a:cs typeface="Arial" panose="020B0604020202020204" pitchFamily="34" charset="0"/>
               </a:rPr>
-              <a:t>Cầu</a:t>
-            </a:r>
-            <a:r>
-              <a:rPr lang="en-US" altLang="zh-CN" sz="3200" b="1" dirty="0" smtClean="0">
+              <a:t>Tôn</a:t>
+            </a:r>
+            <a:r>
+              <a:rPr lang="en-US" altLang="zh-CN" sz="3200" b="1" dirty="0">
                 <a:solidFill>
                   <a:srgbClr val="660033"/>
                 </a:solidFill>
@@ -7906,7 +7633,7 @@
               <a:t> </a:t>
             </a:r>
             <a:r>
-              <a:rPr lang="en-US" altLang="zh-CN" sz="3200" b="1" dirty="0" err="1" smtClean="0">
+              <a:rPr lang="en-US" altLang="zh-CN" sz="3200" b="1" dirty="0" err="1">
                 <a:solidFill>
                   <a:srgbClr val="660033"/>
                 </a:solidFill>
@@ -7914,10 +7641,10 @@
                 <a:ea typeface="微軟正黑體" pitchFamily="34" charset="-120"/>
                 <a:cs typeface="Arial" panose="020B0604020202020204" pitchFamily="34" charset="0"/>
               </a:rPr>
-              <a:t>nguyện</a:t>
-            </a:r>
-            <a:r>
-              <a:rPr lang="en-US" altLang="zh-CN" sz="3200" b="1" dirty="0" smtClean="0">
+              <a:t>vinh</a:t>
+            </a:r>
+            <a:r>
+              <a:rPr lang="en-US" altLang="zh-CN" sz="3200" b="1" dirty="0">
                 <a:solidFill>
                   <a:srgbClr val="660033"/>
                 </a:solidFill>
@@ -7928,7 +7655,7 @@
               <a:t> </a:t>
             </a:r>
             <a:r>
-              <a:rPr lang="en-US" altLang="zh-CN" sz="3200" b="1" dirty="0" err="1" smtClean="0">
+              <a:rPr lang="en-US" altLang="zh-CN" sz="3200" b="1" dirty="0" err="1">
                 <a:solidFill>
                   <a:srgbClr val="660033"/>
                 </a:solidFill>
@@ -7936,9 +7663,31 @@
                 <a:ea typeface="微軟正黑體" pitchFamily="34" charset="-120"/>
                 <a:cs typeface="Arial" panose="020B0604020202020204" pitchFamily="34" charset="0"/>
               </a:rPr>
-              <a:t>chung</a:t>
-            </a:r>
-            <a:endParaRPr lang="zh-TW" altLang="en-US" sz="3600" b="1" dirty="0">
+              <a:t>chân</a:t>
+            </a:r>
+            <a:r>
+              <a:rPr lang="en-US" altLang="zh-CN" sz="3200" b="1" dirty="0">
+                <a:solidFill>
+                  <a:srgbClr val="660033"/>
+                </a:solidFill>
+                <a:latin typeface="Arial" panose="020B0604020202020204" pitchFamily="34" charset="0"/>
+                <a:ea typeface="微軟正黑體" pitchFamily="34" charset="-120"/>
+                <a:cs typeface="Arial" panose="020B0604020202020204" pitchFamily="34" charset="0"/>
+              </a:rPr>
+              <a:t> </a:t>
+            </a:r>
+            <a:r>
+              <a:rPr lang="en-US" altLang="zh-CN" sz="3200" b="1" dirty="0" err="1">
+                <a:solidFill>
+                  <a:srgbClr val="660033"/>
+                </a:solidFill>
+                <a:latin typeface="Arial" panose="020B0604020202020204" pitchFamily="34" charset="0"/>
+                <a:ea typeface="微軟正黑體" pitchFamily="34" charset="-120"/>
+                <a:cs typeface="Arial" panose="020B0604020202020204" pitchFamily="34" charset="0"/>
+              </a:rPr>
+              <a:t>thần</a:t>
+            </a:r>
+            <a:endParaRPr lang="zh-TW" altLang="en-US" sz="3200" b="1" dirty="0">
               <a:solidFill>
                 <a:srgbClr val="660033"/>
               </a:solidFill>
@@ -7961,8 +7710,8 @@
         </p:nvSpPr>
         <p:spPr>
           <a:xfrm>
-            <a:off x="0" y="785800"/>
-            <a:ext cx="9144000" cy="2217998"/>
+            <a:off x="0" y="1285866"/>
+            <a:ext cx="9144000" cy="1861948"/>
           </a:xfrm>
         </p:spPr>
         <p:txBody>
@@ -7988,8 +7737,9 @@
                 </a:effectLst>
                 <a:latin typeface="微軟正黑體" pitchFamily="34" charset="-120"/>
                 <a:ea typeface="微軟正黑體" pitchFamily="34" charset="-120"/>
-              </a:rPr>
-              <a:t>我們在天上的父</a:t>
+                <a:cs typeface="+mj-cs"/>
+              </a:rPr>
+              <a:t>讚美聖靈開我茅塞</a:t>
             </a:r>
             <a:endParaRPr lang="en-US" altLang="zh-CN" sz="4400" b="1" dirty="0" smtClean="0">
               <a:solidFill>
@@ -8004,6 +7754,7 @@
               </a:effectLst>
               <a:latin typeface="微軟正黑體" pitchFamily="34" charset="-120"/>
               <a:ea typeface="微軟正黑體" pitchFamily="34" charset="-120"/>
+              <a:cs typeface="+mj-cs"/>
             </a:endParaRPr>
           </a:p>
           <a:p>
@@ -8024,10 +7775,11 @@
                 </a:effectLst>
                 <a:latin typeface="微軟正黑體" pitchFamily="34" charset="-120"/>
                 <a:ea typeface="微軟正黑體" pitchFamily="34" charset="-120"/>
-              </a:rPr>
-              <a:t>願人都尊袮的名為聖</a:t>
-            </a:r>
-            <a:endParaRPr lang="en-US" altLang="zh-CN" sz="4400" b="1" dirty="0" smtClean="0">
+                <a:cs typeface="+mj-cs"/>
+              </a:rPr>
+              <a:t>讚美三位合一真神</a:t>
+            </a:r>
+            <a:endParaRPr lang="zh-TW" altLang="en-US" sz="4400" b="1" dirty="0">
               <a:solidFill>
                 <a:srgbClr val="000066"/>
               </a:solidFill>
@@ -8040,6 +7792,7 @@
               </a:effectLst>
               <a:latin typeface="微軟正黑體" pitchFamily="34" charset="-120"/>
               <a:ea typeface="微軟正黑體" pitchFamily="34" charset="-120"/>
+              <a:cs typeface="+mj-cs"/>
             </a:endParaRPr>
           </a:p>
         </p:txBody>
@@ -8054,8 +7807,8 @@
         </p:nvSpPr>
         <p:spPr>
           <a:xfrm>
-            <a:off x="0" y="2934054"/>
-            <a:ext cx="9144000" cy="2217998"/>
+            <a:off x="0" y="3300214"/>
+            <a:ext cx="9144000" cy="1861948"/>
           </a:xfrm>
           <a:prstGeom prst="rect">
             <a:avLst/>
@@ -8203,44 +7956,25 @@
             </a:lvl9pPr>
           </a:lstStyle>
           <a:p>
-            <a:pPr marL="0" indent="0" algn="ctr">
+            <a:pPr algn="ctr">
               <a:buNone/>
             </a:pPr>
             <a:r>
-              <a:rPr lang="vi-VN" b="1" dirty="0">
-                <a:solidFill>
-                  <a:srgbClr val="660033"/>
-                </a:solidFill>
-                <a:effectLst>
-                  <a:outerShdw blurRad="38100" dist="38100" dir="2700000" algn="tl">
-                    <a:srgbClr val="000000">
-                      <a:alpha val="43137"/>
-                    </a:srgbClr>
-                  </a:outerShdw>
-                </a:effectLst>
-                <a:latin typeface="Arial" panose="020B0604020202020204" pitchFamily="34" charset="0"/>
-                <a:cs typeface="Arial" panose="020B0604020202020204" pitchFamily="34" charset="0"/>
-              </a:rPr>
-              <a:t>Lạy Cha chúng con ở trên </a:t>
-            </a:r>
-            <a:r>
-              <a:rPr lang="vi-VN" b="1" dirty="0" smtClean="0">
-                <a:solidFill>
-                  <a:srgbClr val="660033"/>
-                </a:solidFill>
-                <a:effectLst>
-                  <a:outerShdw blurRad="38100" dist="38100" dir="2700000" algn="tl">
-                    <a:srgbClr val="000000">
-                      <a:alpha val="43137"/>
-                    </a:srgbClr>
-                  </a:outerShdw>
-                </a:effectLst>
-                <a:latin typeface="Arial" panose="020B0604020202020204" pitchFamily="34" charset="0"/>
-                <a:cs typeface="Arial" panose="020B0604020202020204" pitchFamily="34" charset="0"/>
-              </a:rPr>
-              <a:t>trời</a:t>
-            </a:r>
-            <a:endParaRPr lang="vi-VN" b="1" dirty="0">
+              <a:rPr lang="vi-VN" sz="2800" b="1" dirty="0">
+                <a:solidFill>
+                  <a:srgbClr val="660033"/>
+                </a:solidFill>
+                <a:effectLst>
+                  <a:outerShdw blurRad="38100" dist="38100" dir="2700000" algn="tl">
+                    <a:srgbClr val="000000">
+                      <a:alpha val="43137"/>
+                    </a:srgbClr>
+                  </a:outerShdw>
+                </a:effectLst>
+              </a:rPr>
+              <a:t>Trời cao cũng chung khen ngợi Ba Ngôi</a:t>
+            </a:r>
+            <a:endParaRPr lang="en-US" sz="2800" b="1" dirty="0">
               <a:solidFill>
                 <a:srgbClr val="660033"/>
               </a:solidFill>
@@ -8251,49 +7985,28 @@
                   </a:srgbClr>
                 </a:outerShdw>
               </a:effectLst>
-              <a:latin typeface="Arial" panose="020B0604020202020204" pitchFamily="34" charset="0"/>
-              <a:cs typeface="Arial" panose="020B0604020202020204" pitchFamily="34" charset="0"/>
             </a:endParaRPr>
           </a:p>
           <a:p>
-            <a:pPr marL="0" indent="0" algn="ctr">
+            <a:pPr algn="ctr">
               <a:buNone/>
             </a:pPr>
             <a:r>
-              <a:rPr lang="vi-VN" b="1" dirty="0">
-                <a:solidFill>
-                  <a:srgbClr val="660033"/>
-                </a:solidFill>
-                <a:effectLst>
-                  <a:outerShdw blurRad="38100" dist="38100" dir="2700000" algn="tl">
-                    <a:srgbClr val="000000">
-                      <a:alpha val="43137"/>
-                    </a:srgbClr>
-                  </a:outerShdw>
-                </a:effectLst>
-                <a:latin typeface="Arial" panose="020B0604020202020204" pitchFamily="34" charset="0"/>
-                <a:cs typeface="Arial" panose="020B0604020202020204" pitchFamily="34" charset="0"/>
-              </a:rPr>
-              <a:t>Danh Cha được </a:t>
-            </a:r>
-            <a:r>
-              <a:rPr lang="vi-VN" b="1" dirty="0" smtClean="0">
-                <a:solidFill>
-                  <a:srgbClr val="660033"/>
-                </a:solidFill>
-                <a:effectLst>
-                  <a:outerShdw blurRad="38100" dist="38100" dir="2700000" algn="tl">
-                    <a:srgbClr val="000000">
-                      <a:alpha val="43137"/>
-                    </a:srgbClr>
-                  </a:outerShdw>
-                </a:effectLst>
-                <a:latin typeface="Arial" panose="020B0604020202020204" pitchFamily="34" charset="0"/>
-                <a:cs typeface="Arial" panose="020B0604020202020204" pitchFamily="34" charset="0"/>
-              </a:rPr>
-              <a:t>thánh</a:t>
-            </a:r>
-            <a:endParaRPr lang="vi-VN" b="1" dirty="0">
+              <a:rPr lang="vi-VN" sz="2800" b="1" dirty="0">
+                <a:solidFill>
+                  <a:srgbClr val="660033"/>
+                </a:solidFill>
+                <a:effectLst>
+                  <a:outerShdw blurRad="38100" dist="38100" dir="2700000" algn="tl">
+                    <a:srgbClr val="000000">
+                      <a:alpha val="43137"/>
+                    </a:srgbClr>
+                  </a:outerShdw>
+                </a:effectLst>
+              </a:rPr>
+              <a:t>Chúa Cha cùng Con với Linh đời đời </a:t>
+            </a:r>
+            <a:endParaRPr lang="en-US" sz="2800" b="1" dirty="0">
               <a:solidFill>
                 <a:srgbClr val="660033"/>
               </a:solidFill>
@@ -8304,8 +8017,38 @@
                   </a:srgbClr>
                 </a:outerShdw>
               </a:effectLst>
-              <a:latin typeface="Arial" panose="020B0604020202020204" pitchFamily="34" charset="0"/>
-              <a:cs typeface="Arial" panose="020B0604020202020204" pitchFamily="34" charset="0"/>
+            </a:endParaRPr>
+          </a:p>
+          <a:p>
+            <a:pPr algn="ctr">
+              <a:buNone/>
+            </a:pPr>
+            <a:r>
+              <a:rPr lang="vi-VN" sz="2800" b="1" dirty="0">
+                <a:solidFill>
+                  <a:srgbClr val="660033"/>
+                </a:solidFill>
+                <a:effectLst>
+                  <a:outerShdw blurRad="38100" dist="38100" dir="2700000" algn="tl">
+                    <a:srgbClr val="000000">
+                      <a:alpha val="43137"/>
+                    </a:srgbClr>
+                  </a:outerShdw>
+                </a:effectLst>
+              </a:rPr>
+              <a:t>A-men</a:t>
+            </a:r>
+            <a:endParaRPr lang="zh-TW" altLang="en-US" sz="2800" b="1" dirty="0">
+              <a:solidFill>
+                <a:srgbClr val="660033"/>
+              </a:solidFill>
+              <a:effectLst>
+                <a:outerShdw blurRad="38100" dist="38100" dir="2700000" algn="tl">
+                  <a:srgbClr val="000000">
+                    <a:alpha val="43137"/>
+                  </a:srgbClr>
+                </a:outerShdw>
+              </a:effectLst>
             </a:endParaRPr>
           </a:p>
         </p:txBody>
@@ -8313,7 +8056,7 @@
     </p:spTree>
     <p:extLst>
       <p:ext uri="{BB962C8B-B14F-4D97-AF65-F5344CB8AC3E}">
-        <p14:creationId xmlns:p14="http://schemas.microsoft.com/office/powerpoint/2010/main" val="3226381580"/>
+        <p14:creationId xmlns:p14="http://schemas.microsoft.com/office/powerpoint/2010/main" val="3960658920"/>
       </p:ext>
     </p:extLst>
   </p:cSld>
@@ -8380,7 +8123,7 @@
               <a:t>公禱文 </a:t>
             </a:r>
             <a:r>
-              <a:rPr lang="en-US" altLang="zh-CN" sz="3200" b="1" dirty="0" err="1">
+              <a:rPr lang="en-US" altLang="zh-CN" sz="3200" b="1" dirty="0" err="1" smtClean="0">
                 <a:solidFill>
                   <a:srgbClr val="660033"/>
                 </a:solidFill>
@@ -8391,7 +8134,7 @@
               <a:t>Cầu</a:t>
             </a:r>
             <a:r>
-              <a:rPr lang="en-US" altLang="zh-CN" sz="3200" b="1" dirty="0">
+              <a:rPr lang="en-US" altLang="zh-CN" sz="3200" b="1" dirty="0" smtClean="0">
                 <a:solidFill>
                   <a:srgbClr val="660033"/>
                 </a:solidFill>
@@ -8402,7 +8145,7 @@
               <a:t> </a:t>
             </a:r>
             <a:r>
-              <a:rPr lang="en-US" altLang="zh-CN" sz="3200" b="1" dirty="0" err="1">
+              <a:rPr lang="en-US" altLang="zh-CN" sz="3200" b="1" dirty="0" err="1" smtClean="0">
                 <a:solidFill>
                   <a:srgbClr val="660033"/>
                 </a:solidFill>
@@ -8413,7 +8156,7 @@
               <a:t>nguyện</a:t>
             </a:r>
             <a:r>
-              <a:rPr lang="en-US" altLang="zh-CN" sz="3200" b="1" dirty="0">
+              <a:rPr lang="en-US" altLang="zh-CN" sz="3200" b="1" dirty="0" smtClean="0">
                 <a:solidFill>
                   <a:srgbClr val="660033"/>
                 </a:solidFill>
@@ -8424,7 +8167,7 @@
               <a:t> </a:t>
             </a:r>
             <a:r>
-              <a:rPr lang="en-US" altLang="zh-CN" sz="3200" b="1" dirty="0" err="1">
+              <a:rPr lang="en-US" altLang="zh-CN" sz="3200" b="1" dirty="0" err="1" smtClean="0">
                 <a:solidFill>
                   <a:srgbClr val="660033"/>
                 </a:solidFill>
@@ -8434,7 +8177,7 @@
               </a:rPr>
               <a:t>chung</a:t>
             </a:r>
-            <a:endParaRPr lang="zh-TW" altLang="en-US" sz="3200" b="1" dirty="0">
+            <a:endParaRPr lang="zh-TW" altLang="en-US" sz="3600" b="1" dirty="0">
               <a:solidFill>
                 <a:srgbClr val="660033"/>
               </a:solidFill>
@@ -8471,7 +8214,7 @@
               <a:buNone/>
             </a:pPr>
             <a:r>
-              <a:rPr lang="zh-CN" altLang="en-US" sz="4400" b="1" dirty="0">
+              <a:rPr lang="zh-CN" altLang="en-US" sz="4400" b="1" dirty="0" smtClean="0">
                 <a:solidFill>
                   <a:srgbClr val="000066"/>
                 </a:solidFill>
@@ -8485,9 +8228,9 @@
                 <a:latin typeface="微軟正黑體" pitchFamily="34" charset="-120"/>
                 <a:ea typeface="微軟正黑體" pitchFamily="34" charset="-120"/>
               </a:rPr>
-              <a:t>願父的國降臨</a:t>
-            </a:r>
-            <a:endParaRPr lang="en-US" altLang="zh-CN" sz="4400" b="1" dirty="0">
+              <a:t>我們在天上的父</a:t>
+            </a:r>
+            <a:endParaRPr lang="en-US" altLang="zh-CN" sz="4400" b="1" dirty="0" smtClean="0">
               <a:solidFill>
                 <a:srgbClr val="000066"/>
               </a:solidFill>
@@ -8507,7 +8250,7 @@
               <a:buNone/>
             </a:pPr>
             <a:r>
-              <a:rPr lang="zh-CN" altLang="en-US" sz="4400" b="1" dirty="0">
+              <a:rPr lang="zh-CN" altLang="en-US" sz="4400" b="1" dirty="0" smtClean="0">
                 <a:solidFill>
                   <a:srgbClr val="000066"/>
                 </a:solidFill>
@@ -8521,9 +8264,9 @@
                 <a:latin typeface="微軟正黑體" pitchFamily="34" charset="-120"/>
                 <a:ea typeface="微軟正黑體" pitchFamily="34" charset="-120"/>
               </a:rPr>
-              <a:t>願父的旨意行在地上</a:t>
-            </a:r>
-            <a:endParaRPr lang="en-US" altLang="zh-CN" sz="4400" b="1" dirty="0">
+              <a:t>願人都尊袮的名為聖</a:t>
+            </a:r>
+            <a:endParaRPr lang="en-US" altLang="zh-CN" sz="4400" b="1" dirty="0" smtClean="0">
               <a:solidFill>
                 <a:srgbClr val="000066"/>
               </a:solidFill>
@@ -8538,42 +8281,6 @@
               <a:ea typeface="微軟正黑體" pitchFamily="34" charset="-120"/>
             </a:endParaRPr>
           </a:p>
-          <a:p>
-            <a:pPr algn="ctr">
-              <a:buNone/>
-            </a:pPr>
-            <a:r>
-              <a:rPr lang="zh-CN" altLang="en-US" sz="4400" b="1" dirty="0">
-                <a:solidFill>
-                  <a:srgbClr val="000066"/>
-                </a:solidFill>
-                <a:effectLst>
-                  <a:outerShdw blurRad="50000" dist="30000" dir="5400000" algn="tl" rotWithShape="0">
-                    <a:srgbClr val="000000">
-                      <a:alpha val="30000"/>
-                    </a:srgbClr>
-                  </a:outerShdw>
-                </a:effectLst>
-                <a:latin typeface="微軟正黑體" pitchFamily="34" charset="-120"/>
-                <a:ea typeface="微軟正黑體" pitchFamily="34" charset="-120"/>
-              </a:rPr>
-              <a:t>如同行在天上</a:t>
-            </a:r>
-            <a:endParaRPr lang="zh-TW" altLang="en-US" sz="4400" b="1" dirty="0">
-              <a:solidFill>
-                <a:srgbClr val="000066"/>
-              </a:solidFill>
-              <a:effectLst>
-                <a:outerShdw blurRad="50000" dist="30000" dir="5400000" algn="tl" rotWithShape="0">
-                  <a:srgbClr val="000000">
-                    <a:alpha val="30000"/>
-                  </a:srgbClr>
-                </a:outerShdw>
-              </a:effectLst>
-              <a:latin typeface="微軟正黑體" pitchFamily="34" charset="-120"/>
-              <a:ea typeface="微軟正黑體" pitchFamily="34" charset="-120"/>
-            </a:endParaRPr>
-          </a:p>
         </p:txBody>
       </p:sp>
       <p:sp>
@@ -8586,8 +8293,8 @@
         </p:nvSpPr>
         <p:spPr>
           <a:xfrm>
-            <a:off x="0" y="3363838"/>
-            <a:ext cx="9144000" cy="1788214"/>
+            <a:off x="0" y="2934054"/>
+            <a:ext cx="9144000" cy="2217998"/>
           </a:xfrm>
           <a:prstGeom prst="rect">
             <a:avLst/>
@@ -8753,8 +8460,39 @@
                 <a:latin typeface="Arial" panose="020B0604020202020204" pitchFamily="34" charset="0"/>
                 <a:cs typeface="Arial" panose="020B0604020202020204" pitchFamily="34" charset="0"/>
               </a:rPr>
-              <a:t>Nước Cha được đến</a:t>
-            </a:r>
+              <a:t>Lạy Cha chúng con ở trên </a:t>
+            </a:r>
+            <a:r>
+              <a:rPr lang="vi-VN" b="1" dirty="0" smtClean="0">
+                <a:solidFill>
+                  <a:srgbClr val="660033"/>
+                </a:solidFill>
+                <a:effectLst>
+                  <a:outerShdw blurRad="38100" dist="38100" dir="2700000" algn="tl">
+                    <a:srgbClr val="000000">
+                      <a:alpha val="43137"/>
+                    </a:srgbClr>
+                  </a:outerShdw>
+                </a:effectLst>
+                <a:latin typeface="Arial" panose="020B0604020202020204" pitchFamily="34" charset="0"/>
+                <a:cs typeface="Arial" panose="020B0604020202020204" pitchFamily="34" charset="0"/>
+              </a:rPr>
+              <a:t>trời</a:t>
+            </a:r>
+            <a:endParaRPr lang="vi-VN" b="1" dirty="0">
+              <a:solidFill>
+                <a:srgbClr val="660033"/>
+              </a:solidFill>
+              <a:effectLst>
+                <a:outerShdw blurRad="38100" dist="38100" dir="2700000" algn="tl">
+                  <a:srgbClr val="000000">
+                    <a:alpha val="43137"/>
+                  </a:srgbClr>
+                </a:outerShdw>
+              </a:effectLst>
+              <a:latin typeface="Arial" panose="020B0604020202020204" pitchFamily="34" charset="0"/>
+              <a:cs typeface="Arial" panose="020B0604020202020204" pitchFamily="34" charset="0"/>
+            </a:endParaRPr>
           </a:p>
           <a:p>
             <a:pPr marL="0" indent="0" algn="ctr">
@@ -8775,15 +8513,46 @@
                 <a:latin typeface="Arial" panose="020B0604020202020204" pitchFamily="34" charset="0"/>
                 <a:cs typeface="Arial" panose="020B0604020202020204" pitchFamily="34" charset="0"/>
               </a:rPr>
-              <a:t>Ý Cha được nên, ở đất như trời</a:t>
-            </a:r>
+              <a:t>Danh Cha được </a:t>
+            </a:r>
+            <a:r>
+              <a:rPr lang="vi-VN" b="1" dirty="0" smtClean="0">
+                <a:solidFill>
+                  <a:srgbClr val="660033"/>
+                </a:solidFill>
+                <a:effectLst>
+                  <a:outerShdw blurRad="38100" dist="38100" dir="2700000" algn="tl">
+                    <a:srgbClr val="000000">
+                      <a:alpha val="43137"/>
+                    </a:srgbClr>
+                  </a:outerShdw>
+                </a:effectLst>
+                <a:latin typeface="Arial" panose="020B0604020202020204" pitchFamily="34" charset="0"/>
+                <a:cs typeface="Arial" panose="020B0604020202020204" pitchFamily="34" charset="0"/>
+              </a:rPr>
+              <a:t>thánh</a:t>
+            </a:r>
+            <a:endParaRPr lang="vi-VN" b="1" dirty="0">
+              <a:solidFill>
+                <a:srgbClr val="660033"/>
+              </a:solidFill>
+              <a:effectLst>
+                <a:outerShdw blurRad="38100" dist="38100" dir="2700000" algn="tl">
+                  <a:srgbClr val="000000">
+                    <a:alpha val="43137"/>
+                  </a:srgbClr>
+                </a:outerShdw>
+              </a:effectLst>
+              <a:latin typeface="Arial" panose="020B0604020202020204" pitchFamily="34" charset="0"/>
+              <a:cs typeface="Arial" panose="020B0604020202020204" pitchFamily="34" charset="0"/>
+            </a:endParaRPr>
           </a:p>
         </p:txBody>
       </p:sp>
     </p:spTree>
     <p:extLst>
       <p:ext uri="{BB962C8B-B14F-4D97-AF65-F5344CB8AC3E}">
-        <p14:creationId xmlns:p14="http://schemas.microsoft.com/office/powerpoint/2010/main" val="3568404572"/>
+        <p14:creationId xmlns:p14="http://schemas.microsoft.com/office/powerpoint/2010/main" val="3226381580"/>
       </p:ext>
     </p:extLst>
   </p:cSld>
@@ -8955,7 +8724,7 @@
                 <a:latin typeface="微軟正黑體" pitchFamily="34" charset="-120"/>
                 <a:ea typeface="微軟正黑體" pitchFamily="34" charset="-120"/>
               </a:rPr>
-              <a:t>我們日用的飲食</a:t>
+              <a:t>願父的國降臨</a:t>
             </a:r>
             <a:endParaRPr lang="en-US" altLang="zh-CN" sz="4400" b="1" dirty="0">
               <a:solidFill>
@@ -8991,7 +8760,7 @@
                 <a:latin typeface="微軟正黑體" pitchFamily="34" charset="-120"/>
                 <a:ea typeface="微軟正黑體" pitchFamily="34" charset="-120"/>
               </a:rPr>
-              <a:t>今日賜給我們</a:t>
+              <a:t>願父的旨意行在地上</a:t>
             </a:r>
             <a:endParaRPr lang="en-US" altLang="zh-CN" sz="4400" b="1" dirty="0">
               <a:solidFill>
@@ -9008,6 +8777,42 @@
               <a:ea typeface="微軟正黑體" pitchFamily="34" charset="-120"/>
             </a:endParaRPr>
           </a:p>
+          <a:p>
+            <a:pPr algn="ctr">
+              <a:buNone/>
+            </a:pPr>
+            <a:r>
+              <a:rPr lang="zh-CN" altLang="en-US" sz="4400" b="1" dirty="0">
+                <a:solidFill>
+                  <a:srgbClr val="000066"/>
+                </a:solidFill>
+                <a:effectLst>
+                  <a:outerShdw blurRad="50000" dist="30000" dir="5400000" algn="tl" rotWithShape="0">
+                    <a:srgbClr val="000000">
+                      <a:alpha val="30000"/>
+                    </a:srgbClr>
+                  </a:outerShdw>
+                </a:effectLst>
+                <a:latin typeface="微軟正黑體" pitchFamily="34" charset="-120"/>
+                <a:ea typeface="微軟正黑體" pitchFamily="34" charset="-120"/>
+              </a:rPr>
+              <a:t>如同行在天上</a:t>
+            </a:r>
+            <a:endParaRPr lang="zh-TW" altLang="en-US" sz="4400" b="1" dirty="0">
+              <a:solidFill>
+                <a:srgbClr val="000066"/>
+              </a:solidFill>
+              <a:effectLst>
+                <a:outerShdw blurRad="50000" dist="30000" dir="5400000" algn="tl" rotWithShape="0">
+                  <a:srgbClr val="000000">
+                    <a:alpha val="30000"/>
+                  </a:srgbClr>
+                </a:outerShdw>
+              </a:effectLst>
+              <a:latin typeface="微軟正黑體" pitchFamily="34" charset="-120"/>
+              <a:ea typeface="微軟正黑體" pitchFamily="34" charset="-120"/>
+            </a:endParaRPr>
+          </a:p>
         </p:txBody>
       </p:sp>
       <p:sp>
@@ -9020,8 +8825,8 @@
         </p:nvSpPr>
         <p:spPr>
           <a:xfrm>
-            <a:off x="0" y="2859782"/>
-            <a:ext cx="9144000" cy="2292270"/>
+            <a:off x="0" y="3363838"/>
+            <a:ext cx="9144000" cy="1788214"/>
           </a:xfrm>
           <a:prstGeom prst="rect">
             <a:avLst/>
@@ -9187,22 +8992,8 @@
                 <a:latin typeface="Arial" panose="020B0604020202020204" pitchFamily="34" charset="0"/>
                 <a:cs typeface="Arial" panose="020B0604020202020204" pitchFamily="34" charset="0"/>
               </a:rPr>
-              <a:t>Xin cho chúng con hôm nay </a:t>
-            </a:r>
-            <a:endParaRPr lang="en-US" b="1" dirty="0">
-              <a:solidFill>
-                <a:srgbClr val="660033"/>
-              </a:solidFill>
-              <a:effectLst>
-                <a:outerShdw blurRad="38100" dist="38100" dir="2700000" algn="tl">
-                  <a:srgbClr val="000000">
-                    <a:alpha val="43137"/>
-                  </a:srgbClr>
-                </a:outerShdw>
-              </a:effectLst>
-              <a:latin typeface="Arial" panose="020B0604020202020204" pitchFamily="34" charset="0"/>
-              <a:cs typeface="Arial" panose="020B0604020202020204" pitchFamily="34" charset="0"/>
-            </a:endParaRPr>
+              <a:t>Nước Cha được đến</a:t>
+            </a:r>
           </a:p>
           <a:p>
             <a:pPr marL="0" indent="0" algn="ctr">
@@ -9223,7 +9014,7 @@
                 <a:latin typeface="Arial" panose="020B0604020202020204" pitchFamily="34" charset="0"/>
                 <a:cs typeface="Arial" panose="020B0604020202020204" pitchFamily="34" charset="0"/>
               </a:rPr>
-              <a:t>đồ ăn đủ ngày</a:t>
+              <a:t>Ý Cha được nên, ở đất như trời</a:t>
             </a:r>
           </a:p>
         </p:txBody>
@@ -9231,7 +9022,7 @@
     </p:spTree>
     <p:extLst>
       <p:ext uri="{BB962C8B-B14F-4D97-AF65-F5344CB8AC3E}">
-        <p14:creationId xmlns:p14="http://schemas.microsoft.com/office/powerpoint/2010/main" val="2851651505"/>
+        <p14:creationId xmlns:p14="http://schemas.microsoft.com/office/powerpoint/2010/main" val="3568404572"/>
       </p:ext>
     </p:extLst>
   </p:cSld>
@@ -9403,7 +9194,7 @@
                 <a:latin typeface="微軟正黑體" pitchFamily="34" charset="-120"/>
                 <a:ea typeface="微軟正黑體" pitchFamily="34" charset="-120"/>
               </a:rPr>
-              <a:t>免我們的債</a:t>
+              <a:t>我們日用的飲食</a:t>
             </a:r>
             <a:endParaRPr lang="en-US" altLang="zh-CN" sz="4400" b="1" dirty="0">
               <a:solidFill>
@@ -9439,9 +9230,9 @@
                 <a:latin typeface="微軟正黑體" pitchFamily="34" charset="-120"/>
                 <a:ea typeface="微軟正黑體" pitchFamily="34" charset="-120"/>
               </a:rPr>
-              <a:t>如同我們免了人的債</a:t>
-            </a:r>
-            <a:endParaRPr lang="zh-TW" altLang="en-US" sz="4400" b="1" dirty="0">
+              <a:t>今日賜給我們</a:t>
+            </a:r>
+            <a:endParaRPr lang="en-US" altLang="zh-CN" sz="4400" b="1" dirty="0">
               <a:solidFill>
                 <a:srgbClr val="000066"/>
               </a:solidFill>
@@ -9635,7 +9426,43 @@
                 <a:latin typeface="Arial" panose="020B0604020202020204" pitchFamily="34" charset="0"/>
                 <a:cs typeface="Arial" panose="020B0604020202020204" pitchFamily="34" charset="0"/>
               </a:rPr>
-              <a:t>Xin tha tội lỗi cho chúng con như chúng con cũng tha kẻ phạm tội nghịch cùng chúng con</a:t>
+              <a:t>Xin cho chúng con hôm nay </a:t>
+            </a:r>
+            <a:endParaRPr lang="en-US" b="1" dirty="0">
+              <a:solidFill>
+                <a:srgbClr val="660033"/>
+              </a:solidFill>
+              <a:effectLst>
+                <a:outerShdw blurRad="38100" dist="38100" dir="2700000" algn="tl">
+                  <a:srgbClr val="000000">
+                    <a:alpha val="43137"/>
+                  </a:srgbClr>
+                </a:outerShdw>
+              </a:effectLst>
+              <a:latin typeface="Arial" panose="020B0604020202020204" pitchFamily="34" charset="0"/>
+              <a:cs typeface="Arial" panose="020B0604020202020204" pitchFamily="34" charset="0"/>
+            </a:endParaRPr>
+          </a:p>
+          <a:p>
+            <a:pPr marL="0" indent="0" algn="ctr">
+              <a:buNone/>
+            </a:pPr>
+            <a:r>
+              <a:rPr lang="vi-VN" b="1" dirty="0">
+                <a:solidFill>
+                  <a:srgbClr val="660033"/>
+                </a:solidFill>
+                <a:effectLst>
+                  <a:outerShdw blurRad="38100" dist="38100" dir="2700000" algn="tl">
+                    <a:srgbClr val="000000">
+                      <a:alpha val="43137"/>
+                    </a:srgbClr>
+                  </a:outerShdw>
+                </a:effectLst>
+                <a:latin typeface="Arial" panose="020B0604020202020204" pitchFamily="34" charset="0"/>
+                <a:cs typeface="Arial" panose="020B0604020202020204" pitchFamily="34" charset="0"/>
+              </a:rPr>
+              <a:t>đồ ăn đủ ngày</a:t>
             </a:r>
           </a:p>
         </p:txBody>
@@ -9643,7 +9470,7 @@
     </p:spTree>
     <p:extLst>
       <p:ext uri="{BB962C8B-B14F-4D97-AF65-F5344CB8AC3E}">
-        <p14:creationId xmlns:p14="http://schemas.microsoft.com/office/powerpoint/2010/main" val="2405470800"/>
+        <p14:creationId xmlns:p14="http://schemas.microsoft.com/office/powerpoint/2010/main" val="2851651505"/>
       </p:ext>
     </p:extLst>
   </p:cSld>
@@ -9787,8 +9614,8 @@
         </p:nvSpPr>
         <p:spPr>
           <a:xfrm>
-            <a:off x="0" y="915566"/>
-            <a:ext cx="9144000" cy="2088232"/>
+            <a:off x="0" y="785800"/>
+            <a:ext cx="9144000" cy="2217998"/>
           </a:xfrm>
         </p:spPr>
         <p:txBody>
@@ -9815,7 +9642,7 @@
                 <a:latin typeface="微軟正黑體" pitchFamily="34" charset="-120"/>
                 <a:ea typeface="微軟正黑體" pitchFamily="34" charset="-120"/>
               </a:rPr>
-              <a:t>不叫我們遇見試探</a:t>
+              <a:t>免我們的債</a:t>
             </a:r>
             <a:endParaRPr lang="en-US" altLang="zh-CN" sz="4400" b="1" dirty="0">
               <a:solidFill>
@@ -9851,9 +9678,9 @@
                 <a:latin typeface="微軟正黑體" pitchFamily="34" charset="-120"/>
                 <a:ea typeface="微軟正黑體" pitchFamily="34" charset="-120"/>
               </a:rPr>
-              <a:t>救我們脫離兇惡</a:t>
-            </a:r>
-            <a:endParaRPr lang="en-US" altLang="zh-CN" sz="4400" b="1" dirty="0">
+              <a:t>如同我們免了人的債</a:t>
+            </a:r>
+            <a:endParaRPr lang="zh-TW" altLang="en-US" sz="4400" b="1" dirty="0">
               <a:solidFill>
                 <a:srgbClr val="000066"/>
               </a:solidFill>
@@ -10047,43 +9874,7 @@
                 <a:latin typeface="Arial" panose="020B0604020202020204" pitchFamily="34" charset="0"/>
                 <a:cs typeface="Arial" panose="020B0604020202020204" pitchFamily="34" charset="0"/>
               </a:rPr>
-              <a:t>Xin chớ để chúng con bị cám dỗ </a:t>
-            </a:r>
-            <a:endParaRPr lang="en-US" b="1" dirty="0">
-              <a:solidFill>
-                <a:srgbClr val="660033"/>
-              </a:solidFill>
-              <a:effectLst>
-                <a:outerShdw blurRad="38100" dist="38100" dir="2700000" algn="tl">
-                  <a:srgbClr val="000000">
-                    <a:alpha val="43137"/>
-                  </a:srgbClr>
-                </a:outerShdw>
-              </a:effectLst>
-              <a:latin typeface="Arial" panose="020B0604020202020204" pitchFamily="34" charset="0"/>
-              <a:cs typeface="Arial" panose="020B0604020202020204" pitchFamily="34" charset="0"/>
-            </a:endParaRPr>
-          </a:p>
-          <a:p>
-            <a:pPr marL="0" indent="0" algn="ctr">
-              <a:buNone/>
-            </a:pPr>
-            <a:r>
-              <a:rPr lang="vi-VN" b="1" dirty="0">
-                <a:solidFill>
-                  <a:srgbClr val="660033"/>
-                </a:solidFill>
-                <a:effectLst>
-                  <a:outerShdw blurRad="38100" dist="38100" dir="2700000" algn="tl">
-                    <a:srgbClr val="000000">
-                      <a:alpha val="43137"/>
-                    </a:srgbClr>
-                  </a:outerShdw>
-                </a:effectLst>
-                <a:latin typeface="Arial" panose="020B0604020202020204" pitchFamily="34" charset="0"/>
-                <a:cs typeface="Arial" panose="020B0604020202020204" pitchFamily="34" charset="0"/>
-              </a:rPr>
-              <a:t>mà cứu chúng con khỏi điều ác</a:t>
+              <a:t>Xin tha tội lỗi cho chúng con như chúng con cũng tha kẻ phạm tội nghịch cùng chúng con</a:t>
             </a:r>
           </a:p>
         </p:txBody>
@@ -10091,7 +9882,7 @@
     </p:spTree>
     <p:extLst>
       <p:ext uri="{BB962C8B-B14F-4D97-AF65-F5344CB8AC3E}">
-        <p14:creationId xmlns:p14="http://schemas.microsoft.com/office/powerpoint/2010/main" val="3239520372"/>
+        <p14:creationId xmlns:p14="http://schemas.microsoft.com/office/powerpoint/2010/main" val="2405470800"/>
       </p:ext>
     </p:extLst>
   </p:cSld>
@@ -10263,7 +10054,7 @@
                 <a:latin typeface="微軟正黑體" pitchFamily="34" charset="-120"/>
                 <a:ea typeface="微軟正黑體" pitchFamily="34" charset="-120"/>
               </a:rPr>
-              <a:t>因為國度 權柄 榮耀</a:t>
+              <a:t>不叫我們遇見試探</a:t>
             </a:r>
             <a:endParaRPr lang="en-US" altLang="zh-CN" sz="4400" b="1" dirty="0">
               <a:solidFill>
@@ -10299,43 +10090,9 @@
                 <a:latin typeface="微軟正黑體" pitchFamily="34" charset="-120"/>
                 <a:ea typeface="微軟正黑體" pitchFamily="34" charset="-120"/>
               </a:rPr>
-              <a:t>全是父的 直到永遠</a:t>
-            </a:r>
-            <a:r>
-              <a:rPr lang="en-US" altLang="zh-CN" sz="4400" b="1" dirty="0">
-                <a:solidFill>
-                  <a:srgbClr val="000066"/>
-                </a:solidFill>
-                <a:effectLst>
-                  <a:outerShdw blurRad="50000" dist="30000" dir="5400000" algn="tl" rotWithShape="0">
-                    <a:srgbClr val="000000">
-                      <a:alpha val="30000"/>
-                    </a:srgbClr>
-                  </a:outerShdw>
-                </a:effectLst>
-                <a:latin typeface="微軟正黑體" pitchFamily="34" charset="-120"/>
-                <a:ea typeface="微軟正黑體" pitchFamily="34" charset="-120"/>
-              </a:rPr>
-              <a:t>  </a:t>
-            </a:r>
-            <a:r>
-              <a:rPr lang="zh-CN" altLang="en-US" sz="4400" b="1" dirty="0">
-                <a:solidFill>
-                  <a:srgbClr val="000066"/>
-                </a:solidFill>
-                <a:effectLst>
-                  <a:outerShdw blurRad="50000" dist="30000" dir="5400000" algn="tl" rotWithShape="0">
-                    <a:srgbClr val="000000">
-                      <a:alpha val="30000"/>
-                    </a:srgbClr>
-                  </a:outerShdw>
-                </a:effectLst>
-                <a:latin typeface="微軟正黑體" pitchFamily="34" charset="-120"/>
-                <a:ea typeface="微軟正黑體" pitchFamily="34" charset="-120"/>
-              </a:rPr>
-              <a:t>阿門</a:t>
-            </a:r>
-            <a:endParaRPr lang="zh-TW" altLang="en-US" sz="4400" b="1" dirty="0">
+              <a:t>救我們脫離兇惡</a:t>
+            </a:r>
+            <a:endParaRPr lang="en-US" altLang="zh-CN" sz="4400" b="1" dirty="0">
               <a:solidFill>
                 <a:srgbClr val="000066"/>
               </a:solidFill>
@@ -10529,7 +10286,7 @@
                 <a:latin typeface="Arial" panose="020B0604020202020204" pitchFamily="34" charset="0"/>
                 <a:cs typeface="Arial" panose="020B0604020202020204" pitchFamily="34" charset="0"/>
               </a:rPr>
-              <a:t>Vì nước, quyền, vinh hiển </a:t>
+              <a:t>Xin chớ để chúng con bị cám dỗ </a:t>
             </a:r>
             <a:endParaRPr lang="en-US" b="1" dirty="0">
               <a:solidFill>
@@ -10565,43 +10322,7 @@
                 <a:latin typeface="Arial" panose="020B0604020202020204" pitchFamily="34" charset="0"/>
                 <a:cs typeface="Arial" panose="020B0604020202020204" pitchFamily="34" charset="0"/>
               </a:rPr>
-              <a:t>đều thuộc về Cha đời đời</a:t>
-            </a:r>
-            <a:endParaRPr lang="en-US" b="1" dirty="0">
-              <a:solidFill>
-                <a:srgbClr val="660033"/>
-              </a:solidFill>
-              <a:effectLst>
-                <a:outerShdw blurRad="38100" dist="38100" dir="2700000" algn="tl">
-                  <a:srgbClr val="000000">
-                    <a:alpha val="43137"/>
-                  </a:srgbClr>
-                </a:outerShdw>
-              </a:effectLst>
-              <a:latin typeface="Arial" panose="020B0604020202020204" pitchFamily="34" charset="0"/>
-              <a:cs typeface="Arial" panose="020B0604020202020204" pitchFamily="34" charset="0"/>
-            </a:endParaRPr>
-          </a:p>
-          <a:p>
-            <a:pPr marL="0" indent="0" algn="ctr">
-              <a:buNone/>
-            </a:pPr>
-            <a:r>
-              <a:rPr lang="vi-VN" b="1" dirty="0">
-                <a:solidFill>
-                  <a:srgbClr val="660033"/>
-                </a:solidFill>
-                <a:effectLst>
-                  <a:outerShdw blurRad="38100" dist="38100" dir="2700000" algn="tl">
-                    <a:srgbClr val="000000">
-                      <a:alpha val="43137"/>
-                    </a:srgbClr>
-                  </a:outerShdw>
-                </a:effectLst>
-                <a:latin typeface="Arial" panose="020B0604020202020204" pitchFamily="34" charset="0"/>
-                <a:cs typeface="Arial" panose="020B0604020202020204" pitchFamily="34" charset="0"/>
-              </a:rPr>
-              <a:t>A-men</a:t>
+              <a:t>mà cứu chúng con khỏi điều ác</a:t>
             </a:r>
           </a:p>
         </p:txBody>
@@ -10609,7 +10330,7 @@
     </p:spTree>
     <p:extLst>
       <p:ext uri="{BB962C8B-B14F-4D97-AF65-F5344CB8AC3E}">
-        <p14:creationId xmlns:p14="http://schemas.microsoft.com/office/powerpoint/2010/main" val="2271059093"/>
+        <p14:creationId xmlns:p14="http://schemas.microsoft.com/office/powerpoint/2010/main" val="3239520372"/>
       </p:ext>
     </p:extLst>
   </p:cSld>
@@ -10650,13 +10371,13 @@
             <a:spLocks noGrp="1"/>
           </p:cNvSpPr>
           <p:nvPr>
-            <p:ph type="title" idx="4294967295"/>
+            <p:ph type="title"/>
           </p:nvPr>
         </p:nvSpPr>
         <p:spPr>
           <a:xfrm>
-            <a:off x="0" y="1779662"/>
-            <a:ext cx="9144000" cy="628650"/>
+            <a:off x="0" y="85712"/>
+            <a:ext cx="8991600" cy="628650"/>
           </a:xfrm>
         </p:spPr>
         <p:txBody>
@@ -10665,32 +10386,132 @@
           </a:bodyPr>
           <a:lstStyle/>
           <a:p>
-            <a:pPr algn="ctr"/>
-            <a:r>
-              <a:rPr lang="zh-CN" altLang="en-US" sz="6000" b="1" dirty="0" smtClean="0">
+            <a:r>
+              <a:rPr lang="zh-CN" altLang="en-US" sz="3600" b="1" dirty="0" smtClean="0">
                 <a:solidFill>
                   <a:srgbClr val="000066"/>
                 </a:solidFill>
-                <a:effectLst>
-                  <a:outerShdw blurRad="38100" dist="38100" dir="2700000" algn="tl">
-                    <a:srgbClr val="000000">
-                      <a:alpha val="43137"/>
-                    </a:srgbClr>
-                  </a:outerShdw>
-                </a:effectLst>
                 <a:latin typeface="微軟正黑體" pitchFamily="34" charset="-120"/>
                 <a:ea typeface="微軟正黑體" pitchFamily="34" charset="-120"/>
               </a:rPr>
-              <a:t>祝福</a:t>
-            </a:r>
-            <a:endParaRPr lang="zh-TW" altLang="en-US" sz="6000" b="1" dirty="0">
+              <a:t>公禱文 </a:t>
+            </a:r>
+            <a:r>
+              <a:rPr lang="en-US" altLang="zh-CN" sz="3200" b="1" dirty="0" err="1">
+                <a:solidFill>
+                  <a:srgbClr val="660033"/>
+                </a:solidFill>
+                <a:latin typeface="Arial" panose="020B0604020202020204" pitchFamily="34" charset="0"/>
+                <a:ea typeface="微軟正黑體" pitchFamily="34" charset="-120"/>
+                <a:cs typeface="Arial" panose="020B0604020202020204" pitchFamily="34" charset="0"/>
+              </a:rPr>
+              <a:t>Cầu</a:t>
+            </a:r>
+            <a:r>
+              <a:rPr lang="en-US" altLang="zh-CN" sz="3200" b="1" dirty="0">
+                <a:solidFill>
+                  <a:srgbClr val="660033"/>
+                </a:solidFill>
+                <a:latin typeface="Arial" panose="020B0604020202020204" pitchFamily="34" charset="0"/>
+                <a:ea typeface="微軟正黑體" pitchFamily="34" charset="-120"/>
+                <a:cs typeface="Arial" panose="020B0604020202020204" pitchFamily="34" charset="0"/>
+              </a:rPr>
+              <a:t> </a:t>
+            </a:r>
+            <a:r>
+              <a:rPr lang="en-US" altLang="zh-CN" sz="3200" b="1" dirty="0" err="1">
+                <a:solidFill>
+                  <a:srgbClr val="660033"/>
+                </a:solidFill>
+                <a:latin typeface="Arial" panose="020B0604020202020204" pitchFamily="34" charset="0"/>
+                <a:ea typeface="微軟正黑體" pitchFamily="34" charset="-120"/>
+                <a:cs typeface="Arial" panose="020B0604020202020204" pitchFamily="34" charset="0"/>
+              </a:rPr>
+              <a:t>nguyện</a:t>
+            </a:r>
+            <a:r>
+              <a:rPr lang="en-US" altLang="zh-CN" sz="3200" b="1" dirty="0">
+                <a:solidFill>
+                  <a:srgbClr val="660033"/>
+                </a:solidFill>
+                <a:latin typeface="Arial" panose="020B0604020202020204" pitchFamily="34" charset="0"/>
+                <a:ea typeface="微軟正黑體" pitchFamily="34" charset="-120"/>
+                <a:cs typeface="Arial" panose="020B0604020202020204" pitchFamily="34" charset="0"/>
+              </a:rPr>
+              <a:t> </a:t>
+            </a:r>
+            <a:r>
+              <a:rPr lang="en-US" altLang="zh-CN" sz="3200" b="1" dirty="0" err="1">
+                <a:solidFill>
+                  <a:srgbClr val="660033"/>
+                </a:solidFill>
+                <a:latin typeface="Arial" panose="020B0604020202020204" pitchFamily="34" charset="0"/>
+                <a:ea typeface="微軟正黑體" pitchFamily="34" charset="-120"/>
+                <a:cs typeface="Arial" panose="020B0604020202020204" pitchFamily="34" charset="0"/>
+              </a:rPr>
+              <a:t>chung</a:t>
+            </a:r>
+            <a:endParaRPr lang="zh-TW" altLang="en-US" sz="3200" b="1" dirty="0">
+              <a:solidFill>
+                <a:srgbClr val="660033"/>
+              </a:solidFill>
+              <a:latin typeface="Arial" panose="020B0604020202020204" pitchFamily="34" charset="0"/>
+              <a:ea typeface="微軟正黑體" pitchFamily="34" charset="-120"/>
+              <a:cs typeface="Arial" panose="020B0604020202020204" pitchFamily="34" charset="0"/>
+            </a:endParaRPr>
+          </a:p>
+        </p:txBody>
+      </p:sp>
+      <p:sp>
+        <p:nvSpPr>
+          <p:cNvPr id="4" name="內容版面配置區 3"/>
+          <p:cNvSpPr>
+            <a:spLocks noGrp="1"/>
+          </p:cNvSpPr>
+          <p:nvPr>
+            <p:ph idx="1"/>
+          </p:nvPr>
+        </p:nvSpPr>
+        <p:spPr>
+          <a:xfrm>
+            <a:off x="0" y="915566"/>
+            <a:ext cx="9144000" cy="2088232"/>
+          </a:xfrm>
+        </p:spPr>
+        <p:txBody>
+          <a:bodyPr>
+            <a:noAutofit/>
+          </a:bodyPr>
+          <a:lstStyle/>
+          <a:p>
+            <a:pPr algn="ctr">
+              <a:buNone/>
+            </a:pPr>
+            <a:r>
+              <a:rPr lang="zh-CN" altLang="en-US" sz="4400" b="1" dirty="0">
+                <a:solidFill>
+                  <a:srgbClr val="000066"/>
+                </a:solidFill>
+                <a:effectLst>
+                  <a:outerShdw blurRad="50000" dist="30000" dir="5400000" algn="tl" rotWithShape="0">
+                    <a:srgbClr val="000000">
+                      <a:alpha val="30000"/>
+                    </a:srgbClr>
+                  </a:outerShdw>
+                </a:effectLst>
+                <a:latin typeface="微軟正黑體" pitchFamily="34" charset="-120"/>
+                <a:ea typeface="微軟正黑體" pitchFamily="34" charset="-120"/>
+              </a:rPr>
+              <a:t>因為國度 權柄 榮耀</a:t>
+            </a:r>
+            <a:endParaRPr lang="en-US" altLang="zh-CN" sz="4400" b="1" dirty="0">
               <a:solidFill>
                 <a:srgbClr val="000066"/>
               </a:solidFill>
               <a:effectLst>
-                <a:outerShdw blurRad="38100" dist="38100" dir="2700000" algn="tl">
+                <a:outerShdw blurRad="50000" dist="30000" dir="5400000" algn="tl" rotWithShape="0">
                   <a:srgbClr val="000000">
-                    <a:alpha val="43137"/>
+                    <a:alpha val="30000"/>
                   </a:srgbClr>
                 </a:outerShdw>
               </a:effectLst>
@@ -10698,32 +10519,242 @@
               <a:ea typeface="微軟正黑體" pitchFamily="34" charset="-120"/>
             </a:endParaRPr>
           </a:p>
-        </p:txBody>
-      </p:sp>
-      <p:sp>
-        <p:nvSpPr>
-          <p:cNvPr id="3" name="矩形 2"/>
-          <p:cNvSpPr/>
+          <a:p>
+            <a:pPr algn="ctr">
+              <a:buNone/>
+            </a:pPr>
+            <a:r>
+              <a:rPr lang="zh-CN" altLang="en-US" sz="4400" b="1" dirty="0">
+                <a:solidFill>
+                  <a:srgbClr val="000066"/>
+                </a:solidFill>
+                <a:effectLst>
+                  <a:outerShdw blurRad="50000" dist="30000" dir="5400000" algn="tl" rotWithShape="0">
+                    <a:srgbClr val="000000">
+                      <a:alpha val="30000"/>
+                    </a:srgbClr>
+                  </a:outerShdw>
+                </a:effectLst>
+                <a:latin typeface="微軟正黑體" pitchFamily="34" charset="-120"/>
+                <a:ea typeface="微軟正黑體" pitchFamily="34" charset="-120"/>
+              </a:rPr>
+              <a:t>全是父的 直到永遠</a:t>
+            </a:r>
+            <a:r>
+              <a:rPr lang="en-US" altLang="zh-CN" sz="4400" b="1" dirty="0">
+                <a:solidFill>
+                  <a:srgbClr val="000066"/>
+                </a:solidFill>
+                <a:effectLst>
+                  <a:outerShdw blurRad="50000" dist="30000" dir="5400000" algn="tl" rotWithShape="0">
+                    <a:srgbClr val="000000">
+                      <a:alpha val="30000"/>
+                    </a:srgbClr>
+                  </a:outerShdw>
+                </a:effectLst>
+                <a:latin typeface="微軟正黑體" pitchFamily="34" charset="-120"/>
+                <a:ea typeface="微軟正黑體" pitchFamily="34" charset="-120"/>
+              </a:rPr>
+              <a:t>  </a:t>
+            </a:r>
+            <a:r>
+              <a:rPr lang="zh-CN" altLang="en-US" sz="4400" b="1" dirty="0">
+                <a:solidFill>
+                  <a:srgbClr val="000066"/>
+                </a:solidFill>
+                <a:effectLst>
+                  <a:outerShdw blurRad="50000" dist="30000" dir="5400000" algn="tl" rotWithShape="0">
+                    <a:srgbClr val="000000">
+                      <a:alpha val="30000"/>
+                    </a:srgbClr>
+                  </a:outerShdw>
+                </a:effectLst>
+                <a:latin typeface="微軟正黑體" pitchFamily="34" charset="-120"/>
+                <a:ea typeface="微軟正黑體" pitchFamily="34" charset="-120"/>
+              </a:rPr>
+              <a:t>阿門</a:t>
+            </a:r>
+            <a:endParaRPr lang="zh-TW" altLang="en-US" sz="4400" b="1" dirty="0">
+              <a:solidFill>
+                <a:srgbClr val="000066"/>
+              </a:solidFill>
+              <a:effectLst>
+                <a:outerShdw blurRad="50000" dist="30000" dir="5400000" algn="tl" rotWithShape="0">
+                  <a:srgbClr val="000000">
+                    <a:alpha val="30000"/>
+                  </a:srgbClr>
+                </a:outerShdw>
+              </a:effectLst>
+              <a:latin typeface="微軟正黑體" pitchFamily="34" charset="-120"/>
+              <a:ea typeface="微軟正黑體" pitchFamily="34" charset="-120"/>
+            </a:endParaRPr>
+          </a:p>
+        </p:txBody>
+      </p:sp>
+      <p:sp>
+        <p:nvSpPr>
+          <p:cNvPr id="5" name="內容版面配置區 3"/>
+          <p:cNvSpPr txBox="1">
+            <a:spLocks/>
+          </p:cNvSpPr>
           <p:nvPr/>
         </p:nvSpPr>
         <p:spPr>
           <a:xfrm>
-            <a:off x="0" y="2408312"/>
-            <a:ext cx="9144000" cy="646331"/>
+            <a:off x="0" y="2859782"/>
+            <a:ext cx="9144000" cy="2292270"/>
           </a:xfrm>
           <a:prstGeom prst="rect">
             <a:avLst/>
           </a:prstGeom>
         </p:spPr>
         <p:txBody>
-          <a:bodyPr wrap="square">
-            <a:spAutoFit/>
+          <a:bodyPr vert="horz" lIns="91440" tIns="45720" rIns="91440" bIns="45720" rtlCol="0">
+            <a:noAutofit/>
           </a:bodyPr>
-          <a:lstStyle/>
-          <a:p>
-            <a:pPr algn="ctr"/>
-            <a:r>
-              <a:rPr lang="en-US" altLang="zh-CN" sz="3600" b="1" dirty="0" err="1" smtClean="0">
+          <a:lstStyle>
+            <a:lvl1pPr marL="342900" indent="-342900" algn="l" defTabSz="914400" rtl="0" eaLnBrk="1" latinLnBrk="0" hangingPunct="1">
+              <a:spcBef>
+                <a:spcPct val="20000"/>
+              </a:spcBef>
+              <a:buFont typeface="Arial" pitchFamily="34" charset="0"/>
+              <a:buChar char="•"/>
+              <a:defRPr sz="3200" kern="1200">
+                <a:solidFill>
+                  <a:schemeClr val="tx1"/>
+                </a:solidFill>
+                <a:latin typeface="+mn-lt"/>
+                <a:ea typeface="+mn-ea"/>
+                <a:cs typeface="+mn-cs"/>
+              </a:defRPr>
+            </a:lvl1pPr>
+            <a:lvl2pPr marL="742950" indent="-285750" algn="l" defTabSz="914400" rtl="0" eaLnBrk="1" latinLnBrk="0" hangingPunct="1">
+              <a:spcBef>
+                <a:spcPct val="20000"/>
+              </a:spcBef>
+              <a:buFont typeface="Arial" pitchFamily="34" charset="0"/>
+              <a:buChar char="–"/>
+              <a:defRPr sz="2800" kern="1200">
+                <a:solidFill>
+                  <a:schemeClr val="tx1"/>
+                </a:solidFill>
+                <a:latin typeface="+mn-lt"/>
+                <a:ea typeface="+mn-ea"/>
+                <a:cs typeface="+mn-cs"/>
+              </a:defRPr>
+            </a:lvl2pPr>
+            <a:lvl3pPr marL="1143000" indent="-228600" algn="l" defTabSz="914400" rtl="0" eaLnBrk="1" latinLnBrk="0" hangingPunct="1">
+              <a:spcBef>
+                <a:spcPct val="20000"/>
+              </a:spcBef>
+              <a:buFont typeface="Arial" pitchFamily="34" charset="0"/>
+              <a:buChar char="•"/>
+              <a:defRPr sz="2400" kern="1200">
+                <a:solidFill>
+                  <a:schemeClr val="tx1"/>
+                </a:solidFill>
+                <a:latin typeface="+mn-lt"/>
+                <a:ea typeface="+mn-ea"/>
+                <a:cs typeface="+mn-cs"/>
+              </a:defRPr>
+            </a:lvl3pPr>
+            <a:lvl4pPr marL="1600200" indent="-228600" algn="l" defTabSz="914400" rtl="0" eaLnBrk="1" latinLnBrk="0" hangingPunct="1">
+              <a:spcBef>
+                <a:spcPct val="20000"/>
+              </a:spcBef>
+              <a:buFont typeface="Arial" pitchFamily="34" charset="0"/>
+              <a:buChar char="–"/>
+              <a:defRPr sz="2000" kern="1200">
+                <a:solidFill>
+                  <a:schemeClr val="tx1"/>
+                </a:solidFill>
+                <a:latin typeface="+mn-lt"/>
+                <a:ea typeface="+mn-ea"/>
+                <a:cs typeface="+mn-cs"/>
+              </a:defRPr>
+            </a:lvl4pPr>
+            <a:lvl5pPr marL="2057400" indent="-228600" algn="l" defTabSz="914400" rtl="0" eaLnBrk="1" latinLnBrk="0" hangingPunct="1">
+              <a:spcBef>
+                <a:spcPct val="20000"/>
+              </a:spcBef>
+              <a:buFont typeface="Arial" pitchFamily="34" charset="0"/>
+              <a:buChar char="»"/>
+              <a:defRPr sz="2000" kern="1200">
+                <a:solidFill>
+                  <a:schemeClr val="tx1"/>
+                </a:solidFill>
+                <a:latin typeface="+mn-lt"/>
+                <a:ea typeface="+mn-ea"/>
+                <a:cs typeface="+mn-cs"/>
+              </a:defRPr>
+            </a:lvl5pPr>
+            <a:lvl6pPr marL="2514600" indent="-228600" algn="l" defTabSz="914400" rtl="0" eaLnBrk="1" latinLnBrk="0" hangingPunct="1">
+              <a:spcBef>
+                <a:spcPct val="20000"/>
+              </a:spcBef>
+              <a:buFont typeface="Arial" pitchFamily="34" charset="0"/>
+              <a:buChar char="•"/>
+              <a:defRPr sz="2000" kern="1200">
+                <a:solidFill>
+                  <a:schemeClr val="tx1"/>
+                </a:solidFill>
+                <a:latin typeface="+mn-lt"/>
+                <a:ea typeface="+mn-ea"/>
+                <a:cs typeface="+mn-cs"/>
+              </a:defRPr>
+            </a:lvl6pPr>
+            <a:lvl7pPr marL="2971800" indent="-228600" algn="l" defTabSz="914400" rtl="0" eaLnBrk="1" latinLnBrk="0" hangingPunct="1">
+              <a:spcBef>
+                <a:spcPct val="20000"/>
+              </a:spcBef>
+              <a:buFont typeface="Arial" pitchFamily="34" charset="0"/>
+              <a:buChar char="•"/>
+              <a:defRPr sz="2000" kern="1200">
+                <a:solidFill>
+                  <a:schemeClr val="tx1"/>
+                </a:solidFill>
+                <a:latin typeface="+mn-lt"/>
+                <a:ea typeface="+mn-ea"/>
+                <a:cs typeface="+mn-cs"/>
+              </a:defRPr>
+            </a:lvl7pPr>
+            <a:lvl8pPr marL="3429000" indent="-228600" algn="l" defTabSz="914400" rtl="0" eaLnBrk="1" latinLnBrk="0" hangingPunct="1">
+              <a:spcBef>
+                <a:spcPct val="20000"/>
+              </a:spcBef>
+              <a:buFont typeface="Arial" pitchFamily="34" charset="0"/>
+              <a:buChar char="•"/>
+              <a:defRPr sz="2000" kern="1200">
+                <a:solidFill>
+                  <a:schemeClr val="tx1"/>
+                </a:solidFill>
+                <a:latin typeface="+mn-lt"/>
+                <a:ea typeface="+mn-ea"/>
+                <a:cs typeface="+mn-cs"/>
+              </a:defRPr>
+            </a:lvl8pPr>
+            <a:lvl9pPr marL="3886200" indent="-228600" algn="l" defTabSz="914400" rtl="0" eaLnBrk="1" latinLnBrk="0" hangingPunct="1">
+              <a:spcBef>
+                <a:spcPct val="20000"/>
+              </a:spcBef>
+              <a:buFont typeface="Arial" pitchFamily="34" charset="0"/>
+              <a:buChar char="•"/>
+              <a:defRPr sz="2000" kern="1200">
+                <a:solidFill>
+                  <a:schemeClr val="tx1"/>
+                </a:solidFill>
+                <a:latin typeface="+mn-lt"/>
+                <a:ea typeface="+mn-ea"/>
+                <a:cs typeface="+mn-cs"/>
+              </a:defRPr>
+            </a:lvl9pPr>
+          </a:lstStyle>
+          <a:p>
+            <a:pPr marL="0" indent="0" algn="ctr">
+              <a:buNone/>
+            </a:pPr>
+            <a:r>
+              <a:rPr lang="vi-VN" b="1" dirty="0">
                 <a:solidFill>
                   <a:srgbClr val="660033"/>
                 </a:solidFill>
@@ -10735,48 +10766,11 @@
                   </a:outerShdw>
                 </a:effectLst>
                 <a:latin typeface="Arial" panose="020B0604020202020204" pitchFamily="34" charset="0"/>
-                <a:ea typeface="微軟正黑體" pitchFamily="34" charset="-120"/>
                 <a:cs typeface="Arial" panose="020B0604020202020204" pitchFamily="34" charset="0"/>
               </a:rPr>
-              <a:t>Chúc</a:t>
-            </a:r>
-            <a:r>
-              <a:rPr lang="en-US" altLang="zh-CN" sz="3600" b="1" dirty="0" smtClean="0">
-                <a:solidFill>
-                  <a:srgbClr val="660033"/>
-                </a:solidFill>
-                <a:effectLst>
-                  <a:outerShdw blurRad="38100" dist="38100" dir="2700000" algn="tl">
-                    <a:srgbClr val="000000">
-                      <a:alpha val="43137"/>
-                    </a:srgbClr>
-                  </a:outerShdw>
-                </a:effectLst>
-                <a:latin typeface="Arial" panose="020B0604020202020204" pitchFamily="34" charset="0"/>
-                <a:ea typeface="微軟正黑體" pitchFamily="34" charset="-120"/>
-                <a:cs typeface="Arial" panose="020B0604020202020204" pitchFamily="34" charset="0"/>
-              </a:rPr>
-              <a:t> </a:t>
-            </a:r>
-            <a:r>
-              <a:rPr lang="en-US" altLang="zh-CN" sz="3600" b="1" dirty="0" err="1" smtClean="0">
-                <a:solidFill>
-                  <a:srgbClr val="660033"/>
-                </a:solidFill>
-                <a:effectLst>
-                  <a:outerShdw blurRad="38100" dist="38100" dir="2700000" algn="tl">
-                    <a:srgbClr val="000000">
-                      <a:alpha val="43137"/>
-                    </a:srgbClr>
-                  </a:outerShdw>
-                </a:effectLst>
-                <a:latin typeface="Arial" panose="020B0604020202020204" pitchFamily="34" charset="0"/>
-                <a:ea typeface="微軟正黑體" pitchFamily="34" charset="-120"/>
-                <a:cs typeface="Arial" panose="020B0604020202020204" pitchFamily="34" charset="0"/>
-              </a:rPr>
-              <a:t>phước</a:t>
-            </a:r>
-            <a:endParaRPr lang="zh-TW" altLang="en-US" sz="3600" b="1" dirty="0" smtClean="0">
+              <a:t>Vì nước, quyền, vinh hiển </a:t>
+            </a:r>
+            <a:endParaRPr lang="en-US" b="1" dirty="0">
               <a:solidFill>
                 <a:srgbClr val="660033"/>
               </a:solidFill>
@@ -10788,13 +10782,75 @@
                 </a:outerShdw>
               </a:effectLst>
               <a:latin typeface="Arial" panose="020B0604020202020204" pitchFamily="34" charset="0"/>
-              <a:ea typeface="微軟正黑體" pitchFamily="34" charset="-120"/>
               <a:cs typeface="Arial" panose="020B0604020202020204" pitchFamily="34" charset="0"/>
             </a:endParaRPr>
           </a:p>
+          <a:p>
+            <a:pPr marL="0" indent="0" algn="ctr">
+              <a:buNone/>
+            </a:pPr>
+            <a:r>
+              <a:rPr lang="vi-VN" b="1" dirty="0">
+                <a:solidFill>
+                  <a:srgbClr val="660033"/>
+                </a:solidFill>
+                <a:effectLst>
+                  <a:outerShdw blurRad="38100" dist="38100" dir="2700000" algn="tl">
+                    <a:srgbClr val="000000">
+                      <a:alpha val="43137"/>
+                    </a:srgbClr>
+                  </a:outerShdw>
+                </a:effectLst>
+                <a:latin typeface="Arial" panose="020B0604020202020204" pitchFamily="34" charset="0"/>
+                <a:cs typeface="Arial" panose="020B0604020202020204" pitchFamily="34" charset="0"/>
+              </a:rPr>
+              <a:t>đều thuộc về Cha đời đời</a:t>
+            </a:r>
+            <a:endParaRPr lang="en-US" b="1" dirty="0">
+              <a:solidFill>
+                <a:srgbClr val="660033"/>
+              </a:solidFill>
+              <a:effectLst>
+                <a:outerShdw blurRad="38100" dist="38100" dir="2700000" algn="tl">
+                  <a:srgbClr val="000000">
+                    <a:alpha val="43137"/>
+                  </a:srgbClr>
+                </a:outerShdw>
+              </a:effectLst>
+              <a:latin typeface="Arial" panose="020B0604020202020204" pitchFamily="34" charset="0"/>
+              <a:cs typeface="Arial" panose="020B0604020202020204" pitchFamily="34" charset="0"/>
+            </a:endParaRPr>
+          </a:p>
+          <a:p>
+            <a:pPr marL="0" indent="0" algn="ctr">
+              <a:buNone/>
+            </a:pPr>
+            <a:r>
+              <a:rPr lang="vi-VN" b="1" dirty="0">
+                <a:solidFill>
+                  <a:srgbClr val="660033"/>
+                </a:solidFill>
+                <a:effectLst>
+                  <a:outerShdw blurRad="38100" dist="38100" dir="2700000" algn="tl">
+                    <a:srgbClr val="000000">
+                      <a:alpha val="43137"/>
+                    </a:srgbClr>
+                  </a:outerShdw>
+                </a:effectLst>
+                <a:latin typeface="Arial" panose="020B0604020202020204" pitchFamily="34" charset="0"/>
+                <a:cs typeface="Arial" panose="020B0604020202020204" pitchFamily="34" charset="0"/>
+              </a:rPr>
+              <a:t>A-men</a:t>
+            </a:r>
+          </a:p>
         </p:txBody>
       </p:sp>
     </p:spTree>
+    <p:extLst>
+      <p:ext uri="{BB962C8B-B14F-4D97-AF65-F5344CB8AC3E}">
+        <p14:creationId xmlns:p14="http://schemas.microsoft.com/office/powerpoint/2010/main" val="2271059093"/>
+      </p:ext>
+    </p:extLst>
   </p:cSld>
   <p:clrMapOvr>
     <a:masterClrMapping/>
@@ -10828,14 +10884,71 @@
       </p:grpSpPr>
       <p:sp>
         <p:nvSpPr>
-          <p:cNvPr id="2" name="矩形 1"/>
+          <p:cNvPr id="2" name="標題 1"/>
+          <p:cNvSpPr>
+            <a:spLocks noGrp="1"/>
+          </p:cNvSpPr>
+          <p:nvPr>
+            <p:ph type="title" idx="4294967295"/>
+          </p:nvPr>
+        </p:nvSpPr>
+        <p:spPr>
+          <a:xfrm>
+            <a:off x="0" y="1779662"/>
+            <a:ext cx="9144000" cy="628650"/>
+          </a:xfrm>
+        </p:spPr>
+        <p:txBody>
+          <a:bodyPr>
+            <a:noAutofit/>
+          </a:bodyPr>
+          <a:lstStyle/>
+          <a:p>
+            <a:pPr algn="ctr"/>
+            <a:r>
+              <a:rPr lang="zh-CN" altLang="en-US" sz="6000" b="1" dirty="0" smtClean="0">
+                <a:solidFill>
+                  <a:srgbClr val="000066"/>
+                </a:solidFill>
+                <a:effectLst>
+                  <a:outerShdw blurRad="38100" dist="38100" dir="2700000" algn="tl">
+                    <a:srgbClr val="000000">
+                      <a:alpha val="43137"/>
+                    </a:srgbClr>
+                  </a:outerShdw>
+                </a:effectLst>
+                <a:latin typeface="微軟正黑體" pitchFamily="34" charset="-120"/>
+                <a:ea typeface="微軟正黑體" pitchFamily="34" charset="-120"/>
+              </a:rPr>
+              <a:t>祝福</a:t>
+            </a:r>
+            <a:endParaRPr lang="zh-TW" altLang="en-US" sz="6000" b="1" dirty="0">
+              <a:solidFill>
+                <a:srgbClr val="000066"/>
+              </a:solidFill>
+              <a:effectLst>
+                <a:outerShdw blurRad="38100" dist="38100" dir="2700000" algn="tl">
+                  <a:srgbClr val="000000">
+                    <a:alpha val="43137"/>
+                  </a:srgbClr>
+                </a:outerShdw>
+              </a:effectLst>
+              <a:latin typeface="微軟正黑體" pitchFamily="34" charset="-120"/>
+              <a:ea typeface="微軟正黑體" pitchFamily="34" charset="-120"/>
+            </a:endParaRPr>
+          </a:p>
+        </p:txBody>
+      </p:sp>
+      <p:sp>
+        <p:nvSpPr>
+          <p:cNvPr id="3" name="矩形 2"/>
           <p:cNvSpPr/>
           <p:nvPr/>
         </p:nvSpPr>
         <p:spPr>
           <a:xfrm>
-            <a:off x="0" y="627534"/>
-            <a:ext cx="9144000" cy="1569660"/>
+            <a:off x="0" y="2408312"/>
+            <a:ext cx="9144000" cy="646331"/>
           </a:xfrm>
           <a:prstGeom prst="rect">
             <a:avLst/>
@@ -10849,50 +10962,14 @@
           <a:p>
             <a:pPr algn="ctr"/>
             <a:r>
-              <a:rPr lang="zh-CN" altLang="en-US" sz="6000" b="1" dirty="0" smtClean="0">
-                <a:solidFill>
-                  <a:srgbClr val="000066"/>
-                </a:solidFill>
-                <a:effectLst>
-                  <a:outerShdw blurRad="50000" dist="30000" dir="5400000" algn="tl" rotWithShape="0">
-                    <a:srgbClr val="000000">
-                      <a:alpha val="30000"/>
-                    </a:srgbClr>
-                  </a:outerShdw>
-                </a:effectLst>
-                <a:latin typeface="微軟正黑體" pitchFamily="34" charset="-120"/>
-                <a:ea typeface="微軟正黑體" pitchFamily="34" charset="-120"/>
-                <a:cs typeface="+mj-cs"/>
-              </a:rPr>
-              <a:t>聚會祝福歌</a:t>
-            </a:r>
-            <a:endParaRPr lang="en-US" altLang="zh-CN" sz="6000" b="1" dirty="0" smtClean="0">
-              <a:solidFill>
-                <a:srgbClr val="000066"/>
-              </a:solidFill>
-              <a:effectLst>
-                <a:outerShdw blurRad="50000" dist="30000" dir="5400000" algn="tl" rotWithShape="0">
-                  <a:srgbClr val="000000">
-                    <a:alpha val="30000"/>
-                  </a:srgbClr>
-                </a:outerShdw>
-              </a:effectLst>
-              <a:latin typeface="微軟正黑體" pitchFamily="34" charset="-120"/>
-              <a:ea typeface="微軟正黑體" pitchFamily="34" charset="-120"/>
-              <a:cs typeface="+mj-cs"/>
-            </a:endParaRPr>
-          </a:p>
-          <a:p>
-            <a:pPr algn="ctr"/>
-            <a:r>
-              <a:rPr lang="en-US" altLang="zh-TW" sz="3600" b="1" dirty="0" err="1" smtClean="0">
-                <a:solidFill>
-                  <a:srgbClr val="660033"/>
-                </a:solidFill>
-                <a:effectLst>
-                  <a:outerShdw blurRad="50000" dist="30000" dir="5400000" algn="tl" rotWithShape="0">
-                    <a:srgbClr val="000000">
-                      <a:alpha val="30000"/>
+              <a:rPr lang="en-US" altLang="zh-CN" sz="3600" b="1" dirty="0" err="1" smtClean="0">
+                <a:solidFill>
+                  <a:srgbClr val="660033"/>
+                </a:solidFill>
+                <a:effectLst>
+                  <a:outerShdw blurRad="38100" dist="38100" dir="2700000" algn="tl">
+                    <a:srgbClr val="000000">
+                      <a:alpha val="43137"/>
                     </a:srgbClr>
                   </a:outerShdw>
                 </a:effectLst>
@@ -10900,17 +10977,17 @@
                 <a:ea typeface="微軟正黑體" pitchFamily="34" charset="-120"/>
                 <a:cs typeface="Arial" panose="020B0604020202020204" pitchFamily="34" charset="0"/>
               </a:rPr>
-              <a:t>Hát</a:t>
-            </a:r>
-            <a:r>
-              <a:rPr lang="en-US" altLang="zh-TW" sz="3600" b="1" dirty="0" smtClean="0">
-                <a:solidFill>
-                  <a:srgbClr val="660033"/>
-                </a:solidFill>
-                <a:effectLst>
-                  <a:outerShdw blurRad="50000" dist="30000" dir="5400000" algn="tl" rotWithShape="0">
-                    <a:srgbClr val="000000">
-                      <a:alpha val="30000"/>
+              <a:t>Chúc</a:t>
+            </a:r>
+            <a:r>
+              <a:rPr lang="en-US" altLang="zh-CN" sz="3600" b="1" dirty="0" smtClean="0">
+                <a:solidFill>
+                  <a:srgbClr val="660033"/>
+                </a:solidFill>
+                <a:effectLst>
+                  <a:outerShdw blurRad="38100" dist="38100" dir="2700000" algn="tl">
+                    <a:srgbClr val="000000">
+                      <a:alpha val="43137"/>
                     </a:srgbClr>
                   </a:outerShdw>
                 </a:effectLst>
@@ -10921,14 +10998,14 @@
               <a:t> </a:t>
             </a:r>
             <a:r>
-              <a:rPr lang="en-US" altLang="zh-TW" sz="3600" b="1" dirty="0" err="1" smtClean="0">
-                <a:solidFill>
-                  <a:srgbClr val="660033"/>
-                </a:solidFill>
-                <a:effectLst>
-                  <a:outerShdw blurRad="50000" dist="30000" dir="5400000" algn="tl" rotWithShape="0">
-                    <a:srgbClr val="000000">
-                      <a:alpha val="30000"/>
+              <a:rPr lang="en-US" altLang="zh-CN" sz="3600" b="1" dirty="0" err="1" smtClean="0">
+                <a:solidFill>
+                  <a:srgbClr val="660033"/>
+                </a:solidFill>
+                <a:effectLst>
+                  <a:outerShdw blurRad="38100" dist="38100" dir="2700000" algn="tl">
+                    <a:srgbClr val="000000">
+                      <a:alpha val="43137"/>
                     </a:srgbClr>
                   </a:outerShdw>
                 </a:effectLst>
@@ -10936,179 +11013,16 @@
                 <a:ea typeface="微軟正黑體" pitchFamily="34" charset="-120"/>
                 <a:cs typeface="Arial" panose="020B0604020202020204" pitchFamily="34" charset="0"/>
               </a:rPr>
-              <a:t>tất</a:t>
-            </a:r>
-            <a:r>
-              <a:rPr lang="en-US" altLang="zh-TW" sz="3600" b="1" dirty="0" smtClean="0">
-                <a:solidFill>
-                  <a:srgbClr val="660033"/>
-                </a:solidFill>
-                <a:effectLst>
-                  <a:outerShdw blurRad="50000" dist="30000" dir="5400000" algn="tl" rotWithShape="0">
-                    <a:srgbClr val="000000">
-                      <a:alpha val="30000"/>
-                    </a:srgbClr>
-                  </a:outerShdw>
-                </a:effectLst>
-                <a:latin typeface="Arial" panose="020B0604020202020204" pitchFamily="34" charset="0"/>
-                <a:ea typeface="微軟正黑體" pitchFamily="34" charset="-120"/>
-                <a:cs typeface="Arial" panose="020B0604020202020204" pitchFamily="34" charset="0"/>
-              </a:rPr>
-              <a:t> </a:t>
-            </a:r>
-            <a:r>
-              <a:rPr lang="en-US" altLang="zh-TW" sz="3600" b="1" dirty="0" err="1" smtClean="0">
-                <a:solidFill>
-                  <a:srgbClr val="660033"/>
-                </a:solidFill>
-                <a:effectLst>
-                  <a:outerShdw blurRad="50000" dist="30000" dir="5400000" algn="tl" rotWithShape="0">
-                    <a:srgbClr val="000000">
-                      <a:alpha val="30000"/>
-                    </a:srgbClr>
-                  </a:outerShdw>
-                </a:effectLst>
-                <a:latin typeface="Arial" panose="020B0604020202020204" pitchFamily="34" charset="0"/>
-                <a:ea typeface="微軟正黑體" pitchFamily="34" charset="-120"/>
-                <a:cs typeface="Arial" panose="020B0604020202020204" pitchFamily="34" charset="0"/>
-              </a:rPr>
-              <a:t>lễ</a:t>
+              <a:t>phước</a:t>
             </a:r>
             <a:endParaRPr lang="zh-TW" altLang="en-US" sz="3600" b="1" dirty="0" smtClean="0">
               <a:solidFill>
                 <a:srgbClr val="660033"/>
               </a:solidFill>
               <a:effectLst>
-                <a:outerShdw blurRad="50000" dist="30000" dir="5400000" algn="tl" rotWithShape="0">
+                <a:outerShdw blurRad="38100" dist="38100" dir="2700000" algn="tl">
                   <a:srgbClr val="000000">
-                    <a:alpha val="30000"/>
-                  </a:srgbClr>
-                </a:outerShdw>
-              </a:effectLst>
-              <a:latin typeface="Arial" panose="020B0604020202020204" pitchFamily="34" charset="0"/>
-              <a:ea typeface="微軟正黑體" pitchFamily="34" charset="-120"/>
-              <a:cs typeface="Arial" panose="020B0604020202020204" pitchFamily="34" charset="0"/>
-            </a:endParaRPr>
-          </a:p>
-        </p:txBody>
-      </p:sp>
-      <p:sp>
-        <p:nvSpPr>
-          <p:cNvPr id="3" name="標題 1"/>
-          <p:cNvSpPr txBox="1">
-            <a:spLocks/>
-          </p:cNvSpPr>
-          <p:nvPr/>
-        </p:nvSpPr>
-        <p:spPr>
-          <a:xfrm>
-            <a:off x="0" y="3017965"/>
-            <a:ext cx="9144000" cy="964405"/>
-          </a:xfrm>
-          <a:prstGeom prst="rect">
-            <a:avLst/>
-          </a:prstGeom>
-        </p:spPr>
-        <p:txBody>
-          <a:bodyPr anchor="ctr">
-            <a:noAutofit/>
-          </a:bodyPr>
-          <a:lstStyle/>
-          <a:p>
-            <a:pPr marL="0" marR="0" lvl="0" indent="0" algn="ctr" defTabSz="914400" rtl="0" eaLnBrk="1" fontAlgn="auto" latinLnBrk="0" hangingPunct="1">
-              <a:lnSpc>
-                <a:spcPct val="100000"/>
-              </a:lnSpc>
-              <a:spcBef>
-                <a:spcPct val="0"/>
-              </a:spcBef>
-              <a:spcAft>
-                <a:spcPts val="0"/>
-              </a:spcAft>
-              <a:buClrTx/>
-              <a:buSzTx/>
-              <a:buFontTx/>
-              <a:buNone/>
-              <a:tabLst/>
-              <a:defRPr/>
-            </a:pPr>
-            <a:r>
-              <a:rPr kumimoji="0" lang="zh-CN" altLang="en-US" sz="6000" b="1" i="0" u="none" strike="noStrike" kern="1200" cap="none" spc="0" normalizeH="0" baseline="0" noProof="0" dirty="0" smtClean="0">
-                <a:ln>
-                  <a:noFill/>
-                </a:ln>
-                <a:solidFill>
-                  <a:srgbClr val="000066"/>
-                </a:solidFill>
-                <a:effectLst>
-                  <a:outerShdw blurRad="50000" dist="30000" dir="5400000" algn="tl" rotWithShape="0">
-                    <a:srgbClr val="000000">
-                      <a:alpha val="30000"/>
-                    </a:srgbClr>
-                  </a:outerShdw>
-                </a:effectLst>
-                <a:uLnTx/>
-                <a:uFillTx/>
-                <a:latin typeface="微軟正黑體" pitchFamily="34" charset="-120"/>
-                <a:ea typeface="微軟正黑體" pitchFamily="34" charset="-120"/>
-                <a:cs typeface="+mj-cs"/>
-              </a:rPr>
-              <a:t>本堂牧師領詩班退堂</a:t>
-            </a:r>
-            <a:endParaRPr kumimoji="0" lang="en-US" altLang="zh-CN" sz="6000" b="1" i="0" u="none" strike="noStrike" kern="1200" cap="none" spc="0" normalizeH="0" baseline="0" noProof="0" dirty="0" smtClean="0">
-              <a:ln>
-                <a:noFill/>
-              </a:ln>
-              <a:solidFill>
-                <a:srgbClr val="000066"/>
-              </a:solidFill>
-              <a:effectLst>
-                <a:outerShdw blurRad="50000" dist="30000" dir="5400000" algn="tl" rotWithShape="0">
-                  <a:srgbClr val="000000">
-                    <a:alpha val="30000"/>
-                  </a:srgbClr>
-                </a:outerShdw>
-              </a:effectLst>
-              <a:uLnTx/>
-              <a:uFillTx/>
-              <a:latin typeface="微軟正黑體" pitchFamily="34" charset="-120"/>
-              <a:ea typeface="微軟正黑體" pitchFamily="34" charset="-120"/>
-              <a:cs typeface="+mj-cs"/>
-            </a:endParaRPr>
-          </a:p>
-          <a:p>
-            <a:pPr lvl="0" algn="ctr">
-              <a:spcBef>
-                <a:spcPct val="0"/>
-              </a:spcBef>
-              <a:defRPr/>
-            </a:pPr>
-            <a:r>
-              <a:rPr lang="vi-VN" sz="3600" b="1" dirty="0">
-                <a:solidFill>
-                  <a:srgbClr val="660033"/>
-                </a:solidFill>
-                <a:effectLst>
-                  <a:outerShdw blurRad="50000" dist="30000" dir="5400000" algn="tl" rotWithShape="0">
-                    <a:srgbClr val="000000">
-                      <a:alpha val="30000"/>
-                    </a:srgbClr>
-                  </a:outerShdw>
-                </a:effectLst>
-                <a:latin typeface="Arial" panose="020B0604020202020204" pitchFamily="34" charset="0"/>
-                <a:ea typeface="微軟正黑體" pitchFamily="34" charset="-120"/>
-                <a:cs typeface="Arial" panose="020B0604020202020204" pitchFamily="34" charset="0"/>
-              </a:rPr>
-              <a:t>Mục Sư chủ lễ dẫn ban hát bước ra</a:t>
-            </a:r>
-            <a:endParaRPr lang="zh-TW" altLang="en-US" sz="3600" b="1" dirty="0">
-              <a:solidFill>
-                <a:srgbClr val="660033"/>
-              </a:solidFill>
-              <a:effectLst>
-                <a:outerShdw blurRad="50000" dist="30000" dir="5400000" algn="tl" rotWithShape="0">
-                  <a:srgbClr val="000000">
-                    <a:alpha val="30000"/>
+                    <a:alpha val="43137"/>
                   </a:srgbClr>
                 </a:outerShdw>
               </a:effectLst>
@@ -11153,73 +11067,64 @@
       </p:grpSpPr>
       <p:sp>
         <p:nvSpPr>
-          <p:cNvPr id="2" name="標題 1"/>
-          <p:cNvSpPr>
-            <a:spLocks noGrp="1"/>
-          </p:cNvSpPr>
-          <p:nvPr>
-            <p:ph type="title"/>
-          </p:nvPr>
+          <p:cNvPr id="2" name="矩形 1"/>
+          <p:cNvSpPr/>
+          <p:nvPr/>
         </p:nvSpPr>
         <p:spPr>
           <a:xfrm>
-            <a:off x="0" y="282167"/>
-            <a:ext cx="8991600" cy="628650"/>
+            <a:off x="0" y="627534"/>
+            <a:ext cx="9144000" cy="1569660"/>
           </a:xfrm>
+          <a:prstGeom prst="rect">
+            <a:avLst/>
+          </a:prstGeom>
         </p:spPr>
         <p:txBody>
-          <a:bodyPr>
-            <a:noAutofit/>
+          <a:bodyPr wrap="square">
+            <a:spAutoFit/>
           </a:bodyPr>
           <a:lstStyle/>
           <a:p>
-            <a:r>
-              <a:rPr lang="zh-CN" altLang="en-US" b="1" dirty="0" smtClean="0">
-                <a:solidFill>
-                  <a:srgbClr val="660033"/>
-                </a:solidFill>
+            <a:pPr algn="ctr"/>
+            <a:r>
+              <a:rPr lang="zh-CN" altLang="en-US" sz="6000" b="1" dirty="0" smtClean="0">
+                <a:solidFill>
+                  <a:srgbClr val="000066"/>
+                </a:solidFill>
+                <a:effectLst>
+                  <a:outerShdw blurRad="50000" dist="30000" dir="5400000" algn="tl" rotWithShape="0">
+                    <a:srgbClr val="000000">
+                      <a:alpha val="30000"/>
+                    </a:srgbClr>
+                  </a:outerShdw>
+                </a:effectLst>
                 <a:latin typeface="微軟正黑體" pitchFamily="34" charset="-120"/>
                 <a:ea typeface="微軟正黑體" pitchFamily="34" charset="-120"/>
-              </a:rPr>
-              <a:t>主的愛</a:t>
-            </a:r>
-            <a:endParaRPr lang="zh-TW" altLang="en-US" b="1" dirty="0">
+                <a:cs typeface="+mj-cs"/>
+              </a:rPr>
+              <a:t>聚會祝福歌</a:t>
+            </a:r>
+            <a:endParaRPr lang="en-US" altLang="zh-CN" sz="6000" b="1" dirty="0" smtClean="0">
               <a:solidFill>
-                <a:srgbClr val="660033"/>
+                <a:srgbClr val="000066"/>
               </a:solidFill>
+              <a:effectLst>
+                <a:outerShdw blurRad="50000" dist="30000" dir="5400000" algn="tl" rotWithShape="0">
+                  <a:srgbClr val="000000">
+                    <a:alpha val="30000"/>
+                  </a:srgbClr>
+                </a:outerShdw>
+              </a:effectLst>
               <a:latin typeface="微軟正黑體" pitchFamily="34" charset="-120"/>
               <a:ea typeface="微軟正黑體" pitchFamily="34" charset="-120"/>
+              <a:cs typeface="+mj-cs"/>
             </a:endParaRPr>
           </a:p>
-        </p:txBody>
-      </p:sp>
-      <p:sp>
-        <p:nvSpPr>
-          <p:cNvPr id="4" name="內容版面配置區 3"/>
-          <p:cNvSpPr>
-            <a:spLocks noGrp="1"/>
-          </p:cNvSpPr>
-          <p:nvPr>
-            <p:ph idx="1"/>
-          </p:nvPr>
-        </p:nvSpPr>
-        <p:spPr>
-          <a:xfrm>
-            <a:off x="0" y="1085850"/>
-            <a:ext cx="9144000" cy="3600450"/>
-          </a:xfrm>
-        </p:spPr>
-        <p:txBody>
-          <a:bodyPr>
-            <a:noAutofit/>
-          </a:bodyPr>
-          <a:lstStyle/>
-          <a:p>
-            <a:pPr algn="ctr">
-              <a:buNone/>
-            </a:pPr>
-            <a:r>
-              <a:rPr lang="zh-TW" altLang="en-US" sz="5400" b="1" dirty="0" smtClean="0">
+          <a:p>
+            <a:pPr algn="ctr"/>
+            <a:r>
+              <a:rPr lang="en-US" altLang="zh-TW" sz="3600" b="1" dirty="0" err="1" smtClean="0">
                 <a:solidFill>
                   <a:srgbClr val="660033"/>
                 </a:solidFill>
@@ -11230,12 +11135,85 @@
                     </a:srgbClr>
                   </a:outerShdw>
                 </a:effectLst>
-                <a:latin typeface="微軟正黑體" pitchFamily="34" charset="-120"/>
-                <a:ea typeface="微軟正黑體" pitchFamily="34" charset="-120"/>
-              </a:rPr>
-              <a:t>願主的愛與你同在</a:t>
-            </a:r>
-            <a:endParaRPr lang="en-US" altLang="zh-TW" sz="5400" b="1" dirty="0" smtClean="0">
+                <a:latin typeface="Arial" panose="020B0604020202020204" pitchFamily="34" charset="0"/>
+                <a:ea typeface="微軟正黑體" pitchFamily="34" charset="-120"/>
+                <a:cs typeface="Arial" panose="020B0604020202020204" pitchFamily="34" charset="0"/>
+              </a:rPr>
+              <a:t>Hát</a:t>
+            </a:r>
+            <a:r>
+              <a:rPr lang="en-US" altLang="zh-TW" sz="3600" b="1" dirty="0" smtClean="0">
+                <a:solidFill>
+                  <a:srgbClr val="660033"/>
+                </a:solidFill>
+                <a:effectLst>
+                  <a:outerShdw blurRad="50000" dist="30000" dir="5400000" algn="tl" rotWithShape="0">
+                    <a:srgbClr val="000000">
+                      <a:alpha val="30000"/>
+                    </a:srgbClr>
+                  </a:outerShdw>
+                </a:effectLst>
+                <a:latin typeface="Arial" panose="020B0604020202020204" pitchFamily="34" charset="0"/>
+                <a:ea typeface="微軟正黑體" pitchFamily="34" charset="-120"/>
+                <a:cs typeface="Arial" panose="020B0604020202020204" pitchFamily="34" charset="0"/>
+              </a:rPr>
+              <a:t> </a:t>
+            </a:r>
+            <a:r>
+              <a:rPr lang="en-US" altLang="zh-TW" sz="3600" b="1" dirty="0" err="1" smtClean="0">
+                <a:solidFill>
+                  <a:srgbClr val="660033"/>
+                </a:solidFill>
+                <a:effectLst>
+                  <a:outerShdw blurRad="50000" dist="30000" dir="5400000" algn="tl" rotWithShape="0">
+                    <a:srgbClr val="000000">
+                      <a:alpha val="30000"/>
+                    </a:srgbClr>
+                  </a:outerShdw>
+                </a:effectLst>
+                <a:latin typeface="Arial" panose="020B0604020202020204" pitchFamily="34" charset="0"/>
+                <a:ea typeface="微軟正黑體" pitchFamily="34" charset="-120"/>
+                <a:cs typeface="Arial" panose="020B0604020202020204" pitchFamily="34" charset="0"/>
+              </a:rPr>
+              <a:t>tất</a:t>
+            </a:r>
+            <a:r>
+              <a:rPr lang="en-US" altLang="zh-TW" sz="3600" b="1" dirty="0" smtClean="0">
+                <a:solidFill>
+                  <a:srgbClr val="660033"/>
+                </a:solidFill>
+                <a:effectLst>
+                  <a:outerShdw blurRad="50000" dist="30000" dir="5400000" algn="tl" rotWithShape="0">
+                    <a:srgbClr val="000000">
+                      <a:alpha val="30000"/>
+                    </a:srgbClr>
+                  </a:outerShdw>
+                </a:effectLst>
+                <a:latin typeface="Arial" panose="020B0604020202020204" pitchFamily="34" charset="0"/>
+                <a:ea typeface="微軟正黑體" pitchFamily="34" charset="-120"/>
+                <a:cs typeface="Arial" panose="020B0604020202020204" pitchFamily="34" charset="0"/>
+              </a:rPr>
+              <a:t> </a:t>
+            </a:r>
+            <a:r>
+              <a:rPr lang="en-US" altLang="zh-TW" sz="3600" b="1" dirty="0" err="1" smtClean="0">
+                <a:solidFill>
+                  <a:srgbClr val="660033"/>
+                </a:solidFill>
+                <a:effectLst>
+                  <a:outerShdw blurRad="50000" dist="30000" dir="5400000" algn="tl" rotWithShape="0">
+                    <a:srgbClr val="000000">
+                      <a:alpha val="30000"/>
+                    </a:srgbClr>
+                  </a:outerShdw>
+                </a:effectLst>
+                <a:latin typeface="Arial" panose="020B0604020202020204" pitchFamily="34" charset="0"/>
+                <a:ea typeface="微軟正黑體" pitchFamily="34" charset="-120"/>
+                <a:cs typeface="Arial" panose="020B0604020202020204" pitchFamily="34" charset="0"/>
+              </a:rPr>
+              <a:t>lễ</a:t>
+            </a:r>
+            <a:endParaRPr lang="zh-TW" altLang="en-US" sz="3600" b="1" dirty="0" smtClean="0">
               <a:solidFill>
                 <a:srgbClr val="660033"/>
               </a:solidFill>
@@ -11246,16 +11224,106 @@
                   </a:srgbClr>
                 </a:outerShdw>
               </a:effectLst>
+              <a:latin typeface="Arial" panose="020B0604020202020204" pitchFamily="34" charset="0"/>
+              <a:ea typeface="微軟正黑體" pitchFamily="34" charset="-120"/>
+              <a:cs typeface="Arial" panose="020B0604020202020204" pitchFamily="34" charset="0"/>
+            </a:endParaRPr>
+          </a:p>
+        </p:txBody>
+      </p:sp>
+      <p:sp>
+        <p:nvSpPr>
+          <p:cNvPr id="3" name="標題 1"/>
+          <p:cNvSpPr txBox="1">
+            <a:spLocks/>
+          </p:cNvSpPr>
+          <p:nvPr/>
+        </p:nvSpPr>
+        <p:spPr>
+          <a:xfrm>
+            <a:off x="0" y="3017965"/>
+            <a:ext cx="9144000" cy="964405"/>
+          </a:xfrm>
+          <a:prstGeom prst="rect">
+            <a:avLst/>
+          </a:prstGeom>
+        </p:spPr>
+        <p:txBody>
+          <a:bodyPr anchor="ctr">
+            <a:noAutofit/>
+          </a:bodyPr>
+          <a:lstStyle/>
+          <a:p>
+            <a:pPr marL="0" marR="0" lvl="0" indent="0" algn="ctr" defTabSz="914400" rtl="0" eaLnBrk="1" fontAlgn="auto" latinLnBrk="0" hangingPunct="1">
+              <a:lnSpc>
+                <a:spcPct val="100000"/>
+              </a:lnSpc>
+              <a:spcBef>
+                <a:spcPct val="0"/>
+              </a:spcBef>
+              <a:spcAft>
+                <a:spcPts val="0"/>
+              </a:spcAft>
+              <a:buClrTx/>
+              <a:buSzTx/>
+              <a:buFontTx/>
+              <a:buNone/>
+              <a:tabLst/>
+              <a:defRPr/>
+            </a:pPr>
+            <a:r>
+              <a:rPr kumimoji="0" lang="zh-CN" altLang="en-US" sz="6000" b="1" i="0" u="none" strike="noStrike" kern="1200" cap="none" spc="0" normalizeH="0" baseline="0" noProof="0" dirty="0" smtClean="0">
+                <a:ln>
+                  <a:noFill/>
+                </a:ln>
+                <a:solidFill>
+                  <a:srgbClr val="000066"/>
+                </a:solidFill>
+                <a:effectLst>
+                  <a:outerShdw blurRad="50000" dist="30000" dir="5400000" algn="tl" rotWithShape="0">
+                    <a:srgbClr val="000000">
+                      <a:alpha val="30000"/>
+                    </a:srgbClr>
+                  </a:outerShdw>
+                </a:effectLst>
+                <a:uLnTx/>
+                <a:uFillTx/>
+                <a:latin typeface="微軟正黑體" pitchFamily="34" charset="-120"/>
+                <a:ea typeface="微軟正黑體" pitchFamily="34" charset="-120"/>
+                <a:cs typeface="+mj-cs"/>
+              </a:rPr>
+              <a:t>本堂牧師領詩班退堂</a:t>
+            </a:r>
+            <a:endParaRPr kumimoji="0" lang="en-US" altLang="zh-CN" sz="6000" b="1" i="0" u="none" strike="noStrike" kern="1200" cap="none" spc="0" normalizeH="0" baseline="0" noProof="0" dirty="0" smtClean="0">
+              <a:ln>
+                <a:noFill/>
+              </a:ln>
+              <a:solidFill>
+                <a:srgbClr val="000066"/>
+              </a:solidFill>
+              <a:effectLst>
+                <a:outerShdw blurRad="50000" dist="30000" dir="5400000" algn="tl" rotWithShape="0">
+                  <a:srgbClr val="000000">
+                    <a:alpha val="30000"/>
+                  </a:srgbClr>
+                </a:outerShdw>
+              </a:effectLst>
+              <a:uLnTx/>
+              <a:uFillTx/>
               <a:latin typeface="微軟正黑體" pitchFamily="34" charset="-120"/>
               <a:ea typeface="微軟正黑體" pitchFamily="34" charset="-120"/>
+              <a:cs typeface="+mj-cs"/>
             </a:endParaRPr>
           </a:p>
           <a:p>
-            <a:pPr algn="ctr">
-              <a:buNone/>
+            <a:pPr lvl="0" algn="ctr">
+              <a:spcBef>
+                <a:spcPct val="0"/>
+              </a:spcBef>
+              <a:defRPr/>
             </a:pPr>
             <a:r>
-              <a:rPr lang="zh-TW" altLang="en-US" sz="5400" b="1" dirty="0" smtClean="0">
+              <a:rPr lang="vi-VN" sz="3600" b="1" dirty="0">
                 <a:solidFill>
                   <a:srgbClr val="660033"/>
                 </a:solidFill>
@@ -11266,12 +11334,13 @@
                     </a:srgbClr>
                   </a:outerShdw>
                 </a:effectLst>
-                <a:latin typeface="微軟正黑體" pitchFamily="34" charset="-120"/>
-                <a:ea typeface="微軟正黑體" pitchFamily="34" charset="-120"/>
-              </a:rPr>
-              <a:t>無論你在何方</a:t>
-            </a:r>
-            <a:endParaRPr lang="en-US" altLang="zh-TW" sz="5400" b="1" dirty="0" smtClean="0">
+                <a:latin typeface="Arial" panose="020B0604020202020204" pitchFamily="34" charset="0"/>
+                <a:ea typeface="微軟正黑體" pitchFamily="34" charset="-120"/>
+                <a:cs typeface="Arial" panose="020B0604020202020204" pitchFamily="34" charset="0"/>
+              </a:rPr>
+              <a:t>Mục Sư chủ lễ dẫn ban hát bước ra</a:t>
+            </a:r>
+            <a:endParaRPr lang="zh-TW" altLang="en-US" sz="3600" b="1" dirty="0">
               <a:solidFill>
                 <a:srgbClr val="660033"/>
               </a:solidFill>
@@ -11282,31 +11351,10 @@
                   </a:srgbClr>
                 </a:outerShdw>
               </a:effectLst>
-              <a:latin typeface="微軟正黑體" pitchFamily="34" charset="-120"/>
+              <a:latin typeface="Arial" panose="020B0604020202020204" pitchFamily="34" charset="0"/>
               <a:ea typeface="微軟正黑體" pitchFamily="34" charset="-120"/>
+              <a:cs typeface="Arial" panose="020B0604020202020204" pitchFamily="34" charset="0"/>
             </a:endParaRPr>
-          </a:p>
-          <a:p>
-            <a:pPr algn="ctr">
-              <a:buNone/>
-            </a:pPr>
-            <a:r>
-              <a:rPr lang="zh-TW" altLang="en-US" sz="5400" b="1" dirty="0" smtClean="0">
-                <a:solidFill>
-                  <a:srgbClr val="660033"/>
-                </a:solidFill>
-                <a:effectLst>
-                  <a:outerShdw blurRad="50000" dist="30000" dir="5400000" algn="tl" rotWithShape="0">
-                    <a:srgbClr val="000000">
-                      <a:alpha val="30000"/>
-                    </a:srgbClr>
-                  </a:outerShdw>
-                </a:effectLst>
-                <a:latin typeface="微軟正黑體" pitchFamily="34" charset="-120"/>
-                <a:ea typeface="微軟正黑體" pitchFamily="34" charset="-120"/>
-              </a:rPr>
-              <a:t>願祂祝福你心靈安康</a:t>
-            </a:r>
           </a:p>
         </p:txBody>
       </p:sp>
@@ -11424,7 +11472,7 @@
                 <a:latin typeface="微軟正黑體" pitchFamily="34" charset="-120"/>
                 <a:ea typeface="微軟正黑體" pitchFamily="34" charset="-120"/>
               </a:rPr>
-              <a:t>主的愛如流水淙淙</a:t>
+              <a:t>願主的愛與你同在</a:t>
             </a:r>
             <a:endParaRPr lang="en-US" altLang="zh-TW" sz="5400" b="1" dirty="0" smtClean="0">
               <a:solidFill>
@@ -11460,7 +11508,7 @@
                 <a:latin typeface="微軟正黑體" pitchFamily="34" charset="-120"/>
                 <a:ea typeface="微軟正黑體" pitchFamily="34" charset="-120"/>
               </a:rPr>
-              <a:t>願你分享祂這愛</a:t>
+              <a:t>無論你在何方</a:t>
             </a:r>
             <a:endParaRPr lang="en-US" altLang="zh-TW" sz="5400" b="1" dirty="0" smtClean="0">
               <a:solidFill>
@@ -11496,7 +11544,7 @@
                 <a:latin typeface="微軟正黑體" pitchFamily="34" charset="-120"/>
                 <a:ea typeface="微軟正黑體" pitchFamily="34" charset="-120"/>
               </a:rPr>
-              <a:t>在那漫漫的黑夜見主光</a:t>
+              <a:t>願祂祝福你心靈安康</a:t>
             </a:r>
           </a:p>
         </p:txBody>
@@ -11890,6 +11938,197 @@
                 <a:latin typeface="微軟正黑體" pitchFamily="34" charset="-120"/>
                 <a:ea typeface="微軟正黑體" pitchFamily="34" charset="-120"/>
               </a:rPr>
+              <a:t>在那漫漫的黑夜見主光</a:t>
+            </a:r>
+          </a:p>
+        </p:txBody>
+      </p:sp>
+    </p:spTree>
+  </p:cSld>
+  <p:clrMapOvr>
+    <a:masterClrMapping/>
+  </p:clrMapOvr>
+  <p:timing>
+    <p:tnLst>
+      <p:par>
+        <p:cTn id="1" dur="indefinite" restart="never" nodeType="tmRoot"/>
+      </p:par>
+    </p:tnLst>
+  </p:timing>
+</p:sld>
+</file>
+
+<file path=ppt/slides/slide31.xml><?xml version="1.0" encoding="utf-8"?>
+<p:sld xmlns:a="http://schemas.openxmlformats.org/drawingml/2006/main" xmlns:r="http://schemas.openxmlformats.org/officeDocument/2006/relationships" xmlns:p="http://schemas.openxmlformats.org/presentationml/2006/main">
+  <p:cSld>
+    <p:spTree>
+      <p:nvGrpSpPr>
+        <p:cNvPr id="1" name=""/>
+        <p:cNvGrpSpPr/>
+        <p:nvPr/>
+      </p:nvGrpSpPr>
+      <p:grpSpPr>
+        <a:xfrm>
+          <a:off x="0" y="0"/>
+          <a:ext cx="0" cy="0"/>
+          <a:chOff x="0" y="0"/>
+          <a:chExt cx="0" cy="0"/>
+        </a:xfrm>
+      </p:grpSpPr>
+      <p:sp>
+        <p:nvSpPr>
+          <p:cNvPr id="2" name="標題 1"/>
+          <p:cNvSpPr>
+            <a:spLocks noGrp="1"/>
+          </p:cNvSpPr>
+          <p:nvPr>
+            <p:ph type="title"/>
+          </p:nvPr>
+        </p:nvSpPr>
+        <p:spPr>
+          <a:xfrm>
+            <a:off x="0" y="282167"/>
+            <a:ext cx="8991600" cy="628650"/>
+          </a:xfrm>
+        </p:spPr>
+        <p:txBody>
+          <a:bodyPr>
+            <a:noAutofit/>
+          </a:bodyPr>
+          <a:lstStyle/>
+          <a:p>
+            <a:r>
+              <a:rPr lang="zh-CN" altLang="en-US" b="1" dirty="0" smtClean="0">
+                <a:solidFill>
+                  <a:srgbClr val="660033"/>
+                </a:solidFill>
+                <a:latin typeface="微軟正黑體" pitchFamily="34" charset="-120"/>
+                <a:ea typeface="微軟正黑體" pitchFamily="34" charset="-120"/>
+              </a:rPr>
+              <a:t>主的愛</a:t>
+            </a:r>
+            <a:endParaRPr lang="zh-TW" altLang="en-US" b="1" dirty="0">
+              <a:solidFill>
+                <a:srgbClr val="660033"/>
+              </a:solidFill>
+              <a:latin typeface="微軟正黑體" pitchFamily="34" charset="-120"/>
+              <a:ea typeface="微軟正黑體" pitchFamily="34" charset="-120"/>
+            </a:endParaRPr>
+          </a:p>
+        </p:txBody>
+      </p:sp>
+      <p:sp>
+        <p:nvSpPr>
+          <p:cNvPr id="4" name="內容版面配置區 3"/>
+          <p:cNvSpPr>
+            <a:spLocks noGrp="1"/>
+          </p:cNvSpPr>
+          <p:nvPr>
+            <p:ph idx="1"/>
+          </p:nvPr>
+        </p:nvSpPr>
+        <p:spPr>
+          <a:xfrm>
+            <a:off x="0" y="1085850"/>
+            <a:ext cx="9144000" cy="3600450"/>
+          </a:xfrm>
+        </p:spPr>
+        <p:txBody>
+          <a:bodyPr>
+            <a:noAutofit/>
+          </a:bodyPr>
+          <a:lstStyle/>
+          <a:p>
+            <a:pPr algn="ctr">
+              <a:buNone/>
+            </a:pPr>
+            <a:r>
+              <a:rPr lang="zh-TW" altLang="en-US" sz="5400" b="1" dirty="0" smtClean="0">
+                <a:solidFill>
+                  <a:srgbClr val="660033"/>
+                </a:solidFill>
+                <a:effectLst>
+                  <a:outerShdw blurRad="50000" dist="30000" dir="5400000" algn="tl" rotWithShape="0">
+                    <a:srgbClr val="000000">
+                      <a:alpha val="30000"/>
+                    </a:srgbClr>
+                  </a:outerShdw>
+                </a:effectLst>
+                <a:latin typeface="微軟正黑體" pitchFamily="34" charset="-120"/>
+                <a:ea typeface="微軟正黑體" pitchFamily="34" charset="-120"/>
+              </a:rPr>
+              <a:t>主的愛如流水淙淙</a:t>
+            </a:r>
+            <a:endParaRPr lang="en-US" altLang="zh-TW" sz="5400" b="1" dirty="0" smtClean="0">
+              <a:solidFill>
+                <a:srgbClr val="660033"/>
+              </a:solidFill>
+              <a:effectLst>
+                <a:outerShdw blurRad="50000" dist="30000" dir="5400000" algn="tl" rotWithShape="0">
+                  <a:srgbClr val="000000">
+                    <a:alpha val="30000"/>
+                  </a:srgbClr>
+                </a:outerShdw>
+              </a:effectLst>
+              <a:latin typeface="微軟正黑體" pitchFamily="34" charset="-120"/>
+              <a:ea typeface="微軟正黑體" pitchFamily="34" charset="-120"/>
+            </a:endParaRPr>
+          </a:p>
+          <a:p>
+            <a:pPr algn="ctr">
+              <a:buNone/>
+            </a:pPr>
+            <a:r>
+              <a:rPr lang="zh-TW" altLang="en-US" sz="5400" b="1" dirty="0" smtClean="0">
+                <a:solidFill>
+                  <a:srgbClr val="660033"/>
+                </a:solidFill>
+                <a:effectLst>
+                  <a:outerShdw blurRad="50000" dist="30000" dir="5400000" algn="tl" rotWithShape="0">
+                    <a:srgbClr val="000000">
+                      <a:alpha val="30000"/>
+                    </a:srgbClr>
+                  </a:outerShdw>
+                </a:effectLst>
+                <a:latin typeface="微軟正黑體" pitchFamily="34" charset="-120"/>
+                <a:ea typeface="微軟正黑體" pitchFamily="34" charset="-120"/>
+              </a:rPr>
+              <a:t>願你分享祂這愛</a:t>
+            </a:r>
+            <a:endParaRPr lang="en-US" altLang="zh-TW" sz="5400" b="1" dirty="0" smtClean="0">
+              <a:solidFill>
+                <a:srgbClr val="660033"/>
+              </a:solidFill>
+              <a:effectLst>
+                <a:outerShdw blurRad="50000" dist="30000" dir="5400000" algn="tl" rotWithShape="0">
+                  <a:srgbClr val="000000">
+                    <a:alpha val="30000"/>
+                  </a:srgbClr>
+                </a:outerShdw>
+              </a:effectLst>
+              <a:latin typeface="微軟正黑體" pitchFamily="34" charset="-120"/>
+              <a:ea typeface="微軟正黑體" pitchFamily="34" charset="-120"/>
+            </a:endParaRPr>
+          </a:p>
+          <a:p>
+            <a:pPr algn="ctr">
+              <a:buNone/>
+            </a:pPr>
+            <a:r>
+              <a:rPr lang="zh-TW" altLang="en-US" sz="5400" b="1" dirty="0" smtClean="0">
+                <a:solidFill>
+                  <a:srgbClr val="660033"/>
+                </a:solidFill>
+                <a:effectLst>
+                  <a:outerShdw blurRad="50000" dist="30000" dir="5400000" algn="tl" rotWithShape="0">
+                    <a:srgbClr val="000000">
+                      <a:alpha val="30000"/>
+                    </a:srgbClr>
+                  </a:outerShdw>
+                </a:effectLst>
+                <a:latin typeface="微軟正黑體" pitchFamily="34" charset="-120"/>
+                <a:ea typeface="微軟正黑體" pitchFamily="34" charset="-120"/>
+              </a:rPr>
               <a:t>以你愛 還祂愛 永相愛</a:t>
             </a:r>
           </a:p>
@@ -11934,13 +12173,13 @@
             <a:spLocks noGrp="1"/>
           </p:cNvSpPr>
           <p:nvPr>
-            <p:ph type="title" idx="4294967295"/>
+            <p:ph type="title"/>
           </p:nvPr>
         </p:nvSpPr>
         <p:spPr>
           <a:xfrm>
-            <a:off x="0" y="1851670"/>
-            <a:ext cx="9144000" cy="628650"/>
+            <a:off x="0" y="300026"/>
+            <a:ext cx="8991600" cy="628650"/>
           </a:xfrm>
         </p:spPr>
         <p:txBody>
@@ -11950,192 +12189,853 @@
           <a:lstStyle/>
           <a:p>
             <a:r>
-              <a:rPr lang="zh-CN" altLang="en-US" sz="6000" b="1" dirty="0">
+              <a:rPr lang="zh-CN" altLang="en-US" sz="3200" b="1" dirty="0" smtClean="0">
                 <a:solidFill>
                   <a:srgbClr val="000066"/>
                 </a:solidFill>
-                <a:effectLst>
-                  <a:outerShdw blurRad="38100" dist="38100" dir="2700000" algn="tl">
-                    <a:srgbClr val="000000">
-                      <a:alpha val="43137"/>
-                    </a:srgbClr>
-                  </a:outerShdw>
-                </a:effectLst>
                 <a:latin typeface="微軟正黑體" pitchFamily="34" charset="-120"/>
                 <a:ea typeface="微軟正黑體" pitchFamily="34" charset="-120"/>
               </a:rPr>
-              <a:t>始禮禱告</a:t>
-            </a:r>
-            <a:endParaRPr lang="zh-TW" altLang="en-US" sz="6000" b="1" dirty="0">
+              <a:t>從榮耀降臨</a:t>
+            </a:r>
+            <a:r>
+              <a:rPr lang="zh-CN" altLang="en-US" sz="3200" b="1" dirty="0" smtClean="0">
+                <a:solidFill>
+                  <a:srgbClr val="000066"/>
+                </a:solidFill>
+                <a:latin typeface="微軟正黑體" pitchFamily="34" charset="-120"/>
+                <a:ea typeface="微軟正黑體" pitchFamily="34" charset="-120"/>
+              </a:rPr>
+              <a:t> </a:t>
+            </a:r>
+            <a:r>
+              <a:rPr lang="en-US" altLang="zh-CN" sz="3200" b="1" dirty="0" smtClean="0">
+                <a:solidFill>
+                  <a:srgbClr val="000066"/>
+                </a:solidFill>
+                <a:latin typeface="微軟正黑體" pitchFamily="34" charset="-120"/>
+                <a:ea typeface="微軟正黑體" pitchFamily="34" charset="-120"/>
+              </a:rPr>
+              <a:t/>
+            </a:r>
+            <a:br>
+              <a:rPr lang="en-US" altLang="zh-CN" sz="3200" b="1" dirty="0" smtClean="0">
+                <a:solidFill>
+                  <a:srgbClr val="000066"/>
+                </a:solidFill>
+                <a:latin typeface="微軟正黑體" pitchFamily="34" charset="-120"/>
+                <a:ea typeface="微軟正黑體" pitchFamily="34" charset="-120"/>
+              </a:rPr>
+            </a:br>
+            <a:r>
+              <a:rPr lang="en-US" altLang="zh-CN" sz="2800" b="1" dirty="0" err="1" smtClean="0">
+                <a:solidFill>
+                  <a:srgbClr val="660033"/>
+                </a:solidFill>
+                <a:latin typeface="Arial" panose="020B0604020202020204" pitchFamily="34" charset="0"/>
+                <a:ea typeface="微軟正黑體" pitchFamily="34" charset="-120"/>
+                <a:cs typeface="Arial" panose="020B0604020202020204" pitchFamily="34" charset="0"/>
+              </a:rPr>
+              <a:t>Chúa</a:t>
+            </a:r>
+            <a:r>
+              <a:rPr lang="en-US" altLang="zh-CN" sz="2800" b="1" dirty="0" smtClean="0">
+                <a:solidFill>
+                  <a:srgbClr val="660033"/>
+                </a:solidFill>
+                <a:latin typeface="Arial" panose="020B0604020202020204" pitchFamily="34" charset="0"/>
+                <a:ea typeface="微軟正黑體" pitchFamily="34" charset="-120"/>
+                <a:cs typeface="Arial" panose="020B0604020202020204" pitchFamily="34" charset="0"/>
+              </a:rPr>
+              <a:t> </a:t>
+            </a:r>
+            <a:r>
+              <a:rPr lang="en-US" altLang="zh-CN" sz="2800" b="1" dirty="0" err="1" smtClean="0">
+                <a:solidFill>
+                  <a:srgbClr val="660033"/>
+                </a:solidFill>
+                <a:latin typeface="Arial" panose="020B0604020202020204" pitchFamily="34" charset="0"/>
+                <a:ea typeface="微軟正黑體" pitchFamily="34" charset="-120"/>
+                <a:cs typeface="Arial" panose="020B0604020202020204" pitchFamily="34" charset="0"/>
+              </a:rPr>
+              <a:t>Giê-xu</a:t>
+            </a:r>
+            <a:r>
+              <a:rPr lang="en-US" altLang="zh-CN" sz="2800" b="1" dirty="0" smtClean="0">
+                <a:solidFill>
+                  <a:srgbClr val="660033"/>
+                </a:solidFill>
+                <a:latin typeface="Arial" panose="020B0604020202020204" pitchFamily="34" charset="0"/>
+                <a:ea typeface="微軟正黑體" pitchFamily="34" charset="-120"/>
+                <a:cs typeface="Arial" panose="020B0604020202020204" pitchFamily="34" charset="0"/>
+              </a:rPr>
+              <a:t> </a:t>
+            </a:r>
+            <a:r>
+              <a:rPr lang="en-US" altLang="zh-CN" sz="2800" b="1" dirty="0" err="1">
+                <a:solidFill>
+                  <a:srgbClr val="660033"/>
+                </a:solidFill>
+                <a:latin typeface="Arial" panose="020B0604020202020204" pitchFamily="34" charset="0"/>
+                <a:ea typeface="微軟正黑體" pitchFamily="34" charset="-120"/>
+                <a:cs typeface="Arial" panose="020B0604020202020204" pitchFamily="34" charset="0"/>
+              </a:rPr>
+              <a:t>l</a:t>
+            </a:r>
+            <a:r>
+              <a:rPr lang="en-US" altLang="zh-CN" sz="2800" b="1" dirty="0" err="1" smtClean="0">
+                <a:solidFill>
+                  <a:srgbClr val="660033"/>
+                </a:solidFill>
+                <a:latin typeface="Arial" panose="020B0604020202020204" pitchFamily="34" charset="0"/>
+                <a:ea typeface="微軟正黑體" pitchFamily="34" charset="-120"/>
+                <a:cs typeface="Arial" panose="020B0604020202020204" pitchFamily="34" charset="0"/>
+              </a:rPr>
+              <a:t>âm</a:t>
+            </a:r>
+            <a:r>
+              <a:rPr lang="en-US" altLang="zh-CN" sz="2800" b="1" dirty="0" smtClean="0">
+                <a:solidFill>
+                  <a:srgbClr val="660033"/>
+                </a:solidFill>
+                <a:latin typeface="Arial" panose="020B0604020202020204" pitchFamily="34" charset="0"/>
+                <a:ea typeface="微軟正黑體" pitchFamily="34" charset="-120"/>
+                <a:cs typeface="Arial" panose="020B0604020202020204" pitchFamily="34" charset="0"/>
+              </a:rPr>
+              <a:t> </a:t>
+            </a:r>
+            <a:r>
+              <a:rPr lang="en-US" altLang="zh-CN" sz="2800" b="1" dirty="0" err="1" smtClean="0">
+                <a:solidFill>
+                  <a:srgbClr val="660033"/>
+                </a:solidFill>
+                <a:latin typeface="Arial" panose="020B0604020202020204" pitchFamily="34" charset="0"/>
+                <a:ea typeface="微軟正黑體" pitchFamily="34" charset="-120"/>
+                <a:cs typeface="Arial" panose="020B0604020202020204" pitchFamily="34" charset="0"/>
+              </a:rPr>
+              <a:t>phàm</a:t>
+            </a:r>
+            <a:endParaRPr lang="zh-TW" altLang="en-US" sz="3200" b="1" dirty="0">
+              <a:solidFill>
+                <a:srgbClr val="660033"/>
+              </a:solidFill>
+              <a:latin typeface="Arial" panose="020B0604020202020204" pitchFamily="34" charset="0"/>
+              <a:ea typeface="微軟正黑體" pitchFamily="34" charset="-120"/>
+              <a:cs typeface="Arial" panose="020B0604020202020204" pitchFamily="34" charset="0"/>
+            </a:endParaRPr>
+          </a:p>
+        </p:txBody>
+      </p:sp>
+      <p:sp>
+        <p:nvSpPr>
+          <p:cNvPr id="4" name="內容版面配置區 3"/>
+          <p:cNvSpPr>
+            <a:spLocks noGrp="1"/>
+          </p:cNvSpPr>
+          <p:nvPr>
+            <p:ph idx="1"/>
+          </p:nvPr>
+        </p:nvSpPr>
+        <p:spPr>
+          <a:xfrm>
+            <a:off x="0" y="1285866"/>
+            <a:ext cx="9144000" cy="1861948"/>
+          </a:xfrm>
+        </p:spPr>
+        <p:txBody>
+          <a:bodyPr>
+            <a:noAutofit/>
+          </a:bodyPr>
+          <a:lstStyle/>
+          <a:p>
+            <a:pPr marL="0" lvl="0" indent="0" algn="ctr">
+              <a:buNone/>
+            </a:pPr>
+            <a:r>
+              <a:rPr lang="zh-TW" altLang="en-US" sz="4400" b="1" dirty="0" smtClean="0">
+                <a:solidFill>
+                  <a:srgbClr val="000066"/>
+                </a:solidFill>
+                <a:effectLst>
+                  <a:outerShdw blurRad="50000" dist="30000" dir="5400000" algn="tl" rotWithShape="0">
+                    <a:srgbClr val="000000">
+                      <a:alpha val="30000"/>
+                    </a:srgbClr>
+                  </a:outerShdw>
+                </a:effectLst>
+                <a:latin typeface="微軟正黑體" pitchFamily="34" charset="-120"/>
+                <a:ea typeface="微軟正黑體" pitchFamily="34" charset="-120"/>
+                <a:cs typeface="+mj-cs"/>
+              </a:rPr>
+              <a:t>從</a:t>
+            </a:r>
+            <a:r>
+              <a:rPr lang="zh-TW" altLang="en-US" sz="4400" b="1" dirty="0">
+                <a:solidFill>
+                  <a:srgbClr val="000066"/>
+                </a:solidFill>
+                <a:effectLst>
+                  <a:outerShdw blurRad="50000" dist="30000" dir="5400000" algn="tl" rotWithShape="0">
+                    <a:srgbClr val="000000">
+                      <a:alpha val="30000"/>
+                    </a:srgbClr>
+                  </a:outerShdw>
+                </a:effectLst>
+                <a:latin typeface="微軟正黑體" pitchFamily="34" charset="-120"/>
+                <a:ea typeface="微軟正黑體" pitchFamily="34" charset="-120"/>
+                <a:cs typeface="+mj-cs"/>
+              </a:rPr>
+              <a:t>榮耀降</a:t>
+            </a:r>
+            <a:r>
+              <a:rPr lang="zh-TW" altLang="en-US" sz="4400" b="1" dirty="0" smtClean="0">
+                <a:solidFill>
+                  <a:srgbClr val="000066"/>
+                </a:solidFill>
+                <a:effectLst>
+                  <a:outerShdw blurRad="50000" dist="30000" dir="5400000" algn="tl" rotWithShape="0">
+                    <a:srgbClr val="000000">
+                      <a:alpha val="30000"/>
+                    </a:srgbClr>
+                  </a:outerShdw>
+                </a:effectLst>
+                <a:latin typeface="微軟正黑體" pitchFamily="34" charset="-120"/>
+                <a:ea typeface="微軟正黑體" pitchFamily="34" charset="-120"/>
+                <a:cs typeface="+mj-cs"/>
+              </a:rPr>
+              <a:t>臨  永</a:t>
+            </a:r>
+            <a:r>
+              <a:rPr lang="zh-TW" altLang="en-US" sz="4400" b="1" dirty="0">
+                <a:solidFill>
+                  <a:srgbClr val="000066"/>
+                </a:solidFill>
+                <a:effectLst>
+                  <a:outerShdw blurRad="50000" dist="30000" dir="5400000" algn="tl" rotWithShape="0">
+                    <a:srgbClr val="000000">
+                      <a:alpha val="30000"/>
+                    </a:srgbClr>
+                  </a:outerShdw>
+                </a:effectLst>
+                <a:latin typeface="微軟正黑體" pitchFamily="34" charset="-120"/>
+                <a:ea typeface="微軟正黑體" pitchFamily="34" charset="-120"/>
+                <a:cs typeface="+mj-cs"/>
+              </a:rPr>
+              <a:t>遠奇妙福</a:t>
+            </a:r>
+            <a:r>
+              <a:rPr lang="zh-TW" altLang="en-US" sz="4400" b="1" dirty="0" smtClean="0">
+                <a:solidFill>
+                  <a:srgbClr val="000066"/>
+                </a:solidFill>
+                <a:effectLst>
+                  <a:outerShdw blurRad="50000" dist="30000" dir="5400000" algn="tl" rotWithShape="0">
+                    <a:srgbClr val="000000">
+                      <a:alpha val="30000"/>
+                    </a:srgbClr>
+                  </a:outerShdw>
+                </a:effectLst>
+                <a:latin typeface="微軟正黑體" pitchFamily="34" charset="-120"/>
+                <a:ea typeface="微軟正黑體" pitchFamily="34" charset="-120"/>
+                <a:cs typeface="+mj-cs"/>
+              </a:rPr>
+              <a:t>音</a:t>
+            </a:r>
+            <a:endParaRPr lang="zh-TW" altLang="en-US" sz="4400" b="1" dirty="0">
               <a:solidFill>
                 <a:srgbClr val="000066"/>
               </a:solidFill>
               <a:effectLst>
-                <a:outerShdw blurRad="38100" dist="38100" dir="2700000" algn="tl">
+                <a:outerShdw blurRad="50000" dist="30000" dir="5400000" algn="tl" rotWithShape="0">
                   <a:srgbClr val="000000">
-                    <a:alpha val="43137"/>
+                    <a:alpha val="30000"/>
                   </a:srgbClr>
                 </a:outerShdw>
               </a:effectLst>
               <a:latin typeface="微軟正黑體" pitchFamily="34" charset="-120"/>
               <a:ea typeface="微軟正黑體" pitchFamily="34" charset="-120"/>
+              <a:cs typeface="+mj-cs"/>
             </a:endParaRPr>
           </a:p>
-        </p:txBody>
-      </p:sp>
-      <p:sp>
-        <p:nvSpPr>
-          <p:cNvPr id="3" name="矩形 2"/>
-          <p:cNvSpPr/>
+          <a:p>
+            <a:pPr marL="0" indent="0" algn="ctr">
+              <a:buNone/>
+            </a:pPr>
+            <a:r>
+              <a:rPr lang="zh-TW" altLang="en-US" sz="4400" b="1" dirty="0">
+                <a:solidFill>
+                  <a:srgbClr val="000066"/>
+                </a:solidFill>
+                <a:effectLst>
+                  <a:outerShdw blurRad="50000" dist="30000" dir="5400000" algn="tl" rotWithShape="0">
+                    <a:srgbClr val="000000">
+                      <a:alpha val="30000"/>
+                    </a:srgbClr>
+                  </a:outerShdw>
+                </a:effectLst>
+                <a:latin typeface="微軟正黑體" pitchFamily="34" charset="-120"/>
+                <a:ea typeface="微軟正黑體" pitchFamily="34" charset="-120"/>
+                <a:cs typeface="+mj-cs"/>
+              </a:rPr>
+              <a:t>我神我主降</a:t>
+            </a:r>
+            <a:r>
+              <a:rPr lang="zh-TW" altLang="en-US" sz="4400" b="1" dirty="0" smtClean="0">
+                <a:solidFill>
+                  <a:srgbClr val="000066"/>
+                </a:solidFill>
+                <a:effectLst>
+                  <a:outerShdw blurRad="50000" dist="30000" dir="5400000" algn="tl" rotWithShape="0">
+                    <a:srgbClr val="000000">
+                      <a:alpha val="30000"/>
+                    </a:srgbClr>
+                  </a:outerShdw>
+                </a:effectLst>
+                <a:latin typeface="微軟正黑體" pitchFamily="34" charset="-120"/>
+                <a:ea typeface="微軟正黑體" pitchFamily="34" charset="-120"/>
+                <a:cs typeface="+mj-cs"/>
+              </a:rPr>
+              <a:t>臨  耶</a:t>
+            </a:r>
+            <a:r>
+              <a:rPr lang="zh-TW" altLang="en-US" sz="4400" b="1" dirty="0">
+                <a:solidFill>
+                  <a:srgbClr val="000066"/>
+                </a:solidFill>
+                <a:effectLst>
+                  <a:outerShdw blurRad="50000" dist="30000" dir="5400000" algn="tl" rotWithShape="0">
+                    <a:srgbClr val="000000">
+                      <a:alpha val="30000"/>
+                    </a:srgbClr>
+                  </a:outerShdw>
+                </a:effectLst>
+                <a:latin typeface="微軟正黑體" pitchFamily="34" charset="-120"/>
+                <a:ea typeface="微軟正黑體" pitchFamily="34" charset="-120"/>
+                <a:cs typeface="+mj-cs"/>
+              </a:rPr>
+              <a:t>穌是祂聖名</a:t>
+            </a:r>
+            <a:endParaRPr lang="en-US" altLang="zh-CN" sz="4400" b="1" dirty="0">
+              <a:solidFill>
+                <a:srgbClr val="000066"/>
+              </a:solidFill>
+              <a:effectLst>
+                <a:outerShdw blurRad="50000" dist="30000" dir="5400000" algn="tl" rotWithShape="0">
+                  <a:srgbClr val="000000">
+                    <a:alpha val="30000"/>
+                  </a:srgbClr>
+                </a:outerShdw>
+              </a:effectLst>
+              <a:latin typeface="微軟正黑體" pitchFamily="34" charset="-120"/>
+              <a:ea typeface="微軟正黑體" pitchFamily="34" charset="-120"/>
+              <a:cs typeface="+mj-cs"/>
+            </a:endParaRPr>
+          </a:p>
+        </p:txBody>
+      </p:sp>
+      <p:sp>
+        <p:nvSpPr>
+          <p:cNvPr id="5" name="內容版面配置區 3"/>
+          <p:cNvSpPr txBox="1">
+            <a:spLocks/>
+          </p:cNvSpPr>
           <p:nvPr/>
         </p:nvSpPr>
         <p:spPr>
           <a:xfrm>
-            <a:off x="4557" y="2512683"/>
-            <a:ext cx="9144000" cy="646331"/>
+            <a:off x="-76200" y="3147814"/>
+            <a:ext cx="9144000" cy="1861948"/>
           </a:xfrm>
           <a:prstGeom prst="rect">
             <a:avLst/>
           </a:prstGeom>
         </p:spPr>
         <p:txBody>
-          <a:bodyPr wrap="square">
-            <a:spAutoFit/>
+          <a:bodyPr vert="horz" lIns="91440" tIns="45720" rIns="91440" bIns="45720" rtlCol="0">
+            <a:noAutofit/>
           </a:bodyPr>
-          <a:lstStyle/>
+          <a:lstStyle>
+            <a:lvl1pPr marL="342900" indent="-342900" algn="l" defTabSz="914400" rtl="0" eaLnBrk="1" latinLnBrk="0" hangingPunct="1">
+              <a:spcBef>
+                <a:spcPct val="20000"/>
+              </a:spcBef>
+              <a:buFont typeface="Arial" pitchFamily="34" charset="0"/>
+              <a:buChar char="•"/>
+              <a:defRPr sz="3200" kern="1200">
+                <a:solidFill>
+                  <a:schemeClr val="tx1"/>
+                </a:solidFill>
+                <a:latin typeface="+mn-lt"/>
+                <a:ea typeface="+mn-ea"/>
+                <a:cs typeface="+mn-cs"/>
+              </a:defRPr>
+            </a:lvl1pPr>
+            <a:lvl2pPr marL="742950" indent="-285750" algn="l" defTabSz="914400" rtl="0" eaLnBrk="1" latinLnBrk="0" hangingPunct="1">
+              <a:spcBef>
+                <a:spcPct val="20000"/>
+              </a:spcBef>
+              <a:buFont typeface="Arial" pitchFamily="34" charset="0"/>
+              <a:buChar char="–"/>
+              <a:defRPr sz="2800" kern="1200">
+                <a:solidFill>
+                  <a:schemeClr val="tx1"/>
+                </a:solidFill>
+                <a:latin typeface="+mn-lt"/>
+                <a:ea typeface="+mn-ea"/>
+                <a:cs typeface="+mn-cs"/>
+              </a:defRPr>
+            </a:lvl2pPr>
+            <a:lvl3pPr marL="1143000" indent="-228600" algn="l" defTabSz="914400" rtl="0" eaLnBrk="1" latinLnBrk="0" hangingPunct="1">
+              <a:spcBef>
+                <a:spcPct val="20000"/>
+              </a:spcBef>
+              <a:buFont typeface="Arial" pitchFamily="34" charset="0"/>
+              <a:buChar char="•"/>
+              <a:defRPr sz="2400" kern="1200">
+                <a:solidFill>
+                  <a:schemeClr val="tx1"/>
+                </a:solidFill>
+                <a:latin typeface="+mn-lt"/>
+                <a:ea typeface="+mn-ea"/>
+                <a:cs typeface="+mn-cs"/>
+              </a:defRPr>
+            </a:lvl3pPr>
+            <a:lvl4pPr marL="1600200" indent="-228600" algn="l" defTabSz="914400" rtl="0" eaLnBrk="1" latinLnBrk="0" hangingPunct="1">
+              <a:spcBef>
+                <a:spcPct val="20000"/>
+              </a:spcBef>
+              <a:buFont typeface="Arial" pitchFamily="34" charset="0"/>
+              <a:buChar char="–"/>
+              <a:defRPr sz="2000" kern="1200">
+                <a:solidFill>
+                  <a:schemeClr val="tx1"/>
+                </a:solidFill>
+                <a:latin typeface="+mn-lt"/>
+                <a:ea typeface="+mn-ea"/>
+                <a:cs typeface="+mn-cs"/>
+              </a:defRPr>
+            </a:lvl4pPr>
+            <a:lvl5pPr marL="2057400" indent="-228600" algn="l" defTabSz="914400" rtl="0" eaLnBrk="1" latinLnBrk="0" hangingPunct="1">
+              <a:spcBef>
+                <a:spcPct val="20000"/>
+              </a:spcBef>
+              <a:buFont typeface="Arial" pitchFamily="34" charset="0"/>
+              <a:buChar char="»"/>
+              <a:defRPr sz="2000" kern="1200">
+                <a:solidFill>
+                  <a:schemeClr val="tx1"/>
+                </a:solidFill>
+                <a:latin typeface="+mn-lt"/>
+                <a:ea typeface="+mn-ea"/>
+                <a:cs typeface="+mn-cs"/>
+              </a:defRPr>
+            </a:lvl5pPr>
+            <a:lvl6pPr marL="2514600" indent="-228600" algn="l" defTabSz="914400" rtl="0" eaLnBrk="1" latinLnBrk="0" hangingPunct="1">
+              <a:spcBef>
+                <a:spcPct val="20000"/>
+              </a:spcBef>
+              <a:buFont typeface="Arial" pitchFamily="34" charset="0"/>
+              <a:buChar char="•"/>
+              <a:defRPr sz="2000" kern="1200">
+                <a:solidFill>
+                  <a:schemeClr val="tx1"/>
+                </a:solidFill>
+                <a:latin typeface="+mn-lt"/>
+                <a:ea typeface="+mn-ea"/>
+                <a:cs typeface="+mn-cs"/>
+              </a:defRPr>
+            </a:lvl6pPr>
+            <a:lvl7pPr marL="2971800" indent="-228600" algn="l" defTabSz="914400" rtl="0" eaLnBrk="1" latinLnBrk="0" hangingPunct="1">
+              <a:spcBef>
+                <a:spcPct val="20000"/>
+              </a:spcBef>
+              <a:buFont typeface="Arial" pitchFamily="34" charset="0"/>
+              <a:buChar char="•"/>
+              <a:defRPr sz="2000" kern="1200">
+                <a:solidFill>
+                  <a:schemeClr val="tx1"/>
+                </a:solidFill>
+                <a:latin typeface="+mn-lt"/>
+                <a:ea typeface="+mn-ea"/>
+                <a:cs typeface="+mn-cs"/>
+              </a:defRPr>
+            </a:lvl7pPr>
+            <a:lvl8pPr marL="3429000" indent="-228600" algn="l" defTabSz="914400" rtl="0" eaLnBrk="1" latinLnBrk="0" hangingPunct="1">
+              <a:spcBef>
+                <a:spcPct val="20000"/>
+              </a:spcBef>
+              <a:buFont typeface="Arial" pitchFamily="34" charset="0"/>
+              <a:buChar char="•"/>
+              <a:defRPr sz="2000" kern="1200">
+                <a:solidFill>
+                  <a:schemeClr val="tx1"/>
+                </a:solidFill>
+                <a:latin typeface="+mn-lt"/>
+                <a:ea typeface="+mn-ea"/>
+                <a:cs typeface="+mn-cs"/>
+              </a:defRPr>
+            </a:lvl8pPr>
+            <a:lvl9pPr marL="3886200" indent="-228600" algn="l" defTabSz="914400" rtl="0" eaLnBrk="1" latinLnBrk="0" hangingPunct="1">
+              <a:spcBef>
+                <a:spcPct val="20000"/>
+              </a:spcBef>
+              <a:buFont typeface="Arial" pitchFamily="34" charset="0"/>
+              <a:buChar char="•"/>
+              <a:defRPr sz="2000" kern="1200">
+                <a:solidFill>
+                  <a:schemeClr val="tx1"/>
+                </a:solidFill>
+                <a:latin typeface="+mn-lt"/>
+                <a:ea typeface="+mn-ea"/>
+                <a:cs typeface="+mn-cs"/>
+              </a:defRPr>
+            </a:lvl9pPr>
+          </a:lstStyle>
           <a:p>
             <a:pPr algn="ctr">
-              <a:spcBef>
-                <a:spcPct val="0"/>
-              </a:spcBef>
+              <a:buNone/>
             </a:pPr>
             <a:r>
-              <a:rPr lang="en-US" altLang="zh-TW" sz="3600" b="1" dirty="0" err="1">
-                <a:solidFill>
-                  <a:srgbClr val="660033"/>
-                </a:solidFill>
-                <a:effectLst>
-                  <a:outerShdw blurRad="38100" dist="38100" dir="2700000" algn="tl">
-                    <a:srgbClr val="000000">
-                      <a:alpha val="43137"/>
-                    </a:srgbClr>
-                  </a:outerShdw>
-                </a:effectLst>
-                <a:latin typeface="Arial" panose="020B0604020202020204" pitchFamily="34" charset="0"/>
-                <a:ea typeface="微軟正黑體" pitchFamily="34" charset="-120"/>
-                <a:cs typeface="Arial" panose="020B0604020202020204" pitchFamily="34" charset="0"/>
-              </a:rPr>
-              <a:t>Cầu</a:t>
-            </a:r>
-            <a:r>
-              <a:rPr lang="en-US" altLang="zh-TW" sz="3600" b="1" dirty="0">
-                <a:solidFill>
-                  <a:srgbClr val="660033"/>
-                </a:solidFill>
-                <a:effectLst>
-                  <a:outerShdw blurRad="38100" dist="38100" dir="2700000" algn="tl">
-                    <a:srgbClr val="000000">
-                      <a:alpha val="43137"/>
-                    </a:srgbClr>
-                  </a:outerShdw>
-                </a:effectLst>
-                <a:latin typeface="Arial" panose="020B0604020202020204" pitchFamily="34" charset="0"/>
-                <a:ea typeface="微軟正黑體" pitchFamily="34" charset="-120"/>
-                <a:cs typeface="Arial" panose="020B0604020202020204" pitchFamily="34" charset="0"/>
+              <a:rPr lang="en-US" altLang="zh-TW" sz="2800" b="1" dirty="0" err="1" smtClean="0">
+                <a:solidFill>
+                  <a:srgbClr val="660033"/>
+                </a:solidFill>
+                <a:effectLst>
+                  <a:outerShdw blurRad="38100" dist="38100" dir="2700000" algn="tl">
+                    <a:srgbClr val="000000">
+                      <a:alpha val="43137"/>
+                    </a:srgbClr>
+                  </a:outerShdw>
+                </a:effectLst>
+                <a:ea typeface="微軟正黑體" pitchFamily="34" charset="-120"/>
+                <a:cs typeface="+mj-cs"/>
+              </a:rPr>
+              <a:t>Chúa</a:t>
+            </a:r>
+            <a:r>
+              <a:rPr lang="en-US" altLang="zh-TW" sz="2800" b="1" dirty="0" smtClean="0">
+                <a:solidFill>
+                  <a:srgbClr val="660033"/>
+                </a:solidFill>
+                <a:effectLst>
+                  <a:outerShdw blurRad="38100" dist="38100" dir="2700000" algn="tl">
+                    <a:srgbClr val="000000">
+                      <a:alpha val="43137"/>
+                    </a:srgbClr>
+                  </a:outerShdw>
+                </a:effectLst>
+                <a:ea typeface="微軟正黑體" pitchFamily="34" charset="-120"/>
+                <a:cs typeface="+mj-cs"/>
               </a:rPr>
               <a:t> </a:t>
             </a:r>
             <a:r>
-              <a:rPr lang="en-US" altLang="zh-TW" sz="3600" b="1" dirty="0" err="1">
-                <a:solidFill>
-                  <a:srgbClr val="660033"/>
-                </a:solidFill>
-                <a:effectLst>
-                  <a:outerShdw blurRad="38100" dist="38100" dir="2700000" algn="tl">
-                    <a:srgbClr val="000000">
-                      <a:alpha val="43137"/>
-                    </a:srgbClr>
-                  </a:outerShdw>
-                </a:effectLst>
-                <a:latin typeface="Arial" panose="020B0604020202020204" pitchFamily="34" charset="0"/>
-                <a:ea typeface="微軟正黑體" pitchFamily="34" charset="-120"/>
-                <a:cs typeface="Arial" panose="020B0604020202020204" pitchFamily="34" charset="0"/>
-              </a:rPr>
-              <a:t>nguyện</a:t>
-            </a:r>
-            <a:r>
-              <a:rPr lang="en-US" altLang="zh-TW" sz="3600" b="1" dirty="0">
-                <a:solidFill>
-                  <a:srgbClr val="660033"/>
-                </a:solidFill>
-                <a:effectLst>
-                  <a:outerShdw blurRad="38100" dist="38100" dir="2700000" algn="tl">
-                    <a:srgbClr val="000000">
-                      <a:alpha val="43137"/>
-                    </a:srgbClr>
-                  </a:outerShdw>
-                </a:effectLst>
-                <a:latin typeface="Arial" panose="020B0604020202020204" pitchFamily="34" charset="0"/>
-                <a:ea typeface="微軟正黑體" pitchFamily="34" charset="-120"/>
-                <a:cs typeface="Arial" panose="020B0604020202020204" pitchFamily="34" charset="0"/>
+              <a:rPr lang="en-US" altLang="zh-TW" sz="2800" b="1" dirty="0" err="1" smtClean="0">
+                <a:solidFill>
+                  <a:srgbClr val="660033"/>
+                </a:solidFill>
+                <a:effectLst>
+                  <a:outerShdw blurRad="38100" dist="38100" dir="2700000" algn="tl">
+                    <a:srgbClr val="000000">
+                      <a:alpha val="43137"/>
+                    </a:srgbClr>
+                  </a:outerShdw>
+                </a:effectLst>
+                <a:ea typeface="微軟正黑體" pitchFamily="34" charset="-120"/>
+                <a:cs typeface="+mj-cs"/>
+              </a:rPr>
+              <a:t>Giê</a:t>
+            </a:r>
+            <a:r>
+              <a:rPr lang="en-US" altLang="zh-TW" sz="2800" b="1" dirty="0" err="1" smtClean="0">
+                <a:solidFill>
+                  <a:srgbClr val="660033"/>
+                </a:solidFill>
+                <a:effectLst>
+                  <a:outerShdw blurRad="38100" dist="38100" dir="2700000" algn="tl">
+                    <a:srgbClr val="000000">
+                      <a:alpha val="43137"/>
+                    </a:srgbClr>
+                  </a:outerShdw>
+                </a:effectLst>
+                <a:ea typeface="微軟正黑體" pitchFamily="34" charset="-120"/>
+                <a:cs typeface="+mj-cs"/>
+              </a:rPr>
+              <a:t>-xu</a:t>
+            </a:r>
+            <a:r>
+              <a:rPr lang="en-US" altLang="zh-TW" sz="2800" b="1" dirty="0" smtClean="0">
+                <a:solidFill>
+                  <a:srgbClr val="660033"/>
+                </a:solidFill>
+                <a:effectLst>
+                  <a:outerShdw blurRad="38100" dist="38100" dir="2700000" algn="tl">
+                    <a:srgbClr val="000000">
+                      <a:alpha val="43137"/>
+                    </a:srgbClr>
+                  </a:outerShdw>
+                </a:effectLst>
+                <a:ea typeface="微軟正黑體" pitchFamily="34" charset="-120"/>
+                <a:cs typeface="+mj-cs"/>
               </a:rPr>
               <a:t> </a:t>
             </a:r>
             <a:r>
-              <a:rPr lang="en-US" altLang="zh-TW" sz="3600" b="1" dirty="0" err="1">
-                <a:solidFill>
-                  <a:srgbClr val="660033"/>
-                </a:solidFill>
-                <a:effectLst>
-                  <a:outerShdw blurRad="38100" dist="38100" dir="2700000" algn="tl">
-                    <a:srgbClr val="000000">
-                      <a:alpha val="43137"/>
-                    </a:srgbClr>
-                  </a:outerShdw>
-                </a:effectLst>
-                <a:latin typeface="Arial" panose="020B0604020202020204" pitchFamily="34" charset="0"/>
-                <a:ea typeface="微軟正黑體" pitchFamily="34" charset="-120"/>
-                <a:cs typeface="Arial" panose="020B0604020202020204" pitchFamily="34" charset="0"/>
-              </a:rPr>
-              <a:t>khai</a:t>
-            </a:r>
-            <a:r>
-              <a:rPr lang="en-US" altLang="zh-TW" sz="3600" b="1" dirty="0">
-                <a:solidFill>
-                  <a:srgbClr val="660033"/>
-                </a:solidFill>
-                <a:effectLst>
-                  <a:outerShdw blurRad="38100" dist="38100" dir="2700000" algn="tl">
-                    <a:srgbClr val="000000">
-                      <a:alpha val="43137"/>
-                    </a:srgbClr>
-                  </a:outerShdw>
-                </a:effectLst>
-                <a:latin typeface="Arial" panose="020B0604020202020204" pitchFamily="34" charset="0"/>
-                <a:ea typeface="微軟正黑體" pitchFamily="34" charset="-120"/>
-                <a:cs typeface="Arial" panose="020B0604020202020204" pitchFamily="34" charset="0"/>
+              <a:rPr lang="en-US" altLang="zh-TW" sz="2800" b="1" dirty="0" err="1" smtClean="0">
+                <a:solidFill>
+                  <a:srgbClr val="660033"/>
+                </a:solidFill>
+                <a:effectLst>
+                  <a:outerShdw blurRad="38100" dist="38100" dir="2700000" algn="tl">
+                    <a:srgbClr val="000000">
+                      <a:alpha val="43137"/>
+                    </a:srgbClr>
+                  </a:outerShdw>
+                </a:effectLst>
+                <a:ea typeface="微軟正黑體" pitchFamily="34" charset="-120"/>
+                <a:cs typeface="+mj-cs"/>
+              </a:rPr>
+              <a:t>lâm</a:t>
+            </a:r>
+            <a:r>
+              <a:rPr lang="en-US" altLang="zh-TW" sz="2800" b="1" dirty="0" smtClean="0">
+                <a:solidFill>
+                  <a:srgbClr val="660033"/>
+                </a:solidFill>
+                <a:effectLst>
+                  <a:outerShdw blurRad="38100" dist="38100" dir="2700000" algn="tl">
+                    <a:srgbClr val="000000">
+                      <a:alpha val="43137"/>
+                    </a:srgbClr>
+                  </a:outerShdw>
+                </a:effectLst>
+                <a:ea typeface="微軟正黑體" pitchFamily="34" charset="-120"/>
+                <a:cs typeface="+mj-cs"/>
               </a:rPr>
               <a:t> </a:t>
             </a:r>
             <a:r>
-              <a:rPr lang="en-US" altLang="zh-TW" sz="3600" b="1" dirty="0" err="1">
-                <a:solidFill>
-                  <a:srgbClr val="660033"/>
-                </a:solidFill>
-                <a:effectLst>
-                  <a:outerShdw blurRad="38100" dist="38100" dir="2700000" algn="tl">
-                    <a:srgbClr val="000000">
-                      <a:alpha val="43137"/>
-                    </a:srgbClr>
-                  </a:outerShdw>
-                </a:effectLst>
-                <a:latin typeface="Arial" panose="020B0604020202020204" pitchFamily="34" charset="0"/>
-                <a:ea typeface="微軟正黑體" pitchFamily="34" charset="-120"/>
-                <a:cs typeface="Arial" panose="020B0604020202020204" pitchFamily="34" charset="0"/>
-              </a:rPr>
-              <a:t>lễ</a:t>
-            </a:r>
-            <a:endParaRPr lang="zh-TW" altLang="en-US" sz="3600" b="1" dirty="0">
+              <a:rPr lang="en-US" altLang="zh-TW" sz="2800" b="1" dirty="0" err="1" smtClean="0">
+                <a:solidFill>
+                  <a:srgbClr val="660033"/>
+                </a:solidFill>
+                <a:effectLst>
+                  <a:outerShdw blurRad="38100" dist="38100" dir="2700000" algn="tl">
+                    <a:srgbClr val="000000">
+                      <a:alpha val="43137"/>
+                    </a:srgbClr>
+                  </a:outerShdw>
+                </a:effectLst>
+                <a:ea typeface="微軟正黑體" pitchFamily="34" charset="-120"/>
+                <a:cs typeface="+mj-cs"/>
+              </a:rPr>
+              <a:t>phàm</a:t>
+            </a:r>
+            <a:r>
+              <a:rPr lang="en-US" altLang="zh-TW" sz="2800" b="1" dirty="0" smtClean="0">
+                <a:solidFill>
+                  <a:srgbClr val="660033"/>
+                </a:solidFill>
+                <a:effectLst>
+                  <a:outerShdw blurRad="38100" dist="38100" dir="2700000" algn="tl">
+                    <a:srgbClr val="000000">
+                      <a:alpha val="43137"/>
+                    </a:srgbClr>
+                  </a:outerShdw>
+                </a:effectLst>
+                <a:ea typeface="微軟正黑體" pitchFamily="34" charset="-120"/>
+                <a:cs typeface="+mj-cs"/>
+              </a:rPr>
+              <a:t>  </a:t>
+            </a:r>
+            <a:r>
+              <a:rPr lang="en-US" altLang="zh-TW" sz="2800" b="1" dirty="0" err="1" smtClean="0">
+                <a:solidFill>
+                  <a:srgbClr val="660033"/>
+                </a:solidFill>
+                <a:effectLst>
+                  <a:outerShdw blurRad="38100" dist="38100" dir="2700000" algn="tl">
+                    <a:srgbClr val="000000">
+                      <a:alpha val="43137"/>
+                    </a:srgbClr>
+                  </a:outerShdw>
+                </a:effectLst>
+                <a:ea typeface="微軟正黑體" pitchFamily="34" charset="-120"/>
+                <a:cs typeface="+mj-cs"/>
+              </a:rPr>
+              <a:t>lìa</a:t>
+            </a:r>
+            <a:r>
+              <a:rPr lang="en-US" altLang="zh-TW" sz="2800" b="1" dirty="0" smtClean="0">
+                <a:solidFill>
+                  <a:srgbClr val="660033"/>
+                </a:solidFill>
+                <a:effectLst>
+                  <a:outerShdw blurRad="38100" dist="38100" dir="2700000" algn="tl">
+                    <a:srgbClr val="000000">
+                      <a:alpha val="43137"/>
+                    </a:srgbClr>
+                  </a:outerShdw>
+                </a:effectLst>
+                <a:ea typeface="微軟正黑體" pitchFamily="34" charset="-120"/>
+                <a:cs typeface="+mj-cs"/>
+              </a:rPr>
+              <a:t> </a:t>
+            </a:r>
+            <a:r>
+              <a:rPr lang="en-US" altLang="zh-TW" sz="2800" b="1" dirty="0" err="1" smtClean="0">
+                <a:solidFill>
+                  <a:srgbClr val="660033"/>
+                </a:solidFill>
+                <a:effectLst>
+                  <a:outerShdw blurRad="38100" dist="38100" dir="2700000" algn="tl">
+                    <a:srgbClr val="000000">
+                      <a:alpha val="43137"/>
+                    </a:srgbClr>
+                  </a:outerShdw>
+                </a:effectLst>
+                <a:ea typeface="微軟正黑體" pitchFamily="34" charset="-120"/>
+                <a:cs typeface="+mj-cs"/>
+              </a:rPr>
+              <a:t>ngôi</a:t>
+            </a:r>
+            <a:r>
+              <a:rPr lang="en-US" altLang="zh-TW" sz="2800" b="1" dirty="0" smtClean="0">
+                <a:solidFill>
+                  <a:srgbClr val="660033"/>
+                </a:solidFill>
+                <a:effectLst>
+                  <a:outerShdw blurRad="38100" dist="38100" dir="2700000" algn="tl">
+                    <a:srgbClr val="000000">
+                      <a:alpha val="43137"/>
+                    </a:srgbClr>
+                  </a:outerShdw>
+                </a:effectLst>
+                <a:ea typeface="微軟正黑體" pitchFamily="34" charset="-120"/>
+                <a:cs typeface="+mj-cs"/>
+              </a:rPr>
+              <a:t> </a:t>
+            </a:r>
+            <a:r>
+              <a:rPr lang="en-US" altLang="zh-TW" sz="2800" b="1" dirty="0" err="1" smtClean="0">
+                <a:solidFill>
+                  <a:srgbClr val="660033"/>
+                </a:solidFill>
+                <a:effectLst>
+                  <a:outerShdw blurRad="38100" dist="38100" dir="2700000" algn="tl">
+                    <a:srgbClr val="000000">
+                      <a:alpha val="43137"/>
+                    </a:srgbClr>
+                  </a:outerShdw>
+                </a:effectLst>
+                <a:ea typeface="微軟正黑體" pitchFamily="34" charset="-120"/>
+                <a:cs typeface="+mj-cs"/>
+              </a:rPr>
+              <a:t>báu</a:t>
+            </a:r>
+            <a:r>
+              <a:rPr lang="en-US" altLang="zh-TW" sz="2800" b="1" dirty="0" smtClean="0">
+                <a:solidFill>
+                  <a:srgbClr val="660033"/>
+                </a:solidFill>
+                <a:effectLst>
+                  <a:outerShdw blurRad="38100" dist="38100" dir="2700000" algn="tl">
+                    <a:srgbClr val="000000">
+                      <a:alpha val="43137"/>
+                    </a:srgbClr>
+                  </a:outerShdw>
+                </a:effectLst>
+                <a:ea typeface="微軟正黑體" pitchFamily="34" charset="-120"/>
+                <a:cs typeface="+mj-cs"/>
+              </a:rPr>
+              <a:t> </a:t>
+            </a:r>
+            <a:r>
+              <a:rPr lang="en-US" altLang="zh-TW" sz="2800" b="1" dirty="0" err="1" smtClean="0">
+                <a:solidFill>
+                  <a:srgbClr val="660033"/>
+                </a:solidFill>
+                <a:effectLst>
+                  <a:outerShdw blurRad="38100" dist="38100" dir="2700000" algn="tl">
+                    <a:srgbClr val="000000">
+                      <a:alpha val="43137"/>
+                    </a:srgbClr>
+                  </a:outerShdw>
+                </a:effectLst>
+                <a:ea typeface="微軟正黑體" pitchFamily="34" charset="-120"/>
+                <a:cs typeface="+mj-cs"/>
+              </a:rPr>
+              <a:t>trên</a:t>
+            </a:r>
+            <a:r>
+              <a:rPr lang="en-US" altLang="zh-TW" sz="2800" b="1" dirty="0" smtClean="0">
+                <a:solidFill>
+                  <a:srgbClr val="660033"/>
+                </a:solidFill>
+                <a:effectLst>
+                  <a:outerShdw blurRad="38100" dist="38100" dir="2700000" algn="tl">
+                    <a:srgbClr val="000000">
+                      <a:alpha val="43137"/>
+                    </a:srgbClr>
+                  </a:outerShdw>
+                </a:effectLst>
+                <a:ea typeface="微軟正黑體" pitchFamily="34" charset="-120"/>
+                <a:cs typeface="+mj-cs"/>
+              </a:rPr>
+              <a:t> </a:t>
+            </a:r>
+            <a:r>
+              <a:rPr lang="en-US" altLang="zh-TW" sz="2800" b="1" dirty="0" err="1" smtClean="0">
+                <a:solidFill>
+                  <a:srgbClr val="660033"/>
+                </a:solidFill>
+                <a:effectLst>
+                  <a:outerShdw blurRad="38100" dist="38100" dir="2700000" algn="tl">
+                    <a:srgbClr val="000000">
+                      <a:alpha val="43137"/>
+                    </a:srgbClr>
+                  </a:outerShdw>
+                </a:effectLst>
+                <a:ea typeface="微軟正黑體" pitchFamily="34" charset="-120"/>
+                <a:cs typeface="+mj-cs"/>
+              </a:rPr>
+              <a:t>thiên</a:t>
+            </a:r>
+            <a:r>
+              <a:rPr lang="en-US" altLang="zh-TW" sz="2800" b="1" dirty="0" smtClean="0">
+                <a:solidFill>
+                  <a:srgbClr val="660033"/>
+                </a:solidFill>
+                <a:effectLst>
+                  <a:outerShdw blurRad="38100" dist="38100" dir="2700000" algn="tl">
+                    <a:srgbClr val="000000">
+                      <a:alpha val="43137"/>
+                    </a:srgbClr>
+                  </a:outerShdw>
+                </a:effectLst>
+                <a:ea typeface="微軟正黑體" pitchFamily="34" charset="-120"/>
+                <a:cs typeface="+mj-cs"/>
+              </a:rPr>
+              <a:t> </a:t>
+            </a:r>
+            <a:r>
+              <a:rPr lang="en-US" altLang="zh-TW" sz="2800" b="1" dirty="0" err="1" smtClean="0">
+                <a:solidFill>
+                  <a:srgbClr val="660033"/>
+                </a:solidFill>
+                <a:effectLst>
+                  <a:outerShdw blurRad="38100" dist="38100" dir="2700000" algn="tl">
+                    <a:srgbClr val="000000">
+                      <a:alpha val="43137"/>
+                    </a:srgbClr>
+                  </a:outerShdw>
+                </a:effectLst>
+                <a:ea typeface="微軟正黑體" pitchFamily="34" charset="-120"/>
+                <a:cs typeface="+mj-cs"/>
+              </a:rPr>
+              <a:t>đàng</a:t>
+            </a:r>
+            <a:endParaRPr lang="en-US" altLang="zh-TW" sz="2800" b="1" dirty="0" smtClean="0">
               <a:solidFill>
                 <a:srgbClr val="660033"/>
               </a:solidFill>
@@ -12146,14 +13046,428 @@
                   </a:srgbClr>
                 </a:outerShdw>
               </a:effectLst>
-              <a:latin typeface="Arial" panose="020B0604020202020204" pitchFamily="34" charset="0"/>
               <a:ea typeface="微軟正黑體" pitchFamily="34" charset="-120"/>
-              <a:cs typeface="Arial" panose="020B0604020202020204" pitchFamily="34" charset="0"/>
+              <a:cs typeface="+mj-cs"/>
             </a:endParaRPr>
           </a:p>
+          <a:p>
+            <a:pPr algn="ctr">
+              <a:buNone/>
+            </a:pPr>
+            <a:r>
+              <a:rPr lang="en-US" altLang="zh-TW" sz="2800" b="1" dirty="0" err="1" smtClean="0">
+                <a:solidFill>
+                  <a:srgbClr val="660033"/>
+                </a:solidFill>
+                <a:effectLst>
+                  <a:outerShdw blurRad="38100" dist="38100" dir="2700000" algn="tl">
+                    <a:srgbClr val="000000">
+                      <a:alpha val="43137"/>
+                    </a:srgbClr>
+                  </a:outerShdw>
+                </a:effectLst>
+                <a:ea typeface="微軟正黑體" pitchFamily="34" charset="-120"/>
+                <a:cs typeface="+mj-cs"/>
+              </a:rPr>
+              <a:t>Vì</a:t>
+            </a:r>
+            <a:r>
+              <a:rPr lang="en-US" altLang="zh-TW" sz="2800" b="1" dirty="0" smtClean="0">
+                <a:solidFill>
+                  <a:srgbClr val="660033"/>
+                </a:solidFill>
+                <a:effectLst>
+                  <a:outerShdw blurRad="38100" dist="38100" dir="2700000" algn="tl">
+                    <a:srgbClr val="000000">
+                      <a:alpha val="43137"/>
+                    </a:srgbClr>
+                  </a:outerShdw>
+                </a:effectLst>
+                <a:ea typeface="微軟正黑體" pitchFamily="34" charset="-120"/>
+                <a:cs typeface="+mj-cs"/>
+              </a:rPr>
+              <a:t> </a:t>
+            </a:r>
+            <a:r>
+              <a:rPr lang="en-US" altLang="zh-TW" sz="2800" b="1" dirty="0" err="1" smtClean="0">
+                <a:solidFill>
+                  <a:srgbClr val="660033"/>
+                </a:solidFill>
+                <a:effectLst>
+                  <a:outerShdw blurRad="38100" dist="38100" dir="2700000" algn="tl">
+                    <a:srgbClr val="000000">
+                      <a:alpha val="43137"/>
+                    </a:srgbClr>
+                  </a:outerShdw>
+                </a:effectLst>
+                <a:ea typeface="微軟正黑體" pitchFamily="34" charset="-120"/>
+                <a:cs typeface="+mj-cs"/>
+              </a:rPr>
+              <a:t>ai</a:t>
+            </a:r>
+            <a:r>
+              <a:rPr lang="en-US" altLang="zh-TW" sz="2800" b="1" dirty="0" smtClean="0">
+                <a:solidFill>
+                  <a:srgbClr val="660033"/>
+                </a:solidFill>
+                <a:effectLst>
+                  <a:outerShdw blurRad="38100" dist="38100" dir="2700000" algn="tl">
+                    <a:srgbClr val="000000">
+                      <a:alpha val="43137"/>
+                    </a:srgbClr>
+                  </a:outerShdw>
+                </a:effectLst>
+                <a:ea typeface="微軟正黑體" pitchFamily="34" charset="-120"/>
+                <a:cs typeface="+mj-cs"/>
+              </a:rPr>
+              <a:t> </a:t>
+            </a:r>
+            <a:r>
+              <a:rPr lang="en-US" altLang="zh-TW" sz="2800" b="1" dirty="0" err="1" smtClean="0">
+                <a:solidFill>
+                  <a:srgbClr val="660033"/>
+                </a:solidFill>
+                <a:effectLst>
+                  <a:outerShdw blurRad="38100" dist="38100" dir="2700000" algn="tl">
+                    <a:srgbClr val="000000">
+                      <a:alpha val="43137"/>
+                    </a:srgbClr>
+                  </a:outerShdw>
+                </a:effectLst>
+                <a:ea typeface="微軟正黑體" pitchFamily="34" charset="-120"/>
+                <a:cs typeface="+mj-cs"/>
+              </a:rPr>
+              <a:t>Chúa</a:t>
+            </a:r>
+            <a:r>
+              <a:rPr lang="en-US" altLang="zh-TW" sz="2800" b="1" dirty="0" smtClean="0">
+                <a:solidFill>
+                  <a:srgbClr val="660033"/>
+                </a:solidFill>
+                <a:effectLst>
+                  <a:outerShdw blurRad="38100" dist="38100" dir="2700000" algn="tl">
+                    <a:srgbClr val="000000">
+                      <a:alpha val="43137"/>
+                    </a:srgbClr>
+                  </a:outerShdw>
+                </a:effectLst>
+                <a:ea typeface="微軟正黑體" pitchFamily="34" charset="-120"/>
+                <a:cs typeface="+mj-cs"/>
+              </a:rPr>
+              <a:t> </a:t>
+            </a:r>
+            <a:r>
+              <a:rPr lang="en-US" altLang="zh-TW" sz="2800" b="1" dirty="0" err="1" smtClean="0">
+                <a:solidFill>
+                  <a:srgbClr val="660033"/>
+                </a:solidFill>
+                <a:effectLst>
+                  <a:outerShdw blurRad="38100" dist="38100" dir="2700000" algn="tl">
+                    <a:srgbClr val="000000">
+                      <a:alpha val="43137"/>
+                    </a:srgbClr>
+                  </a:outerShdw>
+                </a:effectLst>
+                <a:ea typeface="微軟正黑體" pitchFamily="34" charset="-120"/>
+                <a:cs typeface="+mj-cs"/>
+              </a:rPr>
+              <a:t>tôi</a:t>
+            </a:r>
+            <a:r>
+              <a:rPr lang="en-US" altLang="zh-TW" sz="2800" b="1" dirty="0" smtClean="0">
+                <a:solidFill>
+                  <a:srgbClr val="660033"/>
+                </a:solidFill>
+                <a:effectLst>
+                  <a:outerShdw blurRad="38100" dist="38100" dir="2700000" algn="tl">
+                    <a:srgbClr val="000000">
+                      <a:alpha val="43137"/>
+                    </a:srgbClr>
+                  </a:outerShdw>
+                </a:effectLst>
+                <a:ea typeface="微軟正黑體" pitchFamily="34" charset="-120"/>
+                <a:cs typeface="+mj-cs"/>
+              </a:rPr>
+              <a:t> </a:t>
+            </a:r>
+            <a:r>
+              <a:rPr lang="en-US" altLang="zh-TW" sz="2800" b="1" dirty="0" err="1" smtClean="0">
+                <a:solidFill>
+                  <a:srgbClr val="660033"/>
+                </a:solidFill>
+                <a:effectLst>
+                  <a:outerShdw blurRad="38100" dist="38100" dir="2700000" algn="tl">
+                    <a:srgbClr val="000000">
+                      <a:alpha val="43137"/>
+                    </a:srgbClr>
+                  </a:outerShdw>
+                </a:effectLst>
+                <a:ea typeface="微軟正黑體" pitchFamily="34" charset="-120"/>
+                <a:cs typeface="+mj-cs"/>
+              </a:rPr>
+              <a:t>hạ</a:t>
+            </a:r>
+            <a:r>
+              <a:rPr lang="en-US" altLang="zh-TW" sz="2800" b="1" dirty="0" smtClean="0">
+                <a:solidFill>
+                  <a:srgbClr val="660033"/>
+                </a:solidFill>
+                <a:effectLst>
+                  <a:outerShdw blurRad="38100" dist="38100" dir="2700000" algn="tl">
+                    <a:srgbClr val="000000">
+                      <a:alpha val="43137"/>
+                    </a:srgbClr>
+                  </a:outerShdw>
+                </a:effectLst>
+                <a:ea typeface="微軟正黑體" pitchFamily="34" charset="-120"/>
+                <a:cs typeface="+mj-cs"/>
+              </a:rPr>
+              <a:t> </a:t>
+            </a:r>
+            <a:r>
+              <a:rPr lang="en-US" altLang="zh-TW" sz="2800" b="1" dirty="0" err="1" smtClean="0">
+                <a:solidFill>
+                  <a:srgbClr val="660033"/>
+                </a:solidFill>
+                <a:effectLst>
+                  <a:outerShdw blurRad="38100" dist="38100" dir="2700000" algn="tl">
+                    <a:srgbClr val="000000">
+                      <a:alpha val="43137"/>
+                    </a:srgbClr>
+                  </a:outerShdw>
+                </a:effectLst>
+                <a:ea typeface="微軟正黑體" pitchFamily="34" charset="-120"/>
+                <a:cs typeface="+mj-cs"/>
+              </a:rPr>
+              <a:t>trần</a:t>
+            </a:r>
+            <a:r>
+              <a:rPr lang="en-US" altLang="zh-TW" sz="2800" b="1" dirty="0" smtClean="0">
+                <a:solidFill>
+                  <a:srgbClr val="660033"/>
+                </a:solidFill>
+                <a:effectLst>
+                  <a:outerShdw blurRad="38100" dist="38100" dir="2700000" algn="tl">
+                    <a:srgbClr val="000000">
+                      <a:alpha val="43137"/>
+                    </a:srgbClr>
+                  </a:outerShdw>
+                </a:effectLst>
+                <a:ea typeface="微軟正黑體" pitchFamily="34" charset="-120"/>
+                <a:cs typeface="+mj-cs"/>
+              </a:rPr>
+              <a:t>  </a:t>
+            </a:r>
+            <a:r>
+              <a:rPr lang="en-US" altLang="zh-TW" sz="2800" b="1" dirty="0" err="1" smtClean="0">
+                <a:solidFill>
+                  <a:srgbClr val="660033"/>
+                </a:solidFill>
+                <a:effectLst>
+                  <a:outerShdw blurRad="38100" dist="38100" dir="2700000" algn="tl">
+                    <a:srgbClr val="000000">
+                      <a:alpha val="43137"/>
+                    </a:srgbClr>
+                  </a:outerShdw>
+                </a:effectLst>
+                <a:ea typeface="微軟正黑體" pitchFamily="34" charset="-120"/>
+                <a:cs typeface="+mj-cs"/>
+              </a:rPr>
+              <a:t>nằm</a:t>
+            </a:r>
+            <a:r>
+              <a:rPr lang="en-US" altLang="zh-TW" sz="2800" b="1" dirty="0" smtClean="0">
+                <a:solidFill>
+                  <a:srgbClr val="660033"/>
+                </a:solidFill>
+                <a:effectLst>
+                  <a:outerShdw blurRad="38100" dist="38100" dir="2700000" algn="tl">
+                    <a:srgbClr val="000000">
+                      <a:alpha val="43137"/>
+                    </a:srgbClr>
+                  </a:outerShdw>
+                </a:effectLst>
+                <a:ea typeface="微軟正黑體" pitchFamily="34" charset="-120"/>
+                <a:cs typeface="+mj-cs"/>
+              </a:rPr>
+              <a:t> </a:t>
+            </a:r>
+            <a:r>
+              <a:rPr lang="en-US" altLang="zh-TW" sz="2800" b="1" dirty="0" err="1" smtClean="0">
+                <a:solidFill>
+                  <a:srgbClr val="660033"/>
+                </a:solidFill>
+                <a:effectLst>
+                  <a:outerShdw blurRad="38100" dist="38100" dir="2700000" algn="tl">
+                    <a:srgbClr val="000000">
+                      <a:alpha val="43137"/>
+                    </a:srgbClr>
+                  </a:outerShdw>
+                </a:effectLst>
+                <a:ea typeface="微軟正黑體" pitchFamily="34" charset="-120"/>
+                <a:cs typeface="+mj-cs"/>
+              </a:rPr>
+              <a:t>trong</a:t>
+            </a:r>
+            <a:r>
+              <a:rPr lang="en-US" altLang="zh-TW" sz="2800" b="1" dirty="0" smtClean="0">
+                <a:solidFill>
+                  <a:srgbClr val="660033"/>
+                </a:solidFill>
+                <a:effectLst>
+                  <a:outerShdw blurRad="38100" dist="38100" dir="2700000" algn="tl">
+                    <a:srgbClr val="000000">
+                      <a:alpha val="43137"/>
+                    </a:srgbClr>
+                  </a:outerShdw>
+                </a:effectLst>
+                <a:ea typeface="微軟正黑體" pitchFamily="34" charset="-120"/>
+                <a:cs typeface="+mj-cs"/>
+              </a:rPr>
+              <a:t> </a:t>
+            </a:r>
+            <a:r>
+              <a:rPr lang="en-US" altLang="zh-TW" sz="2800" b="1" dirty="0" err="1" smtClean="0">
+                <a:solidFill>
+                  <a:srgbClr val="660033"/>
+                </a:solidFill>
+                <a:effectLst>
+                  <a:outerShdw blurRad="38100" dist="38100" dir="2700000" algn="tl">
+                    <a:srgbClr val="000000">
+                      <a:alpha val="43137"/>
+                    </a:srgbClr>
+                  </a:outerShdw>
+                </a:effectLst>
+                <a:ea typeface="微軟正黑體" pitchFamily="34" charset="-120"/>
+                <a:cs typeface="+mj-cs"/>
+              </a:rPr>
+              <a:t>máng</a:t>
+            </a:r>
+            <a:r>
+              <a:rPr lang="en-US" altLang="zh-TW" sz="2800" b="1" dirty="0" smtClean="0">
+                <a:solidFill>
+                  <a:srgbClr val="660033"/>
+                </a:solidFill>
+                <a:effectLst>
+                  <a:outerShdw blurRad="38100" dist="38100" dir="2700000" algn="tl">
+                    <a:srgbClr val="000000">
+                      <a:alpha val="43137"/>
+                    </a:srgbClr>
+                  </a:outerShdw>
+                </a:effectLst>
+                <a:ea typeface="微軟正黑體" pitchFamily="34" charset="-120"/>
+                <a:cs typeface="+mj-cs"/>
+              </a:rPr>
+              <a:t> </a:t>
+            </a:r>
+            <a:r>
+              <a:rPr lang="en-US" altLang="zh-TW" sz="2800" b="1" dirty="0" err="1" smtClean="0">
+                <a:solidFill>
+                  <a:srgbClr val="660033"/>
+                </a:solidFill>
+                <a:effectLst>
+                  <a:outerShdw blurRad="38100" dist="38100" dir="2700000" algn="tl">
+                    <a:srgbClr val="000000">
+                      <a:alpha val="43137"/>
+                    </a:srgbClr>
+                  </a:outerShdw>
+                </a:effectLst>
+                <a:ea typeface="微軟正黑體" pitchFamily="34" charset="-120"/>
+                <a:cs typeface="+mj-cs"/>
+              </a:rPr>
+              <a:t>cỏ</a:t>
+            </a:r>
+            <a:r>
+              <a:rPr lang="en-US" altLang="zh-TW" sz="2800" b="1" dirty="0" smtClean="0">
+                <a:solidFill>
+                  <a:srgbClr val="660033"/>
+                </a:solidFill>
+                <a:effectLst>
+                  <a:outerShdw blurRad="38100" dist="38100" dir="2700000" algn="tl">
+                    <a:srgbClr val="000000">
+                      <a:alpha val="43137"/>
+                    </a:srgbClr>
+                  </a:outerShdw>
+                </a:effectLst>
+                <a:ea typeface="微軟正黑體" pitchFamily="34" charset="-120"/>
+                <a:cs typeface="+mj-cs"/>
+              </a:rPr>
+              <a:t> </a:t>
+            </a:r>
+            <a:r>
+              <a:rPr lang="en-US" altLang="zh-TW" sz="2800" b="1" dirty="0" err="1" smtClean="0">
+                <a:solidFill>
+                  <a:srgbClr val="660033"/>
+                </a:solidFill>
+                <a:effectLst>
+                  <a:outerShdw blurRad="38100" dist="38100" dir="2700000" algn="tl">
+                    <a:srgbClr val="000000">
+                      <a:alpha val="43137"/>
+                    </a:srgbClr>
+                  </a:outerShdw>
+                </a:effectLst>
+                <a:ea typeface="微軟正黑體" pitchFamily="34" charset="-120"/>
+                <a:cs typeface="+mj-cs"/>
+              </a:rPr>
+              <a:t>tồi</a:t>
+            </a:r>
+            <a:r>
+              <a:rPr lang="en-US" altLang="zh-TW" sz="2800" b="1" dirty="0" smtClean="0">
+                <a:solidFill>
+                  <a:srgbClr val="660033"/>
+                </a:solidFill>
+                <a:effectLst>
+                  <a:outerShdw blurRad="38100" dist="38100" dir="2700000" algn="tl">
+                    <a:srgbClr val="000000">
+                      <a:alpha val="43137"/>
+                    </a:srgbClr>
+                  </a:outerShdw>
+                </a:effectLst>
+                <a:ea typeface="微軟正黑體" pitchFamily="34" charset="-120"/>
+                <a:cs typeface="+mj-cs"/>
+              </a:rPr>
+              <a:t> </a:t>
+            </a:r>
+            <a:r>
+              <a:rPr lang="en-US" altLang="zh-TW" sz="2800" b="1" dirty="0" err="1" smtClean="0">
+                <a:solidFill>
+                  <a:srgbClr val="660033"/>
+                </a:solidFill>
+                <a:effectLst>
+                  <a:outerShdw blurRad="38100" dist="38100" dir="2700000" algn="tl">
+                    <a:srgbClr val="000000">
+                      <a:alpha val="43137"/>
+                    </a:srgbClr>
+                  </a:outerShdw>
+                </a:effectLst>
+                <a:ea typeface="微軟正黑體" pitchFamily="34" charset="-120"/>
+                <a:cs typeface="+mj-cs"/>
+              </a:rPr>
+              <a:t>tàn</a:t>
+            </a:r>
+            <a:endParaRPr lang="zh-TW" altLang="en-US" sz="2800" b="1" dirty="0">
+              <a:solidFill>
+                <a:srgbClr val="660033"/>
+              </a:solidFill>
+              <a:effectLst>
+                <a:outerShdw blurRad="38100" dist="38100" dir="2700000" algn="tl">
+                  <a:srgbClr val="000000">
+                    <a:alpha val="43137"/>
+                  </a:srgbClr>
+                </a:outerShdw>
+              </a:effectLst>
+              <a:ea typeface="微軟正黑體" pitchFamily="34" charset="-120"/>
+              <a:cs typeface="+mj-cs"/>
+            </a:endParaRPr>
+          </a:p>
         </p:txBody>
       </p:sp>
     </p:spTree>
+    <p:extLst>
+      <p:ext uri="{BB962C8B-B14F-4D97-AF65-F5344CB8AC3E}">
+        <p14:creationId xmlns:p14="http://schemas.microsoft.com/office/powerpoint/2010/main" val="3242223119"/>
+      </p:ext>
+    </p:extLst>
   </p:cSld>
   <p:clrMapOvr>
     <a:masterClrMapping/>
@@ -12197,7 +13511,7 @@
         </p:nvSpPr>
         <p:spPr>
           <a:xfrm>
-            <a:off x="0" y="1707654"/>
+            <a:off x="0" y="1851670"/>
             <a:ext cx="9144000" cy="628650"/>
           </a:xfrm>
         </p:spPr>
@@ -12208,9 +13522,9 @@
           <a:lstStyle/>
           <a:p>
             <a:r>
-              <a:rPr lang="zh-CN" altLang="en-US" sz="6000" b="1" dirty="0" smtClean="0">
-                <a:solidFill>
-                  <a:srgbClr val="660033"/>
+              <a:rPr lang="zh-CN" altLang="en-US" sz="6000" b="1" dirty="0">
+                <a:solidFill>
+                  <a:srgbClr val="000066"/>
                 </a:solidFill>
                 <a:effectLst>
                   <a:outerShdw blurRad="38100" dist="38100" dir="2700000" algn="tl">
@@ -12222,11 +13536,11 @@
                 <a:latin typeface="微軟正黑體" pitchFamily="34" charset="-120"/>
                 <a:ea typeface="微軟正黑體" pitchFamily="34" charset="-120"/>
               </a:rPr>
-              <a:t>提摩太詩班</a:t>
+              <a:t>始禮禱告</a:t>
             </a:r>
             <a:endParaRPr lang="zh-TW" altLang="en-US" sz="6000" b="1" dirty="0">
               <a:solidFill>
-                <a:srgbClr val="660033"/>
+                <a:srgbClr val="000066"/>
               </a:solidFill>
               <a:effectLst>
                 <a:outerShdw blurRad="38100" dist="38100" dir="2700000" algn="tl">
@@ -12243,46 +13557,52 @@
       </p:sp>
       <p:sp>
         <p:nvSpPr>
-          <p:cNvPr id="3" name="標題 1"/>
-          <p:cNvSpPr txBox="1">
-            <a:spLocks/>
-          </p:cNvSpPr>
+          <p:cNvPr id="3" name="矩形 2"/>
+          <p:cNvSpPr/>
           <p:nvPr/>
         </p:nvSpPr>
         <p:spPr>
           <a:xfrm>
-            <a:off x="0" y="2427734"/>
-            <a:ext cx="9144000" cy="628650"/>
+            <a:off x="4557" y="2512683"/>
+            <a:ext cx="9144000" cy="646331"/>
           </a:xfrm>
           <a:prstGeom prst="rect">
             <a:avLst/>
           </a:prstGeom>
         </p:spPr>
         <p:txBody>
-          <a:bodyPr vert="horz" lIns="91440" tIns="45720" rIns="91440" bIns="45720" rtlCol="0" anchor="ctr">
-            <a:noAutofit/>
+          <a:bodyPr wrap="square">
+            <a:spAutoFit/>
           </a:bodyPr>
-          <a:lstStyle>
-            <a:lvl1pPr algn="ctr" defTabSz="914400" rtl="0" eaLnBrk="1" latinLnBrk="0" hangingPunct="1">
+          <a:lstStyle/>
+          <a:p>
+            <a:pPr algn="ctr">
               <a:spcBef>
                 <a:spcPct val="0"/>
               </a:spcBef>
-              <a:buNone/>
-              <a:defRPr sz="4400" kern="1200">
-                <a:solidFill>
-                  <a:schemeClr val="tx1"/>
-                </a:solidFill>
-                <a:latin typeface="+mj-lt"/>
-                <a:ea typeface="+mj-ea"/>
-                <a:cs typeface="+mj-cs"/>
-              </a:defRPr>
-            </a:lvl1pPr>
-          </a:lstStyle>
-          <a:p>
+            </a:pPr>
+            <a:r>
+              <a:rPr lang="en-US" altLang="zh-TW" sz="3600" b="1" dirty="0" err="1">
+                <a:solidFill>
+                  <a:srgbClr val="660033"/>
+                </a:solidFill>
+                <a:effectLst>
+                  <a:outerShdw blurRad="38100" dist="38100" dir="2700000" algn="tl">
+                    <a:srgbClr val="000000">
+                      <a:alpha val="43137"/>
+                    </a:srgbClr>
+                  </a:outerShdw>
+                </a:effectLst>
+                <a:latin typeface="Arial" panose="020B0604020202020204" pitchFamily="34" charset="0"/>
+                <a:ea typeface="微軟正黑體" pitchFamily="34" charset="-120"/>
+                <a:cs typeface="Arial" panose="020B0604020202020204" pitchFamily="34" charset="0"/>
+              </a:rPr>
+              <a:t>Cầu</a:t>
+            </a:r>
             <a:r>
               <a:rPr lang="en-US" altLang="zh-TW" sz="3600" b="1" dirty="0">
                 <a:solidFill>
-                  <a:srgbClr val="000066"/>
+                  <a:srgbClr val="660033"/>
                 </a:solidFill>
                 <a:effectLst>
                   <a:outerShdw blurRad="38100" dist="38100" dir="2700000" algn="tl">
@@ -12295,12 +13615,12 @@
                 <a:ea typeface="微軟正黑體" pitchFamily="34" charset="-120"/>
                 <a:cs typeface="Arial" panose="020B0604020202020204" pitchFamily="34" charset="0"/>
               </a:rPr>
-              <a:t>Ban </a:t>
+              <a:t> </a:t>
             </a:r>
             <a:r>
               <a:rPr lang="en-US" altLang="zh-TW" sz="3600" b="1" dirty="0" err="1">
                 <a:solidFill>
-                  <a:srgbClr val="000066"/>
+                  <a:srgbClr val="660033"/>
                 </a:solidFill>
                 <a:effectLst>
                   <a:outerShdw blurRad="38100" dist="38100" dir="2700000" algn="tl">
@@ -12313,12 +13633,12 @@
                 <a:ea typeface="微軟正黑體" pitchFamily="34" charset="-120"/>
                 <a:cs typeface="Arial" panose="020B0604020202020204" pitchFamily="34" charset="0"/>
               </a:rPr>
-              <a:t>hát</a:t>
+              <a:t>nguyện</a:t>
             </a:r>
             <a:r>
               <a:rPr lang="en-US" altLang="zh-TW" sz="3600" b="1" dirty="0">
                 <a:solidFill>
-                  <a:srgbClr val="000066"/>
+                  <a:srgbClr val="660033"/>
                 </a:solidFill>
                 <a:effectLst>
                   <a:outerShdw blurRad="38100" dist="38100" dir="2700000" algn="tl">
@@ -12336,7 +13656,7 @@
             <a:r>
               <a:rPr lang="en-US" altLang="zh-TW" sz="3600" b="1" dirty="0" err="1">
                 <a:solidFill>
-                  <a:srgbClr val="000066"/>
+                  <a:srgbClr val="660033"/>
                 </a:solidFill>
                 <a:effectLst>
                   <a:outerShdw blurRad="38100" dist="38100" dir="2700000" algn="tl">
@@ -12349,11 +13669,47 @@
                 <a:ea typeface="微軟正黑體" pitchFamily="34" charset="-120"/>
                 <a:cs typeface="Arial" panose="020B0604020202020204" pitchFamily="34" charset="0"/>
               </a:rPr>
-              <a:t>Giô-sép</a:t>
+              <a:t>khai</a:t>
+            </a:r>
+            <a:r>
+              <a:rPr lang="en-US" altLang="zh-TW" sz="3600" b="1" dirty="0">
+                <a:solidFill>
+                  <a:srgbClr val="660033"/>
+                </a:solidFill>
+                <a:effectLst>
+                  <a:outerShdw blurRad="38100" dist="38100" dir="2700000" algn="tl">
+                    <a:srgbClr val="000000">
+                      <a:alpha val="43137"/>
+                    </a:srgbClr>
+                  </a:outerShdw>
+                </a:effectLst>
+                <a:latin typeface="Arial" panose="020B0604020202020204" pitchFamily="34" charset="0"/>
+                <a:ea typeface="微軟正黑體" pitchFamily="34" charset="-120"/>
+                <a:cs typeface="Arial" panose="020B0604020202020204" pitchFamily="34" charset="0"/>
+              </a:rPr>
+              <a:t> </a:t>
+            </a:r>
+            <a:r>
+              <a:rPr lang="en-US" altLang="zh-TW" sz="3600" b="1" dirty="0" err="1">
+                <a:solidFill>
+                  <a:srgbClr val="660033"/>
+                </a:solidFill>
+                <a:effectLst>
+                  <a:outerShdw blurRad="38100" dist="38100" dir="2700000" algn="tl">
+                    <a:srgbClr val="000000">
+                      <a:alpha val="43137"/>
+                    </a:srgbClr>
+                  </a:outerShdw>
+                </a:effectLst>
+                <a:latin typeface="Arial" panose="020B0604020202020204" pitchFamily="34" charset="0"/>
+                <a:ea typeface="微軟正黑體" pitchFamily="34" charset="-120"/>
+                <a:cs typeface="Arial" panose="020B0604020202020204" pitchFamily="34" charset="0"/>
+              </a:rPr>
+              <a:t>lễ</a:t>
             </a:r>
             <a:endParaRPr lang="zh-TW" altLang="en-US" sz="3600" b="1" dirty="0">
               <a:solidFill>
-                <a:srgbClr val="000066"/>
+                <a:srgbClr val="660033"/>
               </a:solidFill>
               <a:effectLst>
                 <a:outerShdw blurRad="38100" dist="38100" dir="2700000" algn="tl">
@@ -12370,11 +13726,6 @@
         </p:txBody>
       </p:sp>
     </p:spTree>
-    <p:extLst>
-      <p:ext uri="{BB962C8B-B14F-4D97-AF65-F5344CB8AC3E}">
-        <p14:creationId xmlns:p14="http://schemas.microsoft.com/office/powerpoint/2010/main" val="1232994441"/>
-      </p:ext>
-    </p:extLst>
   </p:cSld>
   <p:clrMapOvr>
     <a:masterClrMapping/>
@@ -12418,7 +13769,7 @@
         </p:nvSpPr>
         <p:spPr>
           <a:xfrm>
-            <a:off x="-16695" y="1563638"/>
+            <a:off x="0" y="1707654"/>
             <a:ext cx="9144000" cy="628650"/>
           </a:xfrm>
         </p:spPr>
@@ -12428,11 +13779,10 @@
           </a:bodyPr>
           <a:lstStyle/>
           <a:p>
-            <a:pPr algn="ctr"/>
-            <a:r>
-              <a:rPr lang="zh-CN" altLang="en-US" sz="7200" b="1" dirty="0" smtClean="0">
-                <a:solidFill>
-                  <a:srgbClr val="000066"/>
+            <a:r>
+              <a:rPr lang="zh-CN" altLang="en-US" sz="6000" b="1" dirty="0" smtClean="0">
+                <a:solidFill>
+                  <a:srgbClr val="660033"/>
                 </a:solidFill>
                 <a:effectLst>
                   <a:outerShdw blurRad="38100" dist="38100" dir="2700000" algn="tl">
@@ -12444,268 +13794,9 @@
                 <a:latin typeface="微軟正黑體" pitchFamily="34" charset="-120"/>
                 <a:ea typeface="微軟正黑體" pitchFamily="34" charset="-120"/>
               </a:rPr>
-              <a:t>啟應經文</a:t>
-            </a:r>
-            <a:r>
-              <a:rPr lang="en-US" altLang="zh-CN" sz="7200" b="1" dirty="0" smtClean="0">
-                <a:solidFill>
-                  <a:srgbClr val="000066"/>
-                </a:solidFill>
-                <a:effectLst>
-                  <a:outerShdw blurRad="38100" dist="38100" dir="2700000" algn="tl">
-                    <a:srgbClr val="000000">
-                      <a:alpha val="43137"/>
-                    </a:srgbClr>
-                  </a:outerShdw>
-                </a:effectLst>
-                <a:latin typeface="微軟正黑體" pitchFamily="34" charset="-120"/>
-                <a:ea typeface="微軟正黑體" pitchFamily="34" charset="-120"/>
-              </a:rPr>
-              <a:t/>
-            </a:r>
-            <a:br>
-              <a:rPr lang="en-US" altLang="zh-CN" sz="7200" b="1" dirty="0" smtClean="0">
-                <a:solidFill>
-                  <a:srgbClr val="000066"/>
-                </a:solidFill>
-                <a:effectLst>
-                  <a:outerShdw blurRad="38100" dist="38100" dir="2700000" algn="tl">
-                    <a:srgbClr val="000000">
-                      <a:alpha val="43137"/>
-                    </a:srgbClr>
-                  </a:outerShdw>
-                </a:effectLst>
-                <a:latin typeface="微軟正黑體" pitchFamily="34" charset="-120"/>
-                <a:ea typeface="微軟正黑體" pitchFamily="34" charset="-120"/>
-              </a:rPr>
-            </a:br>
-            <a:r>
-              <a:rPr lang="en-US" altLang="zh-CN" sz="4800" b="1" dirty="0" err="1" smtClean="0">
-                <a:solidFill>
-                  <a:srgbClr val="660033"/>
-                </a:solidFill>
-                <a:effectLst>
-                  <a:outerShdw blurRad="38100" dist="38100" dir="2700000" algn="tl">
-                    <a:srgbClr val="000000">
-                      <a:alpha val="43137"/>
-                    </a:srgbClr>
-                  </a:outerShdw>
-                </a:effectLst>
-                <a:latin typeface="Times New Roman" pitchFamily="18" charset="0"/>
-                <a:ea typeface="微軟正黑體" pitchFamily="34" charset="-120"/>
-                <a:cs typeface="Times New Roman" pitchFamily="18" charset="0"/>
-              </a:rPr>
-              <a:t>Kinh</a:t>
-            </a:r>
-            <a:r>
-              <a:rPr lang="en-US" altLang="zh-CN" sz="4800" b="1" dirty="0" smtClean="0">
-                <a:solidFill>
-                  <a:srgbClr val="660033"/>
-                </a:solidFill>
-                <a:effectLst>
-                  <a:outerShdw blurRad="38100" dist="38100" dir="2700000" algn="tl">
-                    <a:srgbClr val="000000">
-                      <a:alpha val="43137"/>
-                    </a:srgbClr>
-                  </a:outerShdw>
-                </a:effectLst>
-                <a:latin typeface="Times New Roman" pitchFamily="18" charset="0"/>
-                <a:ea typeface="微軟正黑體" pitchFamily="34" charset="-120"/>
-                <a:cs typeface="Times New Roman" pitchFamily="18" charset="0"/>
-              </a:rPr>
-              <a:t> </a:t>
-            </a:r>
-            <a:r>
-              <a:rPr lang="en-US" altLang="zh-CN" sz="4800" b="1" dirty="0" err="1" smtClean="0">
-                <a:solidFill>
-                  <a:srgbClr val="660033"/>
-                </a:solidFill>
-                <a:effectLst>
-                  <a:outerShdw blurRad="38100" dist="38100" dir="2700000" algn="tl">
-                    <a:srgbClr val="000000">
-                      <a:alpha val="43137"/>
-                    </a:srgbClr>
-                  </a:outerShdw>
-                </a:effectLst>
-                <a:latin typeface="Times New Roman" pitchFamily="18" charset="0"/>
-                <a:ea typeface="微軟正黑體" pitchFamily="34" charset="-120"/>
-                <a:cs typeface="Times New Roman" pitchFamily="18" charset="0"/>
-              </a:rPr>
-              <a:t>thánh</a:t>
-            </a:r>
-            <a:r>
-              <a:rPr lang="en-US" altLang="zh-CN" sz="4800" b="1" dirty="0" smtClean="0">
-                <a:solidFill>
-                  <a:srgbClr val="660033"/>
-                </a:solidFill>
-                <a:effectLst>
-                  <a:outerShdw blurRad="38100" dist="38100" dir="2700000" algn="tl">
-                    <a:srgbClr val="000000">
-                      <a:alpha val="43137"/>
-                    </a:srgbClr>
-                  </a:outerShdw>
-                </a:effectLst>
-                <a:latin typeface="Times New Roman" pitchFamily="18" charset="0"/>
-                <a:ea typeface="微軟正黑體" pitchFamily="34" charset="-120"/>
-                <a:cs typeface="Times New Roman" pitchFamily="18" charset="0"/>
-              </a:rPr>
-              <a:t> </a:t>
-            </a:r>
-            <a:r>
-              <a:rPr lang="en-US" altLang="zh-CN" sz="4800" b="1" dirty="0" err="1" smtClean="0">
-                <a:solidFill>
-                  <a:srgbClr val="660033"/>
-                </a:solidFill>
-                <a:effectLst>
-                  <a:outerShdw blurRad="38100" dist="38100" dir="2700000" algn="tl">
-                    <a:srgbClr val="000000">
-                      <a:alpha val="43137"/>
-                    </a:srgbClr>
-                  </a:outerShdw>
-                </a:effectLst>
-                <a:latin typeface="Times New Roman" pitchFamily="18" charset="0"/>
-                <a:ea typeface="微軟正黑體" pitchFamily="34" charset="-120"/>
-                <a:cs typeface="Times New Roman" pitchFamily="18" charset="0"/>
-              </a:rPr>
-              <a:t>đối</a:t>
-            </a:r>
-            <a:r>
-              <a:rPr lang="en-US" altLang="zh-CN" sz="4800" b="1" dirty="0" smtClean="0">
-                <a:solidFill>
-                  <a:srgbClr val="660033"/>
-                </a:solidFill>
-                <a:effectLst>
-                  <a:outerShdw blurRad="38100" dist="38100" dir="2700000" algn="tl">
-                    <a:srgbClr val="000000">
-                      <a:alpha val="43137"/>
-                    </a:srgbClr>
-                  </a:outerShdw>
-                </a:effectLst>
-                <a:latin typeface="Times New Roman" pitchFamily="18" charset="0"/>
-                <a:ea typeface="微軟正黑體" pitchFamily="34" charset="-120"/>
-                <a:cs typeface="Times New Roman" pitchFamily="18" charset="0"/>
-              </a:rPr>
-              <a:t> </a:t>
-            </a:r>
-            <a:r>
-              <a:rPr lang="en-US" altLang="zh-CN" sz="4800" b="1" dirty="0" err="1" smtClean="0">
-                <a:solidFill>
-                  <a:srgbClr val="660033"/>
-                </a:solidFill>
-                <a:effectLst>
-                  <a:outerShdw blurRad="38100" dist="38100" dir="2700000" algn="tl">
-                    <a:srgbClr val="000000">
-                      <a:alpha val="43137"/>
-                    </a:srgbClr>
-                  </a:outerShdw>
-                </a:effectLst>
-                <a:latin typeface="Times New Roman" pitchFamily="18" charset="0"/>
-                <a:ea typeface="微軟正黑體" pitchFamily="34" charset="-120"/>
-                <a:cs typeface="Times New Roman" pitchFamily="18" charset="0"/>
-              </a:rPr>
-              <a:t>đáp</a:t>
-            </a:r>
-            <a:endParaRPr lang="zh-TW" altLang="en-US" sz="7200" b="1" dirty="0">
-              <a:solidFill>
-                <a:srgbClr val="660033"/>
-              </a:solidFill>
-              <a:effectLst>
-                <a:outerShdw blurRad="38100" dist="38100" dir="2700000" algn="tl">
-                  <a:srgbClr val="000000">
-                    <a:alpha val="43137"/>
-                  </a:srgbClr>
-                </a:outerShdw>
-              </a:effectLst>
-              <a:latin typeface="Times New Roman" pitchFamily="18" charset="0"/>
-              <a:ea typeface="微軟正黑體" pitchFamily="34" charset="-120"/>
-              <a:cs typeface="Times New Roman" pitchFamily="18" charset="0"/>
-            </a:endParaRPr>
-          </a:p>
-        </p:txBody>
-      </p:sp>
-      <p:sp>
-        <p:nvSpPr>
-          <p:cNvPr id="4" name="標題 1"/>
-          <p:cNvSpPr txBox="1">
-            <a:spLocks/>
-          </p:cNvSpPr>
-          <p:nvPr/>
-        </p:nvSpPr>
-        <p:spPr>
-          <a:xfrm>
-            <a:off x="-16695" y="3405073"/>
-            <a:ext cx="9144000" cy="628650"/>
-          </a:xfrm>
-          <a:prstGeom prst="rect">
-            <a:avLst/>
-          </a:prstGeom>
-        </p:spPr>
-        <p:txBody>
-          <a:bodyPr anchor="ctr">
-            <a:noAutofit/>
-          </a:bodyPr>
-          <a:lstStyle/>
-          <a:p>
-            <a:pPr lvl="0" algn="ctr">
-              <a:spcBef>
-                <a:spcPct val="0"/>
-              </a:spcBef>
-            </a:pPr>
-            <a:r>
-              <a:rPr lang="en-US" altLang="zh-TW" sz="3600" b="1" dirty="0" smtClean="0">
-                <a:solidFill>
-                  <a:srgbClr val="660033"/>
-                </a:solidFill>
-                <a:effectLst>
-                  <a:outerShdw blurRad="38100" dist="38100" dir="2700000" algn="tl">
-                    <a:srgbClr val="000000">
-                      <a:alpha val="43137"/>
-                    </a:srgbClr>
-                  </a:outerShdw>
-                </a:effectLst>
-                <a:latin typeface="微軟正黑體" pitchFamily="34" charset="-120"/>
-                <a:ea typeface="微軟正黑體" pitchFamily="34" charset="-120"/>
-                <a:cs typeface="+mj-cs"/>
-              </a:rPr>
-              <a:t>96 “</a:t>
-            </a:r>
-            <a:r>
-              <a:rPr lang="zh-TW" altLang="en-US" sz="3600" b="1" dirty="0">
-                <a:solidFill>
-                  <a:srgbClr val="660033"/>
-                </a:solidFill>
-                <a:effectLst>
-                  <a:outerShdw blurRad="38100" dist="38100" dir="2700000" algn="tl">
-                    <a:srgbClr val="000000">
-                      <a:alpha val="43137"/>
-                    </a:srgbClr>
-                  </a:outerShdw>
-                </a:effectLst>
-                <a:latin typeface="微軟正黑體" pitchFamily="34" charset="-120"/>
-                <a:ea typeface="微軟正黑體" pitchFamily="34" charset="-120"/>
-                <a:cs typeface="+mj-cs"/>
-              </a:rPr>
-              <a:t>水禮</a:t>
-            </a:r>
-            <a:r>
-              <a:rPr lang="en-US" altLang="zh-TW" sz="3600" b="1" dirty="0" smtClean="0">
-                <a:solidFill>
-                  <a:srgbClr val="660033"/>
-                </a:solidFill>
-                <a:effectLst>
-                  <a:outerShdw blurRad="38100" dist="38100" dir="2700000" algn="tl">
-                    <a:srgbClr val="000000">
-                      <a:alpha val="43137"/>
-                    </a:srgbClr>
-                  </a:outerShdw>
-                </a:effectLst>
-                <a:latin typeface="微軟正黑體" pitchFamily="34" charset="-120"/>
-                <a:ea typeface="微軟正黑體" pitchFamily="34" charset="-120"/>
-                <a:cs typeface="+mj-cs"/>
-              </a:rPr>
-              <a:t>”</a:t>
-            </a:r>
-            <a:endParaRPr lang="zh-TW" altLang="en-US" sz="3600" b="1" dirty="0">
+              <a:t>提摩太詩班</a:t>
+            </a:r>
+            <a:endParaRPr lang="zh-TW" altLang="en-US" sz="6000" b="1" dirty="0">
               <a:solidFill>
                 <a:srgbClr val="660033"/>
               </a:solidFill>
@@ -12718,12 +13809,144 @@
               </a:effectLst>
               <a:latin typeface="微軟正黑體" pitchFamily="34" charset="-120"/>
               <a:ea typeface="微軟正黑體" pitchFamily="34" charset="-120"/>
-              <a:cs typeface="+mj-cs"/>
             </a:endParaRPr>
           </a:p>
         </p:txBody>
       </p:sp>
+      <p:sp>
+        <p:nvSpPr>
+          <p:cNvPr id="3" name="標題 1"/>
+          <p:cNvSpPr txBox="1">
+            <a:spLocks/>
+          </p:cNvSpPr>
+          <p:nvPr/>
+        </p:nvSpPr>
+        <p:spPr>
+          <a:xfrm>
+            <a:off x="0" y="2427734"/>
+            <a:ext cx="9144000" cy="628650"/>
+          </a:xfrm>
+          <a:prstGeom prst="rect">
+            <a:avLst/>
+          </a:prstGeom>
+        </p:spPr>
+        <p:txBody>
+          <a:bodyPr vert="horz" lIns="91440" tIns="45720" rIns="91440" bIns="45720" rtlCol="0" anchor="ctr">
+            <a:noAutofit/>
+          </a:bodyPr>
+          <a:lstStyle>
+            <a:lvl1pPr algn="ctr" defTabSz="914400" rtl="0" eaLnBrk="1" latinLnBrk="0" hangingPunct="1">
+              <a:spcBef>
+                <a:spcPct val="0"/>
+              </a:spcBef>
+              <a:buNone/>
+              <a:defRPr sz="4400" kern="1200">
+                <a:solidFill>
+                  <a:schemeClr val="tx1"/>
+                </a:solidFill>
+                <a:latin typeface="+mj-lt"/>
+                <a:ea typeface="+mj-ea"/>
+                <a:cs typeface="+mj-cs"/>
+              </a:defRPr>
+            </a:lvl1pPr>
+          </a:lstStyle>
+          <a:p>
+            <a:r>
+              <a:rPr lang="en-US" altLang="zh-TW" sz="3600" b="1" dirty="0">
+                <a:solidFill>
+                  <a:srgbClr val="000066"/>
+                </a:solidFill>
+                <a:effectLst>
+                  <a:outerShdw blurRad="38100" dist="38100" dir="2700000" algn="tl">
+                    <a:srgbClr val="000000">
+                      <a:alpha val="43137"/>
+                    </a:srgbClr>
+                  </a:outerShdw>
+                </a:effectLst>
+                <a:latin typeface="Arial" panose="020B0604020202020204" pitchFamily="34" charset="0"/>
+                <a:ea typeface="微軟正黑體" pitchFamily="34" charset="-120"/>
+                <a:cs typeface="Arial" panose="020B0604020202020204" pitchFamily="34" charset="0"/>
+              </a:rPr>
+              <a:t>Ban </a:t>
+            </a:r>
+            <a:r>
+              <a:rPr lang="en-US" altLang="zh-TW" sz="3600" b="1" dirty="0" err="1">
+                <a:solidFill>
+                  <a:srgbClr val="000066"/>
+                </a:solidFill>
+                <a:effectLst>
+                  <a:outerShdw blurRad="38100" dist="38100" dir="2700000" algn="tl">
+                    <a:srgbClr val="000000">
+                      <a:alpha val="43137"/>
+                    </a:srgbClr>
+                  </a:outerShdw>
+                </a:effectLst>
+                <a:latin typeface="Arial" panose="020B0604020202020204" pitchFamily="34" charset="0"/>
+                <a:ea typeface="微軟正黑體" pitchFamily="34" charset="-120"/>
+                <a:cs typeface="Arial" panose="020B0604020202020204" pitchFamily="34" charset="0"/>
+              </a:rPr>
+              <a:t>hát</a:t>
+            </a:r>
+            <a:r>
+              <a:rPr lang="en-US" altLang="zh-TW" sz="3600" b="1" dirty="0">
+                <a:solidFill>
+                  <a:srgbClr val="000066"/>
+                </a:solidFill>
+                <a:effectLst>
+                  <a:outerShdw blurRad="38100" dist="38100" dir="2700000" algn="tl">
+                    <a:srgbClr val="000000">
+                      <a:alpha val="43137"/>
+                    </a:srgbClr>
+                  </a:outerShdw>
+                </a:effectLst>
+                <a:latin typeface="Arial" panose="020B0604020202020204" pitchFamily="34" charset="0"/>
+                <a:ea typeface="微軟正黑體" pitchFamily="34" charset="-120"/>
+                <a:cs typeface="Arial" panose="020B0604020202020204" pitchFamily="34" charset="0"/>
+              </a:rPr>
+              <a:t> </a:t>
+            </a:r>
+            <a:r>
+              <a:rPr lang="en-US" altLang="zh-TW" sz="3600" b="1" dirty="0" err="1">
+                <a:solidFill>
+                  <a:srgbClr val="000066"/>
+                </a:solidFill>
+                <a:effectLst>
+                  <a:outerShdw blurRad="38100" dist="38100" dir="2700000" algn="tl">
+                    <a:srgbClr val="000000">
+                      <a:alpha val="43137"/>
+                    </a:srgbClr>
+                  </a:outerShdw>
+                </a:effectLst>
+                <a:latin typeface="Arial" panose="020B0604020202020204" pitchFamily="34" charset="0"/>
+                <a:ea typeface="微軟正黑體" pitchFamily="34" charset="-120"/>
+                <a:cs typeface="Arial" panose="020B0604020202020204" pitchFamily="34" charset="0"/>
+              </a:rPr>
+              <a:t>Giô-sép</a:t>
+            </a:r>
+            <a:endParaRPr lang="zh-TW" altLang="en-US" sz="3600" b="1" dirty="0">
+              <a:solidFill>
+                <a:srgbClr val="000066"/>
+              </a:solidFill>
+              <a:effectLst>
+                <a:outerShdw blurRad="38100" dist="38100" dir="2700000" algn="tl">
+                  <a:srgbClr val="000000">
+                    <a:alpha val="43137"/>
+                  </a:srgbClr>
+                </a:outerShdw>
+              </a:effectLst>
+              <a:latin typeface="Arial" panose="020B0604020202020204" pitchFamily="34" charset="0"/>
+              <a:ea typeface="微軟正黑體" pitchFamily="34" charset="-120"/>
+              <a:cs typeface="Arial" panose="020B0604020202020204" pitchFamily="34" charset="0"/>
+            </a:endParaRPr>
+          </a:p>
+        </p:txBody>
+      </p:sp>
     </p:spTree>
+    <p:extLst>
+      <p:ext uri="{BB962C8B-B14F-4D97-AF65-F5344CB8AC3E}">
+        <p14:creationId xmlns:p14="http://schemas.microsoft.com/office/powerpoint/2010/main" val="1232994441"/>
+      </p:ext>
+    </p:extLst>
   </p:cSld>
   <p:clrMapOvr>
     <a:masterClrMapping/>
@@ -12757,25 +13980,31 @@
       </p:grpSpPr>
       <p:sp>
         <p:nvSpPr>
-          <p:cNvPr id="2" name="Title 1"/>
+          <p:cNvPr id="2" name="標題 1"/>
           <p:cNvSpPr>
             <a:spLocks noGrp="1"/>
           </p:cNvSpPr>
           <p:nvPr>
-            <p:ph type="ctrTitle"/>
+            <p:ph type="title" idx="4294967295"/>
           </p:nvPr>
         </p:nvSpPr>
-        <p:spPr/>
+        <p:spPr>
+          <a:xfrm>
+            <a:off x="-16695" y="1563638"/>
+            <a:ext cx="9144000" cy="628650"/>
+          </a:xfrm>
+        </p:spPr>
         <p:txBody>
           <a:bodyPr>
-            <a:normAutofit fontScale="90000"/>
+            <a:noAutofit/>
           </a:bodyPr>
           <a:lstStyle/>
           <a:p>
-            <a:r>
-              <a:rPr lang="zh-CN" altLang="en-US" sz="8000" b="1" dirty="0" smtClean="0">
-                <a:solidFill>
-                  <a:srgbClr val="660033"/>
+            <a:pPr algn="ctr"/>
+            <a:r>
+              <a:rPr lang="zh-CN" altLang="en-US" sz="7200" b="1" dirty="0" smtClean="0">
+                <a:solidFill>
+                  <a:srgbClr val="000066"/>
                 </a:solidFill>
                 <a:effectLst>
                   <a:outerShdw blurRad="38100" dist="38100" dir="2700000" algn="tl">
@@ -12787,9 +14016,268 @@
                 <a:latin typeface="微軟正黑體" pitchFamily="34" charset="-120"/>
                 <a:ea typeface="微軟正黑體" pitchFamily="34" charset="-120"/>
               </a:rPr>
+              <a:t>啟應經文</a:t>
+            </a:r>
+            <a:r>
+              <a:rPr lang="en-US" altLang="zh-CN" sz="7200" b="1" dirty="0" smtClean="0">
+                <a:solidFill>
+                  <a:srgbClr val="000066"/>
+                </a:solidFill>
+                <a:effectLst>
+                  <a:outerShdw blurRad="38100" dist="38100" dir="2700000" algn="tl">
+                    <a:srgbClr val="000000">
+                      <a:alpha val="43137"/>
+                    </a:srgbClr>
+                  </a:outerShdw>
+                </a:effectLst>
+                <a:latin typeface="微軟正黑體" pitchFamily="34" charset="-120"/>
+                <a:ea typeface="微軟正黑體" pitchFamily="34" charset="-120"/>
+              </a:rPr>
+              <a:t/>
+            </a:r>
+            <a:br>
+              <a:rPr lang="en-US" altLang="zh-CN" sz="7200" b="1" dirty="0" smtClean="0">
+                <a:solidFill>
+                  <a:srgbClr val="000066"/>
+                </a:solidFill>
+                <a:effectLst>
+                  <a:outerShdw blurRad="38100" dist="38100" dir="2700000" algn="tl">
+                    <a:srgbClr val="000000">
+                      <a:alpha val="43137"/>
+                    </a:srgbClr>
+                  </a:outerShdw>
+                </a:effectLst>
+                <a:latin typeface="微軟正黑體" pitchFamily="34" charset="-120"/>
+                <a:ea typeface="微軟正黑體" pitchFamily="34" charset="-120"/>
+              </a:rPr>
+            </a:br>
+            <a:r>
+              <a:rPr lang="en-US" altLang="zh-CN" sz="4800" b="1" dirty="0" err="1" smtClean="0">
+                <a:solidFill>
+                  <a:srgbClr val="660033"/>
+                </a:solidFill>
+                <a:effectLst>
+                  <a:outerShdw blurRad="38100" dist="38100" dir="2700000" algn="tl">
+                    <a:srgbClr val="000000">
+                      <a:alpha val="43137"/>
+                    </a:srgbClr>
+                  </a:outerShdw>
+                </a:effectLst>
+                <a:latin typeface="Times New Roman" pitchFamily="18" charset="0"/>
+                <a:ea typeface="微軟正黑體" pitchFamily="34" charset="-120"/>
+                <a:cs typeface="Times New Roman" pitchFamily="18" charset="0"/>
+              </a:rPr>
+              <a:t>Kinh</a:t>
+            </a:r>
+            <a:r>
+              <a:rPr lang="en-US" altLang="zh-CN" sz="4800" b="1" dirty="0" smtClean="0">
+                <a:solidFill>
+                  <a:srgbClr val="660033"/>
+                </a:solidFill>
+                <a:effectLst>
+                  <a:outerShdw blurRad="38100" dist="38100" dir="2700000" algn="tl">
+                    <a:srgbClr val="000000">
+                      <a:alpha val="43137"/>
+                    </a:srgbClr>
+                  </a:outerShdw>
+                </a:effectLst>
+                <a:latin typeface="Times New Roman" pitchFamily="18" charset="0"/>
+                <a:ea typeface="微軟正黑體" pitchFamily="34" charset="-120"/>
+                <a:cs typeface="Times New Roman" pitchFamily="18" charset="0"/>
+              </a:rPr>
+              <a:t> </a:t>
+            </a:r>
+            <a:r>
+              <a:rPr lang="en-US" altLang="zh-CN" sz="4800" b="1" dirty="0" err="1" smtClean="0">
+                <a:solidFill>
+                  <a:srgbClr val="660033"/>
+                </a:solidFill>
+                <a:effectLst>
+                  <a:outerShdw blurRad="38100" dist="38100" dir="2700000" algn="tl">
+                    <a:srgbClr val="000000">
+                      <a:alpha val="43137"/>
+                    </a:srgbClr>
+                  </a:outerShdw>
+                </a:effectLst>
+                <a:latin typeface="Times New Roman" pitchFamily="18" charset="0"/>
+                <a:ea typeface="微軟正黑體" pitchFamily="34" charset="-120"/>
+                <a:cs typeface="Times New Roman" pitchFamily="18" charset="0"/>
+              </a:rPr>
+              <a:t>thánh</a:t>
+            </a:r>
+            <a:r>
+              <a:rPr lang="en-US" altLang="zh-CN" sz="4800" b="1" dirty="0" smtClean="0">
+                <a:solidFill>
+                  <a:srgbClr val="660033"/>
+                </a:solidFill>
+                <a:effectLst>
+                  <a:outerShdw blurRad="38100" dist="38100" dir="2700000" algn="tl">
+                    <a:srgbClr val="000000">
+                      <a:alpha val="43137"/>
+                    </a:srgbClr>
+                  </a:outerShdw>
+                </a:effectLst>
+                <a:latin typeface="Times New Roman" pitchFamily="18" charset="0"/>
+                <a:ea typeface="微軟正黑體" pitchFamily="34" charset="-120"/>
+                <a:cs typeface="Times New Roman" pitchFamily="18" charset="0"/>
+              </a:rPr>
+              <a:t> </a:t>
+            </a:r>
+            <a:r>
+              <a:rPr lang="en-US" altLang="zh-CN" sz="4800" b="1" dirty="0" err="1" smtClean="0">
+                <a:solidFill>
+                  <a:srgbClr val="660033"/>
+                </a:solidFill>
+                <a:effectLst>
+                  <a:outerShdw blurRad="38100" dist="38100" dir="2700000" algn="tl">
+                    <a:srgbClr val="000000">
+                      <a:alpha val="43137"/>
+                    </a:srgbClr>
+                  </a:outerShdw>
+                </a:effectLst>
+                <a:latin typeface="Times New Roman" pitchFamily="18" charset="0"/>
+                <a:ea typeface="微軟正黑體" pitchFamily="34" charset="-120"/>
+                <a:cs typeface="Times New Roman" pitchFamily="18" charset="0"/>
+              </a:rPr>
+              <a:t>đối</a:t>
+            </a:r>
+            <a:r>
+              <a:rPr lang="en-US" altLang="zh-CN" sz="4800" b="1" dirty="0" smtClean="0">
+                <a:solidFill>
+                  <a:srgbClr val="660033"/>
+                </a:solidFill>
+                <a:effectLst>
+                  <a:outerShdw blurRad="38100" dist="38100" dir="2700000" algn="tl">
+                    <a:srgbClr val="000000">
+                      <a:alpha val="43137"/>
+                    </a:srgbClr>
+                  </a:outerShdw>
+                </a:effectLst>
+                <a:latin typeface="Times New Roman" pitchFamily="18" charset="0"/>
+                <a:ea typeface="微軟正黑體" pitchFamily="34" charset="-120"/>
+                <a:cs typeface="Times New Roman" pitchFamily="18" charset="0"/>
+              </a:rPr>
+              <a:t> </a:t>
+            </a:r>
+            <a:r>
+              <a:rPr lang="en-US" altLang="zh-CN" sz="4800" b="1" dirty="0" err="1" smtClean="0">
+                <a:solidFill>
+                  <a:srgbClr val="660033"/>
+                </a:solidFill>
+                <a:effectLst>
+                  <a:outerShdw blurRad="38100" dist="38100" dir="2700000" algn="tl">
+                    <a:srgbClr val="000000">
+                      <a:alpha val="43137"/>
+                    </a:srgbClr>
+                  </a:outerShdw>
+                </a:effectLst>
+                <a:latin typeface="Times New Roman" pitchFamily="18" charset="0"/>
+                <a:ea typeface="微軟正黑體" pitchFamily="34" charset="-120"/>
+                <a:cs typeface="Times New Roman" pitchFamily="18" charset="0"/>
+              </a:rPr>
+              <a:t>đáp</a:t>
+            </a:r>
+            <a:endParaRPr lang="zh-TW" altLang="en-US" sz="7200" b="1" dirty="0">
+              <a:solidFill>
+                <a:srgbClr val="660033"/>
+              </a:solidFill>
+              <a:effectLst>
+                <a:outerShdw blurRad="38100" dist="38100" dir="2700000" algn="tl">
+                  <a:srgbClr val="000000">
+                    <a:alpha val="43137"/>
+                  </a:srgbClr>
+                </a:outerShdw>
+              </a:effectLst>
+              <a:latin typeface="Times New Roman" pitchFamily="18" charset="0"/>
+              <a:ea typeface="微軟正黑體" pitchFamily="34" charset="-120"/>
+              <a:cs typeface="Times New Roman" pitchFamily="18" charset="0"/>
+            </a:endParaRPr>
+          </a:p>
+        </p:txBody>
+      </p:sp>
+      <p:sp>
+        <p:nvSpPr>
+          <p:cNvPr id="4" name="標題 1"/>
+          <p:cNvSpPr txBox="1">
+            <a:spLocks/>
+          </p:cNvSpPr>
+          <p:nvPr/>
+        </p:nvSpPr>
+        <p:spPr>
+          <a:xfrm>
+            <a:off x="-16695" y="3405073"/>
+            <a:ext cx="9144000" cy="628650"/>
+          </a:xfrm>
+          <a:prstGeom prst="rect">
+            <a:avLst/>
+          </a:prstGeom>
+        </p:spPr>
+        <p:txBody>
+          <a:bodyPr anchor="ctr">
+            <a:noAutofit/>
+          </a:bodyPr>
+          <a:lstStyle/>
+          <a:p>
+            <a:pPr lvl="0" algn="ctr">
+              <a:spcBef>
+                <a:spcPct val="0"/>
+              </a:spcBef>
+            </a:pPr>
+            <a:r>
+              <a:rPr lang="en-US" altLang="zh-TW" sz="3600" b="1" dirty="0" smtClean="0">
+                <a:solidFill>
+                  <a:srgbClr val="660033"/>
+                </a:solidFill>
+                <a:effectLst>
+                  <a:outerShdw blurRad="38100" dist="38100" dir="2700000" algn="tl">
+                    <a:srgbClr val="000000">
+                      <a:alpha val="43137"/>
+                    </a:srgbClr>
+                  </a:outerShdw>
+                </a:effectLst>
+                <a:latin typeface="微軟正黑體" pitchFamily="34" charset="-120"/>
+                <a:ea typeface="微軟正黑體" pitchFamily="34" charset="-120"/>
+                <a:cs typeface="+mj-cs"/>
+              </a:rPr>
+              <a:t>96 “</a:t>
+            </a:r>
+            <a:r>
+              <a:rPr lang="zh-TW" altLang="en-US" sz="3600" b="1" dirty="0">
+                <a:solidFill>
+                  <a:srgbClr val="660033"/>
+                </a:solidFill>
+                <a:effectLst>
+                  <a:outerShdw blurRad="38100" dist="38100" dir="2700000" algn="tl">
+                    <a:srgbClr val="000000">
+                      <a:alpha val="43137"/>
+                    </a:srgbClr>
+                  </a:outerShdw>
+                </a:effectLst>
+                <a:latin typeface="微軟正黑體" pitchFamily="34" charset="-120"/>
+                <a:ea typeface="微軟正黑體" pitchFamily="34" charset="-120"/>
+                <a:cs typeface="+mj-cs"/>
+              </a:rPr>
               <a:t>水禮</a:t>
             </a:r>
-            <a:endParaRPr lang="en-US" sz="8000" b="1" dirty="0">
+            <a:r>
+              <a:rPr lang="en-US" altLang="zh-TW" sz="3600" b="1" dirty="0" smtClean="0">
+                <a:solidFill>
+                  <a:srgbClr val="660033"/>
+                </a:solidFill>
+                <a:effectLst>
+                  <a:outerShdw blurRad="38100" dist="38100" dir="2700000" algn="tl">
+                    <a:srgbClr val="000000">
+                      <a:alpha val="43137"/>
+                    </a:srgbClr>
+                  </a:outerShdw>
+                </a:effectLst>
+                <a:latin typeface="微軟正黑體" pitchFamily="34" charset="-120"/>
+                <a:ea typeface="微軟正黑體" pitchFamily="34" charset="-120"/>
+                <a:cs typeface="+mj-cs"/>
+              </a:rPr>
+              <a:t>”</a:t>
+            </a:r>
+            <a:endParaRPr lang="zh-TW" altLang="en-US" sz="3600" b="1" dirty="0">
               <a:solidFill>
                 <a:srgbClr val="660033"/>
               </a:solidFill>
@@ -12802,188 +14290,12 @@
               </a:effectLst>
               <a:latin typeface="微軟正黑體" pitchFamily="34" charset="-120"/>
               <a:ea typeface="微軟正黑體" pitchFamily="34" charset="-120"/>
+              <a:cs typeface="+mj-cs"/>
             </a:endParaRPr>
           </a:p>
         </p:txBody>
       </p:sp>
-      <p:sp>
-        <p:nvSpPr>
-          <p:cNvPr id="3" name="Subtitle 2"/>
-          <p:cNvSpPr>
-            <a:spLocks noGrp="1"/>
-          </p:cNvSpPr>
-          <p:nvPr>
-            <p:ph type="subTitle" idx="1"/>
-          </p:nvPr>
-        </p:nvSpPr>
-        <p:spPr>
-          <a:xfrm>
-            <a:off x="0" y="2914650"/>
-            <a:ext cx="9144000" cy="1314450"/>
-          </a:xfrm>
-        </p:spPr>
-        <p:txBody>
-          <a:bodyPr>
-            <a:normAutofit/>
-          </a:bodyPr>
-          <a:lstStyle/>
-          <a:p>
-            <a:r>
-              <a:rPr lang="zh-CN" altLang="en-US" b="1" dirty="0" smtClean="0">
-                <a:solidFill>
-                  <a:srgbClr val="000066"/>
-                </a:solidFill>
-                <a:latin typeface="微軟正黑體" pitchFamily="34" charset="-120"/>
-                <a:ea typeface="微軟正黑體" pitchFamily="34" charset="-120"/>
-              </a:rPr>
-              <a:t>太</a:t>
-            </a:r>
-            <a:r>
-              <a:rPr lang="en-US" altLang="zh-CN" b="1" dirty="0" smtClean="0">
-                <a:solidFill>
-                  <a:srgbClr val="000066"/>
-                </a:solidFill>
-                <a:latin typeface="微軟正黑體" pitchFamily="34" charset="-120"/>
-                <a:ea typeface="微軟正黑體" pitchFamily="34" charset="-120"/>
-              </a:rPr>
-              <a:t>3</a:t>
-            </a:r>
-            <a:r>
-              <a:rPr lang="zh-CN" altLang="en-US" b="1" dirty="0" smtClean="0">
-                <a:solidFill>
-                  <a:srgbClr val="000066"/>
-                </a:solidFill>
-                <a:latin typeface="微軟正黑體" pitchFamily="34" charset="-120"/>
-                <a:ea typeface="微軟正黑體" pitchFamily="34" charset="-120"/>
-              </a:rPr>
-              <a:t>：</a:t>
-            </a:r>
-            <a:r>
-              <a:rPr lang="en-US" altLang="zh-CN" b="1" dirty="0" smtClean="0">
-                <a:solidFill>
-                  <a:srgbClr val="000066"/>
-                </a:solidFill>
-                <a:latin typeface="微軟正黑體" pitchFamily="34" charset="-120"/>
-                <a:ea typeface="微軟正黑體" pitchFamily="34" charset="-120"/>
-              </a:rPr>
-              <a:t>13-17</a:t>
-            </a:r>
-            <a:r>
-              <a:rPr lang="zh-CN" altLang="en-US" b="1" dirty="0" smtClean="0">
-                <a:solidFill>
-                  <a:srgbClr val="000066"/>
-                </a:solidFill>
-                <a:latin typeface="微軟正黑體" pitchFamily="34" charset="-120"/>
-                <a:ea typeface="微軟正黑體" pitchFamily="34" charset="-120"/>
-              </a:rPr>
-              <a:t>；羅</a:t>
-            </a:r>
-            <a:r>
-              <a:rPr lang="en-US" altLang="zh-CN" b="1" dirty="0" smtClean="0">
-                <a:solidFill>
-                  <a:srgbClr val="000066"/>
-                </a:solidFill>
-                <a:latin typeface="微軟正黑體" pitchFamily="34" charset="-120"/>
-                <a:ea typeface="微軟正黑體" pitchFamily="34" charset="-120"/>
-              </a:rPr>
-              <a:t>6</a:t>
-            </a:r>
-            <a:r>
-              <a:rPr lang="zh-CN" altLang="en-US" b="1" dirty="0" smtClean="0">
-                <a:solidFill>
-                  <a:srgbClr val="000066"/>
-                </a:solidFill>
-                <a:latin typeface="微軟正黑體" pitchFamily="34" charset="-120"/>
-                <a:ea typeface="微軟正黑體" pitchFamily="34" charset="-120"/>
-              </a:rPr>
-              <a:t>：</a:t>
-            </a:r>
-            <a:r>
-              <a:rPr lang="en-US" altLang="zh-CN" b="1" dirty="0" smtClean="0">
-                <a:solidFill>
-                  <a:srgbClr val="000066"/>
-                </a:solidFill>
-                <a:latin typeface="微軟正黑體" pitchFamily="34" charset="-120"/>
-                <a:ea typeface="微軟正黑體" pitchFamily="34" charset="-120"/>
-              </a:rPr>
-              <a:t>4-6</a:t>
-            </a:r>
-            <a:r>
-              <a:rPr lang="zh-CN" altLang="en-US" b="1" dirty="0" smtClean="0">
-                <a:solidFill>
-                  <a:srgbClr val="000066"/>
-                </a:solidFill>
-                <a:latin typeface="微軟正黑體" pitchFamily="34" charset="-120"/>
-                <a:ea typeface="微軟正黑體" pitchFamily="34" charset="-120"/>
-              </a:rPr>
-              <a:t>，</a:t>
-            </a:r>
-            <a:r>
-              <a:rPr lang="en-US" altLang="zh-CN" b="1" dirty="0" smtClean="0">
-                <a:solidFill>
-                  <a:srgbClr val="000066"/>
-                </a:solidFill>
-                <a:latin typeface="微軟正黑體" pitchFamily="34" charset="-120"/>
-                <a:ea typeface="微軟正黑體" pitchFamily="34" charset="-120"/>
-              </a:rPr>
-              <a:t>11</a:t>
-            </a:r>
-            <a:r>
-              <a:rPr lang="zh-CN" altLang="en-US" b="1" dirty="0" smtClean="0">
-                <a:solidFill>
-                  <a:srgbClr val="000066"/>
-                </a:solidFill>
-                <a:latin typeface="微軟正黑體" pitchFamily="34" charset="-120"/>
-                <a:ea typeface="微軟正黑體" pitchFamily="34" charset="-120"/>
-              </a:rPr>
-              <a:t>；太</a:t>
-            </a:r>
-            <a:r>
-              <a:rPr lang="en-US" altLang="zh-CN" b="1" dirty="0" smtClean="0">
-                <a:solidFill>
-                  <a:srgbClr val="000066"/>
-                </a:solidFill>
-                <a:latin typeface="微軟正黑體" pitchFamily="34" charset="-120"/>
-                <a:ea typeface="微軟正黑體" pitchFamily="34" charset="-120"/>
-              </a:rPr>
-              <a:t>28</a:t>
-            </a:r>
-            <a:r>
-              <a:rPr lang="zh-CN" altLang="en-US" b="1" dirty="0" smtClean="0">
-                <a:solidFill>
-                  <a:srgbClr val="000066"/>
-                </a:solidFill>
-                <a:latin typeface="微軟正黑體" pitchFamily="34" charset="-120"/>
-                <a:ea typeface="微軟正黑體" pitchFamily="34" charset="-120"/>
-              </a:rPr>
-              <a:t>：</a:t>
-            </a:r>
-            <a:r>
-              <a:rPr lang="en-US" altLang="zh-CN" b="1" dirty="0" smtClean="0">
-                <a:solidFill>
-                  <a:srgbClr val="000066"/>
-                </a:solidFill>
-                <a:latin typeface="微軟正黑體" pitchFamily="34" charset="-120"/>
-                <a:ea typeface="微軟正黑體" pitchFamily="34" charset="-120"/>
-              </a:rPr>
-              <a:t>19-20</a:t>
-            </a:r>
-            <a:endParaRPr lang="en-US" b="1" dirty="0">
-              <a:solidFill>
-                <a:srgbClr val="000066"/>
-              </a:solidFill>
-              <a:latin typeface="微軟正黑體" pitchFamily="34" charset="-120"/>
-              <a:ea typeface="微軟正黑體" pitchFamily="34" charset="-120"/>
-            </a:endParaRPr>
-          </a:p>
-        </p:txBody>
-      </p:sp>
     </p:spTree>
-    <p:extLst>
-      <p:ext uri="{BB962C8B-B14F-4D97-AF65-F5344CB8AC3E}">
-        <p14:creationId xmlns:p14="http://schemas.microsoft.com/office/powerpoint/2010/main" val="3012944643"/>
-      </p:ext>
-    </p:extLst>
   </p:cSld>
   <p:clrMapOvr>
     <a:masterClrMapping/>
@@ -13017,39 +14329,220 @@
       </p:grpSpPr>
       <p:sp>
         <p:nvSpPr>
-          <p:cNvPr id="3" name="Content Placeholder 2"/>
+          <p:cNvPr id="2" name="Title 1"/>
           <p:cNvSpPr>
             <a:spLocks noGrp="1"/>
           </p:cNvSpPr>
           <p:nvPr>
-            <p:ph idx="1"/>
+            <p:ph type="ctrTitle"/>
+          </p:nvPr>
+        </p:nvSpPr>
+        <p:spPr/>
+        <p:txBody>
+          <a:bodyPr>
+            <a:normAutofit fontScale="90000"/>
+          </a:bodyPr>
+          <a:lstStyle/>
+          <a:p>
+            <a:r>
+              <a:rPr lang="zh-CN" altLang="en-US" sz="8000" b="1" dirty="0" smtClean="0">
+                <a:solidFill>
+                  <a:srgbClr val="660033"/>
+                </a:solidFill>
+                <a:effectLst>
+                  <a:outerShdw blurRad="38100" dist="38100" dir="2700000" algn="tl">
+                    <a:srgbClr val="000000">
+                      <a:alpha val="43137"/>
+                    </a:srgbClr>
+                  </a:outerShdw>
+                </a:effectLst>
+                <a:latin typeface="微軟正黑體" pitchFamily="34" charset="-120"/>
+                <a:ea typeface="微軟正黑體" pitchFamily="34" charset="-120"/>
+              </a:rPr>
+              <a:t>水禮</a:t>
+            </a:r>
+            <a:endParaRPr lang="en-US" sz="8000" b="1" dirty="0">
+              <a:solidFill>
+                <a:srgbClr val="660033"/>
+              </a:solidFill>
+              <a:effectLst>
+                <a:outerShdw blurRad="38100" dist="38100" dir="2700000" algn="tl">
+                  <a:srgbClr val="000000">
+                    <a:alpha val="43137"/>
+                  </a:srgbClr>
+                </a:outerShdw>
+              </a:effectLst>
+              <a:latin typeface="微軟正黑體" pitchFamily="34" charset="-120"/>
+              <a:ea typeface="微軟正黑體" pitchFamily="34" charset="-120"/>
+            </a:endParaRPr>
+          </a:p>
+        </p:txBody>
+      </p:sp>
+      <p:sp>
+        <p:nvSpPr>
+          <p:cNvPr id="3" name="Subtitle 2"/>
+          <p:cNvSpPr>
+            <a:spLocks noGrp="1"/>
+          </p:cNvSpPr>
+          <p:nvPr>
+            <p:ph type="subTitle" idx="1"/>
           </p:nvPr>
         </p:nvSpPr>
         <p:spPr>
           <a:xfrm>
-            <a:off x="0" y="0"/>
-            <a:ext cx="8839200" cy="2427734"/>
+            <a:off x="0" y="2914650"/>
+            <a:ext cx="9144000" cy="1314450"/>
           </a:xfrm>
         </p:spPr>
         <p:txBody>
           <a:bodyPr>
-            <a:noAutofit/>
+            <a:normAutofit/>
           </a:bodyPr>
           <a:lstStyle/>
           <a:p>
             <a:r>
-              <a:rPr lang="zh-TW" altLang="en-US" sz="4000" dirty="0" smtClean="0">
-                <a:solidFill>
-                  <a:srgbClr val="660033"/>
+              <a:rPr lang="zh-CN" altLang="en-US" b="1" dirty="0" smtClean="0">
+                <a:solidFill>
+                  <a:srgbClr val="000066"/>
                 </a:solidFill>
                 <a:latin typeface="微軟正黑體" pitchFamily="34" charset="-120"/>
                 <a:ea typeface="微軟正黑體" pitchFamily="34" charset="-120"/>
               </a:rPr>
-              <a:t>耶穌從加利利來到約但河，見了約翰，要受他的洗。約翰想要攔住他，說：「我當受你的洗，你反倒上我這裡來嗎？」</a:t>
-            </a:r>
-            <a:endParaRPr lang="en-US" altLang="zh-TW" sz="4000" dirty="0" smtClean="0">
+              <a:t>太</a:t>
+            </a:r>
+            <a:r>
+              <a:rPr lang="en-US" altLang="zh-CN" b="1" dirty="0" smtClean="0">
+                <a:solidFill>
+                  <a:srgbClr val="000066"/>
+                </a:solidFill>
+                <a:latin typeface="微軟正黑體" pitchFamily="34" charset="-120"/>
+                <a:ea typeface="微軟正黑體" pitchFamily="34" charset="-120"/>
+              </a:rPr>
+              <a:t>3</a:t>
+            </a:r>
+            <a:r>
+              <a:rPr lang="zh-CN" altLang="en-US" b="1" dirty="0" smtClean="0">
+                <a:solidFill>
+                  <a:srgbClr val="000066"/>
+                </a:solidFill>
+                <a:latin typeface="微軟正黑體" pitchFamily="34" charset="-120"/>
+                <a:ea typeface="微軟正黑體" pitchFamily="34" charset="-120"/>
+              </a:rPr>
+              <a:t>：</a:t>
+            </a:r>
+            <a:r>
+              <a:rPr lang="en-US" altLang="zh-CN" b="1" dirty="0" smtClean="0">
+                <a:solidFill>
+                  <a:srgbClr val="000066"/>
+                </a:solidFill>
+                <a:latin typeface="微軟正黑體" pitchFamily="34" charset="-120"/>
+                <a:ea typeface="微軟正黑體" pitchFamily="34" charset="-120"/>
+              </a:rPr>
+              <a:t>13-17</a:t>
+            </a:r>
+            <a:r>
+              <a:rPr lang="zh-CN" altLang="en-US" b="1" dirty="0" smtClean="0">
+                <a:solidFill>
+                  <a:srgbClr val="000066"/>
+                </a:solidFill>
+                <a:latin typeface="微軟正黑體" pitchFamily="34" charset="-120"/>
+                <a:ea typeface="微軟正黑體" pitchFamily="34" charset="-120"/>
+              </a:rPr>
+              <a:t>；羅</a:t>
+            </a:r>
+            <a:r>
+              <a:rPr lang="en-US" altLang="zh-CN" b="1" dirty="0" smtClean="0">
+                <a:solidFill>
+                  <a:srgbClr val="000066"/>
+                </a:solidFill>
+                <a:latin typeface="微軟正黑體" pitchFamily="34" charset="-120"/>
+                <a:ea typeface="微軟正黑體" pitchFamily="34" charset="-120"/>
+              </a:rPr>
+              <a:t>6</a:t>
+            </a:r>
+            <a:r>
+              <a:rPr lang="zh-CN" altLang="en-US" b="1" dirty="0" smtClean="0">
+                <a:solidFill>
+                  <a:srgbClr val="000066"/>
+                </a:solidFill>
+                <a:latin typeface="微軟正黑體" pitchFamily="34" charset="-120"/>
+                <a:ea typeface="微軟正黑體" pitchFamily="34" charset="-120"/>
+              </a:rPr>
+              <a:t>：</a:t>
+            </a:r>
+            <a:r>
+              <a:rPr lang="en-US" altLang="zh-CN" b="1" dirty="0" smtClean="0">
+                <a:solidFill>
+                  <a:srgbClr val="000066"/>
+                </a:solidFill>
+                <a:latin typeface="微軟正黑體" pitchFamily="34" charset="-120"/>
+                <a:ea typeface="微軟正黑體" pitchFamily="34" charset="-120"/>
+              </a:rPr>
+              <a:t>4-6</a:t>
+            </a:r>
+            <a:r>
+              <a:rPr lang="zh-CN" altLang="en-US" b="1" dirty="0" smtClean="0">
+                <a:solidFill>
+                  <a:srgbClr val="000066"/>
+                </a:solidFill>
+                <a:latin typeface="微軟正黑體" pitchFamily="34" charset="-120"/>
+                <a:ea typeface="微軟正黑體" pitchFamily="34" charset="-120"/>
+              </a:rPr>
+              <a:t>，</a:t>
+            </a:r>
+            <a:r>
+              <a:rPr lang="en-US" altLang="zh-CN" b="1" dirty="0" smtClean="0">
+                <a:solidFill>
+                  <a:srgbClr val="000066"/>
+                </a:solidFill>
+                <a:latin typeface="微軟正黑體" pitchFamily="34" charset="-120"/>
+                <a:ea typeface="微軟正黑體" pitchFamily="34" charset="-120"/>
+              </a:rPr>
+              <a:t>11</a:t>
+            </a:r>
+            <a:r>
+              <a:rPr lang="zh-CN" altLang="en-US" b="1" dirty="0" smtClean="0">
+                <a:solidFill>
+                  <a:srgbClr val="000066"/>
+                </a:solidFill>
+                <a:latin typeface="微軟正黑體" pitchFamily="34" charset="-120"/>
+                <a:ea typeface="微軟正黑體" pitchFamily="34" charset="-120"/>
+              </a:rPr>
+              <a:t>；太</a:t>
+            </a:r>
+            <a:r>
+              <a:rPr lang="en-US" altLang="zh-CN" b="1" dirty="0" smtClean="0">
+                <a:solidFill>
+                  <a:srgbClr val="000066"/>
+                </a:solidFill>
+                <a:latin typeface="微軟正黑體" pitchFamily="34" charset="-120"/>
+                <a:ea typeface="微軟正黑體" pitchFamily="34" charset="-120"/>
+              </a:rPr>
+              <a:t>28</a:t>
+            </a:r>
+            <a:r>
+              <a:rPr lang="zh-CN" altLang="en-US" b="1" dirty="0" smtClean="0">
+                <a:solidFill>
+                  <a:srgbClr val="000066"/>
+                </a:solidFill>
+                <a:latin typeface="微軟正黑體" pitchFamily="34" charset="-120"/>
+                <a:ea typeface="微軟正黑體" pitchFamily="34" charset="-120"/>
+              </a:rPr>
+              <a:t>：</a:t>
+            </a:r>
+            <a:r>
+              <a:rPr lang="en-US" altLang="zh-CN" b="1" dirty="0" smtClean="0">
+                <a:solidFill>
+                  <a:srgbClr val="000066"/>
+                </a:solidFill>
+                <a:latin typeface="微軟正黑體" pitchFamily="34" charset="-120"/>
+                <a:ea typeface="微軟正黑體" pitchFamily="34" charset="-120"/>
+              </a:rPr>
+              <a:t>19-20</a:t>
+            </a:r>
+            <a:endParaRPr lang="en-US" b="1" dirty="0">
               <a:solidFill>
-                <a:srgbClr val="660033"/>
+                <a:srgbClr val="000066"/>
               </a:solidFill>
               <a:latin typeface="微軟正黑體" pitchFamily="34" charset="-120"/>
               <a:ea typeface="微軟正黑體" pitchFamily="34" charset="-120"/>
@@ -13057,189 +14550,10 @@
           </a:p>
         </p:txBody>
       </p:sp>
-      <p:sp>
-        <p:nvSpPr>
-          <p:cNvPr id="4" name="Content Placeholder 2"/>
-          <p:cNvSpPr txBox="1">
-            <a:spLocks/>
-          </p:cNvSpPr>
-          <p:nvPr/>
-        </p:nvSpPr>
-        <p:spPr>
-          <a:xfrm>
-            <a:off x="-6678" y="2643758"/>
-            <a:ext cx="8839200" cy="2472308"/>
-          </a:xfrm>
-          <a:prstGeom prst="rect">
-            <a:avLst/>
-          </a:prstGeom>
-        </p:spPr>
-        <p:txBody>
-          <a:bodyPr vert="horz" lIns="91440" tIns="45720" rIns="91440" bIns="45720" rtlCol="0">
-            <a:noAutofit/>
-          </a:bodyPr>
-          <a:lstStyle>
-            <a:lvl1pPr marL="342900" indent="-342900" algn="l" defTabSz="914400" rtl="0" eaLnBrk="1" latinLnBrk="0" hangingPunct="1">
-              <a:spcBef>
-                <a:spcPct val="20000"/>
-              </a:spcBef>
-              <a:buFont typeface="Arial" pitchFamily="34" charset="0"/>
-              <a:buChar char="•"/>
-              <a:defRPr sz="3200" kern="1200">
-                <a:solidFill>
-                  <a:schemeClr val="tx1"/>
-                </a:solidFill>
-                <a:latin typeface="+mn-lt"/>
-                <a:ea typeface="+mn-ea"/>
-                <a:cs typeface="+mn-cs"/>
-              </a:defRPr>
-            </a:lvl1pPr>
-            <a:lvl2pPr marL="742950" indent="-285750" algn="l" defTabSz="914400" rtl="0" eaLnBrk="1" latinLnBrk="0" hangingPunct="1">
-              <a:spcBef>
-                <a:spcPct val="20000"/>
-              </a:spcBef>
-              <a:buFont typeface="Arial" pitchFamily="34" charset="0"/>
-              <a:buChar char="–"/>
-              <a:defRPr sz="2800" kern="1200">
-                <a:solidFill>
-                  <a:schemeClr val="tx1"/>
-                </a:solidFill>
-                <a:latin typeface="+mn-lt"/>
-                <a:ea typeface="+mn-ea"/>
-                <a:cs typeface="+mn-cs"/>
-              </a:defRPr>
-            </a:lvl2pPr>
-            <a:lvl3pPr marL="1143000" indent="-228600" algn="l" defTabSz="914400" rtl="0" eaLnBrk="1" latinLnBrk="0" hangingPunct="1">
-              <a:spcBef>
-                <a:spcPct val="20000"/>
-              </a:spcBef>
-              <a:buFont typeface="Arial" pitchFamily="34" charset="0"/>
-              <a:buChar char="•"/>
-              <a:defRPr sz="2400" kern="1200">
-                <a:solidFill>
-                  <a:schemeClr val="tx1"/>
-                </a:solidFill>
-                <a:latin typeface="+mn-lt"/>
-                <a:ea typeface="+mn-ea"/>
-                <a:cs typeface="+mn-cs"/>
-              </a:defRPr>
-            </a:lvl3pPr>
-            <a:lvl4pPr marL="1600200" indent="-228600" algn="l" defTabSz="914400" rtl="0" eaLnBrk="1" latinLnBrk="0" hangingPunct="1">
-              <a:spcBef>
-                <a:spcPct val="20000"/>
-              </a:spcBef>
-              <a:buFont typeface="Arial" pitchFamily="34" charset="0"/>
-              <a:buChar char="–"/>
-              <a:defRPr sz="2000" kern="1200">
-                <a:solidFill>
-                  <a:schemeClr val="tx1"/>
-                </a:solidFill>
-                <a:latin typeface="+mn-lt"/>
-                <a:ea typeface="+mn-ea"/>
-                <a:cs typeface="+mn-cs"/>
-              </a:defRPr>
-            </a:lvl4pPr>
-            <a:lvl5pPr marL="2057400" indent="-228600" algn="l" defTabSz="914400" rtl="0" eaLnBrk="1" latinLnBrk="0" hangingPunct="1">
-              <a:spcBef>
-                <a:spcPct val="20000"/>
-              </a:spcBef>
-              <a:buFont typeface="Arial" pitchFamily="34" charset="0"/>
-              <a:buChar char="»"/>
-              <a:defRPr sz="2000" kern="1200">
-                <a:solidFill>
-                  <a:schemeClr val="tx1"/>
-                </a:solidFill>
-                <a:latin typeface="+mn-lt"/>
-                <a:ea typeface="+mn-ea"/>
-                <a:cs typeface="+mn-cs"/>
-              </a:defRPr>
-            </a:lvl5pPr>
-            <a:lvl6pPr marL="2514600" indent="-228600" algn="l" defTabSz="914400" rtl="0" eaLnBrk="1" latinLnBrk="0" hangingPunct="1">
-              <a:spcBef>
-                <a:spcPct val="20000"/>
-              </a:spcBef>
-              <a:buFont typeface="Arial" pitchFamily="34" charset="0"/>
-              <a:buChar char="•"/>
-              <a:defRPr sz="2000" kern="1200">
-                <a:solidFill>
-                  <a:schemeClr val="tx1"/>
-                </a:solidFill>
-                <a:latin typeface="+mn-lt"/>
-                <a:ea typeface="+mn-ea"/>
-                <a:cs typeface="+mn-cs"/>
-              </a:defRPr>
-            </a:lvl6pPr>
-            <a:lvl7pPr marL="2971800" indent="-228600" algn="l" defTabSz="914400" rtl="0" eaLnBrk="1" latinLnBrk="0" hangingPunct="1">
-              <a:spcBef>
-                <a:spcPct val="20000"/>
-              </a:spcBef>
-              <a:buFont typeface="Arial" pitchFamily="34" charset="0"/>
-              <a:buChar char="•"/>
-              <a:defRPr sz="2000" kern="1200">
-                <a:solidFill>
-                  <a:schemeClr val="tx1"/>
-                </a:solidFill>
-                <a:latin typeface="+mn-lt"/>
-                <a:ea typeface="+mn-ea"/>
-                <a:cs typeface="+mn-cs"/>
-              </a:defRPr>
-            </a:lvl7pPr>
-            <a:lvl8pPr marL="3429000" indent="-228600" algn="l" defTabSz="914400" rtl="0" eaLnBrk="1" latinLnBrk="0" hangingPunct="1">
-              <a:spcBef>
-                <a:spcPct val="20000"/>
-              </a:spcBef>
-              <a:buFont typeface="Arial" pitchFamily="34" charset="0"/>
-              <a:buChar char="•"/>
-              <a:defRPr sz="2000" kern="1200">
-                <a:solidFill>
-                  <a:schemeClr val="tx1"/>
-                </a:solidFill>
-                <a:latin typeface="+mn-lt"/>
-                <a:ea typeface="+mn-ea"/>
-                <a:cs typeface="+mn-cs"/>
-              </a:defRPr>
-            </a:lvl8pPr>
-            <a:lvl9pPr marL="3886200" indent="-228600" algn="l" defTabSz="914400" rtl="0" eaLnBrk="1" latinLnBrk="0" hangingPunct="1">
-              <a:spcBef>
-                <a:spcPct val="20000"/>
-              </a:spcBef>
-              <a:buFont typeface="Arial" pitchFamily="34" charset="0"/>
-              <a:buChar char="•"/>
-              <a:defRPr sz="2000" kern="1200">
-                <a:solidFill>
-                  <a:schemeClr val="tx1"/>
-                </a:solidFill>
-                <a:latin typeface="+mn-lt"/>
-                <a:ea typeface="+mn-ea"/>
-                <a:cs typeface="+mn-cs"/>
-              </a:defRPr>
-            </a:lvl9pPr>
-          </a:lstStyle>
-          <a:p>
-            <a:pPr algn="just"/>
-            <a:r>
-              <a:rPr lang="vi-VN" sz="2800" dirty="0">
-                <a:solidFill>
-                  <a:srgbClr val="000066"/>
-                </a:solidFill>
-                <a:latin typeface="+mj-lt"/>
-              </a:rPr>
-              <a:t>Ðức Chúa Jêsus từ xứ Ga-li-lê đến cùng Giăng tại sông Giô-đanh, đặng chịu người làm phép báp-tem. Song Giăng từ chối mà rằng: Chính tôi cần phải chịu Ngài làm phép báp-tem, mà Ngài lại trở đến cùng tôi sao! Ðức Chúa Jêsus đáp rằng: </a:t>
-            </a:r>
-            <a:endParaRPr lang="en-US" altLang="zh-TW" sz="2800" dirty="0" smtClean="0">
-              <a:solidFill>
-                <a:srgbClr val="000066"/>
-              </a:solidFill>
-              <a:latin typeface="+mj-lt"/>
-              <a:ea typeface="微軟正黑體" pitchFamily="34" charset="-120"/>
-            </a:endParaRPr>
-          </a:p>
-        </p:txBody>
-      </p:sp>
     </p:spTree>
     <p:extLst>
       <p:ext uri="{BB962C8B-B14F-4D97-AF65-F5344CB8AC3E}">
-        <p14:creationId xmlns:p14="http://schemas.microsoft.com/office/powerpoint/2010/main" val="777654385"/>
+        <p14:creationId xmlns:p14="http://schemas.microsoft.com/office/powerpoint/2010/main" val="3012944643"/>
       </p:ext>
     </p:extLst>
   </p:cSld>
@@ -13275,18 +14589,18 @@
       </p:grpSpPr>
       <p:sp>
         <p:nvSpPr>
-          <p:cNvPr id="2" name="標題 1"/>
+          <p:cNvPr id="3" name="Content Placeholder 2"/>
           <p:cNvSpPr>
             <a:spLocks noGrp="1"/>
           </p:cNvSpPr>
           <p:nvPr>
-            <p:ph type="title" idx="4294967295"/>
+            <p:ph idx="1"/>
           </p:nvPr>
         </p:nvSpPr>
         <p:spPr>
           <a:xfrm>
-            <a:off x="0" y="1851670"/>
-            <a:ext cx="9144000" cy="628650"/>
+            <a:off x="0" y="0"/>
+            <a:ext cx="8839200" cy="2427734"/>
           </a:xfrm>
         </p:spPr>
         <p:txBody>
@@ -13296,50 +14610,19 @@
           <a:lstStyle/>
           <a:p>
             <a:r>
-              <a:rPr lang="zh-TW" altLang="en-US" sz="6000" b="1" dirty="0">
-                <a:solidFill>
-                  <a:srgbClr val="660033"/>
-                </a:solidFill>
-                <a:effectLst>
-                  <a:outerShdw blurRad="38100" dist="38100" dir="2700000" algn="tl">
-                    <a:srgbClr val="000000">
-                      <a:alpha val="43137"/>
-                    </a:srgbClr>
-                  </a:outerShdw>
-                </a:effectLst>
+              <a:rPr lang="zh-TW" altLang="en-US" sz="4000" dirty="0" smtClean="0">
+                <a:solidFill>
+                  <a:srgbClr val="660033"/>
+                </a:solidFill>
                 <a:latin typeface="微軟正黑體" pitchFamily="34" charset="-120"/>
                 <a:ea typeface="微軟正黑體" pitchFamily="34" charset="-120"/>
               </a:rPr>
-              <a:t>以撒</a:t>
-            </a:r>
-            <a:r>
-              <a:rPr lang="zh-CN" altLang="en-US" sz="6000" b="1" dirty="0">
-                <a:solidFill>
-                  <a:srgbClr val="660033"/>
-                </a:solidFill>
-                <a:effectLst>
-                  <a:outerShdw blurRad="38100" dist="38100" dir="2700000" algn="tl">
-                    <a:srgbClr val="000000">
-                      <a:alpha val="43137"/>
-                    </a:srgbClr>
-                  </a:outerShdw>
-                </a:effectLst>
-                <a:latin typeface="微軟正黑體" pitchFamily="34" charset="-120"/>
-                <a:ea typeface="微軟正黑體" pitchFamily="34" charset="-120"/>
-              </a:rPr>
-              <a:t>詩班</a:t>
-            </a:r>
-            <a:endParaRPr lang="zh-TW" altLang="en-US" sz="6000" b="1" dirty="0">
+              <a:t>耶穌從加利利來到約但河，見了約翰，要受他的洗。約翰想要攔住他，說：「我當受你的洗，你反倒上我這裡來嗎？」</a:t>
+            </a:r>
+            <a:endParaRPr lang="en-US" altLang="zh-TW" sz="4000" dirty="0" smtClean="0">
               <a:solidFill>
                 <a:srgbClr val="660033"/>
               </a:solidFill>
-              <a:effectLst>
-                <a:outerShdw blurRad="38100" dist="38100" dir="2700000" algn="tl">
-                  <a:srgbClr val="000000">
-                    <a:alpha val="43137"/>
-                  </a:srgbClr>
-                </a:outerShdw>
-              </a:effectLst>
               <a:latin typeface="微軟正黑體" pitchFamily="34" charset="-120"/>
               <a:ea typeface="微軟正黑體" pitchFamily="34" charset="-120"/>
             </a:endParaRPr>
@@ -13348,7 +14631,7 @@
       </p:sp>
       <p:sp>
         <p:nvSpPr>
-          <p:cNvPr id="3" name="標題 1"/>
+          <p:cNvPr id="4" name="Content Placeholder 2"/>
           <p:cNvSpPr txBox="1">
             <a:spLocks/>
           </p:cNvSpPr>
@@ -13356,120 +14639,171 @@
         </p:nvSpPr>
         <p:spPr>
           <a:xfrm>
-            <a:off x="585" y="2571750"/>
-            <a:ext cx="9144000" cy="628650"/>
+            <a:off x="-6678" y="2643758"/>
+            <a:ext cx="8839200" cy="2472308"/>
           </a:xfrm>
           <a:prstGeom prst="rect">
             <a:avLst/>
           </a:prstGeom>
         </p:spPr>
         <p:txBody>
-          <a:bodyPr vert="horz" lIns="91440" tIns="45720" rIns="91440" bIns="45720" rtlCol="0" anchor="ctr">
+          <a:bodyPr vert="horz" lIns="91440" tIns="45720" rIns="91440" bIns="45720" rtlCol="0">
             <a:noAutofit/>
           </a:bodyPr>
           <a:lstStyle>
-            <a:lvl1pPr algn="ctr" defTabSz="914400" rtl="0" eaLnBrk="1" latinLnBrk="0" hangingPunct="1">
+            <a:lvl1pPr marL="342900" indent="-342900" algn="l" defTabSz="914400" rtl="0" eaLnBrk="1" latinLnBrk="0" hangingPunct="1">
               <a:spcBef>
-                <a:spcPct val="0"/>
+                <a:spcPct val="20000"/>
               </a:spcBef>
-              <a:buNone/>
-              <a:defRPr sz="4400" kern="1200">
+              <a:buFont typeface="Arial" pitchFamily="34" charset="0"/>
+              <a:buChar char="•"/>
+              <a:defRPr sz="3200" kern="1200">
                 <a:solidFill>
                   <a:schemeClr val="tx1"/>
                 </a:solidFill>
-                <a:latin typeface="+mj-lt"/>
-                <a:ea typeface="+mj-ea"/>
-                <a:cs typeface="+mj-cs"/>
+                <a:latin typeface="+mn-lt"/>
+                <a:ea typeface="+mn-ea"/>
+                <a:cs typeface="+mn-cs"/>
               </a:defRPr>
             </a:lvl1pPr>
+            <a:lvl2pPr marL="742950" indent="-285750" algn="l" defTabSz="914400" rtl="0" eaLnBrk="1" latinLnBrk="0" hangingPunct="1">
+              <a:spcBef>
+                <a:spcPct val="20000"/>
+              </a:spcBef>
+              <a:buFont typeface="Arial" pitchFamily="34" charset="0"/>
+              <a:buChar char="–"/>
+              <a:defRPr sz="2800" kern="1200">
+                <a:solidFill>
+                  <a:schemeClr val="tx1"/>
+                </a:solidFill>
+                <a:latin typeface="+mn-lt"/>
+                <a:ea typeface="+mn-ea"/>
+                <a:cs typeface="+mn-cs"/>
+              </a:defRPr>
+            </a:lvl2pPr>
+            <a:lvl3pPr marL="1143000" indent="-228600" algn="l" defTabSz="914400" rtl="0" eaLnBrk="1" latinLnBrk="0" hangingPunct="1">
+              <a:spcBef>
+                <a:spcPct val="20000"/>
+              </a:spcBef>
+              <a:buFont typeface="Arial" pitchFamily="34" charset="0"/>
+              <a:buChar char="•"/>
+              <a:defRPr sz="2400" kern="1200">
+                <a:solidFill>
+                  <a:schemeClr val="tx1"/>
+                </a:solidFill>
+                <a:latin typeface="+mn-lt"/>
+                <a:ea typeface="+mn-ea"/>
+                <a:cs typeface="+mn-cs"/>
+              </a:defRPr>
+            </a:lvl3pPr>
+            <a:lvl4pPr marL="1600200" indent="-228600" algn="l" defTabSz="914400" rtl="0" eaLnBrk="1" latinLnBrk="0" hangingPunct="1">
+              <a:spcBef>
+                <a:spcPct val="20000"/>
+              </a:spcBef>
+              <a:buFont typeface="Arial" pitchFamily="34" charset="0"/>
+              <a:buChar char="–"/>
+              <a:defRPr sz="2000" kern="1200">
+                <a:solidFill>
+                  <a:schemeClr val="tx1"/>
+                </a:solidFill>
+                <a:latin typeface="+mn-lt"/>
+                <a:ea typeface="+mn-ea"/>
+                <a:cs typeface="+mn-cs"/>
+              </a:defRPr>
+            </a:lvl4pPr>
+            <a:lvl5pPr marL="2057400" indent="-228600" algn="l" defTabSz="914400" rtl="0" eaLnBrk="1" latinLnBrk="0" hangingPunct="1">
+              <a:spcBef>
+                <a:spcPct val="20000"/>
+              </a:spcBef>
+              <a:buFont typeface="Arial" pitchFamily="34" charset="0"/>
+              <a:buChar char="»"/>
+              <a:defRPr sz="2000" kern="1200">
+                <a:solidFill>
+                  <a:schemeClr val="tx1"/>
+                </a:solidFill>
+                <a:latin typeface="+mn-lt"/>
+                <a:ea typeface="+mn-ea"/>
+                <a:cs typeface="+mn-cs"/>
+              </a:defRPr>
+            </a:lvl5pPr>
+            <a:lvl6pPr marL="2514600" indent="-228600" algn="l" defTabSz="914400" rtl="0" eaLnBrk="1" latinLnBrk="0" hangingPunct="1">
+              <a:spcBef>
+                <a:spcPct val="20000"/>
+              </a:spcBef>
+              <a:buFont typeface="Arial" pitchFamily="34" charset="0"/>
+              <a:buChar char="•"/>
+              <a:defRPr sz="2000" kern="1200">
+                <a:solidFill>
+                  <a:schemeClr val="tx1"/>
+                </a:solidFill>
+                <a:latin typeface="+mn-lt"/>
+                <a:ea typeface="+mn-ea"/>
+                <a:cs typeface="+mn-cs"/>
+              </a:defRPr>
+            </a:lvl6pPr>
+            <a:lvl7pPr marL="2971800" indent="-228600" algn="l" defTabSz="914400" rtl="0" eaLnBrk="1" latinLnBrk="0" hangingPunct="1">
+              <a:spcBef>
+                <a:spcPct val="20000"/>
+              </a:spcBef>
+              <a:buFont typeface="Arial" pitchFamily="34" charset="0"/>
+              <a:buChar char="•"/>
+              <a:defRPr sz="2000" kern="1200">
+                <a:solidFill>
+                  <a:schemeClr val="tx1"/>
+                </a:solidFill>
+                <a:latin typeface="+mn-lt"/>
+                <a:ea typeface="+mn-ea"/>
+                <a:cs typeface="+mn-cs"/>
+              </a:defRPr>
+            </a:lvl7pPr>
+            <a:lvl8pPr marL="3429000" indent="-228600" algn="l" defTabSz="914400" rtl="0" eaLnBrk="1" latinLnBrk="0" hangingPunct="1">
+              <a:spcBef>
+                <a:spcPct val="20000"/>
+              </a:spcBef>
+              <a:buFont typeface="Arial" pitchFamily="34" charset="0"/>
+              <a:buChar char="•"/>
+              <a:defRPr sz="2000" kern="1200">
+                <a:solidFill>
+                  <a:schemeClr val="tx1"/>
+                </a:solidFill>
+                <a:latin typeface="+mn-lt"/>
+                <a:ea typeface="+mn-ea"/>
+                <a:cs typeface="+mn-cs"/>
+              </a:defRPr>
+            </a:lvl8pPr>
+            <a:lvl9pPr marL="3886200" indent="-228600" algn="l" defTabSz="914400" rtl="0" eaLnBrk="1" latinLnBrk="0" hangingPunct="1">
+              <a:spcBef>
+                <a:spcPct val="20000"/>
+              </a:spcBef>
+              <a:buFont typeface="Arial" pitchFamily="34" charset="0"/>
+              <a:buChar char="•"/>
+              <a:defRPr sz="2000" kern="1200">
+                <a:solidFill>
+                  <a:schemeClr val="tx1"/>
+                </a:solidFill>
+                <a:latin typeface="+mn-lt"/>
+                <a:ea typeface="+mn-ea"/>
+                <a:cs typeface="+mn-cs"/>
+              </a:defRPr>
+            </a:lvl9pPr>
           </a:lstStyle>
           <a:p>
-            <a:r>
-              <a:rPr lang="en-US" altLang="zh-TW" sz="3600" b="1" dirty="0">
+            <a:pPr algn="just"/>
+            <a:r>
+              <a:rPr lang="vi-VN" sz="2800" dirty="0">
                 <a:solidFill>
                   <a:srgbClr val="000066"/>
                 </a:solidFill>
-                <a:effectLst>
-                  <a:outerShdw blurRad="38100" dist="38100" dir="2700000" algn="tl">
-                    <a:srgbClr val="000000">
-                      <a:alpha val="43137"/>
-                    </a:srgbClr>
-                  </a:outerShdw>
-                </a:effectLst>
-                <a:latin typeface="Arial" panose="020B0604020202020204" pitchFamily="34" charset="0"/>
-                <a:ea typeface="微軟正黑體" pitchFamily="34" charset="-120"/>
-                <a:cs typeface="Arial" panose="020B0604020202020204" pitchFamily="34" charset="0"/>
-              </a:rPr>
-              <a:t>Ban </a:t>
-            </a:r>
-            <a:r>
-              <a:rPr lang="en-US" altLang="zh-TW" sz="3600" b="1" dirty="0" err="1">
-                <a:solidFill>
-                  <a:srgbClr val="000066"/>
-                </a:solidFill>
-                <a:effectLst>
-                  <a:outerShdw blurRad="38100" dist="38100" dir="2700000" algn="tl">
-                    <a:srgbClr val="000000">
-                      <a:alpha val="43137"/>
-                    </a:srgbClr>
-                  </a:outerShdw>
-                </a:effectLst>
-                <a:latin typeface="Arial" panose="020B0604020202020204" pitchFamily="34" charset="0"/>
-                <a:ea typeface="微軟正黑體" pitchFamily="34" charset="-120"/>
-                <a:cs typeface="Arial" panose="020B0604020202020204" pitchFamily="34" charset="0"/>
-              </a:rPr>
-              <a:t>hát</a:t>
-            </a:r>
-            <a:r>
-              <a:rPr lang="en-US" altLang="zh-TW" sz="3600" b="1" dirty="0">
-                <a:solidFill>
-                  <a:srgbClr val="000066"/>
-                </a:solidFill>
-                <a:effectLst>
-                  <a:outerShdw blurRad="38100" dist="38100" dir="2700000" algn="tl">
-                    <a:srgbClr val="000000">
-                      <a:alpha val="43137"/>
-                    </a:srgbClr>
-                  </a:outerShdw>
-                </a:effectLst>
-                <a:latin typeface="Arial" panose="020B0604020202020204" pitchFamily="34" charset="0"/>
-                <a:ea typeface="微軟正黑體" pitchFamily="34" charset="-120"/>
-                <a:cs typeface="Arial" panose="020B0604020202020204" pitchFamily="34" charset="0"/>
-              </a:rPr>
-              <a:t> Y-</a:t>
-            </a:r>
-            <a:r>
-              <a:rPr lang="en-US" altLang="zh-TW" sz="3600" b="1" dirty="0" err="1">
-                <a:solidFill>
-                  <a:srgbClr val="000066"/>
-                </a:solidFill>
-                <a:effectLst>
-                  <a:outerShdw blurRad="38100" dist="38100" dir="2700000" algn="tl">
-                    <a:srgbClr val="000000">
-                      <a:alpha val="43137"/>
-                    </a:srgbClr>
-                  </a:outerShdw>
-                </a:effectLst>
-                <a:latin typeface="Arial" panose="020B0604020202020204" pitchFamily="34" charset="0"/>
-                <a:ea typeface="微軟正黑體" pitchFamily="34" charset="-120"/>
-                <a:cs typeface="Arial" panose="020B0604020202020204" pitchFamily="34" charset="0"/>
-              </a:rPr>
-              <a:t>sác</a:t>
-            </a:r>
-            <a:endParaRPr lang="zh-TW" altLang="en-US" sz="3600" b="1" dirty="0">
+                <a:latin typeface="+mj-lt"/>
+              </a:rPr>
+              <a:t>Ðức Chúa Jêsus từ xứ Ga-li-lê đến cùng Giăng tại sông Giô-đanh, đặng chịu người làm phép báp-tem. Song Giăng từ chối mà rằng: Chính tôi cần phải chịu Ngài làm phép báp-tem, mà Ngài lại trở đến cùng tôi sao! Ðức Chúa Jêsus đáp rằng: </a:t>
+            </a:r>
+            <a:endParaRPr lang="en-US" altLang="zh-TW" sz="2800" dirty="0" smtClean="0">
               <a:solidFill>
                 <a:srgbClr val="000066"/>
               </a:solidFill>
-              <a:effectLst>
-                <a:outerShdw blurRad="38100" dist="38100" dir="2700000" algn="tl">
-                  <a:srgbClr val="000000">
-                    <a:alpha val="43137"/>
-                  </a:srgbClr>
-                </a:outerShdw>
-              </a:effectLst>
-              <a:latin typeface="Arial" panose="020B0604020202020204" pitchFamily="34" charset="0"/>
+              <a:latin typeface="+mj-lt"/>
               <a:ea typeface="微軟正黑體" pitchFamily="34" charset="-120"/>
-              <a:cs typeface="Arial" panose="020B0604020202020204" pitchFamily="34" charset="0"/>
             </a:endParaRPr>
           </a:p>
         </p:txBody>
@@ -13477,7 +14811,7 @@
     </p:spTree>
     <p:extLst>
       <p:ext uri="{BB962C8B-B14F-4D97-AF65-F5344CB8AC3E}">
-        <p14:creationId xmlns:p14="http://schemas.microsoft.com/office/powerpoint/2010/main" val="2843004150"/>
+        <p14:creationId xmlns:p14="http://schemas.microsoft.com/office/powerpoint/2010/main" val="777654385"/>
       </p:ext>
     </p:extLst>
   </p:cSld>

--- a/聯合崇拜流程.pptx
+++ b/聯合崇拜流程.pptx
@@ -244,7 +244,7 @@
             <a:fld id="{2F30D4D0-EAC7-4980-A92D-C26C9148BA0F}" type="datetimeFigureOut">
               <a:rPr lang="zh-TW" altLang="en-US" smtClean="0"/>
               <a:pPr/>
-              <a:t>2019/12/20</a:t>
+              <a:t>2020/1/18</a:t>
             </a:fld>
             <a:endParaRPr lang="zh-TW" altLang="en-US"/>
           </a:p>
@@ -1485,7 +1485,7 @@
             <a:fld id="{5BBEAD13-0566-4C6C-97E7-55F17F24B09F}" type="datetimeFigureOut">
               <a:rPr lang="zh-TW" altLang="en-US" smtClean="0"/>
               <a:pPr/>
-              <a:t>2019/12/20</a:t>
+              <a:t>2020/1/18</a:t>
             </a:fld>
             <a:endParaRPr lang="zh-TW" altLang="en-US"/>
           </a:p>
@@ -1652,7 +1652,7 @@
             <a:fld id="{5BBEAD13-0566-4C6C-97E7-55F17F24B09F}" type="datetimeFigureOut">
               <a:rPr lang="zh-TW" altLang="en-US" smtClean="0"/>
               <a:pPr/>
-              <a:t>2019/12/20</a:t>
+              <a:t>2020/1/18</a:t>
             </a:fld>
             <a:endParaRPr lang="zh-TW" altLang="en-US"/>
           </a:p>
@@ -1829,7 +1829,7 @@
             <a:fld id="{5BBEAD13-0566-4C6C-97E7-55F17F24B09F}" type="datetimeFigureOut">
               <a:rPr lang="zh-TW" altLang="en-US" smtClean="0"/>
               <a:pPr/>
-              <a:t>2019/12/20</a:t>
+              <a:t>2020/1/18</a:t>
             </a:fld>
             <a:endParaRPr lang="zh-TW" altLang="en-US"/>
           </a:p>
@@ -1996,7 +1996,7 @@
             <a:fld id="{5BBEAD13-0566-4C6C-97E7-55F17F24B09F}" type="datetimeFigureOut">
               <a:rPr lang="zh-TW" altLang="en-US" smtClean="0"/>
               <a:pPr/>
-              <a:t>2019/12/20</a:t>
+              <a:t>2020/1/18</a:t>
             </a:fld>
             <a:endParaRPr lang="zh-TW" altLang="en-US"/>
           </a:p>
@@ -2239,7 +2239,7 @@
             <a:fld id="{5BBEAD13-0566-4C6C-97E7-55F17F24B09F}" type="datetimeFigureOut">
               <a:rPr lang="zh-TW" altLang="en-US" smtClean="0"/>
               <a:pPr/>
-              <a:t>2019/12/20</a:t>
+              <a:t>2020/1/18</a:t>
             </a:fld>
             <a:endParaRPr lang="zh-TW" altLang="en-US"/>
           </a:p>
@@ -2524,7 +2524,7 @@
             <a:fld id="{5BBEAD13-0566-4C6C-97E7-55F17F24B09F}" type="datetimeFigureOut">
               <a:rPr lang="zh-TW" altLang="en-US" smtClean="0"/>
               <a:pPr/>
-              <a:t>2019/12/20</a:t>
+              <a:t>2020/1/18</a:t>
             </a:fld>
             <a:endParaRPr lang="zh-TW" altLang="en-US"/>
           </a:p>
@@ -2943,7 +2943,7 @@
             <a:fld id="{5BBEAD13-0566-4C6C-97E7-55F17F24B09F}" type="datetimeFigureOut">
               <a:rPr lang="zh-TW" altLang="en-US" smtClean="0"/>
               <a:pPr/>
-              <a:t>2019/12/20</a:t>
+              <a:t>2020/1/18</a:t>
             </a:fld>
             <a:endParaRPr lang="zh-TW" altLang="en-US"/>
           </a:p>
@@ -3058,7 +3058,7 @@
             <a:fld id="{5BBEAD13-0566-4C6C-97E7-55F17F24B09F}" type="datetimeFigureOut">
               <a:rPr lang="zh-TW" altLang="en-US" smtClean="0"/>
               <a:pPr/>
-              <a:t>2019/12/20</a:t>
+              <a:t>2020/1/18</a:t>
             </a:fld>
             <a:endParaRPr lang="zh-TW" altLang="en-US"/>
           </a:p>
@@ -3150,7 +3150,7 @@
             <a:fld id="{5BBEAD13-0566-4C6C-97E7-55F17F24B09F}" type="datetimeFigureOut">
               <a:rPr lang="zh-TW" altLang="en-US" smtClean="0"/>
               <a:pPr/>
-              <a:t>2019/12/20</a:t>
+              <a:t>2020/1/18</a:t>
             </a:fld>
             <a:endParaRPr lang="zh-TW" altLang="en-US"/>
           </a:p>
@@ -3424,7 +3424,7 @@
             <a:fld id="{5BBEAD13-0566-4C6C-97E7-55F17F24B09F}" type="datetimeFigureOut">
               <a:rPr lang="zh-TW" altLang="en-US" smtClean="0"/>
               <a:pPr/>
-              <a:t>2019/12/20</a:t>
+              <a:t>2020/1/18</a:t>
             </a:fld>
             <a:endParaRPr lang="zh-TW" altLang="en-US"/>
           </a:p>
@@ -3678,7 +3678,7 @@
             <a:fld id="{5BBEAD13-0566-4C6C-97E7-55F17F24B09F}" type="datetimeFigureOut">
               <a:rPr lang="zh-TW" altLang="en-US" smtClean="0"/>
               <a:pPr/>
-              <a:t>2019/12/20</a:t>
+              <a:t>2020/1/18</a:t>
             </a:fld>
             <a:endParaRPr lang="zh-TW" altLang="en-US"/>
           </a:p>
@@ -3893,7 +3893,7 @@
             <a:fld id="{5BBEAD13-0566-4C6C-97E7-55F17F24B09F}" type="datetimeFigureOut">
               <a:rPr lang="zh-TW" altLang="en-US" smtClean="0"/>
               <a:pPr/>
-              <a:t>2019/12/20</a:t>
+              <a:t>2020/1/18</a:t>
             </a:fld>
             <a:endParaRPr lang="zh-TW" altLang="en-US"/>
           </a:p>
@@ -8264,7 +8264,41 @@
                 <a:latin typeface="微軟正黑體" pitchFamily="34" charset="-120"/>
                 <a:ea typeface="微軟正黑體" pitchFamily="34" charset="-120"/>
               </a:rPr>
-              <a:t>願人都尊袮的名為聖</a:t>
+              <a:t>願人都</a:t>
+            </a:r>
+            <a:r>
+              <a:rPr lang="zh-CN" altLang="en-US" sz="4400" b="1" dirty="0">
+                <a:solidFill>
+                  <a:srgbClr val="000066"/>
+                </a:solidFill>
+                <a:effectLst>
+                  <a:outerShdw blurRad="50000" dist="30000" dir="5400000" algn="tl" rotWithShape="0">
+                    <a:srgbClr val="000000">
+                      <a:alpha val="30000"/>
+                    </a:srgbClr>
+                  </a:outerShdw>
+                </a:effectLst>
+                <a:latin typeface="微軟正黑體" pitchFamily="34" charset="-120"/>
+                <a:ea typeface="微軟正黑體" pitchFamily="34" charset="-120"/>
+              </a:rPr>
+              <a:t>尊父的</a:t>
+            </a:r>
+            <a:r>
+              <a:rPr lang="zh-CN" altLang="en-US" sz="4400" b="1" dirty="0" smtClean="0">
+                <a:solidFill>
+                  <a:srgbClr val="000066"/>
+                </a:solidFill>
+                <a:effectLst>
+                  <a:outerShdw blurRad="50000" dist="30000" dir="5400000" algn="tl" rotWithShape="0">
+                    <a:srgbClr val="000000">
+                      <a:alpha val="30000"/>
+                    </a:srgbClr>
+                  </a:outerShdw>
+                </a:effectLst>
+                <a:latin typeface="微軟正黑體" pitchFamily="34" charset="-120"/>
+                <a:ea typeface="微軟正黑體" pitchFamily="34" charset="-120"/>
+              </a:rPr>
+              <a:t>名為聖</a:t>
             </a:r>
             <a:endParaRPr lang="en-US" altLang="zh-CN" sz="4400" b="1" dirty="0" smtClean="0">
               <a:solidFill>
@@ -12196,17 +12230,7 @@
                 <a:latin typeface="微軟正黑體" pitchFamily="34" charset="-120"/>
                 <a:ea typeface="微軟正黑體" pitchFamily="34" charset="-120"/>
               </a:rPr>
-              <a:t>從榮耀降臨</a:t>
-            </a:r>
-            <a:r>
-              <a:rPr lang="zh-CN" altLang="en-US" sz="3200" b="1" dirty="0" smtClean="0">
-                <a:solidFill>
-                  <a:srgbClr val="000066"/>
-                </a:solidFill>
-                <a:latin typeface="微軟正黑體" pitchFamily="34" charset="-120"/>
-                <a:ea typeface="微軟正黑體" pitchFamily="34" charset="-120"/>
-              </a:rPr>
-              <a:t> </a:t>
+              <a:t>從榮耀降臨 </a:t>
             </a:r>
             <a:r>
               <a:rPr lang="en-US" altLang="zh-CN" sz="3200" b="1" dirty="0" smtClean="0">
@@ -12744,24 +12768,7 @@
                 <a:ea typeface="微軟正黑體" pitchFamily="34" charset="-120"/>
                 <a:cs typeface="+mj-cs"/>
               </a:rPr>
-              <a:t>Giê</a:t>
-            </a:r>
-            <a:r>
-              <a:rPr lang="en-US" altLang="zh-TW" sz="2800" b="1" dirty="0" err="1" smtClean="0">
-                <a:solidFill>
-                  <a:srgbClr val="660033"/>
-                </a:solidFill>
-                <a:effectLst>
-                  <a:outerShdw blurRad="38100" dist="38100" dir="2700000" algn="tl">
-                    <a:srgbClr val="000000">
-                      <a:alpha val="43137"/>
-                    </a:srgbClr>
-                  </a:outerShdw>
-                </a:effectLst>
-                <a:ea typeface="微軟正黑體" pitchFamily="34" charset="-120"/>
-                <a:cs typeface="+mj-cs"/>
-              </a:rPr>
-              <a:t>-xu</a:t>
+              <a:t>Giê-xu</a:t>
             </a:r>
             <a:r>
               <a:rPr lang="en-US" altLang="zh-TW" sz="2800" b="1" dirty="0" smtClean="0">

--- a/聯合崇拜流程.pptx
+++ b/聯合崇拜流程.pptx
@@ -244,7 +244,7 @@
             <a:fld id="{2F30D4D0-EAC7-4980-A92D-C26C9148BA0F}" type="datetimeFigureOut">
               <a:rPr lang="zh-TW" altLang="en-US" smtClean="0"/>
               <a:pPr/>
-              <a:t>2020/1/18</a:t>
+              <a:t>2020/4/10</a:t>
             </a:fld>
             <a:endParaRPr lang="zh-TW" altLang="en-US"/>
           </a:p>
@@ -1485,7 +1485,7 @@
             <a:fld id="{5BBEAD13-0566-4C6C-97E7-55F17F24B09F}" type="datetimeFigureOut">
               <a:rPr lang="zh-TW" altLang="en-US" smtClean="0"/>
               <a:pPr/>
-              <a:t>2020/1/18</a:t>
+              <a:t>2020/4/10</a:t>
             </a:fld>
             <a:endParaRPr lang="zh-TW" altLang="en-US"/>
           </a:p>
@@ -1652,7 +1652,7 @@
             <a:fld id="{5BBEAD13-0566-4C6C-97E7-55F17F24B09F}" type="datetimeFigureOut">
               <a:rPr lang="zh-TW" altLang="en-US" smtClean="0"/>
               <a:pPr/>
-              <a:t>2020/1/18</a:t>
+              <a:t>2020/4/10</a:t>
             </a:fld>
             <a:endParaRPr lang="zh-TW" altLang="en-US"/>
           </a:p>
@@ -1829,7 +1829,7 @@
             <a:fld id="{5BBEAD13-0566-4C6C-97E7-55F17F24B09F}" type="datetimeFigureOut">
               <a:rPr lang="zh-TW" altLang="en-US" smtClean="0"/>
               <a:pPr/>
-              <a:t>2020/1/18</a:t>
+              <a:t>2020/4/10</a:t>
             </a:fld>
             <a:endParaRPr lang="zh-TW" altLang="en-US"/>
           </a:p>
@@ -1996,7 +1996,7 @@
             <a:fld id="{5BBEAD13-0566-4C6C-97E7-55F17F24B09F}" type="datetimeFigureOut">
               <a:rPr lang="zh-TW" altLang="en-US" smtClean="0"/>
               <a:pPr/>
-              <a:t>2020/1/18</a:t>
+              <a:t>2020/4/10</a:t>
             </a:fld>
             <a:endParaRPr lang="zh-TW" altLang="en-US"/>
           </a:p>
@@ -2239,7 +2239,7 @@
             <a:fld id="{5BBEAD13-0566-4C6C-97E7-55F17F24B09F}" type="datetimeFigureOut">
               <a:rPr lang="zh-TW" altLang="en-US" smtClean="0"/>
               <a:pPr/>
-              <a:t>2020/1/18</a:t>
+              <a:t>2020/4/10</a:t>
             </a:fld>
             <a:endParaRPr lang="zh-TW" altLang="en-US"/>
           </a:p>
@@ -2524,7 +2524,7 @@
             <a:fld id="{5BBEAD13-0566-4C6C-97E7-55F17F24B09F}" type="datetimeFigureOut">
               <a:rPr lang="zh-TW" altLang="en-US" smtClean="0"/>
               <a:pPr/>
-              <a:t>2020/1/18</a:t>
+              <a:t>2020/4/10</a:t>
             </a:fld>
             <a:endParaRPr lang="zh-TW" altLang="en-US"/>
           </a:p>
@@ -2943,7 +2943,7 @@
             <a:fld id="{5BBEAD13-0566-4C6C-97E7-55F17F24B09F}" type="datetimeFigureOut">
               <a:rPr lang="zh-TW" altLang="en-US" smtClean="0"/>
               <a:pPr/>
-              <a:t>2020/1/18</a:t>
+              <a:t>2020/4/10</a:t>
             </a:fld>
             <a:endParaRPr lang="zh-TW" altLang="en-US"/>
           </a:p>
@@ -3058,7 +3058,7 @@
             <a:fld id="{5BBEAD13-0566-4C6C-97E7-55F17F24B09F}" type="datetimeFigureOut">
               <a:rPr lang="zh-TW" altLang="en-US" smtClean="0"/>
               <a:pPr/>
-              <a:t>2020/1/18</a:t>
+              <a:t>2020/4/10</a:t>
             </a:fld>
             <a:endParaRPr lang="zh-TW" altLang="en-US"/>
           </a:p>
@@ -3150,7 +3150,7 @@
             <a:fld id="{5BBEAD13-0566-4C6C-97E7-55F17F24B09F}" type="datetimeFigureOut">
               <a:rPr lang="zh-TW" altLang="en-US" smtClean="0"/>
               <a:pPr/>
-              <a:t>2020/1/18</a:t>
+              <a:t>2020/4/10</a:t>
             </a:fld>
             <a:endParaRPr lang="zh-TW" altLang="en-US"/>
           </a:p>
@@ -3424,7 +3424,7 @@
             <a:fld id="{5BBEAD13-0566-4C6C-97E7-55F17F24B09F}" type="datetimeFigureOut">
               <a:rPr lang="zh-TW" altLang="en-US" smtClean="0"/>
               <a:pPr/>
-              <a:t>2020/1/18</a:t>
+              <a:t>2020/4/10</a:t>
             </a:fld>
             <a:endParaRPr lang="zh-TW" altLang="en-US"/>
           </a:p>
@@ -3678,7 +3678,7 @@
             <a:fld id="{5BBEAD13-0566-4C6C-97E7-55F17F24B09F}" type="datetimeFigureOut">
               <a:rPr lang="zh-TW" altLang="en-US" smtClean="0"/>
               <a:pPr/>
-              <a:t>2020/1/18</a:t>
+              <a:t>2020/4/10</a:t>
             </a:fld>
             <a:endParaRPr lang="zh-TW" altLang="en-US"/>
           </a:p>
@@ -3893,7 +3893,7 @@
             <a:fld id="{5BBEAD13-0566-4C6C-97E7-55F17F24B09F}" type="datetimeFigureOut">
               <a:rPr lang="zh-TW" altLang="en-US" smtClean="0"/>
               <a:pPr/>
-              <a:t>2020/1/18</a:t>
+              <a:t>2020/4/10</a:t>
             </a:fld>
             <a:endParaRPr lang="zh-TW" altLang="en-US"/>
           </a:p>
@@ -5095,6 +5095,7 @@
                     </a:srgbClr>
                   </a:outerShdw>
                 </a:effectLst>
+                <a:latin typeface="Calibri" panose="020F0502020204030204" pitchFamily="34" charset="0"/>
               </a:rPr>
               <a:t>Đọc lời Chúa</a:t>
             </a:r>
@@ -5109,7 +5110,7 @@
                   </a:srgbClr>
                 </a:outerShdw>
               </a:effectLst>
-              <a:latin typeface="微軟正黑體" pitchFamily="34" charset="-120"/>
+              <a:latin typeface="Calibri" panose="020F0502020204030204" pitchFamily="34" charset="0"/>
               <a:ea typeface="微軟正黑體" pitchFamily="34" charset="-120"/>
             </a:endParaRPr>
           </a:p>
@@ -5652,7 +5653,6 @@
                     </a:srgbClr>
                   </a:outerShdw>
                 </a:effectLst>
-                <a:latin typeface="Times New Roman" pitchFamily="18" charset="0"/>
                 <a:ea typeface="微軟正黑體" pitchFamily="34" charset="-120"/>
                 <a:cs typeface="Times New Roman" pitchFamily="18" charset="0"/>
               </a:rPr>
@@ -5670,7 +5670,6 @@
                     </a:srgbClr>
                   </a:outerShdw>
                 </a:effectLst>
-                <a:latin typeface="Times New Roman" pitchFamily="18" charset="0"/>
                 <a:ea typeface="微軟正黑體" pitchFamily="34" charset="-120"/>
                 <a:cs typeface="Times New Roman" pitchFamily="18" charset="0"/>
               </a:rPr>
@@ -5688,7 +5687,6 @@
                     </a:srgbClr>
                   </a:outerShdw>
                 </a:effectLst>
-                <a:latin typeface="Times New Roman" pitchFamily="18" charset="0"/>
                 <a:ea typeface="微軟正黑體" pitchFamily="34" charset="-120"/>
                 <a:cs typeface="Times New Roman" pitchFamily="18" charset="0"/>
               </a:rPr>
@@ -5705,7 +5703,6 @@
                   </a:srgbClr>
                 </a:outerShdw>
               </a:effectLst>
-              <a:latin typeface="Times New Roman" pitchFamily="18" charset="0"/>
               <a:ea typeface="微軟正黑體" pitchFamily="34" charset="-120"/>
               <a:cs typeface="Times New Roman" pitchFamily="18" charset="0"/>
             </a:endParaRPr>
@@ -5788,7 +5785,7 @@
                     </a:srgbClr>
                   </a:outerShdw>
                 </a:effectLst>
-                <a:latin typeface="+mj-lt"/>
+                <a:latin typeface="Calibri" panose="020F0502020204030204" pitchFamily="34" charset="0"/>
               </a:rPr>
               <a:t>MsQn. Trần Lương Đông</a:t>
             </a:r>
@@ -5803,7 +5800,7 @@
                   </a:srgbClr>
                 </a:outerShdw>
               </a:effectLst>
-              <a:latin typeface="+mj-lt"/>
+              <a:latin typeface="Calibri" panose="020F0502020204030204" pitchFamily="34" charset="0"/>
               <a:ea typeface="微軟正黑體" pitchFamily="34" charset="-120"/>
               <a:cs typeface="+mj-cs"/>
             </a:endParaRPr>
@@ -5944,7 +5941,7 @@
                     </a:srgbClr>
                   </a:outerShdw>
                 </a:effectLst>
-                <a:latin typeface="+mj-lt"/>
+                <a:latin typeface="Calibri" panose="020F0502020204030204" pitchFamily="34" charset="0"/>
               </a:rPr>
               <a:t>Chủ đề: Ý nghĩa của sự tin Chúa và chịu Báp-tem</a:t>
             </a:r>
@@ -5959,7 +5956,7 @@
                   </a:srgbClr>
                 </a:outerShdw>
               </a:effectLst>
-              <a:latin typeface="+mj-lt"/>
+              <a:latin typeface="Calibri" panose="020F0502020204030204" pitchFamily="34" charset="0"/>
               <a:ea typeface="微軟正黑體" pitchFamily="34" charset="-120"/>
               <a:cs typeface="+mj-cs"/>
             </a:endParaRPr>
@@ -9908,7 +9905,113 @@
                 <a:latin typeface="Arial" panose="020B0604020202020204" pitchFamily="34" charset="0"/>
                 <a:cs typeface="Arial" panose="020B0604020202020204" pitchFamily="34" charset="0"/>
               </a:rPr>
-              <a:t>Xin tha tội lỗi cho chúng con như chúng con cũng tha kẻ phạm tội nghịch cùng chúng con</a:t>
+              <a:t>Xin tha tội lỗi cho chúng con </a:t>
+            </a:r>
+            <a:endParaRPr lang="vi-VN" b="1" dirty="0" smtClean="0">
+              <a:solidFill>
+                <a:srgbClr val="660033"/>
+              </a:solidFill>
+              <a:effectLst>
+                <a:outerShdw blurRad="38100" dist="38100" dir="2700000" algn="tl">
+                  <a:srgbClr val="000000">
+                    <a:alpha val="43137"/>
+                  </a:srgbClr>
+                </a:outerShdw>
+              </a:effectLst>
+              <a:latin typeface="Arial" panose="020B0604020202020204" pitchFamily="34" charset="0"/>
+              <a:cs typeface="Arial" panose="020B0604020202020204" pitchFamily="34" charset="0"/>
+            </a:endParaRPr>
+          </a:p>
+          <a:p>
+            <a:pPr marL="0" indent="0" algn="ctr">
+              <a:buNone/>
+            </a:pPr>
+            <a:r>
+              <a:rPr lang="vi-VN" b="1" dirty="0" smtClean="0">
+                <a:solidFill>
+                  <a:srgbClr val="660033"/>
+                </a:solidFill>
+                <a:effectLst>
+                  <a:outerShdw blurRad="38100" dist="38100" dir="2700000" algn="tl">
+                    <a:srgbClr val="000000">
+                      <a:alpha val="43137"/>
+                    </a:srgbClr>
+                  </a:outerShdw>
+                </a:effectLst>
+                <a:latin typeface="Arial" panose="020B0604020202020204" pitchFamily="34" charset="0"/>
+                <a:cs typeface="Arial" panose="020B0604020202020204" pitchFamily="34" charset="0"/>
+              </a:rPr>
+              <a:t>như </a:t>
+            </a:r>
+            <a:r>
+              <a:rPr lang="vi-VN" b="1" dirty="0">
+                <a:solidFill>
+                  <a:srgbClr val="660033"/>
+                </a:solidFill>
+                <a:effectLst>
+                  <a:outerShdw blurRad="38100" dist="38100" dir="2700000" algn="tl">
+                    <a:srgbClr val="000000">
+                      <a:alpha val="43137"/>
+                    </a:srgbClr>
+                  </a:outerShdw>
+                </a:effectLst>
+                <a:latin typeface="Arial" panose="020B0604020202020204" pitchFamily="34" charset="0"/>
+                <a:cs typeface="Arial" panose="020B0604020202020204" pitchFamily="34" charset="0"/>
+              </a:rPr>
+              <a:t>chúng con cũng tha kẻ phạm tội </a:t>
+            </a:r>
+            <a:endParaRPr lang="vi-VN" b="1" dirty="0" smtClean="0">
+              <a:solidFill>
+                <a:srgbClr val="660033"/>
+              </a:solidFill>
+              <a:effectLst>
+                <a:outerShdw blurRad="38100" dist="38100" dir="2700000" algn="tl">
+                  <a:srgbClr val="000000">
+                    <a:alpha val="43137"/>
+                  </a:srgbClr>
+                </a:outerShdw>
+              </a:effectLst>
+              <a:latin typeface="Arial" panose="020B0604020202020204" pitchFamily="34" charset="0"/>
+              <a:cs typeface="Arial" panose="020B0604020202020204" pitchFamily="34" charset="0"/>
+            </a:endParaRPr>
+          </a:p>
+          <a:p>
+            <a:pPr marL="0" indent="0" algn="ctr">
+              <a:buNone/>
+            </a:pPr>
+            <a:r>
+              <a:rPr lang="vi-VN" b="1" dirty="0" smtClean="0">
+                <a:solidFill>
+                  <a:srgbClr val="660033"/>
+                </a:solidFill>
+                <a:effectLst>
+                  <a:outerShdw blurRad="38100" dist="38100" dir="2700000" algn="tl">
+                    <a:srgbClr val="000000">
+                      <a:alpha val="43137"/>
+                    </a:srgbClr>
+                  </a:outerShdw>
+                </a:effectLst>
+                <a:latin typeface="Arial" panose="020B0604020202020204" pitchFamily="34" charset="0"/>
+                <a:cs typeface="Arial" panose="020B0604020202020204" pitchFamily="34" charset="0"/>
+              </a:rPr>
+              <a:t>nghịch </a:t>
+            </a:r>
+            <a:r>
+              <a:rPr lang="vi-VN" b="1" dirty="0">
+                <a:solidFill>
+                  <a:srgbClr val="660033"/>
+                </a:solidFill>
+                <a:effectLst>
+                  <a:outerShdw blurRad="38100" dist="38100" dir="2700000" algn="tl">
+                    <a:srgbClr val="000000">
+                      <a:alpha val="43137"/>
+                    </a:srgbClr>
+                  </a:outerShdw>
+                </a:effectLst>
+                <a:latin typeface="Arial" panose="020B0604020202020204" pitchFamily="34" charset="0"/>
+                <a:cs typeface="Arial" panose="020B0604020202020204" pitchFamily="34" charset="0"/>
+              </a:rPr>
+              <a:t>cùng chúng con</a:t>
             </a:r>
           </a:p>
         </p:txBody>
@@ -14070,7 +14173,6 @@
                     </a:srgbClr>
                   </a:outerShdw>
                 </a:effectLst>
-                <a:latin typeface="Times New Roman" pitchFamily="18" charset="0"/>
                 <a:ea typeface="微軟正黑體" pitchFamily="34" charset="-120"/>
                 <a:cs typeface="Times New Roman" pitchFamily="18" charset="0"/>
               </a:rPr>
@@ -14088,7 +14190,6 @@
                     </a:srgbClr>
                   </a:outerShdw>
                 </a:effectLst>
-                <a:latin typeface="Times New Roman" pitchFamily="18" charset="0"/>
                 <a:ea typeface="微軟正黑體" pitchFamily="34" charset="-120"/>
                 <a:cs typeface="Times New Roman" pitchFamily="18" charset="0"/>
               </a:rPr>
@@ -14106,7 +14207,6 @@
                     </a:srgbClr>
                   </a:outerShdw>
                 </a:effectLst>
-                <a:latin typeface="Times New Roman" pitchFamily="18" charset="0"/>
                 <a:ea typeface="微軟正黑體" pitchFamily="34" charset="-120"/>
                 <a:cs typeface="Times New Roman" pitchFamily="18" charset="0"/>
               </a:rPr>
@@ -14124,7 +14224,6 @@
                     </a:srgbClr>
                   </a:outerShdw>
                 </a:effectLst>
-                <a:latin typeface="Times New Roman" pitchFamily="18" charset="0"/>
                 <a:ea typeface="微軟正黑體" pitchFamily="34" charset="-120"/>
                 <a:cs typeface="Times New Roman" pitchFamily="18" charset="0"/>
               </a:rPr>
@@ -14142,7 +14241,6 @@
                     </a:srgbClr>
                   </a:outerShdw>
                 </a:effectLst>
-                <a:latin typeface="Times New Roman" pitchFamily="18" charset="0"/>
                 <a:ea typeface="微軟正黑體" pitchFamily="34" charset="-120"/>
                 <a:cs typeface="Times New Roman" pitchFamily="18" charset="0"/>
               </a:rPr>
@@ -14160,7 +14258,6 @@
                     </a:srgbClr>
                   </a:outerShdw>
                 </a:effectLst>
-                <a:latin typeface="Times New Roman" pitchFamily="18" charset="0"/>
                 <a:ea typeface="微軟正黑體" pitchFamily="34" charset="-120"/>
                 <a:cs typeface="Times New Roman" pitchFamily="18" charset="0"/>
               </a:rPr>
@@ -14178,7 +14275,6 @@
                     </a:srgbClr>
                   </a:outerShdw>
                 </a:effectLst>
-                <a:latin typeface="Times New Roman" pitchFamily="18" charset="0"/>
                 <a:ea typeface="微軟正黑體" pitchFamily="34" charset="-120"/>
                 <a:cs typeface="Times New Roman" pitchFamily="18" charset="0"/>
               </a:rPr>
@@ -14195,7 +14291,6 @@
                   </a:srgbClr>
                 </a:outerShdw>
               </a:effectLst>
-              <a:latin typeface="Times New Roman" pitchFamily="18" charset="0"/>
               <a:ea typeface="微軟正黑體" pitchFamily="34" charset="-120"/>
               <a:cs typeface="Times New Roman" pitchFamily="18" charset="0"/>
             </a:endParaRPr>
@@ -14801,7 +14896,6 @@
                 <a:solidFill>
                   <a:srgbClr val="000066"/>
                 </a:solidFill>
-                <a:latin typeface="+mj-lt"/>
               </a:rPr>
               <a:t>Ðức Chúa Jêsus từ xứ Ga-li-lê đến cùng Giăng tại sông Giô-đanh, đặng chịu người làm phép báp-tem. Song Giăng từ chối mà rằng: Chính tôi cần phải chịu Ngài làm phép báp-tem, mà Ngài lại trở đến cùng tôi sao! Ðức Chúa Jêsus đáp rằng: </a:t>
             </a:r>
@@ -14809,7 +14903,6 @@
               <a:solidFill>
                 <a:srgbClr val="000066"/>
               </a:solidFill>
-              <a:latin typeface="+mj-lt"/>
               <a:ea typeface="微軟正黑體" pitchFamily="34" charset="-120"/>
             </a:endParaRPr>
           </a:p>

--- a/聯合崇拜流程.pptx
+++ b/聯合崇拜流程.pptx
@@ -244,7 +244,7 @@
             <a:fld id="{2F30D4D0-EAC7-4980-A92D-C26C9148BA0F}" type="datetimeFigureOut">
               <a:rPr lang="zh-TW" altLang="en-US" smtClean="0"/>
               <a:pPr/>
-              <a:t>2020/4/10</a:t>
+              <a:t>2020/6/6</a:t>
             </a:fld>
             <a:endParaRPr lang="zh-TW" altLang="en-US"/>
           </a:p>
@@ -1485,7 +1485,7 @@
             <a:fld id="{5BBEAD13-0566-4C6C-97E7-55F17F24B09F}" type="datetimeFigureOut">
               <a:rPr lang="zh-TW" altLang="en-US" smtClean="0"/>
               <a:pPr/>
-              <a:t>2020/4/10</a:t>
+              <a:t>2020/6/6</a:t>
             </a:fld>
             <a:endParaRPr lang="zh-TW" altLang="en-US"/>
           </a:p>
@@ -1652,7 +1652,7 @@
             <a:fld id="{5BBEAD13-0566-4C6C-97E7-55F17F24B09F}" type="datetimeFigureOut">
               <a:rPr lang="zh-TW" altLang="en-US" smtClean="0"/>
               <a:pPr/>
-              <a:t>2020/4/10</a:t>
+              <a:t>2020/6/6</a:t>
             </a:fld>
             <a:endParaRPr lang="zh-TW" altLang="en-US"/>
           </a:p>
@@ -1829,7 +1829,7 @@
             <a:fld id="{5BBEAD13-0566-4C6C-97E7-55F17F24B09F}" type="datetimeFigureOut">
               <a:rPr lang="zh-TW" altLang="en-US" smtClean="0"/>
               <a:pPr/>
-              <a:t>2020/4/10</a:t>
+              <a:t>2020/6/6</a:t>
             </a:fld>
             <a:endParaRPr lang="zh-TW" altLang="en-US"/>
           </a:p>
@@ -1996,7 +1996,7 @@
             <a:fld id="{5BBEAD13-0566-4C6C-97E7-55F17F24B09F}" type="datetimeFigureOut">
               <a:rPr lang="zh-TW" altLang="en-US" smtClean="0"/>
               <a:pPr/>
-              <a:t>2020/4/10</a:t>
+              <a:t>2020/6/6</a:t>
             </a:fld>
             <a:endParaRPr lang="zh-TW" altLang="en-US"/>
           </a:p>
@@ -2239,7 +2239,7 @@
             <a:fld id="{5BBEAD13-0566-4C6C-97E7-55F17F24B09F}" type="datetimeFigureOut">
               <a:rPr lang="zh-TW" altLang="en-US" smtClean="0"/>
               <a:pPr/>
-              <a:t>2020/4/10</a:t>
+              <a:t>2020/6/6</a:t>
             </a:fld>
             <a:endParaRPr lang="zh-TW" altLang="en-US"/>
           </a:p>
@@ -2524,7 +2524,7 @@
             <a:fld id="{5BBEAD13-0566-4C6C-97E7-55F17F24B09F}" type="datetimeFigureOut">
               <a:rPr lang="zh-TW" altLang="en-US" smtClean="0"/>
               <a:pPr/>
-              <a:t>2020/4/10</a:t>
+              <a:t>2020/6/6</a:t>
             </a:fld>
             <a:endParaRPr lang="zh-TW" altLang="en-US"/>
           </a:p>
@@ -2943,7 +2943,7 @@
             <a:fld id="{5BBEAD13-0566-4C6C-97E7-55F17F24B09F}" type="datetimeFigureOut">
               <a:rPr lang="zh-TW" altLang="en-US" smtClean="0"/>
               <a:pPr/>
-              <a:t>2020/4/10</a:t>
+              <a:t>2020/6/6</a:t>
             </a:fld>
             <a:endParaRPr lang="zh-TW" altLang="en-US"/>
           </a:p>
@@ -3058,7 +3058,7 @@
             <a:fld id="{5BBEAD13-0566-4C6C-97E7-55F17F24B09F}" type="datetimeFigureOut">
               <a:rPr lang="zh-TW" altLang="en-US" smtClean="0"/>
               <a:pPr/>
-              <a:t>2020/4/10</a:t>
+              <a:t>2020/6/6</a:t>
             </a:fld>
             <a:endParaRPr lang="zh-TW" altLang="en-US"/>
           </a:p>
@@ -3150,7 +3150,7 @@
             <a:fld id="{5BBEAD13-0566-4C6C-97E7-55F17F24B09F}" type="datetimeFigureOut">
               <a:rPr lang="zh-TW" altLang="en-US" smtClean="0"/>
               <a:pPr/>
-              <a:t>2020/4/10</a:t>
+              <a:t>2020/6/6</a:t>
             </a:fld>
             <a:endParaRPr lang="zh-TW" altLang="en-US"/>
           </a:p>
@@ -3424,7 +3424,7 @@
             <a:fld id="{5BBEAD13-0566-4C6C-97E7-55F17F24B09F}" type="datetimeFigureOut">
               <a:rPr lang="zh-TW" altLang="en-US" smtClean="0"/>
               <a:pPr/>
-              <a:t>2020/4/10</a:t>
+              <a:t>2020/6/6</a:t>
             </a:fld>
             <a:endParaRPr lang="zh-TW" altLang="en-US"/>
           </a:p>
@@ -3678,7 +3678,7 @@
             <a:fld id="{5BBEAD13-0566-4C6C-97E7-55F17F24B09F}" type="datetimeFigureOut">
               <a:rPr lang="zh-TW" altLang="en-US" smtClean="0"/>
               <a:pPr/>
-              <a:t>2020/4/10</a:t>
+              <a:t>2020/6/6</a:t>
             </a:fld>
             <a:endParaRPr lang="zh-TW" altLang="en-US"/>
           </a:p>
@@ -3893,7 +3893,7 @@
             <a:fld id="{5BBEAD13-0566-4C6C-97E7-55F17F24B09F}" type="datetimeFigureOut">
               <a:rPr lang="zh-TW" altLang="en-US" smtClean="0"/>
               <a:pPr/>
-              <a:t>2020/4/10</a:t>
+              <a:t>2020/6/6</a:t>
             </a:fld>
             <a:endParaRPr lang="zh-TW" altLang="en-US"/>
           </a:p>
@@ -4276,7 +4276,7 @@
         </p:nvSpPr>
         <p:spPr>
           <a:xfrm>
-            <a:off x="0" y="1707654"/>
+            <a:off x="0" y="1635646"/>
             <a:ext cx="9144000" cy="964406"/>
           </a:xfrm>
         </p:spPr>
@@ -4331,7 +4331,7 @@
         </p:nvSpPr>
         <p:spPr>
           <a:xfrm>
-            <a:off x="0" y="2355726"/>
+            <a:off x="0" y="2427734"/>
             <a:ext cx="9144000" cy="964406"/>
           </a:xfrm>
           <a:prstGeom prst="rect">
@@ -5613,7 +5613,7 @@
         </p:nvSpPr>
         <p:spPr>
           <a:xfrm>
-            <a:off x="0" y="550069"/>
+            <a:off x="-4345" y="339502"/>
             <a:ext cx="9144000" cy="628650"/>
           </a:xfrm>
         </p:spPr>
@@ -5773,6 +5773,44 @@
               </a:rPr>
               <a:t>牧師 </a:t>
             </a:r>
+            <a:endParaRPr lang="vi-VN" altLang="zh-TW" sz="4000" b="1" dirty="0" smtClean="0">
+              <a:solidFill>
+                <a:srgbClr val="000066"/>
+              </a:solidFill>
+              <a:effectLst>
+                <a:outerShdw blurRad="38100" dist="38100" dir="2700000" algn="tl">
+                  <a:srgbClr val="000000">
+                    <a:alpha val="43137"/>
+                  </a:srgbClr>
+                </a:outerShdw>
+              </a:effectLst>
+              <a:latin typeface="微軟正黑體" pitchFamily="34" charset="-120"/>
+              <a:ea typeface="微軟正黑體" pitchFamily="34" charset="-120"/>
+              <a:cs typeface="+mj-cs"/>
+            </a:endParaRPr>
+          </a:p>
+          <a:p>
+            <a:pPr lvl="0" algn="ctr">
+              <a:spcBef>
+                <a:spcPct val="0"/>
+              </a:spcBef>
+            </a:pPr>
+            <a:r>
+              <a:rPr lang="vi-VN" sz="3200" b="1" dirty="0" smtClean="0">
+                <a:solidFill>
+                  <a:srgbClr val="660033"/>
+                </a:solidFill>
+                <a:effectLst>
+                  <a:outerShdw blurRad="38100" dist="38100" dir="2700000" algn="tl">
+                    <a:srgbClr val="000000">
+                      <a:alpha val="43137"/>
+                    </a:srgbClr>
+                  </a:outerShdw>
+                </a:effectLst>
+                <a:latin typeface="Calibri" panose="020F0502020204030204" pitchFamily="34" charset="0"/>
+              </a:rPr>
+              <a:t>MsQn</a:t>
+            </a:r>
             <a:r>
               <a:rPr lang="vi-VN" sz="3200" b="1" dirty="0">
                 <a:solidFill>
@@ -5787,7 +5825,7 @@
                 </a:effectLst>
                 <a:latin typeface="Calibri" panose="020F0502020204030204" pitchFamily="34" charset="0"/>
               </a:rPr>
-              <a:t>MsQn. Trần Lương Đông</a:t>
+              <a:t>. Trần Lương Đông</a:t>
             </a:r>
             <a:endParaRPr lang="zh-TW" altLang="en-US" sz="3200" b="1" dirty="0">
               <a:solidFill>
@@ -5817,7 +5855,7 @@
         </p:nvSpPr>
         <p:spPr>
           <a:xfrm>
-            <a:off x="-4345" y="2355726"/>
+            <a:off x="-28550" y="2250038"/>
             <a:ext cx="9144000" cy="628650"/>
           </a:xfrm>
           <a:prstGeom prst="rect">
@@ -6061,7 +6099,7 @@
         </p:nvSpPr>
         <p:spPr>
           <a:xfrm>
-            <a:off x="0" y="2283718"/>
+            <a:off x="0" y="2355726"/>
             <a:ext cx="9144000" cy="964406"/>
           </a:xfrm>
           <a:prstGeom prst="rect">
@@ -6336,7 +6374,7 @@
         </p:nvSpPr>
         <p:spPr>
           <a:xfrm>
-            <a:off x="0" y="2427734"/>
+            <a:off x="0" y="2499742"/>
             <a:ext cx="9144000" cy="964406"/>
           </a:xfrm>
           <a:prstGeom prst="rect">
@@ -6575,7 +6613,7 @@
         </p:nvSpPr>
         <p:spPr>
           <a:xfrm>
-            <a:off x="0" y="2427734"/>
+            <a:off x="0" y="2499742"/>
             <a:ext cx="9144000" cy="964406"/>
           </a:xfrm>
           <a:prstGeom prst="rect">
@@ -6764,7 +6802,7 @@
         </p:nvSpPr>
         <p:spPr>
           <a:xfrm>
-            <a:off x="0" y="2427734"/>
+            <a:off x="0" y="2499742"/>
             <a:ext cx="9144000" cy="964406"/>
           </a:xfrm>
           <a:prstGeom prst="rect">
@@ -6808,7 +6846,25 @@
                 <a:ea typeface="微軟正黑體" pitchFamily="34" charset="-120"/>
                 <a:cs typeface="Arial" panose="020B0604020202020204" pitchFamily="34" charset="0"/>
               </a:rPr>
-              <a:t>Lễ Báp-tem</a:t>
+              <a:t>Lễ </a:t>
+            </a:r>
+            <a:r>
+              <a:rPr lang="vi-VN" sz="3600" b="1" dirty="0" smtClean="0">
+                <a:solidFill>
+                  <a:srgbClr val="660033"/>
+                </a:solidFill>
+                <a:effectLst>
+                  <a:outerShdw blurRad="38100" dist="38100" dir="2700000" algn="tl">
+                    <a:srgbClr val="000000">
+                      <a:alpha val="43137"/>
+                    </a:srgbClr>
+                  </a:outerShdw>
+                </a:effectLst>
+                <a:latin typeface="Arial" panose="020B0604020202020204" pitchFamily="34" charset="0"/>
+                <a:ea typeface="微軟正黑體" pitchFamily="34" charset="-120"/>
+                <a:cs typeface="Arial" panose="020B0604020202020204" pitchFamily="34" charset="0"/>
+              </a:rPr>
+              <a:t>Báp - tem</a:t>
             </a:r>
             <a:endParaRPr lang="zh-TW" altLang="en-US" sz="3600" b="1" dirty="0">
               <a:solidFill>
@@ -6877,12 +6933,12 @@
         </p:nvSpPr>
         <p:spPr>
           <a:xfrm>
-            <a:off x="0" y="300026"/>
+            <a:off x="0" y="266691"/>
             <a:ext cx="8991600" cy="628650"/>
           </a:xfrm>
         </p:spPr>
         <p:txBody>
-          <a:bodyPr>
+          <a:bodyPr anchor="ctr">
             <a:noAutofit/>
           </a:bodyPr>
           <a:lstStyle/>
@@ -6897,6 +6953,25 @@
               </a:rPr>
               <a:t>三一頌 </a:t>
             </a:r>
+            <a:r>
+              <a:rPr lang="en-US" altLang="zh-CN" sz="3600" b="1" dirty="0" smtClean="0">
+                <a:solidFill>
+                  <a:srgbClr val="000066"/>
+                </a:solidFill>
+                <a:latin typeface="微軟正黑體" pitchFamily="34" charset="-120"/>
+                <a:ea typeface="微軟正黑體" pitchFamily="34" charset="-120"/>
+              </a:rPr>
+              <a:t/>
+            </a:r>
+            <a:br>
+              <a:rPr lang="en-US" altLang="zh-CN" sz="3600" b="1" dirty="0" smtClean="0">
+                <a:solidFill>
+                  <a:srgbClr val="000066"/>
+                </a:solidFill>
+                <a:latin typeface="微軟正黑體" pitchFamily="34" charset="-120"/>
+                <a:ea typeface="微軟正黑體" pitchFamily="34" charset="-120"/>
+              </a:rPr>
+            </a:br>
             <a:r>
               <a:rPr lang="en-US" altLang="zh-CN" sz="3200" b="1" dirty="0" err="1" smtClean="0">
                 <a:solidFill>
@@ -7002,7 +7077,7 @@
           </a:xfrm>
         </p:spPr>
         <p:txBody>
-          <a:bodyPr>
+          <a:bodyPr anchor="ctr">
             <a:noAutofit/>
           </a:bodyPr>
           <a:lstStyle/>
@@ -7102,7 +7177,7 @@
           </a:prstGeom>
         </p:spPr>
         <p:txBody>
-          <a:bodyPr vert="horz" lIns="91440" tIns="45720" rIns="91440" bIns="45720" rtlCol="0">
+          <a:bodyPr vert="horz" lIns="91440" tIns="45720" rIns="91440" bIns="45720" rtlCol="0" anchor="ctr">
             <a:noAutofit/>
           </a:bodyPr>
           <a:lstStyle>
@@ -7438,7 +7513,7 @@
         </p:nvSpPr>
         <p:spPr>
           <a:xfrm>
-            <a:off x="20070" y="2427734"/>
+            <a:off x="0" y="2571750"/>
             <a:ext cx="9144000" cy="964406"/>
           </a:xfrm>
           <a:prstGeom prst="rect">
@@ -7587,12 +7662,12 @@
         </p:nvSpPr>
         <p:spPr>
           <a:xfrm>
-            <a:off x="0" y="300026"/>
+            <a:off x="0" y="266691"/>
             <a:ext cx="8991600" cy="628650"/>
           </a:xfrm>
         </p:spPr>
         <p:txBody>
-          <a:bodyPr>
+          <a:bodyPr anchor="ctr">
             <a:noAutofit/>
           </a:bodyPr>
           <a:lstStyle/>
@@ -7608,7 +7683,26 @@
               <a:t>三一頌 </a:t>
             </a:r>
             <a:r>
-              <a:rPr lang="en-US" altLang="zh-CN" sz="3200" b="1" dirty="0" err="1">
+              <a:rPr lang="en-US" altLang="zh-CN" sz="3600" b="1" dirty="0" smtClean="0">
+                <a:solidFill>
+                  <a:srgbClr val="000066"/>
+                </a:solidFill>
+                <a:latin typeface="微軟正黑體" pitchFamily="34" charset="-120"/>
+                <a:ea typeface="微軟正黑體" pitchFamily="34" charset="-120"/>
+              </a:rPr>
+              <a:t/>
+            </a:r>
+            <a:br>
+              <a:rPr lang="en-US" altLang="zh-CN" sz="3600" b="1" dirty="0" smtClean="0">
+                <a:solidFill>
+                  <a:srgbClr val="000066"/>
+                </a:solidFill>
+                <a:latin typeface="微軟正黑體" pitchFamily="34" charset="-120"/>
+                <a:ea typeface="微軟正黑體" pitchFamily="34" charset="-120"/>
+              </a:rPr>
+            </a:br>
+            <a:r>
+              <a:rPr lang="en-US" altLang="zh-CN" sz="3200" b="1" dirty="0" err="1" smtClean="0">
                 <a:solidFill>
                   <a:srgbClr val="660033"/>
                 </a:solidFill>
@@ -7619,7 +7713,7 @@
               <a:t>Tôn</a:t>
             </a:r>
             <a:r>
-              <a:rPr lang="en-US" altLang="zh-CN" sz="3200" b="1" dirty="0">
+              <a:rPr lang="en-US" altLang="zh-CN" sz="3200" b="1" dirty="0" smtClean="0">
                 <a:solidFill>
                   <a:srgbClr val="660033"/>
                 </a:solidFill>
@@ -7712,7 +7806,7 @@
           </a:xfrm>
         </p:spPr>
         <p:txBody>
-          <a:bodyPr>
+          <a:bodyPr anchor="ctr">
             <a:noAutofit/>
           </a:bodyPr>
           <a:lstStyle/>
@@ -7812,7 +7906,7 @@
           </a:prstGeom>
         </p:spPr>
         <p:txBody>
-          <a:bodyPr vert="horz" lIns="91440" tIns="45720" rIns="91440" bIns="45720" rtlCol="0">
+          <a:bodyPr vert="horz" lIns="91440" tIns="45720" rIns="91440" bIns="45720" rtlCol="0" anchor="ctr">
             <a:noAutofit/>
           </a:bodyPr>
           <a:lstStyle>
@@ -8099,12 +8193,12 @@
         </p:nvSpPr>
         <p:spPr>
           <a:xfrm>
-            <a:off x="0" y="85712"/>
+            <a:off x="0" y="267494"/>
             <a:ext cx="8991600" cy="628650"/>
           </a:xfrm>
         </p:spPr>
         <p:txBody>
-          <a:bodyPr>
+          <a:bodyPr anchor="ctr">
             <a:noAutofit/>
           </a:bodyPr>
           <a:lstStyle/>
@@ -8119,6 +8213,25 @@
               </a:rPr>
               <a:t>公禱文 </a:t>
             </a:r>
+            <a:r>
+              <a:rPr lang="en-US" altLang="zh-CN" sz="3600" b="1" dirty="0" smtClean="0">
+                <a:solidFill>
+                  <a:srgbClr val="000066"/>
+                </a:solidFill>
+                <a:latin typeface="微軟正黑體" pitchFamily="34" charset="-120"/>
+                <a:ea typeface="微軟正黑體" pitchFamily="34" charset="-120"/>
+              </a:rPr>
+              <a:t/>
+            </a:r>
+            <a:br>
+              <a:rPr lang="en-US" altLang="zh-CN" sz="3600" b="1" dirty="0" smtClean="0">
+                <a:solidFill>
+                  <a:srgbClr val="000066"/>
+                </a:solidFill>
+                <a:latin typeface="微軟正黑體" pitchFamily="34" charset="-120"/>
+                <a:ea typeface="微軟正黑體" pitchFamily="34" charset="-120"/>
+              </a:rPr>
+            </a:br>
             <a:r>
               <a:rPr lang="en-US" altLang="zh-CN" sz="3200" b="1" dirty="0" err="1" smtClean="0">
                 <a:solidFill>
@@ -8197,12 +8310,12 @@
         </p:nvSpPr>
         <p:spPr>
           <a:xfrm>
-            <a:off x="0" y="785800"/>
-            <a:ext cx="9144000" cy="2217998"/>
+            <a:off x="0" y="1270546"/>
+            <a:ext cx="9144000" cy="1872208"/>
           </a:xfrm>
         </p:spPr>
         <p:txBody>
-          <a:bodyPr>
+          <a:bodyPr anchor="ctr">
             <a:noAutofit/>
           </a:bodyPr>
           <a:lstStyle/>
@@ -8324,15 +8437,15 @@
         </p:nvSpPr>
         <p:spPr>
           <a:xfrm>
-            <a:off x="0" y="2934054"/>
-            <a:ext cx="9144000" cy="2217998"/>
+            <a:off x="0" y="3147814"/>
+            <a:ext cx="9144000" cy="2004238"/>
           </a:xfrm>
           <a:prstGeom prst="rect">
             <a:avLst/>
           </a:prstGeom>
         </p:spPr>
         <p:txBody>
-          <a:bodyPr vert="horz" lIns="91440" tIns="45720" rIns="91440" bIns="45720" rtlCol="0">
+          <a:bodyPr vert="horz" lIns="91440" tIns="45720" rIns="91440" bIns="45720" rtlCol="0" anchor="ctr">
             <a:noAutofit/>
           </a:bodyPr>
           <a:lstStyle>
@@ -8629,12 +8742,12 @@
         </p:nvSpPr>
         <p:spPr>
           <a:xfrm>
-            <a:off x="0" y="85712"/>
+            <a:off x="0" y="267494"/>
             <a:ext cx="8991600" cy="628650"/>
           </a:xfrm>
         </p:spPr>
         <p:txBody>
-          <a:bodyPr>
+          <a:bodyPr anchor="ctr">
             <a:noAutofit/>
           </a:bodyPr>
           <a:lstStyle/>
@@ -8650,7 +8763,26 @@
               <a:t>公禱文 </a:t>
             </a:r>
             <a:r>
-              <a:rPr lang="en-US" altLang="zh-CN" sz="3200" b="1" dirty="0" err="1">
+              <a:rPr lang="en-US" altLang="zh-CN" sz="3600" b="1" dirty="0" smtClean="0">
+                <a:solidFill>
+                  <a:srgbClr val="000066"/>
+                </a:solidFill>
+                <a:latin typeface="微軟正黑體" pitchFamily="34" charset="-120"/>
+                <a:ea typeface="微軟正黑體" pitchFamily="34" charset="-120"/>
+              </a:rPr>
+              <a:t/>
+            </a:r>
+            <a:br>
+              <a:rPr lang="en-US" altLang="zh-CN" sz="3600" b="1" dirty="0" smtClean="0">
+                <a:solidFill>
+                  <a:srgbClr val="000066"/>
+                </a:solidFill>
+                <a:latin typeface="微軟正黑體" pitchFamily="34" charset="-120"/>
+                <a:ea typeface="微軟正黑體" pitchFamily="34" charset="-120"/>
+              </a:rPr>
+            </a:br>
+            <a:r>
+              <a:rPr lang="en-US" altLang="zh-CN" sz="3200" b="1" dirty="0" err="1" smtClean="0">
                 <a:solidFill>
                   <a:srgbClr val="660033"/>
                 </a:solidFill>
@@ -8661,7 +8793,7 @@
               <a:t>Cầu</a:t>
             </a:r>
             <a:r>
-              <a:rPr lang="en-US" altLang="zh-CN" sz="3200" b="1" dirty="0">
+              <a:rPr lang="en-US" altLang="zh-CN" sz="3200" b="1" dirty="0" smtClean="0">
                 <a:solidFill>
                   <a:srgbClr val="660033"/>
                 </a:solidFill>
@@ -8727,12 +8859,12 @@
         </p:nvSpPr>
         <p:spPr>
           <a:xfrm>
-            <a:off x="0" y="785800"/>
+            <a:off x="0" y="1347614"/>
             <a:ext cx="9144000" cy="2217998"/>
           </a:xfrm>
         </p:spPr>
         <p:txBody>
-          <a:bodyPr>
+          <a:bodyPr anchor="ctr">
             <a:noAutofit/>
           </a:bodyPr>
           <a:lstStyle/>
@@ -8856,15 +8988,15 @@
         </p:nvSpPr>
         <p:spPr>
           <a:xfrm>
-            <a:off x="0" y="3363838"/>
-            <a:ext cx="9144000" cy="1788214"/>
+            <a:off x="0" y="3507854"/>
+            <a:ext cx="9144000" cy="1644198"/>
           </a:xfrm>
           <a:prstGeom prst="rect">
             <a:avLst/>
           </a:prstGeom>
         </p:spPr>
         <p:txBody>
-          <a:bodyPr vert="horz" lIns="91440" tIns="45720" rIns="91440" bIns="45720" rtlCol="0">
+          <a:bodyPr vert="horz" lIns="91440" tIns="45720" rIns="91440" bIns="45720" rtlCol="0" anchor="ctr">
             <a:noAutofit/>
           </a:bodyPr>
           <a:lstStyle>
@@ -9099,12 +9231,12 @@
         </p:nvSpPr>
         <p:spPr>
           <a:xfrm>
-            <a:off x="0" y="85712"/>
+            <a:off x="0" y="267494"/>
             <a:ext cx="8991600" cy="628650"/>
           </a:xfrm>
         </p:spPr>
         <p:txBody>
-          <a:bodyPr>
+          <a:bodyPr anchor="ctr">
             <a:noAutofit/>
           </a:bodyPr>
           <a:lstStyle/>
@@ -9120,7 +9252,26 @@
               <a:t>公禱文 </a:t>
             </a:r>
             <a:r>
-              <a:rPr lang="en-US" altLang="zh-CN" sz="3200" b="1" dirty="0" err="1">
+              <a:rPr lang="en-US" altLang="zh-CN" sz="3600" b="1" dirty="0" smtClean="0">
+                <a:solidFill>
+                  <a:srgbClr val="000066"/>
+                </a:solidFill>
+                <a:latin typeface="微軟正黑體" pitchFamily="34" charset="-120"/>
+                <a:ea typeface="微軟正黑體" pitchFamily="34" charset="-120"/>
+              </a:rPr>
+              <a:t/>
+            </a:r>
+            <a:br>
+              <a:rPr lang="en-US" altLang="zh-CN" sz="3600" b="1" dirty="0" smtClean="0">
+                <a:solidFill>
+                  <a:srgbClr val="000066"/>
+                </a:solidFill>
+                <a:latin typeface="微軟正黑體" pitchFamily="34" charset="-120"/>
+                <a:ea typeface="微軟正黑體" pitchFamily="34" charset="-120"/>
+              </a:rPr>
+            </a:br>
+            <a:r>
+              <a:rPr lang="en-US" altLang="zh-CN" sz="3200" b="1" dirty="0" err="1" smtClean="0">
                 <a:solidFill>
                   <a:srgbClr val="660033"/>
                 </a:solidFill>
@@ -9131,7 +9282,7 @@
               <a:t>Cầu</a:t>
             </a:r>
             <a:r>
-              <a:rPr lang="en-US" altLang="zh-CN" sz="3200" b="1" dirty="0">
+              <a:rPr lang="en-US" altLang="zh-CN" sz="3200" b="1" dirty="0" smtClean="0">
                 <a:solidFill>
                   <a:srgbClr val="660033"/>
                 </a:solidFill>
@@ -9197,12 +9348,12 @@
         </p:nvSpPr>
         <p:spPr>
           <a:xfrm>
-            <a:off x="0" y="785800"/>
-            <a:ext cx="9144000" cy="2217998"/>
+            <a:off x="0" y="1203598"/>
+            <a:ext cx="9144000" cy="2001974"/>
           </a:xfrm>
         </p:spPr>
         <p:txBody>
-          <a:bodyPr>
+          <a:bodyPr anchor="ctr">
             <a:noAutofit/>
           </a:bodyPr>
           <a:lstStyle/>
@@ -9290,15 +9441,15 @@
         </p:nvSpPr>
         <p:spPr>
           <a:xfrm>
-            <a:off x="0" y="2859782"/>
-            <a:ext cx="9144000" cy="2292270"/>
+            <a:off x="0" y="3003798"/>
+            <a:ext cx="9144000" cy="2148254"/>
           </a:xfrm>
           <a:prstGeom prst="rect">
             <a:avLst/>
           </a:prstGeom>
         </p:spPr>
         <p:txBody>
-          <a:bodyPr vert="horz" lIns="91440" tIns="45720" rIns="91440" bIns="45720" rtlCol="0">
+          <a:bodyPr vert="horz" lIns="91440" tIns="45720" rIns="91440" bIns="45720" rtlCol="0" anchor="ctr">
             <a:noAutofit/>
           </a:bodyPr>
           <a:lstStyle>
@@ -9547,12 +9698,12 @@
         </p:nvSpPr>
         <p:spPr>
           <a:xfrm>
-            <a:off x="0" y="85712"/>
+            <a:off x="0" y="267494"/>
             <a:ext cx="8991600" cy="628650"/>
           </a:xfrm>
         </p:spPr>
         <p:txBody>
-          <a:bodyPr>
+          <a:bodyPr anchor="ctr">
             <a:noAutofit/>
           </a:bodyPr>
           <a:lstStyle/>
@@ -9568,7 +9719,26 @@
               <a:t>公禱文 </a:t>
             </a:r>
             <a:r>
-              <a:rPr lang="en-US" altLang="zh-CN" sz="3200" b="1" dirty="0" err="1">
+              <a:rPr lang="en-US" altLang="zh-CN" sz="3600" b="1" dirty="0" smtClean="0">
+                <a:solidFill>
+                  <a:srgbClr val="000066"/>
+                </a:solidFill>
+                <a:latin typeface="微軟正黑體" pitchFamily="34" charset="-120"/>
+                <a:ea typeface="微軟正黑體" pitchFamily="34" charset="-120"/>
+              </a:rPr>
+              <a:t/>
+            </a:r>
+            <a:br>
+              <a:rPr lang="en-US" altLang="zh-CN" sz="3600" b="1" dirty="0" smtClean="0">
+                <a:solidFill>
+                  <a:srgbClr val="000066"/>
+                </a:solidFill>
+                <a:latin typeface="微軟正黑體" pitchFamily="34" charset="-120"/>
+                <a:ea typeface="微軟正黑體" pitchFamily="34" charset="-120"/>
+              </a:rPr>
+            </a:br>
+            <a:r>
+              <a:rPr lang="en-US" altLang="zh-CN" sz="3200" b="1" dirty="0" err="1" smtClean="0">
                 <a:solidFill>
                   <a:srgbClr val="660033"/>
                 </a:solidFill>
@@ -9579,7 +9749,7 @@
               <a:t>Cầu</a:t>
             </a:r>
             <a:r>
-              <a:rPr lang="en-US" altLang="zh-CN" sz="3200" b="1" dirty="0">
+              <a:rPr lang="en-US" altLang="zh-CN" sz="3200" b="1" dirty="0" smtClean="0">
                 <a:solidFill>
                   <a:srgbClr val="660033"/>
                 </a:solidFill>
@@ -9645,12 +9815,12 @@
         </p:nvSpPr>
         <p:spPr>
           <a:xfrm>
-            <a:off x="0" y="785800"/>
-            <a:ext cx="9144000" cy="2217998"/>
+            <a:off x="0" y="1236154"/>
+            <a:ext cx="9144000" cy="1857958"/>
           </a:xfrm>
         </p:spPr>
         <p:txBody>
-          <a:bodyPr>
+          <a:bodyPr anchor="ctr">
             <a:noAutofit/>
           </a:bodyPr>
           <a:lstStyle/>
@@ -9738,15 +9908,15 @@
         </p:nvSpPr>
         <p:spPr>
           <a:xfrm>
-            <a:off x="0" y="2859782"/>
-            <a:ext cx="9144000" cy="2292270"/>
+            <a:off x="0" y="3075806"/>
+            <a:ext cx="9144000" cy="2076246"/>
           </a:xfrm>
           <a:prstGeom prst="rect">
             <a:avLst/>
           </a:prstGeom>
         </p:spPr>
         <p:txBody>
-          <a:bodyPr vert="horz" lIns="91440" tIns="45720" rIns="91440" bIns="45720" rtlCol="0">
+          <a:bodyPr vert="horz" lIns="91440" tIns="45720" rIns="91440" bIns="45720" rtlCol="0" anchor="ctr">
             <a:noAutofit/>
           </a:bodyPr>
           <a:lstStyle>
@@ -10065,12 +10235,12 @@
         </p:nvSpPr>
         <p:spPr>
           <a:xfrm>
-            <a:off x="0" y="85712"/>
+            <a:off x="0" y="267494"/>
             <a:ext cx="8991600" cy="628650"/>
           </a:xfrm>
         </p:spPr>
         <p:txBody>
-          <a:bodyPr>
+          <a:bodyPr anchor="ctr">
             <a:noAutofit/>
           </a:bodyPr>
           <a:lstStyle/>
@@ -10086,7 +10256,26 @@
               <a:t>公禱文 </a:t>
             </a:r>
             <a:r>
-              <a:rPr lang="en-US" altLang="zh-CN" sz="3200" b="1" dirty="0" err="1">
+              <a:rPr lang="en-US" altLang="zh-CN" sz="3600" b="1" dirty="0" smtClean="0">
+                <a:solidFill>
+                  <a:srgbClr val="000066"/>
+                </a:solidFill>
+                <a:latin typeface="微軟正黑體" pitchFamily="34" charset="-120"/>
+                <a:ea typeface="微軟正黑體" pitchFamily="34" charset="-120"/>
+              </a:rPr>
+              <a:t/>
+            </a:r>
+            <a:br>
+              <a:rPr lang="en-US" altLang="zh-CN" sz="3600" b="1" dirty="0" smtClean="0">
+                <a:solidFill>
+                  <a:srgbClr val="000066"/>
+                </a:solidFill>
+                <a:latin typeface="微軟正黑體" pitchFamily="34" charset="-120"/>
+                <a:ea typeface="微軟正黑體" pitchFamily="34" charset="-120"/>
+              </a:rPr>
+            </a:br>
+            <a:r>
+              <a:rPr lang="en-US" altLang="zh-CN" sz="3200" b="1" dirty="0" err="1" smtClean="0">
                 <a:solidFill>
                   <a:srgbClr val="660033"/>
                 </a:solidFill>
@@ -10097,7 +10286,7 @@
               <a:t>Cầu</a:t>
             </a:r>
             <a:r>
-              <a:rPr lang="en-US" altLang="zh-CN" sz="3200" b="1" dirty="0">
+              <a:rPr lang="en-US" altLang="zh-CN" sz="3200" b="1" dirty="0" smtClean="0">
                 <a:solidFill>
                   <a:srgbClr val="660033"/>
                 </a:solidFill>
@@ -10163,12 +10352,12 @@
         </p:nvSpPr>
         <p:spPr>
           <a:xfrm>
-            <a:off x="0" y="915566"/>
-            <a:ext cx="9144000" cy="2088232"/>
+            <a:off x="0" y="1203598"/>
+            <a:ext cx="9144000" cy="1944216"/>
           </a:xfrm>
         </p:spPr>
         <p:txBody>
-          <a:bodyPr>
+          <a:bodyPr anchor="ctr">
             <a:noAutofit/>
           </a:bodyPr>
           <a:lstStyle/>
@@ -10256,15 +10445,15 @@
         </p:nvSpPr>
         <p:spPr>
           <a:xfrm>
-            <a:off x="0" y="2859782"/>
-            <a:ext cx="9144000" cy="2292270"/>
+            <a:off x="0" y="3147814"/>
+            <a:ext cx="9144000" cy="2004238"/>
           </a:xfrm>
           <a:prstGeom prst="rect">
             <a:avLst/>
           </a:prstGeom>
         </p:spPr>
         <p:txBody>
-          <a:bodyPr vert="horz" lIns="91440" tIns="45720" rIns="91440" bIns="45720" rtlCol="0">
+          <a:bodyPr vert="horz" lIns="91440" tIns="45720" rIns="91440" bIns="45720" rtlCol="0" anchor="ctr">
             <a:noAutofit/>
           </a:bodyPr>
           <a:lstStyle>
@@ -10513,12 +10702,12 @@
         </p:nvSpPr>
         <p:spPr>
           <a:xfrm>
-            <a:off x="0" y="85712"/>
+            <a:off x="0" y="267494"/>
             <a:ext cx="8991600" cy="628650"/>
           </a:xfrm>
         </p:spPr>
         <p:txBody>
-          <a:bodyPr>
+          <a:bodyPr anchor="ctr">
             <a:noAutofit/>
           </a:bodyPr>
           <a:lstStyle/>
@@ -10534,7 +10723,26 @@
               <a:t>公禱文 </a:t>
             </a:r>
             <a:r>
-              <a:rPr lang="en-US" altLang="zh-CN" sz="3200" b="1" dirty="0" err="1">
+              <a:rPr lang="en-US" altLang="zh-CN" sz="3600" b="1" dirty="0" smtClean="0">
+                <a:solidFill>
+                  <a:srgbClr val="000066"/>
+                </a:solidFill>
+                <a:latin typeface="微軟正黑體" pitchFamily="34" charset="-120"/>
+                <a:ea typeface="微軟正黑體" pitchFamily="34" charset="-120"/>
+              </a:rPr>
+              <a:t/>
+            </a:r>
+            <a:br>
+              <a:rPr lang="en-US" altLang="zh-CN" sz="3600" b="1" dirty="0" smtClean="0">
+                <a:solidFill>
+                  <a:srgbClr val="000066"/>
+                </a:solidFill>
+                <a:latin typeface="微軟正黑體" pitchFamily="34" charset="-120"/>
+                <a:ea typeface="微軟正黑體" pitchFamily="34" charset="-120"/>
+              </a:rPr>
+            </a:br>
+            <a:r>
+              <a:rPr lang="en-US" altLang="zh-CN" sz="3200" b="1" dirty="0" err="1" smtClean="0">
                 <a:solidFill>
                   <a:srgbClr val="660033"/>
                 </a:solidFill>
@@ -10545,7 +10753,7 @@
               <a:t>Cầu</a:t>
             </a:r>
             <a:r>
-              <a:rPr lang="en-US" altLang="zh-CN" sz="3200" b="1" dirty="0">
+              <a:rPr lang="en-US" altLang="zh-CN" sz="3200" b="1" dirty="0" smtClean="0">
                 <a:solidFill>
                   <a:srgbClr val="660033"/>
                 </a:solidFill>
@@ -10611,12 +10819,12 @@
         </p:nvSpPr>
         <p:spPr>
           <a:xfrm>
-            <a:off x="0" y="915566"/>
-            <a:ext cx="9144000" cy="2088232"/>
+            <a:off x="0" y="1275606"/>
+            <a:ext cx="9144000" cy="1800200"/>
           </a:xfrm>
         </p:spPr>
         <p:txBody>
-          <a:bodyPr>
+          <a:bodyPr anchor="ctr">
             <a:noAutofit/>
           </a:bodyPr>
           <a:lstStyle/>
@@ -10738,15 +10946,15 @@
         </p:nvSpPr>
         <p:spPr>
           <a:xfrm>
-            <a:off x="0" y="2859782"/>
-            <a:ext cx="9144000" cy="2292270"/>
+            <a:off x="0" y="3075806"/>
+            <a:ext cx="9144000" cy="2076246"/>
           </a:xfrm>
           <a:prstGeom prst="rect">
             <a:avLst/>
           </a:prstGeom>
         </p:spPr>
         <p:txBody>
-          <a:bodyPr vert="horz" lIns="91440" tIns="45720" rIns="91440" bIns="45720" rtlCol="0">
+          <a:bodyPr vert="horz" lIns="91440" tIns="45720" rIns="91440" bIns="45720" rtlCol="0" anchor="ctr">
             <a:noAutofit/>
           </a:bodyPr>
           <a:lstStyle>
@@ -11084,7 +11292,7 @@
         </p:nvSpPr>
         <p:spPr>
           <a:xfrm>
-            <a:off x="0" y="2408312"/>
+            <a:off x="0" y="2571750"/>
             <a:ext cx="9144000" cy="646331"/>
           </a:xfrm>
           <a:prstGeom prst="rect">
@@ -11784,7 +11992,7 @@
         </p:nvSpPr>
         <p:spPr>
           <a:xfrm>
-            <a:off x="11247" y="2355726"/>
+            <a:off x="11247" y="2499742"/>
             <a:ext cx="9144000" cy="964406"/>
           </a:xfrm>
           <a:prstGeom prst="rect">
@@ -12670,7 +12878,7 @@
         </p:nvSpPr>
         <p:spPr>
           <a:xfrm>
-            <a:off x="-76200" y="3147814"/>
+            <a:off x="0" y="3147814"/>
             <a:ext cx="9144000" cy="1861948"/>
           </a:xfrm>
           <a:prstGeom prst="rect">
@@ -12823,7 +13031,7 @@
               <a:buNone/>
             </a:pPr>
             <a:r>
-              <a:rPr lang="en-US" altLang="zh-TW" sz="2800" b="1" dirty="0" err="1" smtClean="0">
+              <a:rPr lang="en-US" altLang="zh-TW" b="1" dirty="0" err="1" smtClean="0">
                 <a:solidFill>
                   <a:srgbClr val="660033"/>
                 </a:solidFill>
@@ -12840,7 +13048,7 @@
               <a:t>Chúa</a:t>
             </a:r>
             <a:r>
-              <a:rPr lang="en-US" altLang="zh-TW" sz="2800" b="1" dirty="0" smtClean="0">
+              <a:rPr lang="en-US" altLang="zh-TW" b="1" dirty="0" smtClean="0">
                 <a:solidFill>
                   <a:srgbClr val="660033"/>
                 </a:solidFill>
@@ -12857,7 +13065,7 @@
               <a:t> </a:t>
             </a:r>
             <a:r>
-              <a:rPr lang="en-US" altLang="zh-TW" sz="2800" b="1" dirty="0" err="1" smtClean="0">
+              <a:rPr lang="en-US" altLang="zh-TW" b="1" dirty="0" err="1" smtClean="0">
                 <a:solidFill>
                   <a:srgbClr val="660033"/>
                 </a:solidFill>
@@ -12874,7 +13082,7 @@
               <a:t>Giê-xu</a:t>
             </a:r>
             <a:r>
-              <a:rPr lang="en-US" altLang="zh-TW" sz="2800" b="1" dirty="0" smtClean="0">
+              <a:rPr lang="en-US" altLang="zh-TW" b="1" dirty="0" smtClean="0">
                 <a:solidFill>
                   <a:srgbClr val="660033"/>
                 </a:solidFill>
@@ -12891,7 +13099,7 @@
               <a:t> </a:t>
             </a:r>
             <a:r>
-              <a:rPr lang="en-US" altLang="zh-TW" sz="2800" b="1" dirty="0" err="1" smtClean="0">
+              <a:rPr lang="en-US" altLang="zh-TW" b="1" dirty="0" err="1" smtClean="0">
                 <a:solidFill>
                   <a:srgbClr val="660033"/>
                 </a:solidFill>
@@ -12908,7 +13116,7 @@
               <a:t>lâm</a:t>
             </a:r>
             <a:r>
-              <a:rPr lang="en-US" altLang="zh-TW" sz="2800" b="1" dirty="0" smtClean="0">
+              <a:rPr lang="en-US" altLang="zh-TW" b="1" dirty="0" smtClean="0">
                 <a:solidFill>
                   <a:srgbClr val="660033"/>
                 </a:solidFill>
@@ -12925,7 +13133,7 @@
               <a:t> </a:t>
             </a:r>
             <a:r>
-              <a:rPr lang="en-US" altLang="zh-TW" sz="2800" b="1" dirty="0" err="1" smtClean="0">
+              <a:rPr lang="en-US" altLang="zh-TW" b="1" dirty="0" err="1" smtClean="0">
                 <a:solidFill>
                   <a:srgbClr val="660033"/>
                 </a:solidFill>
@@ -12942,7 +13150,7 @@
               <a:t>phàm</a:t>
             </a:r>
             <a:r>
-              <a:rPr lang="en-US" altLang="zh-TW" sz="2800" b="1" dirty="0" smtClean="0">
+              <a:rPr lang="en-US" altLang="zh-TW" b="1" dirty="0" smtClean="0">
                 <a:solidFill>
                   <a:srgbClr val="660033"/>
                 </a:solidFill>
@@ -12959,7 +13167,7 @@
               <a:t>  </a:t>
             </a:r>
             <a:r>
-              <a:rPr lang="en-US" altLang="zh-TW" sz="2800" b="1" dirty="0" err="1" smtClean="0">
+              <a:rPr lang="en-US" altLang="zh-TW" b="1" dirty="0" err="1" smtClean="0">
                 <a:solidFill>
                   <a:srgbClr val="660033"/>
                 </a:solidFill>
@@ -12976,7 +13184,7 @@
               <a:t>lìa</a:t>
             </a:r>
             <a:r>
-              <a:rPr lang="en-US" altLang="zh-TW" sz="2800" b="1" dirty="0" smtClean="0">
+              <a:rPr lang="en-US" altLang="zh-TW" b="1" dirty="0" smtClean="0">
                 <a:solidFill>
                   <a:srgbClr val="660033"/>
                 </a:solidFill>
@@ -12993,7 +13201,7 @@
               <a:t> </a:t>
             </a:r>
             <a:r>
-              <a:rPr lang="en-US" altLang="zh-TW" sz="2800" b="1" dirty="0" err="1" smtClean="0">
+              <a:rPr lang="en-US" altLang="zh-TW" b="1" dirty="0" err="1" smtClean="0">
                 <a:solidFill>
                   <a:srgbClr val="660033"/>
                 </a:solidFill>
@@ -13010,7 +13218,7 @@
               <a:t>ngôi</a:t>
             </a:r>
             <a:r>
-              <a:rPr lang="en-US" altLang="zh-TW" sz="2800" b="1" dirty="0" smtClean="0">
+              <a:rPr lang="en-US" altLang="zh-TW" b="1" dirty="0" smtClean="0">
                 <a:solidFill>
                   <a:srgbClr val="660033"/>
                 </a:solidFill>
@@ -13027,7 +13235,7 @@
               <a:t> </a:t>
             </a:r>
             <a:r>
-              <a:rPr lang="en-US" altLang="zh-TW" sz="2800" b="1" dirty="0" err="1" smtClean="0">
+              <a:rPr lang="en-US" altLang="zh-TW" b="1" dirty="0" err="1" smtClean="0">
                 <a:solidFill>
                   <a:srgbClr val="660033"/>
                 </a:solidFill>
@@ -13044,7 +13252,7 @@
               <a:t>báu</a:t>
             </a:r>
             <a:r>
-              <a:rPr lang="en-US" altLang="zh-TW" sz="2800" b="1" dirty="0" smtClean="0">
+              <a:rPr lang="en-US" altLang="zh-TW" b="1" dirty="0" smtClean="0">
                 <a:solidFill>
                   <a:srgbClr val="660033"/>
                 </a:solidFill>
@@ -13061,7 +13269,7 @@
               <a:t> </a:t>
             </a:r>
             <a:r>
-              <a:rPr lang="en-US" altLang="zh-TW" sz="2800" b="1" dirty="0" err="1" smtClean="0">
+              <a:rPr lang="en-US" altLang="zh-TW" b="1" dirty="0" err="1" smtClean="0">
                 <a:solidFill>
                   <a:srgbClr val="660033"/>
                 </a:solidFill>
@@ -13078,7 +13286,7 @@
               <a:t>trên</a:t>
             </a:r>
             <a:r>
-              <a:rPr lang="en-US" altLang="zh-TW" sz="2800" b="1" dirty="0" smtClean="0">
+              <a:rPr lang="en-US" altLang="zh-TW" b="1" dirty="0" smtClean="0">
                 <a:solidFill>
                   <a:srgbClr val="660033"/>
                 </a:solidFill>
@@ -13095,7 +13303,7 @@
               <a:t> </a:t>
             </a:r>
             <a:r>
-              <a:rPr lang="en-US" altLang="zh-TW" sz="2800" b="1" dirty="0" err="1" smtClean="0">
+              <a:rPr lang="en-US" altLang="zh-TW" b="1" dirty="0" err="1" smtClean="0">
                 <a:solidFill>
                   <a:srgbClr val="660033"/>
                 </a:solidFill>
@@ -13112,7 +13320,7 @@
               <a:t>thiên</a:t>
             </a:r>
             <a:r>
-              <a:rPr lang="en-US" altLang="zh-TW" sz="2800" b="1" dirty="0" smtClean="0">
+              <a:rPr lang="en-US" altLang="zh-TW" b="1" dirty="0" smtClean="0">
                 <a:solidFill>
                   <a:srgbClr val="660033"/>
                 </a:solidFill>
@@ -13129,7 +13337,7 @@
               <a:t> </a:t>
             </a:r>
             <a:r>
-              <a:rPr lang="en-US" altLang="zh-TW" sz="2800" b="1" dirty="0" err="1" smtClean="0">
+              <a:rPr lang="en-US" altLang="zh-TW" b="1" dirty="0" err="1" smtClean="0">
                 <a:solidFill>
                   <a:srgbClr val="660033"/>
                 </a:solidFill>
@@ -13145,7 +13353,7 @@
               </a:rPr>
               <a:t>đàng</a:t>
             </a:r>
-            <a:endParaRPr lang="en-US" altLang="zh-TW" sz="2800" b="1" dirty="0" smtClean="0">
+            <a:endParaRPr lang="en-US" altLang="zh-TW" b="1" dirty="0" smtClean="0">
               <a:solidFill>
                 <a:srgbClr val="660033"/>
               </a:solidFill>
@@ -13165,7 +13373,7 @@
               <a:buNone/>
             </a:pPr>
             <a:r>
-              <a:rPr lang="en-US" altLang="zh-TW" sz="2800" b="1" dirty="0" err="1" smtClean="0">
+              <a:rPr lang="en-US" altLang="zh-TW" b="1" dirty="0" err="1" smtClean="0">
                 <a:solidFill>
                   <a:srgbClr val="660033"/>
                 </a:solidFill>
@@ -13182,7 +13390,7 @@
               <a:t>Vì</a:t>
             </a:r>
             <a:r>
-              <a:rPr lang="en-US" altLang="zh-TW" sz="2800" b="1" dirty="0" smtClean="0">
+              <a:rPr lang="en-US" altLang="zh-TW" b="1" dirty="0" smtClean="0">
                 <a:solidFill>
                   <a:srgbClr val="660033"/>
                 </a:solidFill>
@@ -13199,7 +13407,7 @@
               <a:t> </a:t>
             </a:r>
             <a:r>
-              <a:rPr lang="en-US" altLang="zh-TW" sz="2800" b="1" dirty="0" err="1" smtClean="0">
+              <a:rPr lang="en-US" altLang="zh-TW" b="1" dirty="0" err="1" smtClean="0">
                 <a:solidFill>
                   <a:srgbClr val="660033"/>
                 </a:solidFill>
@@ -13216,7 +13424,7 @@
               <a:t>ai</a:t>
             </a:r>
             <a:r>
-              <a:rPr lang="en-US" altLang="zh-TW" sz="2800" b="1" dirty="0" smtClean="0">
+              <a:rPr lang="en-US" altLang="zh-TW" b="1" dirty="0" smtClean="0">
                 <a:solidFill>
                   <a:srgbClr val="660033"/>
                 </a:solidFill>
@@ -13233,7 +13441,7 @@
               <a:t> </a:t>
             </a:r>
             <a:r>
-              <a:rPr lang="en-US" altLang="zh-TW" sz="2800" b="1" dirty="0" err="1" smtClean="0">
+              <a:rPr lang="en-US" altLang="zh-TW" b="1" dirty="0" err="1" smtClean="0">
                 <a:solidFill>
                   <a:srgbClr val="660033"/>
                 </a:solidFill>
@@ -13250,7 +13458,7 @@
               <a:t>Chúa</a:t>
             </a:r>
             <a:r>
-              <a:rPr lang="en-US" altLang="zh-TW" sz="2800" b="1" dirty="0" smtClean="0">
+              <a:rPr lang="en-US" altLang="zh-TW" b="1" dirty="0" smtClean="0">
                 <a:solidFill>
                   <a:srgbClr val="660033"/>
                 </a:solidFill>
@@ -13267,7 +13475,7 @@
               <a:t> </a:t>
             </a:r>
             <a:r>
-              <a:rPr lang="en-US" altLang="zh-TW" sz="2800" b="1" dirty="0" err="1" smtClean="0">
+              <a:rPr lang="en-US" altLang="zh-TW" b="1" dirty="0" err="1" smtClean="0">
                 <a:solidFill>
                   <a:srgbClr val="660033"/>
                 </a:solidFill>
@@ -13284,7 +13492,7 @@
               <a:t>tôi</a:t>
             </a:r>
             <a:r>
-              <a:rPr lang="en-US" altLang="zh-TW" sz="2800" b="1" dirty="0" smtClean="0">
+              <a:rPr lang="en-US" altLang="zh-TW" b="1" dirty="0" smtClean="0">
                 <a:solidFill>
                   <a:srgbClr val="660033"/>
                 </a:solidFill>
@@ -13301,7 +13509,7 @@
               <a:t> </a:t>
             </a:r>
             <a:r>
-              <a:rPr lang="en-US" altLang="zh-TW" sz="2800" b="1" dirty="0" err="1" smtClean="0">
+              <a:rPr lang="en-US" altLang="zh-TW" b="1" dirty="0" err="1" smtClean="0">
                 <a:solidFill>
                   <a:srgbClr val="660033"/>
                 </a:solidFill>
@@ -13318,7 +13526,7 @@
               <a:t>hạ</a:t>
             </a:r>
             <a:r>
-              <a:rPr lang="en-US" altLang="zh-TW" sz="2800" b="1" dirty="0" smtClean="0">
+              <a:rPr lang="en-US" altLang="zh-TW" b="1" dirty="0" smtClean="0">
                 <a:solidFill>
                   <a:srgbClr val="660033"/>
                 </a:solidFill>
@@ -13335,7 +13543,7 @@
               <a:t> </a:t>
             </a:r>
             <a:r>
-              <a:rPr lang="en-US" altLang="zh-TW" sz="2800" b="1" dirty="0" err="1" smtClean="0">
+              <a:rPr lang="en-US" altLang="zh-TW" b="1" dirty="0" err="1" smtClean="0">
                 <a:solidFill>
                   <a:srgbClr val="660033"/>
                 </a:solidFill>
@@ -13352,7 +13560,7 @@
               <a:t>trần</a:t>
             </a:r>
             <a:r>
-              <a:rPr lang="en-US" altLang="zh-TW" sz="2800" b="1" dirty="0" smtClean="0">
+              <a:rPr lang="en-US" altLang="zh-TW" b="1" dirty="0" smtClean="0">
                 <a:solidFill>
                   <a:srgbClr val="660033"/>
                 </a:solidFill>
@@ -13369,7 +13577,7 @@
               <a:t>  </a:t>
             </a:r>
             <a:r>
-              <a:rPr lang="en-US" altLang="zh-TW" sz="2800" b="1" dirty="0" err="1" smtClean="0">
+              <a:rPr lang="en-US" altLang="zh-TW" b="1" dirty="0" err="1" smtClean="0">
                 <a:solidFill>
                   <a:srgbClr val="660033"/>
                 </a:solidFill>
@@ -13386,7 +13594,7 @@
               <a:t>nằm</a:t>
             </a:r>
             <a:r>
-              <a:rPr lang="en-US" altLang="zh-TW" sz="2800" b="1" dirty="0" smtClean="0">
+              <a:rPr lang="en-US" altLang="zh-TW" b="1" dirty="0" smtClean="0">
                 <a:solidFill>
                   <a:srgbClr val="660033"/>
                 </a:solidFill>
@@ -13403,7 +13611,7 @@
               <a:t> </a:t>
             </a:r>
             <a:r>
-              <a:rPr lang="en-US" altLang="zh-TW" sz="2800" b="1" dirty="0" err="1" smtClean="0">
+              <a:rPr lang="en-US" altLang="zh-TW" b="1" dirty="0" err="1" smtClean="0">
                 <a:solidFill>
                   <a:srgbClr val="660033"/>
                 </a:solidFill>
@@ -13420,7 +13628,7 @@
               <a:t>trong</a:t>
             </a:r>
             <a:r>
-              <a:rPr lang="en-US" altLang="zh-TW" sz="2800" b="1" dirty="0" smtClean="0">
+              <a:rPr lang="en-US" altLang="zh-TW" b="1" dirty="0" smtClean="0">
                 <a:solidFill>
                   <a:srgbClr val="660033"/>
                 </a:solidFill>
@@ -13437,7 +13645,7 @@
               <a:t> </a:t>
             </a:r>
             <a:r>
-              <a:rPr lang="en-US" altLang="zh-TW" sz="2800" b="1" dirty="0" err="1" smtClean="0">
+              <a:rPr lang="en-US" altLang="zh-TW" b="1" dirty="0" err="1" smtClean="0">
                 <a:solidFill>
                   <a:srgbClr val="660033"/>
                 </a:solidFill>
@@ -13454,7 +13662,7 @@
               <a:t>máng</a:t>
             </a:r>
             <a:r>
-              <a:rPr lang="en-US" altLang="zh-TW" sz="2800" b="1" dirty="0" smtClean="0">
+              <a:rPr lang="en-US" altLang="zh-TW" b="1" dirty="0" smtClean="0">
                 <a:solidFill>
                   <a:srgbClr val="660033"/>
                 </a:solidFill>
@@ -13471,7 +13679,7 @@
               <a:t> </a:t>
             </a:r>
             <a:r>
-              <a:rPr lang="en-US" altLang="zh-TW" sz="2800" b="1" dirty="0" err="1" smtClean="0">
+              <a:rPr lang="en-US" altLang="zh-TW" b="1" dirty="0" err="1" smtClean="0">
                 <a:solidFill>
                   <a:srgbClr val="660033"/>
                 </a:solidFill>
@@ -13488,7 +13696,7 @@
               <a:t>cỏ</a:t>
             </a:r>
             <a:r>
-              <a:rPr lang="en-US" altLang="zh-TW" sz="2800" b="1" dirty="0" smtClean="0">
+              <a:rPr lang="en-US" altLang="zh-TW" b="1" dirty="0" smtClean="0">
                 <a:solidFill>
                   <a:srgbClr val="660033"/>
                 </a:solidFill>
@@ -13505,7 +13713,7 @@
               <a:t> </a:t>
             </a:r>
             <a:r>
-              <a:rPr lang="en-US" altLang="zh-TW" sz="2800" b="1" dirty="0" err="1" smtClean="0">
+              <a:rPr lang="en-US" altLang="zh-TW" b="1" dirty="0" err="1" smtClean="0">
                 <a:solidFill>
                   <a:srgbClr val="660033"/>
                 </a:solidFill>
@@ -13522,7 +13730,7 @@
               <a:t>tồi</a:t>
             </a:r>
             <a:r>
-              <a:rPr lang="en-US" altLang="zh-TW" sz="2800" b="1" dirty="0" smtClean="0">
+              <a:rPr lang="en-US" altLang="zh-TW" b="1" dirty="0" smtClean="0">
                 <a:solidFill>
                   <a:srgbClr val="660033"/>
                 </a:solidFill>
@@ -13539,7 +13747,7 @@
               <a:t> </a:t>
             </a:r>
             <a:r>
-              <a:rPr lang="en-US" altLang="zh-TW" sz="2800" b="1" dirty="0" err="1" smtClean="0">
+              <a:rPr lang="en-US" altLang="zh-TW" b="1" dirty="0" err="1" smtClean="0">
                 <a:solidFill>
                   <a:srgbClr val="660033"/>
                 </a:solidFill>
@@ -13555,7 +13763,7 @@
               </a:rPr>
               <a:t>tàn</a:t>
             </a:r>
-            <a:endParaRPr lang="zh-TW" altLang="en-US" sz="2800" b="1" dirty="0">
+            <a:endParaRPr lang="zh-TW" altLang="en-US" b="1" dirty="0">
               <a:solidFill>
                 <a:srgbClr val="660033"/>
               </a:solidFill>

--- a/聯合崇拜流程.pptx
+++ b/聯合崇拜流程.pptx
@@ -244,7 +244,7 @@
             <a:fld id="{2F30D4D0-EAC7-4980-A92D-C26C9148BA0F}" type="datetimeFigureOut">
               <a:rPr lang="zh-TW" altLang="en-US" smtClean="0"/>
               <a:pPr/>
-              <a:t>2020/6/6</a:t>
+              <a:t>2020/6/20</a:t>
             </a:fld>
             <a:endParaRPr lang="zh-TW" altLang="en-US"/>
           </a:p>
@@ -1485,7 +1485,7 @@
             <a:fld id="{5BBEAD13-0566-4C6C-97E7-55F17F24B09F}" type="datetimeFigureOut">
               <a:rPr lang="zh-TW" altLang="en-US" smtClean="0"/>
               <a:pPr/>
-              <a:t>2020/6/6</a:t>
+              <a:t>2020/6/20</a:t>
             </a:fld>
             <a:endParaRPr lang="zh-TW" altLang="en-US"/>
           </a:p>
@@ -1652,7 +1652,7 @@
             <a:fld id="{5BBEAD13-0566-4C6C-97E7-55F17F24B09F}" type="datetimeFigureOut">
               <a:rPr lang="zh-TW" altLang="en-US" smtClean="0"/>
               <a:pPr/>
-              <a:t>2020/6/6</a:t>
+              <a:t>2020/6/20</a:t>
             </a:fld>
             <a:endParaRPr lang="zh-TW" altLang="en-US"/>
           </a:p>
@@ -1829,7 +1829,7 @@
             <a:fld id="{5BBEAD13-0566-4C6C-97E7-55F17F24B09F}" type="datetimeFigureOut">
               <a:rPr lang="zh-TW" altLang="en-US" smtClean="0"/>
               <a:pPr/>
-              <a:t>2020/6/6</a:t>
+              <a:t>2020/6/20</a:t>
             </a:fld>
             <a:endParaRPr lang="zh-TW" altLang="en-US"/>
           </a:p>
@@ -1996,7 +1996,7 @@
             <a:fld id="{5BBEAD13-0566-4C6C-97E7-55F17F24B09F}" type="datetimeFigureOut">
               <a:rPr lang="zh-TW" altLang="en-US" smtClean="0"/>
               <a:pPr/>
-              <a:t>2020/6/6</a:t>
+              <a:t>2020/6/20</a:t>
             </a:fld>
             <a:endParaRPr lang="zh-TW" altLang="en-US"/>
           </a:p>
@@ -2239,7 +2239,7 @@
             <a:fld id="{5BBEAD13-0566-4C6C-97E7-55F17F24B09F}" type="datetimeFigureOut">
               <a:rPr lang="zh-TW" altLang="en-US" smtClean="0"/>
               <a:pPr/>
-              <a:t>2020/6/6</a:t>
+              <a:t>2020/6/20</a:t>
             </a:fld>
             <a:endParaRPr lang="zh-TW" altLang="en-US"/>
           </a:p>
@@ -2524,7 +2524,7 @@
             <a:fld id="{5BBEAD13-0566-4C6C-97E7-55F17F24B09F}" type="datetimeFigureOut">
               <a:rPr lang="zh-TW" altLang="en-US" smtClean="0"/>
               <a:pPr/>
-              <a:t>2020/6/6</a:t>
+              <a:t>2020/6/20</a:t>
             </a:fld>
             <a:endParaRPr lang="zh-TW" altLang="en-US"/>
           </a:p>
@@ -2943,7 +2943,7 @@
             <a:fld id="{5BBEAD13-0566-4C6C-97E7-55F17F24B09F}" type="datetimeFigureOut">
               <a:rPr lang="zh-TW" altLang="en-US" smtClean="0"/>
               <a:pPr/>
-              <a:t>2020/6/6</a:t>
+              <a:t>2020/6/20</a:t>
             </a:fld>
             <a:endParaRPr lang="zh-TW" altLang="en-US"/>
           </a:p>
@@ -3058,7 +3058,7 @@
             <a:fld id="{5BBEAD13-0566-4C6C-97E7-55F17F24B09F}" type="datetimeFigureOut">
               <a:rPr lang="zh-TW" altLang="en-US" smtClean="0"/>
               <a:pPr/>
-              <a:t>2020/6/6</a:t>
+              <a:t>2020/6/20</a:t>
             </a:fld>
             <a:endParaRPr lang="zh-TW" altLang="en-US"/>
           </a:p>
@@ -3150,7 +3150,7 @@
             <a:fld id="{5BBEAD13-0566-4C6C-97E7-55F17F24B09F}" type="datetimeFigureOut">
               <a:rPr lang="zh-TW" altLang="en-US" smtClean="0"/>
               <a:pPr/>
-              <a:t>2020/6/6</a:t>
+              <a:t>2020/6/20</a:t>
             </a:fld>
             <a:endParaRPr lang="zh-TW" altLang="en-US"/>
           </a:p>
@@ -3424,7 +3424,7 @@
             <a:fld id="{5BBEAD13-0566-4C6C-97E7-55F17F24B09F}" type="datetimeFigureOut">
               <a:rPr lang="zh-TW" altLang="en-US" smtClean="0"/>
               <a:pPr/>
-              <a:t>2020/6/6</a:t>
+              <a:t>2020/6/20</a:t>
             </a:fld>
             <a:endParaRPr lang="zh-TW" altLang="en-US"/>
           </a:p>
@@ -3678,7 +3678,7 @@
             <a:fld id="{5BBEAD13-0566-4C6C-97E7-55F17F24B09F}" type="datetimeFigureOut">
               <a:rPr lang="zh-TW" altLang="en-US" smtClean="0"/>
               <a:pPr/>
-              <a:t>2020/6/6</a:t>
+              <a:t>2020/6/20</a:t>
             </a:fld>
             <a:endParaRPr lang="zh-TW" altLang="en-US"/>
           </a:p>
@@ -3893,7 +3893,7 @@
             <a:fld id="{5BBEAD13-0566-4C6C-97E7-55F17F24B09F}" type="datetimeFigureOut">
               <a:rPr lang="zh-TW" altLang="en-US" smtClean="0"/>
               <a:pPr/>
-              <a:t>2020/6/6</a:t>
+              <a:t>2020/6/20</a:t>
             </a:fld>
             <a:endParaRPr lang="zh-TW" altLang="en-US"/>
           </a:p>
@@ -7396,7 +7396,22 @@
                   </a:outerShdw>
                 </a:effectLst>
               </a:rPr>
-              <a:t>đất chúng sinh sùng kính khắp nơi</a:t>
+              <a:t>đất chúng </a:t>
+            </a:r>
+            <a:r>
+              <a:rPr lang="vi-VN" sz="2800" b="1" dirty="0" smtClean="0">
+                <a:solidFill>
+                  <a:srgbClr val="660033"/>
+                </a:solidFill>
+                <a:effectLst>
+                  <a:outerShdw blurRad="38100" dist="38100" dir="2700000" algn="tl">
+                    <a:srgbClr val="000000">
+                      <a:alpha val="43137"/>
+                    </a:srgbClr>
+                  </a:outerShdw>
+                </a:effectLst>
+              </a:rPr>
+              <a:t>con cùng hát khắp nơi</a:t>
             </a:r>
             <a:endParaRPr lang="zh-TW" altLang="en-US" sz="2800" b="1" dirty="0">
               <a:solidFill>
@@ -8063,7 +8078,52 @@
                   </a:outerShdw>
                 </a:effectLst>
               </a:rPr>
-              <a:t>Trời cao cũng chung khen ngợi Ba Ngôi</a:t>
+              <a:t>Trời cao cũng chung </a:t>
+            </a:r>
+            <a:r>
+              <a:rPr lang="vi-VN" sz="2800" b="1" dirty="0" smtClean="0">
+                <a:solidFill>
+                  <a:srgbClr val="660033"/>
+                </a:solidFill>
+                <a:effectLst>
+                  <a:outerShdw blurRad="38100" dist="38100" dir="2700000" algn="tl">
+                    <a:srgbClr val="000000">
+                      <a:alpha val="43137"/>
+                    </a:srgbClr>
+                  </a:outerShdw>
+                </a:effectLst>
+              </a:rPr>
+              <a:t>ca</a:t>
+            </a:r>
+            <a:r>
+              <a:rPr lang="vi-VN" sz="2800" b="1" dirty="0" smtClean="0">
+                <a:solidFill>
+                  <a:srgbClr val="660033"/>
+                </a:solidFill>
+                <a:effectLst>
+                  <a:outerShdw blurRad="38100" dist="38100" dir="2700000" algn="tl">
+                    <a:srgbClr val="000000">
+                      <a:alpha val="43137"/>
+                    </a:srgbClr>
+                  </a:outerShdw>
+                </a:effectLst>
+              </a:rPr>
+              <a:t> </a:t>
+            </a:r>
+            <a:r>
+              <a:rPr lang="vi-VN" sz="2800" b="1" dirty="0">
+                <a:solidFill>
+                  <a:srgbClr val="660033"/>
+                </a:solidFill>
+                <a:effectLst>
+                  <a:outerShdw blurRad="38100" dist="38100" dir="2700000" algn="tl">
+                    <a:srgbClr val="000000">
+                      <a:alpha val="43137"/>
+                    </a:srgbClr>
+                  </a:outerShdw>
+                </a:effectLst>
+              </a:rPr>
+              <a:t>ngợi Ba Ngôi</a:t>
             </a:r>
             <a:endParaRPr lang="en-US" sz="2800" b="1" dirty="0">
               <a:solidFill>
@@ -8095,7 +8155,127 @@
                   </a:outerShdw>
                 </a:effectLst>
               </a:rPr>
-              <a:t>Chúa Cha cùng Con với Linh đời đời </a:t>
+              <a:t>Chúa </a:t>
+            </a:r>
+            <a:r>
+              <a:rPr lang="vi-VN" sz="2800" b="1">
+                <a:solidFill>
+                  <a:srgbClr val="660033"/>
+                </a:solidFill>
+                <a:effectLst>
+                  <a:outerShdw blurRad="38100" dist="38100" dir="2700000" algn="tl">
+                    <a:srgbClr val="000000">
+                      <a:alpha val="43137"/>
+                    </a:srgbClr>
+                  </a:outerShdw>
+                </a:effectLst>
+              </a:rPr>
+              <a:t>Cha </a:t>
+            </a:r>
+            <a:r>
+              <a:rPr lang="vi-VN" sz="2800" b="1" smtClean="0">
+                <a:solidFill>
+                  <a:srgbClr val="660033"/>
+                </a:solidFill>
+                <a:effectLst>
+                  <a:outerShdw blurRad="38100" dist="38100" dir="2700000" algn="tl">
+                    <a:srgbClr val="000000">
+                      <a:alpha val="43137"/>
+                    </a:srgbClr>
+                  </a:outerShdw>
+                </a:effectLst>
+              </a:rPr>
+              <a:t>và</a:t>
+            </a:r>
+            <a:r>
+              <a:rPr lang="vi-VN" sz="2800" b="1" smtClean="0">
+                <a:solidFill>
+                  <a:srgbClr val="660033"/>
+                </a:solidFill>
+                <a:effectLst>
+                  <a:outerShdw blurRad="38100" dist="38100" dir="2700000" algn="tl">
+                    <a:srgbClr val="000000">
+                      <a:alpha val="43137"/>
+                    </a:srgbClr>
+                  </a:outerShdw>
+                </a:effectLst>
+              </a:rPr>
+              <a:t> </a:t>
+            </a:r>
+            <a:r>
+              <a:rPr lang="vi-VN" sz="2800" b="1" dirty="0">
+                <a:solidFill>
+                  <a:srgbClr val="660033"/>
+                </a:solidFill>
+                <a:effectLst>
+                  <a:outerShdw blurRad="38100" dist="38100" dir="2700000" algn="tl">
+                    <a:srgbClr val="000000">
+                      <a:alpha val="43137"/>
+                    </a:srgbClr>
+                  </a:outerShdw>
+                </a:effectLst>
+              </a:rPr>
+              <a:t>Con với </a:t>
+            </a:r>
+            <a:r>
+              <a:rPr lang="vi-VN" sz="2800" b="1">
+                <a:solidFill>
+                  <a:srgbClr val="660033"/>
+                </a:solidFill>
+                <a:effectLst>
+                  <a:outerShdw blurRad="38100" dist="38100" dir="2700000" algn="tl">
+                    <a:srgbClr val="000000">
+                      <a:alpha val="43137"/>
+                    </a:srgbClr>
+                  </a:outerShdw>
+                </a:effectLst>
+              </a:rPr>
+              <a:t>Linh </a:t>
+            </a:r>
+            <a:r>
+              <a:rPr lang="vi-VN" sz="2800" b="1" smtClean="0">
+                <a:solidFill>
+                  <a:srgbClr val="660033"/>
+                </a:solidFill>
+                <a:effectLst>
+                  <a:outerShdw blurRad="38100" dist="38100" dir="2700000" algn="tl">
+                    <a:srgbClr val="000000">
+                      <a:alpha val="43137"/>
+                    </a:srgbClr>
+                  </a:outerShdw>
+                </a:effectLst>
+              </a:rPr>
+              <a:t>muôn</a:t>
+            </a:r>
+            <a:r>
+              <a:rPr lang="vi-VN" sz="2800" b="1" smtClean="0">
+                <a:solidFill>
+                  <a:srgbClr val="660033"/>
+                </a:solidFill>
+                <a:effectLst>
+                  <a:outerShdw blurRad="38100" dist="38100" dir="2700000" algn="tl">
+                    <a:srgbClr val="000000">
+                      <a:alpha val="43137"/>
+                    </a:srgbClr>
+                  </a:outerShdw>
+                </a:effectLst>
+              </a:rPr>
+              <a:t> </a:t>
+            </a:r>
+            <a:r>
+              <a:rPr lang="vi-VN" sz="2800" b="1" dirty="0">
+                <a:solidFill>
+                  <a:srgbClr val="660033"/>
+                </a:solidFill>
+                <a:effectLst>
+                  <a:outerShdw blurRad="38100" dist="38100" dir="2700000" algn="tl">
+                    <a:srgbClr val="000000">
+                      <a:alpha val="43137"/>
+                    </a:srgbClr>
+                  </a:outerShdw>
+                </a:effectLst>
+              </a:rPr>
+              <a:t>đời </a:t>
             </a:r>
             <a:endParaRPr lang="en-US" sz="2800" b="1" dirty="0">
               <a:solidFill>

--- a/聯合崇拜流程.pptx
+++ b/聯合崇拜流程.pptx
@@ -258,7 +258,7 @@
             <a:fld id="{2F30D4D0-EAC7-4980-A92D-C26C9148BA0F}" type="datetimeFigureOut">
               <a:rPr lang="zh-TW" altLang="en-US" smtClean="0"/>
               <a:pPr/>
-              <a:t>2020/12/19</a:t>
+              <a:t>2021/2/9</a:t>
             </a:fld>
             <a:endParaRPr lang="zh-TW" altLang="en-US"/>
           </a:p>
@@ -1519,7 +1519,7 @@
             <a:fld id="{5BBEAD13-0566-4C6C-97E7-55F17F24B09F}" type="datetimeFigureOut">
               <a:rPr lang="zh-TW" altLang="en-US" smtClean="0"/>
               <a:pPr/>
-              <a:t>2020/12/19</a:t>
+              <a:t>2021/2/9</a:t>
             </a:fld>
             <a:endParaRPr lang="zh-TW" altLang="en-US"/>
           </a:p>
@@ -1686,7 +1686,7 @@
             <a:fld id="{5BBEAD13-0566-4C6C-97E7-55F17F24B09F}" type="datetimeFigureOut">
               <a:rPr lang="zh-TW" altLang="en-US" smtClean="0"/>
               <a:pPr/>
-              <a:t>2020/12/19</a:t>
+              <a:t>2021/2/9</a:t>
             </a:fld>
             <a:endParaRPr lang="zh-TW" altLang="en-US"/>
           </a:p>
@@ -1863,7 +1863,7 @@
             <a:fld id="{5BBEAD13-0566-4C6C-97E7-55F17F24B09F}" type="datetimeFigureOut">
               <a:rPr lang="zh-TW" altLang="en-US" smtClean="0"/>
               <a:pPr/>
-              <a:t>2020/12/19</a:t>
+              <a:t>2021/2/9</a:t>
             </a:fld>
             <a:endParaRPr lang="zh-TW" altLang="en-US"/>
           </a:p>
@@ -2030,7 +2030,7 @@
             <a:fld id="{5BBEAD13-0566-4C6C-97E7-55F17F24B09F}" type="datetimeFigureOut">
               <a:rPr lang="zh-TW" altLang="en-US" smtClean="0"/>
               <a:pPr/>
-              <a:t>2020/12/19</a:t>
+              <a:t>2021/2/9</a:t>
             </a:fld>
             <a:endParaRPr lang="zh-TW" altLang="en-US"/>
           </a:p>
@@ -2273,7 +2273,7 @@
             <a:fld id="{5BBEAD13-0566-4C6C-97E7-55F17F24B09F}" type="datetimeFigureOut">
               <a:rPr lang="zh-TW" altLang="en-US" smtClean="0"/>
               <a:pPr/>
-              <a:t>2020/12/19</a:t>
+              <a:t>2021/2/9</a:t>
             </a:fld>
             <a:endParaRPr lang="zh-TW" altLang="en-US"/>
           </a:p>
@@ -2558,7 +2558,7 @@
             <a:fld id="{5BBEAD13-0566-4C6C-97E7-55F17F24B09F}" type="datetimeFigureOut">
               <a:rPr lang="zh-TW" altLang="en-US" smtClean="0"/>
               <a:pPr/>
-              <a:t>2020/12/19</a:t>
+              <a:t>2021/2/9</a:t>
             </a:fld>
             <a:endParaRPr lang="zh-TW" altLang="en-US"/>
           </a:p>
@@ -2977,7 +2977,7 @@
             <a:fld id="{5BBEAD13-0566-4C6C-97E7-55F17F24B09F}" type="datetimeFigureOut">
               <a:rPr lang="zh-TW" altLang="en-US" smtClean="0"/>
               <a:pPr/>
-              <a:t>2020/12/19</a:t>
+              <a:t>2021/2/9</a:t>
             </a:fld>
             <a:endParaRPr lang="zh-TW" altLang="en-US"/>
           </a:p>
@@ -3092,7 +3092,7 @@
             <a:fld id="{5BBEAD13-0566-4C6C-97E7-55F17F24B09F}" type="datetimeFigureOut">
               <a:rPr lang="zh-TW" altLang="en-US" smtClean="0"/>
               <a:pPr/>
-              <a:t>2020/12/19</a:t>
+              <a:t>2021/2/9</a:t>
             </a:fld>
             <a:endParaRPr lang="zh-TW" altLang="en-US"/>
           </a:p>
@@ -3184,7 +3184,7 @@
             <a:fld id="{5BBEAD13-0566-4C6C-97E7-55F17F24B09F}" type="datetimeFigureOut">
               <a:rPr lang="zh-TW" altLang="en-US" smtClean="0"/>
               <a:pPr/>
-              <a:t>2020/12/19</a:t>
+              <a:t>2021/2/9</a:t>
             </a:fld>
             <a:endParaRPr lang="zh-TW" altLang="en-US"/>
           </a:p>
@@ -3458,7 +3458,7 @@
             <a:fld id="{5BBEAD13-0566-4C6C-97E7-55F17F24B09F}" type="datetimeFigureOut">
               <a:rPr lang="zh-TW" altLang="en-US" smtClean="0"/>
               <a:pPr/>
-              <a:t>2020/12/19</a:t>
+              <a:t>2021/2/9</a:t>
             </a:fld>
             <a:endParaRPr lang="zh-TW" altLang="en-US"/>
           </a:p>
@@ -3712,7 +3712,7 @@
             <a:fld id="{5BBEAD13-0566-4C6C-97E7-55F17F24B09F}" type="datetimeFigureOut">
               <a:rPr lang="zh-TW" altLang="en-US" smtClean="0"/>
               <a:pPr/>
-              <a:t>2020/12/19</a:t>
+              <a:t>2021/2/9</a:t>
             </a:fld>
             <a:endParaRPr lang="zh-TW" altLang="en-US"/>
           </a:p>
@@ -3927,7 +3927,7 @@
             <a:fld id="{5BBEAD13-0566-4C6C-97E7-55F17F24B09F}" type="datetimeFigureOut">
               <a:rPr lang="zh-TW" altLang="en-US" smtClean="0"/>
               <a:pPr/>
-              <a:t>2020/12/19</a:t>
+              <a:t>2021/2/9</a:t>
             </a:fld>
             <a:endParaRPr lang="zh-TW" altLang="en-US"/>
           </a:p>
@@ -5080,7 +5080,7 @@
         </p:nvSpPr>
         <p:spPr>
           <a:xfrm>
-            <a:off x="0" y="1923678"/>
+            <a:off x="0" y="1851670"/>
             <a:ext cx="9144000" cy="628650"/>
           </a:xfrm>
         </p:spPr>
@@ -5151,7 +5151,7 @@
         </p:nvSpPr>
         <p:spPr>
           <a:xfrm>
-            <a:off x="0" y="2643758"/>
+            <a:off x="0" y="2571750"/>
             <a:ext cx="9144000" cy="628650"/>
           </a:xfrm>
           <a:prstGeom prst="rect">
@@ -6340,7 +6340,7 @@
         </p:nvSpPr>
         <p:spPr>
           <a:xfrm>
-            <a:off x="0" y="1563638"/>
+            <a:off x="0" y="1635646"/>
             <a:ext cx="9144000" cy="964406"/>
           </a:xfrm>
         </p:spPr>
@@ -6394,7 +6394,7 @@
         </p:nvSpPr>
         <p:spPr>
           <a:xfrm>
-            <a:off x="0" y="2355726"/>
+            <a:off x="0" y="2427734"/>
             <a:ext cx="9144000" cy="964406"/>
           </a:xfrm>
           <a:prstGeom prst="rect">
@@ -10405,19 +10405,6 @@
               </a:rPr>
               <a:t>Cha được nên, ở đất như trời</a:t>
             </a:r>
-            <a:endParaRPr lang="vi-VN" sz="2800" b="1" dirty="0">
-              <a:solidFill>
-                <a:srgbClr val="660033"/>
-              </a:solidFill>
-              <a:effectLst>
-                <a:outerShdw blurRad="38100" dist="38100" dir="2700000" algn="tl">
-                  <a:srgbClr val="000000">
-                    <a:alpha val="43137"/>
-                  </a:srgbClr>
-                </a:outerShdw>
-              </a:effectLst>
-              <a:cs typeface="Arial" panose="020B0604020202020204" pitchFamily="34" charset="0"/>
-            </a:endParaRPr>
           </a:p>
         </p:txBody>
       </p:sp>
@@ -10991,19 +10978,6 @@
               </a:rPr>
               <a:t>ăn đủ ngày</a:t>
             </a:r>
-            <a:endParaRPr lang="vi-VN" sz="2800" b="1" dirty="0">
-              <a:solidFill>
-                <a:srgbClr val="660033"/>
-              </a:solidFill>
-              <a:effectLst>
-                <a:outerShdw blurRad="38100" dist="38100" dir="2700000" algn="tl">
-                  <a:srgbClr val="000000">
-                    <a:alpha val="43137"/>
-                  </a:srgbClr>
-                </a:outerShdw>
-              </a:effectLst>
-              <a:cs typeface="Arial" panose="020B0604020202020204" pitchFamily="34" charset="0"/>
-            </a:endParaRPr>
           </a:p>
         </p:txBody>
       </p:sp>
@@ -11274,19 +11248,6 @@
               </a:rPr>
               <a:t>Xin tha tội lỗi cho chúng con</a:t>
             </a:r>
-            <a:endParaRPr lang="vi-VN" sz="2800" b="1" dirty="0">
-              <a:solidFill>
-                <a:srgbClr val="660033"/>
-              </a:solidFill>
-              <a:effectLst>
-                <a:outerShdw blurRad="38100" dist="38100" dir="2700000" algn="tl">
-                  <a:srgbClr val="000000">
-                    <a:alpha val="43137"/>
-                  </a:srgbClr>
-                </a:outerShdw>
-              </a:effectLst>
-              <a:cs typeface="Arial" panose="020B0604020202020204" pitchFamily="34" charset="0"/>
-            </a:endParaRPr>
           </a:p>
         </p:txBody>
       </p:sp>
@@ -11906,19 +11867,6 @@
               </a:rPr>
               <a:t>Xin chớ để chúng con bị cám dỗ</a:t>
             </a:r>
-            <a:endParaRPr lang="vi-VN" sz="2800" b="1" dirty="0">
-              <a:solidFill>
-                <a:srgbClr val="660033"/>
-              </a:solidFill>
-              <a:effectLst>
-                <a:outerShdw blurRad="38100" dist="38100" dir="2700000" algn="tl">
-                  <a:srgbClr val="000000">
-                    <a:alpha val="43137"/>
-                  </a:srgbClr>
-                </a:outerShdw>
-              </a:effectLst>
-              <a:cs typeface="Arial" panose="020B0604020202020204" pitchFamily="34" charset="0"/>
-            </a:endParaRPr>
           </a:p>
         </p:txBody>
       </p:sp>
@@ -12189,19 +12137,6 @@
               </a:rPr>
               <a:t>mà cứu chúng con khỏi điều ác</a:t>
             </a:r>
-            <a:endParaRPr lang="vi-VN" sz="2800" b="1" dirty="0">
-              <a:solidFill>
-                <a:srgbClr val="660033"/>
-              </a:solidFill>
-              <a:effectLst>
-                <a:outerShdw blurRad="38100" dist="38100" dir="2700000" algn="tl">
-                  <a:srgbClr val="000000">
-                    <a:alpha val="43137"/>
-                  </a:srgbClr>
-                </a:outerShdw>
-              </a:effectLst>
-              <a:cs typeface="Arial" panose="020B0604020202020204" pitchFamily="34" charset="0"/>
-            </a:endParaRPr>
           </a:p>
         </p:txBody>
       </p:sp>
@@ -12506,19 +12441,6 @@
               </a:rPr>
               <a:t>Vì nước, quyền, vinh hiển</a:t>
             </a:r>
-            <a:endParaRPr lang="vi-VN" sz="2800" b="1" dirty="0">
-              <a:solidFill>
-                <a:srgbClr val="660033"/>
-              </a:solidFill>
-              <a:effectLst>
-                <a:outerShdw blurRad="38100" dist="38100" dir="2700000" algn="tl">
-                  <a:srgbClr val="000000">
-                    <a:alpha val="43137"/>
-                  </a:srgbClr>
-                </a:outerShdw>
-              </a:effectLst>
-              <a:cs typeface="Arial" panose="020B0604020202020204" pitchFamily="34" charset="0"/>
-            </a:endParaRPr>
           </a:p>
         </p:txBody>
       </p:sp>
@@ -15093,7 +15015,7 @@
         </p:nvSpPr>
         <p:spPr>
           <a:xfrm>
-            <a:off x="0" y="1707654"/>
+            <a:off x="0" y="1851670"/>
             <a:ext cx="9144000" cy="628650"/>
           </a:xfrm>
         </p:spPr>
@@ -15147,7 +15069,7 @@
         </p:nvSpPr>
         <p:spPr>
           <a:xfrm>
-            <a:off x="0" y="2427734"/>
+            <a:off x="0" y="2571750"/>
             <a:ext cx="9144000" cy="628650"/>
           </a:xfrm>
           <a:prstGeom prst="rect">
